--- a/HikingPresentation.pptx
+++ b/HikingPresentation.pptx
@@ -15,10 +15,12 @@
     <p:sldId id="266" r:id="rId9"/>
     <p:sldId id="260" r:id="rId10"/>
     <p:sldId id="261" r:id="rId11"/>
-    <p:sldId id="267" r:id="rId12"/>
-    <p:sldId id="268" r:id="rId13"/>
-    <p:sldId id="269" r:id="rId14"/>
-    <p:sldId id="262" r:id="rId15"/>
+    <p:sldId id="270" r:id="rId12"/>
+    <p:sldId id="267" r:id="rId13"/>
+    <p:sldId id="268" r:id="rId14"/>
+    <p:sldId id="271" r:id="rId15"/>
+    <p:sldId id="269" r:id="rId16"/>
+    <p:sldId id="262" r:id="rId17"/>
   </p:sldIdLst>
   <p:sldSz cx="12192000" cy="6858000"/>
   <p:notesSz cx="6858000" cy="9144000"/>
@@ -3614,7 +3616,7 @@
           <a:p>
             <a:fld id="{72345051-2045-45DA-935E-2E3CA1A69ADC}" type="datetimeFigureOut">
               <a:rPr lang="en-US" smtClean="0"/>
-              <a:t>2/27/23</a:t>
+              <a:t>2/28/23</a:t>
             </a:fld>
             <a:endParaRPr lang="en-US" dirty="0"/>
           </a:p>
@@ -3812,7 +3814,7 @@
           <a:p>
             <a:fld id="{72345051-2045-45DA-935E-2E3CA1A69ADC}" type="datetimeFigureOut">
               <a:rPr lang="en-US" smtClean="0"/>
-              <a:t>2/27/23</a:t>
+              <a:t>2/28/23</a:t>
             </a:fld>
             <a:endParaRPr lang="en-US"/>
           </a:p>
@@ -4020,7 +4022,7 @@
           <a:p>
             <a:fld id="{72345051-2045-45DA-935E-2E3CA1A69ADC}" type="datetimeFigureOut">
               <a:rPr lang="en-US" smtClean="0"/>
-              <a:t>2/27/23</a:t>
+              <a:t>2/28/23</a:t>
             </a:fld>
             <a:endParaRPr lang="en-US"/>
           </a:p>
@@ -4242,7 +4244,7 @@
           <a:p>
             <a:fld id="{72345051-2045-45DA-935E-2E3CA1A69ADC}" type="datetimeFigureOut">
               <a:rPr lang="en-US" smtClean="0"/>
-              <a:t>2/27/23</a:t>
+              <a:t>2/28/23</a:t>
             </a:fld>
             <a:endParaRPr lang="en-US"/>
           </a:p>
@@ -5153,7 +5155,7 @@
           <a:p>
             <a:fld id="{72345051-2045-45DA-935E-2E3CA1A69ADC}" type="datetimeFigureOut">
               <a:rPr lang="en-US" smtClean="0"/>
-              <a:t>2/27/23</a:t>
+              <a:t>2/28/23</a:t>
             </a:fld>
             <a:endParaRPr lang="en-US"/>
           </a:p>
@@ -5756,7 +5758,7 @@
           <a:p>
             <a:fld id="{72345051-2045-45DA-935E-2E3CA1A69ADC}" type="datetimeFigureOut">
               <a:rPr lang="en-US" smtClean="0"/>
-              <a:t>2/27/23</a:t>
+              <a:t>2/28/23</a:t>
             </a:fld>
             <a:endParaRPr lang="en-US"/>
           </a:p>
@@ -6804,7 +6806,7 @@
           <a:p>
             <a:fld id="{72345051-2045-45DA-935E-2E3CA1A69ADC}" type="datetimeFigureOut">
               <a:rPr lang="en-US" smtClean="0"/>
-              <a:t>2/27/23</a:t>
+              <a:t>2/28/23</a:t>
             </a:fld>
             <a:endParaRPr lang="en-US"/>
           </a:p>
@@ -7588,7 +7590,7 @@
           <a:p>
             <a:fld id="{72345051-2045-45DA-935E-2E3CA1A69ADC}" type="datetimeFigureOut">
               <a:rPr lang="en-US" smtClean="0"/>
-              <a:t>2/27/23</a:t>
+              <a:t>2/28/23</a:t>
             </a:fld>
             <a:endParaRPr lang="en-US"/>
           </a:p>
@@ -8037,7 +8039,7 @@
           <a:p>
             <a:fld id="{72345051-2045-45DA-935E-2E3CA1A69ADC}" type="datetimeFigureOut">
               <a:rPr lang="en-US" smtClean="0"/>
-              <a:t>2/27/23</a:t>
+              <a:t>2/28/23</a:t>
             </a:fld>
             <a:endParaRPr lang="en-US"/>
           </a:p>
@@ -8354,7 +8356,7 @@
           <a:p>
             <a:fld id="{72345051-2045-45DA-935E-2E3CA1A69ADC}" type="datetimeFigureOut">
               <a:rPr lang="en-US" smtClean="0"/>
-              <a:t>2/27/23</a:t>
+              <a:t>2/28/23</a:t>
             </a:fld>
             <a:endParaRPr lang="en-US"/>
           </a:p>
@@ -8982,7 +8984,7 @@
           <a:p>
             <a:fld id="{72345051-2045-45DA-935E-2E3CA1A69ADC}" type="datetimeFigureOut">
               <a:rPr lang="en-US" smtClean="0"/>
-              <a:t>2/27/23</a:t>
+              <a:t>2/28/23</a:t>
             </a:fld>
             <a:endParaRPr lang="en-US"/>
           </a:p>
@@ -9555,7 +9557,7 @@
           <a:p>
             <a:fld id="{72345051-2045-45DA-935E-2E3CA1A69ADC}" type="datetimeFigureOut">
               <a:rPr lang="en-US" smtClean="0"/>
-              <a:t>2/27/23</a:t>
+              <a:t>2/28/23</a:t>
             </a:fld>
             <a:endParaRPr lang="en-US" dirty="0"/>
           </a:p>
@@ -10133,7 +10135,7 @@
         </p:blipFill>
         <p:spPr>
           <a:xfrm>
-            <a:off x="20" y="10"/>
+            <a:off x="38" y="10"/>
             <a:ext cx="12191962" cy="6857990"/>
           </a:xfrm>
           <a:prstGeom prst="rect">
@@ -10676,10 +10678,10 @@
       </p:sp>
       <p:pic>
         <p:nvPicPr>
-          <p:cNvPr id="7" name="Content Placeholder 6" descr="Chart, bar chart&#10;&#10;Description automatically generated">
+          <p:cNvPr id="6" name="Content Placeholder 5">
             <a:extLst>
               <a:ext uri="{FF2B5EF4-FFF2-40B4-BE49-F238E27FC236}">
-                <a16:creationId xmlns:a16="http://schemas.microsoft.com/office/drawing/2014/main" id="{EC7D6BC5-AA1F-4799-6135-9839B6910D3D}"/>
+                <a16:creationId xmlns:a16="http://schemas.microsoft.com/office/drawing/2014/main" id="{FCF5A79E-2CED-53A6-EFA8-902D862C434A}"/>
               </a:ext>
             </a:extLst>
           </p:cNvPr>
@@ -10698,9 +10700,12 @@
         </p:blipFill>
         <p:spPr>
           <a:xfrm>
-            <a:off x="2211788" y="1928813"/>
-            <a:ext cx="7768423" cy="4252912"/>
+            <a:off x="2963004" y="2048141"/>
+            <a:ext cx="6265991" cy="4444734"/>
           </a:xfrm>
+          <a:prstGeom prst="rect">
+            <a:avLst/>
+          </a:prstGeom>
         </p:spPr>
       </p:pic>
     </p:spTree>
@@ -10717,6 +10722,97 @@
 </file>
 
 <file path=ppt/slides/slide11.xml><?xml version="1.0" encoding="utf-8"?>
+<p:sld xmlns:a="http://schemas.openxmlformats.org/drawingml/2006/main" xmlns:r="http://schemas.openxmlformats.org/officeDocument/2006/relationships" xmlns:p="http://schemas.openxmlformats.org/presentationml/2006/main">
+  <p:cSld>
+    <p:spTree>
+      <p:nvGrpSpPr>
+        <p:cNvPr id="1" name=""/>
+        <p:cNvGrpSpPr/>
+        <p:nvPr/>
+      </p:nvGrpSpPr>
+      <p:grpSpPr>
+        <a:xfrm>
+          <a:off x="0" y="0"/>
+          <a:ext cx="0" cy="0"/>
+          <a:chOff x="0" y="0"/>
+          <a:chExt cx="0" cy="0"/>
+        </a:xfrm>
+      </p:grpSpPr>
+      <p:sp>
+        <p:nvSpPr>
+          <p:cNvPr id="2" name="Title 1">
+            <a:extLst>
+              <a:ext uri="{FF2B5EF4-FFF2-40B4-BE49-F238E27FC236}">
+                <a16:creationId xmlns:a16="http://schemas.microsoft.com/office/drawing/2014/main" id="{4574AF5D-D862-3FC2-D21E-3FFA30967A16}"/>
+              </a:ext>
+            </a:extLst>
+          </p:cNvPr>
+          <p:cNvSpPr>
+            <a:spLocks noGrp="1"/>
+          </p:cNvSpPr>
+          <p:nvPr>
+            <p:ph type="title"/>
+          </p:nvPr>
+        </p:nvSpPr>
+        <p:spPr/>
+        <p:txBody>
+          <a:bodyPr/>
+          <a:lstStyle/>
+          <a:p>
+            <a:r>
+              <a:rPr lang="en-US"/>
+              <a:t>Visualizations</a:t>
+            </a:r>
+            <a:endParaRPr lang="en-US" dirty="0"/>
+          </a:p>
+        </p:txBody>
+      </p:sp>
+      <p:pic>
+        <p:nvPicPr>
+          <p:cNvPr id="5" name="Content Placeholder 4">
+            <a:extLst>
+              <a:ext uri="{FF2B5EF4-FFF2-40B4-BE49-F238E27FC236}">
+                <a16:creationId xmlns:a16="http://schemas.microsoft.com/office/drawing/2014/main" id="{94E2C481-2BE7-12AA-9E2A-F436845F0AB5}"/>
+              </a:ext>
+            </a:extLst>
+          </p:cNvPr>
+          <p:cNvPicPr>
+            <a:picLocks noGrp="1" noChangeAspect="1"/>
+          </p:cNvPicPr>
+          <p:nvPr>
+            <p:ph idx="1"/>
+          </p:nvPr>
+        </p:nvPicPr>
+        <p:blipFill>
+          <a:blip r:embed="rId2"/>
+          <a:stretch>
+            <a:fillRect/>
+          </a:stretch>
+        </p:blipFill>
+        <p:spPr>
+          <a:xfrm>
+            <a:off x="1440659" y="1913231"/>
+            <a:ext cx="9310681" cy="4579644"/>
+          </a:xfrm>
+          <a:prstGeom prst="rect">
+            <a:avLst/>
+          </a:prstGeom>
+        </p:spPr>
+      </p:pic>
+    </p:spTree>
+    <p:extLst>
+      <p:ext uri="{BB962C8B-B14F-4D97-AF65-F5344CB8AC3E}">
+        <p14:creationId xmlns:p14="http://schemas.microsoft.com/office/powerpoint/2010/main" val="2086798783"/>
+      </p:ext>
+    </p:extLst>
+  </p:cSld>
+  <p:clrMapOvr>
+    <a:masterClrMapping/>
+  </p:clrMapOvr>
+</p:sld>
+</file>
+
+<file path=ppt/slides/slide12.xml><?xml version="1.0" encoding="utf-8"?>
 <p:sld xmlns:a="http://schemas.openxmlformats.org/drawingml/2006/main" xmlns:r="http://schemas.openxmlformats.org/officeDocument/2006/relationships" xmlns:p="http://schemas.openxmlformats.org/presentationml/2006/main">
   <p:cSld>
     <p:spTree>
@@ -10763,10 +10859,10 @@
       </p:sp>
       <p:pic>
         <p:nvPicPr>
-          <p:cNvPr id="7" name="Content Placeholder 6" descr="Chart, bar chart&#10;&#10;Description automatically generated">
+          <p:cNvPr id="5" name="Content Placeholder 4">
             <a:extLst>
               <a:ext uri="{FF2B5EF4-FFF2-40B4-BE49-F238E27FC236}">
-                <a16:creationId xmlns:a16="http://schemas.microsoft.com/office/drawing/2014/main" id="{F3C2392D-63AE-F9A5-A294-B8C49638518D}"/>
+                <a16:creationId xmlns:a16="http://schemas.microsoft.com/office/drawing/2014/main" id="{BA1219F8-B46C-5481-C91D-7993E8290315}"/>
               </a:ext>
             </a:extLst>
           </p:cNvPr>
@@ -10785,9 +10881,12 @@
         </p:blipFill>
         <p:spPr>
           <a:xfrm>
-            <a:off x="3350804" y="2028876"/>
-            <a:ext cx="5490392" cy="4463999"/>
+            <a:off x="3193956" y="2001616"/>
+            <a:ext cx="5804088" cy="4491259"/>
           </a:xfrm>
+          <a:prstGeom prst="rect">
+            <a:avLst/>
+          </a:prstGeom>
         </p:spPr>
       </p:pic>
     </p:spTree>
@@ -10803,7 +10902,7 @@
 </p:sld>
 </file>
 
-<file path=ppt/slides/slide12.xml><?xml version="1.0" encoding="utf-8"?>
+<file path=ppt/slides/slide13.xml><?xml version="1.0" encoding="utf-8"?>
 <p:sld xmlns:a="http://schemas.openxmlformats.org/drawingml/2006/main" xmlns:r="http://schemas.openxmlformats.org/officeDocument/2006/relationships" xmlns:p="http://schemas.openxmlformats.org/presentationml/2006/main">
   <p:cSld>
     <p:spTree>
@@ -10850,10 +10949,10 @@
       </p:sp>
       <p:pic>
         <p:nvPicPr>
-          <p:cNvPr id="7" name="Content Placeholder 6" descr="Chart, box and whisker chart&#10;&#10;Description automatically generated">
+          <p:cNvPr id="5" name="Content Placeholder 4">
             <a:extLst>
               <a:ext uri="{FF2B5EF4-FFF2-40B4-BE49-F238E27FC236}">
-                <a16:creationId xmlns:a16="http://schemas.microsoft.com/office/drawing/2014/main" id="{21106AB9-0B1F-654F-C1A7-8A36EA91AACE}"/>
+                <a16:creationId xmlns:a16="http://schemas.microsoft.com/office/drawing/2014/main" id="{6FE64DF6-6E8A-E8B9-3D4D-9C557447F915}"/>
               </a:ext>
             </a:extLst>
           </p:cNvPr>
@@ -10872,35 +10971,8 @@
         </p:blipFill>
         <p:spPr>
           <a:xfrm>
-            <a:off x="951197" y="2089451"/>
-            <a:ext cx="5144803" cy="4252912"/>
-          </a:xfrm>
-        </p:spPr>
-      </p:pic>
-      <p:pic>
-        <p:nvPicPr>
-          <p:cNvPr id="9" name="Picture 8" descr="Chart, box and whisker chart&#10;&#10;Description automatically generated">
-            <a:extLst>
-              <a:ext uri="{FF2B5EF4-FFF2-40B4-BE49-F238E27FC236}">
-                <a16:creationId xmlns:a16="http://schemas.microsoft.com/office/drawing/2014/main" id="{DDC2C09D-3824-AE24-98E5-E87CB1AF6E58}"/>
-              </a:ext>
-            </a:extLst>
-          </p:cNvPr>
-          <p:cNvPicPr>
-            <a:picLocks noChangeAspect="1"/>
-          </p:cNvPicPr>
-          <p:nvPr/>
-        </p:nvPicPr>
-        <p:blipFill>
-          <a:blip r:embed="rId3"/>
-          <a:stretch>
-            <a:fillRect/>
-          </a:stretch>
-        </p:blipFill>
-        <p:spPr>
-          <a:xfrm>
-            <a:off x="6513433" y="2089451"/>
-            <a:ext cx="4727370" cy="4768549"/>
+            <a:off x="2997614" y="2004047"/>
+            <a:ext cx="6196772" cy="4488828"/>
           </a:xfrm>
           <a:prstGeom prst="rect">
             <a:avLst/>
@@ -10920,7 +10992,123 @@
 </p:sld>
 </file>
 
-<file path=ppt/slides/slide13.xml><?xml version="1.0" encoding="utf-8"?>
+<file path=ppt/slides/slide14.xml><?xml version="1.0" encoding="utf-8"?>
+<p:sld xmlns:a="http://schemas.openxmlformats.org/drawingml/2006/main" xmlns:r="http://schemas.openxmlformats.org/officeDocument/2006/relationships" xmlns:p="http://schemas.openxmlformats.org/presentationml/2006/main">
+  <p:cSld>
+    <p:spTree>
+      <p:nvGrpSpPr>
+        <p:cNvPr id="1" name=""/>
+        <p:cNvGrpSpPr/>
+        <p:nvPr/>
+      </p:nvGrpSpPr>
+      <p:grpSpPr>
+        <a:xfrm>
+          <a:off x="0" y="0"/>
+          <a:ext cx="0" cy="0"/>
+          <a:chOff x="0" y="0"/>
+          <a:chExt cx="0" cy="0"/>
+        </a:xfrm>
+      </p:grpSpPr>
+      <p:sp>
+        <p:nvSpPr>
+          <p:cNvPr id="2" name="Title 1">
+            <a:extLst>
+              <a:ext uri="{FF2B5EF4-FFF2-40B4-BE49-F238E27FC236}">
+                <a16:creationId xmlns:a16="http://schemas.microsoft.com/office/drawing/2014/main" id="{50101209-B491-466D-BBD0-3256CB64A5C6}"/>
+              </a:ext>
+            </a:extLst>
+          </p:cNvPr>
+          <p:cNvSpPr>
+            <a:spLocks noGrp="1"/>
+          </p:cNvSpPr>
+          <p:nvPr>
+            <p:ph type="title"/>
+          </p:nvPr>
+        </p:nvSpPr>
+        <p:spPr/>
+        <p:txBody>
+          <a:bodyPr/>
+          <a:lstStyle/>
+          <a:p>
+            <a:r>
+              <a:rPr lang="en-US" dirty="0"/>
+              <a:t>Visualizations</a:t>
+            </a:r>
+          </a:p>
+        </p:txBody>
+      </p:sp>
+      <p:pic>
+        <p:nvPicPr>
+          <p:cNvPr id="7" name="Picture 6">
+            <a:extLst>
+              <a:ext uri="{FF2B5EF4-FFF2-40B4-BE49-F238E27FC236}">
+                <a16:creationId xmlns:a16="http://schemas.microsoft.com/office/drawing/2014/main" id="{1CC863F6-779A-C8BC-5F29-0709FFA3F3D8}"/>
+              </a:ext>
+            </a:extLst>
+          </p:cNvPr>
+          <p:cNvPicPr>
+            <a:picLocks noChangeAspect="1"/>
+          </p:cNvPicPr>
+          <p:nvPr/>
+        </p:nvPicPr>
+        <p:blipFill rotWithShape="1">
+          <a:blip r:embed="rId2"/>
+          <a:srcRect t="77477"/>
+          <a:stretch/>
+        </p:blipFill>
+        <p:spPr>
+          <a:xfrm>
+            <a:off x="579559" y="2804984"/>
+            <a:ext cx="11032882" cy="2545491"/>
+          </a:xfrm>
+          <a:prstGeom prst="rect">
+            <a:avLst/>
+          </a:prstGeom>
+        </p:spPr>
+      </p:pic>
+      <p:pic>
+        <p:nvPicPr>
+          <p:cNvPr id="10" name="Picture 9">
+            <a:extLst>
+              <a:ext uri="{FF2B5EF4-FFF2-40B4-BE49-F238E27FC236}">
+                <a16:creationId xmlns:a16="http://schemas.microsoft.com/office/drawing/2014/main" id="{6BFA7A9E-6869-F49E-9D4D-5015227918EA}"/>
+              </a:ext>
+            </a:extLst>
+          </p:cNvPr>
+          <p:cNvPicPr>
+            <a:picLocks noChangeAspect="1"/>
+          </p:cNvPicPr>
+          <p:nvPr/>
+        </p:nvPicPr>
+        <p:blipFill rotWithShape="1">
+          <a:blip r:embed="rId2"/>
+          <a:srcRect t="11892" b="78018"/>
+          <a:stretch/>
+        </p:blipFill>
+        <p:spPr>
+          <a:xfrm>
+            <a:off x="579559" y="3842951"/>
+            <a:ext cx="11032882" cy="1124465"/>
+          </a:xfrm>
+          <a:prstGeom prst="rect">
+            <a:avLst/>
+          </a:prstGeom>
+        </p:spPr>
+      </p:pic>
+    </p:spTree>
+    <p:extLst>
+      <p:ext uri="{BB962C8B-B14F-4D97-AF65-F5344CB8AC3E}">
+        <p14:creationId xmlns:p14="http://schemas.microsoft.com/office/powerpoint/2010/main" val="2540175171"/>
+      </p:ext>
+    </p:extLst>
+  </p:cSld>
+  <p:clrMapOvr>
+    <a:masterClrMapping/>
+  </p:clrMapOvr>
+</p:sld>
+</file>
+
+<file path=ppt/slides/slide15.xml><?xml version="1.0" encoding="utf-8"?>
 <p:sld xmlns:a="http://schemas.openxmlformats.org/drawingml/2006/main" xmlns:r="http://schemas.openxmlformats.org/officeDocument/2006/relationships" xmlns:p="http://schemas.openxmlformats.org/presentationml/2006/main">
   <p:cSld>
     <p:spTree>
@@ -11183,7 +11371,7 @@
 </p:sld>
 </file>
 
-<file path=ppt/slides/slide14.xml><?xml version="1.0" encoding="utf-8"?>
+<file path=ppt/slides/slide16.xml><?xml version="1.0" encoding="utf-8"?>
 <p:sld xmlns:a="http://schemas.openxmlformats.org/drawingml/2006/main" xmlns:r="http://schemas.openxmlformats.org/officeDocument/2006/relationships" xmlns:p="http://schemas.openxmlformats.org/presentationml/2006/main">
   <p:cSld>
     <p:bg>
@@ -13206,46 +13394,19 @@
           <a:lstStyle/>
           <a:p>
             <a:r>
-              <a:rPr lang="en-US" dirty="0"/>
+              <a:rPr lang="en-US"/>
               <a:t>Summary Statistics</a:t>
             </a:r>
-          </a:p>
-        </p:txBody>
-      </p:sp>
-      <p:sp>
-        <p:nvSpPr>
-          <p:cNvPr id="3" name="Content Placeholder 2">
-            <a:extLst>
-              <a:ext uri="{FF2B5EF4-FFF2-40B4-BE49-F238E27FC236}">
-                <a16:creationId xmlns:a16="http://schemas.microsoft.com/office/drawing/2014/main" id="{2248033C-AC85-BC3D-C5D3-D9BBF583AF69}"/>
-              </a:ext>
-            </a:extLst>
-          </p:cNvPr>
-          <p:cNvSpPr>
-            <a:spLocks noGrp="1"/>
-          </p:cNvSpPr>
-          <p:nvPr>
-            <p:ph idx="1"/>
-          </p:nvPr>
-        </p:nvSpPr>
-        <p:spPr/>
-        <p:txBody>
-          <a:bodyPr/>
-          <a:lstStyle/>
-          <a:p>
-            <a:r>
-              <a:rPr lang="en-US" dirty="0"/>
-              <a:t>Basic statistics breakdown</a:t>
-            </a:r>
+            <a:endParaRPr lang="en-US" dirty="0"/>
           </a:p>
         </p:txBody>
       </p:sp>
       <p:graphicFrame>
         <p:nvGraphicFramePr>
-          <p:cNvPr id="4" name="Table 3">
+          <p:cNvPr id="25" name="Content Placeholder 24">
             <a:extLst>
               <a:ext uri="{FF2B5EF4-FFF2-40B4-BE49-F238E27FC236}">
-                <a16:creationId xmlns:a16="http://schemas.microsoft.com/office/drawing/2014/main" id="{26B86D8F-D598-39FF-DA91-F5873E42E212}"/>
+                <a16:creationId xmlns:a16="http://schemas.microsoft.com/office/drawing/2014/main" id="{281E264A-404B-B574-0D02-F8B9A5DF3F85}"/>
               </a:ext>
             </a:extLst>
           </p:cNvPr>
@@ -13253,129 +13414,139 @@
             <a:graphicFrameLocks noGrp="1"/>
           </p:cNvGraphicFramePr>
           <p:nvPr>
+            <p:ph idx="1"/>
             <p:extLst>
               <p:ext uri="{D42A27DB-BD31-4B8C-83A1-F6EECF244321}">
-                <p14:modId xmlns:p14="http://schemas.microsoft.com/office/powerpoint/2010/main" val="41074223"/>
+                <p14:modId xmlns:p14="http://schemas.microsoft.com/office/powerpoint/2010/main" val="3628163692"/>
               </p:ext>
             </p:extLst>
           </p:nvPr>
         </p:nvGraphicFramePr>
         <p:xfrm>
-          <a:off x="838198" y="1943894"/>
-          <a:ext cx="10515604" cy="4663440"/>
+          <a:off x="838200" y="2023269"/>
+          <a:ext cx="10515602" cy="4469608"/>
         </p:xfrm>
         <a:graphic>
           <a:graphicData uri="http://schemas.openxmlformats.org/drawingml/2006/table">
             <a:tbl>
               <a:tblPr/>
               <a:tblGrid>
-                <a:gridCol w="669326">
+                <a:gridCol w="1874682">
                   <a:extLst>
                     <a:ext uri="{9D8B030D-6E8A-4147-A177-3AD203B41FA5}">
-                      <a16:colId xmlns:a16="http://schemas.microsoft.com/office/drawing/2014/main" val="1056438921"/>
+                      <a16:colId xmlns:a16="http://schemas.microsoft.com/office/drawing/2014/main" val="3172532032"/>
                     </a:ext>
                   </a:extLst>
                 </a:gridCol>
-                <a:gridCol w="1242602">
+                <a:gridCol w="1080115">
                   <a:extLst>
                     <a:ext uri="{9D8B030D-6E8A-4147-A177-3AD203B41FA5}">
-                      <a16:colId xmlns:a16="http://schemas.microsoft.com/office/drawing/2014/main" val="1601117800"/>
+                      <a16:colId xmlns:a16="http://schemas.microsoft.com/office/drawing/2014/main" val="166721518"/>
                     </a:ext>
                   </a:extLst>
                 </a:gridCol>
-                <a:gridCol w="955964">
+                <a:gridCol w="1080115">
                   <a:extLst>
                     <a:ext uri="{9D8B030D-6E8A-4147-A177-3AD203B41FA5}">
-                      <a16:colId xmlns:a16="http://schemas.microsoft.com/office/drawing/2014/main" val="621392558"/>
+                      <a16:colId xmlns:a16="http://schemas.microsoft.com/office/drawing/2014/main" val="3521775723"/>
                     </a:ext>
                   </a:extLst>
                 </a:gridCol>
-                <a:gridCol w="955964">
+                <a:gridCol w="1080115">
                   <a:extLst>
                     <a:ext uri="{9D8B030D-6E8A-4147-A177-3AD203B41FA5}">
-                      <a16:colId xmlns:a16="http://schemas.microsoft.com/office/drawing/2014/main" val="868592796"/>
+                      <a16:colId xmlns:a16="http://schemas.microsoft.com/office/drawing/2014/main" val="3908935045"/>
                     </a:ext>
                   </a:extLst>
                 </a:gridCol>
-                <a:gridCol w="955964">
+                <a:gridCol w="1080115">
                   <a:extLst>
                     <a:ext uri="{9D8B030D-6E8A-4147-A177-3AD203B41FA5}">
-                      <a16:colId xmlns:a16="http://schemas.microsoft.com/office/drawing/2014/main" val="4263334385"/>
+                      <a16:colId xmlns:a16="http://schemas.microsoft.com/office/drawing/2014/main" val="251774638"/>
                     </a:ext>
                   </a:extLst>
                 </a:gridCol>
-                <a:gridCol w="955964">
+                <a:gridCol w="1080115">
                   <a:extLst>
                     <a:ext uri="{9D8B030D-6E8A-4147-A177-3AD203B41FA5}">
-                      <a16:colId xmlns:a16="http://schemas.microsoft.com/office/drawing/2014/main" val="1370009702"/>
+                      <a16:colId xmlns:a16="http://schemas.microsoft.com/office/drawing/2014/main" val="3969693828"/>
                     </a:ext>
                   </a:extLst>
                 </a:gridCol>
-                <a:gridCol w="955964">
+                <a:gridCol w="1080115">
                   <a:extLst>
                     <a:ext uri="{9D8B030D-6E8A-4147-A177-3AD203B41FA5}">
-                      <a16:colId xmlns:a16="http://schemas.microsoft.com/office/drawing/2014/main" val="242511999"/>
+                      <a16:colId xmlns:a16="http://schemas.microsoft.com/office/drawing/2014/main" val="2147386673"/>
                     </a:ext>
                   </a:extLst>
                 </a:gridCol>
-                <a:gridCol w="955964">
+                <a:gridCol w="1080115">
                   <a:extLst>
                     <a:ext uri="{9D8B030D-6E8A-4147-A177-3AD203B41FA5}">
-                      <a16:colId xmlns:a16="http://schemas.microsoft.com/office/drawing/2014/main" val="3836421366"/>
+                      <a16:colId xmlns:a16="http://schemas.microsoft.com/office/drawing/2014/main" val="1903220326"/>
                     </a:ext>
                   </a:extLst>
                 </a:gridCol>
-                <a:gridCol w="955964">
+                <a:gridCol w="1080115">
                   <a:extLst>
                     <a:ext uri="{9D8B030D-6E8A-4147-A177-3AD203B41FA5}">
-                      <a16:colId xmlns:a16="http://schemas.microsoft.com/office/drawing/2014/main" val="722718889"/>
-                    </a:ext>
-                  </a:extLst>
-                </a:gridCol>
-                <a:gridCol w="955964">
-                  <a:extLst>
-                    <a:ext uri="{9D8B030D-6E8A-4147-A177-3AD203B41FA5}">
-                      <a16:colId xmlns:a16="http://schemas.microsoft.com/office/drawing/2014/main" val="1442618676"/>
-                    </a:ext>
-                  </a:extLst>
-                </a:gridCol>
-                <a:gridCol w="955964">
-                  <a:extLst>
-                    <a:ext uri="{9D8B030D-6E8A-4147-A177-3AD203B41FA5}">
-                      <a16:colId xmlns:a16="http://schemas.microsoft.com/office/drawing/2014/main" val="2576000498"/>
+                      <a16:colId xmlns:a16="http://schemas.microsoft.com/office/drawing/2014/main" val="4204609547"/>
                     </a:ext>
                   </a:extLst>
                 </a:gridCol>
               </a:tblGrid>
-              <a:tr h="640080">
+              <a:tr h="406328">
                 <a:tc>
                   <a:txBody>
                     <a:bodyPr/>
                     <a:lstStyle/>
                     <a:p>
                       <a:pPr algn="r" fontAlgn="ctr"/>
-                      <a:endParaRPr lang="en-US" sz="1100" b="1" dirty="0">
-                        <a:effectLst/>
-                        <a:latin typeface="Courier New" panose="02070309020205020404" pitchFamily="49" charset="0"/>
-                        <a:cs typeface="Courier New" panose="02070309020205020404" pitchFamily="49" charset="0"/>
-                      </a:endParaRPr>
+                      <a:r>
+                        <a:rPr lang="en-US" sz="1400" b="1" i="0" u="none" strike="noStrike">
+                          <a:solidFill>
+                            <a:srgbClr val="FFFFFF"/>
+                          </a:solidFill>
+                          <a:effectLst/>
+                          <a:latin typeface="Calibri" panose="020F0502020204030204" pitchFamily="34" charset="0"/>
+                        </a:rPr>
+                        <a:t>Trail Characteristic</a:t>
+                      </a:r>
                     </a:p>
                   </a:txBody>
-                  <a:tcPr anchor="ctr">
-                    <a:lnL>
-                      <a:noFill/>
+                  <a:tcPr marL="9525" marR="9525" marT="9525" marB="0" anchor="ctr">
+                    <a:lnL w="6350" cap="flat" cmpd="sng" algn="ctr">
+                      <a:solidFill>
+                        <a:srgbClr val="C9C9C9"/>
+                      </a:solidFill>
+                      <a:prstDash val="solid"/>
+                      <a:round/>
+                      <a:headEnd type="none" w="med" len="med"/>
+                      <a:tailEnd type="none" w="med" len="med"/>
                     </a:lnL>
                     <a:lnR>
                       <a:noFill/>
                     </a:lnR>
-                    <a:lnT>
-                      <a:noFill/>
+                    <a:lnT w="6350" cap="flat" cmpd="sng" algn="ctr">
+                      <a:solidFill>
+                        <a:srgbClr val="C9C9C9"/>
+                      </a:solidFill>
+                      <a:prstDash val="solid"/>
+                      <a:round/>
+                      <a:headEnd type="none" w="med" len="med"/>
+                      <a:tailEnd type="none" w="med" len="med"/>
                     </a:lnT>
-                    <a:lnB>
-                      <a:noFill/>
+                    <a:lnB w="6350" cap="flat" cmpd="sng" algn="ctr">
+                      <a:solidFill>
+                        <a:srgbClr val="C9C9C9"/>
+                      </a:solidFill>
+                      <a:prstDash val="solid"/>
+                      <a:round/>
+                      <a:headEnd type="none" w="med" len="med"/>
+                      <a:tailEnd type="none" w="med" len="med"/>
                     </a:lnB>
                     <a:solidFill>
-                      <a:srgbClr val="FFFFFF"/>
+                      <a:srgbClr val="A5A5A5"/>
                     </a:solidFill>
                   </a:tcPr>
                 </a:tc>
@@ -13384,39 +13555,46 @@
                     <a:bodyPr/>
                     <a:lstStyle/>
                     <a:p>
-                      <a:pPr algn="r" fontAlgn="ctr"/>
-                      <a:br>
-                        <a:rPr lang="en-US" sz="1100" b="1" dirty="0">
+                      <a:pPr algn="ctr" fontAlgn="ctr"/>
+                      <a:r>
+                        <a:rPr lang="en-US" sz="1400" b="1" i="0" u="none" strike="noStrike">
+                          <a:solidFill>
+                            <a:srgbClr val="FFFFFF"/>
+                          </a:solidFill>
                           <a:effectLst/>
-                          <a:latin typeface="Courier New" panose="02070309020205020404" pitchFamily="49" charset="0"/>
-                          <a:cs typeface="Courier New" panose="02070309020205020404" pitchFamily="49" charset="0"/>
+                          <a:latin typeface="Calibri" panose="020F0502020204030204" pitchFamily="34" charset="0"/>
                         </a:rPr>
-                      </a:br>
-                      <a:r>
-                        <a:rPr lang="en-US" sz="1100" b="1" dirty="0">
-                          <a:effectLst/>
-                          <a:latin typeface="Courier New" panose="02070309020205020404" pitchFamily="49" charset="0"/>
-                          <a:cs typeface="Courier New" panose="02070309020205020404" pitchFamily="49" charset="0"/>
-                        </a:rPr>
-                        <a:t>Trail Length</a:t>
+                        <a:t>count</a:t>
                       </a:r>
                     </a:p>
                   </a:txBody>
-                  <a:tcPr anchor="ctr">
+                  <a:tcPr marL="9525" marR="9525" marT="9525" marB="0" anchor="ctr">
                     <a:lnL>
                       <a:noFill/>
                     </a:lnL>
                     <a:lnR>
                       <a:noFill/>
                     </a:lnR>
-                    <a:lnT>
-                      <a:noFill/>
+                    <a:lnT w="6350" cap="flat" cmpd="sng" algn="ctr">
+                      <a:solidFill>
+                        <a:srgbClr val="C9C9C9"/>
+                      </a:solidFill>
+                      <a:prstDash val="solid"/>
+                      <a:round/>
+                      <a:headEnd type="none" w="med" len="med"/>
+                      <a:tailEnd type="none" w="med" len="med"/>
                     </a:lnT>
-                    <a:lnB>
-                      <a:noFill/>
+                    <a:lnB w="6350" cap="flat" cmpd="sng" algn="ctr">
+                      <a:solidFill>
+                        <a:srgbClr val="C9C9C9"/>
+                      </a:solidFill>
+                      <a:prstDash val="solid"/>
+                      <a:round/>
+                      <a:headEnd type="none" w="med" len="med"/>
+                      <a:tailEnd type="none" w="med" len="med"/>
                     </a:lnB>
                     <a:solidFill>
-                      <a:srgbClr val="FFFFFF"/>
+                      <a:srgbClr val="A5A5A5"/>
                     </a:solidFill>
                   </a:tcPr>
                 </a:tc>
@@ -13425,32 +13603,46 @@
                     <a:bodyPr/>
                     <a:lstStyle/>
                     <a:p>
-                      <a:pPr algn="r" fontAlgn="ctr"/>
+                      <a:pPr algn="ctr" fontAlgn="ctr"/>
                       <a:r>
-                        <a:rPr lang="en-US" sz="1100" b="1" dirty="0">
+                        <a:rPr lang="en-US" sz="1400" b="1" i="0" u="none" strike="noStrike">
+                          <a:solidFill>
+                            <a:srgbClr val="FFFFFF"/>
+                          </a:solidFill>
                           <a:effectLst/>
-                          <a:latin typeface="Courier New" panose="02070309020205020404" pitchFamily="49" charset="0"/>
-                          <a:cs typeface="Courier New" panose="02070309020205020404" pitchFamily="49" charset="0"/>
+                          <a:latin typeface="Calibri" panose="020F0502020204030204" pitchFamily="34" charset="0"/>
                         </a:rPr>
-                        <a:t>Difficult Number</a:t>
+                        <a:t>mean</a:t>
                       </a:r>
                     </a:p>
                   </a:txBody>
-                  <a:tcPr anchor="ctr">
+                  <a:tcPr marL="9525" marR="9525" marT="9525" marB="0" anchor="ctr">
                     <a:lnL>
                       <a:noFill/>
                     </a:lnL>
                     <a:lnR>
                       <a:noFill/>
                     </a:lnR>
-                    <a:lnT>
-                      <a:noFill/>
+                    <a:lnT w="6350" cap="flat" cmpd="sng" algn="ctr">
+                      <a:solidFill>
+                        <a:srgbClr val="C9C9C9"/>
+                      </a:solidFill>
+                      <a:prstDash val="solid"/>
+                      <a:round/>
+                      <a:headEnd type="none" w="med" len="med"/>
+                      <a:tailEnd type="none" w="med" len="med"/>
                     </a:lnT>
-                    <a:lnB>
-                      <a:noFill/>
+                    <a:lnB w="6350" cap="flat" cmpd="sng" algn="ctr">
+                      <a:solidFill>
+                        <a:srgbClr val="C9C9C9"/>
+                      </a:solidFill>
+                      <a:prstDash val="solid"/>
+                      <a:round/>
+                      <a:headEnd type="none" w="med" len="med"/>
+                      <a:tailEnd type="none" w="med" len="med"/>
                     </a:lnB>
                     <a:solidFill>
-                      <a:srgbClr val="FFFFFF"/>
+                      <a:srgbClr val="A5A5A5"/>
                     </a:solidFill>
                   </a:tcPr>
                 </a:tc>
@@ -13459,32 +13651,46 @@
                     <a:bodyPr/>
                     <a:lstStyle/>
                     <a:p>
-                      <a:pPr algn="r" fontAlgn="ctr"/>
+                      <a:pPr algn="ctr" fontAlgn="ctr"/>
                       <a:r>
-                        <a:rPr lang="en-US" sz="1100" b="1">
+                        <a:rPr lang="en-US" sz="1400" b="1" i="0" u="none" strike="noStrike">
+                          <a:solidFill>
+                            <a:srgbClr val="FFFFFF"/>
+                          </a:solidFill>
                           <a:effectLst/>
-                          <a:latin typeface="Courier New" panose="02070309020205020404" pitchFamily="49" charset="0"/>
-                          <a:cs typeface="Courier New" panose="02070309020205020404" pitchFamily="49" charset="0"/>
+                          <a:latin typeface="Calibri" panose="020F0502020204030204" pitchFamily="34" charset="0"/>
                         </a:rPr>
-                        <a:t>Elev_Up</a:t>
+                        <a:t>std</a:t>
                       </a:r>
                     </a:p>
                   </a:txBody>
-                  <a:tcPr anchor="ctr">
+                  <a:tcPr marL="9525" marR="9525" marT="9525" marB="0" anchor="ctr">
                     <a:lnL>
                       <a:noFill/>
                     </a:lnL>
                     <a:lnR>
                       <a:noFill/>
                     </a:lnR>
-                    <a:lnT>
-                      <a:noFill/>
+                    <a:lnT w="6350" cap="flat" cmpd="sng" algn="ctr">
+                      <a:solidFill>
+                        <a:srgbClr val="C9C9C9"/>
+                      </a:solidFill>
+                      <a:prstDash val="solid"/>
+                      <a:round/>
+                      <a:headEnd type="none" w="med" len="med"/>
+                      <a:tailEnd type="none" w="med" len="med"/>
                     </a:lnT>
-                    <a:lnB>
-                      <a:noFill/>
+                    <a:lnB w="6350" cap="flat" cmpd="sng" algn="ctr">
+                      <a:solidFill>
+                        <a:srgbClr val="C9C9C9"/>
+                      </a:solidFill>
+                      <a:prstDash val="solid"/>
+                      <a:round/>
+                      <a:headEnd type="none" w="med" len="med"/>
+                      <a:tailEnd type="none" w="med" len="med"/>
                     </a:lnB>
                     <a:solidFill>
-                      <a:srgbClr val="FFFFFF"/>
+                      <a:srgbClr val="A5A5A5"/>
                     </a:solidFill>
                   </a:tcPr>
                 </a:tc>
@@ -13493,37 +13699,46 @@
                     <a:bodyPr/>
                     <a:lstStyle/>
                     <a:p>
-                      <a:pPr algn="r" fontAlgn="ctr"/>
+                      <a:pPr algn="ctr" fontAlgn="ctr"/>
                       <a:r>
-                        <a:rPr lang="en-US" sz="1100" b="1" dirty="0" err="1">
+                        <a:rPr lang="en-US" sz="1400" b="1" i="0" u="none" strike="noStrike">
+                          <a:solidFill>
+                            <a:srgbClr val="FFFFFF"/>
+                          </a:solidFill>
                           <a:effectLst/>
-                          <a:latin typeface="Courier New" panose="02070309020205020404" pitchFamily="49" charset="0"/>
-                          <a:cs typeface="Courier New" panose="02070309020205020404" pitchFamily="49" charset="0"/>
+                          <a:latin typeface="Calibri" panose="020F0502020204030204" pitchFamily="34" charset="0"/>
                         </a:rPr>
-                        <a:t>Elev_Down</a:t>
+                        <a:t>min</a:t>
                       </a:r>
-                      <a:endParaRPr lang="en-US" sz="1100" b="1" dirty="0">
-                        <a:effectLst/>
-                        <a:latin typeface="Courier New" panose="02070309020205020404" pitchFamily="49" charset="0"/>
-                        <a:cs typeface="Courier New" panose="02070309020205020404" pitchFamily="49" charset="0"/>
-                      </a:endParaRPr>
                     </a:p>
                   </a:txBody>
-                  <a:tcPr anchor="ctr">
+                  <a:tcPr marL="9525" marR="9525" marT="9525" marB="0" anchor="ctr">
                     <a:lnL>
                       <a:noFill/>
                     </a:lnL>
                     <a:lnR>
                       <a:noFill/>
                     </a:lnR>
-                    <a:lnT>
-                      <a:noFill/>
+                    <a:lnT w="6350" cap="flat" cmpd="sng" algn="ctr">
+                      <a:solidFill>
+                        <a:srgbClr val="C9C9C9"/>
+                      </a:solidFill>
+                      <a:prstDash val="solid"/>
+                      <a:round/>
+                      <a:headEnd type="none" w="med" len="med"/>
+                      <a:tailEnd type="none" w="med" len="med"/>
                     </a:lnT>
-                    <a:lnB>
-                      <a:noFill/>
+                    <a:lnB w="6350" cap="flat" cmpd="sng" algn="ctr">
+                      <a:solidFill>
+                        <a:srgbClr val="C9C9C9"/>
+                      </a:solidFill>
+                      <a:prstDash val="solid"/>
+                      <a:round/>
+                      <a:headEnd type="none" w="med" len="med"/>
+                      <a:tailEnd type="none" w="med" len="med"/>
                     </a:lnB>
                     <a:solidFill>
-                      <a:srgbClr val="FFFFFF"/>
+                      <a:srgbClr val="A5A5A5"/>
                     </a:solidFill>
                   </a:tcPr>
                 </a:tc>
@@ -13532,32 +13747,46 @@
                     <a:bodyPr/>
                     <a:lstStyle/>
                     <a:p>
-                      <a:pPr algn="r" fontAlgn="ctr"/>
+                      <a:pPr algn="ctr" fontAlgn="ctr"/>
                       <a:r>
-                        <a:rPr lang="en-US" sz="1100" b="1" dirty="0">
+                        <a:rPr lang="en-US" sz="1400" b="1" i="0" u="none" strike="noStrike">
+                          <a:solidFill>
+                            <a:srgbClr val="FFFFFF"/>
+                          </a:solidFill>
                           <a:effectLst/>
-                          <a:latin typeface="Courier New" panose="02070309020205020404" pitchFamily="49" charset="0"/>
-                          <a:cs typeface="Courier New" panose="02070309020205020404" pitchFamily="49" charset="0"/>
+                          <a:latin typeface="Calibri" panose="020F0502020204030204" pitchFamily="34" charset="0"/>
                         </a:rPr>
-                        <a:t>Highest Elevation</a:t>
+                        <a:t>25%</a:t>
                       </a:r>
                     </a:p>
                   </a:txBody>
-                  <a:tcPr anchor="ctr">
+                  <a:tcPr marL="9525" marR="9525" marT="9525" marB="0" anchor="ctr">
                     <a:lnL>
                       <a:noFill/>
                     </a:lnL>
                     <a:lnR>
                       <a:noFill/>
                     </a:lnR>
-                    <a:lnT>
-                      <a:noFill/>
+                    <a:lnT w="6350" cap="flat" cmpd="sng" algn="ctr">
+                      <a:solidFill>
+                        <a:srgbClr val="C9C9C9"/>
+                      </a:solidFill>
+                      <a:prstDash val="solid"/>
+                      <a:round/>
+                      <a:headEnd type="none" w="med" len="med"/>
+                      <a:tailEnd type="none" w="med" len="med"/>
                     </a:lnT>
-                    <a:lnB>
-                      <a:noFill/>
+                    <a:lnB w="6350" cap="flat" cmpd="sng" algn="ctr">
+                      <a:solidFill>
+                        <a:srgbClr val="C9C9C9"/>
+                      </a:solidFill>
+                      <a:prstDash val="solid"/>
+                      <a:round/>
+                      <a:headEnd type="none" w="med" len="med"/>
+                      <a:tailEnd type="none" w="med" len="med"/>
                     </a:lnB>
                     <a:solidFill>
-                      <a:srgbClr val="FFFFFF"/>
+                      <a:srgbClr val="A5A5A5"/>
                     </a:solidFill>
                   </a:tcPr>
                 </a:tc>
@@ -13566,32 +13795,46 @@
                     <a:bodyPr/>
                     <a:lstStyle/>
                     <a:p>
-                      <a:pPr algn="r" fontAlgn="ctr"/>
+                      <a:pPr algn="ctr" fontAlgn="ctr"/>
                       <a:r>
-                        <a:rPr lang="en-US" sz="1100" b="1">
+                        <a:rPr lang="en-US" sz="1400" b="1" i="0" u="none" strike="noStrike">
+                          <a:solidFill>
+                            <a:srgbClr val="FFFFFF"/>
+                          </a:solidFill>
                           <a:effectLst/>
-                          <a:latin typeface="Courier New" panose="02070309020205020404" pitchFamily="49" charset="0"/>
-                          <a:cs typeface="Courier New" panose="02070309020205020404" pitchFamily="49" charset="0"/>
+                          <a:latin typeface="Calibri" panose="020F0502020204030204" pitchFamily="34" charset="0"/>
                         </a:rPr>
-                        <a:t>Lowest Elevation</a:t>
+                        <a:t>50%</a:t>
                       </a:r>
                     </a:p>
                   </a:txBody>
-                  <a:tcPr anchor="ctr">
+                  <a:tcPr marL="9525" marR="9525" marT="9525" marB="0" anchor="ctr">
                     <a:lnL>
                       <a:noFill/>
                     </a:lnL>
                     <a:lnR>
                       <a:noFill/>
                     </a:lnR>
-                    <a:lnT>
-                      <a:noFill/>
+                    <a:lnT w="6350" cap="flat" cmpd="sng" algn="ctr">
+                      <a:solidFill>
+                        <a:srgbClr val="C9C9C9"/>
+                      </a:solidFill>
+                      <a:prstDash val="solid"/>
+                      <a:round/>
+                      <a:headEnd type="none" w="med" len="med"/>
+                      <a:tailEnd type="none" w="med" len="med"/>
                     </a:lnT>
-                    <a:lnB>
-                      <a:noFill/>
+                    <a:lnB w="6350" cap="flat" cmpd="sng" algn="ctr">
+                      <a:solidFill>
+                        <a:srgbClr val="C9C9C9"/>
+                      </a:solidFill>
+                      <a:prstDash val="solid"/>
+                      <a:round/>
+                      <a:headEnd type="none" w="med" len="med"/>
+                      <a:tailEnd type="none" w="med" len="med"/>
                     </a:lnB>
                     <a:solidFill>
-                      <a:srgbClr val="FFFFFF"/>
+                      <a:srgbClr val="A5A5A5"/>
                     </a:solidFill>
                   </a:tcPr>
                 </a:tc>
@@ -13600,32 +13843,46 @@
                     <a:bodyPr/>
                     <a:lstStyle/>
                     <a:p>
-                      <a:pPr algn="r" fontAlgn="ctr"/>
+                      <a:pPr algn="ctr" fontAlgn="ctr"/>
                       <a:r>
-                        <a:rPr lang="en-US" sz="1100" b="1">
+                        <a:rPr lang="en-US" sz="1400" b="1" i="0" u="none" strike="noStrike">
+                          <a:solidFill>
+                            <a:srgbClr val="FFFFFF"/>
+                          </a:solidFill>
                           <a:effectLst/>
-                          <a:latin typeface="Courier New" panose="02070309020205020404" pitchFamily="49" charset="0"/>
-                          <a:cs typeface="Courier New" panose="02070309020205020404" pitchFamily="49" charset="0"/>
+                          <a:latin typeface="Calibri" panose="020F0502020204030204" pitchFamily="34" charset="0"/>
                         </a:rPr>
-                        <a:t>Average Grade</a:t>
+                        <a:t>75%</a:t>
                       </a:r>
                     </a:p>
                   </a:txBody>
-                  <a:tcPr anchor="ctr">
+                  <a:tcPr marL="9525" marR="9525" marT="9525" marB="0" anchor="ctr">
                     <a:lnL>
                       <a:noFill/>
                     </a:lnL>
                     <a:lnR>
                       <a:noFill/>
                     </a:lnR>
-                    <a:lnT>
-                      <a:noFill/>
+                    <a:lnT w="6350" cap="flat" cmpd="sng" algn="ctr">
+                      <a:solidFill>
+                        <a:srgbClr val="C9C9C9"/>
+                      </a:solidFill>
+                      <a:prstDash val="solid"/>
+                      <a:round/>
+                      <a:headEnd type="none" w="med" len="med"/>
+                      <a:tailEnd type="none" w="med" len="med"/>
                     </a:lnT>
-                    <a:lnB>
-                      <a:noFill/>
+                    <a:lnB w="6350" cap="flat" cmpd="sng" algn="ctr">
+                      <a:solidFill>
+                        <a:srgbClr val="C9C9C9"/>
+                      </a:solidFill>
+                      <a:prstDash val="solid"/>
+                      <a:round/>
+                      <a:headEnd type="none" w="med" len="med"/>
+                      <a:tailEnd type="none" w="med" len="med"/>
                     </a:lnB>
                     <a:solidFill>
-                      <a:srgbClr val="FFFFFF"/>
+                      <a:srgbClr val="A5A5A5"/>
                     </a:solidFill>
                   </a:tcPr>
                 </a:tc>
@@ -13634,32 +13891,113 @@
                     <a:bodyPr/>
                     <a:lstStyle/>
                     <a:p>
-                      <a:pPr algn="r" fontAlgn="ctr"/>
+                      <a:pPr algn="ctr" fontAlgn="ctr"/>
                       <a:r>
-                        <a:rPr lang="en-US" sz="1100" b="1">
+                        <a:rPr lang="en-US" sz="1400" b="1" i="0" u="none" strike="noStrike">
+                          <a:solidFill>
+                            <a:srgbClr val="FFFFFF"/>
+                          </a:solidFill>
                           <a:effectLst/>
-                          <a:latin typeface="Courier New" panose="02070309020205020404" pitchFamily="49" charset="0"/>
-                          <a:cs typeface="Courier New" panose="02070309020205020404" pitchFamily="49" charset="0"/>
+                          <a:latin typeface="Calibri" panose="020F0502020204030204" pitchFamily="34" charset="0"/>
                         </a:rPr>
-                        <a:t>Max Grade</a:t>
+                        <a:t>max</a:t>
                       </a:r>
                     </a:p>
                   </a:txBody>
-                  <a:tcPr anchor="ctr">
+                  <a:tcPr marL="9525" marR="9525" marT="9525" marB="0" anchor="ctr">
                     <a:lnL>
                       <a:noFill/>
+                    </a:lnL>
+                    <a:lnR w="6350" cap="flat" cmpd="sng" algn="ctr">
+                      <a:solidFill>
+                        <a:srgbClr val="C9C9C9"/>
+                      </a:solidFill>
+                      <a:prstDash val="solid"/>
+                      <a:round/>
+                      <a:headEnd type="none" w="med" len="med"/>
+                      <a:tailEnd type="none" w="med" len="med"/>
+                    </a:lnR>
+                    <a:lnT w="6350" cap="flat" cmpd="sng" algn="ctr">
+                      <a:solidFill>
+                        <a:srgbClr val="C9C9C9"/>
+                      </a:solidFill>
+                      <a:prstDash val="solid"/>
+                      <a:round/>
+                      <a:headEnd type="none" w="med" len="med"/>
+                      <a:tailEnd type="none" w="med" len="med"/>
+                    </a:lnT>
+                    <a:lnB w="6350" cap="flat" cmpd="sng" algn="ctr">
+                      <a:solidFill>
+                        <a:srgbClr val="C9C9C9"/>
+                      </a:solidFill>
+                      <a:prstDash val="solid"/>
+                      <a:round/>
+                      <a:headEnd type="none" w="med" len="med"/>
+                      <a:tailEnd type="none" w="med" len="med"/>
+                    </a:lnB>
+                    <a:solidFill>
+                      <a:srgbClr val="A5A5A5"/>
+                    </a:solidFill>
+                  </a:tcPr>
+                </a:tc>
+                <a:extLst>
+                  <a:ext uri="{0D108BD9-81ED-4DB2-BD59-A6C34878D82A}">
+                    <a16:rowId xmlns:a16="http://schemas.microsoft.com/office/drawing/2014/main" val="544163101"/>
+                  </a:ext>
+                </a:extLst>
+              </a:tr>
+              <a:tr h="406328">
+                <a:tc>
+                  <a:txBody>
+                    <a:bodyPr/>
+                    <a:lstStyle/>
+                    <a:p>
+                      <a:pPr algn="r" fontAlgn="ctr"/>
+                      <a:r>
+                        <a:rPr lang="en-US" sz="1400" b="0" i="0" u="none" strike="noStrike">
+                          <a:solidFill>
+                            <a:srgbClr val="000000"/>
+                          </a:solidFill>
+                          <a:effectLst/>
+                          <a:latin typeface="Calibri" panose="020F0502020204030204" pitchFamily="34" charset="0"/>
+                        </a:rPr>
+                        <a:t>Trail Length</a:t>
+                      </a:r>
+                    </a:p>
+                  </a:txBody>
+                  <a:tcPr marL="9525" marR="9525" marT="9525" marB="0" anchor="ctr">
+                    <a:lnL w="6350" cap="flat" cmpd="sng" algn="ctr">
+                      <a:solidFill>
+                        <a:srgbClr val="C9C9C9"/>
+                      </a:solidFill>
+                      <a:prstDash val="solid"/>
+                      <a:round/>
+                      <a:headEnd type="none" w="med" len="med"/>
+                      <a:tailEnd type="none" w="med" len="med"/>
                     </a:lnL>
                     <a:lnR>
                       <a:noFill/>
                     </a:lnR>
-                    <a:lnT>
-                      <a:noFill/>
+                    <a:lnT w="6350" cap="flat" cmpd="sng" algn="ctr">
+                      <a:solidFill>
+                        <a:srgbClr val="C9C9C9"/>
+                      </a:solidFill>
+                      <a:prstDash val="solid"/>
+                      <a:round/>
+                      <a:headEnd type="none" w="med" len="med"/>
+                      <a:tailEnd type="none" w="med" len="med"/>
                     </a:lnT>
-                    <a:lnB>
-                      <a:noFill/>
+                    <a:lnB w="6350" cap="flat" cmpd="sng" algn="ctr">
+                      <a:solidFill>
+                        <a:srgbClr val="C9C9C9"/>
+                      </a:solidFill>
+                      <a:prstDash val="solid"/>
+                      <a:round/>
+                      <a:headEnd type="none" w="med" len="med"/>
+                      <a:tailEnd type="none" w="med" len="med"/>
                     </a:lnB>
                     <a:solidFill>
-                      <a:srgbClr val="FFFFFF"/>
+                      <a:srgbClr val="EDEDED"/>
                     </a:solidFill>
                   </a:tcPr>
                 </a:tc>
@@ -13668,32 +14006,46 @@
                     <a:bodyPr/>
                     <a:lstStyle/>
                     <a:p>
-                      <a:pPr algn="r" fontAlgn="ctr"/>
+                      <a:pPr algn="ctr" fontAlgn="ctr"/>
                       <a:r>
-                        <a:rPr lang="en-US" sz="1100" b="1">
+                        <a:rPr lang="en-US" sz="1400" b="0" i="0" u="none" strike="noStrike">
+                          <a:solidFill>
+                            <a:srgbClr val="000000"/>
+                          </a:solidFill>
                           <a:effectLst/>
-                          <a:latin typeface="Courier New" panose="02070309020205020404" pitchFamily="49" charset="0"/>
-                          <a:cs typeface="Courier New" panose="02070309020205020404" pitchFamily="49" charset="0"/>
+                          <a:latin typeface="Calibri" panose="020F0502020204030204" pitchFamily="34" charset="0"/>
                         </a:rPr>
-                        <a:t>Overall Trail Rating</a:t>
+                        <a:t>4903</a:t>
                       </a:r>
                     </a:p>
                   </a:txBody>
-                  <a:tcPr anchor="ctr">
+                  <a:tcPr marL="9525" marR="9525" marT="9525" marB="0" anchor="ctr">
                     <a:lnL>
                       <a:noFill/>
                     </a:lnL>
                     <a:lnR>
                       <a:noFill/>
                     </a:lnR>
-                    <a:lnT>
-                      <a:noFill/>
+                    <a:lnT w="6350" cap="flat" cmpd="sng" algn="ctr">
+                      <a:solidFill>
+                        <a:srgbClr val="C9C9C9"/>
+                      </a:solidFill>
+                      <a:prstDash val="solid"/>
+                      <a:round/>
+                      <a:headEnd type="none" w="med" len="med"/>
+                      <a:tailEnd type="none" w="med" len="med"/>
                     </a:lnT>
-                    <a:lnB>
-                      <a:noFill/>
+                    <a:lnB w="6350" cap="flat" cmpd="sng" algn="ctr">
+                      <a:solidFill>
+                        <a:srgbClr val="C9C9C9"/>
+                      </a:solidFill>
+                      <a:prstDash val="solid"/>
+                      <a:round/>
+                      <a:headEnd type="none" w="med" len="med"/>
+                      <a:tailEnd type="none" w="med" len="med"/>
                     </a:lnB>
                     <a:solidFill>
-                      <a:srgbClr val="FFFFFF"/>
+                      <a:srgbClr val="EDEDED"/>
                     </a:solidFill>
                   </a:tcPr>
                 </a:tc>
@@ -13702,61 +14054,46 @@
                     <a:bodyPr/>
                     <a:lstStyle/>
                     <a:p>
-                      <a:pPr algn="r" fontAlgn="ctr"/>
+                      <a:pPr algn="ctr" fontAlgn="ctr"/>
                       <a:r>
-                        <a:rPr lang="en-US" sz="1100" b="1" dirty="0">
+                        <a:rPr lang="en-US" sz="1400" b="0" i="0" u="none" strike="noStrike">
+                          <a:solidFill>
+                            <a:srgbClr val="000000"/>
+                          </a:solidFill>
                           <a:effectLst/>
-                          <a:latin typeface="Courier New" panose="02070309020205020404" pitchFamily="49" charset="0"/>
-                          <a:cs typeface="Courier New" panose="02070309020205020404" pitchFamily="49" charset="0"/>
+                          <a:latin typeface="Calibri" panose="020F0502020204030204" pitchFamily="34" charset="0"/>
                         </a:rPr>
-                        <a:t>Total User Reviews</a:t>
+                        <a:t>3.50516011</a:t>
                       </a:r>
                     </a:p>
                   </a:txBody>
-                  <a:tcPr anchor="ctr">
-                    <a:lnL>
-                      <a:noFill/>
-                    </a:lnL>
-                  </a:tcPr>
-                </a:tc>
-                <a:extLst>
-                  <a:ext uri="{0D108BD9-81ED-4DB2-BD59-A6C34878D82A}">
-                    <a16:rowId xmlns:a16="http://schemas.microsoft.com/office/drawing/2014/main" val="1952036000"/>
-                  </a:ext>
-                </a:extLst>
-              </a:tr>
-              <a:tr h="365760">
-                <a:tc>
-                  <a:txBody>
-                    <a:bodyPr/>
-                    <a:lstStyle/>
-                    <a:p>
-                      <a:pPr algn="r" fontAlgn="ctr"/>
-                      <a:r>
-                        <a:rPr lang="en-US" sz="1200" b="1">
-                          <a:effectLst/>
-                          <a:latin typeface="Courier New" panose="02070309020205020404" pitchFamily="49" charset="0"/>
-                          <a:cs typeface="Courier New" panose="02070309020205020404" pitchFamily="49" charset="0"/>
-                        </a:rPr>
-                        <a:t>count</a:t>
-                      </a:r>
-                    </a:p>
-                  </a:txBody>
-                  <a:tcPr anchor="ctr">
+                  <a:tcPr marL="9525" marR="9525" marT="9525" marB="0" anchor="ctr">
                     <a:lnL>
                       <a:noFill/>
                     </a:lnL>
                     <a:lnR>
                       <a:noFill/>
                     </a:lnR>
-                    <a:lnT>
-                      <a:noFill/>
+                    <a:lnT w="6350" cap="flat" cmpd="sng" algn="ctr">
+                      <a:solidFill>
+                        <a:srgbClr val="C9C9C9"/>
+                      </a:solidFill>
+                      <a:prstDash val="solid"/>
+                      <a:round/>
+                      <a:headEnd type="none" w="med" len="med"/>
+                      <a:tailEnd type="none" w="med" len="med"/>
                     </a:lnT>
-                    <a:lnB>
-                      <a:noFill/>
+                    <a:lnB w="6350" cap="flat" cmpd="sng" algn="ctr">
+                      <a:solidFill>
+                        <a:srgbClr val="C9C9C9"/>
+                      </a:solidFill>
+                      <a:prstDash val="solid"/>
+                      <a:round/>
+                      <a:headEnd type="none" w="med" len="med"/>
+                      <a:tailEnd type="none" w="med" len="med"/>
                     </a:lnB>
                     <a:solidFill>
-                      <a:srgbClr val="F5F5F5"/>
+                      <a:srgbClr val="EDEDED"/>
                     </a:solidFill>
                   </a:tcPr>
                 </a:tc>
@@ -13765,35 +14102,46 @@
                     <a:bodyPr/>
                     <a:lstStyle/>
                     <a:p>
-                      <a:pPr algn="r" fontAlgn="ctr"/>
+                      <a:pPr algn="ctr" fontAlgn="ctr"/>
                       <a:r>
-                        <a:rPr lang="en-US" sz="1200" b="1" dirty="0">
+                        <a:rPr lang="en-US" sz="1400" b="0" i="0" u="none" strike="noStrike">
                           <a:solidFill>
-                            <a:srgbClr val="0070C0"/>
+                            <a:srgbClr val="000000"/>
                           </a:solidFill>
                           <a:effectLst/>
-                          <a:latin typeface="Courier New" panose="02070309020205020404" pitchFamily="49" charset="0"/>
-                          <a:cs typeface="Courier New" panose="02070309020205020404" pitchFamily="49" charset="0"/>
+                          <a:latin typeface="Calibri" panose="020F0502020204030204" pitchFamily="34" charset="0"/>
                         </a:rPr>
-                        <a:t>4903.00000</a:t>
+                        <a:t>4.69358007</a:t>
                       </a:r>
                     </a:p>
                   </a:txBody>
-                  <a:tcPr anchor="ctr">
+                  <a:tcPr marL="9525" marR="9525" marT="9525" marB="0" anchor="ctr">
                     <a:lnL>
                       <a:noFill/>
                     </a:lnL>
                     <a:lnR>
                       <a:noFill/>
                     </a:lnR>
-                    <a:lnT>
-                      <a:noFill/>
+                    <a:lnT w="6350" cap="flat" cmpd="sng" algn="ctr">
+                      <a:solidFill>
+                        <a:srgbClr val="C9C9C9"/>
+                      </a:solidFill>
+                      <a:prstDash val="solid"/>
+                      <a:round/>
+                      <a:headEnd type="none" w="med" len="med"/>
+                      <a:tailEnd type="none" w="med" len="med"/>
                     </a:lnT>
-                    <a:lnB>
-                      <a:noFill/>
+                    <a:lnB w="6350" cap="flat" cmpd="sng" algn="ctr">
+                      <a:solidFill>
+                        <a:srgbClr val="C9C9C9"/>
+                      </a:solidFill>
+                      <a:prstDash val="solid"/>
+                      <a:round/>
+                      <a:headEnd type="none" w="med" len="med"/>
+                      <a:tailEnd type="none" w="med" len="med"/>
                     </a:lnB>
                     <a:solidFill>
-                      <a:srgbClr val="F5F5F5"/>
+                      <a:srgbClr val="EDEDED"/>
                     </a:solidFill>
                   </a:tcPr>
                 </a:tc>
@@ -13802,32 +14150,46 @@
                     <a:bodyPr/>
                     <a:lstStyle/>
                     <a:p>
-                      <a:pPr algn="r" fontAlgn="ctr"/>
+                      <a:pPr algn="ctr" fontAlgn="ctr"/>
                       <a:r>
-                        <a:rPr lang="en-US" sz="1200" dirty="0">
+                        <a:rPr lang="en-US" sz="1400" b="0" i="0" u="none" strike="noStrike">
+                          <a:solidFill>
+                            <a:srgbClr val="000000"/>
+                          </a:solidFill>
                           <a:effectLst/>
-                          <a:latin typeface="Courier New" panose="02070309020205020404" pitchFamily="49" charset="0"/>
-                          <a:cs typeface="Courier New" panose="02070309020205020404" pitchFamily="49" charset="0"/>
+                          <a:latin typeface="Calibri" panose="020F0502020204030204" pitchFamily="34" charset="0"/>
                         </a:rPr>
-                        <a:t>4844.000000</a:t>
+                        <a:t>0</a:t>
                       </a:r>
                     </a:p>
                   </a:txBody>
-                  <a:tcPr anchor="ctr">
+                  <a:tcPr marL="9525" marR="9525" marT="9525" marB="0" anchor="ctr">
                     <a:lnL>
                       <a:noFill/>
                     </a:lnL>
                     <a:lnR>
                       <a:noFill/>
                     </a:lnR>
-                    <a:lnT>
-                      <a:noFill/>
+                    <a:lnT w="6350" cap="flat" cmpd="sng" algn="ctr">
+                      <a:solidFill>
+                        <a:srgbClr val="C9C9C9"/>
+                      </a:solidFill>
+                      <a:prstDash val="solid"/>
+                      <a:round/>
+                      <a:headEnd type="none" w="med" len="med"/>
+                      <a:tailEnd type="none" w="med" len="med"/>
                     </a:lnT>
-                    <a:lnB>
-                      <a:noFill/>
+                    <a:lnB w="6350" cap="flat" cmpd="sng" algn="ctr">
+                      <a:solidFill>
+                        <a:srgbClr val="C9C9C9"/>
+                      </a:solidFill>
+                      <a:prstDash val="solid"/>
+                      <a:round/>
+                      <a:headEnd type="none" w="med" len="med"/>
+                      <a:tailEnd type="none" w="med" len="med"/>
                     </a:lnB>
                     <a:solidFill>
-                      <a:srgbClr val="F5F5F5"/>
+                      <a:srgbClr val="EDEDED"/>
                     </a:solidFill>
                   </a:tcPr>
                 </a:tc>
@@ -13836,32 +14198,46 @@
                     <a:bodyPr/>
                     <a:lstStyle/>
                     <a:p>
-                      <a:pPr algn="r" fontAlgn="ctr"/>
+                      <a:pPr algn="ctr" fontAlgn="ctr"/>
                       <a:r>
-                        <a:rPr lang="en-US" sz="1200" dirty="0">
+                        <a:rPr lang="en-US" sz="1400" b="0" i="0" u="none" strike="noStrike">
+                          <a:solidFill>
+                            <a:srgbClr val="000000"/>
+                          </a:solidFill>
                           <a:effectLst/>
-                          <a:latin typeface="Courier New" panose="02070309020205020404" pitchFamily="49" charset="0"/>
-                          <a:cs typeface="Courier New" panose="02070309020205020404" pitchFamily="49" charset="0"/>
+                          <a:latin typeface="Calibri" panose="020F0502020204030204" pitchFamily="34" charset="0"/>
                         </a:rPr>
-                        <a:t>4903.000000</a:t>
+                        <a:t>1</a:t>
                       </a:r>
                     </a:p>
                   </a:txBody>
-                  <a:tcPr anchor="ctr">
+                  <a:tcPr marL="9525" marR="9525" marT="9525" marB="0" anchor="ctr">
                     <a:lnL>
                       <a:noFill/>
                     </a:lnL>
                     <a:lnR>
                       <a:noFill/>
                     </a:lnR>
-                    <a:lnT>
-                      <a:noFill/>
+                    <a:lnT w="6350" cap="flat" cmpd="sng" algn="ctr">
+                      <a:solidFill>
+                        <a:srgbClr val="C9C9C9"/>
+                      </a:solidFill>
+                      <a:prstDash val="solid"/>
+                      <a:round/>
+                      <a:headEnd type="none" w="med" len="med"/>
+                      <a:tailEnd type="none" w="med" len="med"/>
                     </a:lnT>
-                    <a:lnB>
-                      <a:noFill/>
+                    <a:lnB w="6350" cap="flat" cmpd="sng" algn="ctr">
+                      <a:solidFill>
+                        <a:srgbClr val="C9C9C9"/>
+                      </a:solidFill>
+                      <a:prstDash val="solid"/>
+                      <a:round/>
+                      <a:headEnd type="none" w="med" len="med"/>
+                      <a:tailEnd type="none" w="med" len="med"/>
                     </a:lnB>
                     <a:solidFill>
-                      <a:srgbClr val="F5F5F5"/>
+                      <a:srgbClr val="EDEDED"/>
                     </a:solidFill>
                   </a:tcPr>
                 </a:tc>
@@ -13870,32 +14246,46 @@
                     <a:bodyPr/>
                     <a:lstStyle/>
                     <a:p>
-                      <a:pPr algn="r" fontAlgn="ctr"/>
+                      <a:pPr algn="ctr" fontAlgn="ctr"/>
                       <a:r>
-                        <a:rPr lang="en-US" sz="1200">
+                        <a:rPr lang="en-US" sz="1400" b="0" i="0" u="none" strike="noStrike">
+                          <a:solidFill>
+                            <a:srgbClr val="000000"/>
+                          </a:solidFill>
                           <a:effectLst/>
-                          <a:latin typeface="Courier New" panose="02070309020205020404" pitchFamily="49" charset="0"/>
-                          <a:cs typeface="Courier New" panose="02070309020205020404" pitchFamily="49" charset="0"/>
+                          <a:latin typeface="Calibri" panose="020F0502020204030204" pitchFamily="34" charset="0"/>
                         </a:rPr>
-                        <a:t>4903.000000</a:t>
+                        <a:t>2.1</a:t>
                       </a:r>
                     </a:p>
                   </a:txBody>
-                  <a:tcPr anchor="ctr">
+                  <a:tcPr marL="9525" marR="9525" marT="9525" marB="0" anchor="ctr">
                     <a:lnL>
                       <a:noFill/>
                     </a:lnL>
                     <a:lnR>
                       <a:noFill/>
                     </a:lnR>
-                    <a:lnT>
-                      <a:noFill/>
+                    <a:lnT w="6350" cap="flat" cmpd="sng" algn="ctr">
+                      <a:solidFill>
+                        <a:srgbClr val="C9C9C9"/>
+                      </a:solidFill>
+                      <a:prstDash val="solid"/>
+                      <a:round/>
+                      <a:headEnd type="none" w="med" len="med"/>
+                      <a:tailEnd type="none" w="med" len="med"/>
                     </a:lnT>
-                    <a:lnB>
-                      <a:noFill/>
+                    <a:lnB w="6350" cap="flat" cmpd="sng" algn="ctr">
+                      <a:solidFill>
+                        <a:srgbClr val="C9C9C9"/>
+                      </a:solidFill>
+                      <a:prstDash val="solid"/>
+                      <a:round/>
+                      <a:headEnd type="none" w="med" len="med"/>
+                      <a:tailEnd type="none" w="med" len="med"/>
                     </a:lnB>
                     <a:solidFill>
-                      <a:srgbClr val="F5F5F5"/>
+                      <a:srgbClr val="EDEDED"/>
                     </a:solidFill>
                   </a:tcPr>
                 </a:tc>
@@ -13904,32 +14294,46 @@
                     <a:bodyPr/>
                     <a:lstStyle/>
                     <a:p>
-                      <a:pPr algn="r" fontAlgn="ctr"/>
+                      <a:pPr algn="ctr" fontAlgn="ctr"/>
                       <a:r>
-                        <a:rPr lang="en-US" sz="1200">
+                        <a:rPr lang="en-US" sz="1400" b="0" i="0" u="none" strike="noStrike">
+                          <a:solidFill>
+                            <a:srgbClr val="000000"/>
+                          </a:solidFill>
                           <a:effectLst/>
-                          <a:latin typeface="Courier New" panose="02070309020205020404" pitchFamily="49" charset="0"/>
-                          <a:cs typeface="Courier New" panose="02070309020205020404" pitchFamily="49" charset="0"/>
+                          <a:latin typeface="Calibri" panose="020F0502020204030204" pitchFamily="34" charset="0"/>
                         </a:rPr>
-                        <a:t>4903.000000</a:t>
+                        <a:t>4.3</a:t>
                       </a:r>
                     </a:p>
                   </a:txBody>
-                  <a:tcPr anchor="ctr">
+                  <a:tcPr marL="9525" marR="9525" marT="9525" marB="0" anchor="ctr">
                     <a:lnL>
                       <a:noFill/>
                     </a:lnL>
                     <a:lnR>
                       <a:noFill/>
                     </a:lnR>
-                    <a:lnT>
-                      <a:noFill/>
+                    <a:lnT w="6350" cap="flat" cmpd="sng" algn="ctr">
+                      <a:solidFill>
+                        <a:srgbClr val="C9C9C9"/>
+                      </a:solidFill>
+                      <a:prstDash val="solid"/>
+                      <a:round/>
+                      <a:headEnd type="none" w="med" len="med"/>
+                      <a:tailEnd type="none" w="med" len="med"/>
                     </a:lnT>
-                    <a:lnB>
-                      <a:noFill/>
+                    <a:lnB w="6350" cap="flat" cmpd="sng" algn="ctr">
+                      <a:solidFill>
+                        <a:srgbClr val="C9C9C9"/>
+                      </a:solidFill>
+                      <a:prstDash val="solid"/>
+                      <a:round/>
+                      <a:headEnd type="none" w="med" len="med"/>
+                      <a:tailEnd type="none" w="med" len="med"/>
                     </a:lnB>
                     <a:solidFill>
-                      <a:srgbClr val="F5F5F5"/>
+                      <a:srgbClr val="EDEDED"/>
                     </a:solidFill>
                   </a:tcPr>
                 </a:tc>
@@ -13938,32 +14342,537 @@
                     <a:bodyPr/>
                     <a:lstStyle/>
                     <a:p>
-                      <a:pPr algn="r" fontAlgn="ctr"/>
+                      <a:pPr algn="ctr" fontAlgn="ctr"/>
                       <a:r>
-                        <a:rPr lang="en-US" sz="1200">
+                        <a:rPr lang="en-US" sz="1400" b="0" i="0" u="none" strike="noStrike">
+                          <a:solidFill>
+                            <a:srgbClr val="000000"/>
+                          </a:solidFill>
                           <a:effectLst/>
-                          <a:latin typeface="Courier New" panose="02070309020205020404" pitchFamily="49" charset="0"/>
-                          <a:cs typeface="Courier New" panose="02070309020205020404" pitchFamily="49" charset="0"/>
+                          <a:latin typeface="Calibri" panose="020F0502020204030204" pitchFamily="34" charset="0"/>
                         </a:rPr>
-                        <a:t>4903.000000</a:t>
+                        <a:t>124.5</a:t>
                       </a:r>
                     </a:p>
                   </a:txBody>
-                  <a:tcPr anchor="ctr">
+                  <a:tcPr marL="9525" marR="9525" marT="9525" marB="0" anchor="ctr">
+                    <a:lnL>
+                      <a:noFill/>
+                    </a:lnL>
+                    <a:lnR w="6350" cap="flat" cmpd="sng" algn="ctr">
+                      <a:solidFill>
+                        <a:srgbClr val="C9C9C9"/>
+                      </a:solidFill>
+                      <a:prstDash val="solid"/>
+                      <a:round/>
+                      <a:headEnd type="none" w="med" len="med"/>
+                      <a:tailEnd type="none" w="med" len="med"/>
+                    </a:lnR>
+                    <a:lnT w="6350" cap="flat" cmpd="sng" algn="ctr">
+                      <a:solidFill>
+                        <a:srgbClr val="C9C9C9"/>
+                      </a:solidFill>
+                      <a:prstDash val="solid"/>
+                      <a:round/>
+                      <a:headEnd type="none" w="med" len="med"/>
+                      <a:tailEnd type="none" w="med" len="med"/>
+                    </a:lnT>
+                    <a:lnB w="6350" cap="flat" cmpd="sng" algn="ctr">
+                      <a:solidFill>
+                        <a:srgbClr val="C9C9C9"/>
+                      </a:solidFill>
+                      <a:prstDash val="solid"/>
+                      <a:round/>
+                      <a:headEnd type="none" w="med" len="med"/>
+                      <a:tailEnd type="none" w="med" len="med"/>
+                    </a:lnB>
+                    <a:solidFill>
+                      <a:srgbClr val="EDEDED"/>
+                    </a:solidFill>
+                  </a:tcPr>
+                </a:tc>
+                <a:extLst>
+                  <a:ext uri="{0D108BD9-81ED-4DB2-BD59-A6C34878D82A}">
+                    <a16:rowId xmlns:a16="http://schemas.microsoft.com/office/drawing/2014/main" val="4239802668"/>
+                  </a:ext>
+                </a:extLst>
+              </a:tr>
+              <a:tr h="406328">
+                <a:tc>
+                  <a:txBody>
+                    <a:bodyPr/>
+                    <a:lstStyle/>
+                    <a:p>
+                      <a:pPr algn="r" fontAlgn="ctr"/>
+                      <a:r>
+                        <a:rPr lang="en-US" sz="1400" b="0" i="0" u="none" strike="noStrike">
+                          <a:solidFill>
+                            <a:srgbClr val="000000"/>
+                          </a:solidFill>
+                          <a:effectLst/>
+                          <a:latin typeface="Calibri" panose="020F0502020204030204" pitchFamily="34" charset="0"/>
+                        </a:rPr>
+                        <a:t>Difficulty Number</a:t>
+                      </a:r>
+                    </a:p>
+                  </a:txBody>
+                  <a:tcPr marL="9525" marR="9525" marT="9525" marB="0" anchor="ctr">
+                    <a:lnL w="6350" cap="flat" cmpd="sng" algn="ctr">
+                      <a:solidFill>
+                        <a:srgbClr val="C9C9C9"/>
+                      </a:solidFill>
+                      <a:prstDash val="solid"/>
+                      <a:round/>
+                      <a:headEnd type="none" w="med" len="med"/>
+                      <a:tailEnd type="none" w="med" len="med"/>
+                    </a:lnL>
+                    <a:lnR>
+                      <a:noFill/>
+                    </a:lnR>
+                    <a:lnT w="6350" cap="flat" cmpd="sng" algn="ctr">
+                      <a:solidFill>
+                        <a:srgbClr val="C9C9C9"/>
+                      </a:solidFill>
+                      <a:prstDash val="solid"/>
+                      <a:round/>
+                      <a:headEnd type="none" w="med" len="med"/>
+                      <a:tailEnd type="none" w="med" len="med"/>
+                    </a:lnT>
+                    <a:lnB w="6350" cap="flat" cmpd="sng" algn="ctr">
+                      <a:solidFill>
+                        <a:srgbClr val="C9C9C9"/>
+                      </a:solidFill>
+                      <a:prstDash val="solid"/>
+                      <a:round/>
+                      <a:headEnd type="none" w="med" len="med"/>
+                      <a:tailEnd type="none" w="med" len="med"/>
+                    </a:lnB>
+                  </a:tcPr>
+                </a:tc>
+                <a:tc>
+                  <a:txBody>
+                    <a:bodyPr/>
+                    <a:lstStyle/>
+                    <a:p>
+                      <a:pPr algn="ctr" fontAlgn="ctr"/>
+                      <a:r>
+                        <a:rPr lang="en-US" sz="1400" b="0" i="0" u="none" strike="noStrike">
+                          <a:solidFill>
+                            <a:srgbClr val="000000"/>
+                          </a:solidFill>
+                          <a:effectLst/>
+                          <a:latin typeface="Calibri" panose="020F0502020204030204" pitchFamily="34" charset="0"/>
+                        </a:rPr>
+                        <a:t>4844</a:t>
+                      </a:r>
+                    </a:p>
+                  </a:txBody>
+                  <a:tcPr marL="9525" marR="9525" marT="9525" marB="0" anchor="ctr">
                     <a:lnL>
                       <a:noFill/>
                     </a:lnL>
                     <a:lnR>
                       <a:noFill/>
                     </a:lnR>
-                    <a:lnT>
+                    <a:lnT w="6350" cap="flat" cmpd="sng" algn="ctr">
+                      <a:solidFill>
+                        <a:srgbClr val="C9C9C9"/>
+                      </a:solidFill>
+                      <a:prstDash val="solid"/>
+                      <a:round/>
+                      <a:headEnd type="none" w="med" len="med"/>
+                      <a:tailEnd type="none" w="med" len="med"/>
+                    </a:lnT>
+                    <a:lnB w="6350" cap="flat" cmpd="sng" algn="ctr">
+                      <a:solidFill>
+                        <a:srgbClr val="C9C9C9"/>
+                      </a:solidFill>
+                      <a:prstDash val="solid"/>
+                      <a:round/>
+                      <a:headEnd type="none" w="med" len="med"/>
+                      <a:tailEnd type="none" w="med" len="med"/>
+                    </a:lnB>
+                  </a:tcPr>
+                </a:tc>
+                <a:tc>
+                  <a:txBody>
+                    <a:bodyPr/>
+                    <a:lstStyle/>
+                    <a:p>
+                      <a:pPr algn="ctr" fontAlgn="ctr"/>
+                      <a:r>
+                        <a:rPr lang="en-US" sz="1400" b="0" i="0" u="none" strike="noStrike">
+                          <a:solidFill>
+                            <a:srgbClr val="000000"/>
+                          </a:solidFill>
+                          <a:effectLst/>
+                          <a:latin typeface="Calibri" panose="020F0502020204030204" pitchFamily="34" charset="0"/>
+                        </a:rPr>
+                        <a:t>3.09867878</a:t>
+                      </a:r>
+                    </a:p>
+                  </a:txBody>
+                  <a:tcPr marL="9525" marR="9525" marT="9525" marB="0" anchor="ctr">
+                    <a:lnL>
                       <a:noFill/>
+                    </a:lnL>
+                    <a:lnR>
+                      <a:noFill/>
+                    </a:lnR>
+                    <a:lnT w="6350" cap="flat" cmpd="sng" algn="ctr">
+                      <a:solidFill>
+                        <a:srgbClr val="C9C9C9"/>
+                      </a:solidFill>
+                      <a:prstDash val="solid"/>
+                      <a:round/>
+                      <a:headEnd type="none" w="med" len="med"/>
+                      <a:tailEnd type="none" w="med" len="med"/>
                     </a:lnT>
-                    <a:lnB>
+                    <a:lnB w="6350" cap="flat" cmpd="sng" algn="ctr">
+                      <a:solidFill>
+                        <a:srgbClr val="C9C9C9"/>
+                      </a:solidFill>
+                      <a:prstDash val="solid"/>
+                      <a:round/>
+                      <a:headEnd type="none" w="med" len="med"/>
+                      <a:tailEnd type="none" w="med" len="med"/>
+                    </a:lnB>
+                  </a:tcPr>
+                </a:tc>
+                <a:tc>
+                  <a:txBody>
+                    <a:bodyPr/>
+                    <a:lstStyle/>
+                    <a:p>
+                      <a:pPr algn="ctr" fontAlgn="ctr"/>
+                      <a:r>
+                        <a:rPr lang="en-US" sz="1400" b="0" i="0" u="none" strike="noStrike">
+                          <a:solidFill>
+                            <a:srgbClr val="000000"/>
+                          </a:solidFill>
+                          <a:effectLst/>
+                          <a:latin typeface="Calibri" panose="020F0502020204030204" pitchFamily="34" charset="0"/>
+                        </a:rPr>
+                        <a:t>1.34344268</a:t>
+                      </a:r>
+                    </a:p>
+                  </a:txBody>
+                  <a:tcPr marL="9525" marR="9525" marT="9525" marB="0" anchor="ctr">
+                    <a:lnL>
                       <a:noFill/>
+                    </a:lnL>
+                    <a:lnR>
+                      <a:noFill/>
+                    </a:lnR>
+                    <a:lnT w="6350" cap="flat" cmpd="sng" algn="ctr">
+                      <a:solidFill>
+                        <a:srgbClr val="C9C9C9"/>
+                      </a:solidFill>
+                      <a:prstDash val="solid"/>
+                      <a:round/>
+                      <a:headEnd type="none" w="med" len="med"/>
+                      <a:tailEnd type="none" w="med" len="med"/>
+                    </a:lnT>
+                    <a:lnB w="6350" cap="flat" cmpd="sng" algn="ctr">
+                      <a:solidFill>
+                        <a:srgbClr val="C9C9C9"/>
+                      </a:solidFill>
+                      <a:prstDash val="solid"/>
+                      <a:round/>
+                      <a:headEnd type="none" w="med" len="med"/>
+                      <a:tailEnd type="none" w="med" len="med"/>
+                    </a:lnB>
+                  </a:tcPr>
+                </a:tc>
+                <a:tc>
+                  <a:txBody>
+                    <a:bodyPr/>
+                    <a:lstStyle/>
+                    <a:p>
+                      <a:pPr algn="ctr" fontAlgn="ctr"/>
+                      <a:r>
+                        <a:rPr lang="en-US" sz="1400" b="0" i="0" u="none" strike="noStrike">
+                          <a:solidFill>
+                            <a:srgbClr val="000000"/>
+                          </a:solidFill>
+                          <a:effectLst/>
+                          <a:latin typeface="Calibri" panose="020F0502020204030204" pitchFamily="34" charset="0"/>
+                        </a:rPr>
+                        <a:t>1</a:t>
+                      </a:r>
+                    </a:p>
+                  </a:txBody>
+                  <a:tcPr marL="9525" marR="9525" marT="9525" marB="0" anchor="ctr">
+                    <a:lnL>
+                      <a:noFill/>
+                    </a:lnL>
+                    <a:lnR>
+                      <a:noFill/>
+                    </a:lnR>
+                    <a:lnT w="6350" cap="flat" cmpd="sng" algn="ctr">
+                      <a:solidFill>
+                        <a:srgbClr val="C9C9C9"/>
+                      </a:solidFill>
+                      <a:prstDash val="solid"/>
+                      <a:round/>
+                      <a:headEnd type="none" w="med" len="med"/>
+                      <a:tailEnd type="none" w="med" len="med"/>
+                    </a:lnT>
+                    <a:lnB w="6350" cap="flat" cmpd="sng" algn="ctr">
+                      <a:solidFill>
+                        <a:srgbClr val="C9C9C9"/>
+                      </a:solidFill>
+                      <a:prstDash val="solid"/>
+                      <a:round/>
+                      <a:headEnd type="none" w="med" len="med"/>
+                      <a:tailEnd type="none" w="med" len="med"/>
+                    </a:lnB>
+                  </a:tcPr>
+                </a:tc>
+                <a:tc>
+                  <a:txBody>
+                    <a:bodyPr/>
+                    <a:lstStyle/>
+                    <a:p>
+                      <a:pPr algn="ctr" fontAlgn="ctr"/>
+                      <a:r>
+                        <a:rPr lang="en-US" sz="1400" b="0" i="0" u="none" strike="noStrike">
+                          <a:solidFill>
+                            <a:srgbClr val="000000"/>
+                          </a:solidFill>
+                          <a:effectLst/>
+                          <a:latin typeface="Calibri" panose="020F0502020204030204" pitchFamily="34" charset="0"/>
+                        </a:rPr>
+                        <a:t>2</a:t>
+                      </a:r>
+                    </a:p>
+                  </a:txBody>
+                  <a:tcPr marL="9525" marR="9525" marT="9525" marB="0" anchor="ctr">
+                    <a:lnL>
+                      <a:noFill/>
+                    </a:lnL>
+                    <a:lnR>
+                      <a:noFill/>
+                    </a:lnR>
+                    <a:lnT w="6350" cap="flat" cmpd="sng" algn="ctr">
+                      <a:solidFill>
+                        <a:srgbClr val="C9C9C9"/>
+                      </a:solidFill>
+                      <a:prstDash val="solid"/>
+                      <a:round/>
+                      <a:headEnd type="none" w="med" len="med"/>
+                      <a:tailEnd type="none" w="med" len="med"/>
+                    </a:lnT>
+                    <a:lnB w="6350" cap="flat" cmpd="sng" algn="ctr">
+                      <a:solidFill>
+                        <a:srgbClr val="C9C9C9"/>
+                      </a:solidFill>
+                      <a:prstDash val="solid"/>
+                      <a:round/>
+                      <a:headEnd type="none" w="med" len="med"/>
+                      <a:tailEnd type="none" w="med" len="med"/>
+                    </a:lnB>
+                  </a:tcPr>
+                </a:tc>
+                <a:tc>
+                  <a:txBody>
+                    <a:bodyPr/>
+                    <a:lstStyle/>
+                    <a:p>
+                      <a:pPr algn="ctr" fontAlgn="ctr"/>
+                      <a:r>
+                        <a:rPr lang="en-US" sz="1400" b="0" i="0" u="none" strike="noStrike">
+                          <a:solidFill>
+                            <a:srgbClr val="000000"/>
+                          </a:solidFill>
+                          <a:effectLst/>
+                          <a:latin typeface="Calibri" panose="020F0502020204030204" pitchFamily="34" charset="0"/>
+                        </a:rPr>
+                        <a:t>3</a:t>
+                      </a:r>
+                    </a:p>
+                  </a:txBody>
+                  <a:tcPr marL="9525" marR="9525" marT="9525" marB="0" anchor="ctr">
+                    <a:lnL>
+                      <a:noFill/>
+                    </a:lnL>
+                    <a:lnR>
+                      <a:noFill/>
+                    </a:lnR>
+                    <a:lnT w="6350" cap="flat" cmpd="sng" algn="ctr">
+                      <a:solidFill>
+                        <a:srgbClr val="C9C9C9"/>
+                      </a:solidFill>
+                      <a:prstDash val="solid"/>
+                      <a:round/>
+                      <a:headEnd type="none" w="med" len="med"/>
+                      <a:tailEnd type="none" w="med" len="med"/>
+                    </a:lnT>
+                    <a:lnB w="6350" cap="flat" cmpd="sng" algn="ctr">
+                      <a:solidFill>
+                        <a:srgbClr val="C9C9C9"/>
+                      </a:solidFill>
+                      <a:prstDash val="solid"/>
+                      <a:round/>
+                      <a:headEnd type="none" w="med" len="med"/>
+                      <a:tailEnd type="none" w="med" len="med"/>
+                    </a:lnB>
+                  </a:tcPr>
+                </a:tc>
+                <a:tc>
+                  <a:txBody>
+                    <a:bodyPr/>
+                    <a:lstStyle/>
+                    <a:p>
+                      <a:pPr algn="ctr" fontAlgn="ctr"/>
+                      <a:r>
+                        <a:rPr lang="en-US" sz="1400" b="0" i="0" u="none" strike="noStrike">
+                          <a:solidFill>
+                            <a:srgbClr val="000000"/>
+                          </a:solidFill>
+                          <a:effectLst/>
+                          <a:latin typeface="Calibri" panose="020F0502020204030204" pitchFamily="34" charset="0"/>
+                        </a:rPr>
+                        <a:t>4</a:t>
+                      </a:r>
+                    </a:p>
+                  </a:txBody>
+                  <a:tcPr marL="9525" marR="9525" marT="9525" marB="0" anchor="ctr">
+                    <a:lnL>
+                      <a:noFill/>
+                    </a:lnL>
+                    <a:lnR>
+                      <a:noFill/>
+                    </a:lnR>
+                    <a:lnT w="6350" cap="flat" cmpd="sng" algn="ctr">
+                      <a:solidFill>
+                        <a:srgbClr val="C9C9C9"/>
+                      </a:solidFill>
+                      <a:prstDash val="solid"/>
+                      <a:round/>
+                      <a:headEnd type="none" w="med" len="med"/>
+                      <a:tailEnd type="none" w="med" len="med"/>
+                    </a:lnT>
+                    <a:lnB w="6350" cap="flat" cmpd="sng" algn="ctr">
+                      <a:solidFill>
+                        <a:srgbClr val="C9C9C9"/>
+                      </a:solidFill>
+                      <a:prstDash val="solid"/>
+                      <a:round/>
+                      <a:headEnd type="none" w="med" len="med"/>
+                      <a:tailEnd type="none" w="med" len="med"/>
+                    </a:lnB>
+                  </a:tcPr>
+                </a:tc>
+                <a:tc>
+                  <a:txBody>
+                    <a:bodyPr/>
+                    <a:lstStyle/>
+                    <a:p>
+                      <a:pPr algn="ctr" fontAlgn="ctr"/>
+                      <a:r>
+                        <a:rPr lang="en-US" sz="1400" b="0" i="0" u="none" strike="noStrike">
+                          <a:solidFill>
+                            <a:srgbClr val="000000"/>
+                          </a:solidFill>
+                          <a:effectLst/>
+                          <a:latin typeface="Calibri" panose="020F0502020204030204" pitchFamily="34" charset="0"/>
+                        </a:rPr>
+                        <a:t>5</a:t>
+                      </a:r>
+                    </a:p>
+                  </a:txBody>
+                  <a:tcPr marL="9525" marR="9525" marT="9525" marB="0" anchor="ctr">
+                    <a:lnL>
+                      <a:noFill/>
+                    </a:lnL>
+                    <a:lnR w="6350" cap="flat" cmpd="sng" algn="ctr">
+                      <a:solidFill>
+                        <a:srgbClr val="C9C9C9"/>
+                      </a:solidFill>
+                      <a:prstDash val="solid"/>
+                      <a:round/>
+                      <a:headEnd type="none" w="med" len="med"/>
+                      <a:tailEnd type="none" w="med" len="med"/>
+                    </a:lnR>
+                    <a:lnT w="6350" cap="flat" cmpd="sng" algn="ctr">
+                      <a:solidFill>
+                        <a:srgbClr val="C9C9C9"/>
+                      </a:solidFill>
+                      <a:prstDash val="solid"/>
+                      <a:round/>
+                      <a:headEnd type="none" w="med" len="med"/>
+                      <a:tailEnd type="none" w="med" len="med"/>
+                    </a:lnT>
+                    <a:lnB w="6350" cap="flat" cmpd="sng" algn="ctr">
+                      <a:solidFill>
+                        <a:srgbClr val="C9C9C9"/>
+                      </a:solidFill>
+                      <a:prstDash val="solid"/>
+                      <a:round/>
+                      <a:headEnd type="none" w="med" len="med"/>
+                      <a:tailEnd type="none" w="med" len="med"/>
+                    </a:lnB>
+                  </a:tcPr>
+                </a:tc>
+                <a:extLst>
+                  <a:ext uri="{0D108BD9-81ED-4DB2-BD59-A6C34878D82A}">
+                    <a16:rowId xmlns:a16="http://schemas.microsoft.com/office/drawing/2014/main" val="2311959362"/>
+                  </a:ext>
+                </a:extLst>
+              </a:tr>
+              <a:tr h="406328">
+                <a:tc>
+                  <a:txBody>
+                    <a:bodyPr/>
+                    <a:lstStyle/>
+                    <a:p>
+                      <a:pPr algn="r" fontAlgn="ctr"/>
+                      <a:r>
+                        <a:rPr lang="en-US" sz="1400" b="0" i="0" u="none" strike="noStrike">
+                          <a:solidFill>
+                            <a:srgbClr val="000000"/>
+                          </a:solidFill>
+                          <a:effectLst/>
+                          <a:latin typeface="Calibri" panose="020F0502020204030204" pitchFamily="34" charset="0"/>
+                        </a:rPr>
+                        <a:t>Elev_Up</a:t>
+                      </a:r>
+                    </a:p>
+                  </a:txBody>
+                  <a:tcPr marL="9525" marR="9525" marT="9525" marB="0" anchor="ctr">
+                    <a:lnL w="6350" cap="flat" cmpd="sng" algn="ctr">
+                      <a:solidFill>
+                        <a:srgbClr val="C9C9C9"/>
+                      </a:solidFill>
+                      <a:prstDash val="solid"/>
+                      <a:round/>
+                      <a:headEnd type="none" w="med" len="med"/>
+                      <a:tailEnd type="none" w="med" len="med"/>
+                    </a:lnL>
+                    <a:lnR>
+                      <a:noFill/>
+                    </a:lnR>
+                    <a:lnT w="6350" cap="flat" cmpd="sng" algn="ctr">
+                      <a:solidFill>
+                        <a:srgbClr val="C9C9C9"/>
+                      </a:solidFill>
+                      <a:prstDash val="solid"/>
+                      <a:round/>
+                      <a:headEnd type="none" w="med" len="med"/>
+                      <a:tailEnd type="none" w="med" len="med"/>
+                    </a:lnT>
+                    <a:lnB w="6350" cap="flat" cmpd="sng" algn="ctr">
+                      <a:solidFill>
+                        <a:srgbClr val="C9C9C9"/>
+                      </a:solidFill>
+                      <a:prstDash val="solid"/>
+                      <a:round/>
+                      <a:headEnd type="none" w="med" len="med"/>
+                      <a:tailEnd type="none" w="med" len="med"/>
                     </a:lnB>
                     <a:solidFill>
-                      <a:srgbClr val="F5F5F5"/>
+                      <a:srgbClr val="EDEDED"/>
                     </a:solidFill>
                   </a:tcPr>
                 </a:tc>
@@ -13972,32 +14881,46 @@
                     <a:bodyPr/>
                     <a:lstStyle/>
                     <a:p>
-                      <a:pPr algn="r" fontAlgn="ctr"/>
+                      <a:pPr algn="ctr" fontAlgn="ctr"/>
                       <a:r>
-                        <a:rPr lang="en-US" sz="1200">
+                        <a:rPr lang="en-US" sz="1400" b="0" i="0" u="none" strike="noStrike">
+                          <a:solidFill>
+                            <a:srgbClr val="000000"/>
+                          </a:solidFill>
                           <a:effectLst/>
-                          <a:latin typeface="Courier New" panose="02070309020205020404" pitchFamily="49" charset="0"/>
-                          <a:cs typeface="Courier New" panose="02070309020205020404" pitchFamily="49" charset="0"/>
+                          <a:latin typeface="Calibri" panose="020F0502020204030204" pitchFamily="34" charset="0"/>
                         </a:rPr>
-                        <a:t>4903.000000</a:t>
+                        <a:t>4903</a:t>
                       </a:r>
                     </a:p>
                   </a:txBody>
-                  <a:tcPr anchor="ctr">
+                  <a:tcPr marL="9525" marR="9525" marT="9525" marB="0" anchor="ctr">
                     <a:lnL>
                       <a:noFill/>
                     </a:lnL>
                     <a:lnR>
                       <a:noFill/>
                     </a:lnR>
-                    <a:lnT>
-                      <a:noFill/>
+                    <a:lnT w="6350" cap="flat" cmpd="sng" algn="ctr">
+                      <a:solidFill>
+                        <a:srgbClr val="C9C9C9"/>
+                      </a:solidFill>
+                      <a:prstDash val="solid"/>
+                      <a:round/>
+                      <a:headEnd type="none" w="med" len="med"/>
+                      <a:tailEnd type="none" w="med" len="med"/>
                     </a:lnT>
-                    <a:lnB>
-                      <a:noFill/>
+                    <a:lnB w="6350" cap="flat" cmpd="sng" algn="ctr">
+                      <a:solidFill>
+                        <a:srgbClr val="C9C9C9"/>
+                      </a:solidFill>
+                      <a:prstDash val="solid"/>
+                      <a:round/>
+                      <a:headEnd type="none" w="med" len="med"/>
+                      <a:tailEnd type="none" w="med" len="med"/>
                     </a:lnB>
                     <a:solidFill>
-                      <a:srgbClr val="F5F5F5"/>
+                      <a:srgbClr val="EDEDED"/>
                     </a:solidFill>
                   </a:tcPr>
                 </a:tc>
@@ -14006,32 +14929,46 @@
                     <a:bodyPr/>
                     <a:lstStyle/>
                     <a:p>
-                      <a:pPr algn="r" fontAlgn="ctr"/>
+                      <a:pPr algn="ctr" fontAlgn="ctr"/>
                       <a:r>
-                        <a:rPr lang="en-US" sz="1200">
+                        <a:rPr lang="en-US" sz="1400" b="0" i="0" u="none" strike="noStrike">
+                          <a:solidFill>
+                            <a:srgbClr val="000000"/>
+                          </a:solidFill>
                           <a:effectLst/>
-                          <a:latin typeface="Courier New" panose="02070309020205020404" pitchFamily="49" charset="0"/>
-                          <a:cs typeface="Courier New" panose="02070309020205020404" pitchFamily="49" charset="0"/>
+                          <a:latin typeface="Calibri" panose="020F0502020204030204" pitchFamily="34" charset="0"/>
                         </a:rPr>
-                        <a:t>4903.000000</a:t>
+                        <a:t>758.07628</a:t>
                       </a:r>
                     </a:p>
                   </a:txBody>
-                  <a:tcPr anchor="ctr">
+                  <a:tcPr marL="9525" marR="9525" marT="9525" marB="0" anchor="ctr">
                     <a:lnL>
                       <a:noFill/>
                     </a:lnL>
                     <a:lnR>
                       <a:noFill/>
                     </a:lnR>
-                    <a:lnT>
-                      <a:noFill/>
+                    <a:lnT w="6350" cap="flat" cmpd="sng" algn="ctr">
+                      <a:solidFill>
+                        <a:srgbClr val="C9C9C9"/>
+                      </a:solidFill>
+                      <a:prstDash val="solid"/>
+                      <a:round/>
+                      <a:headEnd type="none" w="med" len="med"/>
+                      <a:tailEnd type="none" w="med" len="med"/>
                     </a:lnT>
-                    <a:lnB>
-                      <a:noFill/>
+                    <a:lnB w="6350" cap="flat" cmpd="sng" algn="ctr">
+                      <a:solidFill>
+                        <a:srgbClr val="C9C9C9"/>
+                      </a:solidFill>
+                      <a:prstDash val="solid"/>
+                      <a:round/>
+                      <a:headEnd type="none" w="med" len="med"/>
+                      <a:tailEnd type="none" w="med" len="med"/>
                     </a:lnB>
                     <a:solidFill>
-                      <a:srgbClr val="F5F5F5"/>
+                      <a:srgbClr val="EDEDED"/>
                     </a:solidFill>
                   </a:tcPr>
                 </a:tc>
@@ -14040,35 +14977,46 @@
                     <a:bodyPr/>
                     <a:lstStyle/>
                     <a:p>
-                      <a:pPr algn="r" fontAlgn="ctr"/>
+                      <a:pPr algn="ctr" fontAlgn="ctr"/>
                       <a:r>
-                        <a:rPr lang="en-US" sz="1200" b="1" dirty="0">
+                        <a:rPr lang="en-US" sz="1400" b="0" i="0" u="none" strike="noStrike">
                           <a:solidFill>
-                            <a:srgbClr val="0070C0"/>
+                            <a:srgbClr val="000000"/>
                           </a:solidFill>
                           <a:effectLst/>
-                          <a:latin typeface="Courier New" panose="02070309020205020404" pitchFamily="49" charset="0"/>
-                          <a:cs typeface="Courier New" panose="02070309020205020404" pitchFamily="49" charset="0"/>
+                          <a:latin typeface="Calibri" panose="020F0502020204030204" pitchFamily="34" charset="0"/>
                         </a:rPr>
-                        <a:t>3307.000000</a:t>
+                        <a:t>1016.0417</a:t>
                       </a:r>
                     </a:p>
                   </a:txBody>
-                  <a:tcPr anchor="ctr">
+                  <a:tcPr marL="9525" marR="9525" marT="9525" marB="0" anchor="ctr">
                     <a:lnL>
                       <a:noFill/>
                     </a:lnL>
                     <a:lnR>
                       <a:noFill/>
                     </a:lnR>
-                    <a:lnT>
-                      <a:noFill/>
+                    <a:lnT w="6350" cap="flat" cmpd="sng" algn="ctr">
+                      <a:solidFill>
+                        <a:srgbClr val="C9C9C9"/>
+                      </a:solidFill>
+                      <a:prstDash val="solid"/>
+                      <a:round/>
+                      <a:headEnd type="none" w="med" len="med"/>
+                      <a:tailEnd type="none" w="med" len="med"/>
                     </a:lnT>
-                    <a:lnB>
-                      <a:noFill/>
+                    <a:lnB w="6350" cap="flat" cmpd="sng" algn="ctr">
+                      <a:solidFill>
+                        <a:srgbClr val="C9C9C9"/>
+                      </a:solidFill>
+                      <a:prstDash val="solid"/>
+                      <a:round/>
+                      <a:headEnd type="none" w="med" len="med"/>
+                      <a:tailEnd type="none" w="med" len="med"/>
                     </a:lnB>
                     <a:solidFill>
-                      <a:srgbClr val="F5F5F5"/>
+                      <a:srgbClr val="EDEDED"/>
                     </a:solidFill>
                   </a:tcPr>
                 </a:tc>
@@ -14077,70 +15025,46 @@
                     <a:bodyPr/>
                     <a:lstStyle/>
                     <a:p>
-                      <a:pPr algn="r" fontAlgn="ctr"/>
+                      <a:pPr algn="ctr" fontAlgn="ctr"/>
                       <a:r>
-                        <a:rPr lang="en-US" sz="1200" dirty="0">
+                        <a:rPr lang="en-US" sz="1400" b="0" i="0" u="none" strike="noStrike">
+                          <a:solidFill>
+                            <a:srgbClr val="000000"/>
+                          </a:solidFill>
                           <a:effectLst/>
-                          <a:latin typeface="Courier New" panose="02070309020205020404" pitchFamily="49" charset="0"/>
-                          <a:cs typeface="Courier New" panose="02070309020205020404" pitchFamily="49" charset="0"/>
+                          <a:latin typeface="Calibri" panose="020F0502020204030204" pitchFamily="34" charset="0"/>
                         </a:rPr>
-                        <a:t>3307.000000</a:t>
+                        <a:t>0</a:t>
                       </a:r>
                     </a:p>
                   </a:txBody>
-                  <a:tcPr anchor="ctr">
+                  <a:tcPr marL="9525" marR="9525" marT="9525" marB="0" anchor="ctr">
                     <a:lnL>
                       <a:noFill/>
                     </a:lnL>
                     <a:lnR>
                       <a:noFill/>
                     </a:lnR>
-                    <a:lnB>
-                      <a:noFill/>
+                    <a:lnT w="6350" cap="flat" cmpd="sng" algn="ctr">
+                      <a:solidFill>
+                        <a:srgbClr val="C9C9C9"/>
+                      </a:solidFill>
+                      <a:prstDash val="solid"/>
+                      <a:round/>
+                      <a:headEnd type="none" w="med" len="med"/>
+                      <a:tailEnd type="none" w="med" len="med"/>
+                    </a:lnT>
+                    <a:lnB w="6350" cap="flat" cmpd="sng" algn="ctr">
+                      <a:solidFill>
+                        <a:srgbClr val="C9C9C9"/>
+                      </a:solidFill>
+                      <a:prstDash val="solid"/>
+                      <a:round/>
+                      <a:headEnd type="none" w="med" len="med"/>
+                      <a:tailEnd type="none" w="med" len="med"/>
                     </a:lnB>
                     <a:solidFill>
-                      <a:srgbClr val="F5F5F5"/>
-                    </a:solidFill>
-                  </a:tcPr>
-                </a:tc>
-                <a:extLst>
-                  <a:ext uri="{0D108BD9-81ED-4DB2-BD59-A6C34878D82A}">
-                    <a16:rowId xmlns:a16="http://schemas.microsoft.com/office/drawing/2014/main" val="2959513634"/>
-                  </a:ext>
-                </a:extLst>
-              </a:tr>
-              <a:tr h="365760">
-                <a:tc>
-                  <a:txBody>
-                    <a:bodyPr/>
-                    <a:lstStyle/>
-                    <a:p>
-                      <a:pPr algn="r" fontAlgn="ctr"/>
-                      <a:r>
-                        <a:rPr lang="en-US" sz="1200" b="1">
-                          <a:effectLst/>
-                          <a:latin typeface="Courier New" panose="02070309020205020404" pitchFamily="49" charset="0"/>
-                          <a:cs typeface="Courier New" panose="02070309020205020404" pitchFamily="49" charset="0"/>
-                        </a:rPr>
-                        <a:t>mean</a:t>
-                      </a:r>
-                    </a:p>
-                  </a:txBody>
-                  <a:tcPr anchor="ctr">
-                    <a:lnL>
-                      <a:noFill/>
-                    </a:lnL>
-                    <a:lnR>
-                      <a:noFill/>
-                    </a:lnR>
-                    <a:lnT>
-                      <a:noFill/>
-                    </a:lnT>
-                    <a:lnB>
-                      <a:noFill/>
-                    </a:lnB>
-                    <a:solidFill>
-                      <a:srgbClr val="FFFFFF"/>
+                      <a:srgbClr val="EDEDED"/>
                     </a:solidFill>
                   </a:tcPr>
                 </a:tc>
@@ -14149,32 +15073,46 @@
                     <a:bodyPr/>
                     <a:lstStyle/>
                     <a:p>
-                      <a:pPr algn="r" fontAlgn="ctr"/>
+                      <a:pPr algn="ctr" fontAlgn="ctr"/>
                       <a:r>
-                        <a:rPr lang="en-US" sz="1200">
+                        <a:rPr lang="en-US" sz="1400" b="0" i="0" u="none" strike="noStrike">
+                          <a:solidFill>
+                            <a:srgbClr val="000000"/>
+                          </a:solidFill>
                           <a:effectLst/>
-                          <a:latin typeface="Courier New" panose="02070309020205020404" pitchFamily="49" charset="0"/>
-                          <a:cs typeface="Courier New" panose="02070309020205020404" pitchFamily="49" charset="0"/>
+                          <a:latin typeface="Calibri" panose="020F0502020204030204" pitchFamily="34" charset="0"/>
                         </a:rPr>
-                        <a:t>3.50516</a:t>
+                        <a:t>85</a:t>
                       </a:r>
                     </a:p>
                   </a:txBody>
-                  <a:tcPr anchor="ctr">
+                  <a:tcPr marL="9525" marR="9525" marT="9525" marB="0" anchor="ctr">
                     <a:lnL>
                       <a:noFill/>
                     </a:lnL>
                     <a:lnR>
                       <a:noFill/>
                     </a:lnR>
-                    <a:lnT>
-                      <a:noFill/>
+                    <a:lnT w="6350" cap="flat" cmpd="sng" algn="ctr">
+                      <a:solidFill>
+                        <a:srgbClr val="C9C9C9"/>
+                      </a:solidFill>
+                      <a:prstDash val="solid"/>
+                      <a:round/>
+                      <a:headEnd type="none" w="med" len="med"/>
+                      <a:tailEnd type="none" w="med" len="med"/>
                     </a:lnT>
-                    <a:lnB>
-                      <a:noFill/>
+                    <a:lnB w="6350" cap="flat" cmpd="sng" algn="ctr">
+                      <a:solidFill>
+                        <a:srgbClr val="C9C9C9"/>
+                      </a:solidFill>
+                      <a:prstDash val="solid"/>
+                      <a:round/>
+                      <a:headEnd type="none" w="med" len="med"/>
+                      <a:tailEnd type="none" w="med" len="med"/>
                     </a:lnB>
                     <a:solidFill>
-                      <a:srgbClr val="FFFFFF"/>
+                      <a:srgbClr val="EDEDED"/>
                     </a:solidFill>
                   </a:tcPr>
                 </a:tc>
@@ -14183,32 +15121,46 @@
                     <a:bodyPr/>
                     <a:lstStyle/>
                     <a:p>
-                      <a:pPr algn="r" fontAlgn="ctr"/>
+                      <a:pPr algn="ctr" fontAlgn="ctr"/>
                       <a:r>
-                        <a:rPr lang="en-US" sz="1200">
+                        <a:rPr lang="en-US" sz="1400" b="0" i="0" u="none" strike="noStrike">
+                          <a:solidFill>
+                            <a:srgbClr val="000000"/>
+                          </a:solidFill>
                           <a:effectLst/>
-                          <a:latin typeface="Courier New" panose="02070309020205020404" pitchFamily="49" charset="0"/>
-                          <a:cs typeface="Courier New" panose="02070309020205020404" pitchFamily="49" charset="0"/>
+                          <a:latin typeface="Calibri" panose="020F0502020204030204" pitchFamily="34" charset="0"/>
                         </a:rPr>
-                        <a:t>3.098679</a:t>
+                        <a:t>329</a:t>
                       </a:r>
                     </a:p>
                   </a:txBody>
-                  <a:tcPr anchor="ctr">
+                  <a:tcPr marL="9525" marR="9525" marT="9525" marB="0" anchor="ctr">
                     <a:lnL>
                       <a:noFill/>
                     </a:lnL>
                     <a:lnR>
                       <a:noFill/>
                     </a:lnR>
-                    <a:lnT>
-                      <a:noFill/>
+                    <a:lnT w="6350" cap="flat" cmpd="sng" algn="ctr">
+                      <a:solidFill>
+                        <a:srgbClr val="C9C9C9"/>
+                      </a:solidFill>
+                      <a:prstDash val="solid"/>
+                      <a:round/>
+                      <a:headEnd type="none" w="med" len="med"/>
+                      <a:tailEnd type="none" w="med" len="med"/>
                     </a:lnT>
-                    <a:lnB>
-                      <a:noFill/>
+                    <a:lnB w="6350" cap="flat" cmpd="sng" algn="ctr">
+                      <a:solidFill>
+                        <a:srgbClr val="C9C9C9"/>
+                      </a:solidFill>
+                      <a:prstDash val="solid"/>
+                      <a:round/>
+                      <a:headEnd type="none" w="med" len="med"/>
+                      <a:tailEnd type="none" w="med" len="med"/>
                     </a:lnB>
                     <a:solidFill>
-                      <a:srgbClr val="FFFFFF"/>
+                      <a:srgbClr val="EDEDED"/>
                     </a:solidFill>
                   </a:tcPr>
                 </a:tc>
@@ -14217,32 +15169,46 @@
                     <a:bodyPr/>
                     <a:lstStyle/>
                     <a:p>
-                      <a:pPr algn="r" fontAlgn="ctr"/>
+                      <a:pPr algn="ctr" fontAlgn="ctr"/>
                       <a:r>
-                        <a:rPr lang="en-US" sz="1200" dirty="0">
+                        <a:rPr lang="en-US" sz="1400" b="0" i="0" u="none" strike="noStrike">
+                          <a:solidFill>
+                            <a:srgbClr val="000000"/>
+                          </a:solidFill>
                           <a:effectLst/>
-                          <a:latin typeface="Courier New" panose="02070309020205020404" pitchFamily="49" charset="0"/>
-                          <a:cs typeface="Courier New" panose="02070309020205020404" pitchFamily="49" charset="0"/>
+                          <a:latin typeface="Calibri" panose="020F0502020204030204" pitchFamily="34" charset="0"/>
                         </a:rPr>
-                        <a:t>758.076280</a:t>
+                        <a:t>1062</a:t>
                       </a:r>
                     </a:p>
                   </a:txBody>
-                  <a:tcPr anchor="ctr">
+                  <a:tcPr marL="9525" marR="9525" marT="9525" marB="0" anchor="ctr">
                     <a:lnL>
                       <a:noFill/>
                     </a:lnL>
                     <a:lnR>
                       <a:noFill/>
                     </a:lnR>
-                    <a:lnT>
-                      <a:noFill/>
+                    <a:lnT w="6350" cap="flat" cmpd="sng" algn="ctr">
+                      <a:solidFill>
+                        <a:srgbClr val="C9C9C9"/>
+                      </a:solidFill>
+                      <a:prstDash val="solid"/>
+                      <a:round/>
+                      <a:headEnd type="none" w="med" len="med"/>
+                      <a:tailEnd type="none" w="med" len="med"/>
                     </a:lnT>
-                    <a:lnB>
-                      <a:noFill/>
+                    <a:lnB w="6350" cap="flat" cmpd="sng" algn="ctr">
+                      <a:solidFill>
+                        <a:srgbClr val="C9C9C9"/>
+                      </a:solidFill>
+                      <a:prstDash val="solid"/>
+                      <a:round/>
+                      <a:headEnd type="none" w="med" len="med"/>
+                      <a:tailEnd type="none" w="med" len="med"/>
                     </a:lnB>
                     <a:solidFill>
-                      <a:srgbClr val="FFFFFF"/>
+                      <a:srgbClr val="EDEDED"/>
                     </a:solidFill>
                   </a:tcPr>
                 </a:tc>
@@ -14251,32 +15217,537 @@
                     <a:bodyPr/>
                     <a:lstStyle/>
                     <a:p>
-                      <a:pPr algn="r" fontAlgn="ctr"/>
+                      <a:pPr algn="ctr" fontAlgn="ctr"/>
                       <a:r>
-                        <a:rPr lang="en-US" sz="1200" dirty="0">
+                        <a:rPr lang="en-US" sz="1400" b="0" i="0" u="none" strike="noStrike">
+                          <a:solidFill>
+                            <a:srgbClr val="000000"/>
+                          </a:solidFill>
                           <a:effectLst/>
-                          <a:latin typeface="Courier New" panose="02070309020205020404" pitchFamily="49" charset="0"/>
-                          <a:cs typeface="Courier New" panose="02070309020205020404" pitchFamily="49" charset="0"/>
+                          <a:latin typeface="Calibri" panose="020F0502020204030204" pitchFamily="34" charset="0"/>
                         </a:rPr>
-                        <a:t>502.997553</a:t>
+                        <a:t>12176</a:t>
                       </a:r>
                     </a:p>
                   </a:txBody>
-                  <a:tcPr anchor="ctr">
+                  <a:tcPr marL="9525" marR="9525" marT="9525" marB="0" anchor="ctr">
+                    <a:lnL>
+                      <a:noFill/>
+                    </a:lnL>
+                    <a:lnR w="6350" cap="flat" cmpd="sng" algn="ctr">
+                      <a:solidFill>
+                        <a:srgbClr val="C9C9C9"/>
+                      </a:solidFill>
+                      <a:prstDash val="solid"/>
+                      <a:round/>
+                      <a:headEnd type="none" w="med" len="med"/>
+                      <a:tailEnd type="none" w="med" len="med"/>
+                    </a:lnR>
+                    <a:lnT w="6350" cap="flat" cmpd="sng" algn="ctr">
+                      <a:solidFill>
+                        <a:srgbClr val="C9C9C9"/>
+                      </a:solidFill>
+                      <a:prstDash val="solid"/>
+                      <a:round/>
+                      <a:headEnd type="none" w="med" len="med"/>
+                      <a:tailEnd type="none" w="med" len="med"/>
+                    </a:lnT>
+                    <a:lnB w="6350" cap="flat" cmpd="sng" algn="ctr">
+                      <a:solidFill>
+                        <a:srgbClr val="C9C9C9"/>
+                      </a:solidFill>
+                      <a:prstDash val="solid"/>
+                      <a:round/>
+                      <a:headEnd type="none" w="med" len="med"/>
+                      <a:tailEnd type="none" w="med" len="med"/>
+                    </a:lnB>
+                    <a:solidFill>
+                      <a:srgbClr val="EDEDED"/>
+                    </a:solidFill>
+                  </a:tcPr>
+                </a:tc>
+                <a:extLst>
+                  <a:ext uri="{0D108BD9-81ED-4DB2-BD59-A6C34878D82A}">
+                    <a16:rowId xmlns:a16="http://schemas.microsoft.com/office/drawing/2014/main" val="2458666824"/>
+                  </a:ext>
+                </a:extLst>
+              </a:tr>
+              <a:tr h="406328">
+                <a:tc>
+                  <a:txBody>
+                    <a:bodyPr/>
+                    <a:lstStyle/>
+                    <a:p>
+                      <a:pPr algn="r" fontAlgn="ctr"/>
+                      <a:r>
+                        <a:rPr lang="en-US" sz="1400" b="0" i="0" u="none" strike="noStrike">
+                          <a:solidFill>
+                            <a:srgbClr val="000000"/>
+                          </a:solidFill>
+                          <a:effectLst/>
+                          <a:latin typeface="Calibri" panose="020F0502020204030204" pitchFamily="34" charset="0"/>
+                        </a:rPr>
+                        <a:t>Elev_Down</a:t>
+                      </a:r>
+                    </a:p>
+                  </a:txBody>
+                  <a:tcPr marL="9525" marR="9525" marT="9525" marB="0" anchor="ctr">
+                    <a:lnL w="6350" cap="flat" cmpd="sng" algn="ctr">
+                      <a:solidFill>
+                        <a:srgbClr val="C9C9C9"/>
+                      </a:solidFill>
+                      <a:prstDash val="solid"/>
+                      <a:round/>
+                      <a:headEnd type="none" w="med" len="med"/>
+                      <a:tailEnd type="none" w="med" len="med"/>
+                    </a:lnL>
+                    <a:lnR>
+                      <a:noFill/>
+                    </a:lnR>
+                    <a:lnT w="6350" cap="flat" cmpd="sng" algn="ctr">
+                      <a:solidFill>
+                        <a:srgbClr val="C9C9C9"/>
+                      </a:solidFill>
+                      <a:prstDash val="solid"/>
+                      <a:round/>
+                      <a:headEnd type="none" w="med" len="med"/>
+                      <a:tailEnd type="none" w="med" len="med"/>
+                    </a:lnT>
+                    <a:lnB w="6350" cap="flat" cmpd="sng" algn="ctr">
+                      <a:solidFill>
+                        <a:srgbClr val="C9C9C9"/>
+                      </a:solidFill>
+                      <a:prstDash val="solid"/>
+                      <a:round/>
+                      <a:headEnd type="none" w="med" len="med"/>
+                      <a:tailEnd type="none" w="med" len="med"/>
+                    </a:lnB>
+                  </a:tcPr>
+                </a:tc>
+                <a:tc>
+                  <a:txBody>
+                    <a:bodyPr/>
+                    <a:lstStyle/>
+                    <a:p>
+                      <a:pPr algn="ctr" fontAlgn="ctr"/>
+                      <a:r>
+                        <a:rPr lang="en-US" sz="1400" b="0" i="0" u="none" strike="noStrike">
+                          <a:solidFill>
+                            <a:srgbClr val="000000"/>
+                          </a:solidFill>
+                          <a:effectLst/>
+                          <a:latin typeface="Calibri" panose="020F0502020204030204" pitchFamily="34" charset="0"/>
+                        </a:rPr>
+                        <a:t>4903</a:t>
+                      </a:r>
+                    </a:p>
+                  </a:txBody>
+                  <a:tcPr marL="9525" marR="9525" marT="9525" marB="0" anchor="ctr">
                     <a:lnL>
                       <a:noFill/>
                     </a:lnL>
                     <a:lnR>
                       <a:noFill/>
                     </a:lnR>
-                    <a:lnT>
+                    <a:lnT w="6350" cap="flat" cmpd="sng" algn="ctr">
+                      <a:solidFill>
+                        <a:srgbClr val="C9C9C9"/>
+                      </a:solidFill>
+                      <a:prstDash val="solid"/>
+                      <a:round/>
+                      <a:headEnd type="none" w="med" len="med"/>
+                      <a:tailEnd type="none" w="med" len="med"/>
+                    </a:lnT>
+                    <a:lnB w="6350" cap="flat" cmpd="sng" algn="ctr">
+                      <a:solidFill>
+                        <a:srgbClr val="C9C9C9"/>
+                      </a:solidFill>
+                      <a:prstDash val="solid"/>
+                      <a:round/>
+                      <a:headEnd type="none" w="med" len="med"/>
+                      <a:tailEnd type="none" w="med" len="med"/>
+                    </a:lnB>
+                  </a:tcPr>
+                </a:tc>
+                <a:tc>
+                  <a:txBody>
+                    <a:bodyPr/>
+                    <a:lstStyle/>
+                    <a:p>
+                      <a:pPr algn="ctr" fontAlgn="ctr"/>
+                      <a:r>
+                        <a:rPr lang="en-US" sz="1400" b="0" i="0" u="none" strike="noStrike">
+                          <a:solidFill>
+                            <a:srgbClr val="000000"/>
+                          </a:solidFill>
+                          <a:effectLst/>
+                          <a:latin typeface="Calibri" panose="020F0502020204030204" pitchFamily="34" charset="0"/>
+                        </a:rPr>
+                        <a:t>502.997553</a:t>
+                      </a:r>
+                    </a:p>
+                  </a:txBody>
+                  <a:tcPr marL="9525" marR="9525" marT="9525" marB="0" anchor="ctr">
+                    <a:lnL>
                       <a:noFill/>
+                    </a:lnL>
+                    <a:lnR>
+                      <a:noFill/>
+                    </a:lnR>
+                    <a:lnT w="6350" cap="flat" cmpd="sng" algn="ctr">
+                      <a:solidFill>
+                        <a:srgbClr val="C9C9C9"/>
+                      </a:solidFill>
+                      <a:prstDash val="solid"/>
+                      <a:round/>
+                      <a:headEnd type="none" w="med" len="med"/>
+                      <a:tailEnd type="none" w="med" len="med"/>
                     </a:lnT>
-                    <a:lnB>
+                    <a:lnB w="6350" cap="flat" cmpd="sng" algn="ctr">
+                      <a:solidFill>
+                        <a:srgbClr val="C9C9C9"/>
+                      </a:solidFill>
+                      <a:prstDash val="solid"/>
+                      <a:round/>
+                      <a:headEnd type="none" w="med" len="med"/>
+                      <a:tailEnd type="none" w="med" len="med"/>
+                    </a:lnB>
+                  </a:tcPr>
+                </a:tc>
+                <a:tc>
+                  <a:txBody>
+                    <a:bodyPr/>
+                    <a:lstStyle/>
+                    <a:p>
+                      <a:pPr algn="ctr" fontAlgn="ctr"/>
+                      <a:r>
+                        <a:rPr lang="en-US" sz="1400" b="0" i="0" u="none" strike="noStrike">
+                          <a:solidFill>
+                            <a:srgbClr val="000000"/>
+                          </a:solidFill>
+                          <a:effectLst/>
+                          <a:latin typeface="Calibri" panose="020F0502020204030204" pitchFamily="34" charset="0"/>
+                        </a:rPr>
+                        <a:t>884.560557</a:t>
+                      </a:r>
+                    </a:p>
+                  </a:txBody>
+                  <a:tcPr marL="9525" marR="9525" marT="9525" marB="0" anchor="ctr">
+                    <a:lnL>
                       <a:noFill/>
+                    </a:lnL>
+                    <a:lnR>
+                      <a:noFill/>
+                    </a:lnR>
+                    <a:lnT w="6350" cap="flat" cmpd="sng" algn="ctr">
+                      <a:solidFill>
+                        <a:srgbClr val="C9C9C9"/>
+                      </a:solidFill>
+                      <a:prstDash val="solid"/>
+                      <a:round/>
+                      <a:headEnd type="none" w="med" len="med"/>
+                      <a:tailEnd type="none" w="med" len="med"/>
+                    </a:lnT>
+                    <a:lnB w="6350" cap="flat" cmpd="sng" algn="ctr">
+                      <a:solidFill>
+                        <a:srgbClr val="C9C9C9"/>
+                      </a:solidFill>
+                      <a:prstDash val="solid"/>
+                      <a:round/>
+                      <a:headEnd type="none" w="med" len="med"/>
+                      <a:tailEnd type="none" w="med" len="med"/>
+                    </a:lnB>
+                  </a:tcPr>
+                </a:tc>
+                <a:tc>
+                  <a:txBody>
+                    <a:bodyPr/>
+                    <a:lstStyle/>
+                    <a:p>
+                      <a:pPr algn="ctr" fontAlgn="ctr"/>
+                      <a:r>
+                        <a:rPr lang="en-US" sz="1400" b="0" i="0" u="none" strike="noStrike">
+                          <a:solidFill>
+                            <a:srgbClr val="000000"/>
+                          </a:solidFill>
+                          <a:effectLst/>
+                          <a:latin typeface="Calibri" panose="020F0502020204030204" pitchFamily="34" charset="0"/>
+                        </a:rPr>
+                        <a:t>0</a:t>
+                      </a:r>
+                    </a:p>
+                  </a:txBody>
+                  <a:tcPr marL="9525" marR="9525" marT="9525" marB="0" anchor="ctr">
+                    <a:lnL>
+                      <a:noFill/>
+                    </a:lnL>
+                    <a:lnR>
+                      <a:noFill/>
+                    </a:lnR>
+                    <a:lnT w="6350" cap="flat" cmpd="sng" algn="ctr">
+                      <a:solidFill>
+                        <a:srgbClr val="C9C9C9"/>
+                      </a:solidFill>
+                      <a:prstDash val="solid"/>
+                      <a:round/>
+                      <a:headEnd type="none" w="med" len="med"/>
+                      <a:tailEnd type="none" w="med" len="med"/>
+                    </a:lnT>
+                    <a:lnB w="6350" cap="flat" cmpd="sng" algn="ctr">
+                      <a:solidFill>
+                        <a:srgbClr val="C9C9C9"/>
+                      </a:solidFill>
+                      <a:prstDash val="solid"/>
+                      <a:round/>
+                      <a:headEnd type="none" w="med" len="med"/>
+                      <a:tailEnd type="none" w="med" len="med"/>
+                    </a:lnB>
+                  </a:tcPr>
+                </a:tc>
+                <a:tc>
+                  <a:txBody>
+                    <a:bodyPr/>
+                    <a:lstStyle/>
+                    <a:p>
+                      <a:pPr algn="ctr" fontAlgn="ctr"/>
+                      <a:r>
+                        <a:rPr lang="en-US" sz="1400" b="0" i="0" u="none" strike="noStrike">
+                          <a:solidFill>
+                            <a:srgbClr val="000000"/>
+                          </a:solidFill>
+                          <a:effectLst/>
+                          <a:latin typeface="Calibri" panose="020F0502020204030204" pitchFamily="34" charset="0"/>
+                        </a:rPr>
+                        <a:t>22</a:t>
+                      </a:r>
+                    </a:p>
+                  </a:txBody>
+                  <a:tcPr marL="9525" marR="9525" marT="9525" marB="0" anchor="ctr">
+                    <a:lnL>
+                      <a:noFill/>
+                    </a:lnL>
+                    <a:lnR>
+                      <a:noFill/>
+                    </a:lnR>
+                    <a:lnT w="6350" cap="flat" cmpd="sng" algn="ctr">
+                      <a:solidFill>
+                        <a:srgbClr val="C9C9C9"/>
+                      </a:solidFill>
+                      <a:prstDash val="solid"/>
+                      <a:round/>
+                      <a:headEnd type="none" w="med" len="med"/>
+                      <a:tailEnd type="none" w="med" len="med"/>
+                    </a:lnT>
+                    <a:lnB w="6350" cap="flat" cmpd="sng" algn="ctr">
+                      <a:solidFill>
+                        <a:srgbClr val="C9C9C9"/>
+                      </a:solidFill>
+                      <a:prstDash val="solid"/>
+                      <a:round/>
+                      <a:headEnd type="none" w="med" len="med"/>
+                      <a:tailEnd type="none" w="med" len="med"/>
+                    </a:lnB>
+                  </a:tcPr>
+                </a:tc>
+                <a:tc>
+                  <a:txBody>
+                    <a:bodyPr/>
+                    <a:lstStyle/>
+                    <a:p>
+                      <a:pPr algn="ctr" fontAlgn="ctr"/>
+                      <a:r>
+                        <a:rPr lang="en-US" sz="1400" b="0" i="0" u="none" strike="noStrike">
+                          <a:solidFill>
+                            <a:srgbClr val="000000"/>
+                          </a:solidFill>
+                          <a:effectLst/>
+                          <a:latin typeface="Calibri" panose="020F0502020204030204" pitchFamily="34" charset="0"/>
+                        </a:rPr>
+                        <a:t>150</a:t>
+                      </a:r>
+                    </a:p>
+                  </a:txBody>
+                  <a:tcPr marL="9525" marR="9525" marT="9525" marB="0" anchor="ctr">
+                    <a:lnL>
+                      <a:noFill/>
+                    </a:lnL>
+                    <a:lnR>
+                      <a:noFill/>
+                    </a:lnR>
+                    <a:lnT w="6350" cap="flat" cmpd="sng" algn="ctr">
+                      <a:solidFill>
+                        <a:srgbClr val="C9C9C9"/>
+                      </a:solidFill>
+                      <a:prstDash val="solid"/>
+                      <a:round/>
+                      <a:headEnd type="none" w="med" len="med"/>
+                      <a:tailEnd type="none" w="med" len="med"/>
+                    </a:lnT>
+                    <a:lnB w="6350" cap="flat" cmpd="sng" algn="ctr">
+                      <a:solidFill>
+                        <a:srgbClr val="C9C9C9"/>
+                      </a:solidFill>
+                      <a:prstDash val="solid"/>
+                      <a:round/>
+                      <a:headEnd type="none" w="med" len="med"/>
+                      <a:tailEnd type="none" w="med" len="med"/>
+                    </a:lnB>
+                  </a:tcPr>
+                </a:tc>
+                <a:tc>
+                  <a:txBody>
+                    <a:bodyPr/>
+                    <a:lstStyle/>
+                    <a:p>
+                      <a:pPr algn="ctr" fontAlgn="ctr"/>
+                      <a:r>
+                        <a:rPr lang="en-US" sz="1400" b="0" i="0" u="none" strike="noStrike">
+                          <a:solidFill>
+                            <a:srgbClr val="000000"/>
+                          </a:solidFill>
+                          <a:effectLst/>
+                          <a:latin typeface="Calibri" panose="020F0502020204030204" pitchFamily="34" charset="0"/>
+                        </a:rPr>
+                        <a:t>532</a:t>
+                      </a:r>
+                    </a:p>
+                  </a:txBody>
+                  <a:tcPr marL="9525" marR="9525" marT="9525" marB="0" anchor="ctr">
+                    <a:lnL>
+                      <a:noFill/>
+                    </a:lnL>
+                    <a:lnR>
+                      <a:noFill/>
+                    </a:lnR>
+                    <a:lnT w="6350" cap="flat" cmpd="sng" algn="ctr">
+                      <a:solidFill>
+                        <a:srgbClr val="C9C9C9"/>
+                      </a:solidFill>
+                      <a:prstDash val="solid"/>
+                      <a:round/>
+                      <a:headEnd type="none" w="med" len="med"/>
+                      <a:tailEnd type="none" w="med" len="med"/>
+                    </a:lnT>
+                    <a:lnB w="6350" cap="flat" cmpd="sng" algn="ctr">
+                      <a:solidFill>
+                        <a:srgbClr val="C9C9C9"/>
+                      </a:solidFill>
+                      <a:prstDash val="solid"/>
+                      <a:round/>
+                      <a:headEnd type="none" w="med" len="med"/>
+                      <a:tailEnd type="none" w="med" len="med"/>
+                    </a:lnB>
+                  </a:tcPr>
+                </a:tc>
+                <a:tc>
+                  <a:txBody>
+                    <a:bodyPr/>
+                    <a:lstStyle/>
+                    <a:p>
+                      <a:pPr algn="ctr" fontAlgn="ctr"/>
+                      <a:r>
+                        <a:rPr lang="en-US" sz="1400" b="0" i="0" u="none" strike="noStrike">
+                          <a:solidFill>
+                            <a:srgbClr val="000000"/>
+                          </a:solidFill>
+                          <a:effectLst/>
+                          <a:latin typeface="Calibri" panose="020F0502020204030204" pitchFamily="34" charset="0"/>
+                        </a:rPr>
+                        <a:t>14031</a:t>
+                      </a:r>
+                    </a:p>
+                  </a:txBody>
+                  <a:tcPr marL="9525" marR="9525" marT="9525" marB="0" anchor="ctr">
+                    <a:lnL>
+                      <a:noFill/>
+                    </a:lnL>
+                    <a:lnR w="6350" cap="flat" cmpd="sng" algn="ctr">
+                      <a:solidFill>
+                        <a:srgbClr val="C9C9C9"/>
+                      </a:solidFill>
+                      <a:prstDash val="solid"/>
+                      <a:round/>
+                      <a:headEnd type="none" w="med" len="med"/>
+                      <a:tailEnd type="none" w="med" len="med"/>
+                    </a:lnR>
+                    <a:lnT w="6350" cap="flat" cmpd="sng" algn="ctr">
+                      <a:solidFill>
+                        <a:srgbClr val="C9C9C9"/>
+                      </a:solidFill>
+                      <a:prstDash val="solid"/>
+                      <a:round/>
+                      <a:headEnd type="none" w="med" len="med"/>
+                      <a:tailEnd type="none" w="med" len="med"/>
+                    </a:lnT>
+                    <a:lnB w="6350" cap="flat" cmpd="sng" algn="ctr">
+                      <a:solidFill>
+                        <a:srgbClr val="C9C9C9"/>
+                      </a:solidFill>
+                      <a:prstDash val="solid"/>
+                      <a:round/>
+                      <a:headEnd type="none" w="med" len="med"/>
+                      <a:tailEnd type="none" w="med" len="med"/>
+                    </a:lnB>
+                  </a:tcPr>
+                </a:tc>
+                <a:extLst>
+                  <a:ext uri="{0D108BD9-81ED-4DB2-BD59-A6C34878D82A}">
+                    <a16:rowId xmlns:a16="http://schemas.microsoft.com/office/drawing/2014/main" val="1471308993"/>
+                  </a:ext>
+                </a:extLst>
+              </a:tr>
+              <a:tr h="406328">
+                <a:tc>
+                  <a:txBody>
+                    <a:bodyPr/>
+                    <a:lstStyle/>
+                    <a:p>
+                      <a:pPr algn="r" fontAlgn="ctr"/>
+                      <a:r>
+                        <a:rPr lang="en-US" sz="1400" b="0" i="0" u="none" strike="noStrike">
+                          <a:solidFill>
+                            <a:srgbClr val="000000"/>
+                          </a:solidFill>
+                          <a:effectLst/>
+                          <a:latin typeface="Calibri" panose="020F0502020204030204" pitchFamily="34" charset="0"/>
+                        </a:rPr>
+                        <a:t>Highest Elevation</a:t>
+                      </a:r>
+                    </a:p>
+                  </a:txBody>
+                  <a:tcPr marL="9525" marR="9525" marT="9525" marB="0" anchor="ctr">
+                    <a:lnL w="6350" cap="flat" cmpd="sng" algn="ctr">
+                      <a:solidFill>
+                        <a:srgbClr val="C9C9C9"/>
+                      </a:solidFill>
+                      <a:prstDash val="solid"/>
+                      <a:round/>
+                      <a:headEnd type="none" w="med" len="med"/>
+                      <a:tailEnd type="none" w="med" len="med"/>
+                    </a:lnL>
+                    <a:lnR>
+                      <a:noFill/>
+                    </a:lnR>
+                    <a:lnT w="6350" cap="flat" cmpd="sng" algn="ctr">
+                      <a:solidFill>
+                        <a:srgbClr val="C9C9C9"/>
+                      </a:solidFill>
+                      <a:prstDash val="solid"/>
+                      <a:round/>
+                      <a:headEnd type="none" w="med" len="med"/>
+                      <a:tailEnd type="none" w="med" len="med"/>
+                    </a:lnT>
+                    <a:lnB w="6350" cap="flat" cmpd="sng" algn="ctr">
+                      <a:solidFill>
+                        <a:srgbClr val="C9C9C9"/>
+                      </a:solidFill>
+                      <a:prstDash val="solid"/>
+                      <a:round/>
+                      <a:headEnd type="none" w="med" len="med"/>
+                      <a:tailEnd type="none" w="med" len="med"/>
                     </a:lnB>
                     <a:solidFill>
-                      <a:srgbClr val="FFFFFF"/>
+                      <a:srgbClr val="EDEDED"/>
                     </a:solidFill>
                   </a:tcPr>
                 </a:tc>
@@ -14285,32 +15756,46 @@
                     <a:bodyPr/>
                     <a:lstStyle/>
                     <a:p>
-                      <a:pPr algn="r" fontAlgn="ctr"/>
+                      <a:pPr algn="ctr" fontAlgn="ctr"/>
                       <a:r>
-                        <a:rPr lang="en-US" sz="1200" dirty="0">
+                        <a:rPr lang="en-US" sz="1400" b="0" i="0" u="none" strike="noStrike">
+                          <a:solidFill>
+                            <a:srgbClr val="000000"/>
+                          </a:solidFill>
                           <a:effectLst/>
-                          <a:latin typeface="Courier New" panose="02070309020205020404" pitchFamily="49" charset="0"/>
-                          <a:cs typeface="Courier New" panose="02070309020205020404" pitchFamily="49" charset="0"/>
+                          <a:latin typeface="Calibri" panose="020F0502020204030204" pitchFamily="34" charset="0"/>
                         </a:rPr>
-                        <a:t>9087.827860</a:t>
+                        <a:t>4903</a:t>
                       </a:r>
                     </a:p>
                   </a:txBody>
-                  <a:tcPr anchor="ctr">
+                  <a:tcPr marL="9525" marR="9525" marT="9525" marB="0" anchor="ctr">
                     <a:lnL>
                       <a:noFill/>
                     </a:lnL>
                     <a:lnR>
                       <a:noFill/>
                     </a:lnR>
-                    <a:lnT>
-                      <a:noFill/>
+                    <a:lnT w="6350" cap="flat" cmpd="sng" algn="ctr">
+                      <a:solidFill>
+                        <a:srgbClr val="C9C9C9"/>
+                      </a:solidFill>
+                      <a:prstDash val="solid"/>
+                      <a:round/>
+                      <a:headEnd type="none" w="med" len="med"/>
+                      <a:tailEnd type="none" w="med" len="med"/>
                     </a:lnT>
-                    <a:lnB>
-                      <a:noFill/>
+                    <a:lnB w="6350" cap="flat" cmpd="sng" algn="ctr">
+                      <a:solidFill>
+                        <a:srgbClr val="C9C9C9"/>
+                      </a:solidFill>
+                      <a:prstDash val="solid"/>
+                      <a:round/>
+                      <a:headEnd type="none" w="med" len="med"/>
+                      <a:tailEnd type="none" w="med" len="med"/>
                     </a:lnB>
                     <a:solidFill>
-                      <a:srgbClr val="FFFFFF"/>
+                      <a:srgbClr val="EDEDED"/>
                     </a:solidFill>
                   </a:tcPr>
                 </a:tc>
@@ -14319,32 +15804,46 @@
                     <a:bodyPr/>
                     <a:lstStyle/>
                     <a:p>
-                      <a:pPr algn="r" fontAlgn="ctr"/>
+                      <a:pPr algn="ctr" fontAlgn="ctr"/>
                       <a:r>
-                        <a:rPr lang="en-US" sz="1200">
+                        <a:rPr lang="en-US" sz="1400" b="0" i="0" u="none" strike="noStrike">
+                          <a:solidFill>
+                            <a:srgbClr val="000000"/>
+                          </a:solidFill>
                           <a:effectLst/>
-                          <a:latin typeface="Courier New" panose="02070309020205020404" pitchFamily="49" charset="0"/>
-                          <a:cs typeface="Courier New" panose="02070309020205020404" pitchFamily="49" charset="0"/>
+                          <a:latin typeface="Calibri" panose="020F0502020204030204" pitchFamily="34" charset="0"/>
                         </a:rPr>
-                        <a:t>8232.811544</a:t>
+                        <a:t>9087.82786</a:t>
                       </a:r>
                     </a:p>
                   </a:txBody>
-                  <a:tcPr anchor="ctr">
+                  <a:tcPr marL="9525" marR="9525" marT="9525" marB="0" anchor="ctr">
                     <a:lnL>
                       <a:noFill/>
                     </a:lnL>
                     <a:lnR>
                       <a:noFill/>
                     </a:lnR>
-                    <a:lnT>
-                      <a:noFill/>
+                    <a:lnT w="6350" cap="flat" cmpd="sng" algn="ctr">
+                      <a:solidFill>
+                        <a:srgbClr val="C9C9C9"/>
+                      </a:solidFill>
+                      <a:prstDash val="solid"/>
+                      <a:round/>
+                      <a:headEnd type="none" w="med" len="med"/>
+                      <a:tailEnd type="none" w="med" len="med"/>
                     </a:lnT>
-                    <a:lnB>
-                      <a:noFill/>
+                    <a:lnB w="6350" cap="flat" cmpd="sng" algn="ctr">
+                      <a:solidFill>
+                        <a:srgbClr val="C9C9C9"/>
+                      </a:solidFill>
+                      <a:prstDash val="solid"/>
+                      <a:round/>
+                      <a:headEnd type="none" w="med" len="med"/>
+                      <a:tailEnd type="none" w="med" len="med"/>
                     </a:lnB>
                     <a:solidFill>
-                      <a:srgbClr val="FFFFFF"/>
+                      <a:srgbClr val="EDEDED"/>
                     </a:solidFill>
                   </a:tcPr>
                 </a:tc>
@@ -14353,32 +15852,46 @@
                     <a:bodyPr/>
                     <a:lstStyle/>
                     <a:p>
-                      <a:pPr algn="r" fontAlgn="ctr"/>
+                      <a:pPr algn="ctr" fontAlgn="ctr"/>
                       <a:r>
-                        <a:rPr lang="en-US" sz="1200">
+                        <a:rPr lang="en-US" sz="1400" b="0" i="0" u="none" strike="noStrike">
+                          <a:solidFill>
+                            <a:srgbClr val="000000"/>
+                          </a:solidFill>
                           <a:effectLst/>
-                          <a:latin typeface="Courier New" panose="02070309020205020404" pitchFamily="49" charset="0"/>
-                          <a:cs typeface="Courier New" panose="02070309020205020404" pitchFamily="49" charset="0"/>
+                          <a:latin typeface="Calibri" panose="020F0502020204030204" pitchFamily="34" charset="0"/>
                         </a:rPr>
-                        <a:t>0.072011</a:t>
+                        <a:t>2152.18826</a:t>
                       </a:r>
                     </a:p>
                   </a:txBody>
-                  <a:tcPr anchor="ctr">
+                  <a:tcPr marL="9525" marR="9525" marT="9525" marB="0" anchor="ctr">
                     <a:lnL>
                       <a:noFill/>
                     </a:lnL>
                     <a:lnR>
                       <a:noFill/>
                     </a:lnR>
-                    <a:lnT>
-                      <a:noFill/>
+                    <a:lnT w="6350" cap="flat" cmpd="sng" algn="ctr">
+                      <a:solidFill>
+                        <a:srgbClr val="C9C9C9"/>
+                      </a:solidFill>
+                      <a:prstDash val="solid"/>
+                      <a:round/>
+                      <a:headEnd type="none" w="med" len="med"/>
+                      <a:tailEnd type="none" w="med" len="med"/>
                     </a:lnT>
-                    <a:lnB>
-                      <a:noFill/>
+                    <a:lnB w="6350" cap="flat" cmpd="sng" algn="ctr">
+                      <a:solidFill>
+                        <a:srgbClr val="C9C9C9"/>
+                      </a:solidFill>
+                      <a:prstDash val="solid"/>
+                      <a:round/>
+                      <a:headEnd type="none" w="med" len="med"/>
+                      <a:tailEnd type="none" w="med" len="med"/>
                     </a:lnB>
                     <a:solidFill>
-                      <a:srgbClr val="FFFFFF"/>
+                      <a:srgbClr val="EDEDED"/>
                     </a:solidFill>
                   </a:tcPr>
                 </a:tc>
@@ -14387,32 +15900,46 @@
                     <a:bodyPr/>
                     <a:lstStyle/>
                     <a:p>
-                      <a:pPr algn="r" fontAlgn="ctr"/>
+                      <a:pPr algn="ctr" fontAlgn="ctr"/>
                       <a:r>
-                        <a:rPr lang="en-US" sz="1200">
+                        <a:rPr lang="en-US" sz="1400" b="0" i="0" u="none" strike="noStrike">
+                          <a:solidFill>
+                            <a:srgbClr val="000000"/>
+                          </a:solidFill>
                           <a:effectLst/>
-                          <a:latin typeface="Courier New" panose="02070309020205020404" pitchFamily="49" charset="0"/>
-                          <a:cs typeface="Courier New" panose="02070309020205020404" pitchFamily="49" charset="0"/>
+                          <a:latin typeface="Calibri" panose="020F0502020204030204" pitchFamily="34" charset="0"/>
                         </a:rPr>
-                        <a:t>0.219759</a:t>
+                        <a:t>3886</a:t>
                       </a:r>
                     </a:p>
                   </a:txBody>
-                  <a:tcPr anchor="ctr">
+                  <a:tcPr marL="9525" marR="9525" marT="9525" marB="0" anchor="ctr">
                     <a:lnL>
                       <a:noFill/>
                     </a:lnL>
                     <a:lnR>
                       <a:noFill/>
                     </a:lnR>
-                    <a:lnT>
-                      <a:noFill/>
+                    <a:lnT w="6350" cap="flat" cmpd="sng" algn="ctr">
+                      <a:solidFill>
+                        <a:srgbClr val="C9C9C9"/>
+                      </a:solidFill>
+                      <a:prstDash val="solid"/>
+                      <a:round/>
+                      <a:headEnd type="none" w="med" len="med"/>
+                      <a:tailEnd type="none" w="med" len="med"/>
                     </a:lnT>
-                    <a:lnB>
-                      <a:noFill/>
+                    <a:lnB w="6350" cap="flat" cmpd="sng" algn="ctr">
+                      <a:solidFill>
+                        <a:srgbClr val="C9C9C9"/>
+                      </a:solidFill>
+                      <a:prstDash val="solid"/>
+                      <a:round/>
+                      <a:headEnd type="none" w="med" len="med"/>
+                      <a:tailEnd type="none" w="med" len="med"/>
                     </a:lnB>
                     <a:solidFill>
-                      <a:srgbClr val="FFFFFF"/>
+                      <a:srgbClr val="EDEDED"/>
                     </a:solidFill>
                   </a:tcPr>
                 </a:tc>
@@ -14421,32 +15948,46 @@
                     <a:bodyPr/>
                     <a:lstStyle/>
                     <a:p>
-                      <a:pPr algn="r" fontAlgn="ctr"/>
+                      <a:pPr algn="ctr" fontAlgn="ctr"/>
                       <a:r>
-                        <a:rPr lang="en-US" sz="1200">
+                        <a:rPr lang="en-US" sz="1400" b="0" i="0" u="none" strike="noStrike">
+                          <a:solidFill>
+                            <a:srgbClr val="000000"/>
+                          </a:solidFill>
                           <a:effectLst/>
-                          <a:latin typeface="Courier New" panose="02070309020205020404" pitchFamily="49" charset="0"/>
-                          <a:cs typeface="Courier New" panose="02070309020205020404" pitchFamily="49" charset="0"/>
+                          <a:latin typeface="Calibri" panose="020F0502020204030204" pitchFamily="34" charset="0"/>
                         </a:rPr>
-                        <a:t>3.614696</a:t>
+                        <a:t>7436</a:t>
                       </a:r>
                     </a:p>
                   </a:txBody>
-                  <a:tcPr anchor="ctr">
+                  <a:tcPr marL="9525" marR="9525" marT="9525" marB="0" anchor="ctr">
                     <a:lnL>
                       <a:noFill/>
                     </a:lnL>
                     <a:lnR>
                       <a:noFill/>
                     </a:lnR>
-                    <a:lnT>
-                      <a:noFill/>
+                    <a:lnT w="6350" cap="flat" cmpd="sng" algn="ctr">
+                      <a:solidFill>
+                        <a:srgbClr val="C9C9C9"/>
+                      </a:solidFill>
+                      <a:prstDash val="solid"/>
+                      <a:round/>
+                      <a:headEnd type="none" w="med" len="med"/>
+                      <a:tailEnd type="none" w="med" len="med"/>
                     </a:lnT>
-                    <a:lnB>
-                      <a:noFill/>
+                    <a:lnB w="6350" cap="flat" cmpd="sng" algn="ctr">
+                      <a:solidFill>
+                        <a:srgbClr val="C9C9C9"/>
+                      </a:solidFill>
+                      <a:prstDash val="solid"/>
+                      <a:round/>
+                      <a:headEnd type="none" w="med" len="med"/>
+                      <a:tailEnd type="none" w="med" len="med"/>
                     </a:lnB>
                     <a:solidFill>
-                      <a:srgbClr val="FFFFFF"/>
+                      <a:srgbClr val="EDEDED"/>
                     </a:solidFill>
                   </a:tcPr>
                 </a:tc>
@@ -14455,76 +15996,46 @@
                     <a:bodyPr/>
                     <a:lstStyle/>
                     <a:p>
-                      <a:pPr algn="r" fontAlgn="ctr"/>
+                      <a:pPr algn="ctr" fontAlgn="ctr"/>
                       <a:r>
-                        <a:rPr lang="en-US" sz="1200" b="1" dirty="0">
+                        <a:rPr lang="en-US" sz="1400" b="0" i="0" u="none" strike="noStrike">
                           <a:solidFill>
-                            <a:srgbClr val="0070C0"/>
+                            <a:srgbClr val="000000"/>
                           </a:solidFill>
                           <a:effectLst/>
-                          <a:latin typeface="Courier New" panose="02070309020205020404" pitchFamily="49" charset="0"/>
-                          <a:cs typeface="Courier New" panose="02070309020205020404" pitchFamily="49" charset="0"/>
+                          <a:latin typeface="Calibri" panose="020F0502020204030204" pitchFamily="34" charset="0"/>
                         </a:rPr>
-                        <a:t>3.680677</a:t>
+                        <a:t>9166</a:t>
                       </a:r>
                     </a:p>
                   </a:txBody>
-                  <a:tcPr anchor="ctr">
+                  <a:tcPr marL="9525" marR="9525" marT="9525" marB="0" anchor="ctr">
                     <a:lnL>
                       <a:noFill/>
                     </a:lnL>
                     <a:lnR>
                       <a:noFill/>
                     </a:lnR>
-                    <a:lnT>
-                      <a:noFill/>
+                    <a:lnT w="6350" cap="flat" cmpd="sng" algn="ctr">
+                      <a:solidFill>
+                        <a:srgbClr val="C9C9C9"/>
+                      </a:solidFill>
+                      <a:prstDash val="solid"/>
+                      <a:round/>
+                      <a:headEnd type="none" w="med" len="med"/>
+                      <a:tailEnd type="none" w="med" len="med"/>
                     </a:lnT>
-                    <a:lnB>
-                      <a:noFill/>
+                    <a:lnB w="6350" cap="flat" cmpd="sng" algn="ctr">
+                      <a:solidFill>
+                        <a:srgbClr val="C9C9C9"/>
+                      </a:solidFill>
+                      <a:prstDash val="solid"/>
+                      <a:round/>
+                      <a:headEnd type="none" w="med" len="med"/>
+                      <a:tailEnd type="none" w="med" len="med"/>
                     </a:lnB>
                     <a:solidFill>
-                      <a:srgbClr val="FFFFFF"/>
-                    </a:solidFill>
-                  </a:tcPr>
-                </a:tc>
-                <a:extLst>
-                  <a:ext uri="{0D108BD9-81ED-4DB2-BD59-A6C34878D82A}">
-                    <a16:rowId xmlns:a16="http://schemas.microsoft.com/office/drawing/2014/main" val="3886289257"/>
-                  </a:ext>
-                </a:extLst>
-              </a:tr>
-              <a:tr h="365760">
-                <a:tc>
-                  <a:txBody>
-                    <a:bodyPr/>
-                    <a:lstStyle/>
-                    <a:p>
-                      <a:pPr algn="r" fontAlgn="ctr"/>
-                      <a:r>
-                        <a:rPr lang="en-US" sz="1200" b="1">
-                          <a:effectLst/>
-                          <a:latin typeface="Courier New" panose="02070309020205020404" pitchFamily="49" charset="0"/>
-                          <a:cs typeface="Courier New" panose="02070309020205020404" pitchFamily="49" charset="0"/>
-                        </a:rPr>
-                        <a:t>std</a:t>
-                      </a:r>
-                    </a:p>
-                  </a:txBody>
-                  <a:tcPr anchor="ctr">
-                    <a:lnL>
-                      <a:noFill/>
-                    </a:lnL>
-                    <a:lnR>
-                      <a:noFill/>
-                    </a:lnR>
-                    <a:lnT>
-                      <a:noFill/>
-                    </a:lnT>
-                    <a:lnB>
-                      <a:noFill/>
-                    </a:lnB>
-                    <a:solidFill>
-                      <a:srgbClr val="F5F5F5"/>
+                      <a:srgbClr val="EDEDED"/>
                     </a:solidFill>
                   </a:tcPr>
                 </a:tc>
@@ -14533,32 +16044,46 @@
                     <a:bodyPr/>
                     <a:lstStyle/>
                     <a:p>
-                      <a:pPr algn="r" fontAlgn="ctr"/>
+                      <a:pPr algn="ctr" fontAlgn="ctr"/>
                       <a:r>
-                        <a:rPr lang="en-US" sz="1200" dirty="0">
+                        <a:rPr lang="en-US" sz="1400" b="0" i="0" u="none" strike="noStrike">
+                          <a:solidFill>
+                            <a:srgbClr val="000000"/>
+                          </a:solidFill>
                           <a:effectLst/>
-                          <a:latin typeface="Courier New" panose="02070309020205020404" pitchFamily="49" charset="0"/>
-                          <a:cs typeface="Courier New" panose="02070309020205020404" pitchFamily="49" charset="0"/>
+                          <a:latin typeface="Calibri" panose="020F0502020204030204" pitchFamily="34" charset="0"/>
                         </a:rPr>
-                        <a:t>4.69358</a:t>
+                        <a:t>10694</a:t>
                       </a:r>
                     </a:p>
                   </a:txBody>
-                  <a:tcPr anchor="ctr">
+                  <a:tcPr marL="9525" marR="9525" marT="9525" marB="0" anchor="ctr">
                     <a:lnL>
                       <a:noFill/>
                     </a:lnL>
                     <a:lnR>
                       <a:noFill/>
                     </a:lnR>
-                    <a:lnT>
-                      <a:noFill/>
+                    <a:lnT w="6350" cap="flat" cmpd="sng" algn="ctr">
+                      <a:solidFill>
+                        <a:srgbClr val="C9C9C9"/>
+                      </a:solidFill>
+                      <a:prstDash val="solid"/>
+                      <a:round/>
+                      <a:headEnd type="none" w="med" len="med"/>
+                      <a:tailEnd type="none" w="med" len="med"/>
                     </a:lnT>
-                    <a:lnB>
-                      <a:noFill/>
+                    <a:lnB w="6350" cap="flat" cmpd="sng" algn="ctr">
+                      <a:solidFill>
+                        <a:srgbClr val="C9C9C9"/>
+                      </a:solidFill>
+                      <a:prstDash val="solid"/>
+                      <a:round/>
+                      <a:headEnd type="none" w="med" len="med"/>
+                      <a:tailEnd type="none" w="med" len="med"/>
                     </a:lnB>
                     <a:solidFill>
-                      <a:srgbClr val="F5F5F5"/>
+                      <a:srgbClr val="EDEDED"/>
                     </a:solidFill>
                   </a:tcPr>
                 </a:tc>
@@ -14567,32 +16092,537 @@
                     <a:bodyPr/>
                     <a:lstStyle/>
                     <a:p>
-                      <a:pPr algn="r" fontAlgn="ctr"/>
+                      <a:pPr algn="ctr" fontAlgn="ctr"/>
                       <a:r>
-                        <a:rPr lang="en-US" sz="1200" dirty="0">
+                        <a:rPr lang="en-US" sz="1400" b="0" i="0" u="none" strike="noStrike">
+                          <a:solidFill>
+                            <a:srgbClr val="000000"/>
+                          </a:solidFill>
                           <a:effectLst/>
-                          <a:latin typeface="Courier New" panose="02070309020205020404" pitchFamily="49" charset="0"/>
-                          <a:cs typeface="Courier New" panose="02070309020205020404" pitchFamily="49" charset="0"/>
+                          <a:latin typeface="Calibri" panose="020F0502020204030204" pitchFamily="34" charset="0"/>
                         </a:rPr>
-                        <a:t>1.343443</a:t>
+                        <a:t>14416</a:t>
                       </a:r>
                     </a:p>
                   </a:txBody>
-                  <a:tcPr anchor="ctr">
+                  <a:tcPr marL="9525" marR="9525" marT="9525" marB="0" anchor="ctr">
+                    <a:lnL>
+                      <a:noFill/>
+                    </a:lnL>
+                    <a:lnR w="6350" cap="flat" cmpd="sng" algn="ctr">
+                      <a:solidFill>
+                        <a:srgbClr val="C9C9C9"/>
+                      </a:solidFill>
+                      <a:prstDash val="solid"/>
+                      <a:round/>
+                      <a:headEnd type="none" w="med" len="med"/>
+                      <a:tailEnd type="none" w="med" len="med"/>
+                    </a:lnR>
+                    <a:lnT w="6350" cap="flat" cmpd="sng" algn="ctr">
+                      <a:solidFill>
+                        <a:srgbClr val="C9C9C9"/>
+                      </a:solidFill>
+                      <a:prstDash val="solid"/>
+                      <a:round/>
+                      <a:headEnd type="none" w="med" len="med"/>
+                      <a:tailEnd type="none" w="med" len="med"/>
+                    </a:lnT>
+                    <a:lnB w="6350" cap="flat" cmpd="sng" algn="ctr">
+                      <a:solidFill>
+                        <a:srgbClr val="C9C9C9"/>
+                      </a:solidFill>
+                      <a:prstDash val="solid"/>
+                      <a:round/>
+                      <a:headEnd type="none" w="med" len="med"/>
+                      <a:tailEnd type="none" w="med" len="med"/>
+                    </a:lnB>
+                    <a:solidFill>
+                      <a:srgbClr val="EDEDED"/>
+                    </a:solidFill>
+                  </a:tcPr>
+                </a:tc>
+                <a:extLst>
+                  <a:ext uri="{0D108BD9-81ED-4DB2-BD59-A6C34878D82A}">
+                    <a16:rowId xmlns:a16="http://schemas.microsoft.com/office/drawing/2014/main" val="2382890051"/>
+                  </a:ext>
+                </a:extLst>
+              </a:tr>
+              <a:tr h="406328">
+                <a:tc>
+                  <a:txBody>
+                    <a:bodyPr/>
+                    <a:lstStyle/>
+                    <a:p>
+                      <a:pPr algn="r" fontAlgn="ctr"/>
+                      <a:r>
+                        <a:rPr lang="en-US" sz="1400" b="0" i="0" u="none" strike="noStrike">
+                          <a:solidFill>
+                            <a:srgbClr val="000000"/>
+                          </a:solidFill>
+                          <a:effectLst/>
+                          <a:latin typeface="Calibri" panose="020F0502020204030204" pitchFamily="34" charset="0"/>
+                        </a:rPr>
+                        <a:t>Lowest Elevation</a:t>
+                      </a:r>
+                    </a:p>
+                  </a:txBody>
+                  <a:tcPr marL="9525" marR="9525" marT="9525" marB="0" anchor="ctr">
+                    <a:lnL w="6350" cap="flat" cmpd="sng" algn="ctr">
+                      <a:solidFill>
+                        <a:srgbClr val="C9C9C9"/>
+                      </a:solidFill>
+                      <a:prstDash val="solid"/>
+                      <a:round/>
+                      <a:headEnd type="none" w="med" len="med"/>
+                      <a:tailEnd type="none" w="med" len="med"/>
+                    </a:lnL>
+                    <a:lnR>
+                      <a:noFill/>
+                    </a:lnR>
+                    <a:lnT w="6350" cap="flat" cmpd="sng" algn="ctr">
+                      <a:solidFill>
+                        <a:srgbClr val="C9C9C9"/>
+                      </a:solidFill>
+                      <a:prstDash val="solid"/>
+                      <a:round/>
+                      <a:headEnd type="none" w="med" len="med"/>
+                      <a:tailEnd type="none" w="med" len="med"/>
+                    </a:lnT>
+                    <a:lnB w="6350" cap="flat" cmpd="sng" algn="ctr">
+                      <a:solidFill>
+                        <a:srgbClr val="C9C9C9"/>
+                      </a:solidFill>
+                      <a:prstDash val="solid"/>
+                      <a:round/>
+                      <a:headEnd type="none" w="med" len="med"/>
+                      <a:tailEnd type="none" w="med" len="med"/>
+                    </a:lnB>
+                  </a:tcPr>
+                </a:tc>
+                <a:tc>
+                  <a:txBody>
+                    <a:bodyPr/>
+                    <a:lstStyle/>
+                    <a:p>
+                      <a:pPr algn="ctr" fontAlgn="ctr"/>
+                      <a:r>
+                        <a:rPr lang="en-US" sz="1400" b="0" i="0" u="none" strike="noStrike">
+                          <a:solidFill>
+                            <a:srgbClr val="000000"/>
+                          </a:solidFill>
+                          <a:effectLst/>
+                          <a:latin typeface="Calibri" panose="020F0502020204030204" pitchFamily="34" charset="0"/>
+                        </a:rPr>
+                        <a:t>4903</a:t>
+                      </a:r>
+                    </a:p>
+                  </a:txBody>
+                  <a:tcPr marL="9525" marR="9525" marT="9525" marB="0" anchor="ctr">
                     <a:lnL>
                       <a:noFill/>
                     </a:lnL>
                     <a:lnR>
                       <a:noFill/>
                     </a:lnR>
-                    <a:lnT>
+                    <a:lnT w="6350" cap="flat" cmpd="sng" algn="ctr">
+                      <a:solidFill>
+                        <a:srgbClr val="C9C9C9"/>
+                      </a:solidFill>
+                      <a:prstDash val="solid"/>
+                      <a:round/>
+                      <a:headEnd type="none" w="med" len="med"/>
+                      <a:tailEnd type="none" w="med" len="med"/>
+                    </a:lnT>
+                    <a:lnB w="6350" cap="flat" cmpd="sng" algn="ctr">
+                      <a:solidFill>
+                        <a:srgbClr val="C9C9C9"/>
+                      </a:solidFill>
+                      <a:prstDash val="solid"/>
+                      <a:round/>
+                      <a:headEnd type="none" w="med" len="med"/>
+                      <a:tailEnd type="none" w="med" len="med"/>
+                    </a:lnB>
+                  </a:tcPr>
+                </a:tc>
+                <a:tc>
+                  <a:txBody>
+                    <a:bodyPr/>
+                    <a:lstStyle/>
+                    <a:p>
+                      <a:pPr algn="ctr" fontAlgn="ctr"/>
+                      <a:r>
+                        <a:rPr lang="en-US" sz="1400" b="0" i="0" u="none" strike="noStrike">
+                          <a:solidFill>
+                            <a:srgbClr val="000000"/>
+                          </a:solidFill>
+                          <a:effectLst/>
+                          <a:latin typeface="Calibri" panose="020F0502020204030204" pitchFamily="34" charset="0"/>
+                        </a:rPr>
+                        <a:t>8232.81154</a:t>
+                      </a:r>
+                    </a:p>
+                  </a:txBody>
+                  <a:tcPr marL="9525" marR="9525" marT="9525" marB="0" anchor="ctr">
+                    <a:lnL>
                       <a:noFill/>
+                    </a:lnL>
+                    <a:lnR>
+                      <a:noFill/>
+                    </a:lnR>
+                    <a:lnT w="6350" cap="flat" cmpd="sng" algn="ctr">
+                      <a:solidFill>
+                        <a:srgbClr val="C9C9C9"/>
+                      </a:solidFill>
+                      <a:prstDash val="solid"/>
+                      <a:round/>
+                      <a:headEnd type="none" w="med" len="med"/>
+                      <a:tailEnd type="none" w="med" len="med"/>
                     </a:lnT>
-                    <a:lnB>
+                    <a:lnB w="6350" cap="flat" cmpd="sng" algn="ctr">
+                      <a:solidFill>
+                        <a:srgbClr val="C9C9C9"/>
+                      </a:solidFill>
+                      <a:prstDash val="solid"/>
+                      <a:round/>
+                      <a:headEnd type="none" w="med" len="med"/>
+                      <a:tailEnd type="none" w="med" len="med"/>
+                    </a:lnB>
+                  </a:tcPr>
+                </a:tc>
+                <a:tc>
+                  <a:txBody>
+                    <a:bodyPr/>
+                    <a:lstStyle/>
+                    <a:p>
+                      <a:pPr algn="ctr" fontAlgn="ctr"/>
+                      <a:r>
+                        <a:rPr lang="en-US" sz="1400" b="0" i="0" u="none" strike="noStrike">
+                          <a:solidFill>
+                            <a:srgbClr val="000000"/>
+                          </a:solidFill>
+                          <a:effectLst/>
+                          <a:latin typeface="Calibri" panose="020F0502020204030204" pitchFamily="34" charset="0"/>
+                        </a:rPr>
+                        <a:t>1754.70722</a:t>
+                      </a:r>
+                    </a:p>
+                  </a:txBody>
+                  <a:tcPr marL="9525" marR="9525" marT="9525" marB="0" anchor="ctr">
+                    <a:lnL>
                       <a:noFill/>
+                    </a:lnL>
+                    <a:lnR>
+                      <a:noFill/>
+                    </a:lnR>
+                    <a:lnT w="6350" cap="flat" cmpd="sng" algn="ctr">
+                      <a:solidFill>
+                        <a:srgbClr val="C9C9C9"/>
+                      </a:solidFill>
+                      <a:prstDash val="solid"/>
+                      <a:round/>
+                      <a:headEnd type="none" w="med" len="med"/>
+                      <a:tailEnd type="none" w="med" len="med"/>
+                    </a:lnT>
+                    <a:lnB w="6350" cap="flat" cmpd="sng" algn="ctr">
+                      <a:solidFill>
+                        <a:srgbClr val="C9C9C9"/>
+                      </a:solidFill>
+                      <a:prstDash val="solid"/>
+                      <a:round/>
+                      <a:headEnd type="none" w="med" len="med"/>
+                      <a:tailEnd type="none" w="med" len="med"/>
+                    </a:lnB>
+                  </a:tcPr>
+                </a:tc>
+                <a:tc>
+                  <a:txBody>
+                    <a:bodyPr/>
+                    <a:lstStyle/>
+                    <a:p>
+                      <a:pPr algn="ctr" fontAlgn="ctr"/>
+                      <a:r>
+                        <a:rPr lang="en-US" sz="1400" b="0" i="0" u="none" strike="noStrike">
+                          <a:solidFill>
+                            <a:srgbClr val="000000"/>
+                          </a:solidFill>
+                          <a:effectLst/>
+                          <a:latin typeface="Calibri" panose="020F0502020204030204" pitchFamily="34" charset="0"/>
+                        </a:rPr>
+                        <a:t>3752</a:t>
+                      </a:r>
+                    </a:p>
+                  </a:txBody>
+                  <a:tcPr marL="9525" marR="9525" marT="9525" marB="0" anchor="ctr">
+                    <a:lnL>
+                      <a:noFill/>
+                    </a:lnL>
+                    <a:lnR>
+                      <a:noFill/>
+                    </a:lnR>
+                    <a:lnT w="6350" cap="flat" cmpd="sng" algn="ctr">
+                      <a:solidFill>
+                        <a:srgbClr val="C9C9C9"/>
+                      </a:solidFill>
+                      <a:prstDash val="solid"/>
+                      <a:round/>
+                      <a:headEnd type="none" w="med" len="med"/>
+                      <a:tailEnd type="none" w="med" len="med"/>
+                    </a:lnT>
+                    <a:lnB w="6350" cap="flat" cmpd="sng" algn="ctr">
+                      <a:solidFill>
+                        <a:srgbClr val="C9C9C9"/>
+                      </a:solidFill>
+                      <a:prstDash val="solid"/>
+                      <a:round/>
+                      <a:headEnd type="none" w="med" len="med"/>
+                      <a:tailEnd type="none" w="med" len="med"/>
+                    </a:lnB>
+                  </a:tcPr>
+                </a:tc>
+                <a:tc>
+                  <a:txBody>
+                    <a:bodyPr/>
+                    <a:lstStyle/>
+                    <a:p>
+                      <a:pPr algn="ctr" fontAlgn="ctr"/>
+                      <a:r>
+                        <a:rPr lang="en-US" sz="1400" b="0" i="0" u="none" strike="noStrike">
+                          <a:solidFill>
+                            <a:srgbClr val="000000"/>
+                          </a:solidFill>
+                          <a:effectLst/>
+                          <a:latin typeface="Calibri" panose="020F0502020204030204" pitchFamily="34" charset="0"/>
+                        </a:rPr>
+                        <a:t>6923</a:t>
+                      </a:r>
+                    </a:p>
+                  </a:txBody>
+                  <a:tcPr marL="9525" marR="9525" marT="9525" marB="0" anchor="ctr">
+                    <a:lnL>
+                      <a:noFill/>
+                    </a:lnL>
+                    <a:lnR>
+                      <a:noFill/>
+                    </a:lnR>
+                    <a:lnT w="6350" cap="flat" cmpd="sng" algn="ctr">
+                      <a:solidFill>
+                        <a:srgbClr val="C9C9C9"/>
+                      </a:solidFill>
+                      <a:prstDash val="solid"/>
+                      <a:round/>
+                      <a:headEnd type="none" w="med" len="med"/>
+                      <a:tailEnd type="none" w="med" len="med"/>
+                    </a:lnT>
+                    <a:lnB w="6350" cap="flat" cmpd="sng" algn="ctr">
+                      <a:solidFill>
+                        <a:srgbClr val="C9C9C9"/>
+                      </a:solidFill>
+                      <a:prstDash val="solid"/>
+                      <a:round/>
+                      <a:headEnd type="none" w="med" len="med"/>
+                      <a:tailEnd type="none" w="med" len="med"/>
+                    </a:lnB>
+                  </a:tcPr>
+                </a:tc>
+                <a:tc>
+                  <a:txBody>
+                    <a:bodyPr/>
+                    <a:lstStyle/>
+                    <a:p>
+                      <a:pPr algn="ctr" fontAlgn="ctr"/>
+                      <a:r>
+                        <a:rPr lang="en-US" sz="1400" b="0" i="0" u="none" strike="noStrike">
+                          <a:solidFill>
+                            <a:srgbClr val="000000"/>
+                          </a:solidFill>
+                          <a:effectLst/>
+                          <a:latin typeface="Calibri" panose="020F0502020204030204" pitchFamily="34" charset="0"/>
+                        </a:rPr>
+                        <a:t>8332</a:t>
+                      </a:r>
+                    </a:p>
+                  </a:txBody>
+                  <a:tcPr marL="9525" marR="9525" marT="9525" marB="0" anchor="ctr">
+                    <a:lnL>
+                      <a:noFill/>
+                    </a:lnL>
+                    <a:lnR>
+                      <a:noFill/>
+                    </a:lnR>
+                    <a:lnT w="6350" cap="flat" cmpd="sng" algn="ctr">
+                      <a:solidFill>
+                        <a:srgbClr val="C9C9C9"/>
+                      </a:solidFill>
+                      <a:prstDash val="solid"/>
+                      <a:round/>
+                      <a:headEnd type="none" w="med" len="med"/>
+                      <a:tailEnd type="none" w="med" len="med"/>
+                    </a:lnT>
+                    <a:lnB w="6350" cap="flat" cmpd="sng" algn="ctr">
+                      <a:solidFill>
+                        <a:srgbClr val="C9C9C9"/>
+                      </a:solidFill>
+                      <a:prstDash val="solid"/>
+                      <a:round/>
+                      <a:headEnd type="none" w="med" len="med"/>
+                      <a:tailEnd type="none" w="med" len="med"/>
+                    </a:lnB>
+                  </a:tcPr>
+                </a:tc>
+                <a:tc>
+                  <a:txBody>
+                    <a:bodyPr/>
+                    <a:lstStyle/>
+                    <a:p>
+                      <a:pPr algn="ctr" fontAlgn="ctr"/>
+                      <a:r>
+                        <a:rPr lang="en-US" sz="1400" b="0" i="0" u="none" strike="noStrike">
+                          <a:solidFill>
+                            <a:srgbClr val="000000"/>
+                          </a:solidFill>
+                          <a:effectLst/>
+                          <a:latin typeface="Calibri" panose="020F0502020204030204" pitchFamily="34" charset="0"/>
+                        </a:rPr>
+                        <a:t>9413</a:t>
+                      </a:r>
+                    </a:p>
+                  </a:txBody>
+                  <a:tcPr marL="9525" marR="9525" marT="9525" marB="0" anchor="ctr">
+                    <a:lnL>
+                      <a:noFill/>
+                    </a:lnL>
+                    <a:lnR>
+                      <a:noFill/>
+                    </a:lnR>
+                    <a:lnT w="6350" cap="flat" cmpd="sng" algn="ctr">
+                      <a:solidFill>
+                        <a:srgbClr val="C9C9C9"/>
+                      </a:solidFill>
+                      <a:prstDash val="solid"/>
+                      <a:round/>
+                      <a:headEnd type="none" w="med" len="med"/>
+                      <a:tailEnd type="none" w="med" len="med"/>
+                    </a:lnT>
+                    <a:lnB w="6350" cap="flat" cmpd="sng" algn="ctr">
+                      <a:solidFill>
+                        <a:srgbClr val="C9C9C9"/>
+                      </a:solidFill>
+                      <a:prstDash val="solid"/>
+                      <a:round/>
+                      <a:headEnd type="none" w="med" len="med"/>
+                      <a:tailEnd type="none" w="med" len="med"/>
+                    </a:lnB>
+                  </a:tcPr>
+                </a:tc>
+                <a:tc>
+                  <a:txBody>
+                    <a:bodyPr/>
+                    <a:lstStyle/>
+                    <a:p>
+                      <a:pPr algn="ctr" fontAlgn="ctr"/>
+                      <a:r>
+                        <a:rPr lang="en-US" sz="1400" b="0" i="0" u="none" strike="noStrike">
+                          <a:solidFill>
+                            <a:srgbClr val="000000"/>
+                          </a:solidFill>
+                          <a:effectLst/>
+                          <a:latin typeface="Calibri" panose="020F0502020204030204" pitchFamily="34" charset="0"/>
+                        </a:rPr>
+                        <a:t>14131</a:t>
+                      </a:r>
+                    </a:p>
+                  </a:txBody>
+                  <a:tcPr marL="9525" marR="9525" marT="9525" marB="0" anchor="ctr">
+                    <a:lnL>
+                      <a:noFill/>
+                    </a:lnL>
+                    <a:lnR w="6350" cap="flat" cmpd="sng" algn="ctr">
+                      <a:solidFill>
+                        <a:srgbClr val="C9C9C9"/>
+                      </a:solidFill>
+                      <a:prstDash val="solid"/>
+                      <a:round/>
+                      <a:headEnd type="none" w="med" len="med"/>
+                      <a:tailEnd type="none" w="med" len="med"/>
+                    </a:lnR>
+                    <a:lnT w="6350" cap="flat" cmpd="sng" algn="ctr">
+                      <a:solidFill>
+                        <a:srgbClr val="C9C9C9"/>
+                      </a:solidFill>
+                      <a:prstDash val="solid"/>
+                      <a:round/>
+                      <a:headEnd type="none" w="med" len="med"/>
+                      <a:tailEnd type="none" w="med" len="med"/>
+                    </a:lnT>
+                    <a:lnB w="6350" cap="flat" cmpd="sng" algn="ctr">
+                      <a:solidFill>
+                        <a:srgbClr val="C9C9C9"/>
+                      </a:solidFill>
+                      <a:prstDash val="solid"/>
+                      <a:round/>
+                      <a:headEnd type="none" w="med" len="med"/>
+                      <a:tailEnd type="none" w="med" len="med"/>
+                    </a:lnB>
+                  </a:tcPr>
+                </a:tc>
+                <a:extLst>
+                  <a:ext uri="{0D108BD9-81ED-4DB2-BD59-A6C34878D82A}">
+                    <a16:rowId xmlns:a16="http://schemas.microsoft.com/office/drawing/2014/main" val="3203579434"/>
+                  </a:ext>
+                </a:extLst>
+              </a:tr>
+              <a:tr h="406328">
+                <a:tc>
+                  <a:txBody>
+                    <a:bodyPr/>
+                    <a:lstStyle/>
+                    <a:p>
+                      <a:pPr algn="r" fontAlgn="ctr"/>
+                      <a:r>
+                        <a:rPr lang="en-US" sz="1400" b="0" i="0" u="none" strike="noStrike">
+                          <a:solidFill>
+                            <a:srgbClr val="000000"/>
+                          </a:solidFill>
+                          <a:effectLst/>
+                          <a:latin typeface="Calibri" panose="020F0502020204030204" pitchFamily="34" charset="0"/>
+                        </a:rPr>
+                        <a:t>Average Grade</a:t>
+                      </a:r>
+                    </a:p>
+                  </a:txBody>
+                  <a:tcPr marL="9525" marR="9525" marT="9525" marB="0" anchor="ctr">
+                    <a:lnL w="6350" cap="flat" cmpd="sng" algn="ctr">
+                      <a:solidFill>
+                        <a:srgbClr val="C9C9C9"/>
+                      </a:solidFill>
+                      <a:prstDash val="solid"/>
+                      <a:round/>
+                      <a:headEnd type="none" w="med" len="med"/>
+                      <a:tailEnd type="none" w="med" len="med"/>
+                    </a:lnL>
+                    <a:lnR>
+                      <a:noFill/>
+                    </a:lnR>
+                    <a:lnT w="6350" cap="flat" cmpd="sng" algn="ctr">
+                      <a:solidFill>
+                        <a:srgbClr val="C9C9C9"/>
+                      </a:solidFill>
+                      <a:prstDash val="solid"/>
+                      <a:round/>
+                      <a:headEnd type="none" w="med" len="med"/>
+                      <a:tailEnd type="none" w="med" len="med"/>
+                    </a:lnT>
+                    <a:lnB w="6350" cap="flat" cmpd="sng" algn="ctr">
+                      <a:solidFill>
+                        <a:srgbClr val="C9C9C9"/>
+                      </a:solidFill>
+                      <a:prstDash val="solid"/>
+                      <a:round/>
+                      <a:headEnd type="none" w="med" len="med"/>
+                      <a:tailEnd type="none" w="med" len="med"/>
                     </a:lnB>
                     <a:solidFill>
-                      <a:srgbClr val="F5F5F5"/>
+                      <a:srgbClr val="EDEDED"/>
                     </a:solidFill>
                   </a:tcPr>
                 </a:tc>
@@ -14601,32 +16631,46 @@
                     <a:bodyPr/>
                     <a:lstStyle/>
                     <a:p>
-                      <a:pPr algn="r" fontAlgn="ctr"/>
+                      <a:pPr algn="ctr" fontAlgn="ctr"/>
                       <a:r>
-                        <a:rPr lang="en-US" sz="1200">
+                        <a:rPr lang="en-US" sz="1400" b="0" i="0" u="none" strike="noStrike">
+                          <a:solidFill>
+                            <a:srgbClr val="000000"/>
+                          </a:solidFill>
                           <a:effectLst/>
-                          <a:latin typeface="Courier New" panose="02070309020205020404" pitchFamily="49" charset="0"/>
-                          <a:cs typeface="Courier New" panose="02070309020205020404" pitchFamily="49" charset="0"/>
+                          <a:latin typeface="Calibri" panose="020F0502020204030204" pitchFamily="34" charset="0"/>
                         </a:rPr>
-                        <a:t>1016.041697</a:t>
+                        <a:t>4903</a:t>
                       </a:r>
                     </a:p>
                   </a:txBody>
-                  <a:tcPr anchor="ctr">
+                  <a:tcPr marL="9525" marR="9525" marT="9525" marB="0" anchor="ctr">
                     <a:lnL>
                       <a:noFill/>
                     </a:lnL>
                     <a:lnR>
                       <a:noFill/>
                     </a:lnR>
-                    <a:lnT>
-                      <a:noFill/>
+                    <a:lnT w="6350" cap="flat" cmpd="sng" algn="ctr">
+                      <a:solidFill>
+                        <a:srgbClr val="C9C9C9"/>
+                      </a:solidFill>
+                      <a:prstDash val="solid"/>
+                      <a:round/>
+                      <a:headEnd type="none" w="med" len="med"/>
+                      <a:tailEnd type="none" w="med" len="med"/>
                     </a:lnT>
-                    <a:lnB>
-                      <a:noFill/>
+                    <a:lnB w="6350" cap="flat" cmpd="sng" algn="ctr">
+                      <a:solidFill>
+                        <a:srgbClr val="C9C9C9"/>
+                      </a:solidFill>
+                      <a:prstDash val="solid"/>
+                      <a:round/>
+                      <a:headEnd type="none" w="med" len="med"/>
+                      <a:tailEnd type="none" w="med" len="med"/>
                     </a:lnB>
                     <a:solidFill>
-                      <a:srgbClr val="F5F5F5"/>
+                      <a:srgbClr val="EDEDED"/>
                     </a:solidFill>
                   </a:tcPr>
                 </a:tc>
@@ -14635,32 +16679,46 @@
                     <a:bodyPr/>
                     <a:lstStyle/>
                     <a:p>
-                      <a:pPr algn="r" fontAlgn="ctr"/>
+                      <a:pPr algn="ctr" fontAlgn="ctr"/>
                       <a:r>
-                        <a:rPr lang="en-US" sz="1200">
+                        <a:rPr lang="en-US" sz="1400" b="0" i="0" u="none" strike="noStrike">
+                          <a:solidFill>
+                            <a:srgbClr val="000000"/>
+                          </a:solidFill>
                           <a:effectLst/>
-                          <a:latin typeface="Courier New" panose="02070309020205020404" pitchFamily="49" charset="0"/>
-                          <a:cs typeface="Courier New" panose="02070309020205020404" pitchFamily="49" charset="0"/>
+                          <a:latin typeface="Calibri" panose="020F0502020204030204" pitchFamily="34" charset="0"/>
                         </a:rPr>
-                        <a:t>884.560557</a:t>
+                        <a:t>0.07201101</a:t>
                       </a:r>
                     </a:p>
                   </a:txBody>
-                  <a:tcPr anchor="ctr">
+                  <a:tcPr marL="9525" marR="9525" marT="9525" marB="0" anchor="ctr">
                     <a:lnL>
                       <a:noFill/>
                     </a:lnL>
                     <a:lnR>
                       <a:noFill/>
                     </a:lnR>
-                    <a:lnT>
-                      <a:noFill/>
+                    <a:lnT w="6350" cap="flat" cmpd="sng" algn="ctr">
+                      <a:solidFill>
+                        <a:srgbClr val="C9C9C9"/>
+                      </a:solidFill>
+                      <a:prstDash val="solid"/>
+                      <a:round/>
+                      <a:headEnd type="none" w="med" len="med"/>
+                      <a:tailEnd type="none" w="med" len="med"/>
                     </a:lnT>
-                    <a:lnB>
-                      <a:noFill/>
+                    <a:lnB w="6350" cap="flat" cmpd="sng" algn="ctr">
+                      <a:solidFill>
+                        <a:srgbClr val="C9C9C9"/>
+                      </a:solidFill>
+                      <a:prstDash val="solid"/>
+                      <a:round/>
+                      <a:headEnd type="none" w="med" len="med"/>
+                      <a:tailEnd type="none" w="med" len="med"/>
                     </a:lnB>
                     <a:solidFill>
-                      <a:srgbClr val="F5F5F5"/>
+                      <a:srgbClr val="EDEDED"/>
                     </a:solidFill>
                   </a:tcPr>
                 </a:tc>
@@ -14669,32 +16727,46 @@
                     <a:bodyPr/>
                     <a:lstStyle/>
                     <a:p>
-                      <a:pPr algn="r" fontAlgn="ctr"/>
+                      <a:pPr algn="ctr" fontAlgn="ctr"/>
                       <a:r>
-                        <a:rPr lang="en-US" sz="1200" dirty="0">
+                        <a:rPr lang="en-US" sz="1400" b="0" i="0" u="none" strike="noStrike">
+                          <a:solidFill>
+                            <a:srgbClr val="000000"/>
+                          </a:solidFill>
                           <a:effectLst/>
-                          <a:latin typeface="Courier New" panose="02070309020205020404" pitchFamily="49" charset="0"/>
-                          <a:cs typeface="Courier New" panose="02070309020205020404" pitchFamily="49" charset="0"/>
+                          <a:latin typeface="Calibri" panose="020F0502020204030204" pitchFamily="34" charset="0"/>
                         </a:rPr>
-                        <a:t>2152.188263</a:t>
+                        <a:t>0.04877398</a:t>
                       </a:r>
                     </a:p>
                   </a:txBody>
-                  <a:tcPr anchor="ctr">
+                  <a:tcPr marL="9525" marR="9525" marT="9525" marB="0" anchor="ctr">
                     <a:lnL>
                       <a:noFill/>
                     </a:lnL>
                     <a:lnR>
                       <a:noFill/>
                     </a:lnR>
-                    <a:lnT>
-                      <a:noFill/>
+                    <a:lnT w="6350" cap="flat" cmpd="sng" algn="ctr">
+                      <a:solidFill>
+                        <a:srgbClr val="C9C9C9"/>
+                      </a:solidFill>
+                      <a:prstDash val="solid"/>
+                      <a:round/>
+                      <a:headEnd type="none" w="med" len="med"/>
+                      <a:tailEnd type="none" w="med" len="med"/>
                     </a:lnT>
-                    <a:lnB>
-                      <a:noFill/>
+                    <a:lnB w="6350" cap="flat" cmpd="sng" algn="ctr">
+                      <a:solidFill>
+                        <a:srgbClr val="C9C9C9"/>
+                      </a:solidFill>
+                      <a:prstDash val="solid"/>
+                      <a:round/>
+                      <a:headEnd type="none" w="med" len="med"/>
+                      <a:tailEnd type="none" w="med" len="med"/>
                     </a:lnB>
                     <a:solidFill>
-                      <a:srgbClr val="F5F5F5"/>
+                      <a:srgbClr val="EDEDED"/>
                     </a:solidFill>
                   </a:tcPr>
                 </a:tc>
@@ -14703,32 +16775,46 @@
                     <a:bodyPr/>
                     <a:lstStyle/>
                     <a:p>
-                      <a:pPr algn="r" fontAlgn="ctr"/>
+                      <a:pPr algn="ctr" fontAlgn="ctr"/>
                       <a:r>
-                        <a:rPr lang="en-US" sz="1200" dirty="0">
+                        <a:rPr lang="en-US" sz="1400" b="0" i="0" u="none" strike="noStrike">
+                          <a:solidFill>
+                            <a:srgbClr val="000000"/>
+                          </a:solidFill>
                           <a:effectLst/>
-                          <a:latin typeface="Courier New" panose="02070309020205020404" pitchFamily="49" charset="0"/>
-                          <a:cs typeface="Courier New" panose="02070309020205020404" pitchFamily="49" charset="0"/>
+                          <a:latin typeface="Calibri" panose="020F0502020204030204" pitchFamily="34" charset="0"/>
                         </a:rPr>
-                        <a:t>1754.707216</a:t>
+                        <a:t>0</a:t>
                       </a:r>
                     </a:p>
                   </a:txBody>
-                  <a:tcPr anchor="ctr">
+                  <a:tcPr marL="9525" marR="9525" marT="9525" marB="0" anchor="ctr">
                     <a:lnL>
                       <a:noFill/>
                     </a:lnL>
                     <a:lnR>
                       <a:noFill/>
                     </a:lnR>
-                    <a:lnT>
-                      <a:noFill/>
+                    <a:lnT w="6350" cap="flat" cmpd="sng" algn="ctr">
+                      <a:solidFill>
+                        <a:srgbClr val="C9C9C9"/>
+                      </a:solidFill>
+                      <a:prstDash val="solid"/>
+                      <a:round/>
+                      <a:headEnd type="none" w="med" len="med"/>
+                      <a:tailEnd type="none" w="med" len="med"/>
                     </a:lnT>
-                    <a:lnB>
-                      <a:noFill/>
+                    <a:lnB w="6350" cap="flat" cmpd="sng" algn="ctr">
+                      <a:solidFill>
+                        <a:srgbClr val="C9C9C9"/>
+                      </a:solidFill>
+                      <a:prstDash val="solid"/>
+                      <a:round/>
+                      <a:headEnd type="none" w="med" len="med"/>
+                      <a:tailEnd type="none" w="med" len="med"/>
                     </a:lnB>
                     <a:solidFill>
-                      <a:srgbClr val="F5F5F5"/>
+                      <a:srgbClr val="EDEDED"/>
                     </a:solidFill>
                   </a:tcPr>
                 </a:tc>
@@ -14737,32 +16823,46 @@
                     <a:bodyPr/>
                     <a:lstStyle/>
                     <a:p>
-                      <a:pPr algn="r" fontAlgn="ctr"/>
+                      <a:pPr algn="ctr" fontAlgn="ctr"/>
                       <a:r>
-                        <a:rPr lang="en-US" sz="1200">
+                        <a:rPr lang="en-US" sz="1400" b="0" i="0" u="none" strike="noStrike">
+                          <a:solidFill>
+                            <a:srgbClr val="000000"/>
+                          </a:solidFill>
                           <a:effectLst/>
-                          <a:latin typeface="Courier New" panose="02070309020205020404" pitchFamily="49" charset="0"/>
-                          <a:cs typeface="Courier New" panose="02070309020205020404" pitchFamily="49" charset="0"/>
+                          <a:latin typeface="Calibri" panose="020F0502020204030204" pitchFamily="34" charset="0"/>
                         </a:rPr>
-                        <a:t>0.048774</a:t>
+                        <a:t>0.04</a:t>
                       </a:r>
                     </a:p>
                   </a:txBody>
-                  <a:tcPr anchor="ctr">
+                  <a:tcPr marL="9525" marR="9525" marT="9525" marB="0" anchor="ctr">
                     <a:lnL>
                       <a:noFill/>
                     </a:lnL>
                     <a:lnR>
                       <a:noFill/>
                     </a:lnR>
-                    <a:lnT>
-                      <a:noFill/>
+                    <a:lnT w="6350" cap="flat" cmpd="sng" algn="ctr">
+                      <a:solidFill>
+                        <a:srgbClr val="C9C9C9"/>
+                      </a:solidFill>
+                      <a:prstDash val="solid"/>
+                      <a:round/>
+                      <a:headEnd type="none" w="med" len="med"/>
+                      <a:tailEnd type="none" w="med" len="med"/>
                     </a:lnT>
-                    <a:lnB>
-                      <a:noFill/>
+                    <a:lnB w="6350" cap="flat" cmpd="sng" algn="ctr">
+                      <a:solidFill>
+                        <a:srgbClr val="C9C9C9"/>
+                      </a:solidFill>
+                      <a:prstDash val="solid"/>
+                      <a:round/>
+                      <a:headEnd type="none" w="med" len="med"/>
+                      <a:tailEnd type="none" w="med" len="med"/>
                     </a:lnB>
                     <a:solidFill>
-                      <a:srgbClr val="F5F5F5"/>
+                      <a:srgbClr val="EDEDED"/>
                     </a:solidFill>
                   </a:tcPr>
                 </a:tc>
@@ -14771,32 +16871,46 @@
                     <a:bodyPr/>
                     <a:lstStyle/>
                     <a:p>
-                      <a:pPr algn="r" fontAlgn="ctr"/>
+                      <a:pPr algn="ctr" fontAlgn="ctr"/>
                       <a:r>
-                        <a:rPr lang="en-US" sz="1200">
+                        <a:rPr lang="en-US" sz="1400" b="0" i="0" u="none" strike="noStrike">
+                          <a:solidFill>
+                            <a:srgbClr val="000000"/>
+                          </a:solidFill>
                           <a:effectLst/>
-                          <a:latin typeface="Courier New" panose="02070309020205020404" pitchFamily="49" charset="0"/>
-                          <a:cs typeface="Courier New" panose="02070309020205020404" pitchFamily="49" charset="0"/>
+                          <a:latin typeface="Calibri" panose="020F0502020204030204" pitchFamily="34" charset="0"/>
                         </a:rPr>
-                        <a:t>0.153531</a:t>
+                        <a:t>0.06</a:t>
                       </a:r>
                     </a:p>
                   </a:txBody>
-                  <a:tcPr anchor="ctr">
+                  <a:tcPr marL="9525" marR="9525" marT="9525" marB="0" anchor="ctr">
                     <a:lnL>
                       <a:noFill/>
                     </a:lnL>
                     <a:lnR>
                       <a:noFill/>
                     </a:lnR>
-                    <a:lnT>
-                      <a:noFill/>
+                    <a:lnT w="6350" cap="flat" cmpd="sng" algn="ctr">
+                      <a:solidFill>
+                        <a:srgbClr val="C9C9C9"/>
+                      </a:solidFill>
+                      <a:prstDash val="solid"/>
+                      <a:round/>
+                      <a:headEnd type="none" w="med" len="med"/>
+                      <a:tailEnd type="none" w="med" len="med"/>
                     </a:lnT>
-                    <a:lnB>
-                      <a:noFill/>
+                    <a:lnB w="6350" cap="flat" cmpd="sng" algn="ctr">
+                      <a:solidFill>
+                        <a:srgbClr val="C9C9C9"/>
+                      </a:solidFill>
+                      <a:prstDash val="solid"/>
+                      <a:round/>
+                      <a:headEnd type="none" w="med" len="med"/>
+                      <a:tailEnd type="none" w="med" len="med"/>
                     </a:lnB>
                     <a:solidFill>
-                      <a:srgbClr val="F5F5F5"/>
+                      <a:srgbClr val="EDEDED"/>
                     </a:solidFill>
                   </a:tcPr>
                 </a:tc>
@@ -14805,32 +16919,46 @@
                     <a:bodyPr/>
                     <a:lstStyle/>
                     <a:p>
-                      <a:pPr algn="r" fontAlgn="ctr"/>
+                      <a:pPr algn="ctr" fontAlgn="ctr"/>
                       <a:r>
-                        <a:rPr lang="en-US" sz="1200">
+                        <a:rPr lang="en-US" sz="1400" b="0" i="0" u="none" strike="noStrike">
+                          <a:solidFill>
+                            <a:srgbClr val="000000"/>
+                          </a:solidFill>
                           <a:effectLst/>
-                          <a:latin typeface="Courier New" panose="02070309020205020404" pitchFamily="49" charset="0"/>
-                          <a:cs typeface="Courier New" panose="02070309020205020404" pitchFamily="49" charset="0"/>
+                          <a:latin typeface="Calibri" panose="020F0502020204030204" pitchFamily="34" charset="0"/>
                         </a:rPr>
-                        <a:t>0.863918</a:t>
+                        <a:t>0.09</a:t>
                       </a:r>
                     </a:p>
                   </a:txBody>
-                  <a:tcPr anchor="ctr">
+                  <a:tcPr marL="9525" marR="9525" marT="9525" marB="0" anchor="ctr">
                     <a:lnL>
                       <a:noFill/>
                     </a:lnL>
                     <a:lnR>
                       <a:noFill/>
                     </a:lnR>
-                    <a:lnT>
-                      <a:noFill/>
+                    <a:lnT w="6350" cap="flat" cmpd="sng" algn="ctr">
+                      <a:solidFill>
+                        <a:srgbClr val="C9C9C9"/>
+                      </a:solidFill>
+                      <a:prstDash val="solid"/>
+                      <a:round/>
+                      <a:headEnd type="none" w="med" len="med"/>
+                      <a:tailEnd type="none" w="med" len="med"/>
                     </a:lnT>
-                    <a:lnB>
-                      <a:noFill/>
+                    <a:lnB w="6350" cap="flat" cmpd="sng" algn="ctr">
+                      <a:solidFill>
+                        <a:srgbClr val="C9C9C9"/>
+                      </a:solidFill>
+                      <a:prstDash val="solid"/>
+                      <a:round/>
+                      <a:headEnd type="none" w="med" len="med"/>
+                      <a:tailEnd type="none" w="med" len="med"/>
                     </a:lnB>
                     <a:solidFill>
-                      <a:srgbClr val="F5F5F5"/>
+                      <a:srgbClr val="EDEDED"/>
                     </a:solidFill>
                   </a:tcPr>
                 </a:tc>
@@ -14839,42 +16967,62 @@
                     <a:bodyPr/>
                     <a:lstStyle/>
                     <a:p>
-                      <a:pPr algn="r" fontAlgn="ctr"/>
+                      <a:pPr algn="ctr" fontAlgn="ctr"/>
                       <a:r>
-                        <a:rPr lang="en-US" sz="1200">
+                        <a:rPr lang="en-US" sz="1400" b="0" i="0" u="none" strike="noStrike">
+                          <a:solidFill>
+                            <a:srgbClr val="000000"/>
+                          </a:solidFill>
                           <a:effectLst/>
-                          <a:latin typeface="Courier New" panose="02070309020205020404" pitchFamily="49" charset="0"/>
-                          <a:cs typeface="Courier New" panose="02070309020205020404" pitchFamily="49" charset="0"/>
+                          <a:latin typeface="Calibri" panose="020F0502020204030204" pitchFamily="34" charset="0"/>
                         </a:rPr>
-                        <a:t>6.024722</a:t>
+                        <a:t>0.62</a:t>
                       </a:r>
                     </a:p>
                   </a:txBody>
-                  <a:tcPr anchor="ctr">
+                  <a:tcPr marL="9525" marR="9525" marT="9525" marB="0" anchor="ctr">
                     <a:lnL>
                       <a:noFill/>
                     </a:lnL>
-                    <a:lnR>
-                      <a:noFill/>
+                    <a:lnR w="6350" cap="flat" cmpd="sng" algn="ctr">
+                      <a:solidFill>
+                        <a:srgbClr val="C9C9C9"/>
+                      </a:solidFill>
+                      <a:prstDash val="solid"/>
+                      <a:round/>
+                      <a:headEnd type="none" w="med" len="med"/>
+                      <a:tailEnd type="none" w="med" len="med"/>
                     </a:lnR>
-                    <a:lnT>
-                      <a:noFill/>
+                    <a:lnT w="6350" cap="flat" cmpd="sng" algn="ctr">
+                      <a:solidFill>
+                        <a:srgbClr val="C9C9C9"/>
+                      </a:solidFill>
+                      <a:prstDash val="solid"/>
+                      <a:round/>
+                      <a:headEnd type="none" w="med" len="med"/>
+                      <a:tailEnd type="none" w="med" len="med"/>
                     </a:lnT>
-                    <a:lnB>
-                      <a:noFill/>
+                    <a:lnB w="6350" cap="flat" cmpd="sng" algn="ctr">
+                      <a:solidFill>
+                        <a:srgbClr val="C9C9C9"/>
+                      </a:solidFill>
+                      <a:prstDash val="solid"/>
+                      <a:round/>
+                      <a:headEnd type="none" w="med" len="med"/>
+                      <a:tailEnd type="none" w="med" len="med"/>
                     </a:lnB>
                     <a:solidFill>
-                      <a:srgbClr val="F5F5F5"/>
+                      <a:srgbClr val="EDEDED"/>
                     </a:solidFill>
                   </a:tcPr>
                 </a:tc>
                 <a:extLst>
                   <a:ext uri="{0D108BD9-81ED-4DB2-BD59-A6C34878D82A}">
-                    <a16:rowId xmlns:a16="http://schemas.microsoft.com/office/drawing/2014/main" val="372803625"/>
+                    <a16:rowId xmlns:a16="http://schemas.microsoft.com/office/drawing/2014/main" val="3801233559"/>
                   </a:ext>
                 </a:extLst>
               </a:tr>
-              <a:tr h="365760">
+              <a:tr h="406328">
                 <a:tc>
                   <a:txBody>
                     <a:bodyPr/>
@@ -14882,30 +17030,474 @@
                     <a:p>
                       <a:pPr algn="r" fontAlgn="ctr"/>
                       <a:r>
-                        <a:rPr lang="en-US" sz="1200" b="1">
+                        <a:rPr lang="en-US" sz="1400" b="0" i="0" u="none" strike="noStrike">
+                          <a:solidFill>
+                            <a:srgbClr val="000000"/>
+                          </a:solidFill>
                           <a:effectLst/>
-                          <a:latin typeface="Courier New" panose="02070309020205020404" pitchFamily="49" charset="0"/>
-                          <a:cs typeface="Courier New" panose="02070309020205020404" pitchFamily="49" charset="0"/>
+                          <a:latin typeface="Calibri" panose="020F0502020204030204" pitchFamily="34" charset="0"/>
                         </a:rPr>
-                        <a:t>min</a:t>
+                        <a:t>Max Grade</a:t>
                       </a:r>
                     </a:p>
                   </a:txBody>
-                  <a:tcPr anchor="ctr">
+                  <a:tcPr marL="9525" marR="9525" marT="9525" marB="0" anchor="ctr">
+                    <a:lnL w="6350" cap="flat" cmpd="sng" algn="ctr">
+                      <a:solidFill>
+                        <a:srgbClr val="C9C9C9"/>
+                      </a:solidFill>
+                      <a:prstDash val="solid"/>
+                      <a:round/>
+                      <a:headEnd type="none" w="med" len="med"/>
+                      <a:tailEnd type="none" w="med" len="med"/>
+                    </a:lnL>
+                    <a:lnR>
+                      <a:noFill/>
+                    </a:lnR>
+                    <a:lnT w="6350" cap="flat" cmpd="sng" algn="ctr">
+                      <a:solidFill>
+                        <a:srgbClr val="C9C9C9"/>
+                      </a:solidFill>
+                      <a:prstDash val="solid"/>
+                      <a:round/>
+                      <a:headEnd type="none" w="med" len="med"/>
+                      <a:tailEnd type="none" w="med" len="med"/>
+                    </a:lnT>
+                    <a:lnB w="6350" cap="flat" cmpd="sng" algn="ctr">
+                      <a:solidFill>
+                        <a:srgbClr val="C9C9C9"/>
+                      </a:solidFill>
+                      <a:prstDash val="solid"/>
+                      <a:round/>
+                      <a:headEnd type="none" w="med" len="med"/>
+                      <a:tailEnd type="none" w="med" len="med"/>
+                    </a:lnB>
+                  </a:tcPr>
+                </a:tc>
+                <a:tc>
+                  <a:txBody>
+                    <a:bodyPr/>
+                    <a:lstStyle/>
+                    <a:p>
+                      <a:pPr algn="ctr" fontAlgn="ctr"/>
+                      <a:r>
+                        <a:rPr lang="en-US" sz="1400" b="0" i="0" u="none" strike="noStrike">
+                          <a:solidFill>
+                            <a:srgbClr val="000000"/>
+                          </a:solidFill>
+                          <a:effectLst/>
+                          <a:latin typeface="Calibri" panose="020F0502020204030204" pitchFamily="34" charset="0"/>
+                        </a:rPr>
+                        <a:t>4903</a:t>
+                      </a:r>
+                    </a:p>
+                  </a:txBody>
+                  <a:tcPr marL="9525" marR="9525" marT="9525" marB="0" anchor="ctr">
                     <a:lnL>
                       <a:noFill/>
                     </a:lnL>
                     <a:lnR>
                       <a:noFill/>
                     </a:lnR>
-                    <a:lnT>
+                    <a:lnT w="6350" cap="flat" cmpd="sng" algn="ctr">
+                      <a:solidFill>
+                        <a:srgbClr val="C9C9C9"/>
+                      </a:solidFill>
+                      <a:prstDash val="solid"/>
+                      <a:round/>
+                      <a:headEnd type="none" w="med" len="med"/>
+                      <a:tailEnd type="none" w="med" len="med"/>
+                    </a:lnT>
+                    <a:lnB w="6350" cap="flat" cmpd="sng" algn="ctr">
+                      <a:solidFill>
+                        <a:srgbClr val="C9C9C9"/>
+                      </a:solidFill>
+                      <a:prstDash val="solid"/>
+                      <a:round/>
+                      <a:headEnd type="none" w="med" len="med"/>
+                      <a:tailEnd type="none" w="med" len="med"/>
+                    </a:lnB>
+                  </a:tcPr>
+                </a:tc>
+                <a:tc>
+                  <a:txBody>
+                    <a:bodyPr/>
+                    <a:lstStyle/>
+                    <a:p>
+                      <a:pPr algn="ctr" fontAlgn="ctr"/>
+                      <a:r>
+                        <a:rPr lang="en-US" sz="1400" b="0" i="0" u="none" strike="noStrike">
+                          <a:solidFill>
+                            <a:srgbClr val="000000"/>
+                          </a:solidFill>
+                          <a:effectLst/>
+                          <a:latin typeface="Calibri" panose="020F0502020204030204" pitchFamily="34" charset="0"/>
+                        </a:rPr>
+                        <a:t>0.21975933</a:t>
+                      </a:r>
+                    </a:p>
+                  </a:txBody>
+                  <a:tcPr marL="9525" marR="9525" marT="9525" marB="0" anchor="ctr">
+                    <a:lnL>
                       <a:noFill/>
+                    </a:lnL>
+                    <a:lnR>
+                      <a:noFill/>
+                    </a:lnR>
+                    <a:lnT w="6350" cap="flat" cmpd="sng" algn="ctr">
+                      <a:solidFill>
+                        <a:srgbClr val="C9C9C9"/>
+                      </a:solidFill>
+                      <a:prstDash val="solid"/>
+                      <a:round/>
+                      <a:headEnd type="none" w="med" len="med"/>
+                      <a:tailEnd type="none" w="med" len="med"/>
                     </a:lnT>
-                    <a:lnB>
+                    <a:lnB w="6350" cap="flat" cmpd="sng" algn="ctr">
+                      <a:solidFill>
+                        <a:srgbClr val="C9C9C9"/>
+                      </a:solidFill>
+                      <a:prstDash val="solid"/>
+                      <a:round/>
+                      <a:headEnd type="none" w="med" len="med"/>
+                      <a:tailEnd type="none" w="med" len="med"/>
+                    </a:lnB>
+                  </a:tcPr>
+                </a:tc>
+                <a:tc>
+                  <a:txBody>
+                    <a:bodyPr/>
+                    <a:lstStyle/>
+                    <a:p>
+                      <a:pPr algn="ctr" fontAlgn="ctr"/>
+                      <a:r>
+                        <a:rPr lang="en-US" sz="1400" b="0" i="0" u="none" strike="noStrike">
+                          <a:solidFill>
+                            <a:srgbClr val="000000"/>
+                          </a:solidFill>
+                          <a:effectLst/>
+                          <a:latin typeface="Calibri" panose="020F0502020204030204" pitchFamily="34" charset="0"/>
+                        </a:rPr>
+                        <a:t>0.15353081</a:t>
+                      </a:r>
+                    </a:p>
+                  </a:txBody>
+                  <a:tcPr marL="9525" marR="9525" marT="9525" marB="0" anchor="ctr">
+                    <a:lnL>
                       <a:noFill/>
+                    </a:lnL>
+                    <a:lnR>
+                      <a:noFill/>
+                    </a:lnR>
+                    <a:lnT w="6350" cap="flat" cmpd="sng" algn="ctr">
+                      <a:solidFill>
+                        <a:srgbClr val="C9C9C9"/>
+                      </a:solidFill>
+                      <a:prstDash val="solid"/>
+                      <a:round/>
+                      <a:headEnd type="none" w="med" len="med"/>
+                      <a:tailEnd type="none" w="med" len="med"/>
+                    </a:lnT>
+                    <a:lnB w="6350" cap="flat" cmpd="sng" algn="ctr">
+                      <a:solidFill>
+                        <a:srgbClr val="C9C9C9"/>
+                      </a:solidFill>
+                      <a:prstDash val="solid"/>
+                      <a:round/>
+                      <a:headEnd type="none" w="med" len="med"/>
+                      <a:tailEnd type="none" w="med" len="med"/>
+                    </a:lnB>
+                  </a:tcPr>
+                </a:tc>
+                <a:tc>
+                  <a:txBody>
+                    <a:bodyPr/>
+                    <a:lstStyle/>
+                    <a:p>
+                      <a:pPr algn="ctr" fontAlgn="ctr"/>
+                      <a:r>
+                        <a:rPr lang="en-US" sz="1400" b="0" i="0" u="none" strike="noStrike">
+                          <a:solidFill>
+                            <a:srgbClr val="000000"/>
+                          </a:solidFill>
+                          <a:effectLst/>
+                          <a:latin typeface="Calibri" panose="020F0502020204030204" pitchFamily="34" charset="0"/>
+                        </a:rPr>
+                        <a:t>0</a:t>
+                      </a:r>
+                    </a:p>
+                  </a:txBody>
+                  <a:tcPr marL="9525" marR="9525" marT="9525" marB="0" anchor="ctr">
+                    <a:lnL>
+                      <a:noFill/>
+                    </a:lnL>
+                    <a:lnR>
+                      <a:noFill/>
+                    </a:lnR>
+                    <a:lnT w="6350" cap="flat" cmpd="sng" algn="ctr">
+                      <a:solidFill>
+                        <a:srgbClr val="C9C9C9"/>
+                      </a:solidFill>
+                      <a:prstDash val="solid"/>
+                      <a:round/>
+                      <a:headEnd type="none" w="med" len="med"/>
+                      <a:tailEnd type="none" w="med" len="med"/>
+                    </a:lnT>
+                    <a:lnB w="6350" cap="flat" cmpd="sng" algn="ctr">
+                      <a:solidFill>
+                        <a:srgbClr val="C9C9C9"/>
+                      </a:solidFill>
+                      <a:prstDash val="solid"/>
+                      <a:round/>
+                      <a:headEnd type="none" w="med" len="med"/>
+                      <a:tailEnd type="none" w="med" len="med"/>
+                    </a:lnB>
+                  </a:tcPr>
+                </a:tc>
+                <a:tc>
+                  <a:txBody>
+                    <a:bodyPr/>
+                    <a:lstStyle/>
+                    <a:p>
+                      <a:pPr algn="ctr" fontAlgn="ctr"/>
+                      <a:r>
+                        <a:rPr lang="en-US" sz="1400" b="0" i="0" u="none" strike="noStrike">
+                          <a:solidFill>
+                            <a:srgbClr val="000000"/>
+                          </a:solidFill>
+                          <a:effectLst/>
+                          <a:latin typeface="Calibri" panose="020F0502020204030204" pitchFamily="34" charset="0"/>
+                        </a:rPr>
+                        <a:t>0.12</a:t>
+                      </a:r>
+                    </a:p>
+                  </a:txBody>
+                  <a:tcPr marL="9525" marR="9525" marT="9525" marB="0" anchor="ctr">
+                    <a:lnL>
+                      <a:noFill/>
+                    </a:lnL>
+                    <a:lnR>
+                      <a:noFill/>
+                    </a:lnR>
+                    <a:lnT w="6350" cap="flat" cmpd="sng" algn="ctr">
+                      <a:solidFill>
+                        <a:srgbClr val="C9C9C9"/>
+                      </a:solidFill>
+                      <a:prstDash val="solid"/>
+                      <a:round/>
+                      <a:headEnd type="none" w="med" len="med"/>
+                      <a:tailEnd type="none" w="med" len="med"/>
+                    </a:lnT>
+                    <a:lnB w="6350" cap="flat" cmpd="sng" algn="ctr">
+                      <a:solidFill>
+                        <a:srgbClr val="C9C9C9"/>
+                      </a:solidFill>
+                      <a:prstDash val="solid"/>
+                      <a:round/>
+                      <a:headEnd type="none" w="med" len="med"/>
+                      <a:tailEnd type="none" w="med" len="med"/>
+                    </a:lnB>
+                  </a:tcPr>
+                </a:tc>
+                <a:tc>
+                  <a:txBody>
+                    <a:bodyPr/>
+                    <a:lstStyle/>
+                    <a:p>
+                      <a:pPr algn="ctr" fontAlgn="ctr"/>
+                      <a:r>
+                        <a:rPr lang="en-US" sz="1400" b="0" i="0" u="none" strike="noStrike">
+                          <a:solidFill>
+                            <a:srgbClr val="000000"/>
+                          </a:solidFill>
+                          <a:effectLst/>
+                          <a:latin typeface="Calibri" panose="020F0502020204030204" pitchFamily="34" charset="0"/>
+                        </a:rPr>
+                        <a:t>0.19</a:t>
+                      </a:r>
+                    </a:p>
+                  </a:txBody>
+                  <a:tcPr marL="9525" marR="9525" marT="9525" marB="0" anchor="ctr">
+                    <a:lnL>
+                      <a:noFill/>
+                    </a:lnL>
+                    <a:lnR>
+                      <a:noFill/>
+                    </a:lnR>
+                    <a:lnT w="6350" cap="flat" cmpd="sng" algn="ctr">
+                      <a:solidFill>
+                        <a:srgbClr val="C9C9C9"/>
+                      </a:solidFill>
+                      <a:prstDash val="solid"/>
+                      <a:round/>
+                      <a:headEnd type="none" w="med" len="med"/>
+                      <a:tailEnd type="none" w="med" len="med"/>
+                    </a:lnT>
+                    <a:lnB w="6350" cap="flat" cmpd="sng" algn="ctr">
+                      <a:solidFill>
+                        <a:srgbClr val="C9C9C9"/>
+                      </a:solidFill>
+                      <a:prstDash val="solid"/>
+                      <a:round/>
+                      <a:headEnd type="none" w="med" len="med"/>
+                      <a:tailEnd type="none" w="med" len="med"/>
+                    </a:lnB>
+                  </a:tcPr>
+                </a:tc>
+                <a:tc>
+                  <a:txBody>
+                    <a:bodyPr/>
+                    <a:lstStyle/>
+                    <a:p>
+                      <a:pPr algn="ctr" fontAlgn="ctr"/>
+                      <a:r>
+                        <a:rPr lang="en-US" sz="1400" b="0" i="0" u="none" strike="noStrike">
+                          <a:solidFill>
+                            <a:srgbClr val="000000"/>
+                          </a:solidFill>
+                          <a:effectLst/>
+                          <a:latin typeface="Calibri" panose="020F0502020204030204" pitchFamily="34" charset="0"/>
+                        </a:rPr>
+                        <a:t>0.28</a:t>
+                      </a:r>
+                    </a:p>
+                  </a:txBody>
+                  <a:tcPr marL="9525" marR="9525" marT="9525" marB="0" anchor="ctr">
+                    <a:lnL>
+                      <a:noFill/>
+                    </a:lnL>
+                    <a:lnR>
+                      <a:noFill/>
+                    </a:lnR>
+                    <a:lnT w="6350" cap="flat" cmpd="sng" algn="ctr">
+                      <a:solidFill>
+                        <a:srgbClr val="C9C9C9"/>
+                      </a:solidFill>
+                      <a:prstDash val="solid"/>
+                      <a:round/>
+                      <a:headEnd type="none" w="med" len="med"/>
+                      <a:tailEnd type="none" w="med" len="med"/>
+                    </a:lnT>
+                    <a:lnB w="6350" cap="flat" cmpd="sng" algn="ctr">
+                      <a:solidFill>
+                        <a:srgbClr val="C9C9C9"/>
+                      </a:solidFill>
+                      <a:prstDash val="solid"/>
+                      <a:round/>
+                      <a:headEnd type="none" w="med" len="med"/>
+                      <a:tailEnd type="none" w="med" len="med"/>
+                    </a:lnB>
+                  </a:tcPr>
+                </a:tc>
+                <a:tc>
+                  <a:txBody>
+                    <a:bodyPr/>
+                    <a:lstStyle/>
+                    <a:p>
+                      <a:pPr algn="ctr" fontAlgn="ctr"/>
+                      <a:r>
+                        <a:rPr lang="en-US" sz="1400" b="0" i="0" u="none" strike="noStrike">
+                          <a:solidFill>
+                            <a:srgbClr val="000000"/>
+                          </a:solidFill>
+                          <a:effectLst/>
+                          <a:latin typeface="Calibri" panose="020F0502020204030204" pitchFamily="34" charset="0"/>
+                        </a:rPr>
+                        <a:t>1.56</a:t>
+                      </a:r>
+                    </a:p>
+                  </a:txBody>
+                  <a:tcPr marL="9525" marR="9525" marT="9525" marB="0" anchor="ctr">
+                    <a:lnL>
+                      <a:noFill/>
+                    </a:lnL>
+                    <a:lnR w="6350" cap="flat" cmpd="sng" algn="ctr">
+                      <a:solidFill>
+                        <a:srgbClr val="C9C9C9"/>
+                      </a:solidFill>
+                      <a:prstDash val="solid"/>
+                      <a:round/>
+                      <a:headEnd type="none" w="med" len="med"/>
+                      <a:tailEnd type="none" w="med" len="med"/>
+                    </a:lnR>
+                    <a:lnT w="6350" cap="flat" cmpd="sng" algn="ctr">
+                      <a:solidFill>
+                        <a:srgbClr val="C9C9C9"/>
+                      </a:solidFill>
+                      <a:prstDash val="solid"/>
+                      <a:round/>
+                      <a:headEnd type="none" w="med" len="med"/>
+                      <a:tailEnd type="none" w="med" len="med"/>
+                    </a:lnT>
+                    <a:lnB w="6350" cap="flat" cmpd="sng" algn="ctr">
+                      <a:solidFill>
+                        <a:srgbClr val="C9C9C9"/>
+                      </a:solidFill>
+                      <a:prstDash val="solid"/>
+                      <a:round/>
+                      <a:headEnd type="none" w="med" len="med"/>
+                      <a:tailEnd type="none" w="med" len="med"/>
+                    </a:lnB>
+                  </a:tcPr>
+                </a:tc>
+                <a:extLst>
+                  <a:ext uri="{0D108BD9-81ED-4DB2-BD59-A6C34878D82A}">
+                    <a16:rowId xmlns:a16="http://schemas.microsoft.com/office/drawing/2014/main" val="353995404"/>
+                  </a:ext>
+                </a:extLst>
+              </a:tr>
+              <a:tr h="406328">
+                <a:tc>
+                  <a:txBody>
+                    <a:bodyPr/>
+                    <a:lstStyle/>
+                    <a:p>
+                      <a:pPr algn="r" fontAlgn="ctr"/>
+                      <a:r>
+                        <a:rPr lang="en-US" sz="1400" b="0" i="0" u="none" strike="noStrike">
+                          <a:solidFill>
+                            <a:srgbClr val="000000"/>
+                          </a:solidFill>
+                          <a:effectLst/>
+                          <a:latin typeface="Calibri" panose="020F0502020204030204" pitchFamily="34" charset="0"/>
+                        </a:rPr>
+                        <a:t>Overall Trail Rating</a:t>
+                      </a:r>
+                    </a:p>
+                  </a:txBody>
+                  <a:tcPr marL="9525" marR="9525" marT="9525" marB="0" anchor="ctr">
+                    <a:lnL w="6350" cap="flat" cmpd="sng" algn="ctr">
+                      <a:solidFill>
+                        <a:srgbClr val="C9C9C9"/>
+                      </a:solidFill>
+                      <a:prstDash val="solid"/>
+                      <a:round/>
+                      <a:headEnd type="none" w="med" len="med"/>
+                      <a:tailEnd type="none" w="med" len="med"/>
+                    </a:lnL>
+                    <a:lnR>
+                      <a:noFill/>
+                    </a:lnR>
+                    <a:lnT w="6350" cap="flat" cmpd="sng" algn="ctr">
+                      <a:solidFill>
+                        <a:srgbClr val="C9C9C9"/>
+                      </a:solidFill>
+                      <a:prstDash val="solid"/>
+                      <a:round/>
+                      <a:headEnd type="none" w="med" len="med"/>
+                      <a:tailEnd type="none" w="med" len="med"/>
+                    </a:lnT>
+                    <a:lnB w="6350" cap="flat" cmpd="sng" algn="ctr">
+                      <a:solidFill>
+                        <a:srgbClr val="C9C9C9"/>
+                      </a:solidFill>
+                      <a:prstDash val="solid"/>
+                      <a:round/>
+                      <a:headEnd type="none" w="med" len="med"/>
+                      <a:tailEnd type="none" w="med" len="med"/>
                     </a:lnB>
                     <a:solidFill>
-                      <a:srgbClr val="FFFFFF"/>
+                      <a:srgbClr val="EDEDED"/>
                     </a:solidFill>
                   </a:tcPr>
                 </a:tc>
@@ -14914,32 +17506,46 @@
                     <a:bodyPr/>
                     <a:lstStyle/>
                     <a:p>
-                      <a:pPr algn="r" fontAlgn="ctr"/>
+                      <a:pPr algn="ctr" fontAlgn="ctr"/>
                       <a:r>
-                        <a:rPr lang="en-US" sz="1200" dirty="0">
+                        <a:rPr lang="en-US" sz="1400" b="0" i="0" u="none" strike="noStrike">
+                          <a:solidFill>
+                            <a:srgbClr val="000000"/>
+                          </a:solidFill>
                           <a:effectLst/>
-                          <a:latin typeface="Courier New" panose="02070309020205020404" pitchFamily="49" charset="0"/>
-                          <a:cs typeface="Courier New" panose="02070309020205020404" pitchFamily="49" charset="0"/>
+                          <a:latin typeface="Calibri" panose="020F0502020204030204" pitchFamily="34" charset="0"/>
                         </a:rPr>
-                        <a:t>0.00000</a:t>
+                        <a:t>3307</a:t>
                       </a:r>
                     </a:p>
                   </a:txBody>
-                  <a:tcPr anchor="ctr">
+                  <a:tcPr marL="9525" marR="9525" marT="9525" marB="0" anchor="ctr">
                     <a:lnL>
                       <a:noFill/>
                     </a:lnL>
                     <a:lnR>
                       <a:noFill/>
                     </a:lnR>
-                    <a:lnT>
-                      <a:noFill/>
+                    <a:lnT w="6350" cap="flat" cmpd="sng" algn="ctr">
+                      <a:solidFill>
+                        <a:srgbClr val="C9C9C9"/>
+                      </a:solidFill>
+                      <a:prstDash val="solid"/>
+                      <a:round/>
+                      <a:headEnd type="none" w="med" len="med"/>
+                      <a:tailEnd type="none" w="med" len="med"/>
                     </a:lnT>
-                    <a:lnB>
-                      <a:noFill/>
+                    <a:lnB w="6350" cap="flat" cmpd="sng" algn="ctr">
+                      <a:solidFill>
+                        <a:srgbClr val="C9C9C9"/>
+                      </a:solidFill>
+                      <a:prstDash val="solid"/>
+                      <a:round/>
+                      <a:headEnd type="none" w="med" len="med"/>
+                      <a:tailEnd type="none" w="med" len="med"/>
                     </a:lnB>
                     <a:solidFill>
-                      <a:srgbClr val="FFFFFF"/>
+                      <a:srgbClr val="EDEDED"/>
                     </a:solidFill>
                   </a:tcPr>
                 </a:tc>
@@ -14948,32 +17554,46 @@
                     <a:bodyPr/>
                     <a:lstStyle/>
                     <a:p>
-                      <a:pPr algn="r" fontAlgn="ctr"/>
+                      <a:pPr algn="ctr" fontAlgn="ctr"/>
                       <a:r>
-                        <a:rPr lang="en-US" sz="1200">
+                        <a:rPr lang="en-US" sz="1400" b="0" i="0" u="none" strike="noStrike">
+                          <a:solidFill>
+                            <a:srgbClr val="000000"/>
+                          </a:solidFill>
                           <a:effectLst/>
-                          <a:latin typeface="Courier New" panose="02070309020205020404" pitchFamily="49" charset="0"/>
-                          <a:cs typeface="Courier New" panose="02070309020205020404" pitchFamily="49" charset="0"/>
+                          <a:latin typeface="Calibri" panose="020F0502020204030204" pitchFamily="34" charset="0"/>
                         </a:rPr>
-                        <a:t>1.000000</a:t>
+                        <a:t>3.6146961</a:t>
                       </a:r>
                     </a:p>
                   </a:txBody>
-                  <a:tcPr anchor="ctr">
+                  <a:tcPr marL="9525" marR="9525" marT="9525" marB="0" anchor="ctr">
                     <a:lnL>
                       <a:noFill/>
                     </a:lnL>
                     <a:lnR>
                       <a:noFill/>
                     </a:lnR>
-                    <a:lnT>
-                      <a:noFill/>
+                    <a:lnT w="6350" cap="flat" cmpd="sng" algn="ctr">
+                      <a:solidFill>
+                        <a:srgbClr val="C9C9C9"/>
+                      </a:solidFill>
+                      <a:prstDash val="solid"/>
+                      <a:round/>
+                      <a:headEnd type="none" w="med" len="med"/>
+                      <a:tailEnd type="none" w="med" len="med"/>
                     </a:lnT>
-                    <a:lnB>
-                      <a:noFill/>
+                    <a:lnB w="6350" cap="flat" cmpd="sng" algn="ctr">
+                      <a:solidFill>
+                        <a:srgbClr val="C9C9C9"/>
+                      </a:solidFill>
+                      <a:prstDash val="solid"/>
+                      <a:round/>
+                      <a:headEnd type="none" w="med" len="med"/>
+                      <a:tailEnd type="none" w="med" len="med"/>
                     </a:lnB>
                     <a:solidFill>
-                      <a:srgbClr val="FFFFFF"/>
+                      <a:srgbClr val="EDEDED"/>
                     </a:solidFill>
                   </a:tcPr>
                 </a:tc>
@@ -14982,32 +17602,46 @@
                     <a:bodyPr/>
                     <a:lstStyle/>
                     <a:p>
-                      <a:pPr algn="r" fontAlgn="ctr"/>
+                      <a:pPr algn="ctr" fontAlgn="ctr"/>
                       <a:r>
-                        <a:rPr lang="en-US" sz="1200">
+                        <a:rPr lang="en-US" sz="1400" b="0" i="0" u="none" strike="noStrike">
+                          <a:solidFill>
+                            <a:srgbClr val="000000"/>
+                          </a:solidFill>
                           <a:effectLst/>
-                          <a:latin typeface="Courier New" panose="02070309020205020404" pitchFamily="49" charset="0"/>
-                          <a:cs typeface="Courier New" panose="02070309020205020404" pitchFamily="49" charset="0"/>
+                          <a:latin typeface="Calibri" panose="020F0502020204030204" pitchFamily="34" charset="0"/>
                         </a:rPr>
-                        <a:t>0.000000</a:t>
+                        <a:t>0.86391772</a:t>
                       </a:r>
                     </a:p>
                   </a:txBody>
-                  <a:tcPr anchor="ctr">
+                  <a:tcPr marL="9525" marR="9525" marT="9525" marB="0" anchor="ctr">
                     <a:lnL>
                       <a:noFill/>
                     </a:lnL>
                     <a:lnR>
                       <a:noFill/>
                     </a:lnR>
-                    <a:lnT>
-                      <a:noFill/>
+                    <a:lnT w="6350" cap="flat" cmpd="sng" algn="ctr">
+                      <a:solidFill>
+                        <a:srgbClr val="C9C9C9"/>
+                      </a:solidFill>
+                      <a:prstDash val="solid"/>
+                      <a:round/>
+                      <a:headEnd type="none" w="med" len="med"/>
+                      <a:tailEnd type="none" w="med" len="med"/>
                     </a:lnT>
-                    <a:lnB>
-                      <a:noFill/>
+                    <a:lnB w="6350" cap="flat" cmpd="sng" algn="ctr">
+                      <a:solidFill>
+                        <a:srgbClr val="C9C9C9"/>
+                      </a:solidFill>
+                      <a:prstDash val="solid"/>
+                      <a:round/>
+                      <a:headEnd type="none" w="med" len="med"/>
+                      <a:tailEnd type="none" w="med" len="med"/>
                     </a:lnB>
                     <a:solidFill>
-                      <a:srgbClr val="FFFFFF"/>
+                      <a:srgbClr val="EDEDED"/>
                     </a:solidFill>
                   </a:tcPr>
                 </a:tc>
@@ -15016,32 +17650,46 @@
                     <a:bodyPr/>
                     <a:lstStyle/>
                     <a:p>
-                      <a:pPr algn="r" fontAlgn="ctr"/>
+                      <a:pPr algn="ctr" fontAlgn="ctr"/>
                       <a:r>
-                        <a:rPr lang="en-US" sz="1200">
+                        <a:rPr lang="en-US" sz="1400" b="0" i="0" u="none" strike="noStrike">
+                          <a:solidFill>
+                            <a:srgbClr val="000000"/>
+                          </a:solidFill>
                           <a:effectLst/>
-                          <a:latin typeface="Courier New" panose="02070309020205020404" pitchFamily="49" charset="0"/>
-                          <a:cs typeface="Courier New" panose="02070309020205020404" pitchFamily="49" charset="0"/>
+                          <a:latin typeface="Calibri" panose="020F0502020204030204" pitchFamily="34" charset="0"/>
                         </a:rPr>
-                        <a:t>0.000000</a:t>
+                        <a:t>1</a:t>
                       </a:r>
                     </a:p>
                   </a:txBody>
-                  <a:tcPr anchor="ctr">
+                  <a:tcPr marL="9525" marR="9525" marT="9525" marB="0" anchor="ctr">
                     <a:lnL>
                       <a:noFill/>
                     </a:lnL>
                     <a:lnR>
                       <a:noFill/>
                     </a:lnR>
-                    <a:lnT>
-                      <a:noFill/>
+                    <a:lnT w="6350" cap="flat" cmpd="sng" algn="ctr">
+                      <a:solidFill>
+                        <a:srgbClr val="C9C9C9"/>
+                      </a:solidFill>
+                      <a:prstDash val="solid"/>
+                      <a:round/>
+                      <a:headEnd type="none" w="med" len="med"/>
+                      <a:tailEnd type="none" w="med" len="med"/>
                     </a:lnT>
-                    <a:lnB>
-                      <a:noFill/>
+                    <a:lnB w="6350" cap="flat" cmpd="sng" algn="ctr">
+                      <a:solidFill>
+                        <a:srgbClr val="C9C9C9"/>
+                      </a:solidFill>
+                      <a:prstDash val="solid"/>
+                      <a:round/>
+                      <a:headEnd type="none" w="med" len="med"/>
+                      <a:tailEnd type="none" w="med" len="med"/>
                     </a:lnB>
                     <a:solidFill>
-                      <a:srgbClr val="FFFFFF"/>
+                      <a:srgbClr val="EDEDED"/>
                     </a:solidFill>
                   </a:tcPr>
                 </a:tc>
@@ -15050,32 +17698,46 @@
                     <a:bodyPr/>
                     <a:lstStyle/>
                     <a:p>
-                      <a:pPr algn="r" fontAlgn="ctr"/>
+                      <a:pPr algn="ctr" fontAlgn="ctr"/>
                       <a:r>
-                        <a:rPr lang="en-US" sz="1200">
+                        <a:rPr lang="en-US" sz="1400" b="0" i="0" u="none" strike="noStrike">
+                          <a:solidFill>
+                            <a:srgbClr val="000000"/>
+                          </a:solidFill>
                           <a:effectLst/>
-                          <a:latin typeface="Courier New" panose="02070309020205020404" pitchFamily="49" charset="0"/>
-                          <a:cs typeface="Courier New" panose="02070309020205020404" pitchFamily="49" charset="0"/>
+                          <a:latin typeface="Calibri" panose="020F0502020204030204" pitchFamily="34" charset="0"/>
                         </a:rPr>
-                        <a:t>3886.000000</a:t>
+                        <a:t>3</a:t>
                       </a:r>
                     </a:p>
                   </a:txBody>
-                  <a:tcPr anchor="ctr">
+                  <a:tcPr marL="9525" marR="9525" marT="9525" marB="0" anchor="ctr">
                     <a:lnL>
                       <a:noFill/>
                     </a:lnL>
                     <a:lnR>
                       <a:noFill/>
                     </a:lnR>
-                    <a:lnT>
-                      <a:noFill/>
+                    <a:lnT w="6350" cap="flat" cmpd="sng" algn="ctr">
+                      <a:solidFill>
+                        <a:srgbClr val="C9C9C9"/>
+                      </a:solidFill>
+                      <a:prstDash val="solid"/>
+                      <a:round/>
+                      <a:headEnd type="none" w="med" len="med"/>
+                      <a:tailEnd type="none" w="med" len="med"/>
                     </a:lnT>
-                    <a:lnB>
-                      <a:noFill/>
+                    <a:lnB w="6350" cap="flat" cmpd="sng" algn="ctr">
+                      <a:solidFill>
+                        <a:srgbClr val="C9C9C9"/>
+                      </a:solidFill>
+                      <a:prstDash val="solid"/>
+                      <a:round/>
+                      <a:headEnd type="none" w="med" len="med"/>
+                      <a:tailEnd type="none" w="med" len="med"/>
                     </a:lnB>
                     <a:solidFill>
-                      <a:srgbClr val="FFFFFF"/>
+                      <a:srgbClr val="EDEDED"/>
                     </a:solidFill>
                   </a:tcPr>
                 </a:tc>
@@ -15084,32 +17746,46 @@
                     <a:bodyPr/>
                     <a:lstStyle/>
                     <a:p>
-                      <a:pPr algn="r" fontAlgn="ctr"/>
+                      <a:pPr algn="ctr" fontAlgn="ctr"/>
                       <a:r>
-                        <a:rPr lang="en-US" sz="1200" dirty="0">
+                        <a:rPr lang="en-US" sz="1400" b="0" i="0" u="none" strike="noStrike">
+                          <a:solidFill>
+                            <a:srgbClr val="000000"/>
+                          </a:solidFill>
                           <a:effectLst/>
-                          <a:latin typeface="Courier New" panose="02070309020205020404" pitchFamily="49" charset="0"/>
-                          <a:cs typeface="Courier New" panose="02070309020205020404" pitchFamily="49" charset="0"/>
+                          <a:latin typeface="Calibri" panose="020F0502020204030204" pitchFamily="34" charset="0"/>
                         </a:rPr>
-                        <a:t>3752.000000</a:t>
+                        <a:t>3.8</a:t>
                       </a:r>
                     </a:p>
                   </a:txBody>
-                  <a:tcPr anchor="ctr">
+                  <a:tcPr marL="9525" marR="9525" marT="9525" marB="0" anchor="ctr">
                     <a:lnL>
                       <a:noFill/>
                     </a:lnL>
                     <a:lnR>
                       <a:noFill/>
                     </a:lnR>
-                    <a:lnT>
-                      <a:noFill/>
+                    <a:lnT w="6350" cap="flat" cmpd="sng" algn="ctr">
+                      <a:solidFill>
+                        <a:srgbClr val="C9C9C9"/>
+                      </a:solidFill>
+                      <a:prstDash val="solid"/>
+                      <a:round/>
+                      <a:headEnd type="none" w="med" len="med"/>
+                      <a:tailEnd type="none" w="med" len="med"/>
                     </a:lnT>
-                    <a:lnB>
-                      <a:noFill/>
+                    <a:lnB w="6350" cap="flat" cmpd="sng" algn="ctr">
+                      <a:solidFill>
+                        <a:srgbClr val="C9C9C9"/>
+                      </a:solidFill>
+                      <a:prstDash val="solid"/>
+                      <a:round/>
+                      <a:headEnd type="none" w="med" len="med"/>
+                      <a:tailEnd type="none" w="med" len="med"/>
                     </a:lnB>
                     <a:solidFill>
-                      <a:srgbClr val="FFFFFF"/>
+                      <a:srgbClr val="EDEDED"/>
                     </a:solidFill>
                   </a:tcPr>
                 </a:tc>
@@ -15118,32 +17794,46 @@
                     <a:bodyPr/>
                     <a:lstStyle/>
                     <a:p>
-                      <a:pPr algn="r" fontAlgn="ctr"/>
+                      <a:pPr algn="ctr" fontAlgn="ctr"/>
                       <a:r>
-                        <a:rPr lang="en-US" sz="1200" dirty="0">
+                        <a:rPr lang="en-US" sz="1400" b="0" i="0" u="none" strike="noStrike">
+                          <a:solidFill>
+                            <a:srgbClr val="000000"/>
+                          </a:solidFill>
                           <a:effectLst/>
-                          <a:latin typeface="Courier New" panose="02070309020205020404" pitchFamily="49" charset="0"/>
-                          <a:cs typeface="Courier New" panose="02070309020205020404" pitchFamily="49" charset="0"/>
+                          <a:latin typeface="Calibri" panose="020F0502020204030204" pitchFamily="34" charset="0"/>
                         </a:rPr>
-                        <a:t>0.000000</a:t>
+                        <a:t>4.1</a:t>
                       </a:r>
                     </a:p>
                   </a:txBody>
-                  <a:tcPr anchor="ctr">
+                  <a:tcPr marL="9525" marR="9525" marT="9525" marB="0" anchor="ctr">
                     <a:lnL>
                       <a:noFill/>
                     </a:lnL>
                     <a:lnR>
                       <a:noFill/>
                     </a:lnR>
-                    <a:lnT>
-                      <a:noFill/>
+                    <a:lnT w="6350" cap="flat" cmpd="sng" algn="ctr">
+                      <a:solidFill>
+                        <a:srgbClr val="C9C9C9"/>
+                      </a:solidFill>
+                      <a:prstDash val="solid"/>
+                      <a:round/>
+                      <a:headEnd type="none" w="med" len="med"/>
+                      <a:tailEnd type="none" w="med" len="med"/>
                     </a:lnT>
-                    <a:lnB>
-                      <a:noFill/>
+                    <a:lnB w="6350" cap="flat" cmpd="sng" algn="ctr">
+                      <a:solidFill>
+                        <a:srgbClr val="C9C9C9"/>
+                      </a:solidFill>
+                      <a:prstDash val="solid"/>
+                      <a:round/>
+                      <a:headEnd type="none" w="med" len="med"/>
+                      <a:tailEnd type="none" w="med" len="med"/>
                     </a:lnB>
                     <a:solidFill>
-                      <a:srgbClr val="FFFFFF"/>
+                      <a:srgbClr val="EDEDED"/>
                     </a:solidFill>
                   </a:tcPr>
                 </a:tc>
@@ -15152,33 +17842,111 @@
                     <a:bodyPr/>
                     <a:lstStyle/>
                     <a:p>
-                      <a:pPr algn="r" fontAlgn="ctr"/>
+                      <a:pPr algn="ctr" fontAlgn="ctr"/>
                       <a:r>
-                        <a:rPr lang="en-US" sz="1200">
+                        <a:rPr lang="en-US" sz="1400" b="0" i="0" u="none" strike="noStrike">
+                          <a:solidFill>
+                            <a:srgbClr val="000000"/>
+                          </a:solidFill>
                           <a:effectLst/>
-                          <a:latin typeface="Courier New" panose="02070309020205020404" pitchFamily="49" charset="0"/>
-                          <a:cs typeface="Courier New" panose="02070309020205020404" pitchFamily="49" charset="0"/>
+                          <a:latin typeface="Calibri" panose="020F0502020204030204" pitchFamily="34" charset="0"/>
                         </a:rPr>
-                        <a:t>0.000000</a:t>
+                        <a:t>5</a:t>
                       </a:r>
                     </a:p>
                   </a:txBody>
-                  <a:tcPr anchor="ctr">
+                  <a:tcPr marL="9525" marR="9525" marT="9525" marB="0" anchor="ctr">
                     <a:lnL>
                       <a:noFill/>
+                    </a:lnL>
+                    <a:lnR w="6350" cap="flat" cmpd="sng" algn="ctr">
+                      <a:solidFill>
+                        <a:srgbClr val="C9C9C9"/>
+                      </a:solidFill>
+                      <a:prstDash val="solid"/>
+                      <a:round/>
+                      <a:headEnd type="none" w="med" len="med"/>
+                      <a:tailEnd type="none" w="med" len="med"/>
+                    </a:lnR>
+                    <a:lnT w="6350" cap="flat" cmpd="sng" algn="ctr">
+                      <a:solidFill>
+                        <a:srgbClr val="C9C9C9"/>
+                      </a:solidFill>
+                      <a:prstDash val="solid"/>
+                      <a:round/>
+                      <a:headEnd type="none" w="med" len="med"/>
+                      <a:tailEnd type="none" w="med" len="med"/>
+                    </a:lnT>
+                    <a:lnB w="6350" cap="flat" cmpd="sng" algn="ctr">
+                      <a:solidFill>
+                        <a:srgbClr val="C9C9C9"/>
+                      </a:solidFill>
+                      <a:prstDash val="solid"/>
+                      <a:round/>
+                      <a:headEnd type="none" w="med" len="med"/>
+                      <a:tailEnd type="none" w="med" len="med"/>
+                    </a:lnB>
+                    <a:solidFill>
+                      <a:srgbClr val="EDEDED"/>
+                    </a:solidFill>
+                  </a:tcPr>
+                </a:tc>
+                <a:extLst>
+                  <a:ext uri="{0D108BD9-81ED-4DB2-BD59-A6C34878D82A}">
+                    <a16:rowId xmlns:a16="http://schemas.microsoft.com/office/drawing/2014/main" val="1992052607"/>
+                  </a:ext>
+                </a:extLst>
+              </a:tr>
+              <a:tr h="406328">
+                <a:tc>
+                  <a:txBody>
+                    <a:bodyPr/>
+                    <a:lstStyle/>
+                    <a:p>
+                      <a:pPr algn="r" fontAlgn="ctr"/>
+                      <a:r>
+                        <a:rPr lang="en-US" sz="1400" b="0" i="0" u="none" strike="noStrike">
+                          <a:solidFill>
+                            <a:srgbClr val="000000"/>
+                          </a:solidFill>
+                          <a:effectLst/>
+                          <a:latin typeface="Calibri" panose="020F0502020204030204" pitchFamily="34" charset="0"/>
+                        </a:rPr>
+                        <a:t>Total User Reviews</a:t>
+                      </a:r>
+                    </a:p>
+                  </a:txBody>
+                  <a:tcPr marL="9525" marR="9525" marT="9525" marB="0" anchor="ctr">
+                    <a:lnL w="6350" cap="flat" cmpd="sng" algn="ctr">
+                      <a:solidFill>
+                        <a:srgbClr val="C9C9C9"/>
+                      </a:solidFill>
+                      <a:prstDash val="solid"/>
+                      <a:round/>
+                      <a:headEnd type="none" w="med" len="med"/>
+                      <a:tailEnd type="none" w="med" len="med"/>
                     </a:lnL>
                     <a:lnR>
                       <a:noFill/>
                     </a:lnR>
-                    <a:lnT>
-                      <a:noFill/>
+                    <a:lnT w="6350" cap="flat" cmpd="sng" algn="ctr">
+                      <a:solidFill>
+                        <a:srgbClr val="C9C9C9"/>
+                      </a:solidFill>
+                      <a:prstDash val="solid"/>
+                      <a:round/>
+                      <a:headEnd type="none" w="med" len="med"/>
+                      <a:tailEnd type="none" w="med" len="med"/>
                     </a:lnT>
-                    <a:lnB>
-                      <a:noFill/>
+                    <a:lnB w="6350" cap="flat" cmpd="sng" algn="ctr">
+                      <a:solidFill>
+                        <a:srgbClr val="C9C9C9"/>
+                      </a:solidFill>
+                      <a:prstDash val="solid"/>
+                      <a:round/>
+                      <a:headEnd type="none" w="med" len="med"/>
+                      <a:tailEnd type="none" w="med" len="med"/>
                     </a:lnB>
-                    <a:solidFill>
-                      <a:srgbClr val="FFFFFF"/>
-                    </a:solidFill>
                   </a:tcPr>
                 </a:tc>
                 <a:tc>
@@ -15186,33 +17954,44 @@
                     <a:bodyPr/>
                     <a:lstStyle/>
                     <a:p>
-                      <a:pPr algn="r" fontAlgn="ctr"/>
+                      <a:pPr algn="ctr" fontAlgn="ctr"/>
                       <a:r>
-                        <a:rPr lang="en-US" sz="1200">
+                        <a:rPr lang="en-US" sz="1400" b="0" i="0" u="none" strike="noStrike">
+                          <a:solidFill>
+                            <a:srgbClr val="000000"/>
+                          </a:solidFill>
                           <a:effectLst/>
-                          <a:latin typeface="Courier New" panose="02070309020205020404" pitchFamily="49" charset="0"/>
-                          <a:cs typeface="Courier New" panose="02070309020205020404" pitchFamily="49" charset="0"/>
+                          <a:latin typeface="Calibri" panose="020F0502020204030204" pitchFamily="34" charset="0"/>
                         </a:rPr>
-                        <a:t>1.000000</a:t>
+                        <a:t>3307</a:t>
                       </a:r>
                     </a:p>
                   </a:txBody>
-                  <a:tcPr anchor="ctr">
+                  <a:tcPr marL="9525" marR="9525" marT="9525" marB="0" anchor="ctr">
                     <a:lnL>
                       <a:noFill/>
                     </a:lnL>
                     <a:lnR>
                       <a:noFill/>
                     </a:lnR>
-                    <a:lnT>
-                      <a:noFill/>
+                    <a:lnT w="6350" cap="flat" cmpd="sng" algn="ctr">
+                      <a:solidFill>
+                        <a:srgbClr val="C9C9C9"/>
+                      </a:solidFill>
+                      <a:prstDash val="solid"/>
+                      <a:round/>
+                      <a:headEnd type="none" w="med" len="med"/>
+                      <a:tailEnd type="none" w="med" len="med"/>
                     </a:lnT>
-                    <a:lnB>
-                      <a:noFill/>
+                    <a:lnB w="6350" cap="flat" cmpd="sng" algn="ctr">
+                      <a:solidFill>
+                        <a:srgbClr val="C9C9C9"/>
+                      </a:solidFill>
+                      <a:prstDash val="solid"/>
+                      <a:round/>
+                      <a:headEnd type="none" w="med" len="med"/>
+                      <a:tailEnd type="none" w="med" len="med"/>
                     </a:lnB>
-                    <a:solidFill>
-                      <a:srgbClr val="FFFFFF"/>
-                    </a:solidFill>
                   </a:tcPr>
                 </a:tc>
                 <a:tc>
@@ -15220,74 +17999,44 @@
                     <a:bodyPr/>
                     <a:lstStyle/>
                     <a:p>
-                      <a:pPr algn="r" fontAlgn="ctr"/>
+                      <a:pPr algn="ctr" fontAlgn="ctr"/>
                       <a:r>
-                        <a:rPr lang="en-US" sz="1200">
+                        <a:rPr lang="en-US" sz="1400" b="0" i="0" u="none" strike="noStrike">
+                          <a:solidFill>
+                            <a:srgbClr val="000000"/>
+                          </a:solidFill>
                           <a:effectLst/>
-                          <a:latin typeface="Courier New" panose="02070309020205020404" pitchFamily="49" charset="0"/>
-                          <a:cs typeface="Courier New" panose="02070309020205020404" pitchFamily="49" charset="0"/>
+                          <a:latin typeface="Calibri" panose="020F0502020204030204" pitchFamily="34" charset="0"/>
                         </a:rPr>
-                        <a:t>1.000000</a:t>
+                        <a:t>3.68067735</a:t>
                       </a:r>
                     </a:p>
                   </a:txBody>
-                  <a:tcPr anchor="ctr">
+                  <a:tcPr marL="9525" marR="9525" marT="9525" marB="0" anchor="ctr">
                     <a:lnL>
                       <a:noFill/>
                     </a:lnL>
                     <a:lnR>
                       <a:noFill/>
                     </a:lnR>
-                    <a:lnT>
-                      <a:noFill/>
+                    <a:lnT w="6350" cap="flat" cmpd="sng" algn="ctr">
+                      <a:solidFill>
+                        <a:srgbClr val="C9C9C9"/>
+                      </a:solidFill>
+                      <a:prstDash val="solid"/>
+                      <a:round/>
+                      <a:headEnd type="none" w="med" len="med"/>
+                      <a:tailEnd type="none" w="med" len="med"/>
                     </a:lnT>
-                    <a:lnB>
-                      <a:noFill/>
+                    <a:lnB w="6350" cap="flat" cmpd="sng" algn="ctr">
+                      <a:solidFill>
+                        <a:srgbClr val="C9C9C9"/>
+                      </a:solidFill>
+                      <a:prstDash val="solid"/>
+                      <a:round/>
+                      <a:headEnd type="none" w="med" len="med"/>
+                      <a:tailEnd type="none" w="med" len="med"/>
                     </a:lnB>
-                    <a:solidFill>
-                      <a:srgbClr val="FFFFFF"/>
-                    </a:solidFill>
-                  </a:tcPr>
-                </a:tc>
-                <a:extLst>
-                  <a:ext uri="{0D108BD9-81ED-4DB2-BD59-A6C34878D82A}">
-                    <a16:rowId xmlns:a16="http://schemas.microsoft.com/office/drawing/2014/main" val="2603767391"/>
-                  </a:ext>
-                </a:extLst>
-              </a:tr>
-              <a:tr h="365760">
-                <a:tc>
-                  <a:txBody>
-                    <a:bodyPr/>
-                    <a:lstStyle/>
-                    <a:p>
-                      <a:pPr algn="r" fontAlgn="ctr"/>
-                      <a:r>
-                        <a:rPr lang="en-US" sz="1200" b="1">
-                          <a:effectLst/>
-                          <a:latin typeface="Courier New" panose="02070309020205020404" pitchFamily="49" charset="0"/>
-                          <a:cs typeface="Courier New" panose="02070309020205020404" pitchFamily="49" charset="0"/>
-                        </a:rPr>
-                        <a:t>25%</a:t>
-                      </a:r>
-                    </a:p>
-                  </a:txBody>
-                  <a:tcPr anchor="ctr">
-                    <a:lnL>
-                      <a:noFill/>
-                    </a:lnL>
-                    <a:lnR>
-                      <a:noFill/>
-                    </a:lnR>
-                    <a:lnT>
-                      <a:noFill/>
-                    </a:lnT>
-                    <a:lnB>
-                      <a:noFill/>
-                    </a:lnB>
-                    <a:solidFill>
-                      <a:srgbClr val="F5F5F5"/>
-                    </a:solidFill>
                   </a:tcPr>
                 </a:tc>
                 <a:tc>
@@ -15295,33 +18044,44 @@
                     <a:bodyPr/>
                     <a:lstStyle/>
                     <a:p>
-                      <a:pPr algn="r" fontAlgn="ctr"/>
+                      <a:pPr algn="ctr" fontAlgn="ctr"/>
                       <a:r>
-                        <a:rPr lang="en-US" sz="1200">
+                        <a:rPr lang="en-US" sz="1400" b="0" i="0" u="none" strike="noStrike">
+                          <a:solidFill>
+                            <a:srgbClr val="000000"/>
+                          </a:solidFill>
                           <a:effectLst/>
-                          <a:latin typeface="Courier New" panose="02070309020205020404" pitchFamily="49" charset="0"/>
-                          <a:cs typeface="Courier New" panose="02070309020205020404" pitchFamily="49" charset="0"/>
+                          <a:latin typeface="Calibri" panose="020F0502020204030204" pitchFamily="34" charset="0"/>
                         </a:rPr>
-                        <a:t>1.00000</a:t>
+                        <a:t>6.02472209</a:t>
                       </a:r>
                     </a:p>
                   </a:txBody>
-                  <a:tcPr anchor="ctr">
+                  <a:tcPr marL="9525" marR="9525" marT="9525" marB="0" anchor="ctr">
                     <a:lnL>
                       <a:noFill/>
                     </a:lnL>
                     <a:lnR>
                       <a:noFill/>
                     </a:lnR>
-                    <a:lnT>
-                      <a:noFill/>
+                    <a:lnT w="6350" cap="flat" cmpd="sng" algn="ctr">
+                      <a:solidFill>
+                        <a:srgbClr val="C9C9C9"/>
+                      </a:solidFill>
+                      <a:prstDash val="solid"/>
+                      <a:round/>
+                      <a:headEnd type="none" w="med" len="med"/>
+                      <a:tailEnd type="none" w="med" len="med"/>
                     </a:lnT>
-                    <a:lnB>
-                      <a:noFill/>
+                    <a:lnB w="6350" cap="flat" cmpd="sng" algn="ctr">
+                      <a:solidFill>
+                        <a:srgbClr val="C9C9C9"/>
+                      </a:solidFill>
+                      <a:prstDash val="solid"/>
+                      <a:round/>
+                      <a:headEnd type="none" w="med" len="med"/>
+                      <a:tailEnd type="none" w="med" len="med"/>
                     </a:lnB>
-                    <a:solidFill>
-                      <a:srgbClr val="F5F5F5"/>
-                    </a:solidFill>
                   </a:tcPr>
                 </a:tc>
                 <a:tc>
@@ -15329,33 +18089,44 @@
                     <a:bodyPr/>
                     <a:lstStyle/>
                     <a:p>
-                      <a:pPr algn="r" fontAlgn="ctr"/>
+                      <a:pPr algn="ctr" fontAlgn="ctr"/>
                       <a:r>
-                        <a:rPr lang="en-US" sz="1200">
+                        <a:rPr lang="en-US" sz="1400" b="0" i="0" u="none" strike="noStrike">
+                          <a:solidFill>
+                            <a:srgbClr val="000000"/>
+                          </a:solidFill>
                           <a:effectLst/>
-                          <a:latin typeface="Courier New" panose="02070309020205020404" pitchFamily="49" charset="0"/>
-                          <a:cs typeface="Courier New" panose="02070309020205020404" pitchFamily="49" charset="0"/>
+                          <a:latin typeface="Calibri" panose="020F0502020204030204" pitchFamily="34" charset="0"/>
                         </a:rPr>
-                        <a:t>2.000000</a:t>
+                        <a:t>1</a:t>
                       </a:r>
                     </a:p>
                   </a:txBody>
-                  <a:tcPr anchor="ctr">
+                  <a:tcPr marL="9525" marR="9525" marT="9525" marB="0" anchor="ctr">
                     <a:lnL>
                       <a:noFill/>
                     </a:lnL>
                     <a:lnR>
                       <a:noFill/>
                     </a:lnR>
-                    <a:lnT>
-                      <a:noFill/>
+                    <a:lnT w="6350" cap="flat" cmpd="sng" algn="ctr">
+                      <a:solidFill>
+                        <a:srgbClr val="C9C9C9"/>
+                      </a:solidFill>
+                      <a:prstDash val="solid"/>
+                      <a:round/>
+                      <a:headEnd type="none" w="med" len="med"/>
+                      <a:tailEnd type="none" w="med" len="med"/>
                     </a:lnT>
-                    <a:lnB>
-                      <a:noFill/>
+                    <a:lnB w="6350" cap="flat" cmpd="sng" algn="ctr">
+                      <a:solidFill>
+                        <a:srgbClr val="C9C9C9"/>
+                      </a:solidFill>
+                      <a:prstDash val="solid"/>
+                      <a:round/>
+                      <a:headEnd type="none" w="med" len="med"/>
+                      <a:tailEnd type="none" w="med" len="med"/>
                     </a:lnB>
-                    <a:solidFill>
-                      <a:srgbClr val="F5F5F5"/>
-                    </a:solidFill>
                   </a:tcPr>
                 </a:tc>
                 <a:tc>
@@ -15363,33 +18134,44 @@
                     <a:bodyPr/>
                     <a:lstStyle/>
                     <a:p>
-                      <a:pPr algn="r" fontAlgn="ctr"/>
+                      <a:pPr algn="ctr" fontAlgn="ctr"/>
                       <a:r>
-                        <a:rPr lang="en-US" sz="1200">
+                        <a:rPr lang="en-US" sz="1400" b="0" i="0" u="none" strike="noStrike">
+                          <a:solidFill>
+                            <a:srgbClr val="000000"/>
+                          </a:solidFill>
                           <a:effectLst/>
-                          <a:latin typeface="Courier New" panose="02070309020205020404" pitchFamily="49" charset="0"/>
-                          <a:cs typeface="Courier New" panose="02070309020205020404" pitchFamily="49" charset="0"/>
+                          <a:latin typeface="Calibri" panose="020F0502020204030204" pitchFamily="34" charset="0"/>
                         </a:rPr>
-                        <a:t>85.000000</a:t>
+                        <a:t>1</a:t>
                       </a:r>
                     </a:p>
                   </a:txBody>
-                  <a:tcPr anchor="ctr">
+                  <a:tcPr marL="9525" marR="9525" marT="9525" marB="0" anchor="ctr">
                     <a:lnL>
                       <a:noFill/>
                     </a:lnL>
                     <a:lnR>
                       <a:noFill/>
                     </a:lnR>
-                    <a:lnT>
-                      <a:noFill/>
+                    <a:lnT w="6350" cap="flat" cmpd="sng" algn="ctr">
+                      <a:solidFill>
+                        <a:srgbClr val="C9C9C9"/>
+                      </a:solidFill>
+                      <a:prstDash val="solid"/>
+                      <a:round/>
+                      <a:headEnd type="none" w="med" len="med"/>
+                      <a:tailEnd type="none" w="med" len="med"/>
                     </a:lnT>
-                    <a:lnB>
-                      <a:noFill/>
+                    <a:lnB w="6350" cap="flat" cmpd="sng" algn="ctr">
+                      <a:solidFill>
+                        <a:srgbClr val="C9C9C9"/>
+                      </a:solidFill>
+                      <a:prstDash val="solid"/>
+                      <a:round/>
+                      <a:headEnd type="none" w="med" len="med"/>
+                      <a:tailEnd type="none" w="med" len="med"/>
                     </a:lnB>
-                    <a:solidFill>
-                      <a:srgbClr val="F5F5F5"/>
-                    </a:solidFill>
                   </a:tcPr>
                 </a:tc>
                 <a:tc>
@@ -15397,33 +18179,44 @@
                     <a:bodyPr/>
                     <a:lstStyle/>
                     <a:p>
-                      <a:pPr algn="r" fontAlgn="ctr"/>
+                      <a:pPr algn="ctr" fontAlgn="ctr"/>
                       <a:r>
-                        <a:rPr lang="en-US" sz="1200">
+                        <a:rPr lang="en-US" sz="1400" b="0" i="0" u="none" strike="noStrike">
+                          <a:solidFill>
+                            <a:srgbClr val="000000"/>
+                          </a:solidFill>
                           <a:effectLst/>
-                          <a:latin typeface="Courier New" panose="02070309020205020404" pitchFamily="49" charset="0"/>
-                          <a:cs typeface="Courier New" panose="02070309020205020404" pitchFamily="49" charset="0"/>
+                          <a:latin typeface="Calibri" panose="020F0502020204030204" pitchFamily="34" charset="0"/>
                         </a:rPr>
-                        <a:t>22.000000</a:t>
+                        <a:t>2</a:t>
                       </a:r>
                     </a:p>
                   </a:txBody>
-                  <a:tcPr anchor="ctr">
+                  <a:tcPr marL="9525" marR="9525" marT="9525" marB="0" anchor="ctr">
                     <a:lnL>
                       <a:noFill/>
                     </a:lnL>
                     <a:lnR>
                       <a:noFill/>
                     </a:lnR>
-                    <a:lnT>
-                      <a:noFill/>
+                    <a:lnT w="6350" cap="flat" cmpd="sng" algn="ctr">
+                      <a:solidFill>
+                        <a:srgbClr val="C9C9C9"/>
+                      </a:solidFill>
+                      <a:prstDash val="solid"/>
+                      <a:round/>
+                      <a:headEnd type="none" w="med" len="med"/>
+                      <a:tailEnd type="none" w="med" len="med"/>
                     </a:lnT>
-                    <a:lnB>
-                      <a:noFill/>
+                    <a:lnB w="6350" cap="flat" cmpd="sng" algn="ctr">
+                      <a:solidFill>
+                        <a:srgbClr val="C9C9C9"/>
+                      </a:solidFill>
+                      <a:prstDash val="solid"/>
+                      <a:round/>
+                      <a:headEnd type="none" w="med" len="med"/>
+                      <a:tailEnd type="none" w="med" len="med"/>
                     </a:lnB>
-                    <a:solidFill>
-                      <a:srgbClr val="F5F5F5"/>
-                    </a:solidFill>
                   </a:tcPr>
                 </a:tc>
                 <a:tc>
@@ -15431,33 +18224,44 @@
                     <a:bodyPr/>
                     <a:lstStyle/>
                     <a:p>
-                      <a:pPr algn="r" fontAlgn="ctr"/>
+                      <a:pPr algn="ctr" fontAlgn="ctr"/>
                       <a:r>
-                        <a:rPr lang="en-US" sz="1200">
+                        <a:rPr lang="en-US" sz="1400" b="0" i="0" u="none" strike="noStrike">
+                          <a:solidFill>
+                            <a:srgbClr val="000000"/>
+                          </a:solidFill>
                           <a:effectLst/>
-                          <a:latin typeface="Courier New" panose="02070309020205020404" pitchFamily="49" charset="0"/>
-                          <a:cs typeface="Courier New" panose="02070309020205020404" pitchFamily="49" charset="0"/>
+                          <a:latin typeface="Calibri" panose="020F0502020204030204" pitchFamily="34" charset="0"/>
                         </a:rPr>
-                        <a:t>7436.000000</a:t>
+                        <a:t>4</a:t>
                       </a:r>
                     </a:p>
                   </a:txBody>
-                  <a:tcPr anchor="ctr">
+                  <a:tcPr marL="9525" marR="9525" marT="9525" marB="0" anchor="ctr">
                     <a:lnL>
                       <a:noFill/>
                     </a:lnL>
                     <a:lnR>
                       <a:noFill/>
                     </a:lnR>
-                    <a:lnT>
-                      <a:noFill/>
+                    <a:lnT w="6350" cap="flat" cmpd="sng" algn="ctr">
+                      <a:solidFill>
+                        <a:srgbClr val="C9C9C9"/>
+                      </a:solidFill>
+                      <a:prstDash val="solid"/>
+                      <a:round/>
+                      <a:headEnd type="none" w="med" len="med"/>
+                      <a:tailEnd type="none" w="med" len="med"/>
                     </a:lnT>
-                    <a:lnB>
-                      <a:noFill/>
+                    <a:lnB w="6350" cap="flat" cmpd="sng" algn="ctr">
+                      <a:solidFill>
+                        <a:srgbClr val="C9C9C9"/>
+                      </a:solidFill>
+                      <a:prstDash val="solid"/>
+                      <a:round/>
+                      <a:headEnd type="none" w="med" len="med"/>
+                      <a:tailEnd type="none" w="med" len="med"/>
                     </a:lnB>
-                    <a:solidFill>
-                      <a:srgbClr val="F5F5F5"/>
-                    </a:solidFill>
                   </a:tcPr>
                 </a:tc>
                 <a:tc>
@@ -15465,1320 +18269,55 @@
                     <a:bodyPr/>
                     <a:lstStyle/>
                     <a:p>
-                      <a:pPr algn="r" fontAlgn="ctr"/>
+                      <a:pPr algn="ctr" fontAlgn="ctr"/>
                       <a:r>
-                        <a:rPr lang="en-US" sz="1200" dirty="0">
+                        <a:rPr lang="en-US" sz="1400" b="0" i="0" u="none" strike="noStrike" dirty="0">
+                          <a:solidFill>
+                            <a:srgbClr val="000000"/>
+                          </a:solidFill>
                           <a:effectLst/>
-                          <a:latin typeface="Courier New" panose="02070309020205020404" pitchFamily="49" charset="0"/>
-                          <a:cs typeface="Courier New" panose="02070309020205020404" pitchFamily="49" charset="0"/>
+                          <a:latin typeface="Calibri" panose="020F0502020204030204" pitchFamily="34" charset="0"/>
                         </a:rPr>
-                        <a:t>6923.000000</a:t>
+                        <a:t>107</a:t>
                       </a:r>
                     </a:p>
                   </a:txBody>
-                  <a:tcPr anchor="ctr">
+                  <a:tcPr marL="9525" marR="9525" marT="9525" marB="0" anchor="ctr">
                     <a:lnL>
                       <a:noFill/>
                     </a:lnL>
-                    <a:lnR>
-                      <a:noFill/>
+                    <a:lnR w="6350" cap="flat" cmpd="sng" algn="ctr">
+                      <a:solidFill>
+                        <a:srgbClr val="C9C9C9"/>
+                      </a:solidFill>
+                      <a:prstDash val="solid"/>
+                      <a:round/>
+                      <a:headEnd type="none" w="med" len="med"/>
+                      <a:tailEnd type="none" w="med" len="med"/>
                     </a:lnR>
-                    <a:lnT>
-                      <a:noFill/>
+                    <a:lnT w="6350" cap="flat" cmpd="sng" algn="ctr">
+                      <a:solidFill>
+                        <a:srgbClr val="C9C9C9"/>
+                      </a:solidFill>
+                      <a:prstDash val="solid"/>
+                      <a:round/>
+                      <a:headEnd type="none" w="med" len="med"/>
+                      <a:tailEnd type="none" w="med" len="med"/>
                     </a:lnT>
-                    <a:lnB>
-                      <a:noFill/>
+                    <a:lnB w="6350" cap="flat" cmpd="sng" algn="ctr">
+                      <a:solidFill>
+                        <a:srgbClr val="C9C9C9"/>
+                      </a:solidFill>
+                      <a:prstDash val="solid"/>
+                      <a:round/>
+                      <a:headEnd type="none" w="med" len="med"/>
+                      <a:tailEnd type="none" w="med" len="med"/>
                     </a:lnB>
-                    <a:solidFill>
-                      <a:srgbClr val="F5F5F5"/>
-                    </a:solidFill>
-                  </a:tcPr>
-                </a:tc>
-                <a:tc>
-                  <a:txBody>
-                    <a:bodyPr/>
-                    <a:lstStyle/>
-                    <a:p>
-                      <a:pPr algn="r" fontAlgn="ctr"/>
-                      <a:r>
-                        <a:rPr lang="en-US" sz="1200" dirty="0">
-                          <a:effectLst/>
-                          <a:latin typeface="Courier New" panose="02070309020205020404" pitchFamily="49" charset="0"/>
-                          <a:cs typeface="Courier New" panose="02070309020205020404" pitchFamily="49" charset="0"/>
-                        </a:rPr>
-                        <a:t>0.040000</a:t>
-                      </a:r>
-                    </a:p>
-                  </a:txBody>
-                  <a:tcPr anchor="ctr">
-                    <a:lnL>
-                      <a:noFill/>
-                    </a:lnL>
-                    <a:lnR>
-                      <a:noFill/>
-                    </a:lnR>
-                    <a:lnT>
-                      <a:noFill/>
-                    </a:lnT>
-                    <a:lnB>
-                      <a:noFill/>
-                    </a:lnB>
-                    <a:solidFill>
-                      <a:srgbClr val="F5F5F5"/>
-                    </a:solidFill>
-                  </a:tcPr>
-                </a:tc>
-                <a:tc>
-                  <a:txBody>
-                    <a:bodyPr/>
-                    <a:lstStyle/>
-                    <a:p>
-                      <a:pPr algn="r" fontAlgn="ctr"/>
-                      <a:r>
-                        <a:rPr lang="en-US" sz="1200" dirty="0">
-                          <a:effectLst/>
-                          <a:latin typeface="Courier New" panose="02070309020205020404" pitchFamily="49" charset="0"/>
-                          <a:cs typeface="Courier New" panose="02070309020205020404" pitchFamily="49" charset="0"/>
-                        </a:rPr>
-                        <a:t>0.120000</a:t>
-                      </a:r>
-                    </a:p>
-                  </a:txBody>
-                  <a:tcPr anchor="ctr">
-                    <a:lnL>
-                      <a:noFill/>
-                    </a:lnL>
-                    <a:lnR>
-                      <a:noFill/>
-                    </a:lnR>
-                    <a:lnT>
-                      <a:noFill/>
-                    </a:lnT>
-                    <a:lnB>
-                      <a:noFill/>
-                    </a:lnB>
-                    <a:solidFill>
-                      <a:srgbClr val="F5F5F5"/>
-                    </a:solidFill>
-                  </a:tcPr>
-                </a:tc>
-                <a:tc>
-                  <a:txBody>
-                    <a:bodyPr/>
-                    <a:lstStyle/>
-                    <a:p>
-                      <a:pPr algn="r" fontAlgn="ctr"/>
-                      <a:r>
-                        <a:rPr lang="en-US" sz="1200">
-                          <a:effectLst/>
-                          <a:latin typeface="Courier New" panose="02070309020205020404" pitchFamily="49" charset="0"/>
-                          <a:cs typeface="Courier New" panose="02070309020205020404" pitchFamily="49" charset="0"/>
-                        </a:rPr>
-                        <a:t>3.000000</a:t>
-                      </a:r>
-                    </a:p>
-                  </a:txBody>
-                  <a:tcPr anchor="ctr">
-                    <a:lnL>
-                      <a:noFill/>
-                    </a:lnL>
-                    <a:lnR>
-                      <a:noFill/>
-                    </a:lnR>
-                    <a:lnT>
-                      <a:noFill/>
-                    </a:lnT>
-                    <a:lnB>
-                      <a:noFill/>
-                    </a:lnB>
-                    <a:solidFill>
-                      <a:srgbClr val="F5F5F5"/>
-                    </a:solidFill>
-                  </a:tcPr>
-                </a:tc>
-                <a:tc>
-                  <a:txBody>
-                    <a:bodyPr/>
-                    <a:lstStyle/>
-                    <a:p>
-                      <a:pPr algn="r" fontAlgn="ctr"/>
-                      <a:r>
-                        <a:rPr lang="en-US" sz="1200">
-                          <a:effectLst/>
-                          <a:latin typeface="Courier New" panose="02070309020205020404" pitchFamily="49" charset="0"/>
-                          <a:cs typeface="Courier New" panose="02070309020205020404" pitchFamily="49" charset="0"/>
-                        </a:rPr>
-                        <a:t>1.000000</a:t>
-                      </a:r>
-                    </a:p>
-                  </a:txBody>
-                  <a:tcPr anchor="ctr">
-                    <a:lnL>
-                      <a:noFill/>
-                    </a:lnL>
-                    <a:lnR>
-                      <a:noFill/>
-                    </a:lnR>
-                    <a:lnT>
-                      <a:noFill/>
-                    </a:lnT>
-                    <a:lnB>
-                      <a:noFill/>
-                    </a:lnB>
-                    <a:solidFill>
-                      <a:srgbClr val="F5F5F5"/>
-                    </a:solidFill>
                   </a:tcPr>
                 </a:tc>
                 <a:extLst>
                   <a:ext uri="{0D108BD9-81ED-4DB2-BD59-A6C34878D82A}">
-                    <a16:rowId xmlns:a16="http://schemas.microsoft.com/office/drawing/2014/main" val="264143455"/>
-                  </a:ext>
-                </a:extLst>
-              </a:tr>
-              <a:tr h="365760">
-                <a:tc>
-                  <a:txBody>
-                    <a:bodyPr/>
-                    <a:lstStyle/>
-                    <a:p>
-                      <a:pPr algn="r" fontAlgn="ctr"/>
-                      <a:r>
-                        <a:rPr lang="en-US" sz="1200" b="1">
-                          <a:effectLst/>
-                          <a:latin typeface="Courier New" panose="02070309020205020404" pitchFamily="49" charset="0"/>
-                          <a:cs typeface="Courier New" panose="02070309020205020404" pitchFamily="49" charset="0"/>
-                        </a:rPr>
-                        <a:t>50%</a:t>
-                      </a:r>
-                    </a:p>
-                  </a:txBody>
-                  <a:tcPr anchor="ctr">
-                    <a:lnL>
-                      <a:noFill/>
-                    </a:lnL>
-                    <a:lnR>
-                      <a:noFill/>
-                    </a:lnR>
-                    <a:lnT>
-                      <a:noFill/>
-                    </a:lnT>
-                    <a:lnB>
-                      <a:noFill/>
-                    </a:lnB>
-                    <a:solidFill>
-                      <a:srgbClr val="FFFFFF"/>
-                    </a:solidFill>
-                  </a:tcPr>
-                </a:tc>
-                <a:tc>
-                  <a:txBody>
-                    <a:bodyPr/>
-                    <a:lstStyle/>
-                    <a:p>
-                      <a:pPr algn="r" fontAlgn="ctr"/>
-                      <a:r>
-                        <a:rPr lang="en-US" sz="1200">
-                          <a:effectLst/>
-                          <a:latin typeface="Courier New" panose="02070309020205020404" pitchFamily="49" charset="0"/>
-                          <a:cs typeface="Courier New" panose="02070309020205020404" pitchFamily="49" charset="0"/>
-                        </a:rPr>
-                        <a:t>2.10000</a:t>
-                      </a:r>
-                    </a:p>
-                  </a:txBody>
-                  <a:tcPr anchor="ctr">
-                    <a:lnL>
-                      <a:noFill/>
-                    </a:lnL>
-                    <a:lnR>
-                      <a:noFill/>
-                    </a:lnR>
-                    <a:lnT>
-                      <a:noFill/>
-                    </a:lnT>
-                    <a:lnB>
-                      <a:noFill/>
-                    </a:lnB>
-                    <a:solidFill>
-                      <a:srgbClr val="FFFFFF"/>
-                    </a:solidFill>
-                  </a:tcPr>
-                </a:tc>
-                <a:tc>
-                  <a:txBody>
-                    <a:bodyPr/>
-                    <a:lstStyle/>
-                    <a:p>
-                      <a:pPr algn="r" fontAlgn="ctr"/>
-                      <a:r>
-                        <a:rPr lang="en-US" sz="1200">
-                          <a:effectLst/>
-                          <a:latin typeface="Courier New" panose="02070309020205020404" pitchFamily="49" charset="0"/>
-                          <a:cs typeface="Courier New" panose="02070309020205020404" pitchFamily="49" charset="0"/>
-                        </a:rPr>
-                        <a:t>3.000000</a:t>
-                      </a:r>
-                    </a:p>
-                  </a:txBody>
-                  <a:tcPr anchor="ctr">
-                    <a:lnL>
-                      <a:noFill/>
-                    </a:lnL>
-                    <a:lnR>
-                      <a:noFill/>
-                    </a:lnR>
-                    <a:lnT>
-                      <a:noFill/>
-                    </a:lnT>
-                    <a:lnB>
-                      <a:noFill/>
-                    </a:lnB>
-                    <a:solidFill>
-                      <a:srgbClr val="FFFFFF"/>
-                    </a:solidFill>
-                  </a:tcPr>
-                </a:tc>
-                <a:tc>
-                  <a:txBody>
-                    <a:bodyPr/>
-                    <a:lstStyle/>
-                    <a:p>
-                      <a:pPr algn="r" fontAlgn="ctr"/>
-                      <a:r>
-                        <a:rPr lang="en-US" sz="1200">
-                          <a:effectLst/>
-                          <a:latin typeface="Courier New" panose="02070309020205020404" pitchFamily="49" charset="0"/>
-                          <a:cs typeface="Courier New" panose="02070309020205020404" pitchFamily="49" charset="0"/>
-                        </a:rPr>
-                        <a:t>329.000000</a:t>
-                      </a:r>
-                    </a:p>
-                  </a:txBody>
-                  <a:tcPr anchor="ctr">
-                    <a:lnL>
-                      <a:noFill/>
-                    </a:lnL>
-                    <a:lnR>
-                      <a:noFill/>
-                    </a:lnR>
-                    <a:lnT>
-                      <a:noFill/>
-                    </a:lnT>
-                    <a:lnB>
-                      <a:noFill/>
-                    </a:lnB>
-                    <a:solidFill>
-                      <a:srgbClr val="FFFFFF"/>
-                    </a:solidFill>
-                  </a:tcPr>
-                </a:tc>
-                <a:tc>
-                  <a:txBody>
-                    <a:bodyPr/>
-                    <a:lstStyle/>
-                    <a:p>
-                      <a:pPr algn="r" fontAlgn="ctr"/>
-                      <a:r>
-                        <a:rPr lang="en-US" sz="1200">
-                          <a:effectLst/>
-                          <a:latin typeface="Courier New" panose="02070309020205020404" pitchFamily="49" charset="0"/>
-                          <a:cs typeface="Courier New" panose="02070309020205020404" pitchFamily="49" charset="0"/>
-                        </a:rPr>
-                        <a:t>150.000000</a:t>
-                      </a:r>
-                    </a:p>
-                  </a:txBody>
-                  <a:tcPr anchor="ctr">
-                    <a:lnL>
-                      <a:noFill/>
-                    </a:lnL>
-                    <a:lnR>
-                      <a:noFill/>
-                    </a:lnR>
-                    <a:lnT>
-                      <a:noFill/>
-                    </a:lnT>
-                    <a:lnB>
-                      <a:noFill/>
-                    </a:lnB>
-                    <a:solidFill>
-                      <a:srgbClr val="FFFFFF"/>
-                    </a:solidFill>
-                  </a:tcPr>
-                </a:tc>
-                <a:tc>
-                  <a:txBody>
-                    <a:bodyPr/>
-                    <a:lstStyle/>
-                    <a:p>
-                      <a:pPr algn="r" fontAlgn="ctr"/>
-                      <a:r>
-                        <a:rPr lang="en-US" sz="1200">
-                          <a:effectLst/>
-                          <a:latin typeface="Courier New" panose="02070309020205020404" pitchFamily="49" charset="0"/>
-                          <a:cs typeface="Courier New" panose="02070309020205020404" pitchFamily="49" charset="0"/>
-                        </a:rPr>
-                        <a:t>9166.000000</a:t>
-                      </a:r>
-                    </a:p>
-                  </a:txBody>
-                  <a:tcPr anchor="ctr">
-                    <a:lnL>
-                      <a:noFill/>
-                    </a:lnL>
-                    <a:lnR>
-                      <a:noFill/>
-                    </a:lnR>
-                    <a:lnT>
-                      <a:noFill/>
-                    </a:lnT>
-                    <a:lnB>
-                      <a:noFill/>
-                    </a:lnB>
-                    <a:solidFill>
-                      <a:srgbClr val="FFFFFF"/>
-                    </a:solidFill>
-                  </a:tcPr>
-                </a:tc>
-                <a:tc>
-                  <a:txBody>
-                    <a:bodyPr/>
-                    <a:lstStyle/>
-                    <a:p>
-                      <a:pPr algn="r" fontAlgn="ctr"/>
-                      <a:r>
-                        <a:rPr lang="en-US" sz="1200">
-                          <a:effectLst/>
-                          <a:latin typeface="Courier New" panose="02070309020205020404" pitchFamily="49" charset="0"/>
-                          <a:cs typeface="Courier New" panose="02070309020205020404" pitchFamily="49" charset="0"/>
-                        </a:rPr>
-                        <a:t>8332.000000</a:t>
-                      </a:r>
-                    </a:p>
-                  </a:txBody>
-                  <a:tcPr anchor="ctr">
-                    <a:lnL>
-                      <a:noFill/>
-                    </a:lnL>
-                    <a:lnR>
-                      <a:noFill/>
-                    </a:lnR>
-                    <a:lnT>
-                      <a:noFill/>
-                    </a:lnT>
-                    <a:lnB>
-                      <a:noFill/>
-                    </a:lnB>
-                    <a:solidFill>
-                      <a:srgbClr val="FFFFFF"/>
-                    </a:solidFill>
-                  </a:tcPr>
-                </a:tc>
-                <a:tc>
-                  <a:txBody>
-                    <a:bodyPr/>
-                    <a:lstStyle/>
-                    <a:p>
-                      <a:pPr algn="r" fontAlgn="ctr"/>
-                      <a:r>
-                        <a:rPr lang="en-US" sz="1200" dirty="0">
-                          <a:effectLst/>
-                          <a:latin typeface="Courier New" panose="02070309020205020404" pitchFamily="49" charset="0"/>
-                          <a:cs typeface="Courier New" panose="02070309020205020404" pitchFamily="49" charset="0"/>
-                        </a:rPr>
-                        <a:t>0.060000</a:t>
-                      </a:r>
-                    </a:p>
-                  </a:txBody>
-                  <a:tcPr anchor="ctr">
-                    <a:lnL>
-                      <a:noFill/>
-                    </a:lnL>
-                    <a:lnR>
-                      <a:noFill/>
-                    </a:lnR>
-                    <a:lnT>
-                      <a:noFill/>
-                    </a:lnT>
-                    <a:lnB>
-                      <a:noFill/>
-                    </a:lnB>
-                    <a:solidFill>
-                      <a:srgbClr val="FFFFFF"/>
-                    </a:solidFill>
-                  </a:tcPr>
-                </a:tc>
-                <a:tc>
-                  <a:txBody>
-                    <a:bodyPr/>
-                    <a:lstStyle/>
-                    <a:p>
-                      <a:pPr algn="r" fontAlgn="ctr"/>
-                      <a:r>
-                        <a:rPr lang="en-US" sz="1200" dirty="0">
-                          <a:effectLst/>
-                          <a:latin typeface="Courier New" panose="02070309020205020404" pitchFamily="49" charset="0"/>
-                          <a:cs typeface="Courier New" panose="02070309020205020404" pitchFamily="49" charset="0"/>
-                        </a:rPr>
-                        <a:t>0.190000</a:t>
-                      </a:r>
-                    </a:p>
-                  </a:txBody>
-                  <a:tcPr anchor="ctr">
-                    <a:lnL>
-                      <a:noFill/>
-                    </a:lnL>
-                    <a:lnR>
-                      <a:noFill/>
-                    </a:lnR>
-                    <a:lnT>
-                      <a:noFill/>
-                    </a:lnT>
-                    <a:lnB>
-                      <a:noFill/>
-                    </a:lnB>
-                    <a:solidFill>
-                      <a:srgbClr val="FFFFFF"/>
-                    </a:solidFill>
-                  </a:tcPr>
-                </a:tc>
-                <a:tc>
-                  <a:txBody>
-                    <a:bodyPr/>
-                    <a:lstStyle/>
-                    <a:p>
-                      <a:pPr algn="r" fontAlgn="ctr"/>
-                      <a:r>
-                        <a:rPr lang="en-US" sz="1200">
-                          <a:effectLst/>
-                          <a:latin typeface="Courier New" panose="02070309020205020404" pitchFamily="49" charset="0"/>
-                          <a:cs typeface="Courier New" panose="02070309020205020404" pitchFamily="49" charset="0"/>
-                        </a:rPr>
-                        <a:t>3.800000</a:t>
-                      </a:r>
-                    </a:p>
-                  </a:txBody>
-                  <a:tcPr anchor="ctr">
-                    <a:lnL>
-                      <a:noFill/>
-                    </a:lnL>
-                    <a:lnR>
-                      <a:noFill/>
-                    </a:lnR>
-                    <a:lnT>
-                      <a:noFill/>
-                    </a:lnT>
-                    <a:lnB>
-                      <a:noFill/>
-                    </a:lnB>
-                    <a:solidFill>
-                      <a:srgbClr val="FFFFFF"/>
-                    </a:solidFill>
-                  </a:tcPr>
-                </a:tc>
-                <a:tc>
-                  <a:txBody>
-                    <a:bodyPr/>
-                    <a:lstStyle/>
-                    <a:p>
-                      <a:pPr algn="r" fontAlgn="ctr"/>
-                      <a:r>
-                        <a:rPr lang="en-US" sz="1200">
-                          <a:effectLst/>
-                          <a:latin typeface="Courier New" panose="02070309020205020404" pitchFamily="49" charset="0"/>
-                          <a:cs typeface="Courier New" panose="02070309020205020404" pitchFamily="49" charset="0"/>
-                        </a:rPr>
-                        <a:t>2.000000</a:t>
-                      </a:r>
-                    </a:p>
-                  </a:txBody>
-                  <a:tcPr anchor="ctr">
-                    <a:lnL>
-                      <a:noFill/>
-                    </a:lnL>
-                    <a:lnR>
-                      <a:noFill/>
-                    </a:lnR>
-                    <a:lnT>
-                      <a:noFill/>
-                    </a:lnT>
-                    <a:lnB>
-                      <a:noFill/>
-                    </a:lnB>
-                    <a:solidFill>
-                      <a:srgbClr val="FFFFFF"/>
-                    </a:solidFill>
-                  </a:tcPr>
-                </a:tc>
-                <a:extLst>
-                  <a:ext uri="{0D108BD9-81ED-4DB2-BD59-A6C34878D82A}">
-                    <a16:rowId xmlns:a16="http://schemas.microsoft.com/office/drawing/2014/main" val="2401091134"/>
-                  </a:ext>
-                </a:extLst>
-              </a:tr>
-              <a:tr h="640080">
-                <a:tc>
-                  <a:txBody>
-                    <a:bodyPr/>
-                    <a:lstStyle/>
-                    <a:p>
-                      <a:pPr algn="r" fontAlgn="ctr"/>
-                      <a:r>
-                        <a:rPr lang="en-US" sz="1200" b="1">
-                          <a:effectLst/>
-                          <a:latin typeface="Courier New" panose="02070309020205020404" pitchFamily="49" charset="0"/>
-                          <a:cs typeface="Courier New" panose="02070309020205020404" pitchFamily="49" charset="0"/>
-                        </a:rPr>
-                        <a:t>75%</a:t>
-                      </a:r>
-                    </a:p>
-                  </a:txBody>
-                  <a:tcPr anchor="ctr">
-                    <a:lnL>
-                      <a:noFill/>
-                    </a:lnL>
-                    <a:lnR>
-                      <a:noFill/>
-                    </a:lnR>
-                    <a:lnT>
-                      <a:noFill/>
-                    </a:lnT>
-                    <a:lnB>
-                      <a:noFill/>
-                    </a:lnB>
-                    <a:solidFill>
-                      <a:srgbClr val="FFFFFF"/>
-                    </a:solidFill>
-                  </a:tcPr>
-                </a:tc>
-                <a:tc>
-                  <a:txBody>
-                    <a:bodyPr/>
-                    <a:lstStyle/>
-                    <a:p>
-                      <a:pPr algn="r" fontAlgn="ctr"/>
-                      <a:r>
-                        <a:rPr lang="en-US" sz="1200">
-                          <a:effectLst/>
-                          <a:latin typeface="Courier New" panose="02070309020205020404" pitchFamily="49" charset="0"/>
-                          <a:cs typeface="Courier New" panose="02070309020205020404" pitchFamily="49" charset="0"/>
-                        </a:rPr>
-                        <a:t>4.30000</a:t>
-                      </a:r>
-                    </a:p>
-                  </a:txBody>
-                  <a:tcPr anchor="ctr">
-                    <a:lnL>
-                      <a:noFill/>
-                    </a:lnL>
-                    <a:lnR>
-                      <a:noFill/>
-                    </a:lnR>
-                    <a:lnT>
-                      <a:noFill/>
-                    </a:lnT>
-                    <a:lnB>
-                      <a:noFill/>
-                    </a:lnB>
-                    <a:solidFill>
-                      <a:srgbClr val="FFFFFF"/>
-                    </a:solidFill>
-                  </a:tcPr>
-                </a:tc>
-                <a:tc>
-                  <a:txBody>
-                    <a:bodyPr/>
-                    <a:lstStyle/>
-                    <a:p>
-                      <a:pPr algn="r" fontAlgn="ctr"/>
-                      <a:r>
-                        <a:rPr lang="en-US" sz="1200">
-                          <a:effectLst/>
-                          <a:latin typeface="Courier New" panose="02070309020205020404" pitchFamily="49" charset="0"/>
-                          <a:cs typeface="Courier New" panose="02070309020205020404" pitchFamily="49" charset="0"/>
-                        </a:rPr>
-                        <a:t>4.000000</a:t>
-                      </a:r>
-                    </a:p>
-                  </a:txBody>
-                  <a:tcPr anchor="ctr">
-                    <a:lnL>
-                      <a:noFill/>
-                    </a:lnL>
-                    <a:lnR>
-                      <a:noFill/>
-                    </a:lnR>
-                    <a:lnT>
-                      <a:noFill/>
-                    </a:lnT>
-                    <a:lnB>
-                      <a:noFill/>
-                    </a:lnB>
-                    <a:solidFill>
-                      <a:srgbClr val="FFFFFF"/>
-                    </a:solidFill>
-                  </a:tcPr>
-                </a:tc>
-                <a:tc>
-                  <a:txBody>
-                    <a:bodyPr/>
-                    <a:lstStyle/>
-                    <a:p>
-                      <a:pPr algn="r" fontAlgn="ctr"/>
-                      <a:r>
-                        <a:rPr lang="en-US" sz="1200" dirty="0">
-                          <a:effectLst/>
-                          <a:latin typeface="Courier New" panose="02070309020205020404" pitchFamily="49" charset="0"/>
-                          <a:cs typeface="Courier New" panose="02070309020205020404" pitchFamily="49" charset="0"/>
-                        </a:rPr>
-                        <a:t>1062.000000</a:t>
-                      </a:r>
-                    </a:p>
-                  </a:txBody>
-                  <a:tcPr anchor="ctr">
-                    <a:lnL>
-                      <a:noFill/>
-                    </a:lnL>
-                    <a:lnR>
-                      <a:noFill/>
-                    </a:lnR>
-                    <a:lnT>
-                      <a:noFill/>
-                    </a:lnT>
-                    <a:lnB>
-                      <a:noFill/>
-                    </a:lnB>
-                    <a:solidFill>
-                      <a:srgbClr val="FFFFFF"/>
-                    </a:solidFill>
-                  </a:tcPr>
-                </a:tc>
-                <a:tc>
-                  <a:txBody>
-                    <a:bodyPr/>
-                    <a:lstStyle/>
-                    <a:p>
-                      <a:pPr algn="r" fontAlgn="ctr"/>
-                      <a:r>
-                        <a:rPr lang="en-US" sz="1200">
-                          <a:effectLst/>
-                          <a:latin typeface="Courier New" panose="02070309020205020404" pitchFamily="49" charset="0"/>
-                          <a:cs typeface="Courier New" panose="02070309020205020404" pitchFamily="49" charset="0"/>
-                        </a:rPr>
-                        <a:t>532.000000</a:t>
-                      </a:r>
-                    </a:p>
-                  </a:txBody>
-                  <a:tcPr anchor="ctr">
-                    <a:lnL>
-                      <a:noFill/>
-                    </a:lnL>
-                    <a:lnR>
-                      <a:noFill/>
-                    </a:lnR>
-                    <a:lnT>
-                      <a:noFill/>
-                    </a:lnT>
-                    <a:lnB>
-                      <a:noFill/>
-                    </a:lnB>
-                    <a:solidFill>
-                      <a:srgbClr val="FFFFFF"/>
-                    </a:solidFill>
-                  </a:tcPr>
-                </a:tc>
-                <a:tc>
-                  <a:txBody>
-                    <a:bodyPr/>
-                    <a:lstStyle/>
-                    <a:p>
-                      <a:pPr algn="r" fontAlgn="ctr"/>
-                      <a:r>
-                        <a:rPr lang="en-US" sz="1200">
-                          <a:effectLst/>
-                          <a:latin typeface="Courier New" panose="02070309020205020404" pitchFamily="49" charset="0"/>
-                          <a:cs typeface="Courier New" panose="02070309020205020404" pitchFamily="49" charset="0"/>
-                        </a:rPr>
-                        <a:t>10694.000000</a:t>
-                      </a:r>
-                    </a:p>
-                  </a:txBody>
-                  <a:tcPr anchor="ctr">
-                    <a:lnL>
-                      <a:noFill/>
-                    </a:lnL>
-                    <a:lnR>
-                      <a:noFill/>
-                    </a:lnR>
-                    <a:lnT>
-                      <a:noFill/>
-                    </a:lnT>
-                    <a:lnB>
-                      <a:noFill/>
-                    </a:lnB>
-                    <a:solidFill>
-                      <a:srgbClr val="FFFFFF"/>
-                    </a:solidFill>
-                  </a:tcPr>
-                </a:tc>
-                <a:tc>
-                  <a:txBody>
-                    <a:bodyPr/>
-                    <a:lstStyle/>
-                    <a:p>
-                      <a:pPr algn="r" fontAlgn="ctr"/>
-                      <a:r>
-                        <a:rPr lang="en-US" sz="1200">
-                          <a:effectLst/>
-                          <a:latin typeface="Courier New" panose="02070309020205020404" pitchFamily="49" charset="0"/>
-                          <a:cs typeface="Courier New" panose="02070309020205020404" pitchFamily="49" charset="0"/>
-                        </a:rPr>
-                        <a:t>9413.000000</a:t>
-                      </a:r>
-                    </a:p>
-                  </a:txBody>
-                  <a:tcPr anchor="ctr">
-                    <a:lnL>
-                      <a:noFill/>
-                    </a:lnL>
-                    <a:lnR>
-                      <a:noFill/>
-                    </a:lnR>
-                    <a:lnT>
-                      <a:noFill/>
-                    </a:lnT>
-                    <a:lnB>
-                      <a:noFill/>
-                    </a:lnB>
-                    <a:solidFill>
-                      <a:srgbClr val="FFFFFF"/>
-                    </a:solidFill>
-                  </a:tcPr>
-                </a:tc>
-                <a:tc>
-                  <a:txBody>
-                    <a:bodyPr/>
-                    <a:lstStyle/>
-                    <a:p>
-                      <a:pPr algn="r" fontAlgn="ctr"/>
-                      <a:r>
-                        <a:rPr lang="en-US" sz="1200" dirty="0">
-                          <a:effectLst/>
-                          <a:latin typeface="Courier New" panose="02070309020205020404" pitchFamily="49" charset="0"/>
-                          <a:cs typeface="Courier New" panose="02070309020205020404" pitchFamily="49" charset="0"/>
-                        </a:rPr>
-                        <a:t>0.090000</a:t>
-                      </a:r>
-                    </a:p>
-                  </a:txBody>
-                  <a:tcPr anchor="ctr">
-                    <a:lnL>
-                      <a:noFill/>
-                    </a:lnL>
-                    <a:lnR>
-                      <a:noFill/>
-                    </a:lnR>
-                    <a:lnT>
-                      <a:noFill/>
-                    </a:lnT>
-                    <a:lnB>
-                      <a:noFill/>
-                    </a:lnB>
-                    <a:solidFill>
-                      <a:srgbClr val="FFFFFF"/>
-                    </a:solidFill>
-                  </a:tcPr>
-                </a:tc>
-                <a:tc>
-                  <a:txBody>
-                    <a:bodyPr/>
-                    <a:lstStyle/>
-                    <a:p>
-                      <a:pPr algn="r" fontAlgn="ctr"/>
-                      <a:r>
-                        <a:rPr lang="en-US" sz="1200" dirty="0">
-                          <a:effectLst/>
-                          <a:latin typeface="Courier New" panose="02070309020205020404" pitchFamily="49" charset="0"/>
-                          <a:cs typeface="Courier New" panose="02070309020205020404" pitchFamily="49" charset="0"/>
-                        </a:rPr>
-                        <a:t>0.280000</a:t>
-                      </a:r>
-                    </a:p>
-                  </a:txBody>
-                  <a:tcPr anchor="ctr">
-                    <a:lnL>
-                      <a:noFill/>
-                    </a:lnL>
-                    <a:lnR>
-                      <a:noFill/>
-                    </a:lnR>
-                    <a:lnT>
-                      <a:noFill/>
-                    </a:lnT>
-                    <a:lnB>
-                      <a:noFill/>
-                    </a:lnB>
-                    <a:solidFill>
-                      <a:srgbClr val="FFFFFF"/>
-                    </a:solidFill>
-                  </a:tcPr>
-                </a:tc>
-                <a:tc>
-                  <a:txBody>
-                    <a:bodyPr/>
-                    <a:lstStyle/>
-                    <a:p>
-                      <a:pPr algn="r" fontAlgn="ctr"/>
-                      <a:r>
-                        <a:rPr lang="en-US" sz="1200" dirty="0">
-                          <a:effectLst/>
-                          <a:latin typeface="Courier New" panose="02070309020205020404" pitchFamily="49" charset="0"/>
-                          <a:cs typeface="Courier New" panose="02070309020205020404" pitchFamily="49" charset="0"/>
-                        </a:rPr>
-                        <a:t>4.100000</a:t>
-                      </a:r>
-                    </a:p>
-                  </a:txBody>
-                  <a:tcPr anchor="ctr">
-                    <a:lnL>
-                      <a:noFill/>
-                    </a:lnL>
-                    <a:lnR>
-                      <a:noFill/>
-                    </a:lnR>
-                    <a:lnT>
-                      <a:noFill/>
-                    </a:lnT>
-                    <a:lnB>
-                      <a:noFill/>
-                    </a:lnB>
-                    <a:solidFill>
-                      <a:srgbClr val="FFFFFF"/>
-                    </a:solidFill>
-                  </a:tcPr>
-                </a:tc>
-                <a:tc>
-                  <a:txBody>
-                    <a:bodyPr/>
-                    <a:lstStyle/>
-                    <a:p>
-                      <a:pPr algn="r" fontAlgn="ctr"/>
-                      <a:r>
-                        <a:rPr lang="en-US" sz="1200">
-                          <a:effectLst/>
-                          <a:latin typeface="Courier New" panose="02070309020205020404" pitchFamily="49" charset="0"/>
-                          <a:cs typeface="Courier New" panose="02070309020205020404" pitchFamily="49" charset="0"/>
-                        </a:rPr>
-                        <a:t>4.000000</a:t>
-                      </a:r>
-                    </a:p>
-                  </a:txBody>
-                  <a:tcPr anchor="ctr">
-                    <a:lnL>
-                      <a:noFill/>
-                    </a:lnL>
-                    <a:lnR>
-                      <a:noFill/>
-                    </a:lnR>
-                    <a:lnT>
-                      <a:noFill/>
-                    </a:lnT>
-                    <a:lnB>
-                      <a:noFill/>
-                    </a:lnB>
-                    <a:solidFill>
-                      <a:srgbClr val="FFFFFF"/>
-                    </a:solidFill>
-                  </a:tcPr>
-                </a:tc>
-                <a:extLst>
-                  <a:ext uri="{0D108BD9-81ED-4DB2-BD59-A6C34878D82A}">
-                    <a16:rowId xmlns:a16="http://schemas.microsoft.com/office/drawing/2014/main" val="379085641"/>
-                  </a:ext>
-                </a:extLst>
-              </a:tr>
-              <a:tr h="640080">
-                <a:tc>
-                  <a:txBody>
-                    <a:bodyPr/>
-                    <a:lstStyle/>
-                    <a:p>
-                      <a:pPr algn="r" fontAlgn="ctr"/>
-                      <a:r>
-                        <a:rPr lang="en-US" sz="1200" b="1">
-                          <a:effectLst/>
-                          <a:latin typeface="Courier New" panose="02070309020205020404" pitchFamily="49" charset="0"/>
-                          <a:cs typeface="Courier New" panose="02070309020205020404" pitchFamily="49" charset="0"/>
-                        </a:rPr>
-                        <a:t>max</a:t>
-                      </a:r>
-                    </a:p>
-                  </a:txBody>
-                  <a:tcPr anchor="ctr">
-                    <a:lnL>
-                      <a:noFill/>
-                    </a:lnL>
-                    <a:lnR>
-                      <a:noFill/>
-                    </a:lnR>
-                    <a:lnT>
-                      <a:noFill/>
-                    </a:lnT>
-                    <a:lnB>
-                      <a:noFill/>
-                    </a:lnB>
-                    <a:solidFill>
-                      <a:srgbClr val="FFFFFF"/>
-                    </a:solidFill>
-                  </a:tcPr>
-                </a:tc>
-                <a:tc>
-                  <a:txBody>
-                    <a:bodyPr/>
-                    <a:lstStyle/>
-                    <a:p>
-                      <a:pPr algn="r" fontAlgn="ctr"/>
-                      <a:r>
-                        <a:rPr lang="en-US" sz="1200">
-                          <a:effectLst/>
-                          <a:latin typeface="Courier New" panose="02070309020205020404" pitchFamily="49" charset="0"/>
-                          <a:cs typeface="Courier New" panose="02070309020205020404" pitchFamily="49" charset="0"/>
-                        </a:rPr>
-                        <a:t>124.50000</a:t>
-                      </a:r>
-                    </a:p>
-                  </a:txBody>
-                  <a:tcPr anchor="ctr">
-                    <a:lnL>
-                      <a:noFill/>
-                    </a:lnL>
-                    <a:lnR>
-                      <a:noFill/>
-                    </a:lnR>
-                    <a:lnT>
-                      <a:noFill/>
-                    </a:lnT>
-                    <a:lnB>
-                      <a:noFill/>
-                    </a:lnB>
-                    <a:solidFill>
-                      <a:srgbClr val="FFFFFF"/>
-                    </a:solidFill>
-                  </a:tcPr>
-                </a:tc>
-                <a:tc>
-                  <a:txBody>
-                    <a:bodyPr/>
-                    <a:lstStyle/>
-                    <a:p>
-                      <a:pPr algn="r" fontAlgn="ctr"/>
-                      <a:r>
-                        <a:rPr lang="en-US" sz="1200">
-                          <a:effectLst/>
-                          <a:latin typeface="Courier New" panose="02070309020205020404" pitchFamily="49" charset="0"/>
-                          <a:cs typeface="Courier New" panose="02070309020205020404" pitchFamily="49" charset="0"/>
-                        </a:rPr>
-                        <a:t>5.000000</a:t>
-                      </a:r>
-                    </a:p>
-                  </a:txBody>
-                  <a:tcPr anchor="ctr">
-                    <a:lnL>
-                      <a:noFill/>
-                    </a:lnL>
-                    <a:lnR>
-                      <a:noFill/>
-                    </a:lnR>
-                    <a:lnT>
-                      <a:noFill/>
-                    </a:lnT>
-                    <a:lnB>
-                      <a:noFill/>
-                    </a:lnB>
-                    <a:solidFill>
-                      <a:srgbClr val="FFFFFF"/>
-                    </a:solidFill>
-                  </a:tcPr>
-                </a:tc>
-                <a:tc>
-                  <a:txBody>
-                    <a:bodyPr/>
-                    <a:lstStyle/>
-                    <a:p>
-                      <a:pPr algn="r" fontAlgn="ctr"/>
-                      <a:r>
-                        <a:rPr lang="en-US" sz="1200">
-                          <a:effectLst/>
-                          <a:latin typeface="Courier New" panose="02070309020205020404" pitchFamily="49" charset="0"/>
-                          <a:cs typeface="Courier New" panose="02070309020205020404" pitchFamily="49" charset="0"/>
-                        </a:rPr>
-                        <a:t>12176.000000</a:t>
-                      </a:r>
-                    </a:p>
-                  </a:txBody>
-                  <a:tcPr anchor="ctr">
-                    <a:lnL>
-                      <a:noFill/>
-                    </a:lnL>
-                    <a:lnR>
-                      <a:noFill/>
-                    </a:lnR>
-                    <a:lnT>
-                      <a:noFill/>
-                    </a:lnT>
-                    <a:lnB>
-                      <a:noFill/>
-                    </a:lnB>
-                    <a:solidFill>
-                      <a:srgbClr val="FFFFFF"/>
-                    </a:solidFill>
-                  </a:tcPr>
-                </a:tc>
-                <a:tc>
-                  <a:txBody>
-                    <a:bodyPr/>
-                    <a:lstStyle/>
-                    <a:p>
-                      <a:pPr algn="r" fontAlgn="ctr"/>
-                      <a:r>
-                        <a:rPr lang="en-US" sz="1200">
-                          <a:effectLst/>
-                          <a:latin typeface="Courier New" panose="02070309020205020404" pitchFamily="49" charset="0"/>
-                          <a:cs typeface="Courier New" panose="02070309020205020404" pitchFamily="49" charset="0"/>
-                        </a:rPr>
-                        <a:t>14031.000000</a:t>
-                      </a:r>
-                    </a:p>
-                  </a:txBody>
-                  <a:tcPr anchor="ctr">
-                    <a:lnL>
-                      <a:noFill/>
-                    </a:lnL>
-                    <a:lnR>
-                      <a:noFill/>
-                    </a:lnR>
-                    <a:lnT>
-                      <a:noFill/>
-                    </a:lnT>
-                    <a:lnB>
-                      <a:noFill/>
-                    </a:lnB>
-                    <a:solidFill>
-                      <a:srgbClr val="FFFFFF"/>
-                    </a:solidFill>
-                  </a:tcPr>
-                </a:tc>
-                <a:tc>
-                  <a:txBody>
-                    <a:bodyPr/>
-                    <a:lstStyle/>
-                    <a:p>
-                      <a:pPr algn="r" fontAlgn="ctr"/>
-                      <a:r>
-                        <a:rPr lang="en-US" sz="1200">
-                          <a:effectLst/>
-                          <a:latin typeface="Courier New" panose="02070309020205020404" pitchFamily="49" charset="0"/>
-                          <a:cs typeface="Courier New" panose="02070309020205020404" pitchFamily="49" charset="0"/>
-                        </a:rPr>
-                        <a:t>14416.000000</a:t>
-                      </a:r>
-                    </a:p>
-                  </a:txBody>
-                  <a:tcPr anchor="ctr">
-                    <a:lnL>
-                      <a:noFill/>
-                    </a:lnL>
-                    <a:lnR>
-                      <a:noFill/>
-                    </a:lnR>
-                    <a:lnT>
-                      <a:noFill/>
-                    </a:lnT>
-                    <a:lnB>
-                      <a:noFill/>
-                    </a:lnB>
-                    <a:solidFill>
-                      <a:srgbClr val="FFFFFF"/>
-                    </a:solidFill>
-                  </a:tcPr>
-                </a:tc>
-                <a:tc>
-                  <a:txBody>
-                    <a:bodyPr/>
-                    <a:lstStyle/>
-                    <a:p>
-                      <a:pPr algn="r" fontAlgn="ctr"/>
-                      <a:r>
-                        <a:rPr lang="en-US" sz="1200">
-                          <a:effectLst/>
-                          <a:latin typeface="Courier New" panose="02070309020205020404" pitchFamily="49" charset="0"/>
-                          <a:cs typeface="Courier New" panose="02070309020205020404" pitchFamily="49" charset="0"/>
-                        </a:rPr>
-                        <a:t>14131.000000</a:t>
-                      </a:r>
-                    </a:p>
-                  </a:txBody>
-                  <a:tcPr anchor="ctr">
-                    <a:lnL>
-                      <a:noFill/>
-                    </a:lnL>
-                    <a:lnR>
-                      <a:noFill/>
-                    </a:lnR>
-                    <a:lnT>
-                      <a:noFill/>
-                    </a:lnT>
-                    <a:lnB>
-                      <a:noFill/>
-                    </a:lnB>
-                    <a:solidFill>
-                      <a:srgbClr val="FFFFFF"/>
-                    </a:solidFill>
-                  </a:tcPr>
-                </a:tc>
-                <a:tc>
-                  <a:txBody>
-                    <a:bodyPr/>
-                    <a:lstStyle/>
-                    <a:p>
-                      <a:pPr algn="r" fontAlgn="ctr"/>
-                      <a:r>
-                        <a:rPr lang="en-US" sz="1200">
-                          <a:effectLst/>
-                          <a:latin typeface="Courier New" panose="02070309020205020404" pitchFamily="49" charset="0"/>
-                          <a:cs typeface="Courier New" panose="02070309020205020404" pitchFamily="49" charset="0"/>
-                        </a:rPr>
-                        <a:t>0.620000</a:t>
-                      </a:r>
-                    </a:p>
-                  </a:txBody>
-                  <a:tcPr anchor="ctr">
-                    <a:lnL>
-                      <a:noFill/>
-                    </a:lnL>
-                    <a:lnR>
-                      <a:noFill/>
-                    </a:lnR>
-                    <a:lnT>
-                      <a:noFill/>
-                    </a:lnT>
-                    <a:lnB>
-                      <a:noFill/>
-                    </a:lnB>
-                    <a:solidFill>
-                      <a:srgbClr val="FFFFFF"/>
-                    </a:solidFill>
-                  </a:tcPr>
-                </a:tc>
-                <a:tc>
-                  <a:txBody>
-                    <a:bodyPr/>
-                    <a:lstStyle/>
-                    <a:p>
-                      <a:pPr algn="r" fontAlgn="ctr"/>
-                      <a:r>
-                        <a:rPr lang="en-US" sz="1200" dirty="0">
-                          <a:effectLst/>
-                          <a:latin typeface="Courier New" panose="02070309020205020404" pitchFamily="49" charset="0"/>
-                          <a:cs typeface="Courier New" panose="02070309020205020404" pitchFamily="49" charset="0"/>
-                        </a:rPr>
-                        <a:t>1.560000</a:t>
-                      </a:r>
-                    </a:p>
-                  </a:txBody>
-                  <a:tcPr anchor="ctr">
-                    <a:lnL>
-                      <a:noFill/>
-                    </a:lnL>
-                    <a:lnR>
-                      <a:noFill/>
-                    </a:lnR>
-                    <a:lnT>
-                      <a:noFill/>
-                    </a:lnT>
-                    <a:lnB>
-                      <a:noFill/>
-                    </a:lnB>
-                    <a:solidFill>
-                      <a:srgbClr val="FFFFFF"/>
-                    </a:solidFill>
-                  </a:tcPr>
-                </a:tc>
-                <a:tc>
-                  <a:txBody>
-                    <a:bodyPr/>
-                    <a:lstStyle/>
-                    <a:p>
-                      <a:pPr algn="r" fontAlgn="ctr"/>
-                      <a:r>
-                        <a:rPr lang="en-US" sz="1200" dirty="0">
-                          <a:effectLst/>
-                          <a:latin typeface="Courier New" panose="02070309020205020404" pitchFamily="49" charset="0"/>
-                          <a:cs typeface="Courier New" panose="02070309020205020404" pitchFamily="49" charset="0"/>
-                        </a:rPr>
-                        <a:t>5.000000</a:t>
-                      </a:r>
-                    </a:p>
-                  </a:txBody>
-                  <a:tcPr anchor="ctr">
-                    <a:lnL>
-                      <a:noFill/>
-                    </a:lnL>
-                    <a:lnR>
-                      <a:noFill/>
-                    </a:lnR>
-                    <a:lnT>
-                      <a:noFill/>
-                    </a:lnT>
-                    <a:lnB>
-                      <a:noFill/>
-                    </a:lnB>
-                    <a:solidFill>
-                      <a:srgbClr val="FFFFFF"/>
-                    </a:solidFill>
-                  </a:tcPr>
-                </a:tc>
-                <a:tc>
-                  <a:txBody>
-                    <a:bodyPr/>
-                    <a:lstStyle/>
-                    <a:p>
-                      <a:pPr algn="r" fontAlgn="ctr"/>
-                      <a:r>
-                        <a:rPr lang="en-US" sz="1200" b="1" dirty="0">
-                          <a:solidFill>
-                            <a:srgbClr val="0070C0"/>
-                          </a:solidFill>
-                          <a:effectLst/>
-                          <a:latin typeface="Courier New" panose="02070309020205020404" pitchFamily="49" charset="0"/>
-                          <a:cs typeface="Courier New" panose="02070309020205020404" pitchFamily="49" charset="0"/>
-                        </a:rPr>
-                        <a:t>107.000000</a:t>
-                      </a:r>
-                    </a:p>
-                  </a:txBody>
-                  <a:tcPr anchor="ctr">
-                    <a:lnL>
-                      <a:noFill/>
-                    </a:lnL>
-                    <a:lnR>
-                      <a:noFill/>
-                    </a:lnR>
-                    <a:lnT>
-                      <a:noFill/>
-                    </a:lnT>
-                    <a:lnB>
-                      <a:noFill/>
-                    </a:lnB>
-                    <a:solidFill>
-                      <a:srgbClr val="FFFFFF"/>
-                    </a:solidFill>
-                  </a:tcPr>
-                </a:tc>
-                <a:extLst>
-                  <a:ext uri="{0D108BD9-81ED-4DB2-BD59-A6C34878D82A}">
-                    <a16:rowId xmlns:a16="http://schemas.microsoft.com/office/drawing/2014/main" val="480571440"/>
+                    <a16:rowId xmlns:a16="http://schemas.microsoft.com/office/drawing/2014/main" val="711867008"/>
                   </a:ext>
                 </a:extLst>
               </a:tr>

--- a/HikingPresentation.pptx
+++ b/HikingPresentation.pptx
@@ -15,8 +15,8 @@
     <p:sldId id="266" r:id="rId9"/>
     <p:sldId id="260" r:id="rId10"/>
     <p:sldId id="261" r:id="rId11"/>
-    <p:sldId id="270" r:id="rId12"/>
-    <p:sldId id="267" r:id="rId13"/>
+    <p:sldId id="267" r:id="rId12"/>
+    <p:sldId id="270" r:id="rId13"/>
     <p:sldId id="268" r:id="rId14"/>
     <p:sldId id="271" r:id="rId15"/>
     <p:sldId id="269" r:id="rId16"/>
@@ -3616,7 +3616,7 @@
           <a:p>
             <a:fld id="{72345051-2045-45DA-935E-2E3CA1A69ADC}" type="datetimeFigureOut">
               <a:rPr lang="en-US" smtClean="0"/>
-              <a:t>2/28/23</a:t>
+              <a:t>3/2/23</a:t>
             </a:fld>
             <a:endParaRPr lang="en-US" dirty="0"/>
           </a:p>
@@ -3814,7 +3814,7 @@
           <a:p>
             <a:fld id="{72345051-2045-45DA-935E-2E3CA1A69ADC}" type="datetimeFigureOut">
               <a:rPr lang="en-US" smtClean="0"/>
-              <a:t>2/28/23</a:t>
+              <a:t>3/2/23</a:t>
             </a:fld>
             <a:endParaRPr lang="en-US"/>
           </a:p>
@@ -4022,7 +4022,7 @@
           <a:p>
             <a:fld id="{72345051-2045-45DA-935E-2E3CA1A69ADC}" type="datetimeFigureOut">
               <a:rPr lang="en-US" smtClean="0"/>
-              <a:t>2/28/23</a:t>
+              <a:t>3/2/23</a:t>
             </a:fld>
             <a:endParaRPr lang="en-US"/>
           </a:p>
@@ -4244,7 +4244,7 @@
           <a:p>
             <a:fld id="{72345051-2045-45DA-935E-2E3CA1A69ADC}" type="datetimeFigureOut">
               <a:rPr lang="en-US" smtClean="0"/>
-              <a:t>2/28/23</a:t>
+              <a:t>3/2/23</a:t>
             </a:fld>
             <a:endParaRPr lang="en-US"/>
           </a:p>
@@ -5155,7 +5155,7 @@
           <a:p>
             <a:fld id="{72345051-2045-45DA-935E-2E3CA1A69ADC}" type="datetimeFigureOut">
               <a:rPr lang="en-US" smtClean="0"/>
-              <a:t>2/28/23</a:t>
+              <a:t>3/2/23</a:t>
             </a:fld>
             <a:endParaRPr lang="en-US"/>
           </a:p>
@@ -5758,7 +5758,7 @@
           <a:p>
             <a:fld id="{72345051-2045-45DA-935E-2E3CA1A69ADC}" type="datetimeFigureOut">
               <a:rPr lang="en-US" smtClean="0"/>
-              <a:t>2/28/23</a:t>
+              <a:t>3/2/23</a:t>
             </a:fld>
             <a:endParaRPr lang="en-US"/>
           </a:p>
@@ -6806,7 +6806,7 @@
           <a:p>
             <a:fld id="{72345051-2045-45DA-935E-2E3CA1A69ADC}" type="datetimeFigureOut">
               <a:rPr lang="en-US" smtClean="0"/>
-              <a:t>2/28/23</a:t>
+              <a:t>3/2/23</a:t>
             </a:fld>
             <a:endParaRPr lang="en-US"/>
           </a:p>
@@ -7590,7 +7590,7 @@
           <a:p>
             <a:fld id="{72345051-2045-45DA-935E-2E3CA1A69ADC}" type="datetimeFigureOut">
               <a:rPr lang="en-US" smtClean="0"/>
-              <a:t>2/28/23</a:t>
+              <a:t>3/2/23</a:t>
             </a:fld>
             <a:endParaRPr lang="en-US"/>
           </a:p>
@@ -8039,7 +8039,7 @@
           <a:p>
             <a:fld id="{72345051-2045-45DA-935E-2E3CA1A69ADC}" type="datetimeFigureOut">
               <a:rPr lang="en-US" smtClean="0"/>
-              <a:t>2/28/23</a:t>
+              <a:t>3/2/23</a:t>
             </a:fld>
             <a:endParaRPr lang="en-US"/>
           </a:p>
@@ -8356,7 +8356,7 @@
           <a:p>
             <a:fld id="{72345051-2045-45DA-935E-2E3CA1A69ADC}" type="datetimeFigureOut">
               <a:rPr lang="en-US" smtClean="0"/>
-              <a:t>2/28/23</a:t>
+              <a:t>3/2/23</a:t>
             </a:fld>
             <a:endParaRPr lang="en-US"/>
           </a:p>
@@ -8984,7 +8984,7 @@
           <a:p>
             <a:fld id="{72345051-2045-45DA-935E-2E3CA1A69ADC}" type="datetimeFigureOut">
               <a:rPr lang="en-US" smtClean="0"/>
-              <a:t>2/28/23</a:t>
+              <a:t>3/2/23</a:t>
             </a:fld>
             <a:endParaRPr lang="en-US"/>
           </a:p>
@@ -9557,7 +9557,7 @@
           <a:p>
             <a:fld id="{72345051-2045-45DA-935E-2E3CA1A69ADC}" type="datetimeFigureOut">
               <a:rPr lang="en-US" smtClean="0"/>
-              <a:t>2/28/23</a:t>
+              <a:t>3/2/23</a:t>
             </a:fld>
             <a:endParaRPr lang="en-US" dirty="0"/>
           </a:p>
@@ -10743,6 +10743,96 @@
           <p:cNvPr id="2" name="Title 1">
             <a:extLst>
               <a:ext uri="{FF2B5EF4-FFF2-40B4-BE49-F238E27FC236}">
+                <a16:creationId xmlns:a16="http://schemas.microsoft.com/office/drawing/2014/main" id="{A199E490-57F3-C405-FEF8-FA06B3760EE6}"/>
+              </a:ext>
+            </a:extLst>
+          </p:cNvPr>
+          <p:cNvSpPr>
+            <a:spLocks noGrp="1"/>
+          </p:cNvSpPr>
+          <p:nvPr>
+            <p:ph type="title"/>
+          </p:nvPr>
+        </p:nvSpPr>
+        <p:spPr/>
+        <p:txBody>
+          <a:bodyPr/>
+          <a:lstStyle/>
+          <a:p>
+            <a:r>
+              <a:rPr lang="en-US" dirty="0"/>
+              <a:t>Visualizations</a:t>
+            </a:r>
+          </a:p>
+        </p:txBody>
+      </p:sp>
+      <p:pic>
+        <p:nvPicPr>
+          <p:cNvPr id="5" name="Content Placeholder 4">
+            <a:extLst>
+              <a:ext uri="{FF2B5EF4-FFF2-40B4-BE49-F238E27FC236}">
+                <a16:creationId xmlns:a16="http://schemas.microsoft.com/office/drawing/2014/main" id="{BA1219F8-B46C-5481-C91D-7993E8290315}"/>
+              </a:ext>
+            </a:extLst>
+          </p:cNvPr>
+          <p:cNvPicPr>
+            <a:picLocks noGrp="1" noChangeAspect="1"/>
+          </p:cNvPicPr>
+          <p:nvPr>
+            <p:ph idx="1"/>
+          </p:nvPr>
+        </p:nvPicPr>
+        <p:blipFill>
+          <a:blip r:embed="rId2"/>
+          <a:stretch>
+            <a:fillRect/>
+          </a:stretch>
+        </p:blipFill>
+        <p:spPr>
+          <a:xfrm>
+            <a:off x="3193956" y="2001616"/>
+            <a:ext cx="5804088" cy="4491259"/>
+          </a:xfrm>
+          <a:prstGeom prst="rect">
+            <a:avLst/>
+          </a:prstGeom>
+        </p:spPr>
+      </p:pic>
+    </p:spTree>
+    <p:extLst>
+      <p:ext uri="{BB962C8B-B14F-4D97-AF65-F5344CB8AC3E}">
+        <p14:creationId xmlns:p14="http://schemas.microsoft.com/office/powerpoint/2010/main" val="2487562948"/>
+      </p:ext>
+    </p:extLst>
+  </p:cSld>
+  <p:clrMapOvr>
+    <a:masterClrMapping/>
+  </p:clrMapOvr>
+</p:sld>
+</file>
+
+<file path=ppt/slides/slide12.xml><?xml version="1.0" encoding="utf-8"?>
+<p:sld xmlns:a="http://schemas.openxmlformats.org/drawingml/2006/main" xmlns:r="http://schemas.openxmlformats.org/officeDocument/2006/relationships" xmlns:p="http://schemas.openxmlformats.org/presentationml/2006/main">
+  <p:cSld>
+    <p:spTree>
+      <p:nvGrpSpPr>
+        <p:cNvPr id="1" name=""/>
+        <p:cNvGrpSpPr/>
+        <p:nvPr/>
+      </p:nvGrpSpPr>
+      <p:grpSpPr>
+        <a:xfrm>
+          <a:off x="0" y="0"/>
+          <a:ext cx="0" cy="0"/>
+          <a:chOff x="0" y="0"/>
+          <a:chExt cx="0" cy="0"/>
+        </a:xfrm>
+      </p:grpSpPr>
+      <p:sp>
+        <p:nvSpPr>
+          <p:cNvPr id="2" name="Title 1">
+            <a:extLst>
+              <a:ext uri="{FF2B5EF4-FFF2-40B4-BE49-F238E27FC236}">
                 <a16:creationId xmlns:a16="http://schemas.microsoft.com/office/drawing/2014/main" id="{4574AF5D-D862-3FC2-D21E-3FFA30967A16}"/>
               </a:ext>
             </a:extLst>
@@ -10803,96 +10893,6 @@
     <p:extLst>
       <p:ext uri="{BB962C8B-B14F-4D97-AF65-F5344CB8AC3E}">
         <p14:creationId xmlns:p14="http://schemas.microsoft.com/office/powerpoint/2010/main" val="2086798783"/>
-      </p:ext>
-    </p:extLst>
-  </p:cSld>
-  <p:clrMapOvr>
-    <a:masterClrMapping/>
-  </p:clrMapOvr>
-</p:sld>
-</file>
-
-<file path=ppt/slides/slide12.xml><?xml version="1.0" encoding="utf-8"?>
-<p:sld xmlns:a="http://schemas.openxmlformats.org/drawingml/2006/main" xmlns:r="http://schemas.openxmlformats.org/officeDocument/2006/relationships" xmlns:p="http://schemas.openxmlformats.org/presentationml/2006/main">
-  <p:cSld>
-    <p:spTree>
-      <p:nvGrpSpPr>
-        <p:cNvPr id="1" name=""/>
-        <p:cNvGrpSpPr/>
-        <p:nvPr/>
-      </p:nvGrpSpPr>
-      <p:grpSpPr>
-        <a:xfrm>
-          <a:off x="0" y="0"/>
-          <a:ext cx="0" cy="0"/>
-          <a:chOff x="0" y="0"/>
-          <a:chExt cx="0" cy="0"/>
-        </a:xfrm>
-      </p:grpSpPr>
-      <p:sp>
-        <p:nvSpPr>
-          <p:cNvPr id="2" name="Title 1">
-            <a:extLst>
-              <a:ext uri="{FF2B5EF4-FFF2-40B4-BE49-F238E27FC236}">
-                <a16:creationId xmlns:a16="http://schemas.microsoft.com/office/drawing/2014/main" id="{A199E490-57F3-C405-FEF8-FA06B3760EE6}"/>
-              </a:ext>
-            </a:extLst>
-          </p:cNvPr>
-          <p:cNvSpPr>
-            <a:spLocks noGrp="1"/>
-          </p:cNvSpPr>
-          <p:nvPr>
-            <p:ph type="title"/>
-          </p:nvPr>
-        </p:nvSpPr>
-        <p:spPr/>
-        <p:txBody>
-          <a:bodyPr/>
-          <a:lstStyle/>
-          <a:p>
-            <a:r>
-              <a:rPr lang="en-US" dirty="0"/>
-              <a:t>Visualizations</a:t>
-            </a:r>
-          </a:p>
-        </p:txBody>
-      </p:sp>
-      <p:pic>
-        <p:nvPicPr>
-          <p:cNvPr id="5" name="Content Placeholder 4">
-            <a:extLst>
-              <a:ext uri="{FF2B5EF4-FFF2-40B4-BE49-F238E27FC236}">
-                <a16:creationId xmlns:a16="http://schemas.microsoft.com/office/drawing/2014/main" id="{BA1219F8-B46C-5481-C91D-7993E8290315}"/>
-              </a:ext>
-            </a:extLst>
-          </p:cNvPr>
-          <p:cNvPicPr>
-            <a:picLocks noGrp="1" noChangeAspect="1"/>
-          </p:cNvPicPr>
-          <p:nvPr>
-            <p:ph idx="1"/>
-          </p:nvPr>
-        </p:nvPicPr>
-        <p:blipFill>
-          <a:blip r:embed="rId2"/>
-          <a:stretch>
-            <a:fillRect/>
-          </a:stretch>
-        </p:blipFill>
-        <p:spPr>
-          <a:xfrm>
-            <a:off x="3193956" y="2001616"/>
-            <a:ext cx="5804088" cy="4491259"/>
-          </a:xfrm>
-          <a:prstGeom prst="rect">
-            <a:avLst/>
-          </a:prstGeom>
-        </p:spPr>
-      </p:pic>
-    </p:spTree>
-    <p:extLst>
-      <p:ext uri="{BB962C8B-B14F-4D97-AF65-F5344CB8AC3E}">
-        <p14:creationId xmlns:p14="http://schemas.microsoft.com/office/powerpoint/2010/main" val="2487562948"/>
       </p:ext>
     </p:extLst>
   </p:cSld>

--- a/HikingPresentation.pptx
+++ b/HikingPresentation.pptx
@@ -17,8 +17,9 @@
     <p:sldId id="261" r:id="rId11"/>
     <p:sldId id="267" r:id="rId12"/>
     <p:sldId id="268" r:id="rId13"/>
-    <p:sldId id="269" r:id="rId14"/>
-    <p:sldId id="262" r:id="rId15"/>
+    <p:sldId id="271" r:id="rId14"/>
+    <p:sldId id="269" r:id="rId15"/>
+    <p:sldId id="262" r:id="rId16"/>
   </p:sldIdLst>
   <p:sldSz cx="12192000" cy="6858000"/>
   <p:notesSz cx="6858000" cy="9144000"/>
@@ -3614,7 +3615,7 @@
           <a:p>
             <a:fld id="{72345051-2045-45DA-935E-2E3CA1A69ADC}" type="datetimeFigureOut">
               <a:rPr lang="en-US" smtClean="0"/>
-              <a:t>2/27/23</a:t>
+              <a:t>3/5/23</a:t>
             </a:fld>
             <a:endParaRPr lang="en-US" dirty="0"/>
           </a:p>
@@ -3812,7 +3813,7 @@
           <a:p>
             <a:fld id="{72345051-2045-45DA-935E-2E3CA1A69ADC}" type="datetimeFigureOut">
               <a:rPr lang="en-US" smtClean="0"/>
-              <a:t>2/27/23</a:t>
+              <a:t>3/5/23</a:t>
             </a:fld>
             <a:endParaRPr lang="en-US"/>
           </a:p>
@@ -4020,7 +4021,7 @@
           <a:p>
             <a:fld id="{72345051-2045-45DA-935E-2E3CA1A69ADC}" type="datetimeFigureOut">
               <a:rPr lang="en-US" smtClean="0"/>
-              <a:t>2/27/23</a:t>
+              <a:t>3/5/23</a:t>
             </a:fld>
             <a:endParaRPr lang="en-US"/>
           </a:p>
@@ -4242,7 +4243,7 @@
           <a:p>
             <a:fld id="{72345051-2045-45DA-935E-2E3CA1A69ADC}" type="datetimeFigureOut">
               <a:rPr lang="en-US" smtClean="0"/>
-              <a:t>2/27/23</a:t>
+              <a:t>3/5/23</a:t>
             </a:fld>
             <a:endParaRPr lang="en-US"/>
           </a:p>
@@ -5153,7 +5154,7 @@
           <a:p>
             <a:fld id="{72345051-2045-45DA-935E-2E3CA1A69ADC}" type="datetimeFigureOut">
               <a:rPr lang="en-US" smtClean="0"/>
-              <a:t>2/27/23</a:t>
+              <a:t>3/5/23</a:t>
             </a:fld>
             <a:endParaRPr lang="en-US"/>
           </a:p>
@@ -5756,7 +5757,7 @@
           <a:p>
             <a:fld id="{72345051-2045-45DA-935E-2E3CA1A69ADC}" type="datetimeFigureOut">
               <a:rPr lang="en-US" smtClean="0"/>
-              <a:t>2/27/23</a:t>
+              <a:t>3/5/23</a:t>
             </a:fld>
             <a:endParaRPr lang="en-US"/>
           </a:p>
@@ -6804,7 +6805,7 @@
           <a:p>
             <a:fld id="{72345051-2045-45DA-935E-2E3CA1A69ADC}" type="datetimeFigureOut">
               <a:rPr lang="en-US" smtClean="0"/>
-              <a:t>2/27/23</a:t>
+              <a:t>3/5/23</a:t>
             </a:fld>
             <a:endParaRPr lang="en-US"/>
           </a:p>
@@ -7588,7 +7589,7 @@
           <a:p>
             <a:fld id="{72345051-2045-45DA-935E-2E3CA1A69ADC}" type="datetimeFigureOut">
               <a:rPr lang="en-US" smtClean="0"/>
-              <a:t>2/27/23</a:t>
+              <a:t>3/5/23</a:t>
             </a:fld>
             <a:endParaRPr lang="en-US"/>
           </a:p>
@@ -8037,7 +8038,7 @@
           <a:p>
             <a:fld id="{72345051-2045-45DA-935E-2E3CA1A69ADC}" type="datetimeFigureOut">
               <a:rPr lang="en-US" smtClean="0"/>
-              <a:t>2/27/23</a:t>
+              <a:t>3/5/23</a:t>
             </a:fld>
             <a:endParaRPr lang="en-US"/>
           </a:p>
@@ -8354,7 +8355,7 @@
           <a:p>
             <a:fld id="{72345051-2045-45DA-935E-2E3CA1A69ADC}" type="datetimeFigureOut">
               <a:rPr lang="en-US" smtClean="0"/>
-              <a:t>2/27/23</a:t>
+              <a:t>3/5/23</a:t>
             </a:fld>
             <a:endParaRPr lang="en-US"/>
           </a:p>
@@ -8982,7 +8983,7 @@
           <a:p>
             <a:fld id="{72345051-2045-45DA-935E-2E3CA1A69ADC}" type="datetimeFigureOut">
               <a:rPr lang="en-US" smtClean="0"/>
-              <a:t>2/27/23</a:t>
+              <a:t>3/5/23</a:t>
             </a:fld>
             <a:endParaRPr lang="en-US"/>
           </a:p>
@@ -9555,7 +9556,7 @@
           <a:p>
             <a:fld id="{72345051-2045-45DA-935E-2E3CA1A69ADC}" type="datetimeFigureOut">
               <a:rPr lang="en-US" smtClean="0"/>
-              <a:t>2/27/23</a:t>
+              <a:t>3/5/23</a:t>
             </a:fld>
             <a:endParaRPr lang="en-US" dirty="0"/>
           </a:p>
@@ -10850,10 +10851,10 @@
       </p:sp>
       <p:pic>
         <p:nvPicPr>
-          <p:cNvPr id="7" name="Content Placeholder 6" descr="Chart, box and whisker chart&#10;&#10;Description automatically generated">
+          <p:cNvPr id="5" name="Content Placeholder 4">
             <a:extLst>
               <a:ext uri="{FF2B5EF4-FFF2-40B4-BE49-F238E27FC236}">
-                <a16:creationId xmlns:a16="http://schemas.microsoft.com/office/drawing/2014/main" id="{21106AB9-0B1F-654F-C1A7-8A36EA91AACE}"/>
+                <a16:creationId xmlns:a16="http://schemas.microsoft.com/office/drawing/2014/main" id="{1BFF2C39-C627-F1FC-4873-13DE9CFB8BB1}"/>
               </a:ext>
             </a:extLst>
           </p:cNvPr>
@@ -10872,35 +10873,8 @@
         </p:blipFill>
         <p:spPr>
           <a:xfrm>
-            <a:off x="951197" y="2089451"/>
-            <a:ext cx="5144803" cy="4252912"/>
-          </a:xfrm>
-        </p:spPr>
-      </p:pic>
-      <p:pic>
-        <p:nvPicPr>
-          <p:cNvPr id="9" name="Picture 8" descr="Chart, box and whisker chart&#10;&#10;Description automatically generated">
-            <a:extLst>
-              <a:ext uri="{FF2B5EF4-FFF2-40B4-BE49-F238E27FC236}">
-                <a16:creationId xmlns:a16="http://schemas.microsoft.com/office/drawing/2014/main" id="{DDC2C09D-3824-AE24-98E5-E87CB1AF6E58}"/>
-              </a:ext>
-            </a:extLst>
-          </p:cNvPr>
-          <p:cNvPicPr>
-            <a:picLocks noChangeAspect="1"/>
-          </p:cNvPicPr>
-          <p:nvPr/>
-        </p:nvPicPr>
-        <p:blipFill>
-          <a:blip r:embed="rId3"/>
-          <a:stretch>
-            <a:fillRect/>
-          </a:stretch>
-        </p:blipFill>
-        <p:spPr>
-          <a:xfrm>
-            <a:off x="6513433" y="2089451"/>
-            <a:ext cx="4727370" cy="4768549"/>
+            <a:off x="1422952" y="1813342"/>
+            <a:ext cx="9346095" cy="4597063"/>
           </a:xfrm>
           <a:prstGeom prst="rect">
             <a:avLst/>
@@ -10942,6 +10916,96 @@
           <p:cNvPr id="2" name="Title 1">
             <a:extLst>
               <a:ext uri="{FF2B5EF4-FFF2-40B4-BE49-F238E27FC236}">
+                <a16:creationId xmlns:a16="http://schemas.microsoft.com/office/drawing/2014/main" id="{50101209-B491-466D-BBD0-3256CB64A5C6}"/>
+              </a:ext>
+            </a:extLst>
+          </p:cNvPr>
+          <p:cNvSpPr>
+            <a:spLocks noGrp="1"/>
+          </p:cNvSpPr>
+          <p:nvPr>
+            <p:ph type="title"/>
+          </p:nvPr>
+        </p:nvSpPr>
+        <p:spPr/>
+        <p:txBody>
+          <a:bodyPr/>
+          <a:lstStyle/>
+          <a:p>
+            <a:r>
+              <a:rPr lang="en-US" dirty="0"/>
+              <a:t>Visualizations</a:t>
+            </a:r>
+          </a:p>
+        </p:txBody>
+      </p:sp>
+      <p:pic>
+        <p:nvPicPr>
+          <p:cNvPr id="6" name="Content Placeholder 5">
+            <a:extLst>
+              <a:ext uri="{FF2B5EF4-FFF2-40B4-BE49-F238E27FC236}">
+                <a16:creationId xmlns:a16="http://schemas.microsoft.com/office/drawing/2014/main" id="{732A1740-A0C0-2D62-FEC8-7F482764E3BD}"/>
+              </a:ext>
+            </a:extLst>
+          </p:cNvPr>
+          <p:cNvPicPr>
+            <a:picLocks noGrp="1" noChangeAspect="1"/>
+          </p:cNvPicPr>
+          <p:nvPr>
+            <p:ph idx="1"/>
+          </p:nvPr>
+        </p:nvPicPr>
+        <p:blipFill>
+          <a:blip r:embed="rId2"/>
+          <a:stretch>
+            <a:fillRect/>
+          </a:stretch>
+        </p:blipFill>
+        <p:spPr>
+          <a:xfrm>
+            <a:off x="2826026" y="1842894"/>
+            <a:ext cx="6539948" cy="4737418"/>
+          </a:xfrm>
+          <a:prstGeom prst="rect">
+            <a:avLst/>
+          </a:prstGeom>
+        </p:spPr>
+      </p:pic>
+    </p:spTree>
+    <p:extLst>
+      <p:ext uri="{BB962C8B-B14F-4D97-AF65-F5344CB8AC3E}">
+        <p14:creationId xmlns:p14="http://schemas.microsoft.com/office/powerpoint/2010/main" val="2142951637"/>
+      </p:ext>
+    </p:extLst>
+  </p:cSld>
+  <p:clrMapOvr>
+    <a:masterClrMapping/>
+  </p:clrMapOvr>
+</p:sld>
+</file>
+
+<file path=ppt/slides/slide14.xml><?xml version="1.0" encoding="utf-8"?>
+<p:sld xmlns:a="http://schemas.openxmlformats.org/drawingml/2006/main" xmlns:r="http://schemas.openxmlformats.org/officeDocument/2006/relationships" xmlns:p="http://schemas.openxmlformats.org/presentationml/2006/main">
+  <p:cSld>
+    <p:spTree>
+      <p:nvGrpSpPr>
+        <p:cNvPr id="1" name=""/>
+        <p:cNvGrpSpPr/>
+        <p:nvPr/>
+      </p:nvGrpSpPr>
+      <p:grpSpPr>
+        <a:xfrm>
+          <a:off x="0" y="0"/>
+          <a:ext cx="0" cy="0"/>
+          <a:chOff x="0" y="0"/>
+          <a:chExt cx="0" cy="0"/>
+        </a:xfrm>
+      </p:grpSpPr>
+      <p:sp>
+        <p:nvSpPr>
+          <p:cNvPr id="2" name="Title 1">
+            <a:extLst>
+              <a:ext uri="{FF2B5EF4-FFF2-40B4-BE49-F238E27FC236}">
                 <a16:creationId xmlns:a16="http://schemas.microsoft.com/office/drawing/2014/main" id="{404E5AF6-43BD-C715-10A1-01B1B2651855}"/>
               </a:ext>
             </a:extLst>
@@ -11183,7 +11247,7 @@
 </p:sld>
 </file>
 
-<file path=ppt/slides/slide14.xml><?xml version="1.0" encoding="utf-8"?>
+<file path=ppt/slides/slide15.xml><?xml version="1.0" encoding="utf-8"?>
 <p:sld xmlns:a="http://schemas.openxmlformats.org/drawingml/2006/main" xmlns:r="http://schemas.openxmlformats.org/officeDocument/2006/relationships" xmlns:p="http://schemas.openxmlformats.org/presentationml/2006/main">
   <p:cSld>
     <p:bg>
@@ -13212,40 +13276,12 @@
           </a:p>
         </p:txBody>
       </p:sp>
-      <p:sp>
-        <p:nvSpPr>
-          <p:cNvPr id="3" name="Content Placeholder 2">
+      <p:graphicFrame>
+        <p:nvGraphicFramePr>
+          <p:cNvPr id="8" name="Table 8">
             <a:extLst>
               <a:ext uri="{FF2B5EF4-FFF2-40B4-BE49-F238E27FC236}">
-                <a16:creationId xmlns:a16="http://schemas.microsoft.com/office/drawing/2014/main" id="{2248033C-AC85-BC3D-C5D3-D9BBF583AF69}"/>
-              </a:ext>
-            </a:extLst>
-          </p:cNvPr>
-          <p:cNvSpPr>
-            <a:spLocks noGrp="1"/>
-          </p:cNvSpPr>
-          <p:nvPr>
-            <p:ph idx="1"/>
-          </p:nvPr>
-        </p:nvSpPr>
-        <p:spPr/>
-        <p:txBody>
-          <a:bodyPr/>
-          <a:lstStyle/>
-          <a:p>
-            <a:r>
-              <a:rPr lang="en-US" dirty="0"/>
-              <a:t>Basic statistics breakdown</a:t>
-            </a:r>
-          </a:p>
-        </p:txBody>
-      </p:sp>
-      <p:graphicFrame>
-        <p:nvGraphicFramePr>
-          <p:cNvPr id="4" name="Table 3">
-            <a:extLst>
-              <a:ext uri="{FF2B5EF4-FFF2-40B4-BE49-F238E27FC236}">
-                <a16:creationId xmlns:a16="http://schemas.microsoft.com/office/drawing/2014/main" id="{26B86D8F-D598-39FF-DA91-F5873E42E212}"/>
+                <a16:creationId xmlns:a16="http://schemas.microsoft.com/office/drawing/2014/main" id="{E782C949-9816-C77A-E1F4-E78C2DCF8363}"/>
               </a:ext>
             </a:extLst>
           </p:cNvPr>
@@ -13253,3532 +13289,2737 @@
             <a:graphicFrameLocks noGrp="1"/>
           </p:cNvGraphicFramePr>
           <p:nvPr>
+            <p:ph idx="1"/>
             <p:extLst>
               <p:ext uri="{D42A27DB-BD31-4B8C-83A1-F6EECF244321}">
-                <p14:modId xmlns:p14="http://schemas.microsoft.com/office/powerpoint/2010/main" val="41074223"/>
+                <p14:modId xmlns:p14="http://schemas.microsoft.com/office/powerpoint/2010/main" val="3016841986"/>
               </p:ext>
             </p:extLst>
           </p:nvPr>
         </p:nvGraphicFramePr>
         <p:xfrm>
-          <a:off x="838198" y="1943894"/>
-          <a:ext cx="10515604" cy="4663440"/>
+          <a:off x="838200" y="1928813"/>
+          <a:ext cx="10515600" cy="4079240"/>
         </p:xfrm>
         <a:graphic>
           <a:graphicData uri="http://schemas.openxmlformats.org/drawingml/2006/table">
             <a:tbl>
-              <a:tblPr/>
+              <a:tblPr firstRow="1" bandRow="1">
+                <a:tableStyleId>{5C22544A-7EE6-4342-B048-85BDC9FD1C3A}</a:tableStyleId>
+              </a:tblPr>
               <a:tblGrid>
-                <a:gridCol w="669326">
+                <a:gridCol w="1168400">
                   <a:extLst>
                     <a:ext uri="{9D8B030D-6E8A-4147-A177-3AD203B41FA5}">
-                      <a16:colId xmlns:a16="http://schemas.microsoft.com/office/drawing/2014/main" val="1056438921"/>
+                      <a16:colId xmlns:a16="http://schemas.microsoft.com/office/drawing/2014/main" val="101181139"/>
                     </a:ext>
                   </a:extLst>
                 </a:gridCol>
-                <a:gridCol w="1242602">
+                <a:gridCol w="1168400">
                   <a:extLst>
                     <a:ext uri="{9D8B030D-6E8A-4147-A177-3AD203B41FA5}">
-                      <a16:colId xmlns:a16="http://schemas.microsoft.com/office/drawing/2014/main" val="1601117800"/>
+                      <a16:colId xmlns:a16="http://schemas.microsoft.com/office/drawing/2014/main" val="1168060845"/>
                     </a:ext>
                   </a:extLst>
                 </a:gridCol>
-                <a:gridCol w="955964">
+                <a:gridCol w="1168400">
                   <a:extLst>
                     <a:ext uri="{9D8B030D-6E8A-4147-A177-3AD203B41FA5}">
-                      <a16:colId xmlns:a16="http://schemas.microsoft.com/office/drawing/2014/main" val="621392558"/>
+                      <a16:colId xmlns:a16="http://schemas.microsoft.com/office/drawing/2014/main" val="3167056069"/>
                     </a:ext>
                   </a:extLst>
                 </a:gridCol>
-                <a:gridCol w="955964">
+                <a:gridCol w="1168400">
                   <a:extLst>
                     <a:ext uri="{9D8B030D-6E8A-4147-A177-3AD203B41FA5}">
-                      <a16:colId xmlns:a16="http://schemas.microsoft.com/office/drawing/2014/main" val="868592796"/>
+                      <a16:colId xmlns:a16="http://schemas.microsoft.com/office/drawing/2014/main" val="2450237255"/>
                     </a:ext>
                   </a:extLst>
                 </a:gridCol>
-                <a:gridCol w="955964">
+                <a:gridCol w="1168400">
                   <a:extLst>
                     <a:ext uri="{9D8B030D-6E8A-4147-A177-3AD203B41FA5}">
-                      <a16:colId xmlns:a16="http://schemas.microsoft.com/office/drawing/2014/main" val="4263334385"/>
+                      <a16:colId xmlns:a16="http://schemas.microsoft.com/office/drawing/2014/main" val="4151707954"/>
                     </a:ext>
                   </a:extLst>
                 </a:gridCol>
-                <a:gridCol w="955964">
+                <a:gridCol w="1168400">
                   <a:extLst>
                     <a:ext uri="{9D8B030D-6E8A-4147-A177-3AD203B41FA5}">
-                      <a16:colId xmlns:a16="http://schemas.microsoft.com/office/drawing/2014/main" val="1370009702"/>
+                      <a16:colId xmlns:a16="http://schemas.microsoft.com/office/drawing/2014/main" val="2964754839"/>
                     </a:ext>
                   </a:extLst>
                 </a:gridCol>
-                <a:gridCol w="955964">
+                <a:gridCol w="1168400">
                   <a:extLst>
                     <a:ext uri="{9D8B030D-6E8A-4147-A177-3AD203B41FA5}">
-                      <a16:colId xmlns:a16="http://schemas.microsoft.com/office/drawing/2014/main" val="242511999"/>
+                      <a16:colId xmlns:a16="http://schemas.microsoft.com/office/drawing/2014/main" val="2343257217"/>
                     </a:ext>
                   </a:extLst>
                 </a:gridCol>
-                <a:gridCol w="955964">
+                <a:gridCol w="1168400">
                   <a:extLst>
                     <a:ext uri="{9D8B030D-6E8A-4147-A177-3AD203B41FA5}">
-                      <a16:colId xmlns:a16="http://schemas.microsoft.com/office/drawing/2014/main" val="3836421366"/>
+                      <a16:colId xmlns:a16="http://schemas.microsoft.com/office/drawing/2014/main" val="1111662735"/>
                     </a:ext>
                   </a:extLst>
                 </a:gridCol>
-                <a:gridCol w="955964">
+                <a:gridCol w="1168400">
                   <a:extLst>
                     <a:ext uri="{9D8B030D-6E8A-4147-A177-3AD203B41FA5}">
-                      <a16:colId xmlns:a16="http://schemas.microsoft.com/office/drawing/2014/main" val="722718889"/>
-                    </a:ext>
-                  </a:extLst>
-                </a:gridCol>
-                <a:gridCol w="955964">
-                  <a:extLst>
-                    <a:ext uri="{9D8B030D-6E8A-4147-A177-3AD203B41FA5}">
-                      <a16:colId xmlns:a16="http://schemas.microsoft.com/office/drawing/2014/main" val="1442618676"/>
-                    </a:ext>
-                  </a:extLst>
-                </a:gridCol>
-                <a:gridCol w="955964">
-                  <a:extLst>
-                    <a:ext uri="{9D8B030D-6E8A-4147-A177-3AD203B41FA5}">
-                      <a16:colId xmlns:a16="http://schemas.microsoft.com/office/drawing/2014/main" val="2576000498"/>
+                      <a16:colId xmlns:a16="http://schemas.microsoft.com/office/drawing/2014/main" val="108127185"/>
                     </a:ext>
                   </a:extLst>
                 </a:gridCol>
               </a:tblGrid>
-              <a:tr h="640080">
+              <a:tr h="370840">
                 <a:tc>
                   <a:txBody>
                     <a:bodyPr/>
                     <a:lstStyle/>
                     <a:p>
-                      <a:pPr algn="r" fontAlgn="ctr"/>
-                      <a:endParaRPr lang="en-US" sz="1100" b="1" dirty="0">
+                      <a:pPr algn="r" fontAlgn="b"/>
+                      <a:r>
+                        <a:rPr lang="en-US" sz="2000" b="1" u="none" strike="noStrike" dirty="0">
+                          <a:solidFill>
+                            <a:srgbClr val="000000"/>
+                          </a:solidFill>
+                          <a:effectLst/>
+                        </a:rPr>
+                        <a:t>Trail Characteristic</a:t>
+                      </a:r>
+                      <a:endParaRPr lang="en-US" sz="2000" b="1" i="0" u="none" strike="noStrike" dirty="0">
+                        <a:solidFill>
+                          <a:srgbClr val="000000"/>
+                        </a:solidFill>
                         <a:effectLst/>
-                        <a:latin typeface="Courier New" panose="02070309020205020404" pitchFamily="49" charset="0"/>
-                        <a:cs typeface="Courier New" panose="02070309020205020404" pitchFamily="49" charset="0"/>
+                        <a:latin typeface="Calibri" panose="020F0502020204030204" pitchFamily="34" charset="0"/>
                       </a:endParaRPr>
                     </a:p>
                   </a:txBody>
-                  <a:tcPr anchor="ctr">
-                    <a:lnL>
-                      <a:noFill/>
-                    </a:lnL>
-                    <a:lnR>
-                      <a:noFill/>
-                    </a:lnR>
-                    <a:lnT>
-                      <a:noFill/>
-                    </a:lnT>
-                    <a:lnB>
-                      <a:noFill/>
-                    </a:lnB>
-                    <a:solidFill>
-                      <a:srgbClr val="FFFFFF"/>
-                    </a:solidFill>
-                  </a:tcPr>
+                  <a:tcPr marL="9525" marR="9525" marT="9525" marB="0" anchor="b"/>
                 </a:tc>
                 <a:tc>
                   <a:txBody>
                     <a:bodyPr/>
                     <a:lstStyle/>
                     <a:p>
-                      <a:pPr algn="r" fontAlgn="ctr"/>
-                      <a:br>
-                        <a:rPr lang="en-US" sz="1100" b="1" dirty="0">
+                      <a:pPr algn="ctr" fontAlgn="b"/>
+                      <a:r>
+                        <a:rPr lang="en-US" sz="2000" b="1" u="none" strike="noStrike" dirty="0">
+                          <a:solidFill>
+                            <a:srgbClr val="000000"/>
+                          </a:solidFill>
                           <a:effectLst/>
-                          <a:latin typeface="Courier New" panose="02070309020205020404" pitchFamily="49" charset="0"/>
-                          <a:cs typeface="Courier New" panose="02070309020205020404" pitchFamily="49" charset="0"/>
                         </a:rPr>
-                      </a:br>
-                      <a:r>
-                        <a:rPr lang="en-US" sz="1100" b="1" dirty="0">
-                          <a:effectLst/>
-                          <a:latin typeface="Courier New" panose="02070309020205020404" pitchFamily="49" charset="0"/>
-                          <a:cs typeface="Courier New" panose="02070309020205020404" pitchFamily="49" charset="0"/>
-                        </a:rPr>
-                        <a:t>Trail Length</a:t>
+                        <a:t>count</a:t>
                       </a:r>
+                      <a:endParaRPr lang="en-US" sz="2000" b="1" i="0" u="none" strike="noStrike" dirty="0">
+                        <a:solidFill>
+                          <a:srgbClr val="000000"/>
+                        </a:solidFill>
+                        <a:effectLst/>
+                        <a:latin typeface="Calibri" panose="020F0502020204030204" pitchFamily="34" charset="0"/>
+                      </a:endParaRPr>
                     </a:p>
                   </a:txBody>
-                  <a:tcPr anchor="ctr">
-                    <a:lnL>
-                      <a:noFill/>
-                    </a:lnL>
-                    <a:lnR>
-                      <a:noFill/>
-                    </a:lnR>
-                    <a:lnT>
-                      <a:noFill/>
-                    </a:lnT>
-                    <a:lnB>
-                      <a:noFill/>
-                    </a:lnB>
-                    <a:solidFill>
-                      <a:srgbClr val="FFFFFF"/>
-                    </a:solidFill>
-                  </a:tcPr>
+                  <a:tcPr marL="9525" marR="9525" marT="9525" marB="0" anchor="b"/>
                 </a:tc>
                 <a:tc>
                   <a:txBody>
                     <a:bodyPr/>
                     <a:lstStyle/>
                     <a:p>
-                      <a:pPr algn="r" fontAlgn="ctr"/>
+                      <a:pPr algn="ctr" fontAlgn="b"/>
                       <a:r>
-                        <a:rPr lang="en-US" sz="1100" b="1" dirty="0">
+                        <a:rPr lang="en-US" sz="2000" b="1" u="none" strike="noStrike" dirty="0">
+                          <a:solidFill>
+                            <a:srgbClr val="000000"/>
+                          </a:solidFill>
                           <a:effectLst/>
-                          <a:latin typeface="Courier New" panose="02070309020205020404" pitchFamily="49" charset="0"/>
-                          <a:cs typeface="Courier New" panose="02070309020205020404" pitchFamily="49" charset="0"/>
                         </a:rPr>
-                        <a:t>Difficult Number</a:t>
+                        <a:t>mean</a:t>
                       </a:r>
+                      <a:endParaRPr lang="en-US" sz="2000" b="1" i="0" u="none" strike="noStrike" dirty="0">
+                        <a:solidFill>
+                          <a:srgbClr val="000000"/>
+                        </a:solidFill>
+                        <a:effectLst/>
+                        <a:latin typeface="Calibri" panose="020F0502020204030204" pitchFamily="34" charset="0"/>
+                      </a:endParaRPr>
                     </a:p>
                   </a:txBody>
-                  <a:tcPr anchor="ctr">
-                    <a:lnL>
-                      <a:noFill/>
-                    </a:lnL>
-                    <a:lnR>
-                      <a:noFill/>
-                    </a:lnR>
-                    <a:lnT>
-                      <a:noFill/>
-                    </a:lnT>
-                    <a:lnB>
-                      <a:noFill/>
-                    </a:lnB>
-                    <a:solidFill>
-                      <a:srgbClr val="FFFFFF"/>
-                    </a:solidFill>
-                  </a:tcPr>
+                  <a:tcPr marL="9525" marR="9525" marT="9525" marB="0" anchor="b"/>
                 </a:tc>
                 <a:tc>
                   <a:txBody>
                     <a:bodyPr/>
                     <a:lstStyle/>
                     <a:p>
-                      <a:pPr algn="r" fontAlgn="ctr"/>
+                      <a:pPr algn="ctr" fontAlgn="b"/>
                       <a:r>
-                        <a:rPr lang="en-US" sz="1100" b="1">
+                        <a:rPr lang="en-US" sz="2000" b="1" u="none" strike="noStrike" dirty="0">
+                          <a:solidFill>
+                            <a:srgbClr val="000000"/>
+                          </a:solidFill>
                           <a:effectLst/>
-                          <a:latin typeface="Courier New" panose="02070309020205020404" pitchFamily="49" charset="0"/>
-                          <a:cs typeface="Courier New" panose="02070309020205020404" pitchFamily="49" charset="0"/>
                         </a:rPr>
-                        <a:t>Elev_Up</a:t>
+                        <a:t>std</a:t>
                       </a:r>
+                      <a:endParaRPr lang="en-US" sz="2000" b="1" i="0" u="none" strike="noStrike" dirty="0">
+                        <a:solidFill>
+                          <a:srgbClr val="000000"/>
+                        </a:solidFill>
+                        <a:effectLst/>
+                        <a:latin typeface="Calibri" panose="020F0502020204030204" pitchFamily="34" charset="0"/>
+                      </a:endParaRPr>
                     </a:p>
                   </a:txBody>
-                  <a:tcPr anchor="ctr">
-                    <a:lnL>
-                      <a:noFill/>
-                    </a:lnL>
-                    <a:lnR>
-                      <a:noFill/>
-                    </a:lnR>
-                    <a:lnT>
-                      <a:noFill/>
-                    </a:lnT>
-                    <a:lnB>
-                      <a:noFill/>
-                    </a:lnB>
-                    <a:solidFill>
-                      <a:srgbClr val="FFFFFF"/>
-                    </a:solidFill>
-                  </a:tcPr>
+                  <a:tcPr marL="9525" marR="9525" marT="9525" marB="0" anchor="b"/>
                 </a:tc>
                 <a:tc>
                   <a:txBody>
                     <a:bodyPr/>
                     <a:lstStyle/>
                     <a:p>
-                      <a:pPr algn="r" fontAlgn="ctr"/>
+                      <a:pPr algn="ctr" fontAlgn="b"/>
                       <a:r>
-                        <a:rPr lang="en-US" sz="1100" b="1" dirty="0" err="1">
+                        <a:rPr lang="en-US" sz="2000" b="1" u="none" strike="noStrike" dirty="0">
+                          <a:solidFill>
+                            <a:srgbClr val="000000"/>
+                          </a:solidFill>
                           <a:effectLst/>
-                          <a:latin typeface="Courier New" panose="02070309020205020404" pitchFamily="49" charset="0"/>
-                          <a:cs typeface="Courier New" panose="02070309020205020404" pitchFamily="49" charset="0"/>
                         </a:rPr>
-                        <a:t>Elev_Down</a:t>
+                        <a:t>min</a:t>
                       </a:r>
-                      <a:endParaRPr lang="en-US" sz="1100" b="1" dirty="0">
+                      <a:endParaRPr lang="en-US" sz="2000" b="1" i="0" u="none" strike="noStrike" dirty="0">
+                        <a:solidFill>
+                          <a:srgbClr val="000000"/>
+                        </a:solidFill>
                         <a:effectLst/>
-                        <a:latin typeface="Courier New" panose="02070309020205020404" pitchFamily="49" charset="0"/>
-                        <a:cs typeface="Courier New" panose="02070309020205020404" pitchFamily="49" charset="0"/>
+                        <a:latin typeface="Calibri" panose="020F0502020204030204" pitchFamily="34" charset="0"/>
                       </a:endParaRPr>
                     </a:p>
                   </a:txBody>
-                  <a:tcPr anchor="ctr">
-                    <a:lnL>
-                      <a:noFill/>
-                    </a:lnL>
-                    <a:lnR>
-                      <a:noFill/>
-                    </a:lnR>
-                    <a:lnT>
-                      <a:noFill/>
-                    </a:lnT>
-                    <a:lnB>
-                      <a:noFill/>
-                    </a:lnB>
-                    <a:solidFill>
-                      <a:srgbClr val="FFFFFF"/>
-                    </a:solidFill>
-                  </a:tcPr>
+                  <a:tcPr marL="9525" marR="9525" marT="9525" marB="0" anchor="b"/>
                 </a:tc>
                 <a:tc>
                   <a:txBody>
                     <a:bodyPr/>
                     <a:lstStyle/>
                     <a:p>
-                      <a:pPr algn="r" fontAlgn="ctr"/>
+                      <a:pPr algn="ctr" fontAlgn="b"/>
                       <a:r>
-                        <a:rPr lang="en-US" sz="1100" b="1" dirty="0">
+                        <a:rPr lang="en-US" sz="2000" b="1" u="none" strike="noStrike" dirty="0">
+                          <a:solidFill>
+                            <a:srgbClr val="000000"/>
+                          </a:solidFill>
                           <a:effectLst/>
-                          <a:latin typeface="Courier New" panose="02070309020205020404" pitchFamily="49" charset="0"/>
-                          <a:cs typeface="Courier New" panose="02070309020205020404" pitchFamily="49" charset="0"/>
                         </a:rPr>
-                        <a:t>Highest Elevation</a:t>
+                        <a:t>25%</a:t>
                       </a:r>
+                      <a:endParaRPr lang="en-US" sz="2000" b="1" i="0" u="none" strike="noStrike" dirty="0">
+                        <a:solidFill>
+                          <a:srgbClr val="000000"/>
+                        </a:solidFill>
+                        <a:effectLst/>
+                        <a:latin typeface="Calibri" panose="020F0502020204030204" pitchFamily="34" charset="0"/>
+                      </a:endParaRPr>
                     </a:p>
                   </a:txBody>
-                  <a:tcPr anchor="ctr">
-                    <a:lnL>
-                      <a:noFill/>
-                    </a:lnL>
-                    <a:lnR>
-                      <a:noFill/>
-                    </a:lnR>
-                    <a:lnT>
-                      <a:noFill/>
-                    </a:lnT>
-                    <a:lnB>
-                      <a:noFill/>
-                    </a:lnB>
-                    <a:solidFill>
-                      <a:srgbClr val="FFFFFF"/>
-                    </a:solidFill>
-                  </a:tcPr>
+                  <a:tcPr marL="9525" marR="9525" marT="9525" marB="0" anchor="b"/>
                 </a:tc>
                 <a:tc>
                   <a:txBody>
                     <a:bodyPr/>
                     <a:lstStyle/>
                     <a:p>
-                      <a:pPr algn="r" fontAlgn="ctr"/>
+                      <a:pPr algn="ctr" fontAlgn="b"/>
                       <a:r>
-                        <a:rPr lang="en-US" sz="1100" b="1">
+                        <a:rPr lang="en-US" sz="2000" b="1" u="none" strike="noStrike" dirty="0">
+                          <a:solidFill>
+                            <a:srgbClr val="000000"/>
+                          </a:solidFill>
                           <a:effectLst/>
-                          <a:latin typeface="Courier New" panose="02070309020205020404" pitchFamily="49" charset="0"/>
-                          <a:cs typeface="Courier New" panose="02070309020205020404" pitchFamily="49" charset="0"/>
                         </a:rPr>
-                        <a:t>Lowest Elevation</a:t>
+                        <a:t>50%</a:t>
                       </a:r>
+                      <a:endParaRPr lang="en-US" sz="2000" b="1" i="0" u="none" strike="noStrike" dirty="0">
+                        <a:solidFill>
+                          <a:srgbClr val="000000"/>
+                        </a:solidFill>
+                        <a:effectLst/>
+                        <a:latin typeface="Calibri" panose="020F0502020204030204" pitchFamily="34" charset="0"/>
+                      </a:endParaRPr>
                     </a:p>
                   </a:txBody>
-                  <a:tcPr anchor="ctr">
-                    <a:lnL>
-                      <a:noFill/>
-                    </a:lnL>
-                    <a:lnR>
-                      <a:noFill/>
-                    </a:lnR>
-                    <a:lnT>
-                      <a:noFill/>
-                    </a:lnT>
-                    <a:lnB>
-                      <a:noFill/>
-                    </a:lnB>
-                    <a:solidFill>
-                      <a:srgbClr val="FFFFFF"/>
-                    </a:solidFill>
-                  </a:tcPr>
+                  <a:tcPr marL="9525" marR="9525" marT="9525" marB="0" anchor="b"/>
                 </a:tc>
                 <a:tc>
                   <a:txBody>
                     <a:bodyPr/>
                     <a:lstStyle/>
                     <a:p>
-                      <a:pPr algn="r" fontAlgn="ctr"/>
+                      <a:pPr algn="ctr" fontAlgn="b"/>
                       <a:r>
-                        <a:rPr lang="en-US" sz="1100" b="1">
+                        <a:rPr lang="en-US" sz="2000" b="1" u="none" strike="noStrike" dirty="0">
+                          <a:solidFill>
+                            <a:srgbClr val="000000"/>
+                          </a:solidFill>
                           <a:effectLst/>
-                          <a:latin typeface="Courier New" panose="02070309020205020404" pitchFamily="49" charset="0"/>
-                          <a:cs typeface="Courier New" panose="02070309020205020404" pitchFamily="49" charset="0"/>
                         </a:rPr>
-                        <a:t>Average Grade</a:t>
+                        <a:t>75%</a:t>
                       </a:r>
+                      <a:endParaRPr lang="en-US" sz="2000" b="1" i="0" u="none" strike="noStrike" dirty="0">
+                        <a:solidFill>
+                          <a:srgbClr val="000000"/>
+                        </a:solidFill>
+                        <a:effectLst/>
+                        <a:latin typeface="Calibri" panose="020F0502020204030204" pitchFamily="34" charset="0"/>
+                      </a:endParaRPr>
                     </a:p>
                   </a:txBody>
-                  <a:tcPr anchor="ctr">
-                    <a:lnL>
-                      <a:noFill/>
-                    </a:lnL>
-                    <a:lnR>
-                      <a:noFill/>
-                    </a:lnR>
-                    <a:lnT>
-                      <a:noFill/>
-                    </a:lnT>
-                    <a:lnB>
-                      <a:noFill/>
-                    </a:lnB>
-                    <a:solidFill>
-                      <a:srgbClr val="FFFFFF"/>
-                    </a:solidFill>
-                  </a:tcPr>
+                  <a:tcPr marL="9525" marR="9525" marT="9525" marB="0" anchor="b"/>
                 </a:tc>
                 <a:tc>
                   <a:txBody>
                     <a:bodyPr/>
                     <a:lstStyle/>
                     <a:p>
-                      <a:pPr algn="r" fontAlgn="ctr"/>
+                      <a:pPr algn="ctr" fontAlgn="b"/>
                       <a:r>
-                        <a:rPr lang="en-US" sz="1100" b="1">
+                        <a:rPr lang="en-US" sz="2000" b="1" u="none" strike="noStrike" dirty="0">
+                          <a:solidFill>
+                            <a:srgbClr val="000000"/>
+                          </a:solidFill>
                           <a:effectLst/>
-                          <a:latin typeface="Courier New" panose="02070309020205020404" pitchFamily="49" charset="0"/>
-                          <a:cs typeface="Courier New" panose="02070309020205020404" pitchFamily="49" charset="0"/>
                         </a:rPr>
-                        <a:t>Max Grade</a:t>
+                        <a:t>max</a:t>
                       </a:r>
+                      <a:endParaRPr lang="en-US" sz="2000" b="1" i="0" u="none" strike="noStrike" dirty="0">
+                        <a:solidFill>
+                          <a:srgbClr val="000000"/>
+                        </a:solidFill>
+                        <a:effectLst/>
+                        <a:latin typeface="Calibri" panose="020F0502020204030204" pitchFamily="34" charset="0"/>
+                      </a:endParaRPr>
                     </a:p>
                   </a:txBody>
-                  <a:tcPr anchor="ctr">
-                    <a:lnL>
-                      <a:noFill/>
-                    </a:lnL>
-                    <a:lnR>
-                      <a:noFill/>
-                    </a:lnR>
-                    <a:lnT>
-                      <a:noFill/>
-                    </a:lnT>
-                    <a:lnB>
-                      <a:noFill/>
-                    </a:lnB>
-                    <a:solidFill>
-                      <a:srgbClr val="FFFFFF"/>
-                    </a:solidFill>
-                  </a:tcPr>
+                  <a:tcPr marL="9525" marR="9525" marT="9525" marB="0" anchor="b"/>
+                </a:tc>
+                <a:extLst>
+                  <a:ext uri="{0D108BD9-81ED-4DB2-BD59-A6C34878D82A}">
+                    <a16:rowId xmlns:a16="http://schemas.microsoft.com/office/drawing/2014/main" val="3315831267"/>
+                  </a:ext>
+                </a:extLst>
+              </a:tr>
+              <a:tr h="370840">
+                <a:tc>
+                  <a:txBody>
+                    <a:bodyPr/>
+                    <a:lstStyle/>
+                    <a:p>
+                      <a:pPr algn="r" fontAlgn="b"/>
+                      <a:r>
+                        <a:rPr lang="en-US" sz="2000" b="0" u="none" strike="noStrike">
+                          <a:solidFill>
+                            <a:srgbClr val="000000"/>
+                          </a:solidFill>
+                          <a:effectLst/>
+                        </a:rPr>
+                        <a:t>Trail Length</a:t>
+                      </a:r>
+                      <a:endParaRPr lang="en-US" sz="2000" b="0" i="0" u="none" strike="noStrike">
+                        <a:solidFill>
+                          <a:srgbClr val="000000"/>
+                        </a:solidFill>
+                        <a:effectLst/>
+                        <a:latin typeface="Calibri" panose="020F0502020204030204" pitchFamily="34" charset="0"/>
+                      </a:endParaRPr>
+                    </a:p>
+                  </a:txBody>
+                  <a:tcPr marL="9525" marR="9525" marT="9525" marB="0" anchor="b"/>
                 </a:tc>
                 <a:tc>
                   <a:txBody>
                     <a:bodyPr/>
                     <a:lstStyle/>
                     <a:p>
-                      <a:pPr algn="r" fontAlgn="ctr"/>
+                      <a:pPr algn="ctr" fontAlgn="b"/>
                       <a:r>
-                        <a:rPr lang="en-US" sz="1100" b="1">
+                        <a:rPr lang="en-US" sz="2000" b="0" u="none" strike="noStrike" dirty="0">
+                          <a:solidFill>
+                            <a:srgbClr val="000000"/>
+                          </a:solidFill>
                           <a:effectLst/>
-                          <a:latin typeface="Courier New" panose="02070309020205020404" pitchFamily="49" charset="0"/>
-                          <a:cs typeface="Courier New" panose="02070309020205020404" pitchFamily="49" charset="0"/>
                         </a:rPr>
-                        <a:t>Overall Trail Rating</a:t>
+                        <a:t>4903</a:t>
                       </a:r>
+                      <a:endParaRPr lang="en-US" sz="2000" b="0" i="0" u="none" strike="noStrike" dirty="0">
+                        <a:solidFill>
+                          <a:srgbClr val="000000"/>
+                        </a:solidFill>
+                        <a:effectLst/>
+                        <a:latin typeface="Calibri" panose="020F0502020204030204" pitchFamily="34" charset="0"/>
+                      </a:endParaRPr>
                     </a:p>
                   </a:txBody>
-                  <a:tcPr anchor="ctr">
-                    <a:lnL>
-                      <a:noFill/>
-                    </a:lnL>
-                    <a:lnR>
-                      <a:noFill/>
-                    </a:lnR>
-                    <a:lnT>
-                      <a:noFill/>
-                    </a:lnT>
-                    <a:lnB>
-                      <a:noFill/>
-                    </a:lnB>
-                    <a:solidFill>
-                      <a:srgbClr val="FFFFFF"/>
-                    </a:solidFill>
-                  </a:tcPr>
+                  <a:tcPr marL="9525" marR="9525" marT="9525" marB="0" anchor="b"/>
                 </a:tc>
                 <a:tc>
                   <a:txBody>
                     <a:bodyPr/>
                     <a:lstStyle/>
                     <a:p>
-                      <a:pPr algn="r" fontAlgn="ctr"/>
+                      <a:pPr algn="ctr" fontAlgn="b"/>
                       <a:r>
-                        <a:rPr lang="en-US" sz="1100" b="1" dirty="0">
+                        <a:rPr lang="en-US" sz="2000" b="0" u="none" strike="noStrike">
+                          <a:solidFill>
+                            <a:srgbClr val="000000"/>
+                          </a:solidFill>
                           <a:effectLst/>
-                          <a:latin typeface="Courier New" panose="02070309020205020404" pitchFamily="49" charset="0"/>
-                          <a:cs typeface="Courier New" panose="02070309020205020404" pitchFamily="49" charset="0"/>
                         </a:rPr>
-                        <a:t>Total User Reviews</a:t>
+                        <a:t>3.50516</a:t>
                       </a:r>
+                      <a:endParaRPr lang="en-US" sz="2000" b="0" i="0" u="none" strike="noStrike">
+                        <a:solidFill>
+                          <a:srgbClr val="000000"/>
+                        </a:solidFill>
+                        <a:effectLst/>
+                        <a:latin typeface="Calibri" panose="020F0502020204030204" pitchFamily="34" charset="0"/>
+                      </a:endParaRPr>
                     </a:p>
                   </a:txBody>
-                  <a:tcPr anchor="ctr">
-                    <a:lnL>
-                      <a:noFill/>
-                    </a:lnL>
-                  </a:tcPr>
-                </a:tc>
-                <a:extLst>
-                  <a:ext uri="{0D108BD9-81ED-4DB2-BD59-A6C34878D82A}">
-                    <a16:rowId xmlns:a16="http://schemas.microsoft.com/office/drawing/2014/main" val="1952036000"/>
-                  </a:ext>
-                </a:extLst>
-              </a:tr>
-              <a:tr h="365760">
-                <a:tc>
-                  <a:txBody>
-                    <a:bodyPr/>
-                    <a:lstStyle/>
-                    <a:p>
-                      <a:pPr algn="r" fontAlgn="ctr"/>
-                      <a:r>
-                        <a:rPr lang="en-US" sz="1200" b="1">
-                          <a:effectLst/>
-                          <a:latin typeface="Courier New" panose="02070309020205020404" pitchFamily="49" charset="0"/>
-                          <a:cs typeface="Courier New" panose="02070309020205020404" pitchFamily="49" charset="0"/>
-                        </a:rPr>
-                        <a:t>count</a:t>
-                      </a:r>
-                    </a:p>
-                  </a:txBody>
-                  <a:tcPr anchor="ctr">
-                    <a:lnL>
-                      <a:noFill/>
-                    </a:lnL>
-                    <a:lnR>
-                      <a:noFill/>
-                    </a:lnR>
-                    <a:lnT>
-                      <a:noFill/>
-                    </a:lnT>
-                    <a:lnB>
-                      <a:noFill/>
-                    </a:lnB>
-                    <a:solidFill>
-                      <a:srgbClr val="F5F5F5"/>
-                    </a:solidFill>
-                  </a:tcPr>
+                  <a:tcPr marL="9525" marR="9525" marT="9525" marB="0" anchor="b"/>
                 </a:tc>
                 <a:tc>
                   <a:txBody>
                     <a:bodyPr/>
                     <a:lstStyle/>
                     <a:p>
-                      <a:pPr algn="r" fontAlgn="ctr"/>
+                      <a:pPr algn="ctr" fontAlgn="b"/>
                       <a:r>
-                        <a:rPr lang="en-US" sz="1200" b="1" dirty="0">
+                        <a:rPr lang="en-US" sz="2000" b="0" u="none" strike="noStrike">
                           <a:solidFill>
-                            <a:srgbClr val="0070C0"/>
+                            <a:srgbClr val="000000"/>
                           </a:solidFill>
                           <a:effectLst/>
-                          <a:latin typeface="Courier New" panose="02070309020205020404" pitchFamily="49" charset="0"/>
-                          <a:cs typeface="Courier New" panose="02070309020205020404" pitchFamily="49" charset="0"/>
                         </a:rPr>
-                        <a:t>4903.00000</a:t>
+                        <a:t>4.69358</a:t>
                       </a:r>
+                      <a:endParaRPr lang="en-US" sz="2000" b="0" i="0" u="none" strike="noStrike">
+                        <a:solidFill>
+                          <a:srgbClr val="000000"/>
+                        </a:solidFill>
+                        <a:effectLst/>
+                        <a:latin typeface="Calibri" panose="020F0502020204030204" pitchFamily="34" charset="0"/>
+                      </a:endParaRPr>
                     </a:p>
                   </a:txBody>
-                  <a:tcPr anchor="ctr">
-                    <a:lnL>
-                      <a:noFill/>
-                    </a:lnL>
-                    <a:lnR>
-                      <a:noFill/>
-                    </a:lnR>
-                    <a:lnT>
-                      <a:noFill/>
-                    </a:lnT>
-                    <a:lnB>
-                      <a:noFill/>
-                    </a:lnB>
-                    <a:solidFill>
-                      <a:srgbClr val="F5F5F5"/>
-                    </a:solidFill>
-                  </a:tcPr>
+                  <a:tcPr marL="9525" marR="9525" marT="9525" marB="0" anchor="b"/>
                 </a:tc>
                 <a:tc>
                   <a:txBody>
                     <a:bodyPr/>
                     <a:lstStyle/>
                     <a:p>
-                      <a:pPr algn="r" fontAlgn="ctr"/>
+                      <a:pPr algn="ctr" fontAlgn="b"/>
                       <a:r>
-                        <a:rPr lang="en-US" sz="1200" dirty="0">
+                        <a:rPr lang="en-US" sz="2000" b="0" u="none" strike="noStrike">
+                          <a:solidFill>
+                            <a:srgbClr val="000000"/>
+                          </a:solidFill>
                           <a:effectLst/>
-                          <a:latin typeface="Courier New" panose="02070309020205020404" pitchFamily="49" charset="0"/>
-                          <a:cs typeface="Courier New" panose="02070309020205020404" pitchFamily="49" charset="0"/>
                         </a:rPr>
-                        <a:t>4844.000000</a:t>
+                        <a:t>0</a:t>
                       </a:r>
+                      <a:endParaRPr lang="en-US" sz="2000" b="0" i="0" u="none" strike="noStrike">
+                        <a:solidFill>
+                          <a:srgbClr val="000000"/>
+                        </a:solidFill>
+                        <a:effectLst/>
+                        <a:latin typeface="Calibri" panose="020F0502020204030204" pitchFamily="34" charset="0"/>
+                      </a:endParaRPr>
                     </a:p>
                   </a:txBody>
-                  <a:tcPr anchor="ctr">
-                    <a:lnL>
-                      <a:noFill/>
-                    </a:lnL>
-                    <a:lnR>
-                      <a:noFill/>
-                    </a:lnR>
-                    <a:lnT>
-                      <a:noFill/>
-                    </a:lnT>
-                    <a:lnB>
-                      <a:noFill/>
-                    </a:lnB>
-                    <a:solidFill>
-                      <a:srgbClr val="F5F5F5"/>
-                    </a:solidFill>
-                  </a:tcPr>
+                  <a:tcPr marL="9525" marR="9525" marT="9525" marB="0" anchor="b"/>
                 </a:tc>
                 <a:tc>
                   <a:txBody>
                     <a:bodyPr/>
                     <a:lstStyle/>
                     <a:p>
-                      <a:pPr algn="r" fontAlgn="ctr"/>
+                      <a:pPr algn="ctr" fontAlgn="b"/>
                       <a:r>
-                        <a:rPr lang="en-US" sz="1200" dirty="0">
+                        <a:rPr lang="en-US" sz="2000" b="0" u="none" strike="noStrike">
+                          <a:solidFill>
+                            <a:srgbClr val="000000"/>
+                          </a:solidFill>
                           <a:effectLst/>
-                          <a:latin typeface="Courier New" panose="02070309020205020404" pitchFamily="49" charset="0"/>
-                          <a:cs typeface="Courier New" panose="02070309020205020404" pitchFamily="49" charset="0"/>
                         </a:rPr>
-                        <a:t>4903.000000</a:t>
+                        <a:t>1</a:t>
                       </a:r>
+                      <a:endParaRPr lang="en-US" sz="2000" b="0" i="0" u="none" strike="noStrike">
+                        <a:solidFill>
+                          <a:srgbClr val="000000"/>
+                        </a:solidFill>
+                        <a:effectLst/>
+                        <a:latin typeface="Calibri" panose="020F0502020204030204" pitchFamily="34" charset="0"/>
+                      </a:endParaRPr>
                     </a:p>
                   </a:txBody>
-                  <a:tcPr anchor="ctr">
-                    <a:lnL>
-                      <a:noFill/>
-                    </a:lnL>
-                    <a:lnR>
-                      <a:noFill/>
-                    </a:lnR>
-                    <a:lnT>
-                      <a:noFill/>
-                    </a:lnT>
-                    <a:lnB>
-                      <a:noFill/>
-                    </a:lnB>
-                    <a:solidFill>
-                      <a:srgbClr val="F5F5F5"/>
-                    </a:solidFill>
-                  </a:tcPr>
+                  <a:tcPr marL="9525" marR="9525" marT="9525" marB="0" anchor="b"/>
                 </a:tc>
                 <a:tc>
                   <a:txBody>
                     <a:bodyPr/>
                     <a:lstStyle/>
                     <a:p>
-                      <a:pPr algn="r" fontAlgn="ctr"/>
+                      <a:pPr algn="ctr" fontAlgn="b"/>
                       <a:r>
-                        <a:rPr lang="en-US" sz="1200">
+                        <a:rPr lang="en-US" sz="2000" b="0" u="none" strike="noStrike">
+                          <a:solidFill>
+                            <a:srgbClr val="000000"/>
+                          </a:solidFill>
                           <a:effectLst/>
-                          <a:latin typeface="Courier New" panose="02070309020205020404" pitchFamily="49" charset="0"/>
-                          <a:cs typeface="Courier New" panose="02070309020205020404" pitchFamily="49" charset="0"/>
                         </a:rPr>
-                        <a:t>4903.000000</a:t>
+                        <a:t>2.1</a:t>
                       </a:r>
+                      <a:endParaRPr lang="en-US" sz="2000" b="0" i="0" u="none" strike="noStrike">
+                        <a:solidFill>
+                          <a:srgbClr val="000000"/>
+                        </a:solidFill>
+                        <a:effectLst/>
+                        <a:latin typeface="Calibri" panose="020F0502020204030204" pitchFamily="34" charset="0"/>
+                      </a:endParaRPr>
                     </a:p>
                   </a:txBody>
-                  <a:tcPr anchor="ctr">
-                    <a:lnL>
-                      <a:noFill/>
-                    </a:lnL>
-                    <a:lnR>
-                      <a:noFill/>
-                    </a:lnR>
-                    <a:lnT>
-                      <a:noFill/>
-                    </a:lnT>
-                    <a:lnB>
-                      <a:noFill/>
-                    </a:lnB>
-                    <a:solidFill>
-                      <a:srgbClr val="F5F5F5"/>
-                    </a:solidFill>
-                  </a:tcPr>
+                  <a:tcPr marL="9525" marR="9525" marT="9525" marB="0" anchor="b"/>
                 </a:tc>
                 <a:tc>
                   <a:txBody>
                     <a:bodyPr/>
                     <a:lstStyle/>
                     <a:p>
-                      <a:pPr algn="r" fontAlgn="ctr"/>
+                      <a:pPr algn="ctr" fontAlgn="b"/>
                       <a:r>
-                        <a:rPr lang="en-US" sz="1200">
+                        <a:rPr lang="en-US" sz="2000" b="0" u="none" strike="noStrike">
+                          <a:solidFill>
+                            <a:srgbClr val="000000"/>
+                          </a:solidFill>
                           <a:effectLst/>
-                          <a:latin typeface="Courier New" panose="02070309020205020404" pitchFamily="49" charset="0"/>
-                          <a:cs typeface="Courier New" panose="02070309020205020404" pitchFamily="49" charset="0"/>
                         </a:rPr>
-                        <a:t>4903.000000</a:t>
+                        <a:t>4.3</a:t>
                       </a:r>
+                      <a:endParaRPr lang="en-US" sz="2000" b="0" i="0" u="none" strike="noStrike">
+                        <a:solidFill>
+                          <a:srgbClr val="000000"/>
+                        </a:solidFill>
+                        <a:effectLst/>
+                        <a:latin typeface="Calibri" panose="020F0502020204030204" pitchFamily="34" charset="0"/>
+                      </a:endParaRPr>
                     </a:p>
                   </a:txBody>
-                  <a:tcPr anchor="ctr">
-                    <a:lnL>
-                      <a:noFill/>
-                    </a:lnL>
-                    <a:lnR>
-                      <a:noFill/>
-                    </a:lnR>
-                    <a:lnT>
-                      <a:noFill/>
-                    </a:lnT>
-                    <a:lnB>
-                      <a:noFill/>
-                    </a:lnB>
-                    <a:solidFill>
-                      <a:srgbClr val="F5F5F5"/>
-                    </a:solidFill>
-                  </a:tcPr>
+                  <a:tcPr marL="9525" marR="9525" marT="9525" marB="0" anchor="b"/>
                 </a:tc>
                 <a:tc>
                   <a:txBody>
                     <a:bodyPr/>
                     <a:lstStyle/>
                     <a:p>
-                      <a:pPr algn="r" fontAlgn="ctr"/>
+                      <a:pPr algn="ctr" fontAlgn="b"/>
                       <a:r>
-                        <a:rPr lang="en-US" sz="1200">
+                        <a:rPr lang="en-US" sz="2000" b="0" u="none" strike="noStrike">
+                          <a:solidFill>
+                            <a:srgbClr val="000000"/>
+                          </a:solidFill>
                           <a:effectLst/>
-                          <a:latin typeface="Courier New" panose="02070309020205020404" pitchFamily="49" charset="0"/>
-                          <a:cs typeface="Courier New" panose="02070309020205020404" pitchFamily="49" charset="0"/>
                         </a:rPr>
-                        <a:t>4903.000000</a:t>
+                        <a:t>124.5</a:t>
                       </a:r>
+                      <a:endParaRPr lang="en-US" sz="2000" b="0" i="0" u="none" strike="noStrike">
+                        <a:solidFill>
+                          <a:srgbClr val="000000"/>
+                        </a:solidFill>
+                        <a:effectLst/>
+                        <a:latin typeface="Calibri" panose="020F0502020204030204" pitchFamily="34" charset="0"/>
+                      </a:endParaRPr>
                     </a:p>
                   </a:txBody>
-                  <a:tcPr anchor="ctr">
-                    <a:lnL>
-                      <a:noFill/>
-                    </a:lnL>
-                    <a:lnR>
-                      <a:noFill/>
-                    </a:lnR>
-                    <a:lnT>
-                      <a:noFill/>
-                    </a:lnT>
-                    <a:lnB>
-                      <a:noFill/>
-                    </a:lnB>
-                    <a:solidFill>
-                      <a:srgbClr val="F5F5F5"/>
-                    </a:solidFill>
-                  </a:tcPr>
+                  <a:tcPr marL="9525" marR="9525" marT="9525" marB="0" anchor="b"/>
+                </a:tc>
+                <a:extLst>
+                  <a:ext uri="{0D108BD9-81ED-4DB2-BD59-A6C34878D82A}">
+                    <a16:rowId xmlns:a16="http://schemas.microsoft.com/office/drawing/2014/main" val="551117626"/>
+                  </a:ext>
+                </a:extLst>
+              </a:tr>
+              <a:tr h="370840">
+                <a:tc>
+                  <a:txBody>
+                    <a:bodyPr/>
+                    <a:lstStyle/>
+                    <a:p>
+                      <a:pPr algn="r" fontAlgn="b"/>
+                      <a:r>
+                        <a:rPr lang="en-US" sz="2000" b="0" u="none" strike="noStrike">
+                          <a:solidFill>
+                            <a:srgbClr val="000000"/>
+                          </a:solidFill>
+                          <a:effectLst/>
+                        </a:rPr>
+                        <a:t>Difficulty Number</a:t>
+                      </a:r>
+                      <a:endParaRPr lang="en-US" sz="2000" b="0" i="0" u="none" strike="noStrike">
+                        <a:solidFill>
+                          <a:srgbClr val="000000"/>
+                        </a:solidFill>
+                        <a:effectLst/>
+                        <a:latin typeface="Calibri" panose="020F0502020204030204" pitchFamily="34" charset="0"/>
+                      </a:endParaRPr>
+                    </a:p>
+                  </a:txBody>
+                  <a:tcPr marL="9525" marR="9525" marT="9525" marB="0" anchor="b"/>
                 </a:tc>
                 <a:tc>
                   <a:txBody>
                     <a:bodyPr/>
                     <a:lstStyle/>
                     <a:p>
-                      <a:pPr algn="r" fontAlgn="ctr"/>
+                      <a:pPr algn="ctr" fontAlgn="b"/>
                       <a:r>
-                        <a:rPr lang="en-US" sz="1200">
+                        <a:rPr lang="en-US" sz="2000" b="0" u="none" strike="noStrike" dirty="0">
+                          <a:solidFill>
+                            <a:srgbClr val="000000"/>
+                          </a:solidFill>
                           <a:effectLst/>
-                          <a:latin typeface="Courier New" panose="02070309020205020404" pitchFamily="49" charset="0"/>
-                          <a:cs typeface="Courier New" panose="02070309020205020404" pitchFamily="49" charset="0"/>
                         </a:rPr>
-                        <a:t>4903.000000</a:t>
+                        <a:t>4844</a:t>
                       </a:r>
+                      <a:endParaRPr lang="en-US" sz="2000" b="0" i="0" u="none" strike="noStrike" dirty="0">
+                        <a:solidFill>
+                          <a:srgbClr val="000000"/>
+                        </a:solidFill>
+                        <a:effectLst/>
+                        <a:latin typeface="Calibri" panose="020F0502020204030204" pitchFamily="34" charset="0"/>
+                      </a:endParaRPr>
                     </a:p>
                   </a:txBody>
-                  <a:tcPr anchor="ctr">
-                    <a:lnL>
-                      <a:noFill/>
-                    </a:lnL>
-                    <a:lnR>
-                      <a:noFill/>
-                    </a:lnR>
-                    <a:lnT>
-                      <a:noFill/>
-                    </a:lnT>
-                    <a:lnB>
-                      <a:noFill/>
-                    </a:lnB>
-                    <a:solidFill>
-                      <a:srgbClr val="F5F5F5"/>
-                    </a:solidFill>
-                  </a:tcPr>
+                  <a:tcPr marL="9525" marR="9525" marT="9525" marB="0" anchor="b"/>
                 </a:tc>
                 <a:tc>
                   <a:txBody>
                     <a:bodyPr/>
                     <a:lstStyle/>
                     <a:p>
-                      <a:pPr algn="r" fontAlgn="ctr"/>
+                      <a:pPr algn="ctr" fontAlgn="b"/>
                       <a:r>
-                        <a:rPr lang="en-US" sz="1200">
+                        <a:rPr lang="en-US" sz="2000" b="0" u="none" strike="noStrike">
+                          <a:solidFill>
+                            <a:srgbClr val="000000"/>
+                          </a:solidFill>
                           <a:effectLst/>
-                          <a:latin typeface="Courier New" panose="02070309020205020404" pitchFamily="49" charset="0"/>
-                          <a:cs typeface="Courier New" panose="02070309020205020404" pitchFamily="49" charset="0"/>
                         </a:rPr>
-                        <a:t>4903.000000</a:t>
+                        <a:t>3.098679</a:t>
                       </a:r>
+                      <a:endParaRPr lang="en-US" sz="2000" b="0" i="0" u="none" strike="noStrike">
+                        <a:solidFill>
+                          <a:srgbClr val="000000"/>
+                        </a:solidFill>
+                        <a:effectLst/>
+                        <a:latin typeface="Calibri" panose="020F0502020204030204" pitchFamily="34" charset="0"/>
+                      </a:endParaRPr>
                     </a:p>
                   </a:txBody>
-                  <a:tcPr anchor="ctr">
-                    <a:lnL>
-                      <a:noFill/>
-                    </a:lnL>
-                    <a:lnR>
-                      <a:noFill/>
-                    </a:lnR>
-                    <a:lnT>
-                      <a:noFill/>
-                    </a:lnT>
-                    <a:lnB>
-                      <a:noFill/>
-                    </a:lnB>
-                    <a:solidFill>
-                      <a:srgbClr val="F5F5F5"/>
-                    </a:solidFill>
-                  </a:tcPr>
+                  <a:tcPr marL="9525" marR="9525" marT="9525" marB="0" anchor="b"/>
                 </a:tc>
                 <a:tc>
                   <a:txBody>
                     <a:bodyPr/>
                     <a:lstStyle/>
                     <a:p>
-                      <a:pPr algn="r" fontAlgn="ctr"/>
+                      <a:pPr algn="ctr" fontAlgn="b"/>
                       <a:r>
-                        <a:rPr lang="en-US" sz="1200" b="1" dirty="0">
+                        <a:rPr lang="en-US" sz="2000" b="0" u="none" strike="noStrike">
                           <a:solidFill>
-                            <a:srgbClr val="0070C0"/>
+                            <a:srgbClr val="000000"/>
                           </a:solidFill>
                           <a:effectLst/>
-                          <a:latin typeface="Courier New" panose="02070309020205020404" pitchFamily="49" charset="0"/>
-                          <a:cs typeface="Courier New" panose="02070309020205020404" pitchFamily="49" charset="0"/>
                         </a:rPr>
-                        <a:t>3307.000000</a:t>
+                        <a:t>1.343443</a:t>
                       </a:r>
+                      <a:endParaRPr lang="en-US" sz="2000" b="0" i="0" u="none" strike="noStrike">
+                        <a:solidFill>
+                          <a:srgbClr val="000000"/>
+                        </a:solidFill>
+                        <a:effectLst/>
+                        <a:latin typeface="Calibri" panose="020F0502020204030204" pitchFamily="34" charset="0"/>
+                      </a:endParaRPr>
                     </a:p>
                   </a:txBody>
-                  <a:tcPr anchor="ctr">
-                    <a:lnL>
-                      <a:noFill/>
-                    </a:lnL>
-                    <a:lnR>
-                      <a:noFill/>
-                    </a:lnR>
-                    <a:lnT>
-                      <a:noFill/>
-                    </a:lnT>
-                    <a:lnB>
-                      <a:noFill/>
-                    </a:lnB>
-                    <a:solidFill>
-                      <a:srgbClr val="F5F5F5"/>
-                    </a:solidFill>
-                  </a:tcPr>
+                  <a:tcPr marL="9525" marR="9525" marT="9525" marB="0" anchor="b"/>
                 </a:tc>
                 <a:tc>
                   <a:txBody>
                     <a:bodyPr/>
                     <a:lstStyle/>
                     <a:p>
-                      <a:pPr algn="r" fontAlgn="ctr"/>
+                      <a:pPr algn="ctr" fontAlgn="b"/>
                       <a:r>
-                        <a:rPr lang="en-US" sz="1200" dirty="0">
+                        <a:rPr lang="en-US" sz="2000" b="0" u="none" strike="noStrike">
+                          <a:solidFill>
+                            <a:srgbClr val="000000"/>
+                          </a:solidFill>
                           <a:effectLst/>
-                          <a:latin typeface="Courier New" panose="02070309020205020404" pitchFamily="49" charset="0"/>
-                          <a:cs typeface="Courier New" panose="02070309020205020404" pitchFamily="49" charset="0"/>
                         </a:rPr>
-                        <a:t>3307.000000</a:t>
+                        <a:t>1</a:t>
                       </a:r>
+                      <a:endParaRPr lang="en-US" sz="2000" b="0" i="0" u="none" strike="noStrike">
+                        <a:solidFill>
+                          <a:srgbClr val="000000"/>
+                        </a:solidFill>
+                        <a:effectLst/>
+                        <a:latin typeface="Calibri" panose="020F0502020204030204" pitchFamily="34" charset="0"/>
+                      </a:endParaRPr>
                     </a:p>
                   </a:txBody>
-                  <a:tcPr anchor="ctr">
-                    <a:lnL>
-                      <a:noFill/>
-                    </a:lnL>
-                    <a:lnR>
-                      <a:noFill/>
-                    </a:lnR>
-                    <a:lnB>
-                      <a:noFill/>
-                    </a:lnB>
-                    <a:solidFill>
-                      <a:srgbClr val="F5F5F5"/>
-                    </a:solidFill>
-                  </a:tcPr>
-                </a:tc>
-                <a:extLst>
-                  <a:ext uri="{0D108BD9-81ED-4DB2-BD59-A6C34878D82A}">
-                    <a16:rowId xmlns:a16="http://schemas.microsoft.com/office/drawing/2014/main" val="2959513634"/>
-                  </a:ext>
-                </a:extLst>
-              </a:tr>
-              <a:tr h="365760">
-                <a:tc>
-                  <a:txBody>
-                    <a:bodyPr/>
-                    <a:lstStyle/>
-                    <a:p>
-                      <a:pPr algn="r" fontAlgn="ctr"/>
-                      <a:r>
-                        <a:rPr lang="en-US" sz="1200" b="1">
-                          <a:effectLst/>
-                          <a:latin typeface="Courier New" panose="02070309020205020404" pitchFamily="49" charset="0"/>
-                          <a:cs typeface="Courier New" panose="02070309020205020404" pitchFamily="49" charset="0"/>
-                        </a:rPr>
-                        <a:t>mean</a:t>
-                      </a:r>
-                    </a:p>
-                  </a:txBody>
-                  <a:tcPr anchor="ctr">
-                    <a:lnL>
-                      <a:noFill/>
-                    </a:lnL>
-                    <a:lnR>
-                      <a:noFill/>
-                    </a:lnR>
-                    <a:lnT>
-                      <a:noFill/>
-                    </a:lnT>
-                    <a:lnB>
-                      <a:noFill/>
-                    </a:lnB>
-                    <a:solidFill>
-                      <a:srgbClr val="FFFFFF"/>
-                    </a:solidFill>
-                  </a:tcPr>
+                  <a:tcPr marL="9525" marR="9525" marT="9525" marB="0" anchor="b"/>
                 </a:tc>
                 <a:tc>
                   <a:txBody>
                     <a:bodyPr/>
                     <a:lstStyle/>
                     <a:p>
-                      <a:pPr algn="r" fontAlgn="ctr"/>
+                      <a:pPr algn="ctr" fontAlgn="b"/>
                       <a:r>
-                        <a:rPr lang="en-US" sz="1200">
+                        <a:rPr lang="en-US" sz="2000" b="0" u="none" strike="noStrike">
+                          <a:solidFill>
+                            <a:srgbClr val="000000"/>
+                          </a:solidFill>
                           <a:effectLst/>
-                          <a:latin typeface="Courier New" panose="02070309020205020404" pitchFamily="49" charset="0"/>
-                          <a:cs typeface="Courier New" panose="02070309020205020404" pitchFamily="49" charset="0"/>
                         </a:rPr>
-                        <a:t>3.50516</a:t>
+                        <a:t>2</a:t>
                       </a:r>
+                      <a:endParaRPr lang="en-US" sz="2000" b="0" i="0" u="none" strike="noStrike">
+                        <a:solidFill>
+                          <a:srgbClr val="000000"/>
+                        </a:solidFill>
+                        <a:effectLst/>
+                        <a:latin typeface="Calibri" panose="020F0502020204030204" pitchFamily="34" charset="0"/>
+                      </a:endParaRPr>
                     </a:p>
                   </a:txBody>
-                  <a:tcPr anchor="ctr">
-                    <a:lnL>
-                      <a:noFill/>
-                    </a:lnL>
-                    <a:lnR>
-                      <a:noFill/>
-                    </a:lnR>
-                    <a:lnT>
-                      <a:noFill/>
-                    </a:lnT>
-                    <a:lnB>
-                      <a:noFill/>
-                    </a:lnB>
-                    <a:solidFill>
-                      <a:srgbClr val="FFFFFF"/>
-                    </a:solidFill>
-                  </a:tcPr>
+                  <a:tcPr marL="9525" marR="9525" marT="9525" marB="0" anchor="b"/>
                 </a:tc>
                 <a:tc>
                   <a:txBody>
                     <a:bodyPr/>
                     <a:lstStyle/>
                     <a:p>
-                      <a:pPr algn="r" fontAlgn="ctr"/>
+                      <a:pPr algn="ctr" fontAlgn="b"/>
                       <a:r>
-                        <a:rPr lang="en-US" sz="1200">
+                        <a:rPr lang="en-US" sz="2000" b="0" u="none" strike="noStrike">
+                          <a:solidFill>
+                            <a:srgbClr val="000000"/>
+                          </a:solidFill>
                           <a:effectLst/>
-                          <a:latin typeface="Courier New" panose="02070309020205020404" pitchFamily="49" charset="0"/>
-                          <a:cs typeface="Courier New" panose="02070309020205020404" pitchFamily="49" charset="0"/>
                         </a:rPr>
-                        <a:t>3.098679</a:t>
+                        <a:t>3</a:t>
                       </a:r>
+                      <a:endParaRPr lang="en-US" sz="2000" b="0" i="0" u="none" strike="noStrike">
+                        <a:solidFill>
+                          <a:srgbClr val="000000"/>
+                        </a:solidFill>
+                        <a:effectLst/>
+                        <a:latin typeface="Calibri" panose="020F0502020204030204" pitchFamily="34" charset="0"/>
+                      </a:endParaRPr>
                     </a:p>
                   </a:txBody>
-                  <a:tcPr anchor="ctr">
-                    <a:lnL>
-                      <a:noFill/>
-                    </a:lnL>
-                    <a:lnR>
-                      <a:noFill/>
-                    </a:lnR>
-                    <a:lnT>
-                      <a:noFill/>
-                    </a:lnT>
-                    <a:lnB>
-                      <a:noFill/>
-                    </a:lnB>
-                    <a:solidFill>
-                      <a:srgbClr val="FFFFFF"/>
-                    </a:solidFill>
-                  </a:tcPr>
+                  <a:tcPr marL="9525" marR="9525" marT="9525" marB="0" anchor="b"/>
                 </a:tc>
                 <a:tc>
                   <a:txBody>
                     <a:bodyPr/>
                     <a:lstStyle/>
                     <a:p>
-                      <a:pPr algn="r" fontAlgn="ctr"/>
+                      <a:pPr algn="ctr" fontAlgn="b"/>
                       <a:r>
-                        <a:rPr lang="en-US" sz="1200" dirty="0">
+                        <a:rPr lang="en-US" sz="2000" b="0" u="none" strike="noStrike">
+                          <a:solidFill>
+                            <a:srgbClr val="000000"/>
+                          </a:solidFill>
                           <a:effectLst/>
-                          <a:latin typeface="Courier New" panose="02070309020205020404" pitchFamily="49" charset="0"/>
-                          <a:cs typeface="Courier New" panose="02070309020205020404" pitchFamily="49" charset="0"/>
                         </a:rPr>
-                        <a:t>758.076280</a:t>
+                        <a:t>4</a:t>
                       </a:r>
+                      <a:endParaRPr lang="en-US" sz="2000" b="0" i="0" u="none" strike="noStrike">
+                        <a:solidFill>
+                          <a:srgbClr val="000000"/>
+                        </a:solidFill>
+                        <a:effectLst/>
+                        <a:latin typeface="Calibri" panose="020F0502020204030204" pitchFamily="34" charset="0"/>
+                      </a:endParaRPr>
                     </a:p>
                   </a:txBody>
-                  <a:tcPr anchor="ctr">
-                    <a:lnL>
-                      <a:noFill/>
-                    </a:lnL>
-                    <a:lnR>
-                      <a:noFill/>
-                    </a:lnR>
-                    <a:lnT>
-                      <a:noFill/>
-                    </a:lnT>
-                    <a:lnB>
-                      <a:noFill/>
-                    </a:lnB>
-                    <a:solidFill>
-                      <a:srgbClr val="FFFFFF"/>
-                    </a:solidFill>
-                  </a:tcPr>
+                  <a:tcPr marL="9525" marR="9525" marT="9525" marB="0" anchor="b"/>
                 </a:tc>
                 <a:tc>
                   <a:txBody>
                     <a:bodyPr/>
                     <a:lstStyle/>
                     <a:p>
-                      <a:pPr algn="r" fontAlgn="ctr"/>
+                      <a:pPr algn="ctr" fontAlgn="b"/>
                       <a:r>
-                        <a:rPr lang="en-US" sz="1200" dirty="0">
+                        <a:rPr lang="en-US" sz="2000" b="0" u="none" strike="noStrike">
+                          <a:solidFill>
+                            <a:srgbClr val="000000"/>
+                          </a:solidFill>
                           <a:effectLst/>
-                          <a:latin typeface="Courier New" panose="02070309020205020404" pitchFamily="49" charset="0"/>
-                          <a:cs typeface="Courier New" panose="02070309020205020404" pitchFamily="49" charset="0"/>
                         </a:rPr>
-                        <a:t>502.997553</a:t>
+                        <a:t>5</a:t>
                       </a:r>
+                      <a:endParaRPr lang="en-US" sz="2000" b="0" i="0" u="none" strike="noStrike">
+                        <a:solidFill>
+                          <a:srgbClr val="000000"/>
+                        </a:solidFill>
+                        <a:effectLst/>
+                        <a:latin typeface="Calibri" panose="020F0502020204030204" pitchFamily="34" charset="0"/>
+                      </a:endParaRPr>
                     </a:p>
                   </a:txBody>
-                  <a:tcPr anchor="ctr">
-                    <a:lnL>
-                      <a:noFill/>
-                    </a:lnL>
-                    <a:lnR>
-                      <a:noFill/>
-                    </a:lnR>
-                    <a:lnT>
-                      <a:noFill/>
-                    </a:lnT>
-                    <a:lnB>
-                      <a:noFill/>
-                    </a:lnB>
-                    <a:solidFill>
-                      <a:srgbClr val="FFFFFF"/>
-                    </a:solidFill>
-                  </a:tcPr>
+                  <a:tcPr marL="9525" marR="9525" marT="9525" marB="0" anchor="b"/>
+                </a:tc>
+                <a:extLst>
+                  <a:ext uri="{0D108BD9-81ED-4DB2-BD59-A6C34878D82A}">
+                    <a16:rowId xmlns:a16="http://schemas.microsoft.com/office/drawing/2014/main" val="3972139075"/>
+                  </a:ext>
+                </a:extLst>
+              </a:tr>
+              <a:tr h="370840">
+                <a:tc>
+                  <a:txBody>
+                    <a:bodyPr/>
+                    <a:lstStyle/>
+                    <a:p>
+                      <a:pPr algn="r" fontAlgn="b"/>
+                      <a:r>
+                        <a:rPr lang="en-US" sz="2000" b="0" u="none" strike="noStrike">
+                          <a:solidFill>
+                            <a:srgbClr val="000000"/>
+                          </a:solidFill>
+                          <a:effectLst/>
+                        </a:rPr>
+                        <a:t>Elev_Up</a:t>
+                      </a:r>
+                      <a:endParaRPr lang="en-US" sz="2000" b="0" i="0" u="none" strike="noStrike">
+                        <a:solidFill>
+                          <a:srgbClr val="000000"/>
+                        </a:solidFill>
+                        <a:effectLst/>
+                        <a:latin typeface="Calibri" panose="020F0502020204030204" pitchFamily="34" charset="0"/>
+                      </a:endParaRPr>
+                    </a:p>
+                  </a:txBody>
+                  <a:tcPr marL="9525" marR="9525" marT="9525" marB="0" anchor="b"/>
                 </a:tc>
                 <a:tc>
                   <a:txBody>
                     <a:bodyPr/>
                     <a:lstStyle/>
                     <a:p>
-                      <a:pPr algn="r" fontAlgn="ctr"/>
+                      <a:pPr algn="ctr" fontAlgn="b"/>
                       <a:r>
-                        <a:rPr lang="en-US" sz="1200" dirty="0">
+                        <a:rPr lang="en-US" sz="2000" b="0" u="none" strike="noStrike" dirty="0">
+                          <a:solidFill>
+                            <a:srgbClr val="000000"/>
+                          </a:solidFill>
                           <a:effectLst/>
-                          <a:latin typeface="Courier New" panose="02070309020205020404" pitchFamily="49" charset="0"/>
-                          <a:cs typeface="Courier New" panose="02070309020205020404" pitchFamily="49" charset="0"/>
                         </a:rPr>
-                        <a:t>9087.827860</a:t>
+                        <a:t>4903</a:t>
                       </a:r>
+                      <a:endParaRPr lang="en-US" sz="2000" b="0" i="0" u="none" strike="noStrike" dirty="0">
+                        <a:solidFill>
+                          <a:srgbClr val="000000"/>
+                        </a:solidFill>
+                        <a:effectLst/>
+                        <a:latin typeface="Calibri" panose="020F0502020204030204" pitchFamily="34" charset="0"/>
+                      </a:endParaRPr>
                     </a:p>
                   </a:txBody>
-                  <a:tcPr anchor="ctr">
-                    <a:lnL>
-                      <a:noFill/>
-                    </a:lnL>
-                    <a:lnR>
-                      <a:noFill/>
-                    </a:lnR>
-                    <a:lnT>
-                      <a:noFill/>
-                    </a:lnT>
-                    <a:lnB>
-                      <a:noFill/>
-                    </a:lnB>
-                    <a:solidFill>
-                      <a:srgbClr val="FFFFFF"/>
-                    </a:solidFill>
-                  </a:tcPr>
+                  <a:tcPr marL="9525" marR="9525" marT="9525" marB="0" anchor="b"/>
                 </a:tc>
                 <a:tc>
                   <a:txBody>
                     <a:bodyPr/>
                     <a:lstStyle/>
                     <a:p>
-                      <a:pPr algn="r" fontAlgn="ctr"/>
+                      <a:pPr algn="ctr" fontAlgn="b"/>
                       <a:r>
-                        <a:rPr lang="en-US" sz="1200">
+                        <a:rPr lang="en-US" sz="2000" b="0" u="none" strike="noStrike">
+                          <a:solidFill>
+                            <a:srgbClr val="000000"/>
+                          </a:solidFill>
                           <a:effectLst/>
-                          <a:latin typeface="Courier New" panose="02070309020205020404" pitchFamily="49" charset="0"/>
-                          <a:cs typeface="Courier New" panose="02070309020205020404" pitchFamily="49" charset="0"/>
                         </a:rPr>
-                        <a:t>8232.811544</a:t>
+                        <a:t>758.07628</a:t>
                       </a:r>
+                      <a:endParaRPr lang="en-US" sz="2000" b="0" i="0" u="none" strike="noStrike">
+                        <a:solidFill>
+                          <a:srgbClr val="000000"/>
+                        </a:solidFill>
+                        <a:effectLst/>
+                        <a:latin typeface="Calibri" panose="020F0502020204030204" pitchFamily="34" charset="0"/>
+                      </a:endParaRPr>
                     </a:p>
                   </a:txBody>
-                  <a:tcPr anchor="ctr">
-                    <a:lnL>
-                      <a:noFill/>
-                    </a:lnL>
-                    <a:lnR>
-                      <a:noFill/>
-                    </a:lnR>
-                    <a:lnT>
-                      <a:noFill/>
-                    </a:lnT>
-                    <a:lnB>
-                      <a:noFill/>
-                    </a:lnB>
-                    <a:solidFill>
-                      <a:srgbClr val="FFFFFF"/>
-                    </a:solidFill>
-                  </a:tcPr>
+                  <a:tcPr marL="9525" marR="9525" marT="9525" marB="0" anchor="b"/>
                 </a:tc>
                 <a:tc>
                   <a:txBody>
                     <a:bodyPr/>
                     <a:lstStyle/>
                     <a:p>
-                      <a:pPr algn="r" fontAlgn="ctr"/>
+                      <a:pPr algn="ctr" fontAlgn="b"/>
                       <a:r>
-                        <a:rPr lang="en-US" sz="1200">
+                        <a:rPr lang="en-US" sz="2000" b="0" u="none" strike="noStrike">
+                          <a:solidFill>
+                            <a:srgbClr val="000000"/>
+                          </a:solidFill>
                           <a:effectLst/>
-                          <a:latin typeface="Courier New" panose="02070309020205020404" pitchFamily="49" charset="0"/>
-                          <a:cs typeface="Courier New" panose="02070309020205020404" pitchFamily="49" charset="0"/>
                         </a:rPr>
-                        <a:t>0.072011</a:t>
+                        <a:t>1016.0417</a:t>
                       </a:r>
+                      <a:endParaRPr lang="en-US" sz="2000" b="0" i="0" u="none" strike="noStrike">
+                        <a:solidFill>
+                          <a:srgbClr val="000000"/>
+                        </a:solidFill>
+                        <a:effectLst/>
+                        <a:latin typeface="Calibri" panose="020F0502020204030204" pitchFamily="34" charset="0"/>
+                      </a:endParaRPr>
                     </a:p>
                   </a:txBody>
-                  <a:tcPr anchor="ctr">
-                    <a:lnL>
-                      <a:noFill/>
-                    </a:lnL>
-                    <a:lnR>
-                      <a:noFill/>
-                    </a:lnR>
-                    <a:lnT>
-                      <a:noFill/>
-                    </a:lnT>
-                    <a:lnB>
-                      <a:noFill/>
-                    </a:lnB>
-                    <a:solidFill>
-                      <a:srgbClr val="FFFFFF"/>
-                    </a:solidFill>
-                  </a:tcPr>
+                  <a:tcPr marL="9525" marR="9525" marT="9525" marB="0" anchor="b"/>
                 </a:tc>
                 <a:tc>
                   <a:txBody>
                     <a:bodyPr/>
                     <a:lstStyle/>
                     <a:p>
-                      <a:pPr algn="r" fontAlgn="ctr"/>
+                      <a:pPr algn="ctr" fontAlgn="b"/>
                       <a:r>
-                        <a:rPr lang="en-US" sz="1200">
+                        <a:rPr lang="en-US" sz="2000" b="0" u="none" strike="noStrike">
+                          <a:solidFill>
+                            <a:srgbClr val="000000"/>
+                          </a:solidFill>
                           <a:effectLst/>
-                          <a:latin typeface="Courier New" panose="02070309020205020404" pitchFamily="49" charset="0"/>
-                          <a:cs typeface="Courier New" panose="02070309020205020404" pitchFamily="49" charset="0"/>
                         </a:rPr>
-                        <a:t>0.219759</a:t>
+                        <a:t>0</a:t>
                       </a:r>
+                      <a:endParaRPr lang="en-US" sz="2000" b="0" i="0" u="none" strike="noStrike">
+                        <a:solidFill>
+                          <a:srgbClr val="000000"/>
+                        </a:solidFill>
+                        <a:effectLst/>
+                        <a:latin typeface="Calibri" panose="020F0502020204030204" pitchFamily="34" charset="0"/>
+                      </a:endParaRPr>
                     </a:p>
                   </a:txBody>
-                  <a:tcPr anchor="ctr">
-                    <a:lnL>
-                      <a:noFill/>
-                    </a:lnL>
-                    <a:lnR>
-                      <a:noFill/>
-                    </a:lnR>
-                    <a:lnT>
-                      <a:noFill/>
-                    </a:lnT>
-                    <a:lnB>
-                      <a:noFill/>
-                    </a:lnB>
-                    <a:solidFill>
-                      <a:srgbClr val="FFFFFF"/>
-                    </a:solidFill>
-                  </a:tcPr>
+                  <a:tcPr marL="9525" marR="9525" marT="9525" marB="0" anchor="b"/>
                 </a:tc>
                 <a:tc>
                   <a:txBody>
                     <a:bodyPr/>
                     <a:lstStyle/>
                     <a:p>
-                      <a:pPr algn="r" fontAlgn="ctr"/>
+                      <a:pPr algn="ctr" fontAlgn="b"/>
                       <a:r>
-                        <a:rPr lang="en-US" sz="1200">
+                        <a:rPr lang="en-US" sz="2000" b="0" u="none" strike="noStrike">
+                          <a:solidFill>
+                            <a:srgbClr val="000000"/>
+                          </a:solidFill>
                           <a:effectLst/>
-                          <a:latin typeface="Courier New" panose="02070309020205020404" pitchFamily="49" charset="0"/>
-                          <a:cs typeface="Courier New" panose="02070309020205020404" pitchFamily="49" charset="0"/>
                         </a:rPr>
-                        <a:t>3.614696</a:t>
+                        <a:t>85</a:t>
                       </a:r>
+                      <a:endParaRPr lang="en-US" sz="2000" b="0" i="0" u="none" strike="noStrike">
+                        <a:solidFill>
+                          <a:srgbClr val="000000"/>
+                        </a:solidFill>
+                        <a:effectLst/>
+                        <a:latin typeface="Calibri" panose="020F0502020204030204" pitchFamily="34" charset="0"/>
+                      </a:endParaRPr>
                     </a:p>
                   </a:txBody>
-                  <a:tcPr anchor="ctr">
-                    <a:lnL>
-                      <a:noFill/>
-                    </a:lnL>
-                    <a:lnR>
-                      <a:noFill/>
-                    </a:lnR>
-                    <a:lnT>
-                      <a:noFill/>
-                    </a:lnT>
-                    <a:lnB>
-                      <a:noFill/>
-                    </a:lnB>
-                    <a:solidFill>
-                      <a:srgbClr val="FFFFFF"/>
-                    </a:solidFill>
-                  </a:tcPr>
+                  <a:tcPr marL="9525" marR="9525" marT="9525" marB="0" anchor="b"/>
                 </a:tc>
                 <a:tc>
                   <a:txBody>
                     <a:bodyPr/>
                     <a:lstStyle/>
                     <a:p>
-                      <a:pPr algn="r" fontAlgn="ctr"/>
+                      <a:pPr algn="ctr" fontAlgn="b"/>
                       <a:r>
-                        <a:rPr lang="en-US" sz="1200" b="1" dirty="0">
+                        <a:rPr lang="en-US" sz="2000" b="0" u="none" strike="noStrike">
                           <a:solidFill>
-                            <a:srgbClr val="0070C0"/>
+                            <a:srgbClr val="000000"/>
                           </a:solidFill>
                           <a:effectLst/>
-                          <a:latin typeface="Courier New" panose="02070309020205020404" pitchFamily="49" charset="0"/>
-                          <a:cs typeface="Courier New" panose="02070309020205020404" pitchFamily="49" charset="0"/>
                         </a:rPr>
-                        <a:t>3.680677</a:t>
+                        <a:t>329</a:t>
                       </a:r>
+                      <a:endParaRPr lang="en-US" sz="2000" b="0" i="0" u="none" strike="noStrike">
+                        <a:solidFill>
+                          <a:srgbClr val="000000"/>
+                        </a:solidFill>
+                        <a:effectLst/>
+                        <a:latin typeface="Calibri" panose="020F0502020204030204" pitchFamily="34" charset="0"/>
+                      </a:endParaRPr>
                     </a:p>
                   </a:txBody>
-                  <a:tcPr anchor="ctr">
-                    <a:lnL>
-                      <a:noFill/>
-                    </a:lnL>
-                    <a:lnR>
-                      <a:noFill/>
-                    </a:lnR>
-                    <a:lnT>
-                      <a:noFill/>
-                    </a:lnT>
-                    <a:lnB>
-                      <a:noFill/>
-                    </a:lnB>
-                    <a:solidFill>
-                      <a:srgbClr val="FFFFFF"/>
-                    </a:solidFill>
-                  </a:tcPr>
-                </a:tc>
-                <a:extLst>
-                  <a:ext uri="{0D108BD9-81ED-4DB2-BD59-A6C34878D82A}">
-                    <a16:rowId xmlns:a16="http://schemas.microsoft.com/office/drawing/2014/main" val="3886289257"/>
-                  </a:ext>
-                </a:extLst>
-              </a:tr>
-              <a:tr h="365760">
-                <a:tc>
-                  <a:txBody>
-                    <a:bodyPr/>
-                    <a:lstStyle/>
-                    <a:p>
-                      <a:pPr algn="r" fontAlgn="ctr"/>
-                      <a:r>
-                        <a:rPr lang="en-US" sz="1200" b="1">
-                          <a:effectLst/>
-                          <a:latin typeface="Courier New" panose="02070309020205020404" pitchFamily="49" charset="0"/>
-                          <a:cs typeface="Courier New" panose="02070309020205020404" pitchFamily="49" charset="0"/>
-                        </a:rPr>
-                        <a:t>std</a:t>
-                      </a:r>
-                    </a:p>
-                  </a:txBody>
-                  <a:tcPr anchor="ctr">
-                    <a:lnL>
-                      <a:noFill/>
-                    </a:lnL>
-                    <a:lnR>
-                      <a:noFill/>
-                    </a:lnR>
-                    <a:lnT>
-                      <a:noFill/>
-                    </a:lnT>
-                    <a:lnB>
-                      <a:noFill/>
-                    </a:lnB>
-                    <a:solidFill>
-                      <a:srgbClr val="F5F5F5"/>
-                    </a:solidFill>
-                  </a:tcPr>
+                  <a:tcPr marL="9525" marR="9525" marT="9525" marB="0" anchor="b"/>
                 </a:tc>
                 <a:tc>
                   <a:txBody>
                     <a:bodyPr/>
                     <a:lstStyle/>
                     <a:p>
-                      <a:pPr algn="r" fontAlgn="ctr"/>
+                      <a:pPr algn="ctr" fontAlgn="b"/>
                       <a:r>
-                        <a:rPr lang="en-US" sz="1200" dirty="0">
+                        <a:rPr lang="en-US" sz="2000" b="0" u="none" strike="noStrike">
+                          <a:solidFill>
+                            <a:srgbClr val="000000"/>
+                          </a:solidFill>
                           <a:effectLst/>
-                          <a:latin typeface="Courier New" panose="02070309020205020404" pitchFamily="49" charset="0"/>
-                          <a:cs typeface="Courier New" panose="02070309020205020404" pitchFamily="49" charset="0"/>
                         </a:rPr>
-                        <a:t>4.69358</a:t>
+                        <a:t>1062</a:t>
                       </a:r>
+                      <a:endParaRPr lang="en-US" sz="2000" b="0" i="0" u="none" strike="noStrike">
+                        <a:solidFill>
+                          <a:srgbClr val="000000"/>
+                        </a:solidFill>
+                        <a:effectLst/>
+                        <a:latin typeface="Calibri" panose="020F0502020204030204" pitchFamily="34" charset="0"/>
+                      </a:endParaRPr>
                     </a:p>
                   </a:txBody>
-                  <a:tcPr anchor="ctr">
-                    <a:lnL>
-                      <a:noFill/>
-                    </a:lnL>
-                    <a:lnR>
-                      <a:noFill/>
-                    </a:lnR>
-                    <a:lnT>
-                      <a:noFill/>
-                    </a:lnT>
-                    <a:lnB>
-                      <a:noFill/>
-                    </a:lnB>
-                    <a:solidFill>
-                      <a:srgbClr val="F5F5F5"/>
-                    </a:solidFill>
-                  </a:tcPr>
+                  <a:tcPr marL="9525" marR="9525" marT="9525" marB="0" anchor="b"/>
                 </a:tc>
                 <a:tc>
                   <a:txBody>
                     <a:bodyPr/>
                     <a:lstStyle/>
                     <a:p>
-                      <a:pPr algn="r" fontAlgn="ctr"/>
+                      <a:pPr algn="ctr" fontAlgn="b"/>
                       <a:r>
-                        <a:rPr lang="en-US" sz="1200" dirty="0">
+                        <a:rPr lang="en-US" sz="2000" b="0" u="none" strike="noStrike">
+                          <a:solidFill>
+                            <a:srgbClr val="000000"/>
+                          </a:solidFill>
                           <a:effectLst/>
-                          <a:latin typeface="Courier New" panose="02070309020205020404" pitchFamily="49" charset="0"/>
-                          <a:cs typeface="Courier New" panose="02070309020205020404" pitchFamily="49" charset="0"/>
                         </a:rPr>
-                        <a:t>1.343443</a:t>
+                        <a:t>12176</a:t>
                       </a:r>
+                      <a:endParaRPr lang="en-US" sz="2000" b="0" i="0" u="none" strike="noStrike">
+                        <a:solidFill>
+                          <a:srgbClr val="000000"/>
+                        </a:solidFill>
+                        <a:effectLst/>
+                        <a:latin typeface="Calibri" panose="020F0502020204030204" pitchFamily="34" charset="0"/>
+                      </a:endParaRPr>
                     </a:p>
                   </a:txBody>
-                  <a:tcPr anchor="ctr">
-                    <a:lnL>
-                      <a:noFill/>
-                    </a:lnL>
-                    <a:lnR>
-                      <a:noFill/>
-                    </a:lnR>
-                    <a:lnT>
-                      <a:noFill/>
-                    </a:lnT>
-                    <a:lnB>
-                      <a:noFill/>
-                    </a:lnB>
-                    <a:solidFill>
-                      <a:srgbClr val="F5F5F5"/>
-                    </a:solidFill>
-                  </a:tcPr>
+                  <a:tcPr marL="9525" marR="9525" marT="9525" marB="0" anchor="b"/>
+                </a:tc>
+                <a:extLst>
+                  <a:ext uri="{0D108BD9-81ED-4DB2-BD59-A6C34878D82A}">
+                    <a16:rowId xmlns:a16="http://schemas.microsoft.com/office/drawing/2014/main" val="2387237080"/>
+                  </a:ext>
+                </a:extLst>
+              </a:tr>
+              <a:tr h="370840">
+                <a:tc>
+                  <a:txBody>
+                    <a:bodyPr/>
+                    <a:lstStyle/>
+                    <a:p>
+                      <a:pPr algn="r" fontAlgn="b"/>
+                      <a:r>
+                        <a:rPr lang="en-US" sz="2000" b="0" u="none" strike="noStrike">
+                          <a:solidFill>
+                            <a:srgbClr val="000000"/>
+                          </a:solidFill>
+                          <a:effectLst/>
+                        </a:rPr>
+                        <a:t>Elev_Down</a:t>
+                      </a:r>
+                      <a:endParaRPr lang="en-US" sz="2000" b="0" i="0" u="none" strike="noStrike">
+                        <a:solidFill>
+                          <a:srgbClr val="000000"/>
+                        </a:solidFill>
+                        <a:effectLst/>
+                        <a:latin typeface="Calibri" panose="020F0502020204030204" pitchFamily="34" charset="0"/>
+                      </a:endParaRPr>
+                    </a:p>
+                  </a:txBody>
+                  <a:tcPr marL="9525" marR="9525" marT="9525" marB="0" anchor="b"/>
                 </a:tc>
                 <a:tc>
                   <a:txBody>
                     <a:bodyPr/>
                     <a:lstStyle/>
                     <a:p>
-                      <a:pPr algn="r" fontAlgn="ctr"/>
+                      <a:pPr algn="ctr" fontAlgn="b"/>
                       <a:r>
-                        <a:rPr lang="en-US" sz="1200">
+                        <a:rPr lang="en-US" sz="2000" b="0" u="none" strike="noStrike" dirty="0">
+                          <a:solidFill>
+                            <a:srgbClr val="000000"/>
+                          </a:solidFill>
                           <a:effectLst/>
-                          <a:latin typeface="Courier New" panose="02070309020205020404" pitchFamily="49" charset="0"/>
-                          <a:cs typeface="Courier New" panose="02070309020205020404" pitchFamily="49" charset="0"/>
                         </a:rPr>
-                        <a:t>1016.041697</a:t>
+                        <a:t>4903</a:t>
                       </a:r>
+                      <a:endParaRPr lang="en-US" sz="2000" b="0" i="0" u="none" strike="noStrike" dirty="0">
+                        <a:solidFill>
+                          <a:srgbClr val="000000"/>
+                        </a:solidFill>
+                        <a:effectLst/>
+                        <a:latin typeface="Calibri" panose="020F0502020204030204" pitchFamily="34" charset="0"/>
+                      </a:endParaRPr>
                     </a:p>
                   </a:txBody>
-                  <a:tcPr anchor="ctr">
-                    <a:lnL>
-                      <a:noFill/>
-                    </a:lnL>
-                    <a:lnR>
-                      <a:noFill/>
-                    </a:lnR>
-                    <a:lnT>
-                      <a:noFill/>
-                    </a:lnT>
-                    <a:lnB>
-                      <a:noFill/>
-                    </a:lnB>
-                    <a:solidFill>
-                      <a:srgbClr val="F5F5F5"/>
-                    </a:solidFill>
-                  </a:tcPr>
+                  <a:tcPr marL="9525" marR="9525" marT="9525" marB="0" anchor="b"/>
                 </a:tc>
                 <a:tc>
                   <a:txBody>
                     <a:bodyPr/>
                     <a:lstStyle/>
                     <a:p>
-                      <a:pPr algn="r" fontAlgn="ctr"/>
+                      <a:pPr algn="ctr" fontAlgn="b"/>
                       <a:r>
-                        <a:rPr lang="en-US" sz="1200">
+                        <a:rPr lang="en-US" sz="2000" b="0" u="none" strike="noStrike">
+                          <a:solidFill>
+                            <a:srgbClr val="000000"/>
+                          </a:solidFill>
                           <a:effectLst/>
-                          <a:latin typeface="Courier New" panose="02070309020205020404" pitchFamily="49" charset="0"/>
-                          <a:cs typeface="Courier New" panose="02070309020205020404" pitchFamily="49" charset="0"/>
                         </a:rPr>
-                        <a:t>884.560557</a:t>
+                        <a:t>502.997553</a:t>
                       </a:r>
+                      <a:endParaRPr lang="en-US" sz="2000" b="0" i="0" u="none" strike="noStrike">
+                        <a:solidFill>
+                          <a:srgbClr val="000000"/>
+                        </a:solidFill>
+                        <a:effectLst/>
+                        <a:latin typeface="Calibri" panose="020F0502020204030204" pitchFamily="34" charset="0"/>
+                      </a:endParaRPr>
                     </a:p>
                   </a:txBody>
-                  <a:tcPr anchor="ctr">
-                    <a:lnL>
-                      <a:noFill/>
-                    </a:lnL>
-                    <a:lnR>
-                      <a:noFill/>
-                    </a:lnR>
-                    <a:lnT>
-                      <a:noFill/>
-                    </a:lnT>
-                    <a:lnB>
-                      <a:noFill/>
-                    </a:lnB>
-                    <a:solidFill>
-                      <a:srgbClr val="F5F5F5"/>
-                    </a:solidFill>
-                  </a:tcPr>
+                  <a:tcPr marL="9525" marR="9525" marT="9525" marB="0" anchor="b"/>
                 </a:tc>
                 <a:tc>
                   <a:txBody>
                     <a:bodyPr/>
                     <a:lstStyle/>
                     <a:p>
-                      <a:pPr algn="r" fontAlgn="ctr"/>
+                      <a:pPr algn="ctr" fontAlgn="b"/>
                       <a:r>
-                        <a:rPr lang="en-US" sz="1200" dirty="0">
+                        <a:rPr lang="en-US" sz="2000" b="0" u="none" strike="noStrike">
+                          <a:solidFill>
+                            <a:srgbClr val="000000"/>
+                          </a:solidFill>
                           <a:effectLst/>
-                          <a:latin typeface="Courier New" panose="02070309020205020404" pitchFamily="49" charset="0"/>
-                          <a:cs typeface="Courier New" panose="02070309020205020404" pitchFamily="49" charset="0"/>
                         </a:rPr>
-                        <a:t>2152.188263</a:t>
+                        <a:t>884.560557</a:t>
                       </a:r>
+                      <a:endParaRPr lang="en-US" sz="2000" b="0" i="0" u="none" strike="noStrike">
+                        <a:solidFill>
+                          <a:srgbClr val="000000"/>
+                        </a:solidFill>
+                        <a:effectLst/>
+                        <a:latin typeface="Calibri" panose="020F0502020204030204" pitchFamily="34" charset="0"/>
+                      </a:endParaRPr>
                     </a:p>
                   </a:txBody>
-                  <a:tcPr anchor="ctr">
-                    <a:lnL>
-                      <a:noFill/>
-                    </a:lnL>
-                    <a:lnR>
-                      <a:noFill/>
-                    </a:lnR>
-                    <a:lnT>
-                      <a:noFill/>
-                    </a:lnT>
-                    <a:lnB>
-                      <a:noFill/>
-                    </a:lnB>
-                    <a:solidFill>
-                      <a:srgbClr val="F5F5F5"/>
-                    </a:solidFill>
-                  </a:tcPr>
+                  <a:tcPr marL="9525" marR="9525" marT="9525" marB="0" anchor="b"/>
                 </a:tc>
                 <a:tc>
                   <a:txBody>
                     <a:bodyPr/>
                     <a:lstStyle/>
                     <a:p>
-                      <a:pPr algn="r" fontAlgn="ctr"/>
+                      <a:pPr algn="ctr" fontAlgn="b"/>
                       <a:r>
-                        <a:rPr lang="en-US" sz="1200" dirty="0">
+                        <a:rPr lang="en-US" sz="2000" b="0" u="none" strike="noStrike">
+                          <a:solidFill>
+                            <a:srgbClr val="000000"/>
+                          </a:solidFill>
                           <a:effectLst/>
-                          <a:latin typeface="Courier New" panose="02070309020205020404" pitchFamily="49" charset="0"/>
-                          <a:cs typeface="Courier New" panose="02070309020205020404" pitchFamily="49" charset="0"/>
                         </a:rPr>
-                        <a:t>1754.707216</a:t>
+                        <a:t>0</a:t>
                       </a:r>
+                      <a:endParaRPr lang="en-US" sz="2000" b="0" i="0" u="none" strike="noStrike">
+                        <a:solidFill>
+                          <a:srgbClr val="000000"/>
+                        </a:solidFill>
+                        <a:effectLst/>
+                        <a:latin typeface="Calibri" panose="020F0502020204030204" pitchFamily="34" charset="0"/>
+                      </a:endParaRPr>
                     </a:p>
                   </a:txBody>
-                  <a:tcPr anchor="ctr">
-                    <a:lnL>
-                      <a:noFill/>
-                    </a:lnL>
-                    <a:lnR>
-                      <a:noFill/>
-                    </a:lnR>
-                    <a:lnT>
-                      <a:noFill/>
-                    </a:lnT>
-                    <a:lnB>
-                      <a:noFill/>
-                    </a:lnB>
-                    <a:solidFill>
-                      <a:srgbClr val="F5F5F5"/>
-                    </a:solidFill>
-                  </a:tcPr>
+                  <a:tcPr marL="9525" marR="9525" marT="9525" marB="0" anchor="b"/>
                 </a:tc>
                 <a:tc>
                   <a:txBody>
                     <a:bodyPr/>
                     <a:lstStyle/>
                     <a:p>
-                      <a:pPr algn="r" fontAlgn="ctr"/>
+                      <a:pPr algn="ctr" fontAlgn="b"/>
                       <a:r>
-                        <a:rPr lang="en-US" sz="1200">
+                        <a:rPr lang="en-US" sz="2000" b="0" u="none" strike="noStrike">
+                          <a:solidFill>
+                            <a:srgbClr val="000000"/>
+                          </a:solidFill>
                           <a:effectLst/>
-                          <a:latin typeface="Courier New" panose="02070309020205020404" pitchFamily="49" charset="0"/>
-                          <a:cs typeface="Courier New" panose="02070309020205020404" pitchFamily="49" charset="0"/>
                         </a:rPr>
-                        <a:t>0.048774</a:t>
+                        <a:t>22</a:t>
                       </a:r>
+                      <a:endParaRPr lang="en-US" sz="2000" b="0" i="0" u="none" strike="noStrike">
+                        <a:solidFill>
+                          <a:srgbClr val="000000"/>
+                        </a:solidFill>
+                        <a:effectLst/>
+                        <a:latin typeface="Calibri" panose="020F0502020204030204" pitchFamily="34" charset="0"/>
+                      </a:endParaRPr>
                     </a:p>
                   </a:txBody>
-                  <a:tcPr anchor="ctr">
-                    <a:lnL>
-                      <a:noFill/>
-                    </a:lnL>
-                    <a:lnR>
-                      <a:noFill/>
-                    </a:lnR>
-                    <a:lnT>
-                      <a:noFill/>
-                    </a:lnT>
-                    <a:lnB>
-                      <a:noFill/>
-                    </a:lnB>
-                    <a:solidFill>
-                      <a:srgbClr val="F5F5F5"/>
-                    </a:solidFill>
-                  </a:tcPr>
+                  <a:tcPr marL="9525" marR="9525" marT="9525" marB="0" anchor="b"/>
                 </a:tc>
                 <a:tc>
                   <a:txBody>
                     <a:bodyPr/>
                     <a:lstStyle/>
                     <a:p>
-                      <a:pPr algn="r" fontAlgn="ctr"/>
+                      <a:pPr algn="ctr" fontAlgn="b"/>
                       <a:r>
-                        <a:rPr lang="en-US" sz="1200">
+                        <a:rPr lang="en-US" sz="2000" b="0" u="none" strike="noStrike">
+                          <a:solidFill>
+                            <a:srgbClr val="000000"/>
+                          </a:solidFill>
                           <a:effectLst/>
-                          <a:latin typeface="Courier New" panose="02070309020205020404" pitchFamily="49" charset="0"/>
-                          <a:cs typeface="Courier New" panose="02070309020205020404" pitchFamily="49" charset="0"/>
                         </a:rPr>
-                        <a:t>0.153531</a:t>
+                        <a:t>150</a:t>
                       </a:r>
+                      <a:endParaRPr lang="en-US" sz="2000" b="0" i="0" u="none" strike="noStrike">
+                        <a:solidFill>
+                          <a:srgbClr val="000000"/>
+                        </a:solidFill>
+                        <a:effectLst/>
+                        <a:latin typeface="Calibri" panose="020F0502020204030204" pitchFamily="34" charset="0"/>
+                      </a:endParaRPr>
                     </a:p>
                   </a:txBody>
-                  <a:tcPr anchor="ctr">
-                    <a:lnL>
-                      <a:noFill/>
-                    </a:lnL>
-                    <a:lnR>
-                      <a:noFill/>
-                    </a:lnR>
-                    <a:lnT>
-                      <a:noFill/>
-                    </a:lnT>
-                    <a:lnB>
-                      <a:noFill/>
-                    </a:lnB>
-                    <a:solidFill>
-                      <a:srgbClr val="F5F5F5"/>
-                    </a:solidFill>
-                  </a:tcPr>
+                  <a:tcPr marL="9525" marR="9525" marT="9525" marB="0" anchor="b"/>
                 </a:tc>
                 <a:tc>
                   <a:txBody>
                     <a:bodyPr/>
                     <a:lstStyle/>
                     <a:p>
-                      <a:pPr algn="r" fontAlgn="ctr"/>
+                      <a:pPr algn="ctr" fontAlgn="b"/>
                       <a:r>
-                        <a:rPr lang="en-US" sz="1200">
+                        <a:rPr lang="en-US" sz="2000" b="0" u="none" strike="noStrike">
+                          <a:solidFill>
+                            <a:srgbClr val="000000"/>
+                          </a:solidFill>
                           <a:effectLst/>
-                          <a:latin typeface="Courier New" panose="02070309020205020404" pitchFamily="49" charset="0"/>
-                          <a:cs typeface="Courier New" panose="02070309020205020404" pitchFamily="49" charset="0"/>
                         </a:rPr>
-                        <a:t>0.863918</a:t>
+                        <a:t>532</a:t>
                       </a:r>
+                      <a:endParaRPr lang="en-US" sz="2000" b="0" i="0" u="none" strike="noStrike">
+                        <a:solidFill>
+                          <a:srgbClr val="000000"/>
+                        </a:solidFill>
+                        <a:effectLst/>
+                        <a:latin typeface="Calibri" panose="020F0502020204030204" pitchFamily="34" charset="0"/>
+                      </a:endParaRPr>
                     </a:p>
                   </a:txBody>
-                  <a:tcPr anchor="ctr">
-                    <a:lnL>
-                      <a:noFill/>
-                    </a:lnL>
-                    <a:lnR>
-                      <a:noFill/>
-                    </a:lnR>
-                    <a:lnT>
-                      <a:noFill/>
-                    </a:lnT>
-                    <a:lnB>
-                      <a:noFill/>
-                    </a:lnB>
-                    <a:solidFill>
-                      <a:srgbClr val="F5F5F5"/>
-                    </a:solidFill>
-                  </a:tcPr>
+                  <a:tcPr marL="9525" marR="9525" marT="9525" marB="0" anchor="b"/>
                 </a:tc>
                 <a:tc>
                   <a:txBody>
                     <a:bodyPr/>
                     <a:lstStyle/>
                     <a:p>
-                      <a:pPr algn="r" fontAlgn="ctr"/>
+                      <a:pPr algn="ctr" fontAlgn="b"/>
                       <a:r>
-                        <a:rPr lang="en-US" sz="1200">
+                        <a:rPr lang="en-US" sz="2000" b="0" u="none" strike="noStrike">
+                          <a:solidFill>
+                            <a:srgbClr val="000000"/>
+                          </a:solidFill>
                           <a:effectLst/>
-                          <a:latin typeface="Courier New" panose="02070309020205020404" pitchFamily="49" charset="0"/>
-                          <a:cs typeface="Courier New" panose="02070309020205020404" pitchFamily="49" charset="0"/>
                         </a:rPr>
-                        <a:t>6.024722</a:t>
+                        <a:t>14031</a:t>
                       </a:r>
+                      <a:endParaRPr lang="en-US" sz="2000" b="0" i="0" u="none" strike="noStrike">
+                        <a:solidFill>
+                          <a:srgbClr val="000000"/>
+                        </a:solidFill>
+                        <a:effectLst/>
+                        <a:latin typeface="Calibri" panose="020F0502020204030204" pitchFamily="34" charset="0"/>
+                      </a:endParaRPr>
                     </a:p>
                   </a:txBody>
-                  <a:tcPr anchor="ctr">
-                    <a:lnL>
-                      <a:noFill/>
-                    </a:lnL>
-                    <a:lnR>
-                      <a:noFill/>
-                    </a:lnR>
-                    <a:lnT>
-                      <a:noFill/>
-                    </a:lnT>
-                    <a:lnB>
-                      <a:noFill/>
-                    </a:lnB>
-                    <a:solidFill>
-                      <a:srgbClr val="F5F5F5"/>
-                    </a:solidFill>
-                  </a:tcPr>
+                  <a:tcPr marL="9525" marR="9525" marT="9525" marB="0" anchor="b"/>
                 </a:tc>
                 <a:extLst>
                   <a:ext uri="{0D108BD9-81ED-4DB2-BD59-A6C34878D82A}">
-                    <a16:rowId xmlns:a16="http://schemas.microsoft.com/office/drawing/2014/main" val="372803625"/>
+                    <a16:rowId xmlns:a16="http://schemas.microsoft.com/office/drawing/2014/main" val="49825542"/>
                   </a:ext>
                 </a:extLst>
               </a:tr>
-              <a:tr h="365760">
+              <a:tr h="370840">
                 <a:tc>
                   <a:txBody>
                     <a:bodyPr/>
                     <a:lstStyle/>
                     <a:p>
-                      <a:pPr algn="r" fontAlgn="ctr"/>
+                      <a:pPr algn="r" fontAlgn="b"/>
                       <a:r>
-                        <a:rPr lang="en-US" sz="1200" b="1">
+                        <a:rPr lang="en-US" sz="2000" b="0" u="none" strike="noStrike">
+                          <a:solidFill>
+                            <a:srgbClr val="000000"/>
+                          </a:solidFill>
                           <a:effectLst/>
-                          <a:latin typeface="Courier New" panose="02070309020205020404" pitchFamily="49" charset="0"/>
-                          <a:cs typeface="Courier New" panose="02070309020205020404" pitchFamily="49" charset="0"/>
                         </a:rPr>
-                        <a:t>min</a:t>
+                        <a:t>Highest Elevation</a:t>
                       </a:r>
+                      <a:endParaRPr lang="en-US" sz="2000" b="0" i="0" u="none" strike="noStrike">
+                        <a:solidFill>
+                          <a:srgbClr val="000000"/>
+                        </a:solidFill>
+                        <a:effectLst/>
+                        <a:latin typeface="Calibri" panose="020F0502020204030204" pitchFamily="34" charset="0"/>
+                      </a:endParaRPr>
                     </a:p>
                   </a:txBody>
-                  <a:tcPr anchor="ctr">
-                    <a:lnL>
-                      <a:noFill/>
-                    </a:lnL>
-                    <a:lnR>
-                      <a:noFill/>
-                    </a:lnR>
-                    <a:lnT>
-                      <a:noFill/>
-                    </a:lnT>
-                    <a:lnB>
-                      <a:noFill/>
-                    </a:lnB>
-                    <a:solidFill>
-                      <a:srgbClr val="FFFFFF"/>
-                    </a:solidFill>
-                  </a:tcPr>
+                  <a:tcPr marL="9525" marR="9525" marT="9525" marB="0" anchor="b"/>
                 </a:tc>
                 <a:tc>
                   <a:txBody>
                     <a:bodyPr/>
                     <a:lstStyle/>
                     <a:p>
-                      <a:pPr algn="r" fontAlgn="ctr"/>
+                      <a:pPr algn="ctr" fontAlgn="b"/>
                       <a:r>
-                        <a:rPr lang="en-US" sz="1200" dirty="0">
+                        <a:rPr lang="en-US" sz="2000" b="0" u="none" strike="noStrike" dirty="0">
+                          <a:solidFill>
+                            <a:srgbClr val="000000"/>
+                          </a:solidFill>
                           <a:effectLst/>
-                          <a:latin typeface="Courier New" panose="02070309020205020404" pitchFamily="49" charset="0"/>
-                          <a:cs typeface="Courier New" panose="02070309020205020404" pitchFamily="49" charset="0"/>
                         </a:rPr>
-                        <a:t>0.00000</a:t>
+                        <a:t>4903</a:t>
                       </a:r>
+                      <a:endParaRPr lang="en-US" sz="2000" b="0" i="0" u="none" strike="noStrike" dirty="0">
+                        <a:solidFill>
+                          <a:srgbClr val="000000"/>
+                        </a:solidFill>
+                        <a:effectLst/>
+                        <a:latin typeface="Calibri" panose="020F0502020204030204" pitchFamily="34" charset="0"/>
+                      </a:endParaRPr>
                     </a:p>
                   </a:txBody>
-                  <a:tcPr anchor="ctr">
-                    <a:lnL>
-                      <a:noFill/>
-                    </a:lnL>
-                    <a:lnR>
-                      <a:noFill/>
-                    </a:lnR>
-                    <a:lnT>
-                      <a:noFill/>
-                    </a:lnT>
-                    <a:lnB>
-                      <a:noFill/>
-                    </a:lnB>
-                    <a:solidFill>
-                      <a:srgbClr val="FFFFFF"/>
-                    </a:solidFill>
-                  </a:tcPr>
+                  <a:tcPr marL="9525" marR="9525" marT="9525" marB="0" anchor="b"/>
                 </a:tc>
                 <a:tc>
                   <a:txBody>
                     <a:bodyPr/>
                     <a:lstStyle/>
                     <a:p>
-                      <a:pPr algn="r" fontAlgn="ctr"/>
+                      <a:pPr algn="ctr" fontAlgn="b"/>
                       <a:r>
-                        <a:rPr lang="en-US" sz="1200">
+                        <a:rPr lang="en-US" sz="2000" b="0" u="none" strike="noStrike">
+                          <a:solidFill>
+                            <a:srgbClr val="000000"/>
+                          </a:solidFill>
                           <a:effectLst/>
-                          <a:latin typeface="Courier New" panose="02070309020205020404" pitchFamily="49" charset="0"/>
-                          <a:cs typeface="Courier New" panose="02070309020205020404" pitchFamily="49" charset="0"/>
                         </a:rPr>
-                        <a:t>1.000000</a:t>
+                        <a:t>9087.82786</a:t>
                       </a:r>
+                      <a:endParaRPr lang="en-US" sz="2000" b="0" i="0" u="none" strike="noStrike">
+                        <a:solidFill>
+                          <a:srgbClr val="000000"/>
+                        </a:solidFill>
+                        <a:effectLst/>
+                        <a:latin typeface="Calibri" panose="020F0502020204030204" pitchFamily="34" charset="0"/>
+                      </a:endParaRPr>
                     </a:p>
                   </a:txBody>
-                  <a:tcPr anchor="ctr">
-                    <a:lnL>
-                      <a:noFill/>
-                    </a:lnL>
-                    <a:lnR>
-                      <a:noFill/>
-                    </a:lnR>
-                    <a:lnT>
-                      <a:noFill/>
-                    </a:lnT>
-                    <a:lnB>
-                      <a:noFill/>
-                    </a:lnB>
-                    <a:solidFill>
-                      <a:srgbClr val="FFFFFF"/>
-                    </a:solidFill>
-                  </a:tcPr>
+                  <a:tcPr marL="9525" marR="9525" marT="9525" marB="0" anchor="b"/>
                 </a:tc>
                 <a:tc>
                   <a:txBody>
                     <a:bodyPr/>
                     <a:lstStyle/>
                     <a:p>
-                      <a:pPr algn="r" fontAlgn="ctr"/>
+                      <a:pPr algn="ctr" fontAlgn="b"/>
                       <a:r>
-                        <a:rPr lang="en-US" sz="1200">
+                        <a:rPr lang="en-US" sz="2000" b="0" u="none" strike="noStrike">
+                          <a:solidFill>
+                            <a:srgbClr val="000000"/>
+                          </a:solidFill>
                           <a:effectLst/>
-                          <a:latin typeface="Courier New" panose="02070309020205020404" pitchFamily="49" charset="0"/>
-                          <a:cs typeface="Courier New" panose="02070309020205020404" pitchFamily="49" charset="0"/>
                         </a:rPr>
-                        <a:t>0.000000</a:t>
+                        <a:t>2152.18826</a:t>
                       </a:r>
+                      <a:endParaRPr lang="en-US" sz="2000" b="0" i="0" u="none" strike="noStrike">
+                        <a:solidFill>
+                          <a:srgbClr val="000000"/>
+                        </a:solidFill>
+                        <a:effectLst/>
+                        <a:latin typeface="Calibri" panose="020F0502020204030204" pitchFamily="34" charset="0"/>
+                      </a:endParaRPr>
                     </a:p>
                   </a:txBody>
-                  <a:tcPr anchor="ctr">
-                    <a:lnL>
-                      <a:noFill/>
-                    </a:lnL>
-                    <a:lnR>
-                      <a:noFill/>
-                    </a:lnR>
-                    <a:lnT>
-                      <a:noFill/>
-                    </a:lnT>
-                    <a:lnB>
-                      <a:noFill/>
-                    </a:lnB>
-                    <a:solidFill>
-                      <a:srgbClr val="FFFFFF"/>
-                    </a:solidFill>
-                  </a:tcPr>
+                  <a:tcPr marL="9525" marR="9525" marT="9525" marB="0" anchor="b"/>
                 </a:tc>
                 <a:tc>
                   <a:txBody>
                     <a:bodyPr/>
                     <a:lstStyle/>
                     <a:p>
-                      <a:pPr algn="r" fontAlgn="ctr"/>
+                      <a:pPr algn="ctr" fontAlgn="b"/>
                       <a:r>
-                        <a:rPr lang="en-US" sz="1200">
+                        <a:rPr lang="en-US" sz="2000" b="0" u="none" strike="noStrike">
+                          <a:solidFill>
+                            <a:srgbClr val="000000"/>
+                          </a:solidFill>
                           <a:effectLst/>
-                          <a:latin typeface="Courier New" panose="02070309020205020404" pitchFamily="49" charset="0"/>
-                          <a:cs typeface="Courier New" panose="02070309020205020404" pitchFamily="49" charset="0"/>
                         </a:rPr>
-                        <a:t>0.000000</a:t>
+                        <a:t>3886</a:t>
                       </a:r>
+                      <a:endParaRPr lang="en-US" sz="2000" b="0" i="0" u="none" strike="noStrike">
+                        <a:solidFill>
+                          <a:srgbClr val="000000"/>
+                        </a:solidFill>
+                        <a:effectLst/>
+                        <a:latin typeface="Calibri" panose="020F0502020204030204" pitchFamily="34" charset="0"/>
+                      </a:endParaRPr>
                     </a:p>
                   </a:txBody>
-                  <a:tcPr anchor="ctr">
-                    <a:lnL>
-                      <a:noFill/>
-                    </a:lnL>
-                    <a:lnR>
-                      <a:noFill/>
-                    </a:lnR>
-                    <a:lnT>
-                      <a:noFill/>
-                    </a:lnT>
-                    <a:lnB>
-                      <a:noFill/>
-                    </a:lnB>
-                    <a:solidFill>
-                      <a:srgbClr val="FFFFFF"/>
-                    </a:solidFill>
-                  </a:tcPr>
+                  <a:tcPr marL="9525" marR="9525" marT="9525" marB="0" anchor="b"/>
                 </a:tc>
                 <a:tc>
                   <a:txBody>
                     <a:bodyPr/>
                     <a:lstStyle/>
                     <a:p>
-                      <a:pPr algn="r" fontAlgn="ctr"/>
+                      <a:pPr algn="ctr" fontAlgn="b"/>
                       <a:r>
-                        <a:rPr lang="en-US" sz="1200">
+                        <a:rPr lang="en-US" sz="2000" b="0" u="none" strike="noStrike">
+                          <a:solidFill>
+                            <a:srgbClr val="000000"/>
+                          </a:solidFill>
                           <a:effectLst/>
-                          <a:latin typeface="Courier New" panose="02070309020205020404" pitchFamily="49" charset="0"/>
-                          <a:cs typeface="Courier New" panose="02070309020205020404" pitchFamily="49" charset="0"/>
                         </a:rPr>
-                        <a:t>3886.000000</a:t>
+                        <a:t>7436</a:t>
                       </a:r>
+                      <a:endParaRPr lang="en-US" sz="2000" b="0" i="0" u="none" strike="noStrike">
+                        <a:solidFill>
+                          <a:srgbClr val="000000"/>
+                        </a:solidFill>
+                        <a:effectLst/>
+                        <a:latin typeface="Calibri" panose="020F0502020204030204" pitchFamily="34" charset="0"/>
+                      </a:endParaRPr>
                     </a:p>
                   </a:txBody>
-                  <a:tcPr anchor="ctr">
-                    <a:lnL>
-                      <a:noFill/>
-                    </a:lnL>
-                    <a:lnR>
-                      <a:noFill/>
-                    </a:lnR>
-                    <a:lnT>
-                      <a:noFill/>
-                    </a:lnT>
-                    <a:lnB>
-                      <a:noFill/>
-                    </a:lnB>
-                    <a:solidFill>
-                      <a:srgbClr val="FFFFFF"/>
-                    </a:solidFill>
-                  </a:tcPr>
+                  <a:tcPr marL="9525" marR="9525" marT="9525" marB="0" anchor="b"/>
                 </a:tc>
                 <a:tc>
                   <a:txBody>
                     <a:bodyPr/>
                     <a:lstStyle/>
                     <a:p>
-                      <a:pPr algn="r" fontAlgn="ctr"/>
+                      <a:pPr algn="ctr" fontAlgn="b"/>
                       <a:r>
-                        <a:rPr lang="en-US" sz="1200" dirty="0">
+                        <a:rPr lang="en-US" sz="2000" b="0" u="none" strike="noStrike">
+                          <a:solidFill>
+                            <a:srgbClr val="000000"/>
+                          </a:solidFill>
                           <a:effectLst/>
-                          <a:latin typeface="Courier New" panose="02070309020205020404" pitchFamily="49" charset="0"/>
-                          <a:cs typeface="Courier New" panose="02070309020205020404" pitchFamily="49" charset="0"/>
                         </a:rPr>
-                        <a:t>3752.000000</a:t>
+                        <a:t>9166</a:t>
                       </a:r>
+                      <a:endParaRPr lang="en-US" sz="2000" b="0" i="0" u="none" strike="noStrike">
+                        <a:solidFill>
+                          <a:srgbClr val="000000"/>
+                        </a:solidFill>
+                        <a:effectLst/>
+                        <a:latin typeface="Calibri" panose="020F0502020204030204" pitchFamily="34" charset="0"/>
+                      </a:endParaRPr>
                     </a:p>
                   </a:txBody>
-                  <a:tcPr anchor="ctr">
-                    <a:lnL>
-                      <a:noFill/>
-                    </a:lnL>
-                    <a:lnR>
-                      <a:noFill/>
-                    </a:lnR>
-                    <a:lnT>
-                      <a:noFill/>
-                    </a:lnT>
-                    <a:lnB>
-                      <a:noFill/>
-                    </a:lnB>
-                    <a:solidFill>
-                      <a:srgbClr val="FFFFFF"/>
-                    </a:solidFill>
-                  </a:tcPr>
+                  <a:tcPr marL="9525" marR="9525" marT="9525" marB="0" anchor="b"/>
                 </a:tc>
                 <a:tc>
                   <a:txBody>
                     <a:bodyPr/>
                     <a:lstStyle/>
                     <a:p>
-                      <a:pPr algn="r" fontAlgn="ctr"/>
+                      <a:pPr algn="ctr" fontAlgn="b"/>
                       <a:r>
-                        <a:rPr lang="en-US" sz="1200" dirty="0">
+                        <a:rPr lang="en-US" sz="2000" b="0" u="none" strike="noStrike">
+                          <a:solidFill>
+                            <a:srgbClr val="000000"/>
+                          </a:solidFill>
                           <a:effectLst/>
-                          <a:latin typeface="Courier New" panose="02070309020205020404" pitchFamily="49" charset="0"/>
-                          <a:cs typeface="Courier New" panose="02070309020205020404" pitchFamily="49" charset="0"/>
                         </a:rPr>
-                        <a:t>0.000000</a:t>
+                        <a:t>10694</a:t>
                       </a:r>
+                      <a:endParaRPr lang="en-US" sz="2000" b="0" i="0" u="none" strike="noStrike">
+                        <a:solidFill>
+                          <a:srgbClr val="000000"/>
+                        </a:solidFill>
+                        <a:effectLst/>
+                        <a:latin typeface="Calibri" panose="020F0502020204030204" pitchFamily="34" charset="0"/>
+                      </a:endParaRPr>
                     </a:p>
                   </a:txBody>
-                  <a:tcPr anchor="ctr">
-                    <a:lnL>
-                      <a:noFill/>
-                    </a:lnL>
-                    <a:lnR>
-                      <a:noFill/>
-                    </a:lnR>
-                    <a:lnT>
-                      <a:noFill/>
-                    </a:lnT>
-                    <a:lnB>
-                      <a:noFill/>
-                    </a:lnB>
-                    <a:solidFill>
-                      <a:srgbClr val="FFFFFF"/>
-                    </a:solidFill>
-                  </a:tcPr>
+                  <a:tcPr marL="9525" marR="9525" marT="9525" marB="0" anchor="b"/>
                 </a:tc>
                 <a:tc>
                   <a:txBody>
                     <a:bodyPr/>
                     <a:lstStyle/>
                     <a:p>
-                      <a:pPr algn="r" fontAlgn="ctr"/>
+                      <a:pPr algn="ctr" fontAlgn="b"/>
                       <a:r>
-                        <a:rPr lang="en-US" sz="1200">
+                        <a:rPr lang="en-US" sz="2000" b="0" u="none" strike="noStrike">
+                          <a:solidFill>
+                            <a:srgbClr val="000000"/>
+                          </a:solidFill>
                           <a:effectLst/>
-                          <a:latin typeface="Courier New" panose="02070309020205020404" pitchFamily="49" charset="0"/>
-                          <a:cs typeface="Courier New" panose="02070309020205020404" pitchFamily="49" charset="0"/>
                         </a:rPr>
-                        <a:t>0.000000</a:t>
+                        <a:t>14416</a:t>
                       </a:r>
+                      <a:endParaRPr lang="en-US" sz="2000" b="0" i="0" u="none" strike="noStrike">
+                        <a:solidFill>
+                          <a:srgbClr val="000000"/>
+                        </a:solidFill>
+                        <a:effectLst/>
+                        <a:latin typeface="Calibri" panose="020F0502020204030204" pitchFamily="34" charset="0"/>
+                      </a:endParaRPr>
                     </a:p>
                   </a:txBody>
-                  <a:tcPr anchor="ctr">
-                    <a:lnL>
-                      <a:noFill/>
-                    </a:lnL>
-                    <a:lnR>
-                      <a:noFill/>
-                    </a:lnR>
-                    <a:lnT>
-                      <a:noFill/>
-                    </a:lnT>
-                    <a:lnB>
-                      <a:noFill/>
-                    </a:lnB>
-                    <a:solidFill>
-                      <a:srgbClr val="FFFFFF"/>
-                    </a:solidFill>
-                  </a:tcPr>
+                  <a:tcPr marL="9525" marR="9525" marT="9525" marB="0" anchor="b"/>
+                </a:tc>
+                <a:extLst>
+                  <a:ext uri="{0D108BD9-81ED-4DB2-BD59-A6C34878D82A}">
+                    <a16:rowId xmlns:a16="http://schemas.microsoft.com/office/drawing/2014/main" val="3104649589"/>
+                  </a:ext>
+                </a:extLst>
+              </a:tr>
+              <a:tr h="370840">
+                <a:tc>
+                  <a:txBody>
+                    <a:bodyPr/>
+                    <a:lstStyle/>
+                    <a:p>
+                      <a:pPr algn="r" fontAlgn="b"/>
+                      <a:r>
+                        <a:rPr lang="en-US" sz="2000" b="0" u="none" strike="noStrike">
+                          <a:solidFill>
+                            <a:srgbClr val="000000"/>
+                          </a:solidFill>
+                          <a:effectLst/>
+                        </a:rPr>
+                        <a:t>Lowest Elevation</a:t>
+                      </a:r>
+                      <a:endParaRPr lang="en-US" sz="2000" b="0" i="0" u="none" strike="noStrike">
+                        <a:solidFill>
+                          <a:srgbClr val="000000"/>
+                        </a:solidFill>
+                        <a:effectLst/>
+                        <a:latin typeface="Calibri" panose="020F0502020204030204" pitchFamily="34" charset="0"/>
+                      </a:endParaRPr>
+                    </a:p>
+                  </a:txBody>
+                  <a:tcPr marL="9525" marR="9525" marT="9525" marB="0" anchor="b"/>
                 </a:tc>
                 <a:tc>
                   <a:txBody>
                     <a:bodyPr/>
                     <a:lstStyle/>
                     <a:p>
-                      <a:pPr algn="r" fontAlgn="ctr"/>
+                      <a:pPr algn="ctr" fontAlgn="b"/>
                       <a:r>
-                        <a:rPr lang="en-US" sz="1200">
+                        <a:rPr lang="en-US" sz="2000" b="0" u="none" strike="noStrike" dirty="0">
+                          <a:solidFill>
+                            <a:srgbClr val="000000"/>
+                          </a:solidFill>
                           <a:effectLst/>
-                          <a:latin typeface="Courier New" panose="02070309020205020404" pitchFamily="49" charset="0"/>
-                          <a:cs typeface="Courier New" panose="02070309020205020404" pitchFamily="49" charset="0"/>
                         </a:rPr>
-                        <a:t>1.000000</a:t>
+                        <a:t>4903</a:t>
                       </a:r>
+                      <a:endParaRPr lang="en-US" sz="2000" b="0" i="0" u="none" strike="noStrike" dirty="0">
+                        <a:solidFill>
+                          <a:srgbClr val="000000"/>
+                        </a:solidFill>
+                        <a:effectLst/>
+                        <a:latin typeface="Calibri" panose="020F0502020204030204" pitchFamily="34" charset="0"/>
+                      </a:endParaRPr>
                     </a:p>
                   </a:txBody>
-                  <a:tcPr anchor="ctr">
-                    <a:lnL>
-                      <a:noFill/>
-                    </a:lnL>
-                    <a:lnR>
-                      <a:noFill/>
-                    </a:lnR>
-                    <a:lnT>
-                      <a:noFill/>
-                    </a:lnT>
-                    <a:lnB>
-                      <a:noFill/>
-                    </a:lnB>
-                    <a:solidFill>
-                      <a:srgbClr val="FFFFFF"/>
-                    </a:solidFill>
-                  </a:tcPr>
+                  <a:tcPr marL="9525" marR="9525" marT="9525" marB="0" anchor="b"/>
                 </a:tc>
                 <a:tc>
                   <a:txBody>
                     <a:bodyPr/>
                     <a:lstStyle/>
                     <a:p>
-                      <a:pPr algn="r" fontAlgn="ctr"/>
+                      <a:pPr algn="ctr" fontAlgn="b"/>
                       <a:r>
-                        <a:rPr lang="en-US" sz="1200">
+                        <a:rPr lang="en-US" sz="2000" b="0" u="none" strike="noStrike" dirty="0">
+                          <a:solidFill>
+                            <a:srgbClr val="000000"/>
+                          </a:solidFill>
                           <a:effectLst/>
-                          <a:latin typeface="Courier New" panose="02070309020205020404" pitchFamily="49" charset="0"/>
-                          <a:cs typeface="Courier New" panose="02070309020205020404" pitchFamily="49" charset="0"/>
                         </a:rPr>
-                        <a:t>1.000000</a:t>
+                        <a:t>8232.81154</a:t>
                       </a:r>
+                      <a:endParaRPr lang="en-US" sz="2000" b="0" i="0" u="none" strike="noStrike" dirty="0">
+                        <a:solidFill>
+                          <a:srgbClr val="000000"/>
+                        </a:solidFill>
+                        <a:effectLst/>
+                        <a:latin typeface="Calibri" panose="020F0502020204030204" pitchFamily="34" charset="0"/>
+                      </a:endParaRPr>
                     </a:p>
                   </a:txBody>
-                  <a:tcPr anchor="ctr">
-                    <a:lnL>
-                      <a:noFill/>
-                    </a:lnL>
-                    <a:lnR>
-                      <a:noFill/>
-                    </a:lnR>
-                    <a:lnT>
-                      <a:noFill/>
-                    </a:lnT>
-                    <a:lnB>
-                      <a:noFill/>
-                    </a:lnB>
-                    <a:solidFill>
-                      <a:srgbClr val="FFFFFF"/>
-                    </a:solidFill>
-                  </a:tcPr>
-                </a:tc>
-                <a:extLst>
-                  <a:ext uri="{0D108BD9-81ED-4DB2-BD59-A6C34878D82A}">
-                    <a16:rowId xmlns:a16="http://schemas.microsoft.com/office/drawing/2014/main" val="2603767391"/>
-                  </a:ext>
-                </a:extLst>
-              </a:tr>
-              <a:tr h="365760">
-                <a:tc>
-                  <a:txBody>
-                    <a:bodyPr/>
-                    <a:lstStyle/>
-                    <a:p>
-                      <a:pPr algn="r" fontAlgn="ctr"/>
-                      <a:r>
-                        <a:rPr lang="en-US" sz="1200" b="1">
-                          <a:effectLst/>
-                          <a:latin typeface="Courier New" panose="02070309020205020404" pitchFamily="49" charset="0"/>
-                          <a:cs typeface="Courier New" panose="02070309020205020404" pitchFamily="49" charset="0"/>
-                        </a:rPr>
-                        <a:t>25%</a:t>
-                      </a:r>
-                    </a:p>
-                  </a:txBody>
-                  <a:tcPr anchor="ctr">
-                    <a:lnL>
-                      <a:noFill/>
-                    </a:lnL>
-                    <a:lnR>
-                      <a:noFill/>
-                    </a:lnR>
-                    <a:lnT>
-                      <a:noFill/>
-                    </a:lnT>
-                    <a:lnB>
-                      <a:noFill/>
-                    </a:lnB>
-                    <a:solidFill>
-                      <a:srgbClr val="F5F5F5"/>
-                    </a:solidFill>
-                  </a:tcPr>
+                  <a:tcPr marL="9525" marR="9525" marT="9525" marB="0" anchor="b"/>
                 </a:tc>
                 <a:tc>
                   <a:txBody>
                     <a:bodyPr/>
                     <a:lstStyle/>
                     <a:p>
-                      <a:pPr algn="r" fontAlgn="ctr"/>
+                      <a:pPr algn="ctr" fontAlgn="b"/>
                       <a:r>
-                        <a:rPr lang="en-US" sz="1200">
+                        <a:rPr lang="en-US" sz="2000" b="0" u="none" strike="noStrike">
+                          <a:solidFill>
+                            <a:srgbClr val="000000"/>
+                          </a:solidFill>
                           <a:effectLst/>
-                          <a:latin typeface="Courier New" panose="02070309020205020404" pitchFamily="49" charset="0"/>
-                          <a:cs typeface="Courier New" panose="02070309020205020404" pitchFamily="49" charset="0"/>
                         </a:rPr>
-                        <a:t>1.00000</a:t>
+                        <a:t>1754.70722</a:t>
                       </a:r>
+                      <a:endParaRPr lang="en-US" sz="2000" b="0" i="0" u="none" strike="noStrike">
+                        <a:solidFill>
+                          <a:srgbClr val="000000"/>
+                        </a:solidFill>
+                        <a:effectLst/>
+                        <a:latin typeface="Calibri" panose="020F0502020204030204" pitchFamily="34" charset="0"/>
+                      </a:endParaRPr>
                     </a:p>
                   </a:txBody>
-                  <a:tcPr anchor="ctr">
-                    <a:lnL>
-                      <a:noFill/>
-                    </a:lnL>
-                    <a:lnR>
-                      <a:noFill/>
-                    </a:lnR>
-                    <a:lnT>
-                      <a:noFill/>
-                    </a:lnT>
-                    <a:lnB>
-                      <a:noFill/>
-                    </a:lnB>
-                    <a:solidFill>
-                      <a:srgbClr val="F5F5F5"/>
-                    </a:solidFill>
-                  </a:tcPr>
+                  <a:tcPr marL="9525" marR="9525" marT="9525" marB="0" anchor="b"/>
                 </a:tc>
                 <a:tc>
                   <a:txBody>
                     <a:bodyPr/>
                     <a:lstStyle/>
                     <a:p>
-                      <a:pPr algn="r" fontAlgn="ctr"/>
+                      <a:pPr algn="ctr" fontAlgn="b"/>
                       <a:r>
-                        <a:rPr lang="en-US" sz="1200">
+                        <a:rPr lang="en-US" sz="2000" b="0" u="none" strike="noStrike">
+                          <a:solidFill>
+                            <a:srgbClr val="000000"/>
+                          </a:solidFill>
                           <a:effectLst/>
-                          <a:latin typeface="Courier New" panose="02070309020205020404" pitchFamily="49" charset="0"/>
-                          <a:cs typeface="Courier New" panose="02070309020205020404" pitchFamily="49" charset="0"/>
                         </a:rPr>
-                        <a:t>2.000000</a:t>
+                        <a:t>3752</a:t>
                       </a:r>
+                      <a:endParaRPr lang="en-US" sz="2000" b="0" i="0" u="none" strike="noStrike">
+                        <a:solidFill>
+                          <a:srgbClr val="000000"/>
+                        </a:solidFill>
+                        <a:effectLst/>
+                        <a:latin typeface="Calibri" panose="020F0502020204030204" pitchFamily="34" charset="0"/>
+                      </a:endParaRPr>
                     </a:p>
                   </a:txBody>
-                  <a:tcPr anchor="ctr">
-                    <a:lnL>
-                      <a:noFill/>
-                    </a:lnL>
-                    <a:lnR>
-                      <a:noFill/>
-                    </a:lnR>
-                    <a:lnT>
-                      <a:noFill/>
-                    </a:lnT>
-                    <a:lnB>
-                      <a:noFill/>
-                    </a:lnB>
-                    <a:solidFill>
-                      <a:srgbClr val="F5F5F5"/>
-                    </a:solidFill>
-                  </a:tcPr>
+                  <a:tcPr marL="9525" marR="9525" marT="9525" marB="0" anchor="b"/>
                 </a:tc>
                 <a:tc>
                   <a:txBody>
                     <a:bodyPr/>
                     <a:lstStyle/>
                     <a:p>
-                      <a:pPr algn="r" fontAlgn="ctr"/>
+                      <a:pPr algn="ctr" fontAlgn="b"/>
                       <a:r>
-                        <a:rPr lang="en-US" sz="1200">
+                        <a:rPr lang="en-US" sz="2000" b="0" u="none" strike="noStrike">
+                          <a:solidFill>
+                            <a:srgbClr val="000000"/>
+                          </a:solidFill>
                           <a:effectLst/>
-                          <a:latin typeface="Courier New" panose="02070309020205020404" pitchFamily="49" charset="0"/>
-                          <a:cs typeface="Courier New" panose="02070309020205020404" pitchFamily="49" charset="0"/>
                         </a:rPr>
-                        <a:t>85.000000</a:t>
+                        <a:t>6923</a:t>
                       </a:r>
+                      <a:endParaRPr lang="en-US" sz="2000" b="0" i="0" u="none" strike="noStrike">
+                        <a:solidFill>
+                          <a:srgbClr val="000000"/>
+                        </a:solidFill>
+                        <a:effectLst/>
+                        <a:latin typeface="Calibri" panose="020F0502020204030204" pitchFamily="34" charset="0"/>
+                      </a:endParaRPr>
                     </a:p>
                   </a:txBody>
-                  <a:tcPr anchor="ctr">
-                    <a:lnL>
-                      <a:noFill/>
-                    </a:lnL>
-                    <a:lnR>
-                      <a:noFill/>
-                    </a:lnR>
-                    <a:lnT>
-                      <a:noFill/>
-                    </a:lnT>
-                    <a:lnB>
-                      <a:noFill/>
-                    </a:lnB>
-                    <a:solidFill>
-                      <a:srgbClr val="F5F5F5"/>
-                    </a:solidFill>
-                  </a:tcPr>
+                  <a:tcPr marL="9525" marR="9525" marT="9525" marB="0" anchor="b"/>
                 </a:tc>
                 <a:tc>
                   <a:txBody>
                     <a:bodyPr/>
                     <a:lstStyle/>
                     <a:p>
-                      <a:pPr algn="r" fontAlgn="ctr"/>
+                      <a:pPr algn="ctr" fontAlgn="b"/>
                       <a:r>
-                        <a:rPr lang="en-US" sz="1200">
+                        <a:rPr lang="en-US" sz="2000" b="0" u="none" strike="noStrike">
+                          <a:solidFill>
+                            <a:srgbClr val="000000"/>
+                          </a:solidFill>
                           <a:effectLst/>
-                          <a:latin typeface="Courier New" panose="02070309020205020404" pitchFamily="49" charset="0"/>
-                          <a:cs typeface="Courier New" panose="02070309020205020404" pitchFamily="49" charset="0"/>
                         </a:rPr>
-                        <a:t>22.000000</a:t>
+                        <a:t>8332</a:t>
                       </a:r>
+                      <a:endParaRPr lang="en-US" sz="2000" b="0" i="0" u="none" strike="noStrike">
+                        <a:solidFill>
+                          <a:srgbClr val="000000"/>
+                        </a:solidFill>
+                        <a:effectLst/>
+                        <a:latin typeface="Calibri" panose="020F0502020204030204" pitchFamily="34" charset="0"/>
+                      </a:endParaRPr>
                     </a:p>
                   </a:txBody>
-                  <a:tcPr anchor="ctr">
-                    <a:lnL>
-                      <a:noFill/>
-                    </a:lnL>
-                    <a:lnR>
-                      <a:noFill/>
-                    </a:lnR>
-                    <a:lnT>
-                      <a:noFill/>
-                    </a:lnT>
-                    <a:lnB>
-                      <a:noFill/>
-                    </a:lnB>
-                    <a:solidFill>
-                      <a:srgbClr val="F5F5F5"/>
-                    </a:solidFill>
-                  </a:tcPr>
+                  <a:tcPr marL="9525" marR="9525" marT="9525" marB="0" anchor="b"/>
                 </a:tc>
                 <a:tc>
                   <a:txBody>
                     <a:bodyPr/>
                     <a:lstStyle/>
                     <a:p>
-                      <a:pPr algn="r" fontAlgn="ctr"/>
+                      <a:pPr algn="ctr" fontAlgn="b"/>
                       <a:r>
-                        <a:rPr lang="en-US" sz="1200">
+                        <a:rPr lang="en-US" sz="2000" b="0" u="none" strike="noStrike">
+                          <a:solidFill>
+                            <a:srgbClr val="000000"/>
+                          </a:solidFill>
                           <a:effectLst/>
-                          <a:latin typeface="Courier New" panose="02070309020205020404" pitchFamily="49" charset="0"/>
-                          <a:cs typeface="Courier New" panose="02070309020205020404" pitchFamily="49" charset="0"/>
                         </a:rPr>
-                        <a:t>7436.000000</a:t>
+                        <a:t>9413</a:t>
                       </a:r>
+                      <a:endParaRPr lang="en-US" sz="2000" b="0" i="0" u="none" strike="noStrike">
+                        <a:solidFill>
+                          <a:srgbClr val="000000"/>
+                        </a:solidFill>
+                        <a:effectLst/>
+                        <a:latin typeface="Calibri" panose="020F0502020204030204" pitchFamily="34" charset="0"/>
+                      </a:endParaRPr>
                     </a:p>
                   </a:txBody>
-                  <a:tcPr anchor="ctr">
-                    <a:lnL>
-                      <a:noFill/>
-                    </a:lnL>
-                    <a:lnR>
-                      <a:noFill/>
-                    </a:lnR>
-                    <a:lnT>
-                      <a:noFill/>
-                    </a:lnT>
-                    <a:lnB>
-                      <a:noFill/>
-                    </a:lnB>
-                    <a:solidFill>
-                      <a:srgbClr val="F5F5F5"/>
-                    </a:solidFill>
-                  </a:tcPr>
+                  <a:tcPr marL="9525" marR="9525" marT="9525" marB="0" anchor="b"/>
                 </a:tc>
                 <a:tc>
                   <a:txBody>
                     <a:bodyPr/>
                     <a:lstStyle/>
                     <a:p>
-                      <a:pPr algn="r" fontAlgn="ctr"/>
+                      <a:pPr algn="ctr" fontAlgn="b"/>
                       <a:r>
-                        <a:rPr lang="en-US" sz="1200" dirty="0">
+                        <a:rPr lang="en-US" sz="2000" b="0" u="none" strike="noStrike">
+                          <a:solidFill>
+                            <a:srgbClr val="000000"/>
+                          </a:solidFill>
                           <a:effectLst/>
-                          <a:latin typeface="Courier New" panose="02070309020205020404" pitchFamily="49" charset="0"/>
-                          <a:cs typeface="Courier New" panose="02070309020205020404" pitchFamily="49" charset="0"/>
                         </a:rPr>
-                        <a:t>6923.000000</a:t>
+                        <a:t>14131</a:t>
                       </a:r>
+                      <a:endParaRPr lang="en-US" sz="2000" b="0" i="0" u="none" strike="noStrike">
+                        <a:solidFill>
+                          <a:srgbClr val="000000"/>
+                        </a:solidFill>
+                        <a:effectLst/>
+                        <a:latin typeface="Calibri" panose="020F0502020204030204" pitchFamily="34" charset="0"/>
+                      </a:endParaRPr>
                     </a:p>
                   </a:txBody>
-                  <a:tcPr anchor="ctr">
-                    <a:lnL>
-                      <a:noFill/>
-                    </a:lnL>
-                    <a:lnR>
-                      <a:noFill/>
-                    </a:lnR>
-                    <a:lnT>
-                      <a:noFill/>
-                    </a:lnT>
-                    <a:lnB>
-                      <a:noFill/>
-                    </a:lnB>
-                    <a:solidFill>
-                      <a:srgbClr val="F5F5F5"/>
-                    </a:solidFill>
-                  </a:tcPr>
+                  <a:tcPr marL="9525" marR="9525" marT="9525" marB="0" anchor="b"/>
+                </a:tc>
+                <a:extLst>
+                  <a:ext uri="{0D108BD9-81ED-4DB2-BD59-A6C34878D82A}">
+                    <a16:rowId xmlns:a16="http://schemas.microsoft.com/office/drawing/2014/main" val="3840634620"/>
+                  </a:ext>
+                </a:extLst>
+              </a:tr>
+              <a:tr h="370840">
+                <a:tc>
+                  <a:txBody>
+                    <a:bodyPr/>
+                    <a:lstStyle/>
+                    <a:p>
+                      <a:pPr algn="r" fontAlgn="b"/>
+                      <a:r>
+                        <a:rPr lang="en-US" sz="2000" b="0" u="none" strike="noStrike">
+                          <a:solidFill>
+                            <a:srgbClr val="000000"/>
+                          </a:solidFill>
+                          <a:effectLst/>
+                        </a:rPr>
+                        <a:t>Average Grade</a:t>
+                      </a:r>
+                      <a:endParaRPr lang="en-US" sz="2000" b="0" i="0" u="none" strike="noStrike">
+                        <a:solidFill>
+                          <a:srgbClr val="000000"/>
+                        </a:solidFill>
+                        <a:effectLst/>
+                        <a:latin typeface="Calibri" panose="020F0502020204030204" pitchFamily="34" charset="0"/>
+                      </a:endParaRPr>
+                    </a:p>
+                  </a:txBody>
+                  <a:tcPr marL="9525" marR="9525" marT="9525" marB="0" anchor="b"/>
                 </a:tc>
                 <a:tc>
                   <a:txBody>
                     <a:bodyPr/>
                     <a:lstStyle/>
                     <a:p>
-                      <a:pPr algn="r" fontAlgn="ctr"/>
+                      <a:pPr algn="ctr" fontAlgn="b"/>
                       <a:r>
-                        <a:rPr lang="en-US" sz="1200" dirty="0">
+                        <a:rPr lang="en-US" sz="2000" b="0" u="none" strike="noStrike">
+                          <a:solidFill>
+                            <a:srgbClr val="000000"/>
+                          </a:solidFill>
                           <a:effectLst/>
-                          <a:latin typeface="Courier New" panose="02070309020205020404" pitchFamily="49" charset="0"/>
-                          <a:cs typeface="Courier New" panose="02070309020205020404" pitchFamily="49" charset="0"/>
                         </a:rPr>
-                        <a:t>0.040000</a:t>
+                        <a:t>4903</a:t>
                       </a:r>
+                      <a:endParaRPr lang="en-US" sz="2000" b="0" i="0" u="none" strike="noStrike">
+                        <a:solidFill>
+                          <a:srgbClr val="000000"/>
+                        </a:solidFill>
+                        <a:effectLst/>
+                        <a:latin typeface="Calibri" panose="020F0502020204030204" pitchFamily="34" charset="0"/>
+                      </a:endParaRPr>
                     </a:p>
                   </a:txBody>
-                  <a:tcPr anchor="ctr">
-                    <a:lnL>
-                      <a:noFill/>
-                    </a:lnL>
-                    <a:lnR>
-                      <a:noFill/>
-                    </a:lnR>
-                    <a:lnT>
-                      <a:noFill/>
-                    </a:lnT>
-                    <a:lnB>
-                      <a:noFill/>
-                    </a:lnB>
-                    <a:solidFill>
-                      <a:srgbClr val="F5F5F5"/>
-                    </a:solidFill>
-                  </a:tcPr>
+                  <a:tcPr marL="9525" marR="9525" marT="9525" marB="0" anchor="b"/>
                 </a:tc>
                 <a:tc>
                   <a:txBody>
                     <a:bodyPr/>
                     <a:lstStyle/>
                     <a:p>
-                      <a:pPr algn="r" fontAlgn="ctr"/>
+                      <a:pPr algn="ctr" fontAlgn="b"/>
                       <a:r>
-                        <a:rPr lang="en-US" sz="1200" dirty="0">
+                        <a:rPr lang="en-US" sz="2000" b="0" u="none" strike="noStrike" dirty="0">
+                          <a:solidFill>
+                            <a:srgbClr val="000000"/>
+                          </a:solidFill>
                           <a:effectLst/>
-                          <a:latin typeface="Courier New" panose="02070309020205020404" pitchFamily="49" charset="0"/>
-                          <a:cs typeface="Courier New" panose="02070309020205020404" pitchFamily="49" charset="0"/>
                         </a:rPr>
-                        <a:t>0.120000</a:t>
+                        <a:t>0.072011</a:t>
                       </a:r>
+                      <a:endParaRPr lang="en-US" sz="2000" b="0" i="0" u="none" strike="noStrike" dirty="0">
+                        <a:solidFill>
+                          <a:srgbClr val="000000"/>
+                        </a:solidFill>
+                        <a:effectLst/>
+                        <a:latin typeface="Calibri" panose="020F0502020204030204" pitchFamily="34" charset="0"/>
+                      </a:endParaRPr>
                     </a:p>
                   </a:txBody>
-                  <a:tcPr anchor="ctr">
-                    <a:lnL>
-                      <a:noFill/>
-                    </a:lnL>
-                    <a:lnR>
-                      <a:noFill/>
-                    </a:lnR>
-                    <a:lnT>
-                      <a:noFill/>
-                    </a:lnT>
-                    <a:lnB>
-                      <a:noFill/>
-                    </a:lnB>
-                    <a:solidFill>
-                      <a:srgbClr val="F5F5F5"/>
-                    </a:solidFill>
-                  </a:tcPr>
+                  <a:tcPr marL="9525" marR="9525" marT="9525" marB="0" anchor="b"/>
                 </a:tc>
                 <a:tc>
                   <a:txBody>
                     <a:bodyPr/>
                     <a:lstStyle/>
                     <a:p>
-                      <a:pPr algn="r" fontAlgn="ctr"/>
+                      <a:pPr algn="ctr" fontAlgn="b"/>
                       <a:r>
-                        <a:rPr lang="en-US" sz="1200">
+                        <a:rPr lang="en-US" sz="2000" b="0" u="none" strike="noStrike">
+                          <a:solidFill>
+                            <a:srgbClr val="000000"/>
+                          </a:solidFill>
                           <a:effectLst/>
-                          <a:latin typeface="Courier New" panose="02070309020205020404" pitchFamily="49" charset="0"/>
-                          <a:cs typeface="Courier New" panose="02070309020205020404" pitchFamily="49" charset="0"/>
                         </a:rPr>
-                        <a:t>3.000000</a:t>
+                        <a:t>0.048774</a:t>
                       </a:r>
+                      <a:endParaRPr lang="en-US" sz="2000" b="0" i="0" u="none" strike="noStrike">
+                        <a:solidFill>
+                          <a:srgbClr val="000000"/>
+                        </a:solidFill>
+                        <a:effectLst/>
+                        <a:latin typeface="Calibri" panose="020F0502020204030204" pitchFamily="34" charset="0"/>
+                      </a:endParaRPr>
                     </a:p>
                   </a:txBody>
-                  <a:tcPr anchor="ctr">
-                    <a:lnL>
-                      <a:noFill/>
-                    </a:lnL>
-                    <a:lnR>
-                      <a:noFill/>
-                    </a:lnR>
-                    <a:lnT>
-                      <a:noFill/>
-                    </a:lnT>
-                    <a:lnB>
-                      <a:noFill/>
-                    </a:lnB>
-                    <a:solidFill>
-                      <a:srgbClr val="F5F5F5"/>
-                    </a:solidFill>
-                  </a:tcPr>
+                  <a:tcPr marL="9525" marR="9525" marT="9525" marB="0" anchor="b"/>
                 </a:tc>
                 <a:tc>
                   <a:txBody>
                     <a:bodyPr/>
                     <a:lstStyle/>
                     <a:p>
-                      <a:pPr algn="r" fontAlgn="ctr"/>
+                      <a:pPr algn="ctr" fontAlgn="b"/>
                       <a:r>
-                        <a:rPr lang="en-US" sz="1200">
+                        <a:rPr lang="en-US" sz="2000" b="0" u="none" strike="noStrike">
+                          <a:solidFill>
+                            <a:srgbClr val="000000"/>
+                          </a:solidFill>
                           <a:effectLst/>
-                          <a:latin typeface="Courier New" panose="02070309020205020404" pitchFamily="49" charset="0"/>
-                          <a:cs typeface="Courier New" panose="02070309020205020404" pitchFamily="49" charset="0"/>
                         </a:rPr>
-                        <a:t>1.000000</a:t>
+                        <a:t>0</a:t>
                       </a:r>
+                      <a:endParaRPr lang="en-US" sz="2000" b="0" i="0" u="none" strike="noStrike">
+                        <a:solidFill>
+                          <a:srgbClr val="000000"/>
+                        </a:solidFill>
+                        <a:effectLst/>
+                        <a:latin typeface="Calibri" panose="020F0502020204030204" pitchFamily="34" charset="0"/>
+                      </a:endParaRPr>
                     </a:p>
                   </a:txBody>
-                  <a:tcPr anchor="ctr">
-                    <a:lnL>
-                      <a:noFill/>
-                    </a:lnL>
-                    <a:lnR>
-                      <a:noFill/>
-                    </a:lnR>
-                    <a:lnT>
-                      <a:noFill/>
-                    </a:lnT>
-                    <a:lnB>
-                      <a:noFill/>
-                    </a:lnB>
-                    <a:solidFill>
-                      <a:srgbClr val="F5F5F5"/>
-                    </a:solidFill>
-                  </a:tcPr>
-                </a:tc>
-                <a:extLst>
-                  <a:ext uri="{0D108BD9-81ED-4DB2-BD59-A6C34878D82A}">
-                    <a16:rowId xmlns:a16="http://schemas.microsoft.com/office/drawing/2014/main" val="264143455"/>
-                  </a:ext>
-                </a:extLst>
-              </a:tr>
-              <a:tr h="365760">
-                <a:tc>
-                  <a:txBody>
-                    <a:bodyPr/>
-                    <a:lstStyle/>
-                    <a:p>
-                      <a:pPr algn="r" fontAlgn="ctr"/>
-                      <a:r>
-                        <a:rPr lang="en-US" sz="1200" b="1">
-                          <a:effectLst/>
-                          <a:latin typeface="Courier New" panose="02070309020205020404" pitchFamily="49" charset="0"/>
-                          <a:cs typeface="Courier New" panose="02070309020205020404" pitchFamily="49" charset="0"/>
-                        </a:rPr>
-                        <a:t>50%</a:t>
-                      </a:r>
-                    </a:p>
-                  </a:txBody>
-                  <a:tcPr anchor="ctr">
-                    <a:lnL>
-                      <a:noFill/>
-                    </a:lnL>
-                    <a:lnR>
-                      <a:noFill/>
-                    </a:lnR>
-                    <a:lnT>
-                      <a:noFill/>
-                    </a:lnT>
-                    <a:lnB>
-                      <a:noFill/>
-                    </a:lnB>
-                    <a:solidFill>
-                      <a:srgbClr val="FFFFFF"/>
-                    </a:solidFill>
-                  </a:tcPr>
+                  <a:tcPr marL="9525" marR="9525" marT="9525" marB="0" anchor="b"/>
                 </a:tc>
                 <a:tc>
                   <a:txBody>
                     <a:bodyPr/>
                     <a:lstStyle/>
                     <a:p>
-                      <a:pPr algn="r" fontAlgn="ctr"/>
+                      <a:pPr algn="ctr" fontAlgn="b"/>
                       <a:r>
-                        <a:rPr lang="en-US" sz="1200">
+                        <a:rPr lang="en-US" sz="2000" b="0" u="none" strike="noStrike">
+                          <a:solidFill>
+                            <a:srgbClr val="000000"/>
+                          </a:solidFill>
                           <a:effectLst/>
-                          <a:latin typeface="Courier New" panose="02070309020205020404" pitchFamily="49" charset="0"/>
-                          <a:cs typeface="Courier New" panose="02070309020205020404" pitchFamily="49" charset="0"/>
                         </a:rPr>
-                        <a:t>2.10000</a:t>
+                        <a:t>0.04</a:t>
                       </a:r>
+                      <a:endParaRPr lang="en-US" sz="2000" b="0" i="0" u="none" strike="noStrike">
+                        <a:solidFill>
+                          <a:srgbClr val="000000"/>
+                        </a:solidFill>
+                        <a:effectLst/>
+                        <a:latin typeface="Calibri" panose="020F0502020204030204" pitchFamily="34" charset="0"/>
+                      </a:endParaRPr>
                     </a:p>
                   </a:txBody>
-                  <a:tcPr anchor="ctr">
-                    <a:lnL>
-                      <a:noFill/>
-                    </a:lnL>
-                    <a:lnR>
-                      <a:noFill/>
-                    </a:lnR>
-                    <a:lnT>
-                      <a:noFill/>
-                    </a:lnT>
-                    <a:lnB>
-                      <a:noFill/>
-                    </a:lnB>
-                    <a:solidFill>
-                      <a:srgbClr val="FFFFFF"/>
-                    </a:solidFill>
-                  </a:tcPr>
+                  <a:tcPr marL="9525" marR="9525" marT="9525" marB="0" anchor="b"/>
                 </a:tc>
                 <a:tc>
                   <a:txBody>
                     <a:bodyPr/>
                     <a:lstStyle/>
                     <a:p>
-                      <a:pPr algn="r" fontAlgn="ctr"/>
+                      <a:pPr algn="ctr" fontAlgn="b"/>
                       <a:r>
-                        <a:rPr lang="en-US" sz="1200">
+                        <a:rPr lang="en-US" sz="2000" b="0" u="none" strike="noStrike">
+                          <a:solidFill>
+                            <a:srgbClr val="000000"/>
+                          </a:solidFill>
                           <a:effectLst/>
-                          <a:latin typeface="Courier New" panose="02070309020205020404" pitchFamily="49" charset="0"/>
-                          <a:cs typeface="Courier New" panose="02070309020205020404" pitchFamily="49" charset="0"/>
                         </a:rPr>
-                        <a:t>3.000000</a:t>
+                        <a:t>0.06</a:t>
                       </a:r>
+                      <a:endParaRPr lang="en-US" sz="2000" b="0" i="0" u="none" strike="noStrike">
+                        <a:solidFill>
+                          <a:srgbClr val="000000"/>
+                        </a:solidFill>
+                        <a:effectLst/>
+                        <a:latin typeface="Calibri" panose="020F0502020204030204" pitchFamily="34" charset="0"/>
+                      </a:endParaRPr>
                     </a:p>
                   </a:txBody>
-                  <a:tcPr anchor="ctr">
-                    <a:lnL>
-                      <a:noFill/>
-                    </a:lnL>
-                    <a:lnR>
-                      <a:noFill/>
-                    </a:lnR>
-                    <a:lnT>
-                      <a:noFill/>
-                    </a:lnT>
-                    <a:lnB>
-                      <a:noFill/>
-                    </a:lnB>
-                    <a:solidFill>
-                      <a:srgbClr val="FFFFFF"/>
-                    </a:solidFill>
-                  </a:tcPr>
+                  <a:tcPr marL="9525" marR="9525" marT="9525" marB="0" anchor="b"/>
                 </a:tc>
                 <a:tc>
                   <a:txBody>
                     <a:bodyPr/>
                     <a:lstStyle/>
                     <a:p>
-                      <a:pPr algn="r" fontAlgn="ctr"/>
+                      <a:pPr algn="ctr" fontAlgn="b"/>
                       <a:r>
-                        <a:rPr lang="en-US" sz="1200">
+                        <a:rPr lang="en-US" sz="2000" b="0" u="none" strike="noStrike">
+                          <a:solidFill>
+                            <a:srgbClr val="000000"/>
+                          </a:solidFill>
                           <a:effectLst/>
-                          <a:latin typeface="Courier New" panose="02070309020205020404" pitchFamily="49" charset="0"/>
-                          <a:cs typeface="Courier New" panose="02070309020205020404" pitchFamily="49" charset="0"/>
                         </a:rPr>
-                        <a:t>329.000000</a:t>
+                        <a:t>0.09</a:t>
                       </a:r>
+                      <a:endParaRPr lang="en-US" sz="2000" b="0" i="0" u="none" strike="noStrike">
+                        <a:solidFill>
+                          <a:srgbClr val="000000"/>
+                        </a:solidFill>
+                        <a:effectLst/>
+                        <a:latin typeface="Calibri" panose="020F0502020204030204" pitchFamily="34" charset="0"/>
+                      </a:endParaRPr>
                     </a:p>
                   </a:txBody>
-                  <a:tcPr anchor="ctr">
-                    <a:lnL>
-                      <a:noFill/>
-                    </a:lnL>
-                    <a:lnR>
-                      <a:noFill/>
-                    </a:lnR>
-                    <a:lnT>
-                      <a:noFill/>
-                    </a:lnT>
-                    <a:lnB>
-                      <a:noFill/>
-                    </a:lnB>
-                    <a:solidFill>
-                      <a:srgbClr val="FFFFFF"/>
-                    </a:solidFill>
-                  </a:tcPr>
+                  <a:tcPr marL="9525" marR="9525" marT="9525" marB="0" anchor="b"/>
                 </a:tc>
                 <a:tc>
                   <a:txBody>
                     <a:bodyPr/>
                     <a:lstStyle/>
                     <a:p>
-                      <a:pPr algn="r" fontAlgn="ctr"/>
+                      <a:pPr algn="ctr" fontAlgn="b"/>
                       <a:r>
-                        <a:rPr lang="en-US" sz="1200">
+                        <a:rPr lang="en-US" sz="2000" b="0" u="none" strike="noStrike">
+                          <a:solidFill>
+                            <a:srgbClr val="000000"/>
+                          </a:solidFill>
                           <a:effectLst/>
-                          <a:latin typeface="Courier New" panose="02070309020205020404" pitchFamily="49" charset="0"/>
-                          <a:cs typeface="Courier New" panose="02070309020205020404" pitchFamily="49" charset="0"/>
                         </a:rPr>
-                        <a:t>150.000000</a:t>
+                        <a:t>0.62</a:t>
                       </a:r>
+                      <a:endParaRPr lang="en-US" sz="2000" b="0" i="0" u="none" strike="noStrike">
+                        <a:solidFill>
+                          <a:srgbClr val="000000"/>
+                        </a:solidFill>
+                        <a:effectLst/>
+                        <a:latin typeface="Calibri" panose="020F0502020204030204" pitchFamily="34" charset="0"/>
+                      </a:endParaRPr>
                     </a:p>
                   </a:txBody>
-                  <a:tcPr anchor="ctr">
-                    <a:lnL>
-                      <a:noFill/>
-                    </a:lnL>
-                    <a:lnR>
-                      <a:noFill/>
-                    </a:lnR>
-                    <a:lnT>
-                      <a:noFill/>
-                    </a:lnT>
-                    <a:lnB>
-                      <a:noFill/>
-                    </a:lnB>
-                    <a:solidFill>
-                      <a:srgbClr val="FFFFFF"/>
-                    </a:solidFill>
-                  </a:tcPr>
+                  <a:tcPr marL="9525" marR="9525" marT="9525" marB="0" anchor="b"/>
+                </a:tc>
+                <a:extLst>
+                  <a:ext uri="{0D108BD9-81ED-4DB2-BD59-A6C34878D82A}">
+                    <a16:rowId xmlns:a16="http://schemas.microsoft.com/office/drawing/2014/main" val="1017318616"/>
+                  </a:ext>
+                </a:extLst>
+              </a:tr>
+              <a:tr h="370840">
+                <a:tc>
+                  <a:txBody>
+                    <a:bodyPr/>
+                    <a:lstStyle/>
+                    <a:p>
+                      <a:pPr algn="r" fontAlgn="b"/>
+                      <a:r>
+                        <a:rPr lang="en-US" sz="2000" b="0" u="none" strike="noStrike">
+                          <a:solidFill>
+                            <a:srgbClr val="000000"/>
+                          </a:solidFill>
+                          <a:effectLst/>
+                        </a:rPr>
+                        <a:t>Max Grade</a:t>
+                      </a:r>
+                      <a:endParaRPr lang="en-US" sz="2000" b="0" i="0" u="none" strike="noStrike">
+                        <a:solidFill>
+                          <a:srgbClr val="000000"/>
+                        </a:solidFill>
+                        <a:effectLst/>
+                        <a:latin typeface="Calibri" panose="020F0502020204030204" pitchFamily="34" charset="0"/>
+                      </a:endParaRPr>
+                    </a:p>
+                  </a:txBody>
+                  <a:tcPr marL="9525" marR="9525" marT="9525" marB="0" anchor="b"/>
                 </a:tc>
                 <a:tc>
                   <a:txBody>
                     <a:bodyPr/>
                     <a:lstStyle/>
                     <a:p>
-                      <a:pPr algn="r" fontAlgn="ctr"/>
+                      <a:pPr algn="ctr" fontAlgn="b"/>
                       <a:r>
-                        <a:rPr lang="en-US" sz="1200">
+                        <a:rPr lang="en-US" sz="2000" b="0" u="none" strike="noStrike">
+                          <a:solidFill>
+                            <a:srgbClr val="000000"/>
+                          </a:solidFill>
                           <a:effectLst/>
-                          <a:latin typeface="Courier New" panose="02070309020205020404" pitchFamily="49" charset="0"/>
-                          <a:cs typeface="Courier New" panose="02070309020205020404" pitchFamily="49" charset="0"/>
                         </a:rPr>
-                        <a:t>9166.000000</a:t>
+                        <a:t>4903</a:t>
                       </a:r>
+                      <a:endParaRPr lang="en-US" sz="2000" b="0" i="0" u="none" strike="noStrike">
+                        <a:solidFill>
+                          <a:srgbClr val="000000"/>
+                        </a:solidFill>
+                        <a:effectLst/>
+                        <a:latin typeface="Calibri" panose="020F0502020204030204" pitchFamily="34" charset="0"/>
+                      </a:endParaRPr>
                     </a:p>
                   </a:txBody>
-                  <a:tcPr anchor="ctr">
-                    <a:lnL>
-                      <a:noFill/>
-                    </a:lnL>
-                    <a:lnR>
-                      <a:noFill/>
-                    </a:lnR>
-                    <a:lnT>
-                      <a:noFill/>
-                    </a:lnT>
-                    <a:lnB>
-                      <a:noFill/>
-                    </a:lnB>
-                    <a:solidFill>
-                      <a:srgbClr val="FFFFFF"/>
-                    </a:solidFill>
-                  </a:tcPr>
+                  <a:tcPr marL="9525" marR="9525" marT="9525" marB="0" anchor="b"/>
                 </a:tc>
                 <a:tc>
                   <a:txBody>
                     <a:bodyPr/>
                     <a:lstStyle/>
                     <a:p>
-                      <a:pPr algn="r" fontAlgn="ctr"/>
+                      <a:pPr algn="ctr" fontAlgn="b"/>
                       <a:r>
-                        <a:rPr lang="en-US" sz="1200">
+                        <a:rPr lang="en-US" sz="2000" b="0" u="none" strike="noStrike" dirty="0">
+                          <a:solidFill>
+                            <a:srgbClr val="000000"/>
+                          </a:solidFill>
                           <a:effectLst/>
-                          <a:latin typeface="Courier New" panose="02070309020205020404" pitchFamily="49" charset="0"/>
-                          <a:cs typeface="Courier New" panose="02070309020205020404" pitchFamily="49" charset="0"/>
                         </a:rPr>
-                        <a:t>8332.000000</a:t>
+                        <a:t>0.219759</a:t>
                       </a:r>
+                      <a:endParaRPr lang="en-US" sz="2000" b="0" i="0" u="none" strike="noStrike" dirty="0">
+                        <a:solidFill>
+                          <a:srgbClr val="000000"/>
+                        </a:solidFill>
+                        <a:effectLst/>
+                        <a:latin typeface="Calibri" panose="020F0502020204030204" pitchFamily="34" charset="0"/>
+                      </a:endParaRPr>
                     </a:p>
                   </a:txBody>
-                  <a:tcPr anchor="ctr">
-                    <a:lnL>
-                      <a:noFill/>
-                    </a:lnL>
-                    <a:lnR>
-                      <a:noFill/>
-                    </a:lnR>
-                    <a:lnT>
-                      <a:noFill/>
-                    </a:lnT>
-                    <a:lnB>
-                      <a:noFill/>
-                    </a:lnB>
-                    <a:solidFill>
-                      <a:srgbClr val="FFFFFF"/>
-                    </a:solidFill>
-                  </a:tcPr>
+                  <a:tcPr marL="9525" marR="9525" marT="9525" marB="0" anchor="b"/>
                 </a:tc>
                 <a:tc>
                   <a:txBody>
                     <a:bodyPr/>
                     <a:lstStyle/>
                     <a:p>
-                      <a:pPr algn="r" fontAlgn="ctr"/>
+                      <a:pPr algn="ctr" fontAlgn="b"/>
                       <a:r>
-                        <a:rPr lang="en-US" sz="1200" dirty="0">
+                        <a:rPr lang="en-US" sz="2000" b="0" u="none" strike="noStrike" dirty="0">
+                          <a:solidFill>
+                            <a:srgbClr val="000000"/>
+                          </a:solidFill>
                           <a:effectLst/>
-                          <a:latin typeface="Courier New" panose="02070309020205020404" pitchFamily="49" charset="0"/>
-                          <a:cs typeface="Courier New" panose="02070309020205020404" pitchFamily="49" charset="0"/>
                         </a:rPr>
-                        <a:t>0.060000</a:t>
+                        <a:t>0.153531</a:t>
                       </a:r>
+                      <a:endParaRPr lang="en-US" sz="2000" b="0" i="0" u="none" strike="noStrike" dirty="0">
+                        <a:solidFill>
+                          <a:srgbClr val="000000"/>
+                        </a:solidFill>
+                        <a:effectLst/>
+                        <a:latin typeface="Calibri" panose="020F0502020204030204" pitchFamily="34" charset="0"/>
+                      </a:endParaRPr>
                     </a:p>
                   </a:txBody>
-                  <a:tcPr anchor="ctr">
-                    <a:lnL>
-                      <a:noFill/>
-                    </a:lnL>
-                    <a:lnR>
-                      <a:noFill/>
-                    </a:lnR>
-                    <a:lnT>
-                      <a:noFill/>
-                    </a:lnT>
-                    <a:lnB>
-                      <a:noFill/>
-                    </a:lnB>
-                    <a:solidFill>
-                      <a:srgbClr val="FFFFFF"/>
-                    </a:solidFill>
-                  </a:tcPr>
+                  <a:tcPr marL="9525" marR="9525" marT="9525" marB="0" anchor="b"/>
                 </a:tc>
                 <a:tc>
                   <a:txBody>
                     <a:bodyPr/>
                     <a:lstStyle/>
                     <a:p>
-                      <a:pPr algn="r" fontAlgn="ctr"/>
+                      <a:pPr algn="ctr" fontAlgn="b"/>
                       <a:r>
-                        <a:rPr lang="en-US" sz="1200" dirty="0">
+                        <a:rPr lang="en-US" sz="2000" b="0" u="none" strike="noStrike">
+                          <a:solidFill>
+                            <a:srgbClr val="000000"/>
+                          </a:solidFill>
                           <a:effectLst/>
-                          <a:latin typeface="Courier New" panose="02070309020205020404" pitchFamily="49" charset="0"/>
-                          <a:cs typeface="Courier New" panose="02070309020205020404" pitchFamily="49" charset="0"/>
                         </a:rPr>
-                        <a:t>0.190000</a:t>
+                        <a:t>0</a:t>
                       </a:r>
+                      <a:endParaRPr lang="en-US" sz="2000" b="0" i="0" u="none" strike="noStrike">
+                        <a:solidFill>
+                          <a:srgbClr val="000000"/>
+                        </a:solidFill>
+                        <a:effectLst/>
+                        <a:latin typeface="Calibri" panose="020F0502020204030204" pitchFamily="34" charset="0"/>
+                      </a:endParaRPr>
                     </a:p>
                   </a:txBody>
-                  <a:tcPr anchor="ctr">
-                    <a:lnL>
-                      <a:noFill/>
-                    </a:lnL>
-                    <a:lnR>
-                      <a:noFill/>
-                    </a:lnR>
-                    <a:lnT>
-                      <a:noFill/>
-                    </a:lnT>
-                    <a:lnB>
-                      <a:noFill/>
-                    </a:lnB>
-                    <a:solidFill>
-                      <a:srgbClr val="FFFFFF"/>
-                    </a:solidFill>
-                  </a:tcPr>
+                  <a:tcPr marL="9525" marR="9525" marT="9525" marB="0" anchor="b"/>
                 </a:tc>
                 <a:tc>
                   <a:txBody>
                     <a:bodyPr/>
                     <a:lstStyle/>
                     <a:p>
-                      <a:pPr algn="r" fontAlgn="ctr"/>
+                      <a:pPr algn="ctr" fontAlgn="b"/>
                       <a:r>
-                        <a:rPr lang="en-US" sz="1200">
+                        <a:rPr lang="en-US" sz="2000" b="0" u="none" strike="noStrike">
+                          <a:solidFill>
+                            <a:srgbClr val="000000"/>
+                          </a:solidFill>
                           <a:effectLst/>
-                          <a:latin typeface="Courier New" panose="02070309020205020404" pitchFamily="49" charset="0"/>
-                          <a:cs typeface="Courier New" panose="02070309020205020404" pitchFamily="49" charset="0"/>
                         </a:rPr>
-                        <a:t>3.800000</a:t>
+                        <a:t>0.12</a:t>
                       </a:r>
+                      <a:endParaRPr lang="en-US" sz="2000" b="0" i="0" u="none" strike="noStrike">
+                        <a:solidFill>
+                          <a:srgbClr val="000000"/>
+                        </a:solidFill>
+                        <a:effectLst/>
+                        <a:latin typeface="Calibri" panose="020F0502020204030204" pitchFamily="34" charset="0"/>
+                      </a:endParaRPr>
                     </a:p>
                   </a:txBody>
-                  <a:tcPr anchor="ctr">
-                    <a:lnL>
-                      <a:noFill/>
-                    </a:lnL>
-                    <a:lnR>
-                      <a:noFill/>
-                    </a:lnR>
-                    <a:lnT>
-                      <a:noFill/>
-                    </a:lnT>
-                    <a:lnB>
-                      <a:noFill/>
-                    </a:lnB>
-                    <a:solidFill>
-                      <a:srgbClr val="FFFFFF"/>
-                    </a:solidFill>
-                  </a:tcPr>
+                  <a:tcPr marL="9525" marR="9525" marT="9525" marB="0" anchor="b"/>
                 </a:tc>
                 <a:tc>
                   <a:txBody>
                     <a:bodyPr/>
                     <a:lstStyle/>
                     <a:p>
-                      <a:pPr algn="r" fontAlgn="ctr"/>
+                      <a:pPr algn="ctr" fontAlgn="b"/>
                       <a:r>
-                        <a:rPr lang="en-US" sz="1200">
+                        <a:rPr lang="en-US" sz="2000" b="0" u="none" strike="noStrike">
+                          <a:solidFill>
+                            <a:srgbClr val="000000"/>
+                          </a:solidFill>
                           <a:effectLst/>
-                          <a:latin typeface="Courier New" panose="02070309020205020404" pitchFamily="49" charset="0"/>
-                          <a:cs typeface="Courier New" panose="02070309020205020404" pitchFamily="49" charset="0"/>
                         </a:rPr>
-                        <a:t>2.000000</a:t>
+                        <a:t>0.19</a:t>
                       </a:r>
+                      <a:endParaRPr lang="en-US" sz="2000" b="0" i="0" u="none" strike="noStrike">
+                        <a:solidFill>
+                          <a:srgbClr val="000000"/>
+                        </a:solidFill>
+                        <a:effectLst/>
+                        <a:latin typeface="Calibri" panose="020F0502020204030204" pitchFamily="34" charset="0"/>
+                      </a:endParaRPr>
                     </a:p>
                   </a:txBody>
-                  <a:tcPr anchor="ctr">
-                    <a:lnL>
-                      <a:noFill/>
-                    </a:lnL>
-                    <a:lnR>
-                      <a:noFill/>
-                    </a:lnR>
-                    <a:lnT>
-                      <a:noFill/>
-                    </a:lnT>
-                    <a:lnB>
-                      <a:noFill/>
-                    </a:lnB>
-                    <a:solidFill>
-                      <a:srgbClr val="FFFFFF"/>
-                    </a:solidFill>
-                  </a:tcPr>
-                </a:tc>
-                <a:extLst>
-                  <a:ext uri="{0D108BD9-81ED-4DB2-BD59-A6C34878D82A}">
-                    <a16:rowId xmlns:a16="http://schemas.microsoft.com/office/drawing/2014/main" val="2401091134"/>
-                  </a:ext>
-                </a:extLst>
-              </a:tr>
-              <a:tr h="640080">
-                <a:tc>
-                  <a:txBody>
-                    <a:bodyPr/>
-                    <a:lstStyle/>
-                    <a:p>
-                      <a:pPr algn="r" fontAlgn="ctr"/>
-                      <a:r>
-                        <a:rPr lang="en-US" sz="1200" b="1">
-                          <a:effectLst/>
-                          <a:latin typeface="Courier New" panose="02070309020205020404" pitchFamily="49" charset="0"/>
-                          <a:cs typeface="Courier New" panose="02070309020205020404" pitchFamily="49" charset="0"/>
-                        </a:rPr>
-                        <a:t>75%</a:t>
-                      </a:r>
-                    </a:p>
-                  </a:txBody>
-                  <a:tcPr anchor="ctr">
-                    <a:lnL>
-                      <a:noFill/>
-                    </a:lnL>
-                    <a:lnR>
-                      <a:noFill/>
-                    </a:lnR>
-                    <a:lnT>
-                      <a:noFill/>
-                    </a:lnT>
-                    <a:lnB>
-                      <a:noFill/>
-                    </a:lnB>
-                    <a:solidFill>
-                      <a:srgbClr val="FFFFFF"/>
-                    </a:solidFill>
-                  </a:tcPr>
+                  <a:tcPr marL="9525" marR="9525" marT="9525" marB="0" anchor="b"/>
                 </a:tc>
                 <a:tc>
                   <a:txBody>
                     <a:bodyPr/>
                     <a:lstStyle/>
                     <a:p>
-                      <a:pPr algn="r" fontAlgn="ctr"/>
+                      <a:pPr algn="ctr" fontAlgn="b"/>
                       <a:r>
-                        <a:rPr lang="en-US" sz="1200">
+                        <a:rPr lang="en-US" sz="2000" b="0" u="none" strike="noStrike">
+                          <a:solidFill>
+                            <a:srgbClr val="000000"/>
+                          </a:solidFill>
                           <a:effectLst/>
-                          <a:latin typeface="Courier New" panose="02070309020205020404" pitchFamily="49" charset="0"/>
-                          <a:cs typeface="Courier New" panose="02070309020205020404" pitchFamily="49" charset="0"/>
                         </a:rPr>
-                        <a:t>4.30000</a:t>
+                        <a:t>0.28</a:t>
                       </a:r>
+                      <a:endParaRPr lang="en-US" sz="2000" b="0" i="0" u="none" strike="noStrike">
+                        <a:solidFill>
+                          <a:srgbClr val="000000"/>
+                        </a:solidFill>
+                        <a:effectLst/>
+                        <a:latin typeface="Calibri" panose="020F0502020204030204" pitchFamily="34" charset="0"/>
+                      </a:endParaRPr>
                     </a:p>
                   </a:txBody>
-                  <a:tcPr anchor="ctr">
-                    <a:lnL>
-                      <a:noFill/>
-                    </a:lnL>
-                    <a:lnR>
-                      <a:noFill/>
-                    </a:lnR>
-                    <a:lnT>
-                      <a:noFill/>
-                    </a:lnT>
-                    <a:lnB>
-                      <a:noFill/>
-                    </a:lnB>
-                    <a:solidFill>
-                      <a:srgbClr val="FFFFFF"/>
-                    </a:solidFill>
-                  </a:tcPr>
+                  <a:tcPr marL="9525" marR="9525" marT="9525" marB="0" anchor="b"/>
                 </a:tc>
                 <a:tc>
                   <a:txBody>
                     <a:bodyPr/>
                     <a:lstStyle/>
                     <a:p>
-                      <a:pPr algn="r" fontAlgn="ctr"/>
+                      <a:pPr algn="ctr" fontAlgn="b"/>
                       <a:r>
-                        <a:rPr lang="en-US" sz="1200">
+                        <a:rPr lang="en-US" sz="2000" b="0" u="none" strike="noStrike">
+                          <a:solidFill>
+                            <a:srgbClr val="000000"/>
+                          </a:solidFill>
                           <a:effectLst/>
-                          <a:latin typeface="Courier New" panose="02070309020205020404" pitchFamily="49" charset="0"/>
-                          <a:cs typeface="Courier New" panose="02070309020205020404" pitchFamily="49" charset="0"/>
                         </a:rPr>
-                        <a:t>4.000000</a:t>
+                        <a:t>1.56</a:t>
                       </a:r>
+                      <a:endParaRPr lang="en-US" sz="2000" b="0" i="0" u="none" strike="noStrike">
+                        <a:solidFill>
+                          <a:srgbClr val="000000"/>
+                        </a:solidFill>
+                        <a:effectLst/>
+                        <a:latin typeface="Calibri" panose="020F0502020204030204" pitchFamily="34" charset="0"/>
+                      </a:endParaRPr>
                     </a:p>
                   </a:txBody>
-                  <a:tcPr anchor="ctr">
-                    <a:lnL>
-                      <a:noFill/>
-                    </a:lnL>
-                    <a:lnR>
-                      <a:noFill/>
-                    </a:lnR>
-                    <a:lnT>
-                      <a:noFill/>
-                    </a:lnT>
-                    <a:lnB>
-                      <a:noFill/>
-                    </a:lnB>
-                    <a:solidFill>
-                      <a:srgbClr val="FFFFFF"/>
-                    </a:solidFill>
-                  </a:tcPr>
+                  <a:tcPr marL="9525" marR="9525" marT="9525" marB="0" anchor="b"/>
+                </a:tc>
+                <a:extLst>
+                  <a:ext uri="{0D108BD9-81ED-4DB2-BD59-A6C34878D82A}">
+                    <a16:rowId xmlns:a16="http://schemas.microsoft.com/office/drawing/2014/main" val="320755587"/>
+                  </a:ext>
+                </a:extLst>
+              </a:tr>
+              <a:tr h="370840">
+                <a:tc>
+                  <a:txBody>
+                    <a:bodyPr/>
+                    <a:lstStyle/>
+                    <a:p>
+                      <a:pPr algn="r" fontAlgn="b"/>
+                      <a:r>
+                        <a:rPr lang="en-US" sz="2000" b="0" u="none" strike="noStrike">
+                          <a:solidFill>
+                            <a:srgbClr val="000000"/>
+                          </a:solidFill>
+                          <a:effectLst/>
+                        </a:rPr>
+                        <a:t>Overall Trail Rating</a:t>
+                      </a:r>
+                      <a:endParaRPr lang="en-US" sz="2000" b="0" i="0" u="none" strike="noStrike">
+                        <a:solidFill>
+                          <a:srgbClr val="000000"/>
+                        </a:solidFill>
+                        <a:effectLst/>
+                        <a:latin typeface="Calibri" panose="020F0502020204030204" pitchFamily="34" charset="0"/>
+                      </a:endParaRPr>
+                    </a:p>
+                  </a:txBody>
+                  <a:tcPr marL="9525" marR="9525" marT="9525" marB="0" anchor="b"/>
                 </a:tc>
                 <a:tc>
                   <a:txBody>
                     <a:bodyPr/>
                     <a:lstStyle/>
                     <a:p>
-                      <a:pPr algn="r" fontAlgn="ctr"/>
+                      <a:pPr algn="ctr" fontAlgn="b"/>
                       <a:r>
-                        <a:rPr lang="en-US" sz="1200" dirty="0">
+                        <a:rPr lang="en-US" sz="2000" b="0" u="none" strike="noStrike">
+                          <a:solidFill>
+                            <a:srgbClr val="000000"/>
+                          </a:solidFill>
                           <a:effectLst/>
-                          <a:latin typeface="Courier New" panose="02070309020205020404" pitchFamily="49" charset="0"/>
-                          <a:cs typeface="Courier New" panose="02070309020205020404" pitchFamily="49" charset="0"/>
                         </a:rPr>
-                        <a:t>1062.000000</a:t>
+                        <a:t>3307</a:t>
                       </a:r>
+                      <a:endParaRPr lang="en-US" sz="2000" b="0" i="0" u="none" strike="noStrike">
+                        <a:solidFill>
+                          <a:srgbClr val="000000"/>
+                        </a:solidFill>
+                        <a:effectLst/>
+                        <a:latin typeface="Calibri" panose="020F0502020204030204" pitchFamily="34" charset="0"/>
+                      </a:endParaRPr>
                     </a:p>
                   </a:txBody>
-                  <a:tcPr anchor="ctr">
-                    <a:lnL>
-                      <a:noFill/>
-                    </a:lnL>
-                    <a:lnR>
-                      <a:noFill/>
-                    </a:lnR>
-                    <a:lnT>
-                      <a:noFill/>
-                    </a:lnT>
-                    <a:lnB>
-                      <a:noFill/>
-                    </a:lnB>
-                    <a:solidFill>
-                      <a:srgbClr val="FFFFFF"/>
-                    </a:solidFill>
-                  </a:tcPr>
+                  <a:tcPr marL="9525" marR="9525" marT="9525" marB="0" anchor="b"/>
                 </a:tc>
                 <a:tc>
                   <a:txBody>
                     <a:bodyPr/>
                     <a:lstStyle/>
                     <a:p>
-                      <a:pPr algn="r" fontAlgn="ctr"/>
+                      <a:pPr algn="ctr" fontAlgn="b"/>
                       <a:r>
-                        <a:rPr lang="en-US" sz="1200">
+                        <a:rPr lang="en-US" sz="2000" b="0" u="none" strike="noStrike">
+                          <a:solidFill>
+                            <a:srgbClr val="000000"/>
+                          </a:solidFill>
                           <a:effectLst/>
-                          <a:latin typeface="Courier New" panose="02070309020205020404" pitchFamily="49" charset="0"/>
-                          <a:cs typeface="Courier New" panose="02070309020205020404" pitchFamily="49" charset="0"/>
                         </a:rPr>
-                        <a:t>532.000000</a:t>
+                        <a:t>3.614696</a:t>
                       </a:r>
+                      <a:endParaRPr lang="en-US" sz="2000" b="0" i="0" u="none" strike="noStrike">
+                        <a:solidFill>
+                          <a:srgbClr val="000000"/>
+                        </a:solidFill>
+                        <a:effectLst/>
+                        <a:latin typeface="Calibri" panose="020F0502020204030204" pitchFamily="34" charset="0"/>
+                      </a:endParaRPr>
                     </a:p>
                   </a:txBody>
-                  <a:tcPr anchor="ctr">
-                    <a:lnL>
-                      <a:noFill/>
-                    </a:lnL>
-                    <a:lnR>
-                      <a:noFill/>
-                    </a:lnR>
-                    <a:lnT>
-                      <a:noFill/>
-                    </a:lnT>
-                    <a:lnB>
-                      <a:noFill/>
-                    </a:lnB>
-                    <a:solidFill>
-                      <a:srgbClr val="FFFFFF"/>
-                    </a:solidFill>
-                  </a:tcPr>
+                  <a:tcPr marL="9525" marR="9525" marT="9525" marB="0" anchor="b"/>
                 </a:tc>
                 <a:tc>
                   <a:txBody>
                     <a:bodyPr/>
                     <a:lstStyle/>
                     <a:p>
-                      <a:pPr algn="r" fontAlgn="ctr"/>
+                      <a:pPr algn="ctr" fontAlgn="b"/>
                       <a:r>
-                        <a:rPr lang="en-US" sz="1200">
+                        <a:rPr lang="en-US" sz="2000" b="0" u="none" strike="noStrike" dirty="0">
+                          <a:solidFill>
+                            <a:srgbClr val="000000"/>
+                          </a:solidFill>
                           <a:effectLst/>
-                          <a:latin typeface="Courier New" panose="02070309020205020404" pitchFamily="49" charset="0"/>
-                          <a:cs typeface="Courier New" panose="02070309020205020404" pitchFamily="49" charset="0"/>
                         </a:rPr>
-                        <a:t>10694.000000</a:t>
+                        <a:t>0.863918</a:t>
                       </a:r>
+                      <a:endParaRPr lang="en-US" sz="2000" b="0" i="0" u="none" strike="noStrike" dirty="0">
+                        <a:solidFill>
+                          <a:srgbClr val="000000"/>
+                        </a:solidFill>
+                        <a:effectLst/>
+                        <a:latin typeface="Calibri" panose="020F0502020204030204" pitchFamily="34" charset="0"/>
+                      </a:endParaRPr>
                     </a:p>
                   </a:txBody>
-                  <a:tcPr anchor="ctr">
-                    <a:lnL>
-                      <a:noFill/>
-                    </a:lnL>
-                    <a:lnR>
-                      <a:noFill/>
-                    </a:lnR>
-                    <a:lnT>
-                      <a:noFill/>
-                    </a:lnT>
-                    <a:lnB>
-                      <a:noFill/>
-                    </a:lnB>
-                    <a:solidFill>
-                      <a:srgbClr val="FFFFFF"/>
-                    </a:solidFill>
-                  </a:tcPr>
+                  <a:tcPr marL="9525" marR="9525" marT="9525" marB="0" anchor="b"/>
                 </a:tc>
                 <a:tc>
                   <a:txBody>
                     <a:bodyPr/>
                     <a:lstStyle/>
                     <a:p>
-                      <a:pPr algn="r" fontAlgn="ctr"/>
+                      <a:pPr algn="ctr" fontAlgn="b"/>
                       <a:r>
-                        <a:rPr lang="en-US" sz="1200">
+                        <a:rPr lang="en-US" sz="2000" b="0" u="none" strike="noStrike" dirty="0">
+                          <a:solidFill>
+                            <a:srgbClr val="000000"/>
+                          </a:solidFill>
                           <a:effectLst/>
-                          <a:latin typeface="Courier New" panose="02070309020205020404" pitchFamily="49" charset="0"/>
-                          <a:cs typeface="Courier New" panose="02070309020205020404" pitchFamily="49" charset="0"/>
                         </a:rPr>
-                        <a:t>9413.000000</a:t>
+                        <a:t>1</a:t>
                       </a:r>
+                      <a:endParaRPr lang="en-US" sz="2000" b="0" i="0" u="none" strike="noStrike" dirty="0">
+                        <a:solidFill>
+                          <a:srgbClr val="000000"/>
+                        </a:solidFill>
+                        <a:effectLst/>
+                        <a:latin typeface="Calibri" panose="020F0502020204030204" pitchFamily="34" charset="0"/>
+                      </a:endParaRPr>
                     </a:p>
                   </a:txBody>
-                  <a:tcPr anchor="ctr">
-                    <a:lnL>
-                      <a:noFill/>
-                    </a:lnL>
-                    <a:lnR>
-                      <a:noFill/>
-                    </a:lnR>
-                    <a:lnT>
-                      <a:noFill/>
-                    </a:lnT>
-                    <a:lnB>
-                      <a:noFill/>
-                    </a:lnB>
-                    <a:solidFill>
-                      <a:srgbClr val="FFFFFF"/>
-                    </a:solidFill>
-                  </a:tcPr>
+                  <a:tcPr marL="9525" marR="9525" marT="9525" marB="0" anchor="b"/>
                 </a:tc>
                 <a:tc>
                   <a:txBody>
                     <a:bodyPr/>
                     <a:lstStyle/>
                     <a:p>
-                      <a:pPr algn="r" fontAlgn="ctr"/>
+                      <a:pPr algn="ctr" fontAlgn="b"/>
                       <a:r>
-                        <a:rPr lang="en-US" sz="1200" dirty="0">
+                        <a:rPr lang="en-US" sz="2000" b="0" u="none" strike="noStrike">
+                          <a:solidFill>
+                            <a:srgbClr val="000000"/>
+                          </a:solidFill>
                           <a:effectLst/>
-                          <a:latin typeface="Courier New" panose="02070309020205020404" pitchFamily="49" charset="0"/>
-                          <a:cs typeface="Courier New" panose="02070309020205020404" pitchFamily="49" charset="0"/>
                         </a:rPr>
-                        <a:t>0.090000</a:t>
+                        <a:t>3</a:t>
                       </a:r>
+                      <a:endParaRPr lang="en-US" sz="2000" b="0" i="0" u="none" strike="noStrike">
+                        <a:solidFill>
+                          <a:srgbClr val="000000"/>
+                        </a:solidFill>
+                        <a:effectLst/>
+                        <a:latin typeface="Calibri" panose="020F0502020204030204" pitchFamily="34" charset="0"/>
+                      </a:endParaRPr>
                     </a:p>
                   </a:txBody>
-                  <a:tcPr anchor="ctr">
-                    <a:lnL>
-                      <a:noFill/>
-                    </a:lnL>
-                    <a:lnR>
-                      <a:noFill/>
-                    </a:lnR>
-                    <a:lnT>
-                      <a:noFill/>
-                    </a:lnT>
-                    <a:lnB>
-                      <a:noFill/>
-                    </a:lnB>
-                    <a:solidFill>
-                      <a:srgbClr val="FFFFFF"/>
-                    </a:solidFill>
-                  </a:tcPr>
+                  <a:tcPr marL="9525" marR="9525" marT="9525" marB="0" anchor="b"/>
                 </a:tc>
                 <a:tc>
                   <a:txBody>
                     <a:bodyPr/>
                     <a:lstStyle/>
                     <a:p>
-                      <a:pPr algn="r" fontAlgn="ctr"/>
+                      <a:pPr algn="ctr" fontAlgn="b"/>
                       <a:r>
-                        <a:rPr lang="en-US" sz="1200" dirty="0">
+                        <a:rPr lang="en-US" sz="2000" b="0" u="none" strike="noStrike">
+                          <a:solidFill>
+                            <a:srgbClr val="000000"/>
+                          </a:solidFill>
                           <a:effectLst/>
-                          <a:latin typeface="Courier New" panose="02070309020205020404" pitchFamily="49" charset="0"/>
-                          <a:cs typeface="Courier New" panose="02070309020205020404" pitchFamily="49" charset="0"/>
                         </a:rPr>
-                        <a:t>0.280000</a:t>
+                        <a:t>3.8</a:t>
                       </a:r>
+                      <a:endParaRPr lang="en-US" sz="2000" b="0" i="0" u="none" strike="noStrike">
+                        <a:solidFill>
+                          <a:srgbClr val="000000"/>
+                        </a:solidFill>
+                        <a:effectLst/>
+                        <a:latin typeface="Calibri" panose="020F0502020204030204" pitchFamily="34" charset="0"/>
+                      </a:endParaRPr>
                     </a:p>
                   </a:txBody>
-                  <a:tcPr anchor="ctr">
-                    <a:lnL>
-                      <a:noFill/>
-                    </a:lnL>
-                    <a:lnR>
-                      <a:noFill/>
-                    </a:lnR>
-                    <a:lnT>
-                      <a:noFill/>
-                    </a:lnT>
-                    <a:lnB>
-                      <a:noFill/>
-                    </a:lnB>
-                    <a:solidFill>
-                      <a:srgbClr val="FFFFFF"/>
-                    </a:solidFill>
-                  </a:tcPr>
+                  <a:tcPr marL="9525" marR="9525" marT="9525" marB="0" anchor="b"/>
                 </a:tc>
                 <a:tc>
                   <a:txBody>
                     <a:bodyPr/>
                     <a:lstStyle/>
                     <a:p>
-                      <a:pPr algn="r" fontAlgn="ctr"/>
+                      <a:pPr algn="ctr" fontAlgn="b"/>
                       <a:r>
-                        <a:rPr lang="en-US" sz="1200" dirty="0">
+                        <a:rPr lang="en-US" sz="2000" b="0" u="none" strike="noStrike">
+                          <a:solidFill>
+                            <a:srgbClr val="000000"/>
+                          </a:solidFill>
                           <a:effectLst/>
-                          <a:latin typeface="Courier New" panose="02070309020205020404" pitchFamily="49" charset="0"/>
-                          <a:cs typeface="Courier New" panose="02070309020205020404" pitchFamily="49" charset="0"/>
                         </a:rPr>
-                        <a:t>4.100000</a:t>
+                        <a:t>4.1</a:t>
                       </a:r>
+                      <a:endParaRPr lang="en-US" sz="2000" b="0" i="0" u="none" strike="noStrike">
+                        <a:solidFill>
+                          <a:srgbClr val="000000"/>
+                        </a:solidFill>
+                        <a:effectLst/>
+                        <a:latin typeface="Calibri" panose="020F0502020204030204" pitchFamily="34" charset="0"/>
+                      </a:endParaRPr>
                     </a:p>
                   </a:txBody>
-                  <a:tcPr anchor="ctr">
-                    <a:lnL>
-                      <a:noFill/>
-                    </a:lnL>
-                    <a:lnR>
-                      <a:noFill/>
-                    </a:lnR>
-                    <a:lnT>
-                      <a:noFill/>
-                    </a:lnT>
-                    <a:lnB>
-                      <a:noFill/>
-                    </a:lnB>
-                    <a:solidFill>
-                      <a:srgbClr val="FFFFFF"/>
-                    </a:solidFill>
-                  </a:tcPr>
+                  <a:tcPr marL="9525" marR="9525" marT="9525" marB="0" anchor="b"/>
                 </a:tc>
                 <a:tc>
                   <a:txBody>
                     <a:bodyPr/>
                     <a:lstStyle/>
                     <a:p>
-                      <a:pPr algn="r" fontAlgn="ctr"/>
+                      <a:pPr algn="ctr" fontAlgn="b"/>
                       <a:r>
-                        <a:rPr lang="en-US" sz="1200">
+                        <a:rPr lang="en-US" sz="2000" b="0" u="none" strike="noStrike">
+                          <a:solidFill>
+                            <a:srgbClr val="000000"/>
+                          </a:solidFill>
                           <a:effectLst/>
-                          <a:latin typeface="Courier New" panose="02070309020205020404" pitchFamily="49" charset="0"/>
-                          <a:cs typeface="Courier New" panose="02070309020205020404" pitchFamily="49" charset="0"/>
                         </a:rPr>
-                        <a:t>4.000000</a:t>
+                        <a:t>5</a:t>
                       </a:r>
+                      <a:endParaRPr lang="en-US" sz="2000" b="0" i="0" u="none" strike="noStrike">
+                        <a:solidFill>
+                          <a:srgbClr val="000000"/>
+                        </a:solidFill>
+                        <a:effectLst/>
+                        <a:latin typeface="Calibri" panose="020F0502020204030204" pitchFamily="34" charset="0"/>
+                      </a:endParaRPr>
                     </a:p>
                   </a:txBody>
-                  <a:tcPr anchor="ctr">
-                    <a:lnL>
-                      <a:noFill/>
-                    </a:lnL>
-                    <a:lnR>
-                      <a:noFill/>
-                    </a:lnR>
-                    <a:lnT>
-                      <a:noFill/>
-                    </a:lnT>
-                    <a:lnB>
-                      <a:noFill/>
-                    </a:lnB>
-                    <a:solidFill>
-                      <a:srgbClr val="FFFFFF"/>
-                    </a:solidFill>
-                  </a:tcPr>
+                  <a:tcPr marL="9525" marR="9525" marT="9525" marB="0" anchor="b"/>
                 </a:tc>
                 <a:extLst>
                   <a:ext uri="{0D108BD9-81ED-4DB2-BD59-A6C34878D82A}">
-                    <a16:rowId xmlns:a16="http://schemas.microsoft.com/office/drawing/2014/main" val="379085641"/>
+                    <a16:rowId xmlns:a16="http://schemas.microsoft.com/office/drawing/2014/main" val="36061806"/>
                   </a:ext>
                 </a:extLst>
               </a:tr>
-              <a:tr h="640080">
+              <a:tr h="370840">
                 <a:tc>
                   <a:txBody>
                     <a:bodyPr/>
                     <a:lstStyle/>
                     <a:p>
-                      <a:pPr algn="r" fontAlgn="ctr"/>
+                      <a:pPr algn="r" fontAlgn="b"/>
                       <a:r>
-                        <a:rPr lang="en-US" sz="1200" b="1">
+                        <a:rPr lang="en-US" sz="2000" b="0" u="none" strike="noStrike" dirty="0">
+                          <a:solidFill>
+                            <a:srgbClr val="000000"/>
+                          </a:solidFill>
                           <a:effectLst/>
-                          <a:latin typeface="Courier New" panose="02070309020205020404" pitchFamily="49" charset="0"/>
-                          <a:cs typeface="Courier New" panose="02070309020205020404" pitchFamily="49" charset="0"/>
                         </a:rPr>
-                        <a:t>max</a:t>
+                        <a:t>Total User Reviews</a:t>
                       </a:r>
+                      <a:endParaRPr lang="en-US" sz="2000" b="0" i="0" u="none" strike="noStrike" dirty="0">
+                        <a:solidFill>
+                          <a:srgbClr val="000000"/>
+                        </a:solidFill>
+                        <a:effectLst/>
+                        <a:latin typeface="Calibri" panose="020F0502020204030204" pitchFamily="34" charset="0"/>
+                      </a:endParaRPr>
                     </a:p>
                   </a:txBody>
-                  <a:tcPr anchor="ctr">
-                    <a:lnL>
-                      <a:noFill/>
-                    </a:lnL>
-                    <a:lnR>
-                      <a:noFill/>
-                    </a:lnR>
-                    <a:lnT>
-                      <a:noFill/>
-                    </a:lnT>
-                    <a:lnB>
-                      <a:noFill/>
-                    </a:lnB>
-                    <a:solidFill>
-                      <a:srgbClr val="FFFFFF"/>
-                    </a:solidFill>
-                  </a:tcPr>
+                  <a:tcPr marL="9525" marR="9525" marT="9525" marB="0" anchor="b"/>
                 </a:tc>
                 <a:tc>
                   <a:txBody>
                     <a:bodyPr/>
                     <a:lstStyle/>
                     <a:p>
-                      <a:pPr algn="r" fontAlgn="ctr"/>
+                      <a:pPr algn="ctr" fontAlgn="b"/>
                       <a:r>
-                        <a:rPr lang="en-US" sz="1200">
+                        <a:rPr lang="en-US" sz="2000" b="0" u="none" strike="noStrike">
+                          <a:solidFill>
+                            <a:srgbClr val="000000"/>
+                          </a:solidFill>
                           <a:effectLst/>
-                          <a:latin typeface="Courier New" panose="02070309020205020404" pitchFamily="49" charset="0"/>
-                          <a:cs typeface="Courier New" panose="02070309020205020404" pitchFamily="49" charset="0"/>
                         </a:rPr>
-                        <a:t>124.50000</a:t>
+                        <a:t>3307</a:t>
                       </a:r>
+                      <a:endParaRPr lang="en-US" sz="2000" b="0" i="0" u="none" strike="noStrike">
+                        <a:solidFill>
+                          <a:srgbClr val="000000"/>
+                        </a:solidFill>
+                        <a:effectLst/>
+                        <a:latin typeface="Calibri" panose="020F0502020204030204" pitchFamily="34" charset="0"/>
+                      </a:endParaRPr>
                     </a:p>
                   </a:txBody>
-                  <a:tcPr anchor="ctr">
-                    <a:lnL>
-                      <a:noFill/>
-                    </a:lnL>
-                    <a:lnR>
-                      <a:noFill/>
-                    </a:lnR>
-                    <a:lnT>
-                      <a:noFill/>
-                    </a:lnT>
-                    <a:lnB>
-                      <a:noFill/>
-                    </a:lnB>
-                    <a:solidFill>
-                      <a:srgbClr val="FFFFFF"/>
-                    </a:solidFill>
-                  </a:tcPr>
+                  <a:tcPr marL="9525" marR="9525" marT="9525" marB="0" anchor="b"/>
                 </a:tc>
                 <a:tc>
                   <a:txBody>
                     <a:bodyPr/>
                     <a:lstStyle/>
                     <a:p>
-                      <a:pPr algn="r" fontAlgn="ctr"/>
+                      <a:pPr algn="ctr" fontAlgn="b"/>
                       <a:r>
-                        <a:rPr lang="en-US" sz="1200">
+                        <a:rPr lang="en-US" sz="2000" b="0" u="none" strike="noStrike">
+                          <a:solidFill>
+                            <a:srgbClr val="000000"/>
+                          </a:solidFill>
                           <a:effectLst/>
-                          <a:latin typeface="Courier New" panose="02070309020205020404" pitchFamily="49" charset="0"/>
-                          <a:cs typeface="Courier New" panose="02070309020205020404" pitchFamily="49" charset="0"/>
                         </a:rPr>
-                        <a:t>5.000000</a:t>
+                        <a:t>3.680677</a:t>
                       </a:r>
+                      <a:endParaRPr lang="en-US" sz="2000" b="0" i="0" u="none" strike="noStrike">
+                        <a:solidFill>
+                          <a:srgbClr val="000000"/>
+                        </a:solidFill>
+                        <a:effectLst/>
+                        <a:latin typeface="Calibri" panose="020F0502020204030204" pitchFamily="34" charset="0"/>
+                      </a:endParaRPr>
                     </a:p>
                   </a:txBody>
-                  <a:tcPr anchor="ctr">
-                    <a:lnL>
-                      <a:noFill/>
-                    </a:lnL>
-                    <a:lnR>
-                      <a:noFill/>
-                    </a:lnR>
-                    <a:lnT>
-                      <a:noFill/>
-                    </a:lnT>
-                    <a:lnB>
-                      <a:noFill/>
-                    </a:lnB>
-                    <a:solidFill>
-                      <a:srgbClr val="FFFFFF"/>
-                    </a:solidFill>
-                  </a:tcPr>
+                  <a:tcPr marL="9525" marR="9525" marT="9525" marB="0" anchor="b"/>
                 </a:tc>
                 <a:tc>
                   <a:txBody>
                     <a:bodyPr/>
                     <a:lstStyle/>
                     <a:p>
-                      <a:pPr algn="r" fontAlgn="ctr"/>
+                      <a:pPr algn="ctr" fontAlgn="b"/>
                       <a:r>
-                        <a:rPr lang="en-US" sz="1200">
+                        <a:rPr lang="en-US" sz="2000" b="0" u="none" strike="noStrike">
+                          <a:solidFill>
+                            <a:srgbClr val="000000"/>
+                          </a:solidFill>
                           <a:effectLst/>
-                          <a:latin typeface="Courier New" panose="02070309020205020404" pitchFamily="49" charset="0"/>
-                          <a:cs typeface="Courier New" panose="02070309020205020404" pitchFamily="49" charset="0"/>
                         </a:rPr>
-                        <a:t>12176.000000</a:t>
+                        <a:t>6.024722</a:t>
                       </a:r>
+                      <a:endParaRPr lang="en-US" sz="2000" b="0" i="0" u="none" strike="noStrike">
+                        <a:solidFill>
+                          <a:srgbClr val="000000"/>
+                        </a:solidFill>
+                        <a:effectLst/>
+                        <a:latin typeface="Calibri" panose="020F0502020204030204" pitchFamily="34" charset="0"/>
+                      </a:endParaRPr>
                     </a:p>
                   </a:txBody>
-                  <a:tcPr anchor="ctr">
-                    <a:lnL>
-                      <a:noFill/>
-                    </a:lnL>
-                    <a:lnR>
-                      <a:noFill/>
-                    </a:lnR>
-                    <a:lnT>
-                      <a:noFill/>
-                    </a:lnT>
-                    <a:lnB>
-                      <a:noFill/>
-                    </a:lnB>
-                    <a:solidFill>
-                      <a:srgbClr val="FFFFFF"/>
-                    </a:solidFill>
-                  </a:tcPr>
+                  <a:tcPr marL="9525" marR="9525" marT="9525" marB="0" anchor="b"/>
                 </a:tc>
                 <a:tc>
                   <a:txBody>
                     <a:bodyPr/>
                     <a:lstStyle/>
                     <a:p>
-                      <a:pPr algn="r" fontAlgn="ctr"/>
+                      <a:pPr algn="ctr" fontAlgn="b"/>
                       <a:r>
-                        <a:rPr lang="en-US" sz="1200">
+                        <a:rPr lang="en-US" sz="2000" b="0" u="none" strike="noStrike">
+                          <a:solidFill>
+                            <a:srgbClr val="000000"/>
+                          </a:solidFill>
                           <a:effectLst/>
-                          <a:latin typeface="Courier New" panose="02070309020205020404" pitchFamily="49" charset="0"/>
-                          <a:cs typeface="Courier New" panose="02070309020205020404" pitchFamily="49" charset="0"/>
                         </a:rPr>
-                        <a:t>14031.000000</a:t>
+                        <a:t>1</a:t>
                       </a:r>
+                      <a:endParaRPr lang="en-US" sz="2000" b="0" i="0" u="none" strike="noStrike">
+                        <a:solidFill>
+                          <a:srgbClr val="000000"/>
+                        </a:solidFill>
+                        <a:effectLst/>
+                        <a:latin typeface="Calibri" panose="020F0502020204030204" pitchFamily="34" charset="0"/>
+                      </a:endParaRPr>
                     </a:p>
                   </a:txBody>
-                  <a:tcPr anchor="ctr">
-                    <a:lnL>
-                      <a:noFill/>
-                    </a:lnL>
-                    <a:lnR>
-                      <a:noFill/>
-                    </a:lnR>
-                    <a:lnT>
-                      <a:noFill/>
-                    </a:lnT>
-                    <a:lnB>
-                      <a:noFill/>
-                    </a:lnB>
-                    <a:solidFill>
-                      <a:srgbClr val="FFFFFF"/>
-                    </a:solidFill>
-                  </a:tcPr>
+                  <a:tcPr marL="9525" marR="9525" marT="9525" marB="0" anchor="b"/>
                 </a:tc>
                 <a:tc>
                   <a:txBody>
                     <a:bodyPr/>
                     <a:lstStyle/>
                     <a:p>
-                      <a:pPr algn="r" fontAlgn="ctr"/>
+                      <a:pPr algn="ctr" fontAlgn="b"/>
                       <a:r>
-                        <a:rPr lang="en-US" sz="1200">
+                        <a:rPr lang="en-US" sz="2000" b="0" u="none" strike="noStrike" dirty="0">
+                          <a:solidFill>
+                            <a:srgbClr val="000000"/>
+                          </a:solidFill>
                           <a:effectLst/>
-                          <a:latin typeface="Courier New" panose="02070309020205020404" pitchFamily="49" charset="0"/>
-                          <a:cs typeface="Courier New" panose="02070309020205020404" pitchFamily="49" charset="0"/>
                         </a:rPr>
-                        <a:t>14416.000000</a:t>
+                        <a:t>1</a:t>
                       </a:r>
+                      <a:endParaRPr lang="en-US" sz="2000" b="0" i="0" u="none" strike="noStrike" dirty="0">
+                        <a:solidFill>
+                          <a:srgbClr val="000000"/>
+                        </a:solidFill>
+                        <a:effectLst/>
+                        <a:latin typeface="Calibri" panose="020F0502020204030204" pitchFamily="34" charset="0"/>
+                      </a:endParaRPr>
                     </a:p>
                   </a:txBody>
-                  <a:tcPr anchor="ctr">
-                    <a:lnL>
-                      <a:noFill/>
-                    </a:lnL>
-                    <a:lnR>
-                      <a:noFill/>
-                    </a:lnR>
-                    <a:lnT>
-                      <a:noFill/>
-                    </a:lnT>
-                    <a:lnB>
-                      <a:noFill/>
-                    </a:lnB>
-                    <a:solidFill>
-                      <a:srgbClr val="FFFFFF"/>
-                    </a:solidFill>
-                  </a:tcPr>
+                  <a:tcPr marL="9525" marR="9525" marT="9525" marB="0" anchor="b"/>
                 </a:tc>
                 <a:tc>
                   <a:txBody>
                     <a:bodyPr/>
                     <a:lstStyle/>
                     <a:p>
-                      <a:pPr algn="r" fontAlgn="ctr"/>
+                      <a:pPr algn="ctr" fontAlgn="b"/>
                       <a:r>
-                        <a:rPr lang="en-US" sz="1200">
+                        <a:rPr lang="en-US" sz="2000" b="0" u="none" strike="noStrike" dirty="0">
+                          <a:solidFill>
+                            <a:srgbClr val="000000"/>
+                          </a:solidFill>
                           <a:effectLst/>
-                          <a:latin typeface="Courier New" panose="02070309020205020404" pitchFamily="49" charset="0"/>
-                          <a:cs typeface="Courier New" panose="02070309020205020404" pitchFamily="49" charset="0"/>
                         </a:rPr>
-                        <a:t>14131.000000</a:t>
+                        <a:t>2</a:t>
                       </a:r>
+                      <a:endParaRPr lang="en-US" sz="2000" b="0" i="0" u="none" strike="noStrike" dirty="0">
+                        <a:solidFill>
+                          <a:srgbClr val="000000"/>
+                        </a:solidFill>
+                        <a:effectLst/>
+                        <a:latin typeface="Calibri" panose="020F0502020204030204" pitchFamily="34" charset="0"/>
+                      </a:endParaRPr>
                     </a:p>
                   </a:txBody>
-                  <a:tcPr anchor="ctr">
-                    <a:lnL>
-                      <a:noFill/>
-                    </a:lnL>
-                    <a:lnR>
-                      <a:noFill/>
-                    </a:lnR>
-                    <a:lnT>
-                      <a:noFill/>
-                    </a:lnT>
-                    <a:lnB>
-                      <a:noFill/>
-                    </a:lnB>
-                    <a:solidFill>
-                      <a:srgbClr val="FFFFFF"/>
-                    </a:solidFill>
-                  </a:tcPr>
+                  <a:tcPr marL="9525" marR="9525" marT="9525" marB="0" anchor="b"/>
                 </a:tc>
                 <a:tc>
                   <a:txBody>
                     <a:bodyPr/>
                     <a:lstStyle/>
                     <a:p>
-                      <a:pPr algn="r" fontAlgn="ctr"/>
+                      <a:pPr algn="ctr" fontAlgn="b"/>
                       <a:r>
-                        <a:rPr lang="en-US" sz="1200">
+                        <a:rPr lang="en-US" sz="2000" b="0" u="none" strike="noStrike" dirty="0">
+                          <a:solidFill>
+                            <a:srgbClr val="000000"/>
+                          </a:solidFill>
                           <a:effectLst/>
-                          <a:latin typeface="Courier New" panose="02070309020205020404" pitchFamily="49" charset="0"/>
-                          <a:cs typeface="Courier New" panose="02070309020205020404" pitchFamily="49" charset="0"/>
                         </a:rPr>
-                        <a:t>0.620000</a:t>
+                        <a:t>4</a:t>
                       </a:r>
+                      <a:endParaRPr lang="en-US" sz="2000" b="0" i="0" u="none" strike="noStrike" dirty="0">
+                        <a:solidFill>
+                          <a:srgbClr val="000000"/>
+                        </a:solidFill>
+                        <a:effectLst/>
+                        <a:latin typeface="Calibri" panose="020F0502020204030204" pitchFamily="34" charset="0"/>
+                      </a:endParaRPr>
                     </a:p>
                   </a:txBody>
-                  <a:tcPr anchor="ctr">
-                    <a:lnL>
-                      <a:noFill/>
-                    </a:lnL>
-                    <a:lnR>
-                      <a:noFill/>
-                    </a:lnR>
-                    <a:lnT>
-                      <a:noFill/>
-                    </a:lnT>
-                    <a:lnB>
-                      <a:noFill/>
-                    </a:lnB>
-                    <a:solidFill>
-                      <a:srgbClr val="FFFFFF"/>
-                    </a:solidFill>
-                  </a:tcPr>
+                  <a:tcPr marL="9525" marR="9525" marT="9525" marB="0" anchor="b"/>
                 </a:tc>
                 <a:tc>
                   <a:txBody>
                     <a:bodyPr/>
                     <a:lstStyle/>
                     <a:p>
-                      <a:pPr algn="r" fontAlgn="ctr"/>
+                      <a:pPr algn="ctr" fontAlgn="b"/>
                       <a:r>
-                        <a:rPr lang="en-US" sz="1200" dirty="0">
+                        <a:rPr lang="en-US" sz="2000" b="0" u="none" strike="noStrike" dirty="0">
+                          <a:solidFill>
+                            <a:srgbClr val="000000"/>
+                          </a:solidFill>
                           <a:effectLst/>
-                          <a:latin typeface="Courier New" panose="02070309020205020404" pitchFamily="49" charset="0"/>
-                          <a:cs typeface="Courier New" panose="02070309020205020404" pitchFamily="49" charset="0"/>
                         </a:rPr>
-                        <a:t>1.560000</a:t>
+                        <a:t>107</a:t>
                       </a:r>
+                      <a:endParaRPr lang="en-US" sz="2000" b="0" i="0" u="none" strike="noStrike" dirty="0">
+                        <a:solidFill>
+                          <a:srgbClr val="000000"/>
+                        </a:solidFill>
+                        <a:effectLst/>
+                        <a:latin typeface="Calibri" panose="020F0502020204030204" pitchFamily="34" charset="0"/>
+                      </a:endParaRPr>
                     </a:p>
                   </a:txBody>
-                  <a:tcPr anchor="ctr">
-                    <a:lnL>
-                      <a:noFill/>
-                    </a:lnL>
-                    <a:lnR>
-                      <a:noFill/>
-                    </a:lnR>
-                    <a:lnT>
-                      <a:noFill/>
-                    </a:lnT>
-                    <a:lnB>
-                      <a:noFill/>
-                    </a:lnB>
-                    <a:solidFill>
-                      <a:srgbClr val="FFFFFF"/>
-                    </a:solidFill>
-                  </a:tcPr>
-                </a:tc>
-                <a:tc>
-                  <a:txBody>
-                    <a:bodyPr/>
-                    <a:lstStyle/>
-                    <a:p>
-                      <a:pPr algn="r" fontAlgn="ctr"/>
-                      <a:r>
-                        <a:rPr lang="en-US" sz="1200" dirty="0">
-                          <a:effectLst/>
-                          <a:latin typeface="Courier New" panose="02070309020205020404" pitchFamily="49" charset="0"/>
-                          <a:cs typeface="Courier New" panose="02070309020205020404" pitchFamily="49" charset="0"/>
-                        </a:rPr>
-                        <a:t>5.000000</a:t>
-                      </a:r>
-                    </a:p>
-                  </a:txBody>
-                  <a:tcPr anchor="ctr">
-                    <a:lnL>
-                      <a:noFill/>
-                    </a:lnL>
-                    <a:lnR>
-                      <a:noFill/>
-                    </a:lnR>
-                    <a:lnT>
-                      <a:noFill/>
-                    </a:lnT>
-                    <a:lnB>
-                      <a:noFill/>
-                    </a:lnB>
-                    <a:solidFill>
-                      <a:srgbClr val="FFFFFF"/>
-                    </a:solidFill>
-                  </a:tcPr>
-                </a:tc>
-                <a:tc>
-                  <a:txBody>
-                    <a:bodyPr/>
-                    <a:lstStyle/>
-                    <a:p>
-                      <a:pPr algn="r" fontAlgn="ctr"/>
-                      <a:r>
-                        <a:rPr lang="en-US" sz="1200" b="1" dirty="0">
-                          <a:solidFill>
-                            <a:srgbClr val="0070C0"/>
-                          </a:solidFill>
-                          <a:effectLst/>
-                          <a:latin typeface="Courier New" panose="02070309020205020404" pitchFamily="49" charset="0"/>
-                          <a:cs typeface="Courier New" panose="02070309020205020404" pitchFamily="49" charset="0"/>
-                        </a:rPr>
-                        <a:t>107.000000</a:t>
-                      </a:r>
-                    </a:p>
-                  </a:txBody>
-                  <a:tcPr anchor="ctr">
-                    <a:lnL>
-                      <a:noFill/>
-                    </a:lnL>
-                    <a:lnR>
-                      <a:noFill/>
-                    </a:lnR>
-                    <a:lnT>
-                      <a:noFill/>
-                    </a:lnT>
-                    <a:lnB>
-                      <a:noFill/>
-                    </a:lnB>
-                    <a:solidFill>
-                      <a:srgbClr val="FFFFFF"/>
-                    </a:solidFill>
-                  </a:tcPr>
+                  <a:tcPr marL="9525" marR="9525" marT="9525" marB="0" anchor="b"/>
                 </a:tc>
                 <a:extLst>
                   <a:ext uri="{0D108BD9-81ED-4DB2-BD59-A6C34878D82A}">
-                    <a16:rowId xmlns:a16="http://schemas.microsoft.com/office/drawing/2014/main" val="480571440"/>
+                    <a16:rowId xmlns:a16="http://schemas.microsoft.com/office/drawing/2014/main" val="1778274956"/>
                   </a:ext>
                 </a:extLst>
               </a:tr>

--- a/HikingPresentation.pptx
+++ b/HikingPresentation.pptx
@@ -10677,10 +10677,10 @@
       </p:sp>
       <p:pic>
         <p:nvPicPr>
-          <p:cNvPr id="7" name="Content Placeholder 6" descr="Chart, bar chart&#10;&#10;Description automatically generated">
+          <p:cNvPr id="9" name="Content Placeholder 8">
             <a:extLst>
               <a:ext uri="{FF2B5EF4-FFF2-40B4-BE49-F238E27FC236}">
-                <a16:creationId xmlns:a16="http://schemas.microsoft.com/office/drawing/2014/main" id="{EC7D6BC5-AA1F-4799-6135-9839B6910D3D}"/>
+                <a16:creationId xmlns:a16="http://schemas.microsoft.com/office/drawing/2014/main" id="{EDC953D7-7DE3-A699-2487-C764DE4B6136}"/>
               </a:ext>
             </a:extLst>
           </p:cNvPr>
@@ -10699,9 +10699,12 @@
         </p:blipFill>
         <p:spPr>
           <a:xfrm>
-            <a:off x="2211788" y="1928813"/>
-            <a:ext cx="7768423" cy="4252912"/>
+            <a:off x="2345724" y="1857116"/>
+            <a:ext cx="7500551" cy="4896857"/>
           </a:xfrm>
+          <a:prstGeom prst="rect">
+            <a:avLst/>
+          </a:prstGeom>
         </p:spPr>
       </p:pic>
     </p:spTree>

--- a/HikingPresentation.pptx
+++ b/HikingPresentation.pptx
@@ -8,18 +8,17 @@
     <p:sldId id="256" r:id="rId2"/>
     <p:sldId id="263" r:id="rId3"/>
     <p:sldId id="257" r:id="rId4"/>
-    <p:sldId id="258" r:id="rId5"/>
-    <p:sldId id="264" r:id="rId6"/>
-    <p:sldId id="259" r:id="rId7"/>
-    <p:sldId id="265" r:id="rId8"/>
+    <p:sldId id="264" r:id="rId5"/>
+    <p:sldId id="258" r:id="rId6"/>
+    <p:sldId id="270" r:id="rId7"/>
+    <p:sldId id="259" r:id="rId8"/>
     <p:sldId id="266" r:id="rId9"/>
-    <p:sldId id="260" r:id="rId10"/>
+    <p:sldId id="265" r:id="rId10"/>
     <p:sldId id="261" r:id="rId11"/>
     <p:sldId id="267" r:id="rId12"/>
     <p:sldId id="268" r:id="rId13"/>
-    <p:sldId id="271" r:id="rId14"/>
-    <p:sldId id="269" r:id="rId15"/>
-    <p:sldId id="262" r:id="rId16"/>
+    <p:sldId id="269" r:id="rId14"/>
+    <p:sldId id="262" r:id="rId15"/>
   </p:sldIdLst>
   <p:sldSz cx="12192000" cy="6858000"/>
   <p:notesSz cx="6858000" cy="9144000"/>
@@ -3615,7 +3614,7 @@
           <a:p>
             <a:fld id="{72345051-2045-45DA-935E-2E3CA1A69ADC}" type="datetimeFigureOut">
               <a:rPr lang="en-US" smtClean="0"/>
-              <a:t>3/5/23</a:t>
+              <a:t>3/4/23</a:t>
             </a:fld>
             <a:endParaRPr lang="en-US" dirty="0"/>
           </a:p>
@@ -3813,7 +3812,7 @@
           <a:p>
             <a:fld id="{72345051-2045-45DA-935E-2E3CA1A69ADC}" type="datetimeFigureOut">
               <a:rPr lang="en-US" smtClean="0"/>
-              <a:t>3/5/23</a:t>
+              <a:t>3/4/23</a:t>
             </a:fld>
             <a:endParaRPr lang="en-US"/>
           </a:p>
@@ -4021,7 +4020,7 @@
           <a:p>
             <a:fld id="{72345051-2045-45DA-935E-2E3CA1A69ADC}" type="datetimeFigureOut">
               <a:rPr lang="en-US" smtClean="0"/>
-              <a:t>3/5/23</a:t>
+              <a:t>3/4/23</a:t>
             </a:fld>
             <a:endParaRPr lang="en-US"/>
           </a:p>
@@ -4243,7 +4242,7 @@
           <a:p>
             <a:fld id="{72345051-2045-45DA-935E-2E3CA1A69ADC}" type="datetimeFigureOut">
               <a:rPr lang="en-US" smtClean="0"/>
-              <a:t>3/5/23</a:t>
+              <a:t>3/4/23</a:t>
             </a:fld>
             <a:endParaRPr lang="en-US"/>
           </a:p>
@@ -5154,7 +5153,7 @@
           <a:p>
             <a:fld id="{72345051-2045-45DA-935E-2E3CA1A69ADC}" type="datetimeFigureOut">
               <a:rPr lang="en-US" smtClean="0"/>
-              <a:t>3/5/23</a:t>
+              <a:t>3/4/23</a:t>
             </a:fld>
             <a:endParaRPr lang="en-US"/>
           </a:p>
@@ -5757,7 +5756,7 @@
           <a:p>
             <a:fld id="{72345051-2045-45DA-935E-2E3CA1A69ADC}" type="datetimeFigureOut">
               <a:rPr lang="en-US" smtClean="0"/>
-              <a:t>3/5/23</a:t>
+              <a:t>3/4/23</a:t>
             </a:fld>
             <a:endParaRPr lang="en-US"/>
           </a:p>
@@ -6805,7 +6804,7 @@
           <a:p>
             <a:fld id="{72345051-2045-45DA-935E-2E3CA1A69ADC}" type="datetimeFigureOut">
               <a:rPr lang="en-US" smtClean="0"/>
-              <a:t>3/5/23</a:t>
+              <a:t>3/4/23</a:t>
             </a:fld>
             <a:endParaRPr lang="en-US"/>
           </a:p>
@@ -7589,7 +7588,7 @@
           <a:p>
             <a:fld id="{72345051-2045-45DA-935E-2E3CA1A69ADC}" type="datetimeFigureOut">
               <a:rPr lang="en-US" smtClean="0"/>
-              <a:t>3/5/23</a:t>
+              <a:t>3/4/23</a:t>
             </a:fld>
             <a:endParaRPr lang="en-US"/>
           </a:p>
@@ -8038,7 +8037,7 @@
           <a:p>
             <a:fld id="{72345051-2045-45DA-935E-2E3CA1A69ADC}" type="datetimeFigureOut">
               <a:rPr lang="en-US" smtClean="0"/>
-              <a:t>3/5/23</a:t>
+              <a:t>3/4/23</a:t>
             </a:fld>
             <a:endParaRPr lang="en-US"/>
           </a:p>
@@ -8355,7 +8354,7 @@
           <a:p>
             <a:fld id="{72345051-2045-45DA-935E-2E3CA1A69ADC}" type="datetimeFigureOut">
               <a:rPr lang="en-US" smtClean="0"/>
-              <a:t>3/5/23</a:t>
+              <a:t>3/4/23</a:t>
             </a:fld>
             <a:endParaRPr lang="en-US"/>
           </a:p>
@@ -8983,7 +8982,7 @@
           <a:p>
             <a:fld id="{72345051-2045-45DA-935E-2E3CA1A69ADC}" type="datetimeFigureOut">
               <a:rPr lang="en-US" smtClean="0"/>
-              <a:t>3/5/23</a:t>
+              <a:t>3/4/23</a:t>
             </a:fld>
             <a:endParaRPr lang="en-US"/>
           </a:p>
@@ -9556,7 +9555,7 @@
           <a:p>
             <a:fld id="{72345051-2045-45DA-935E-2E3CA1A69ADC}" type="datetimeFigureOut">
               <a:rPr lang="en-US" smtClean="0"/>
-              <a:t>3/5/23</a:t>
+              <a:t>3/4/23</a:t>
             </a:fld>
             <a:endParaRPr lang="en-US" dirty="0"/>
           </a:p>
@@ -10677,10 +10676,10 @@
       </p:sp>
       <p:pic>
         <p:nvPicPr>
-          <p:cNvPr id="9" name="Content Placeholder 8">
+          <p:cNvPr id="7" name="Content Placeholder 6" descr="Chart, bar chart&#10;&#10;Description automatically generated">
             <a:extLst>
               <a:ext uri="{FF2B5EF4-FFF2-40B4-BE49-F238E27FC236}">
-                <a16:creationId xmlns:a16="http://schemas.microsoft.com/office/drawing/2014/main" id="{EDC953D7-7DE3-A699-2487-C764DE4B6136}"/>
+                <a16:creationId xmlns:a16="http://schemas.microsoft.com/office/drawing/2014/main" id="{EC7D6BC5-AA1F-4799-6135-9839B6910D3D}"/>
               </a:ext>
             </a:extLst>
           </p:cNvPr>
@@ -10699,12 +10698,9 @@
         </p:blipFill>
         <p:spPr>
           <a:xfrm>
-            <a:off x="2345724" y="1857116"/>
-            <a:ext cx="7500551" cy="4896857"/>
+            <a:off x="2211788" y="1928813"/>
+            <a:ext cx="7768423" cy="4252912"/>
           </a:xfrm>
-          <a:prstGeom prst="rect">
-            <a:avLst/>
-          </a:prstGeom>
         </p:spPr>
       </p:pic>
     </p:spTree>
@@ -10854,10 +10850,10 @@
       </p:sp>
       <p:pic>
         <p:nvPicPr>
-          <p:cNvPr id="5" name="Content Placeholder 4">
+          <p:cNvPr id="7" name="Content Placeholder 6" descr="Chart, box and whisker chart&#10;&#10;Description automatically generated">
             <a:extLst>
               <a:ext uri="{FF2B5EF4-FFF2-40B4-BE49-F238E27FC236}">
-                <a16:creationId xmlns:a16="http://schemas.microsoft.com/office/drawing/2014/main" id="{1BFF2C39-C627-F1FC-4873-13DE9CFB8BB1}"/>
+                <a16:creationId xmlns:a16="http://schemas.microsoft.com/office/drawing/2014/main" id="{21106AB9-0B1F-654F-C1A7-8A36EA91AACE}"/>
               </a:ext>
             </a:extLst>
           </p:cNvPr>
@@ -10876,8 +10872,35 @@
         </p:blipFill>
         <p:spPr>
           <a:xfrm>
-            <a:off x="1422952" y="1813342"/>
-            <a:ext cx="9346095" cy="4597063"/>
+            <a:off x="951197" y="2089451"/>
+            <a:ext cx="5144803" cy="4252912"/>
+          </a:xfrm>
+        </p:spPr>
+      </p:pic>
+      <p:pic>
+        <p:nvPicPr>
+          <p:cNvPr id="9" name="Picture 8" descr="Chart, box and whisker chart&#10;&#10;Description automatically generated">
+            <a:extLst>
+              <a:ext uri="{FF2B5EF4-FFF2-40B4-BE49-F238E27FC236}">
+                <a16:creationId xmlns:a16="http://schemas.microsoft.com/office/drawing/2014/main" id="{DDC2C09D-3824-AE24-98E5-E87CB1AF6E58}"/>
+              </a:ext>
+            </a:extLst>
+          </p:cNvPr>
+          <p:cNvPicPr>
+            <a:picLocks noChangeAspect="1"/>
+          </p:cNvPicPr>
+          <p:nvPr/>
+        </p:nvPicPr>
+        <p:blipFill>
+          <a:blip r:embed="rId3"/>
+          <a:stretch>
+            <a:fillRect/>
+          </a:stretch>
+        </p:blipFill>
+        <p:spPr>
+          <a:xfrm>
+            <a:off x="6513433" y="2089451"/>
+            <a:ext cx="4727370" cy="4768549"/>
           </a:xfrm>
           <a:prstGeom prst="rect">
             <a:avLst/>
@@ -10919,96 +10942,6 @@
           <p:cNvPr id="2" name="Title 1">
             <a:extLst>
               <a:ext uri="{FF2B5EF4-FFF2-40B4-BE49-F238E27FC236}">
-                <a16:creationId xmlns:a16="http://schemas.microsoft.com/office/drawing/2014/main" id="{50101209-B491-466D-BBD0-3256CB64A5C6}"/>
-              </a:ext>
-            </a:extLst>
-          </p:cNvPr>
-          <p:cNvSpPr>
-            <a:spLocks noGrp="1"/>
-          </p:cNvSpPr>
-          <p:nvPr>
-            <p:ph type="title"/>
-          </p:nvPr>
-        </p:nvSpPr>
-        <p:spPr/>
-        <p:txBody>
-          <a:bodyPr/>
-          <a:lstStyle/>
-          <a:p>
-            <a:r>
-              <a:rPr lang="en-US" dirty="0"/>
-              <a:t>Visualizations</a:t>
-            </a:r>
-          </a:p>
-        </p:txBody>
-      </p:sp>
-      <p:pic>
-        <p:nvPicPr>
-          <p:cNvPr id="6" name="Content Placeholder 5">
-            <a:extLst>
-              <a:ext uri="{FF2B5EF4-FFF2-40B4-BE49-F238E27FC236}">
-                <a16:creationId xmlns:a16="http://schemas.microsoft.com/office/drawing/2014/main" id="{732A1740-A0C0-2D62-FEC8-7F482764E3BD}"/>
-              </a:ext>
-            </a:extLst>
-          </p:cNvPr>
-          <p:cNvPicPr>
-            <a:picLocks noGrp="1" noChangeAspect="1"/>
-          </p:cNvPicPr>
-          <p:nvPr>
-            <p:ph idx="1"/>
-          </p:nvPr>
-        </p:nvPicPr>
-        <p:blipFill>
-          <a:blip r:embed="rId2"/>
-          <a:stretch>
-            <a:fillRect/>
-          </a:stretch>
-        </p:blipFill>
-        <p:spPr>
-          <a:xfrm>
-            <a:off x="2826026" y="1842894"/>
-            <a:ext cx="6539948" cy="4737418"/>
-          </a:xfrm>
-          <a:prstGeom prst="rect">
-            <a:avLst/>
-          </a:prstGeom>
-        </p:spPr>
-      </p:pic>
-    </p:spTree>
-    <p:extLst>
-      <p:ext uri="{BB962C8B-B14F-4D97-AF65-F5344CB8AC3E}">
-        <p14:creationId xmlns:p14="http://schemas.microsoft.com/office/powerpoint/2010/main" val="2142951637"/>
-      </p:ext>
-    </p:extLst>
-  </p:cSld>
-  <p:clrMapOvr>
-    <a:masterClrMapping/>
-  </p:clrMapOvr>
-</p:sld>
-</file>
-
-<file path=ppt/slides/slide14.xml><?xml version="1.0" encoding="utf-8"?>
-<p:sld xmlns:a="http://schemas.openxmlformats.org/drawingml/2006/main" xmlns:r="http://schemas.openxmlformats.org/officeDocument/2006/relationships" xmlns:p="http://schemas.openxmlformats.org/presentationml/2006/main">
-  <p:cSld>
-    <p:spTree>
-      <p:nvGrpSpPr>
-        <p:cNvPr id="1" name=""/>
-        <p:cNvGrpSpPr/>
-        <p:nvPr/>
-      </p:nvGrpSpPr>
-      <p:grpSpPr>
-        <a:xfrm>
-          <a:off x="0" y="0"/>
-          <a:ext cx="0" cy="0"/>
-          <a:chOff x="0" y="0"/>
-          <a:chExt cx="0" cy="0"/>
-        </a:xfrm>
-      </p:grpSpPr>
-      <p:sp>
-        <p:nvSpPr>
-          <p:cNvPr id="2" name="Title 1">
-            <a:extLst>
-              <a:ext uri="{FF2B5EF4-FFF2-40B4-BE49-F238E27FC236}">
                 <a16:creationId xmlns:a16="http://schemas.microsoft.com/office/drawing/2014/main" id="{404E5AF6-43BD-C715-10A1-01B1B2651855}"/>
               </a:ext>
             </a:extLst>
@@ -11250,7 +11183,7 @@
 </p:sld>
 </file>
 
-<file path=ppt/slides/slide15.xml><?xml version="1.0" encoding="utf-8"?>
+<file path=ppt/slides/slide14.xml><?xml version="1.0" encoding="utf-8"?>
 <p:sld xmlns:a="http://schemas.openxmlformats.org/drawingml/2006/main" xmlns:r="http://schemas.openxmlformats.org/officeDocument/2006/relationships" xmlns:p="http://schemas.openxmlformats.org/presentationml/2006/main">
   <p:cSld>
     <p:bg>
@@ -12360,334 +12293,6 @@
       </p:grpSpPr>
       <p:sp>
         <p:nvSpPr>
-          <p:cNvPr id="2" name="Title 1">
-            <a:extLst>
-              <a:ext uri="{FF2B5EF4-FFF2-40B4-BE49-F238E27FC236}">
-                <a16:creationId xmlns:a16="http://schemas.microsoft.com/office/drawing/2014/main" id="{3569738E-A727-ACF0-8F54-462AB827A94D}"/>
-              </a:ext>
-            </a:extLst>
-          </p:cNvPr>
-          <p:cNvSpPr>
-            <a:spLocks noGrp="1"/>
-          </p:cNvSpPr>
-          <p:nvPr>
-            <p:ph type="title"/>
-          </p:nvPr>
-        </p:nvSpPr>
-        <p:spPr/>
-        <p:txBody>
-          <a:bodyPr/>
-          <a:lstStyle/>
-          <a:p>
-            <a:r>
-              <a:rPr lang="en-US" dirty="0"/>
-              <a:t>Dataset</a:t>
-            </a:r>
-          </a:p>
-        </p:txBody>
-      </p:sp>
-      <p:pic>
-        <p:nvPicPr>
-          <p:cNvPr id="6" name="Picture 5" descr="Graphical user interface&#10;&#10;Description automatically generated">
-            <a:extLst>
-              <a:ext uri="{FF2B5EF4-FFF2-40B4-BE49-F238E27FC236}">
-                <a16:creationId xmlns:a16="http://schemas.microsoft.com/office/drawing/2014/main" id="{D7ECCDB9-67E6-620E-5A95-3E81759DE4A9}"/>
-              </a:ext>
-            </a:extLst>
-          </p:cNvPr>
-          <p:cNvPicPr>
-            <a:picLocks noChangeAspect="1"/>
-          </p:cNvPicPr>
-          <p:nvPr/>
-        </p:nvPicPr>
-        <p:blipFill>
-          <a:blip r:embed="rId2"/>
-          <a:stretch>
-            <a:fillRect/>
-          </a:stretch>
-        </p:blipFill>
-        <p:spPr>
-          <a:xfrm>
-            <a:off x="3141080" y="1823486"/>
-            <a:ext cx="8609561" cy="4251960"/>
-          </a:xfrm>
-          <a:prstGeom prst="rect">
-            <a:avLst/>
-          </a:prstGeom>
-        </p:spPr>
-      </p:pic>
-      <p:sp>
-        <p:nvSpPr>
-          <p:cNvPr id="8" name="TextBox 7">
-            <a:extLst>
-              <a:ext uri="{FF2B5EF4-FFF2-40B4-BE49-F238E27FC236}">
-                <a16:creationId xmlns:a16="http://schemas.microsoft.com/office/drawing/2014/main" id="{AFA34497-918F-3FCC-53C3-E31ED9E7ED34}"/>
-              </a:ext>
-            </a:extLst>
-          </p:cNvPr>
-          <p:cNvSpPr txBox="1"/>
-          <p:nvPr/>
-        </p:nvSpPr>
-        <p:spPr>
-          <a:xfrm>
-            <a:off x="287706" y="3349301"/>
-            <a:ext cx="2853374" cy="1200329"/>
-          </a:xfrm>
-          <a:prstGeom prst="rect">
-            <a:avLst/>
-          </a:prstGeom>
-          <a:noFill/>
-          <a:ln w="12700">
-            <a:solidFill>
-              <a:srgbClr val="00B050"/>
-            </a:solidFill>
-          </a:ln>
-        </p:spPr>
-        <p:txBody>
-          <a:bodyPr wrap="square">
-            <a:spAutoFit/>
-          </a:bodyPr>
-          <a:lstStyle/>
-          <a:p>
-            <a:r>
-              <a:rPr lang="en-US" sz="1200" dirty="0">
-                <a:latin typeface="Times New Roman" panose="02020603050405020304" pitchFamily="18" charset="0"/>
-                <a:cs typeface="Times New Roman" panose="02020603050405020304" pitchFamily="18" charset="0"/>
-              </a:rPr>
-              <a:t>try:</a:t>
-            </a:r>
-          </a:p>
-          <a:p>
-            <a:r>
-              <a:rPr lang="en-US" sz="1200" dirty="0">
-                <a:latin typeface="Times New Roman" panose="02020603050405020304" pitchFamily="18" charset="0"/>
-                <a:cs typeface="Times New Roman" panose="02020603050405020304" pitchFamily="18" charset="0"/>
-              </a:rPr>
-              <a:t>    while </a:t>
-            </a:r>
-            <a:r>
-              <a:rPr lang="en-US" sz="1200" dirty="0" err="1">
-                <a:latin typeface="Times New Roman" panose="02020603050405020304" pitchFamily="18" charset="0"/>
-                <a:cs typeface="Times New Roman" panose="02020603050405020304" pitchFamily="18" charset="0"/>
-              </a:rPr>
-              <a:t>load_more_button.is_displayed</a:t>
-            </a:r>
-            <a:r>
-              <a:rPr lang="en-US" sz="1200" dirty="0">
-                <a:latin typeface="Times New Roman" panose="02020603050405020304" pitchFamily="18" charset="0"/>
-                <a:cs typeface="Times New Roman" panose="02020603050405020304" pitchFamily="18" charset="0"/>
-              </a:rPr>
-              <a:t>():</a:t>
-            </a:r>
-          </a:p>
-          <a:p>
-            <a:r>
-              <a:rPr lang="en-US" sz="1200" dirty="0">
-                <a:latin typeface="Times New Roman" panose="02020603050405020304" pitchFamily="18" charset="0"/>
-                <a:cs typeface="Times New Roman" panose="02020603050405020304" pitchFamily="18" charset="0"/>
-              </a:rPr>
-              <a:t>        </a:t>
-            </a:r>
-            <a:r>
-              <a:rPr lang="en-US" sz="1200" dirty="0" err="1">
-                <a:latin typeface="Times New Roman" panose="02020603050405020304" pitchFamily="18" charset="0"/>
-                <a:cs typeface="Times New Roman" panose="02020603050405020304" pitchFamily="18" charset="0"/>
-              </a:rPr>
-              <a:t>load_more_button.click</a:t>
-            </a:r>
-            <a:r>
-              <a:rPr lang="en-US" sz="1200" dirty="0">
-                <a:latin typeface="Times New Roman" panose="02020603050405020304" pitchFamily="18" charset="0"/>
-                <a:cs typeface="Times New Roman" panose="02020603050405020304" pitchFamily="18" charset="0"/>
-              </a:rPr>
-              <a:t>()</a:t>
-            </a:r>
-          </a:p>
-          <a:p>
-            <a:r>
-              <a:rPr lang="en-US" sz="1200" dirty="0">
-                <a:latin typeface="Times New Roman" panose="02020603050405020304" pitchFamily="18" charset="0"/>
-                <a:cs typeface="Times New Roman" panose="02020603050405020304" pitchFamily="18" charset="0"/>
-              </a:rPr>
-              <a:t>        sleep(</a:t>
-            </a:r>
-            <a:r>
-              <a:rPr lang="en-US" sz="1200" dirty="0" err="1">
-                <a:latin typeface="Times New Roman" panose="02020603050405020304" pitchFamily="18" charset="0"/>
-                <a:cs typeface="Times New Roman" panose="02020603050405020304" pitchFamily="18" charset="0"/>
-              </a:rPr>
-              <a:t>randint</a:t>
-            </a:r>
-            <a:r>
-              <a:rPr lang="en-US" sz="1200" dirty="0">
-                <a:latin typeface="Times New Roman" panose="02020603050405020304" pitchFamily="18" charset="0"/>
-                <a:cs typeface="Times New Roman" panose="02020603050405020304" pitchFamily="18" charset="0"/>
-              </a:rPr>
-              <a:t>(1,5))</a:t>
-            </a:r>
-          </a:p>
-          <a:p>
-            <a:r>
-              <a:rPr lang="en-US" sz="1200" dirty="0">
-                <a:latin typeface="Times New Roman" panose="02020603050405020304" pitchFamily="18" charset="0"/>
-                <a:cs typeface="Times New Roman" panose="02020603050405020304" pitchFamily="18" charset="0"/>
-              </a:rPr>
-              <a:t>except </a:t>
-            </a:r>
-            <a:r>
-              <a:rPr lang="en-US" sz="1200" dirty="0" err="1">
-                <a:latin typeface="Times New Roman" panose="02020603050405020304" pitchFamily="18" charset="0"/>
-                <a:cs typeface="Times New Roman" panose="02020603050405020304" pitchFamily="18" charset="0"/>
-              </a:rPr>
-              <a:t>StaleElementReferenceException</a:t>
-            </a:r>
-            <a:r>
-              <a:rPr lang="en-US" sz="1200" dirty="0">
-                <a:latin typeface="Times New Roman" panose="02020603050405020304" pitchFamily="18" charset="0"/>
-                <a:cs typeface="Times New Roman" panose="02020603050405020304" pitchFamily="18" charset="0"/>
-              </a:rPr>
-              <a:t>:</a:t>
-            </a:r>
-          </a:p>
-          <a:p>
-            <a:r>
-              <a:rPr lang="en-US" sz="1200" dirty="0">
-                <a:latin typeface="Times New Roman" panose="02020603050405020304" pitchFamily="18" charset="0"/>
-                <a:cs typeface="Times New Roman" panose="02020603050405020304" pitchFamily="18" charset="0"/>
-              </a:rPr>
-              <a:t>    print('Completed')</a:t>
-            </a:r>
-          </a:p>
-        </p:txBody>
-      </p:sp>
-      <p:sp>
-        <p:nvSpPr>
-          <p:cNvPr id="9" name="Oval 8">
-            <a:extLst>
-              <a:ext uri="{FF2B5EF4-FFF2-40B4-BE49-F238E27FC236}">
-                <a16:creationId xmlns:a16="http://schemas.microsoft.com/office/drawing/2014/main" id="{8356A017-39CF-0402-4EFF-D50893560F08}"/>
-              </a:ext>
-            </a:extLst>
-          </p:cNvPr>
-          <p:cNvSpPr/>
-          <p:nvPr/>
-        </p:nvSpPr>
-        <p:spPr>
-          <a:xfrm>
-            <a:off x="2889869" y="5651653"/>
-            <a:ext cx="1779104" cy="556591"/>
-          </a:xfrm>
-          <a:prstGeom prst="ellipse">
-            <a:avLst/>
-          </a:prstGeom>
-          <a:noFill/>
-          <a:ln w="25400">
-            <a:solidFill>
-              <a:srgbClr val="00B050"/>
-            </a:solidFill>
-          </a:ln>
-        </p:spPr>
-        <p:style>
-          <a:lnRef idx="2">
-            <a:schemeClr val="accent1">
-              <a:shade val="50000"/>
-            </a:schemeClr>
-          </a:lnRef>
-          <a:fillRef idx="1">
-            <a:schemeClr val="accent1"/>
-          </a:fillRef>
-          <a:effectRef idx="0">
-            <a:schemeClr val="accent1"/>
-          </a:effectRef>
-          <a:fontRef idx="minor">
-            <a:schemeClr val="lt1"/>
-          </a:fontRef>
-        </p:style>
-        <p:txBody>
-          <a:bodyPr rtlCol="0" anchor="ctr"/>
-          <a:lstStyle/>
-          <a:p>
-            <a:pPr algn="ctr"/>
-            <a:endParaRPr lang="en-US"/>
-          </a:p>
-        </p:txBody>
-      </p:sp>
-      <p:cxnSp>
-        <p:nvCxnSpPr>
-          <p:cNvPr id="11" name="Straight Arrow Connector 10">
-            <a:extLst>
-              <a:ext uri="{FF2B5EF4-FFF2-40B4-BE49-F238E27FC236}">
-                <a16:creationId xmlns:a16="http://schemas.microsoft.com/office/drawing/2014/main" id="{D218CD61-1A9B-2AC8-93C0-05B6EFFD9D8A}"/>
-              </a:ext>
-            </a:extLst>
-          </p:cNvPr>
-          <p:cNvCxnSpPr>
-            <a:stCxn id="8" idx="2"/>
-          </p:cNvCxnSpPr>
-          <p:nvPr/>
-        </p:nvCxnSpPr>
-        <p:spPr>
-          <a:xfrm>
-            <a:off x="1714393" y="4549630"/>
-            <a:ext cx="1300656" cy="1102023"/>
-          </a:xfrm>
-          <a:prstGeom prst="straightConnector1">
-            <a:avLst/>
-          </a:prstGeom>
-          <a:ln w="31750">
-            <a:solidFill>
-              <a:srgbClr val="92D050"/>
-            </a:solidFill>
-            <a:tailEnd type="triangle"/>
-          </a:ln>
-        </p:spPr>
-        <p:style>
-          <a:lnRef idx="1">
-            <a:schemeClr val="accent1"/>
-          </a:lnRef>
-          <a:fillRef idx="0">
-            <a:schemeClr val="accent1"/>
-          </a:fillRef>
-          <a:effectRef idx="0">
-            <a:schemeClr val="accent1"/>
-          </a:effectRef>
-          <a:fontRef idx="minor">
-            <a:schemeClr val="tx1"/>
-          </a:fontRef>
-        </p:style>
-      </p:cxnSp>
-    </p:spTree>
-    <p:extLst>
-      <p:ext uri="{BB962C8B-B14F-4D97-AF65-F5344CB8AC3E}">
-        <p14:creationId xmlns:p14="http://schemas.microsoft.com/office/powerpoint/2010/main" val="3391483244"/>
-      </p:ext>
-    </p:extLst>
-  </p:cSld>
-  <p:clrMapOvr>
-    <a:masterClrMapping/>
-  </p:clrMapOvr>
-</p:sld>
-</file>
-
-<file path=ppt/slides/slide5.xml><?xml version="1.0" encoding="utf-8"?>
-<p:sld xmlns:a="http://schemas.openxmlformats.org/drawingml/2006/main" xmlns:r="http://schemas.openxmlformats.org/officeDocument/2006/relationships" xmlns:p="http://schemas.openxmlformats.org/presentationml/2006/main">
-  <p:cSld>
-    <p:spTree>
-      <p:nvGrpSpPr>
-        <p:cNvPr id="1" name=""/>
-        <p:cNvGrpSpPr/>
-        <p:nvPr/>
-      </p:nvGrpSpPr>
-      <p:grpSpPr>
-        <a:xfrm>
-          <a:off x="0" y="0"/>
-          <a:ext cx="0" cy="0"/>
-          <a:chOff x="0" y="0"/>
-          <a:chExt cx="0" cy="0"/>
-        </a:xfrm>
-      </p:grpSpPr>
-      <p:sp>
-        <p:nvSpPr>
           <p:cNvPr id="4" name="Title 1">
             <a:extLst>
               <a:ext uri="{FF2B5EF4-FFF2-40B4-BE49-F238E27FC236}">
@@ -12940,7 +12545,7 @@
 </p:sld>
 </file>
 
-<file path=ppt/slides/slide6.xml><?xml version="1.0" encoding="utf-8"?>
+<file path=ppt/slides/slide5.xml><?xml version="1.0" encoding="utf-8"?>
 <p:sld xmlns:a="http://schemas.openxmlformats.org/drawingml/2006/main" xmlns:r="http://schemas.openxmlformats.org/officeDocument/2006/relationships" xmlns:p="http://schemas.openxmlformats.org/presentationml/2006/main">
   <p:cSld>
     <p:spTree>
@@ -12962,7 +12567,7 @@
           <p:cNvPr id="2" name="Title 1">
             <a:extLst>
               <a:ext uri="{FF2B5EF4-FFF2-40B4-BE49-F238E27FC236}">
-                <a16:creationId xmlns:a16="http://schemas.microsoft.com/office/drawing/2014/main" id="{4D1352D8-7B44-3482-0CEB-904C57CA342D}"/>
+                <a16:creationId xmlns:a16="http://schemas.microsoft.com/office/drawing/2014/main" id="{3569738E-A727-ACF0-8F54-462AB827A94D}"/>
               </a:ext>
             </a:extLst>
           </p:cNvPr>
@@ -12975,31 +12580,31 @@
         </p:nvSpPr>
         <p:spPr/>
         <p:txBody>
-          <a:bodyPr/>
+          <a:bodyPr>
+            <a:normAutofit/>
+          </a:bodyPr>
           <a:lstStyle/>
           <a:p>
             <a:r>
               <a:rPr lang="en-US" dirty="0"/>
-              <a:t>Data Cleaning - Before</a:t>
+              <a:t>Data Scraping</a:t>
             </a:r>
           </a:p>
         </p:txBody>
       </p:sp>
       <p:pic>
         <p:nvPicPr>
-          <p:cNvPr id="11" name="Content Placeholder 10" descr="Table&#10;&#10;Description automatically generated with medium confidence">
+          <p:cNvPr id="19" name="Picture 18" descr="Graphical user interface, text, application&#10;&#10;Description automatically generated">
             <a:extLst>
               <a:ext uri="{FF2B5EF4-FFF2-40B4-BE49-F238E27FC236}">
-                <a16:creationId xmlns:a16="http://schemas.microsoft.com/office/drawing/2014/main" id="{BC13230B-2E4A-927D-DD7C-D27F0C9EE11A}"/>
+                <a16:creationId xmlns:a16="http://schemas.microsoft.com/office/drawing/2014/main" id="{6C2C90BC-3741-2549-BF9B-D8A4B9B355A4}"/>
               </a:ext>
             </a:extLst>
           </p:cNvPr>
           <p:cNvPicPr>
-            <a:picLocks noGrp="1" noChangeAspect="1"/>
+            <a:picLocks noChangeAspect="1"/>
           </p:cNvPicPr>
-          <p:nvPr>
-            <p:ph idx="1"/>
-          </p:nvPr>
+          <p:nvPr/>
         </p:nvPicPr>
         <p:blipFill>
           <a:blip r:embed="rId2"/>
@@ -13009,15 +12614,539 @@
         </p:blipFill>
         <p:spPr>
           <a:xfrm>
-            <a:off x="1588479" y="1928813"/>
-            <a:ext cx="9015041" cy="4252912"/>
+            <a:off x="127490" y="3417268"/>
+            <a:ext cx="2617558" cy="846857"/>
           </a:xfrm>
+          <a:prstGeom prst="rect">
+            <a:avLst/>
+          </a:prstGeom>
+        </p:spPr>
+      </p:pic>
+      <p:pic>
+        <p:nvPicPr>
+          <p:cNvPr id="21" name="Picture 20" descr="Graphical user interface, text, application&#10;&#10;Description automatically generated">
+            <a:extLst>
+              <a:ext uri="{FF2B5EF4-FFF2-40B4-BE49-F238E27FC236}">
+                <a16:creationId xmlns:a16="http://schemas.microsoft.com/office/drawing/2014/main" id="{861C800D-DDE6-BF89-0A53-469C9FC814B8}"/>
+              </a:ext>
+            </a:extLst>
+          </p:cNvPr>
+          <p:cNvPicPr>
+            <a:picLocks noChangeAspect="1"/>
+          </p:cNvPicPr>
+          <p:nvPr/>
+        </p:nvPicPr>
+        <p:blipFill>
+          <a:blip r:embed="rId3"/>
+          <a:stretch>
+            <a:fillRect/>
+          </a:stretch>
+        </p:blipFill>
+        <p:spPr>
+          <a:xfrm>
+            <a:off x="127490" y="2274173"/>
+            <a:ext cx="4946287" cy="1039760"/>
+          </a:xfrm>
+          <a:prstGeom prst="rect">
+            <a:avLst/>
+          </a:prstGeom>
+        </p:spPr>
+      </p:pic>
+      <p:pic>
+        <p:nvPicPr>
+          <p:cNvPr id="27" name="Picture 26" descr="A picture containing text&#10;&#10;Description automatically generated">
+            <a:extLst>
+              <a:ext uri="{FF2B5EF4-FFF2-40B4-BE49-F238E27FC236}">
+                <a16:creationId xmlns:a16="http://schemas.microsoft.com/office/drawing/2014/main" id="{AD510F3E-E335-E1C1-BC5F-B071C07B2069}"/>
+              </a:ext>
+            </a:extLst>
+          </p:cNvPr>
+          <p:cNvPicPr>
+            <a:picLocks noChangeAspect="1"/>
+          </p:cNvPicPr>
+          <p:nvPr/>
+        </p:nvPicPr>
+        <p:blipFill>
+          <a:blip r:embed="rId4"/>
+          <a:stretch>
+            <a:fillRect/>
+          </a:stretch>
+        </p:blipFill>
+        <p:spPr>
+          <a:xfrm>
+            <a:off x="127490" y="4355371"/>
+            <a:ext cx="5318050" cy="1129265"/>
+          </a:xfrm>
+          <a:prstGeom prst="rect">
+            <a:avLst/>
+          </a:prstGeom>
+        </p:spPr>
+      </p:pic>
+      <p:pic>
+        <p:nvPicPr>
+          <p:cNvPr id="35" name="Picture 34" descr="Icon&#10;&#10;Description automatically generated">
+            <a:extLst>
+              <a:ext uri="{FF2B5EF4-FFF2-40B4-BE49-F238E27FC236}">
+                <a16:creationId xmlns:a16="http://schemas.microsoft.com/office/drawing/2014/main" id="{9A01CA93-F3B7-E488-1B3C-2779F7472556}"/>
+              </a:ext>
+            </a:extLst>
+          </p:cNvPr>
+          <p:cNvPicPr>
+            <a:picLocks noChangeAspect="1"/>
+          </p:cNvPicPr>
+          <p:nvPr/>
+        </p:nvPicPr>
+        <p:blipFill>
+          <a:blip r:embed="rId5"/>
+          <a:stretch>
+            <a:fillRect/>
+          </a:stretch>
+        </p:blipFill>
+        <p:spPr>
+          <a:xfrm>
+            <a:off x="7695072" y="494686"/>
+            <a:ext cx="2651147" cy="1066439"/>
+          </a:xfrm>
+          <a:prstGeom prst="rect">
+            <a:avLst/>
+          </a:prstGeom>
+        </p:spPr>
+      </p:pic>
+      <p:pic>
+        <p:nvPicPr>
+          <p:cNvPr id="37" name="Picture 36" descr="Graphical user interface&#10;&#10;Description automatically generated with medium confidence">
+            <a:extLst>
+              <a:ext uri="{FF2B5EF4-FFF2-40B4-BE49-F238E27FC236}">
+                <a16:creationId xmlns:a16="http://schemas.microsoft.com/office/drawing/2014/main" id="{7CAFD1BF-8D9D-3113-3F05-CDA4857AA1A3}"/>
+              </a:ext>
+            </a:extLst>
+          </p:cNvPr>
+          <p:cNvPicPr>
+            <a:picLocks noChangeAspect="1"/>
+          </p:cNvPicPr>
+          <p:nvPr/>
+        </p:nvPicPr>
+        <p:blipFill>
+          <a:blip r:embed="rId6"/>
+          <a:stretch>
+            <a:fillRect/>
+          </a:stretch>
+        </p:blipFill>
+        <p:spPr>
+          <a:xfrm>
+            <a:off x="5357812" y="2157268"/>
+            <a:ext cx="6834188" cy="3432463"/>
+          </a:xfrm>
+          <a:prstGeom prst="rect">
+            <a:avLst/>
+          </a:prstGeom>
+        </p:spPr>
+      </p:pic>
+      <p:cxnSp>
+        <p:nvCxnSpPr>
+          <p:cNvPr id="43" name="Elbow Connector 42">
+            <a:extLst>
+              <a:ext uri="{FF2B5EF4-FFF2-40B4-BE49-F238E27FC236}">
+                <a16:creationId xmlns:a16="http://schemas.microsoft.com/office/drawing/2014/main" id="{28B2488C-6C0C-E6D2-53F1-A1787AF18071}"/>
+              </a:ext>
+            </a:extLst>
+          </p:cNvPr>
+          <p:cNvCxnSpPr>
+            <a:cxnSpLocks/>
+            <a:stCxn id="19" idx="3"/>
+          </p:cNvCxnSpPr>
+          <p:nvPr/>
+        </p:nvCxnSpPr>
+        <p:spPr>
+          <a:xfrm>
+            <a:off x="2745048" y="3840697"/>
+            <a:ext cx="2790447" cy="1538844"/>
+          </a:xfrm>
+          <a:prstGeom prst="bentConnector3">
+            <a:avLst>
+              <a:gd name="adj1" fmla="val 95305"/>
+            </a:avLst>
+          </a:prstGeom>
+          <a:ln w="9525">
+            <a:headEnd type="triangle"/>
+            <a:tailEnd type="triangle"/>
+          </a:ln>
+        </p:spPr>
+        <p:style>
+          <a:lnRef idx="1">
+            <a:schemeClr val="accent1"/>
+          </a:lnRef>
+          <a:fillRef idx="0">
+            <a:schemeClr val="accent1"/>
+          </a:fillRef>
+          <a:effectRef idx="0">
+            <a:schemeClr val="accent1"/>
+          </a:effectRef>
+          <a:fontRef idx="minor">
+            <a:schemeClr val="tx1"/>
+          </a:fontRef>
+        </p:style>
+      </p:cxnSp>
+    </p:spTree>
+    <p:extLst>
+      <p:ext uri="{BB962C8B-B14F-4D97-AF65-F5344CB8AC3E}">
+        <p14:creationId xmlns:p14="http://schemas.microsoft.com/office/powerpoint/2010/main" val="3391483244"/>
+      </p:ext>
+    </p:extLst>
+  </p:cSld>
+  <p:clrMapOvr>
+    <a:masterClrMapping/>
+  </p:clrMapOvr>
+</p:sld>
+</file>
+
+<file path=ppt/slides/slide6.xml><?xml version="1.0" encoding="utf-8"?>
+<p:sld xmlns:a="http://schemas.openxmlformats.org/drawingml/2006/main" xmlns:r="http://schemas.openxmlformats.org/officeDocument/2006/relationships" xmlns:p="http://schemas.openxmlformats.org/presentationml/2006/main">
+  <p:cSld>
+    <p:spTree>
+      <p:nvGrpSpPr>
+        <p:cNvPr id="1" name=""/>
+        <p:cNvGrpSpPr/>
+        <p:nvPr/>
+      </p:nvGrpSpPr>
+      <p:grpSpPr>
+        <a:xfrm>
+          <a:off x="0" y="0"/>
+          <a:ext cx="0" cy="0"/>
+          <a:chOff x="0" y="0"/>
+          <a:chExt cx="0" cy="0"/>
+        </a:xfrm>
+      </p:grpSpPr>
+      <p:pic>
+        <p:nvPicPr>
+          <p:cNvPr id="3" name="Picture 2" descr="Text&#10;&#10;Description automatically generated">
+            <a:extLst>
+              <a:ext uri="{FF2B5EF4-FFF2-40B4-BE49-F238E27FC236}">
+                <a16:creationId xmlns:a16="http://schemas.microsoft.com/office/drawing/2014/main" id="{396ED6C2-E52C-F8C2-177A-5B0460326D49}"/>
+              </a:ext>
+            </a:extLst>
+          </p:cNvPr>
+          <p:cNvPicPr>
+            <a:picLocks noChangeAspect="1"/>
+          </p:cNvPicPr>
+          <p:nvPr/>
+        </p:nvPicPr>
+        <p:blipFill rotWithShape="1">
+          <a:blip r:embed="rId2"/>
+          <a:srcRect r="45671" b="-1"/>
+          <a:stretch/>
+        </p:blipFill>
+        <p:spPr>
+          <a:xfrm>
+            <a:off x="20" y="1"/>
+            <a:ext cx="12191980" cy="6227481"/>
+          </a:xfrm>
+          <a:custGeom>
+            <a:avLst/>
+            <a:gdLst/>
+            <a:ahLst/>
+            <a:cxnLst/>
+            <a:rect l="l" t="t" r="r" b="b"/>
+            <a:pathLst>
+              <a:path w="12188952" h="6168721">
+                <a:moveTo>
+                  <a:pt x="0" y="0"/>
+                </a:moveTo>
+                <a:lnTo>
+                  <a:pt x="12188952" y="0"/>
+                </a:lnTo>
+                <a:lnTo>
+                  <a:pt x="12188952" y="6140172"/>
+                </a:lnTo>
+                <a:lnTo>
+                  <a:pt x="11986461" y="6135590"/>
+                </a:lnTo>
+                <a:cubicBezTo>
+                  <a:pt x="11912297" y="6136565"/>
+                  <a:pt x="11838168" y="6140192"/>
+                  <a:pt x="11764214" y="6146469"/>
+                </a:cubicBezTo>
+                <a:cubicBezTo>
+                  <a:pt x="11656850" y="6154473"/>
+                  <a:pt x="11548596" y="6165527"/>
+                  <a:pt x="11441995" y="6145198"/>
+                </a:cubicBezTo>
+                <a:cubicBezTo>
+                  <a:pt x="11324975" y="6122709"/>
+                  <a:pt x="11208081" y="6122582"/>
+                  <a:pt x="11090044" y="6128299"/>
+                </a:cubicBezTo>
+                <a:cubicBezTo>
+                  <a:pt x="10989160" y="6133127"/>
+                  <a:pt x="10888657" y="6158539"/>
+                  <a:pt x="10787011" y="6131730"/>
+                </a:cubicBezTo>
+                <a:cubicBezTo>
+                  <a:pt x="10776897" y="6130256"/>
+                  <a:pt x="10766592" y="6130688"/>
+                  <a:pt x="10756643" y="6133000"/>
+                </a:cubicBezTo>
+                <a:cubicBezTo>
+                  <a:pt x="10645468" y="6148374"/>
+                  <a:pt x="10533530" y="6135796"/>
+                  <a:pt x="10421973" y="6140116"/>
+                </a:cubicBezTo>
+                <a:cubicBezTo>
+                  <a:pt x="10370515" y="6142149"/>
+                  <a:pt x="10318040" y="6141005"/>
+                  <a:pt x="10267216" y="6146469"/>
+                </a:cubicBezTo>
+                <a:cubicBezTo>
+                  <a:pt x="10150577" y="6158920"/>
+                  <a:pt x="10034192" y="6165527"/>
+                  <a:pt x="9918824" y="6136177"/>
+                </a:cubicBezTo>
+                <a:cubicBezTo>
+                  <a:pt x="9885153" y="6128261"/>
+                  <a:pt x="9850745" y="6124005"/>
+                  <a:pt x="9816160" y="6123471"/>
+                </a:cubicBezTo>
+                <a:cubicBezTo>
+                  <a:pt x="9703206" y="6119405"/>
+                  <a:pt x="9590632" y="6127156"/>
+                  <a:pt x="9478059" y="6133509"/>
+                </a:cubicBezTo>
+                <a:cubicBezTo>
+                  <a:pt x="9399918" y="6137956"/>
+                  <a:pt x="9321904" y="6147612"/>
+                  <a:pt x="9243637" y="6139480"/>
+                </a:cubicBezTo>
+                <a:cubicBezTo>
+                  <a:pt x="9198150" y="6134779"/>
+                  <a:pt x="9152282" y="6134779"/>
+                  <a:pt x="9106795" y="6139480"/>
+                </a:cubicBezTo>
+                <a:cubicBezTo>
+                  <a:pt x="9022962" y="6149302"/>
+                  <a:pt x="8938380" y="6151132"/>
+                  <a:pt x="8854204" y="6144944"/>
+                </a:cubicBezTo>
+                <a:cubicBezTo>
+                  <a:pt x="8728543" y="6134144"/>
+                  <a:pt x="8603010" y="6125123"/>
+                  <a:pt x="8476969" y="6142276"/>
+                </a:cubicBezTo>
+                <a:cubicBezTo>
+                  <a:pt x="8405486" y="6153508"/>
+                  <a:pt x="8332808" y="6154829"/>
+                  <a:pt x="8260970" y="6146214"/>
+                </a:cubicBezTo>
+                <a:cubicBezTo>
+                  <a:pt x="8089823" y="6122200"/>
+                  <a:pt x="7918295" y="6129951"/>
+                  <a:pt x="7746767" y="6139861"/>
+                </a:cubicBezTo>
+                <a:cubicBezTo>
+                  <a:pt x="7632160" y="6146596"/>
+                  <a:pt x="7517046" y="6158920"/>
+                  <a:pt x="7402693" y="6142657"/>
+                </a:cubicBezTo>
+                <a:cubicBezTo>
+                  <a:pt x="7256831" y="6122328"/>
+                  <a:pt x="7110841" y="6129062"/>
+                  <a:pt x="6964597" y="6135033"/>
+                </a:cubicBezTo>
+                <a:cubicBezTo>
+                  <a:pt x="6857233" y="6139480"/>
+                  <a:pt x="6749742" y="6152949"/>
+                  <a:pt x="6642124" y="6136304"/>
+                </a:cubicBezTo>
+                <a:cubicBezTo>
+                  <a:pt x="6631045" y="6134792"/>
+                  <a:pt x="6619775" y="6135923"/>
+                  <a:pt x="6609216" y="6139607"/>
+                </a:cubicBezTo>
+                <a:cubicBezTo>
+                  <a:pt x="6568379" y="6153050"/>
+                  <a:pt x="6524595" y="6154854"/>
+                  <a:pt x="6482793" y="6144817"/>
+                </a:cubicBezTo>
+                <a:cubicBezTo>
+                  <a:pt x="6405669" y="6127918"/>
+                  <a:pt x="6328672" y="6120549"/>
+                  <a:pt x="6250150" y="6135923"/>
+                </a:cubicBezTo>
+                <a:cubicBezTo>
+                  <a:pt x="6217254" y="6142809"/>
+                  <a:pt x="6183521" y="6144817"/>
+                  <a:pt x="6150028" y="6141894"/>
+                </a:cubicBezTo>
+                <a:cubicBezTo>
+                  <a:pt x="6020175" y="6128934"/>
+                  <a:pt x="5890068" y="6134017"/>
+                  <a:pt x="5760087" y="6136558"/>
+                </a:cubicBezTo>
+                <a:cubicBezTo>
+                  <a:pt x="5521345" y="6141005"/>
+                  <a:pt x="5282477" y="6136558"/>
+                  <a:pt x="5044242" y="6159301"/>
+                </a:cubicBezTo>
+                <a:cubicBezTo>
+                  <a:pt x="4979506" y="6165463"/>
+                  <a:pt x="4914326" y="6169403"/>
+                  <a:pt x="4849272" y="6168624"/>
+                </a:cubicBezTo>
+                <a:cubicBezTo>
+                  <a:pt x="4784218" y="6167846"/>
+                  <a:pt x="4719291" y="6162351"/>
+                  <a:pt x="4655063" y="6149645"/>
+                </a:cubicBezTo>
+                <a:cubicBezTo>
+                  <a:pt x="4447578" y="6109368"/>
+                  <a:pt x="4239457" y="6106826"/>
+                  <a:pt x="4029811" y="6123090"/>
+                </a:cubicBezTo>
+                <a:cubicBezTo>
+                  <a:pt x="3943792" y="6129824"/>
+                  <a:pt x="3857774" y="6141005"/>
+                  <a:pt x="3771375" y="6138845"/>
+                </a:cubicBezTo>
+                <a:cubicBezTo>
+                  <a:pt x="3623225" y="6134906"/>
+                  <a:pt x="3474948" y="6142911"/>
+                  <a:pt x="3326672" y="6140878"/>
+                </a:cubicBezTo>
+                <a:cubicBezTo>
+                  <a:pt x="3322669" y="6140306"/>
+                  <a:pt x="3318578" y="6140840"/>
+                  <a:pt x="3314855" y="6142403"/>
+                </a:cubicBezTo>
+                <a:cubicBezTo>
+                  <a:pt x="3278008" y="6167687"/>
+                  <a:pt x="3237604" y="6157904"/>
+                  <a:pt x="3199487" y="6151297"/>
+                </a:cubicBezTo>
+                <a:cubicBezTo>
+                  <a:pt x="3072810" y="6129316"/>
+                  <a:pt x="2946260" y="6118516"/>
+                  <a:pt x="2817550" y="6135542"/>
+                </a:cubicBezTo>
+                <a:cubicBezTo>
+                  <a:pt x="2694647" y="6153368"/>
+                  <a:pt x="2569990" y="6155591"/>
+                  <a:pt x="2446541" y="6142149"/>
+                </a:cubicBezTo>
+                <a:cubicBezTo>
+                  <a:pt x="2276791" y="6122328"/>
+                  <a:pt x="2107677" y="6126521"/>
+                  <a:pt x="1938308" y="6142149"/>
+                </a:cubicBezTo>
+                <a:cubicBezTo>
+                  <a:pt x="1869570" y="6148501"/>
+                  <a:pt x="1799815" y="6159301"/>
+                  <a:pt x="1731712" y="6143419"/>
+                </a:cubicBezTo>
+                <a:cubicBezTo>
+                  <a:pt x="1647854" y="6123979"/>
+                  <a:pt x="1564250" y="6130332"/>
+                  <a:pt x="1480137" y="6134652"/>
+                </a:cubicBezTo>
+                <a:cubicBezTo>
+                  <a:pt x="1373663" y="6140243"/>
+                  <a:pt x="1267442" y="6156379"/>
+                  <a:pt x="1160586" y="6143673"/>
+                </a:cubicBezTo>
+                <a:cubicBezTo>
+                  <a:pt x="1111161" y="6137829"/>
+                  <a:pt x="1062116" y="6128553"/>
+                  <a:pt x="1012055" y="6130967"/>
+                </a:cubicBezTo>
+                <a:cubicBezTo>
+                  <a:pt x="873562" y="6137320"/>
+                  <a:pt x="735196" y="6144817"/>
+                  <a:pt x="596449" y="6143673"/>
+                </a:cubicBezTo>
+                <a:cubicBezTo>
+                  <a:pt x="538383" y="6143292"/>
+                  <a:pt x="480699" y="6141386"/>
+                  <a:pt x="422887" y="6137193"/>
+                </a:cubicBezTo>
+                <a:cubicBezTo>
+                  <a:pt x="315015" y="6129316"/>
+                  <a:pt x="207524" y="6139989"/>
+                  <a:pt x="100033" y="6143800"/>
+                </a:cubicBezTo>
+                <a:lnTo>
+                  <a:pt x="0" y="6139320"/>
+                </a:lnTo>
+                <a:lnTo>
+                  <a:pt x="0" y="3424755"/>
+                </a:lnTo>
+                <a:close/>
+              </a:path>
+            </a:pathLst>
+          </a:custGeom>
+        </p:spPr>
+      </p:pic>
+      <p:pic>
+        <p:nvPicPr>
+          <p:cNvPr id="9" name="Picture 8" descr="Text&#10;&#10;Description automatically generated with medium confidence">
+            <a:extLst>
+              <a:ext uri="{FF2B5EF4-FFF2-40B4-BE49-F238E27FC236}">
+                <a16:creationId xmlns:a16="http://schemas.microsoft.com/office/drawing/2014/main" id="{C111E39F-6E1E-779F-BC30-C92E7A15F99D}"/>
+              </a:ext>
+            </a:extLst>
+          </p:cNvPr>
+          <p:cNvPicPr>
+            <a:picLocks noChangeAspect="1"/>
+          </p:cNvPicPr>
+          <p:nvPr/>
+        </p:nvPicPr>
+        <p:blipFill>
+          <a:blip r:embed="rId3"/>
+          <a:stretch>
+            <a:fillRect/>
+          </a:stretch>
+        </p:blipFill>
+        <p:spPr>
+          <a:xfrm>
+            <a:off x="673674" y="6297355"/>
+            <a:ext cx="1977472" cy="518911"/>
+          </a:xfrm>
+          <a:prstGeom prst="rect">
+            <a:avLst/>
+          </a:prstGeom>
+        </p:spPr>
+      </p:pic>
+      <p:pic>
+        <p:nvPicPr>
+          <p:cNvPr id="10" name="Picture 9">
+            <a:extLst>
+              <a:ext uri="{FF2B5EF4-FFF2-40B4-BE49-F238E27FC236}">
+                <a16:creationId xmlns:a16="http://schemas.microsoft.com/office/drawing/2014/main" id="{F9538943-A87E-86BD-324D-28CF10FFA5C9}"/>
+              </a:ext>
+            </a:extLst>
+          </p:cNvPr>
+          <p:cNvPicPr>
+            <a:picLocks noChangeAspect="1"/>
+          </p:cNvPicPr>
+          <p:nvPr/>
+        </p:nvPicPr>
+        <p:blipFill>
+          <a:blip r:embed="rId4"/>
+          <a:stretch>
+            <a:fillRect/>
+          </a:stretch>
+        </p:blipFill>
+        <p:spPr>
+          <a:xfrm>
+            <a:off x="3858533" y="6407176"/>
+            <a:ext cx="2374344" cy="300550"/>
+          </a:xfrm>
+          <a:prstGeom prst="rect">
+            <a:avLst/>
+          </a:prstGeom>
         </p:spPr>
       </p:pic>
     </p:spTree>
     <p:extLst>
       <p:ext uri="{BB962C8B-B14F-4D97-AF65-F5344CB8AC3E}">
-        <p14:creationId xmlns:p14="http://schemas.microsoft.com/office/powerpoint/2010/main" val="1000573481"/>
+        <p14:creationId xmlns:p14="http://schemas.microsoft.com/office/powerpoint/2010/main" val="2770722997"/>
       </p:ext>
     </p:extLst>
   </p:cSld>
@@ -13049,7 +13178,7 @@
           <p:cNvPr id="2" name="Title 1">
             <a:extLst>
               <a:ext uri="{FF2B5EF4-FFF2-40B4-BE49-F238E27FC236}">
-                <a16:creationId xmlns:a16="http://schemas.microsoft.com/office/drawing/2014/main" id="{1C947606-4284-D895-F2DD-A1CBE0F5FBF5}"/>
+                <a16:creationId xmlns:a16="http://schemas.microsoft.com/office/drawing/2014/main" id="{4D1352D8-7B44-3482-0CEB-904C57CA342D}"/>
               </a:ext>
             </a:extLst>
           </p:cNvPr>
@@ -13067,26 +13196,59 @@
           <a:p>
             <a:r>
               <a:rPr lang="en-US" dirty="0"/>
-              <a:t>Data Cleaning - After</a:t>
+              <a:t>Row Data </a:t>
+            </a:r>
+          </a:p>
+        </p:txBody>
+      </p:sp>
+      <p:sp>
+        <p:nvSpPr>
+          <p:cNvPr id="3" name="TextBox 2">
+            <a:extLst>
+              <a:ext uri="{FF2B5EF4-FFF2-40B4-BE49-F238E27FC236}">
+                <a16:creationId xmlns:a16="http://schemas.microsoft.com/office/drawing/2014/main" id="{CE6EFAFF-9D5B-DA78-2B10-484E47E0A583}"/>
+              </a:ext>
+            </a:extLst>
+          </p:cNvPr>
+          <p:cNvSpPr txBox="1"/>
+          <p:nvPr/>
+        </p:nvSpPr>
+        <p:spPr>
+          <a:xfrm>
+            <a:off x="838200" y="1732538"/>
+            <a:ext cx="4525462" cy="461665"/>
+          </a:xfrm>
+          <a:prstGeom prst="rect">
+            <a:avLst/>
+          </a:prstGeom>
+          <a:noFill/>
+        </p:spPr>
+        <p:txBody>
+          <a:bodyPr wrap="square" rtlCol="0">
+            <a:spAutoFit/>
+          </a:bodyPr>
+          <a:lstStyle/>
+          <a:p>
+            <a:r>
+              <a:rPr lang="en-US" sz="2400" b="1" dirty="0"/>
+              <a:t>Sample of 4,903 scraped hiking trails in Colorado.</a:t>
             </a:r>
           </a:p>
         </p:txBody>
       </p:sp>
       <p:pic>
         <p:nvPicPr>
-          <p:cNvPr id="5" name="Content Placeholder 4" descr="Graphical user interface&#10;&#10;Description automatically generated">
+          <p:cNvPr id="7" name="Picture 6" descr="Table&#10;&#10;Description automatically generated with medium confidence">
             <a:extLst>
               <a:ext uri="{FF2B5EF4-FFF2-40B4-BE49-F238E27FC236}">
-                <a16:creationId xmlns:a16="http://schemas.microsoft.com/office/drawing/2014/main" id="{BB38D615-4514-0D0B-72B6-7866FE8E186C}"/>
+                <a16:creationId xmlns:a16="http://schemas.microsoft.com/office/drawing/2014/main" id="{398BA524-ADCA-7F83-A9AB-DB4AFC6A3C69}"/>
               </a:ext>
             </a:extLst>
           </p:cNvPr>
           <p:cNvPicPr>
-            <a:picLocks noGrp="1" noChangeAspect="1"/>
+            <a:picLocks noChangeAspect="1"/>
           </p:cNvPicPr>
-          <p:nvPr>
-            <p:ph idx="1"/>
-          </p:nvPr>
+          <p:nvPr/>
         </p:nvPicPr>
         <p:blipFill>
           <a:blip r:embed="rId2"/>
@@ -13096,15 +13258,167 @@
         </p:blipFill>
         <p:spPr>
           <a:xfrm>
-            <a:off x="838200" y="2091512"/>
-            <a:ext cx="10515600" cy="3927513"/>
+            <a:off x="390759" y="2230359"/>
+            <a:ext cx="9157085" cy="2108438"/>
           </a:xfrm>
+          <a:prstGeom prst="rect">
+            <a:avLst/>
+          </a:prstGeom>
         </p:spPr>
       </p:pic>
+      <p:pic>
+        <p:nvPicPr>
+          <p:cNvPr id="9" name="Picture 8">
+            <a:extLst>
+              <a:ext uri="{FF2B5EF4-FFF2-40B4-BE49-F238E27FC236}">
+                <a16:creationId xmlns:a16="http://schemas.microsoft.com/office/drawing/2014/main" id="{D5A29786-DAFE-7866-D4F9-A82DB32A1E23}"/>
+              </a:ext>
+            </a:extLst>
+          </p:cNvPr>
+          <p:cNvPicPr>
+            <a:picLocks noChangeAspect="1"/>
+          </p:cNvPicPr>
+          <p:nvPr/>
+        </p:nvPicPr>
+        <p:blipFill>
+          <a:blip r:embed="rId3"/>
+          <a:stretch>
+            <a:fillRect/>
+          </a:stretch>
+        </p:blipFill>
+        <p:spPr>
+          <a:xfrm>
+            <a:off x="3839702" y="4629891"/>
+            <a:ext cx="8145687" cy="2105065"/>
+          </a:xfrm>
+          <a:prstGeom prst="rect">
+            <a:avLst/>
+          </a:prstGeom>
+        </p:spPr>
+      </p:pic>
+      <p:cxnSp>
+        <p:nvCxnSpPr>
+          <p:cNvPr id="12" name="Elbow Connector 11">
+            <a:extLst>
+              <a:ext uri="{FF2B5EF4-FFF2-40B4-BE49-F238E27FC236}">
+                <a16:creationId xmlns:a16="http://schemas.microsoft.com/office/drawing/2014/main" id="{D8960061-151A-659E-6A61-DECE5DD907BF}"/>
+              </a:ext>
+            </a:extLst>
+          </p:cNvPr>
+          <p:cNvCxnSpPr>
+            <a:cxnSpLocks/>
+            <a:stCxn id="7" idx="3"/>
+          </p:cNvCxnSpPr>
+          <p:nvPr/>
+        </p:nvCxnSpPr>
+        <p:spPr>
+          <a:xfrm>
+            <a:off x="9547844" y="3284578"/>
+            <a:ext cx="651705" cy="1201505"/>
+          </a:xfrm>
+          <a:prstGeom prst="bentConnector2">
+            <a:avLst/>
+          </a:prstGeom>
+          <a:ln w="9525"/>
+        </p:spPr>
+        <p:style>
+          <a:lnRef idx="1">
+            <a:schemeClr val="accent1"/>
+          </a:lnRef>
+          <a:fillRef idx="0">
+            <a:schemeClr val="accent1"/>
+          </a:fillRef>
+          <a:effectRef idx="0">
+            <a:schemeClr val="accent1"/>
+          </a:effectRef>
+          <a:fontRef idx="minor">
+            <a:schemeClr val="tx1"/>
+          </a:fontRef>
+        </p:style>
+      </p:cxnSp>
+      <p:cxnSp>
+        <p:nvCxnSpPr>
+          <p:cNvPr id="15" name="Straight Connector 14">
+            <a:extLst>
+              <a:ext uri="{FF2B5EF4-FFF2-40B4-BE49-F238E27FC236}">
+                <a16:creationId xmlns:a16="http://schemas.microsoft.com/office/drawing/2014/main" id="{2097FF94-D65F-1835-CE51-EB31EC19EC30}"/>
+              </a:ext>
+            </a:extLst>
+          </p:cNvPr>
+          <p:cNvCxnSpPr/>
+          <p:nvPr/>
+        </p:nvCxnSpPr>
+        <p:spPr>
+          <a:xfrm flipH="1">
+            <a:off x="3424397" y="4486083"/>
+            <a:ext cx="6781289" cy="0"/>
+          </a:xfrm>
+          <a:prstGeom prst="line">
+            <a:avLst/>
+          </a:prstGeom>
+          <a:ln w="9525"/>
+        </p:spPr>
+        <p:style>
+          <a:lnRef idx="1">
+            <a:schemeClr val="accent1"/>
+          </a:lnRef>
+          <a:fillRef idx="0">
+            <a:schemeClr val="accent1"/>
+          </a:fillRef>
+          <a:effectRef idx="0">
+            <a:schemeClr val="accent1"/>
+          </a:effectRef>
+          <a:fontRef idx="minor">
+            <a:schemeClr val="tx1"/>
+          </a:fontRef>
+        </p:style>
+      </p:cxnSp>
+      <p:cxnSp>
+        <p:nvCxnSpPr>
+          <p:cNvPr id="17" name="Elbow Connector 16">
+            <a:extLst>
+              <a:ext uri="{FF2B5EF4-FFF2-40B4-BE49-F238E27FC236}">
+                <a16:creationId xmlns:a16="http://schemas.microsoft.com/office/drawing/2014/main" id="{EFE035DD-D23D-1464-1E91-B2408AD3B5FA}"/>
+              </a:ext>
+            </a:extLst>
+          </p:cNvPr>
+          <p:cNvCxnSpPr>
+            <a:cxnSpLocks/>
+            <a:endCxn id="9" idx="1"/>
+          </p:cNvCxnSpPr>
+          <p:nvPr/>
+        </p:nvCxnSpPr>
+        <p:spPr>
+          <a:xfrm rot="16200000" flipH="1">
+            <a:off x="3030810" y="4873532"/>
+            <a:ext cx="1196342" cy="421442"/>
+          </a:xfrm>
+          <a:prstGeom prst="bentConnector2">
+            <a:avLst/>
+          </a:prstGeom>
+          <a:ln w="9525">
+            <a:tailEnd type="triangle"/>
+          </a:ln>
+        </p:spPr>
+        <p:style>
+          <a:lnRef idx="1">
+            <a:schemeClr val="accent1"/>
+          </a:lnRef>
+          <a:fillRef idx="0">
+            <a:schemeClr val="accent1"/>
+          </a:fillRef>
+          <a:effectRef idx="0">
+            <a:schemeClr val="accent1"/>
+          </a:effectRef>
+          <a:fontRef idx="minor">
+            <a:schemeClr val="tx1"/>
+          </a:fontRef>
+        </p:style>
+      </p:cxnSp>
     </p:spTree>
     <p:extLst>
       <p:ext uri="{BB962C8B-B14F-4D97-AF65-F5344CB8AC3E}">
-        <p14:creationId xmlns:p14="http://schemas.microsoft.com/office/powerpoint/2010/main" val="27342592"/>
+        <p14:creationId xmlns:p14="http://schemas.microsoft.com/office/powerpoint/2010/main" val="1000573481"/>
       </p:ext>
     </p:extLst>
   </p:cSld>
@@ -13154,49 +13468,17 @@
           <a:p>
             <a:r>
               <a:rPr lang="en-US" dirty="0"/>
-              <a:t>Data Cleaning - Issues</a:t>
-            </a:r>
-          </a:p>
-        </p:txBody>
-      </p:sp>
-      <p:sp>
-        <p:nvSpPr>
-          <p:cNvPr id="3" name="Content Placeholder 2">
-            <a:extLst>
-              <a:ext uri="{FF2B5EF4-FFF2-40B4-BE49-F238E27FC236}">
-                <a16:creationId xmlns:a16="http://schemas.microsoft.com/office/drawing/2014/main" id="{32159784-9FF2-E9CE-9788-56300AC3DFAB}"/>
-              </a:ext>
-            </a:extLst>
-          </p:cNvPr>
-          <p:cNvSpPr>
-            <a:spLocks noGrp="1"/>
-          </p:cNvSpPr>
-          <p:nvPr>
-            <p:ph idx="1"/>
-          </p:nvPr>
-        </p:nvSpPr>
-        <p:spPr/>
-        <p:txBody>
-          <a:bodyPr/>
-          <a:lstStyle/>
-          <a:p>
-            <a:r>
-              <a:rPr lang="en-US" sz="3600" dirty="0"/>
-              <a:t>Extracting Dogs and Boolean Columns for Features:</a:t>
-            </a:r>
-          </a:p>
-          <a:p>
-            <a:pPr lvl="1"/>
-            <a:endParaRPr lang="en-US" dirty="0"/>
+              <a:t>Data Cleaning</a:t>
+            </a:r>
           </a:p>
         </p:txBody>
       </p:sp>
       <p:pic>
         <p:nvPicPr>
-          <p:cNvPr id="5" name="Picture 4" descr="Text&#10;&#10;Description automatically generated">
+          <p:cNvPr id="9" name="Picture 8" descr="Text&#10;&#10;Description automatically generated">
             <a:extLst>
               <a:ext uri="{FF2B5EF4-FFF2-40B4-BE49-F238E27FC236}">
-                <a16:creationId xmlns:a16="http://schemas.microsoft.com/office/drawing/2014/main" id="{8C1E2E96-CB0C-679B-A4BC-7CFC6841A2CC}"/>
+                <a16:creationId xmlns:a16="http://schemas.microsoft.com/office/drawing/2014/main" id="{EA46859B-31C0-A130-2092-FAA37454DFCB}"/>
               </a:ext>
             </a:extLst>
           </p:cNvPr>
@@ -13213,14 +13495,307 @@
         </p:blipFill>
         <p:spPr>
           <a:xfrm>
-            <a:off x="1074523" y="2739423"/>
-            <a:ext cx="9085840" cy="3179463"/>
+            <a:off x="589487" y="1866900"/>
+            <a:ext cx="5397500" cy="1562100"/>
           </a:xfrm>
           <a:prstGeom prst="rect">
             <a:avLst/>
           </a:prstGeom>
         </p:spPr>
       </p:pic>
+      <p:pic>
+        <p:nvPicPr>
+          <p:cNvPr id="13" name="Picture 12" descr="Text&#10;&#10;Description automatically generated">
+            <a:extLst>
+              <a:ext uri="{FF2B5EF4-FFF2-40B4-BE49-F238E27FC236}">
+                <a16:creationId xmlns:a16="http://schemas.microsoft.com/office/drawing/2014/main" id="{01406D44-E187-00EB-F57A-48DB977692F7}"/>
+              </a:ext>
+            </a:extLst>
+          </p:cNvPr>
+          <p:cNvPicPr>
+            <a:picLocks noChangeAspect="1"/>
+          </p:cNvPicPr>
+          <p:nvPr/>
+        </p:nvPicPr>
+        <p:blipFill>
+          <a:blip r:embed="rId3"/>
+          <a:stretch>
+            <a:fillRect/>
+          </a:stretch>
+        </p:blipFill>
+        <p:spPr>
+          <a:xfrm>
+            <a:off x="589487" y="4390841"/>
+            <a:ext cx="3981192" cy="1955260"/>
+          </a:xfrm>
+          <a:prstGeom prst="rect">
+            <a:avLst/>
+          </a:prstGeom>
+        </p:spPr>
+      </p:pic>
+      <p:pic>
+        <p:nvPicPr>
+          <p:cNvPr id="17" name="Picture 16" descr="Text&#10;&#10;Description automatically generated">
+            <a:extLst>
+              <a:ext uri="{FF2B5EF4-FFF2-40B4-BE49-F238E27FC236}">
+                <a16:creationId xmlns:a16="http://schemas.microsoft.com/office/drawing/2014/main" id="{99D934E6-DF91-12EA-B9A2-4B8D788EC8C7}"/>
+              </a:ext>
+            </a:extLst>
+          </p:cNvPr>
+          <p:cNvPicPr>
+            <a:picLocks noChangeAspect="1"/>
+          </p:cNvPicPr>
+          <p:nvPr/>
+        </p:nvPicPr>
+        <p:blipFill>
+          <a:blip r:embed="rId4"/>
+          <a:stretch>
+            <a:fillRect/>
+          </a:stretch>
+        </p:blipFill>
+        <p:spPr>
+          <a:xfrm>
+            <a:off x="6751200" y="2594380"/>
+            <a:ext cx="4965700" cy="2057400"/>
+          </a:xfrm>
+          <a:prstGeom prst="rect">
+            <a:avLst/>
+          </a:prstGeom>
+        </p:spPr>
+      </p:pic>
+      <p:pic>
+        <p:nvPicPr>
+          <p:cNvPr id="19" name="Picture 18" descr="Table&#10;&#10;Description automatically generated">
+            <a:extLst>
+              <a:ext uri="{FF2B5EF4-FFF2-40B4-BE49-F238E27FC236}">
+                <a16:creationId xmlns:a16="http://schemas.microsoft.com/office/drawing/2014/main" id="{A7A4D562-1F38-4861-B281-1CCD282B9E20}"/>
+              </a:ext>
+            </a:extLst>
+          </p:cNvPr>
+          <p:cNvPicPr>
+            <a:picLocks noChangeAspect="1"/>
+          </p:cNvPicPr>
+          <p:nvPr/>
+        </p:nvPicPr>
+        <p:blipFill>
+          <a:blip r:embed="rId5"/>
+          <a:stretch>
+            <a:fillRect/>
+          </a:stretch>
+        </p:blipFill>
+        <p:spPr>
+          <a:xfrm>
+            <a:off x="7969157" y="4651780"/>
+            <a:ext cx="4009159" cy="1765397"/>
+          </a:xfrm>
+          <a:prstGeom prst="rect">
+            <a:avLst/>
+          </a:prstGeom>
+        </p:spPr>
+      </p:pic>
+      <p:pic>
+        <p:nvPicPr>
+          <p:cNvPr id="21" name="Picture 20" descr="Table&#10;&#10;Description automatically generated">
+            <a:extLst>
+              <a:ext uri="{FF2B5EF4-FFF2-40B4-BE49-F238E27FC236}">
+                <a16:creationId xmlns:a16="http://schemas.microsoft.com/office/drawing/2014/main" id="{29C8F881-3E3D-B170-0F7E-F66FDAE4F27F}"/>
+              </a:ext>
+            </a:extLst>
+          </p:cNvPr>
+          <p:cNvPicPr>
+            <a:picLocks noChangeAspect="1"/>
+          </p:cNvPicPr>
+          <p:nvPr/>
+        </p:nvPicPr>
+        <p:blipFill>
+          <a:blip r:embed="rId6"/>
+          <a:stretch>
+            <a:fillRect/>
+          </a:stretch>
+        </p:blipFill>
+        <p:spPr>
+          <a:xfrm>
+            <a:off x="4522500" y="2767852"/>
+            <a:ext cx="1901100" cy="1607720"/>
+          </a:xfrm>
+          <a:prstGeom prst="rect">
+            <a:avLst/>
+          </a:prstGeom>
+        </p:spPr>
+      </p:pic>
+      <p:pic>
+        <p:nvPicPr>
+          <p:cNvPr id="23" name="Picture 22" descr="Graphical user interface, application, Teams&#10;&#10;Description automatically generated">
+            <a:extLst>
+              <a:ext uri="{FF2B5EF4-FFF2-40B4-BE49-F238E27FC236}">
+                <a16:creationId xmlns:a16="http://schemas.microsoft.com/office/drawing/2014/main" id="{2055E818-A400-CF61-C95A-8DD07F9B5635}"/>
+              </a:ext>
+            </a:extLst>
+          </p:cNvPr>
+          <p:cNvPicPr>
+            <a:picLocks noChangeAspect="1"/>
+          </p:cNvPicPr>
+          <p:nvPr/>
+        </p:nvPicPr>
+        <p:blipFill>
+          <a:blip r:embed="rId7"/>
+          <a:stretch>
+            <a:fillRect/>
+          </a:stretch>
+        </p:blipFill>
+        <p:spPr>
+          <a:xfrm>
+            <a:off x="4409801" y="4780328"/>
+            <a:ext cx="1009093" cy="1965629"/>
+          </a:xfrm>
+          <a:prstGeom prst="rect">
+            <a:avLst/>
+          </a:prstGeom>
+        </p:spPr>
+      </p:pic>
+      <p:pic>
+        <p:nvPicPr>
+          <p:cNvPr id="25" name="Graphic 24" descr="Badge 1 outline">
+            <a:extLst>
+              <a:ext uri="{FF2B5EF4-FFF2-40B4-BE49-F238E27FC236}">
+                <a16:creationId xmlns:a16="http://schemas.microsoft.com/office/drawing/2014/main" id="{4BC6407B-5439-A2E7-2C2D-5693FAE358C3}"/>
+              </a:ext>
+            </a:extLst>
+          </p:cNvPr>
+          <p:cNvPicPr>
+            <a:picLocks noChangeAspect="1"/>
+          </p:cNvPicPr>
+          <p:nvPr/>
+        </p:nvPicPr>
+        <p:blipFill>
+          <a:blip r:embed="rId8">
+            <a:extLst>
+              <a:ext uri="{96DAC541-7B7A-43D3-8B79-37D633B846F1}">
+                <asvg:svgBlip xmlns:asvg="http://schemas.microsoft.com/office/drawing/2016/SVG/main" r:embed="rId9"/>
+              </a:ext>
+            </a:extLst>
+          </a:blip>
+          <a:stretch>
+            <a:fillRect/>
+          </a:stretch>
+        </p:blipFill>
+        <p:spPr>
+          <a:xfrm>
+            <a:off x="254986" y="1699649"/>
+            <a:ext cx="334501" cy="334501"/>
+          </a:xfrm>
+          <a:prstGeom prst="rect">
+            <a:avLst/>
+          </a:prstGeom>
+        </p:spPr>
+      </p:pic>
+      <p:pic>
+        <p:nvPicPr>
+          <p:cNvPr id="27" name="Graphic 26" descr="Badge outline">
+            <a:extLst>
+              <a:ext uri="{FF2B5EF4-FFF2-40B4-BE49-F238E27FC236}">
+                <a16:creationId xmlns:a16="http://schemas.microsoft.com/office/drawing/2014/main" id="{3A3CCEB9-D457-CF8A-E36B-758E82814708}"/>
+              </a:ext>
+            </a:extLst>
+          </p:cNvPr>
+          <p:cNvPicPr>
+            <a:picLocks noChangeAspect="1"/>
+          </p:cNvPicPr>
+          <p:nvPr/>
+        </p:nvPicPr>
+        <p:blipFill>
+          <a:blip r:embed="rId10">
+            <a:extLst>
+              <a:ext uri="{96DAC541-7B7A-43D3-8B79-37D633B846F1}">
+                <asvg:svgBlip xmlns:asvg="http://schemas.microsoft.com/office/drawing/2016/SVG/main" r:embed="rId11"/>
+              </a:ext>
+            </a:extLst>
+          </a:blip>
+          <a:stretch>
+            <a:fillRect/>
+          </a:stretch>
+        </p:blipFill>
+        <p:spPr>
+          <a:xfrm>
+            <a:off x="254986" y="4223590"/>
+            <a:ext cx="334501" cy="334501"/>
+          </a:xfrm>
+          <a:prstGeom prst="rect">
+            <a:avLst/>
+          </a:prstGeom>
+        </p:spPr>
+      </p:pic>
+      <p:pic>
+        <p:nvPicPr>
+          <p:cNvPr id="29" name="Graphic 28" descr="Badge 3 outline">
+            <a:extLst>
+              <a:ext uri="{FF2B5EF4-FFF2-40B4-BE49-F238E27FC236}">
+                <a16:creationId xmlns:a16="http://schemas.microsoft.com/office/drawing/2014/main" id="{74736A80-E9F2-6A39-9380-B19F1B6D4C7A}"/>
+              </a:ext>
+            </a:extLst>
+          </p:cNvPr>
+          <p:cNvPicPr>
+            <a:picLocks noChangeAspect="1"/>
+          </p:cNvPicPr>
+          <p:nvPr/>
+        </p:nvPicPr>
+        <p:blipFill>
+          <a:blip r:embed="rId12">
+            <a:extLst>
+              <a:ext uri="{96DAC541-7B7A-43D3-8B79-37D633B846F1}">
+                <asvg:svgBlip xmlns:asvg="http://schemas.microsoft.com/office/drawing/2016/SVG/main" r:embed="rId13"/>
+              </a:ext>
+            </a:extLst>
+          </a:blip>
+          <a:stretch>
+            <a:fillRect/>
+          </a:stretch>
+        </p:blipFill>
+        <p:spPr>
+          <a:xfrm>
+            <a:off x="6420150" y="2404602"/>
+            <a:ext cx="334501" cy="334501"/>
+          </a:xfrm>
+          <a:prstGeom prst="rect">
+            <a:avLst/>
+          </a:prstGeom>
+        </p:spPr>
+      </p:pic>
+      <p:sp>
+        <p:nvSpPr>
+          <p:cNvPr id="30" name="TextBox 29">
+            <a:extLst>
+              <a:ext uri="{FF2B5EF4-FFF2-40B4-BE49-F238E27FC236}">
+                <a16:creationId xmlns:a16="http://schemas.microsoft.com/office/drawing/2014/main" id="{3D807FEE-19CD-3546-5F2F-3AD13BB6D1DC}"/>
+              </a:ext>
+            </a:extLst>
+          </p:cNvPr>
+          <p:cNvSpPr txBox="1"/>
+          <p:nvPr/>
+        </p:nvSpPr>
+        <p:spPr>
+          <a:xfrm>
+            <a:off x="8233044" y="1819827"/>
+            <a:ext cx="2101517" cy="584775"/>
+          </a:xfrm>
+          <a:prstGeom prst="rect">
+            <a:avLst/>
+          </a:prstGeom>
+          <a:noFill/>
+        </p:spPr>
+        <p:txBody>
+          <a:bodyPr wrap="square" rtlCol="0">
+            <a:spAutoFit/>
+          </a:bodyPr>
+          <a:lstStyle/>
+          <a:p>
+            <a:r>
+              <a:rPr lang="en-US" sz="3200" b="1" dirty="0"/>
+              <a:t>Three examples</a:t>
+            </a:r>
+          </a:p>
+        </p:txBody>
+      </p:sp>
     </p:spTree>
     <p:extLst>
       <p:ext uri="{BB962C8B-B14F-4D97-AF65-F5344CB8AC3E}">
@@ -13256,7 +13831,7 @@
           <p:cNvPr id="2" name="Title 1">
             <a:extLst>
               <a:ext uri="{FF2B5EF4-FFF2-40B4-BE49-F238E27FC236}">
-                <a16:creationId xmlns:a16="http://schemas.microsoft.com/office/drawing/2014/main" id="{FC270272-77C8-D7E3-8129-CB725D4B15C3}"/>
+                <a16:creationId xmlns:a16="http://schemas.microsoft.com/office/drawing/2014/main" id="{1C947606-4284-D895-F2DD-A1CBE0F5FBF5}"/>
               </a:ext>
             </a:extLst>
           </p:cNvPr>
@@ -13274,2766 +13849,202 @@
           <a:p>
             <a:r>
               <a:rPr lang="en-US" dirty="0"/>
-              <a:t>Summary Statistics</a:t>
+              <a:t>Data Cleaning – Final Table </a:t>
             </a:r>
           </a:p>
         </p:txBody>
       </p:sp>
-      <p:graphicFrame>
-        <p:nvGraphicFramePr>
-          <p:cNvPr id="8" name="Table 8">
+      <p:cxnSp>
+        <p:nvCxnSpPr>
+          <p:cNvPr id="13" name="Elbow Connector 12">
             <a:extLst>
               <a:ext uri="{FF2B5EF4-FFF2-40B4-BE49-F238E27FC236}">
-                <a16:creationId xmlns:a16="http://schemas.microsoft.com/office/drawing/2014/main" id="{E782C949-9816-C77A-E1F4-E78C2DCF8363}"/>
+                <a16:creationId xmlns:a16="http://schemas.microsoft.com/office/drawing/2014/main" id="{A150E1B1-290E-D766-913E-1D6262D0825E}"/>
               </a:ext>
             </a:extLst>
           </p:cNvPr>
-          <p:cNvGraphicFramePr>
-            <a:graphicFrameLocks noGrp="1"/>
-          </p:cNvGraphicFramePr>
-          <p:nvPr>
-            <p:ph idx="1"/>
-            <p:extLst>
-              <p:ext uri="{D42A27DB-BD31-4B8C-83A1-F6EECF244321}">
-                <p14:modId xmlns:p14="http://schemas.microsoft.com/office/powerpoint/2010/main" val="3016841986"/>
-              </p:ext>
-            </p:extLst>
-          </p:nvPr>
-        </p:nvGraphicFramePr>
-        <p:xfrm>
-          <a:off x="838200" y="1928813"/>
-          <a:ext cx="10515600" cy="4079240"/>
-        </p:xfrm>
-        <a:graphic>
-          <a:graphicData uri="http://schemas.openxmlformats.org/drawingml/2006/table">
-            <a:tbl>
-              <a:tblPr firstRow="1" bandRow="1">
-                <a:tableStyleId>{5C22544A-7EE6-4342-B048-85BDC9FD1C3A}</a:tableStyleId>
-              </a:tblPr>
-              <a:tblGrid>
-                <a:gridCol w="1168400">
-                  <a:extLst>
-                    <a:ext uri="{9D8B030D-6E8A-4147-A177-3AD203B41FA5}">
-                      <a16:colId xmlns:a16="http://schemas.microsoft.com/office/drawing/2014/main" val="101181139"/>
-                    </a:ext>
-                  </a:extLst>
-                </a:gridCol>
-                <a:gridCol w="1168400">
-                  <a:extLst>
-                    <a:ext uri="{9D8B030D-6E8A-4147-A177-3AD203B41FA5}">
-                      <a16:colId xmlns:a16="http://schemas.microsoft.com/office/drawing/2014/main" val="1168060845"/>
-                    </a:ext>
-                  </a:extLst>
-                </a:gridCol>
-                <a:gridCol w="1168400">
-                  <a:extLst>
-                    <a:ext uri="{9D8B030D-6E8A-4147-A177-3AD203B41FA5}">
-                      <a16:colId xmlns:a16="http://schemas.microsoft.com/office/drawing/2014/main" val="3167056069"/>
-                    </a:ext>
-                  </a:extLst>
-                </a:gridCol>
-                <a:gridCol w="1168400">
-                  <a:extLst>
-                    <a:ext uri="{9D8B030D-6E8A-4147-A177-3AD203B41FA5}">
-                      <a16:colId xmlns:a16="http://schemas.microsoft.com/office/drawing/2014/main" val="2450237255"/>
-                    </a:ext>
-                  </a:extLst>
-                </a:gridCol>
-                <a:gridCol w="1168400">
-                  <a:extLst>
-                    <a:ext uri="{9D8B030D-6E8A-4147-A177-3AD203B41FA5}">
-                      <a16:colId xmlns:a16="http://schemas.microsoft.com/office/drawing/2014/main" val="4151707954"/>
-                    </a:ext>
-                  </a:extLst>
-                </a:gridCol>
-                <a:gridCol w="1168400">
-                  <a:extLst>
-                    <a:ext uri="{9D8B030D-6E8A-4147-A177-3AD203B41FA5}">
-                      <a16:colId xmlns:a16="http://schemas.microsoft.com/office/drawing/2014/main" val="2964754839"/>
-                    </a:ext>
-                  </a:extLst>
-                </a:gridCol>
-                <a:gridCol w="1168400">
-                  <a:extLst>
-                    <a:ext uri="{9D8B030D-6E8A-4147-A177-3AD203B41FA5}">
-                      <a16:colId xmlns:a16="http://schemas.microsoft.com/office/drawing/2014/main" val="2343257217"/>
-                    </a:ext>
-                  </a:extLst>
-                </a:gridCol>
-                <a:gridCol w="1168400">
-                  <a:extLst>
-                    <a:ext uri="{9D8B030D-6E8A-4147-A177-3AD203B41FA5}">
-                      <a16:colId xmlns:a16="http://schemas.microsoft.com/office/drawing/2014/main" val="1111662735"/>
-                    </a:ext>
-                  </a:extLst>
-                </a:gridCol>
-                <a:gridCol w="1168400">
-                  <a:extLst>
-                    <a:ext uri="{9D8B030D-6E8A-4147-A177-3AD203B41FA5}">
-                      <a16:colId xmlns:a16="http://schemas.microsoft.com/office/drawing/2014/main" val="108127185"/>
-                    </a:ext>
-                  </a:extLst>
-                </a:gridCol>
-              </a:tblGrid>
-              <a:tr h="370840">
-                <a:tc>
-                  <a:txBody>
-                    <a:bodyPr/>
-                    <a:lstStyle/>
-                    <a:p>
-                      <a:pPr algn="r" fontAlgn="b"/>
-                      <a:r>
-                        <a:rPr lang="en-US" sz="2000" b="1" u="none" strike="noStrike" dirty="0">
-                          <a:solidFill>
-                            <a:srgbClr val="000000"/>
-                          </a:solidFill>
-                          <a:effectLst/>
-                        </a:rPr>
-                        <a:t>Trail Characteristic</a:t>
-                      </a:r>
-                      <a:endParaRPr lang="en-US" sz="2000" b="1" i="0" u="none" strike="noStrike" dirty="0">
-                        <a:solidFill>
-                          <a:srgbClr val="000000"/>
-                        </a:solidFill>
-                        <a:effectLst/>
-                        <a:latin typeface="Calibri" panose="020F0502020204030204" pitchFamily="34" charset="0"/>
-                      </a:endParaRPr>
-                    </a:p>
-                  </a:txBody>
-                  <a:tcPr marL="9525" marR="9525" marT="9525" marB="0" anchor="b"/>
-                </a:tc>
-                <a:tc>
-                  <a:txBody>
-                    <a:bodyPr/>
-                    <a:lstStyle/>
-                    <a:p>
-                      <a:pPr algn="ctr" fontAlgn="b"/>
-                      <a:r>
-                        <a:rPr lang="en-US" sz="2000" b="1" u="none" strike="noStrike" dirty="0">
-                          <a:solidFill>
-                            <a:srgbClr val="000000"/>
-                          </a:solidFill>
-                          <a:effectLst/>
-                        </a:rPr>
-                        <a:t>count</a:t>
-                      </a:r>
-                      <a:endParaRPr lang="en-US" sz="2000" b="1" i="0" u="none" strike="noStrike" dirty="0">
-                        <a:solidFill>
-                          <a:srgbClr val="000000"/>
-                        </a:solidFill>
-                        <a:effectLst/>
-                        <a:latin typeface="Calibri" panose="020F0502020204030204" pitchFamily="34" charset="0"/>
-                      </a:endParaRPr>
-                    </a:p>
-                  </a:txBody>
-                  <a:tcPr marL="9525" marR="9525" marT="9525" marB="0" anchor="b"/>
-                </a:tc>
-                <a:tc>
-                  <a:txBody>
-                    <a:bodyPr/>
-                    <a:lstStyle/>
-                    <a:p>
-                      <a:pPr algn="ctr" fontAlgn="b"/>
-                      <a:r>
-                        <a:rPr lang="en-US" sz="2000" b="1" u="none" strike="noStrike" dirty="0">
-                          <a:solidFill>
-                            <a:srgbClr val="000000"/>
-                          </a:solidFill>
-                          <a:effectLst/>
-                        </a:rPr>
-                        <a:t>mean</a:t>
-                      </a:r>
-                      <a:endParaRPr lang="en-US" sz="2000" b="1" i="0" u="none" strike="noStrike" dirty="0">
-                        <a:solidFill>
-                          <a:srgbClr val="000000"/>
-                        </a:solidFill>
-                        <a:effectLst/>
-                        <a:latin typeface="Calibri" panose="020F0502020204030204" pitchFamily="34" charset="0"/>
-                      </a:endParaRPr>
-                    </a:p>
-                  </a:txBody>
-                  <a:tcPr marL="9525" marR="9525" marT="9525" marB="0" anchor="b"/>
-                </a:tc>
-                <a:tc>
-                  <a:txBody>
-                    <a:bodyPr/>
-                    <a:lstStyle/>
-                    <a:p>
-                      <a:pPr algn="ctr" fontAlgn="b"/>
-                      <a:r>
-                        <a:rPr lang="en-US" sz="2000" b="1" u="none" strike="noStrike" dirty="0">
-                          <a:solidFill>
-                            <a:srgbClr val="000000"/>
-                          </a:solidFill>
-                          <a:effectLst/>
-                        </a:rPr>
-                        <a:t>std</a:t>
-                      </a:r>
-                      <a:endParaRPr lang="en-US" sz="2000" b="1" i="0" u="none" strike="noStrike" dirty="0">
-                        <a:solidFill>
-                          <a:srgbClr val="000000"/>
-                        </a:solidFill>
-                        <a:effectLst/>
-                        <a:latin typeface="Calibri" panose="020F0502020204030204" pitchFamily="34" charset="0"/>
-                      </a:endParaRPr>
-                    </a:p>
-                  </a:txBody>
-                  <a:tcPr marL="9525" marR="9525" marT="9525" marB="0" anchor="b"/>
-                </a:tc>
-                <a:tc>
-                  <a:txBody>
-                    <a:bodyPr/>
-                    <a:lstStyle/>
-                    <a:p>
-                      <a:pPr algn="ctr" fontAlgn="b"/>
-                      <a:r>
-                        <a:rPr lang="en-US" sz="2000" b="1" u="none" strike="noStrike" dirty="0">
-                          <a:solidFill>
-                            <a:srgbClr val="000000"/>
-                          </a:solidFill>
-                          <a:effectLst/>
-                        </a:rPr>
-                        <a:t>min</a:t>
-                      </a:r>
-                      <a:endParaRPr lang="en-US" sz="2000" b="1" i="0" u="none" strike="noStrike" dirty="0">
-                        <a:solidFill>
-                          <a:srgbClr val="000000"/>
-                        </a:solidFill>
-                        <a:effectLst/>
-                        <a:latin typeface="Calibri" panose="020F0502020204030204" pitchFamily="34" charset="0"/>
-                      </a:endParaRPr>
-                    </a:p>
-                  </a:txBody>
-                  <a:tcPr marL="9525" marR="9525" marT="9525" marB="0" anchor="b"/>
-                </a:tc>
-                <a:tc>
-                  <a:txBody>
-                    <a:bodyPr/>
-                    <a:lstStyle/>
-                    <a:p>
-                      <a:pPr algn="ctr" fontAlgn="b"/>
-                      <a:r>
-                        <a:rPr lang="en-US" sz="2000" b="1" u="none" strike="noStrike" dirty="0">
-                          <a:solidFill>
-                            <a:srgbClr val="000000"/>
-                          </a:solidFill>
-                          <a:effectLst/>
-                        </a:rPr>
-                        <a:t>25%</a:t>
-                      </a:r>
-                      <a:endParaRPr lang="en-US" sz="2000" b="1" i="0" u="none" strike="noStrike" dirty="0">
-                        <a:solidFill>
-                          <a:srgbClr val="000000"/>
-                        </a:solidFill>
-                        <a:effectLst/>
-                        <a:latin typeface="Calibri" panose="020F0502020204030204" pitchFamily="34" charset="0"/>
-                      </a:endParaRPr>
-                    </a:p>
-                  </a:txBody>
-                  <a:tcPr marL="9525" marR="9525" marT="9525" marB="0" anchor="b"/>
-                </a:tc>
-                <a:tc>
-                  <a:txBody>
-                    <a:bodyPr/>
-                    <a:lstStyle/>
-                    <a:p>
-                      <a:pPr algn="ctr" fontAlgn="b"/>
-                      <a:r>
-                        <a:rPr lang="en-US" sz="2000" b="1" u="none" strike="noStrike" dirty="0">
-                          <a:solidFill>
-                            <a:srgbClr val="000000"/>
-                          </a:solidFill>
-                          <a:effectLst/>
-                        </a:rPr>
-                        <a:t>50%</a:t>
-                      </a:r>
-                      <a:endParaRPr lang="en-US" sz="2000" b="1" i="0" u="none" strike="noStrike" dirty="0">
-                        <a:solidFill>
-                          <a:srgbClr val="000000"/>
-                        </a:solidFill>
-                        <a:effectLst/>
-                        <a:latin typeface="Calibri" panose="020F0502020204030204" pitchFamily="34" charset="0"/>
-                      </a:endParaRPr>
-                    </a:p>
-                  </a:txBody>
-                  <a:tcPr marL="9525" marR="9525" marT="9525" marB="0" anchor="b"/>
-                </a:tc>
-                <a:tc>
-                  <a:txBody>
-                    <a:bodyPr/>
-                    <a:lstStyle/>
-                    <a:p>
-                      <a:pPr algn="ctr" fontAlgn="b"/>
-                      <a:r>
-                        <a:rPr lang="en-US" sz="2000" b="1" u="none" strike="noStrike" dirty="0">
-                          <a:solidFill>
-                            <a:srgbClr val="000000"/>
-                          </a:solidFill>
-                          <a:effectLst/>
-                        </a:rPr>
-                        <a:t>75%</a:t>
-                      </a:r>
-                      <a:endParaRPr lang="en-US" sz="2000" b="1" i="0" u="none" strike="noStrike" dirty="0">
-                        <a:solidFill>
-                          <a:srgbClr val="000000"/>
-                        </a:solidFill>
-                        <a:effectLst/>
-                        <a:latin typeface="Calibri" panose="020F0502020204030204" pitchFamily="34" charset="0"/>
-                      </a:endParaRPr>
-                    </a:p>
-                  </a:txBody>
-                  <a:tcPr marL="9525" marR="9525" marT="9525" marB="0" anchor="b"/>
-                </a:tc>
-                <a:tc>
-                  <a:txBody>
-                    <a:bodyPr/>
-                    <a:lstStyle/>
-                    <a:p>
-                      <a:pPr algn="ctr" fontAlgn="b"/>
-                      <a:r>
-                        <a:rPr lang="en-US" sz="2000" b="1" u="none" strike="noStrike" dirty="0">
-                          <a:solidFill>
-                            <a:srgbClr val="000000"/>
-                          </a:solidFill>
-                          <a:effectLst/>
-                        </a:rPr>
-                        <a:t>max</a:t>
-                      </a:r>
-                      <a:endParaRPr lang="en-US" sz="2000" b="1" i="0" u="none" strike="noStrike" dirty="0">
-                        <a:solidFill>
-                          <a:srgbClr val="000000"/>
-                        </a:solidFill>
-                        <a:effectLst/>
-                        <a:latin typeface="Calibri" panose="020F0502020204030204" pitchFamily="34" charset="0"/>
-                      </a:endParaRPr>
-                    </a:p>
-                  </a:txBody>
-                  <a:tcPr marL="9525" marR="9525" marT="9525" marB="0" anchor="b"/>
-                </a:tc>
-                <a:extLst>
-                  <a:ext uri="{0D108BD9-81ED-4DB2-BD59-A6C34878D82A}">
-                    <a16:rowId xmlns:a16="http://schemas.microsoft.com/office/drawing/2014/main" val="3315831267"/>
-                  </a:ext>
-                </a:extLst>
-              </a:tr>
-              <a:tr h="370840">
-                <a:tc>
-                  <a:txBody>
-                    <a:bodyPr/>
-                    <a:lstStyle/>
-                    <a:p>
-                      <a:pPr algn="r" fontAlgn="b"/>
-                      <a:r>
-                        <a:rPr lang="en-US" sz="2000" b="0" u="none" strike="noStrike">
-                          <a:solidFill>
-                            <a:srgbClr val="000000"/>
-                          </a:solidFill>
-                          <a:effectLst/>
-                        </a:rPr>
-                        <a:t>Trail Length</a:t>
-                      </a:r>
-                      <a:endParaRPr lang="en-US" sz="2000" b="0" i="0" u="none" strike="noStrike">
-                        <a:solidFill>
-                          <a:srgbClr val="000000"/>
-                        </a:solidFill>
-                        <a:effectLst/>
-                        <a:latin typeface="Calibri" panose="020F0502020204030204" pitchFamily="34" charset="0"/>
-                      </a:endParaRPr>
-                    </a:p>
-                  </a:txBody>
-                  <a:tcPr marL="9525" marR="9525" marT="9525" marB="0" anchor="b"/>
-                </a:tc>
-                <a:tc>
-                  <a:txBody>
-                    <a:bodyPr/>
-                    <a:lstStyle/>
-                    <a:p>
-                      <a:pPr algn="ctr" fontAlgn="b"/>
-                      <a:r>
-                        <a:rPr lang="en-US" sz="2000" b="0" u="none" strike="noStrike" dirty="0">
-                          <a:solidFill>
-                            <a:srgbClr val="000000"/>
-                          </a:solidFill>
-                          <a:effectLst/>
-                        </a:rPr>
-                        <a:t>4903</a:t>
-                      </a:r>
-                      <a:endParaRPr lang="en-US" sz="2000" b="0" i="0" u="none" strike="noStrike" dirty="0">
-                        <a:solidFill>
-                          <a:srgbClr val="000000"/>
-                        </a:solidFill>
-                        <a:effectLst/>
-                        <a:latin typeface="Calibri" panose="020F0502020204030204" pitchFamily="34" charset="0"/>
-                      </a:endParaRPr>
-                    </a:p>
-                  </a:txBody>
-                  <a:tcPr marL="9525" marR="9525" marT="9525" marB="0" anchor="b"/>
-                </a:tc>
-                <a:tc>
-                  <a:txBody>
-                    <a:bodyPr/>
-                    <a:lstStyle/>
-                    <a:p>
-                      <a:pPr algn="ctr" fontAlgn="b"/>
-                      <a:r>
-                        <a:rPr lang="en-US" sz="2000" b="0" u="none" strike="noStrike">
-                          <a:solidFill>
-                            <a:srgbClr val="000000"/>
-                          </a:solidFill>
-                          <a:effectLst/>
-                        </a:rPr>
-                        <a:t>3.50516</a:t>
-                      </a:r>
-                      <a:endParaRPr lang="en-US" sz="2000" b="0" i="0" u="none" strike="noStrike">
-                        <a:solidFill>
-                          <a:srgbClr val="000000"/>
-                        </a:solidFill>
-                        <a:effectLst/>
-                        <a:latin typeface="Calibri" panose="020F0502020204030204" pitchFamily="34" charset="0"/>
-                      </a:endParaRPr>
-                    </a:p>
-                  </a:txBody>
-                  <a:tcPr marL="9525" marR="9525" marT="9525" marB="0" anchor="b"/>
-                </a:tc>
-                <a:tc>
-                  <a:txBody>
-                    <a:bodyPr/>
-                    <a:lstStyle/>
-                    <a:p>
-                      <a:pPr algn="ctr" fontAlgn="b"/>
-                      <a:r>
-                        <a:rPr lang="en-US" sz="2000" b="0" u="none" strike="noStrike">
-                          <a:solidFill>
-                            <a:srgbClr val="000000"/>
-                          </a:solidFill>
-                          <a:effectLst/>
-                        </a:rPr>
-                        <a:t>4.69358</a:t>
-                      </a:r>
-                      <a:endParaRPr lang="en-US" sz="2000" b="0" i="0" u="none" strike="noStrike">
-                        <a:solidFill>
-                          <a:srgbClr val="000000"/>
-                        </a:solidFill>
-                        <a:effectLst/>
-                        <a:latin typeface="Calibri" panose="020F0502020204030204" pitchFamily="34" charset="0"/>
-                      </a:endParaRPr>
-                    </a:p>
-                  </a:txBody>
-                  <a:tcPr marL="9525" marR="9525" marT="9525" marB="0" anchor="b"/>
-                </a:tc>
-                <a:tc>
-                  <a:txBody>
-                    <a:bodyPr/>
-                    <a:lstStyle/>
-                    <a:p>
-                      <a:pPr algn="ctr" fontAlgn="b"/>
-                      <a:r>
-                        <a:rPr lang="en-US" sz="2000" b="0" u="none" strike="noStrike">
-                          <a:solidFill>
-                            <a:srgbClr val="000000"/>
-                          </a:solidFill>
-                          <a:effectLst/>
-                        </a:rPr>
-                        <a:t>0</a:t>
-                      </a:r>
-                      <a:endParaRPr lang="en-US" sz="2000" b="0" i="0" u="none" strike="noStrike">
-                        <a:solidFill>
-                          <a:srgbClr val="000000"/>
-                        </a:solidFill>
-                        <a:effectLst/>
-                        <a:latin typeface="Calibri" panose="020F0502020204030204" pitchFamily="34" charset="0"/>
-                      </a:endParaRPr>
-                    </a:p>
-                  </a:txBody>
-                  <a:tcPr marL="9525" marR="9525" marT="9525" marB="0" anchor="b"/>
-                </a:tc>
-                <a:tc>
-                  <a:txBody>
-                    <a:bodyPr/>
-                    <a:lstStyle/>
-                    <a:p>
-                      <a:pPr algn="ctr" fontAlgn="b"/>
-                      <a:r>
-                        <a:rPr lang="en-US" sz="2000" b="0" u="none" strike="noStrike">
-                          <a:solidFill>
-                            <a:srgbClr val="000000"/>
-                          </a:solidFill>
-                          <a:effectLst/>
-                        </a:rPr>
-                        <a:t>1</a:t>
-                      </a:r>
-                      <a:endParaRPr lang="en-US" sz="2000" b="0" i="0" u="none" strike="noStrike">
-                        <a:solidFill>
-                          <a:srgbClr val="000000"/>
-                        </a:solidFill>
-                        <a:effectLst/>
-                        <a:latin typeface="Calibri" panose="020F0502020204030204" pitchFamily="34" charset="0"/>
-                      </a:endParaRPr>
-                    </a:p>
-                  </a:txBody>
-                  <a:tcPr marL="9525" marR="9525" marT="9525" marB="0" anchor="b"/>
-                </a:tc>
-                <a:tc>
-                  <a:txBody>
-                    <a:bodyPr/>
-                    <a:lstStyle/>
-                    <a:p>
-                      <a:pPr algn="ctr" fontAlgn="b"/>
-                      <a:r>
-                        <a:rPr lang="en-US" sz="2000" b="0" u="none" strike="noStrike">
-                          <a:solidFill>
-                            <a:srgbClr val="000000"/>
-                          </a:solidFill>
-                          <a:effectLst/>
-                        </a:rPr>
-                        <a:t>2.1</a:t>
-                      </a:r>
-                      <a:endParaRPr lang="en-US" sz="2000" b="0" i="0" u="none" strike="noStrike">
-                        <a:solidFill>
-                          <a:srgbClr val="000000"/>
-                        </a:solidFill>
-                        <a:effectLst/>
-                        <a:latin typeface="Calibri" panose="020F0502020204030204" pitchFamily="34" charset="0"/>
-                      </a:endParaRPr>
-                    </a:p>
-                  </a:txBody>
-                  <a:tcPr marL="9525" marR="9525" marT="9525" marB="0" anchor="b"/>
-                </a:tc>
-                <a:tc>
-                  <a:txBody>
-                    <a:bodyPr/>
-                    <a:lstStyle/>
-                    <a:p>
-                      <a:pPr algn="ctr" fontAlgn="b"/>
-                      <a:r>
-                        <a:rPr lang="en-US" sz="2000" b="0" u="none" strike="noStrike">
-                          <a:solidFill>
-                            <a:srgbClr val="000000"/>
-                          </a:solidFill>
-                          <a:effectLst/>
-                        </a:rPr>
-                        <a:t>4.3</a:t>
-                      </a:r>
-                      <a:endParaRPr lang="en-US" sz="2000" b="0" i="0" u="none" strike="noStrike">
-                        <a:solidFill>
-                          <a:srgbClr val="000000"/>
-                        </a:solidFill>
-                        <a:effectLst/>
-                        <a:latin typeface="Calibri" panose="020F0502020204030204" pitchFamily="34" charset="0"/>
-                      </a:endParaRPr>
-                    </a:p>
-                  </a:txBody>
-                  <a:tcPr marL="9525" marR="9525" marT="9525" marB="0" anchor="b"/>
-                </a:tc>
-                <a:tc>
-                  <a:txBody>
-                    <a:bodyPr/>
-                    <a:lstStyle/>
-                    <a:p>
-                      <a:pPr algn="ctr" fontAlgn="b"/>
-                      <a:r>
-                        <a:rPr lang="en-US" sz="2000" b="0" u="none" strike="noStrike">
-                          <a:solidFill>
-                            <a:srgbClr val="000000"/>
-                          </a:solidFill>
-                          <a:effectLst/>
-                        </a:rPr>
-                        <a:t>124.5</a:t>
-                      </a:r>
-                      <a:endParaRPr lang="en-US" sz="2000" b="0" i="0" u="none" strike="noStrike">
-                        <a:solidFill>
-                          <a:srgbClr val="000000"/>
-                        </a:solidFill>
-                        <a:effectLst/>
-                        <a:latin typeface="Calibri" panose="020F0502020204030204" pitchFamily="34" charset="0"/>
-                      </a:endParaRPr>
-                    </a:p>
-                  </a:txBody>
-                  <a:tcPr marL="9525" marR="9525" marT="9525" marB="0" anchor="b"/>
-                </a:tc>
-                <a:extLst>
-                  <a:ext uri="{0D108BD9-81ED-4DB2-BD59-A6C34878D82A}">
-                    <a16:rowId xmlns:a16="http://schemas.microsoft.com/office/drawing/2014/main" val="551117626"/>
-                  </a:ext>
-                </a:extLst>
-              </a:tr>
-              <a:tr h="370840">
-                <a:tc>
-                  <a:txBody>
-                    <a:bodyPr/>
-                    <a:lstStyle/>
-                    <a:p>
-                      <a:pPr algn="r" fontAlgn="b"/>
-                      <a:r>
-                        <a:rPr lang="en-US" sz="2000" b="0" u="none" strike="noStrike">
-                          <a:solidFill>
-                            <a:srgbClr val="000000"/>
-                          </a:solidFill>
-                          <a:effectLst/>
-                        </a:rPr>
-                        <a:t>Difficulty Number</a:t>
-                      </a:r>
-                      <a:endParaRPr lang="en-US" sz="2000" b="0" i="0" u="none" strike="noStrike">
-                        <a:solidFill>
-                          <a:srgbClr val="000000"/>
-                        </a:solidFill>
-                        <a:effectLst/>
-                        <a:latin typeface="Calibri" panose="020F0502020204030204" pitchFamily="34" charset="0"/>
-                      </a:endParaRPr>
-                    </a:p>
-                  </a:txBody>
-                  <a:tcPr marL="9525" marR="9525" marT="9525" marB="0" anchor="b"/>
-                </a:tc>
-                <a:tc>
-                  <a:txBody>
-                    <a:bodyPr/>
-                    <a:lstStyle/>
-                    <a:p>
-                      <a:pPr algn="ctr" fontAlgn="b"/>
-                      <a:r>
-                        <a:rPr lang="en-US" sz="2000" b="0" u="none" strike="noStrike" dirty="0">
-                          <a:solidFill>
-                            <a:srgbClr val="000000"/>
-                          </a:solidFill>
-                          <a:effectLst/>
-                        </a:rPr>
-                        <a:t>4844</a:t>
-                      </a:r>
-                      <a:endParaRPr lang="en-US" sz="2000" b="0" i="0" u="none" strike="noStrike" dirty="0">
-                        <a:solidFill>
-                          <a:srgbClr val="000000"/>
-                        </a:solidFill>
-                        <a:effectLst/>
-                        <a:latin typeface="Calibri" panose="020F0502020204030204" pitchFamily="34" charset="0"/>
-                      </a:endParaRPr>
-                    </a:p>
-                  </a:txBody>
-                  <a:tcPr marL="9525" marR="9525" marT="9525" marB="0" anchor="b"/>
-                </a:tc>
-                <a:tc>
-                  <a:txBody>
-                    <a:bodyPr/>
-                    <a:lstStyle/>
-                    <a:p>
-                      <a:pPr algn="ctr" fontAlgn="b"/>
-                      <a:r>
-                        <a:rPr lang="en-US" sz="2000" b="0" u="none" strike="noStrike">
-                          <a:solidFill>
-                            <a:srgbClr val="000000"/>
-                          </a:solidFill>
-                          <a:effectLst/>
-                        </a:rPr>
-                        <a:t>3.098679</a:t>
-                      </a:r>
-                      <a:endParaRPr lang="en-US" sz="2000" b="0" i="0" u="none" strike="noStrike">
-                        <a:solidFill>
-                          <a:srgbClr val="000000"/>
-                        </a:solidFill>
-                        <a:effectLst/>
-                        <a:latin typeface="Calibri" panose="020F0502020204030204" pitchFamily="34" charset="0"/>
-                      </a:endParaRPr>
-                    </a:p>
-                  </a:txBody>
-                  <a:tcPr marL="9525" marR="9525" marT="9525" marB="0" anchor="b"/>
-                </a:tc>
-                <a:tc>
-                  <a:txBody>
-                    <a:bodyPr/>
-                    <a:lstStyle/>
-                    <a:p>
-                      <a:pPr algn="ctr" fontAlgn="b"/>
-                      <a:r>
-                        <a:rPr lang="en-US" sz="2000" b="0" u="none" strike="noStrike">
-                          <a:solidFill>
-                            <a:srgbClr val="000000"/>
-                          </a:solidFill>
-                          <a:effectLst/>
-                        </a:rPr>
-                        <a:t>1.343443</a:t>
-                      </a:r>
-                      <a:endParaRPr lang="en-US" sz="2000" b="0" i="0" u="none" strike="noStrike">
-                        <a:solidFill>
-                          <a:srgbClr val="000000"/>
-                        </a:solidFill>
-                        <a:effectLst/>
-                        <a:latin typeface="Calibri" panose="020F0502020204030204" pitchFamily="34" charset="0"/>
-                      </a:endParaRPr>
-                    </a:p>
-                  </a:txBody>
-                  <a:tcPr marL="9525" marR="9525" marT="9525" marB="0" anchor="b"/>
-                </a:tc>
-                <a:tc>
-                  <a:txBody>
-                    <a:bodyPr/>
-                    <a:lstStyle/>
-                    <a:p>
-                      <a:pPr algn="ctr" fontAlgn="b"/>
-                      <a:r>
-                        <a:rPr lang="en-US" sz="2000" b="0" u="none" strike="noStrike">
-                          <a:solidFill>
-                            <a:srgbClr val="000000"/>
-                          </a:solidFill>
-                          <a:effectLst/>
-                        </a:rPr>
-                        <a:t>1</a:t>
-                      </a:r>
-                      <a:endParaRPr lang="en-US" sz="2000" b="0" i="0" u="none" strike="noStrike">
-                        <a:solidFill>
-                          <a:srgbClr val="000000"/>
-                        </a:solidFill>
-                        <a:effectLst/>
-                        <a:latin typeface="Calibri" panose="020F0502020204030204" pitchFamily="34" charset="0"/>
-                      </a:endParaRPr>
-                    </a:p>
-                  </a:txBody>
-                  <a:tcPr marL="9525" marR="9525" marT="9525" marB="0" anchor="b"/>
-                </a:tc>
-                <a:tc>
-                  <a:txBody>
-                    <a:bodyPr/>
-                    <a:lstStyle/>
-                    <a:p>
-                      <a:pPr algn="ctr" fontAlgn="b"/>
-                      <a:r>
-                        <a:rPr lang="en-US" sz="2000" b="0" u="none" strike="noStrike">
-                          <a:solidFill>
-                            <a:srgbClr val="000000"/>
-                          </a:solidFill>
-                          <a:effectLst/>
-                        </a:rPr>
-                        <a:t>2</a:t>
-                      </a:r>
-                      <a:endParaRPr lang="en-US" sz="2000" b="0" i="0" u="none" strike="noStrike">
-                        <a:solidFill>
-                          <a:srgbClr val="000000"/>
-                        </a:solidFill>
-                        <a:effectLst/>
-                        <a:latin typeface="Calibri" panose="020F0502020204030204" pitchFamily="34" charset="0"/>
-                      </a:endParaRPr>
-                    </a:p>
-                  </a:txBody>
-                  <a:tcPr marL="9525" marR="9525" marT="9525" marB="0" anchor="b"/>
-                </a:tc>
-                <a:tc>
-                  <a:txBody>
-                    <a:bodyPr/>
-                    <a:lstStyle/>
-                    <a:p>
-                      <a:pPr algn="ctr" fontAlgn="b"/>
-                      <a:r>
-                        <a:rPr lang="en-US" sz="2000" b="0" u="none" strike="noStrike">
-                          <a:solidFill>
-                            <a:srgbClr val="000000"/>
-                          </a:solidFill>
-                          <a:effectLst/>
-                        </a:rPr>
-                        <a:t>3</a:t>
-                      </a:r>
-                      <a:endParaRPr lang="en-US" sz="2000" b="0" i="0" u="none" strike="noStrike">
-                        <a:solidFill>
-                          <a:srgbClr val="000000"/>
-                        </a:solidFill>
-                        <a:effectLst/>
-                        <a:latin typeface="Calibri" panose="020F0502020204030204" pitchFamily="34" charset="0"/>
-                      </a:endParaRPr>
-                    </a:p>
-                  </a:txBody>
-                  <a:tcPr marL="9525" marR="9525" marT="9525" marB="0" anchor="b"/>
-                </a:tc>
-                <a:tc>
-                  <a:txBody>
-                    <a:bodyPr/>
-                    <a:lstStyle/>
-                    <a:p>
-                      <a:pPr algn="ctr" fontAlgn="b"/>
-                      <a:r>
-                        <a:rPr lang="en-US" sz="2000" b="0" u="none" strike="noStrike">
-                          <a:solidFill>
-                            <a:srgbClr val="000000"/>
-                          </a:solidFill>
-                          <a:effectLst/>
-                        </a:rPr>
-                        <a:t>4</a:t>
-                      </a:r>
-                      <a:endParaRPr lang="en-US" sz="2000" b="0" i="0" u="none" strike="noStrike">
-                        <a:solidFill>
-                          <a:srgbClr val="000000"/>
-                        </a:solidFill>
-                        <a:effectLst/>
-                        <a:latin typeface="Calibri" panose="020F0502020204030204" pitchFamily="34" charset="0"/>
-                      </a:endParaRPr>
-                    </a:p>
-                  </a:txBody>
-                  <a:tcPr marL="9525" marR="9525" marT="9525" marB="0" anchor="b"/>
-                </a:tc>
-                <a:tc>
-                  <a:txBody>
-                    <a:bodyPr/>
-                    <a:lstStyle/>
-                    <a:p>
-                      <a:pPr algn="ctr" fontAlgn="b"/>
-                      <a:r>
-                        <a:rPr lang="en-US" sz="2000" b="0" u="none" strike="noStrike">
-                          <a:solidFill>
-                            <a:srgbClr val="000000"/>
-                          </a:solidFill>
-                          <a:effectLst/>
-                        </a:rPr>
-                        <a:t>5</a:t>
-                      </a:r>
-                      <a:endParaRPr lang="en-US" sz="2000" b="0" i="0" u="none" strike="noStrike">
-                        <a:solidFill>
-                          <a:srgbClr val="000000"/>
-                        </a:solidFill>
-                        <a:effectLst/>
-                        <a:latin typeface="Calibri" panose="020F0502020204030204" pitchFamily="34" charset="0"/>
-                      </a:endParaRPr>
-                    </a:p>
-                  </a:txBody>
-                  <a:tcPr marL="9525" marR="9525" marT="9525" marB="0" anchor="b"/>
-                </a:tc>
-                <a:extLst>
-                  <a:ext uri="{0D108BD9-81ED-4DB2-BD59-A6C34878D82A}">
-                    <a16:rowId xmlns:a16="http://schemas.microsoft.com/office/drawing/2014/main" val="3972139075"/>
-                  </a:ext>
-                </a:extLst>
-              </a:tr>
-              <a:tr h="370840">
-                <a:tc>
-                  <a:txBody>
-                    <a:bodyPr/>
-                    <a:lstStyle/>
-                    <a:p>
-                      <a:pPr algn="r" fontAlgn="b"/>
-                      <a:r>
-                        <a:rPr lang="en-US" sz="2000" b="0" u="none" strike="noStrike">
-                          <a:solidFill>
-                            <a:srgbClr val="000000"/>
-                          </a:solidFill>
-                          <a:effectLst/>
-                        </a:rPr>
-                        <a:t>Elev_Up</a:t>
-                      </a:r>
-                      <a:endParaRPr lang="en-US" sz="2000" b="0" i="0" u="none" strike="noStrike">
-                        <a:solidFill>
-                          <a:srgbClr val="000000"/>
-                        </a:solidFill>
-                        <a:effectLst/>
-                        <a:latin typeface="Calibri" panose="020F0502020204030204" pitchFamily="34" charset="0"/>
-                      </a:endParaRPr>
-                    </a:p>
-                  </a:txBody>
-                  <a:tcPr marL="9525" marR="9525" marT="9525" marB="0" anchor="b"/>
-                </a:tc>
-                <a:tc>
-                  <a:txBody>
-                    <a:bodyPr/>
-                    <a:lstStyle/>
-                    <a:p>
-                      <a:pPr algn="ctr" fontAlgn="b"/>
-                      <a:r>
-                        <a:rPr lang="en-US" sz="2000" b="0" u="none" strike="noStrike" dirty="0">
-                          <a:solidFill>
-                            <a:srgbClr val="000000"/>
-                          </a:solidFill>
-                          <a:effectLst/>
-                        </a:rPr>
-                        <a:t>4903</a:t>
-                      </a:r>
-                      <a:endParaRPr lang="en-US" sz="2000" b="0" i="0" u="none" strike="noStrike" dirty="0">
-                        <a:solidFill>
-                          <a:srgbClr val="000000"/>
-                        </a:solidFill>
-                        <a:effectLst/>
-                        <a:latin typeface="Calibri" panose="020F0502020204030204" pitchFamily="34" charset="0"/>
-                      </a:endParaRPr>
-                    </a:p>
-                  </a:txBody>
-                  <a:tcPr marL="9525" marR="9525" marT="9525" marB="0" anchor="b"/>
-                </a:tc>
-                <a:tc>
-                  <a:txBody>
-                    <a:bodyPr/>
-                    <a:lstStyle/>
-                    <a:p>
-                      <a:pPr algn="ctr" fontAlgn="b"/>
-                      <a:r>
-                        <a:rPr lang="en-US" sz="2000" b="0" u="none" strike="noStrike">
-                          <a:solidFill>
-                            <a:srgbClr val="000000"/>
-                          </a:solidFill>
-                          <a:effectLst/>
-                        </a:rPr>
-                        <a:t>758.07628</a:t>
-                      </a:r>
-                      <a:endParaRPr lang="en-US" sz="2000" b="0" i="0" u="none" strike="noStrike">
-                        <a:solidFill>
-                          <a:srgbClr val="000000"/>
-                        </a:solidFill>
-                        <a:effectLst/>
-                        <a:latin typeface="Calibri" panose="020F0502020204030204" pitchFamily="34" charset="0"/>
-                      </a:endParaRPr>
-                    </a:p>
-                  </a:txBody>
-                  <a:tcPr marL="9525" marR="9525" marT="9525" marB="0" anchor="b"/>
-                </a:tc>
-                <a:tc>
-                  <a:txBody>
-                    <a:bodyPr/>
-                    <a:lstStyle/>
-                    <a:p>
-                      <a:pPr algn="ctr" fontAlgn="b"/>
-                      <a:r>
-                        <a:rPr lang="en-US" sz="2000" b="0" u="none" strike="noStrike">
-                          <a:solidFill>
-                            <a:srgbClr val="000000"/>
-                          </a:solidFill>
-                          <a:effectLst/>
-                        </a:rPr>
-                        <a:t>1016.0417</a:t>
-                      </a:r>
-                      <a:endParaRPr lang="en-US" sz="2000" b="0" i="0" u="none" strike="noStrike">
-                        <a:solidFill>
-                          <a:srgbClr val="000000"/>
-                        </a:solidFill>
-                        <a:effectLst/>
-                        <a:latin typeface="Calibri" panose="020F0502020204030204" pitchFamily="34" charset="0"/>
-                      </a:endParaRPr>
-                    </a:p>
-                  </a:txBody>
-                  <a:tcPr marL="9525" marR="9525" marT="9525" marB="0" anchor="b"/>
-                </a:tc>
-                <a:tc>
-                  <a:txBody>
-                    <a:bodyPr/>
-                    <a:lstStyle/>
-                    <a:p>
-                      <a:pPr algn="ctr" fontAlgn="b"/>
-                      <a:r>
-                        <a:rPr lang="en-US" sz="2000" b="0" u="none" strike="noStrike">
-                          <a:solidFill>
-                            <a:srgbClr val="000000"/>
-                          </a:solidFill>
-                          <a:effectLst/>
-                        </a:rPr>
-                        <a:t>0</a:t>
-                      </a:r>
-                      <a:endParaRPr lang="en-US" sz="2000" b="0" i="0" u="none" strike="noStrike">
-                        <a:solidFill>
-                          <a:srgbClr val="000000"/>
-                        </a:solidFill>
-                        <a:effectLst/>
-                        <a:latin typeface="Calibri" panose="020F0502020204030204" pitchFamily="34" charset="0"/>
-                      </a:endParaRPr>
-                    </a:p>
-                  </a:txBody>
-                  <a:tcPr marL="9525" marR="9525" marT="9525" marB="0" anchor="b"/>
-                </a:tc>
-                <a:tc>
-                  <a:txBody>
-                    <a:bodyPr/>
-                    <a:lstStyle/>
-                    <a:p>
-                      <a:pPr algn="ctr" fontAlgn="b"/>
-                      <a:r>
-                        <a:rPr lang="en-US" sz="2000" b="0" u="none" strike="noStrike">
-                          <a:solidFill>
-                            <a:srgbClr val="000000"/>
-                          </a:solidFill>
-                          <a:effectLst/>
-                        </a:rPr>
-                        <a:t>85</a:t>
-                      </a:r>
-                      <a:endParaRPr lang="en-US" sz="2000" b="0" i="0" u="none" strike="noStrike">
-                        <a:solidFill>
-                          <a:srgbClr val="000000"/>
-                        </a:solidFill>
-                        <a:effectLst/>
-                        <a:latin typeface="Calibri" panose="020F0502020204030204" pitchFamily="34" charset="0"/>
-                      </a:endParaRPr>
-                    </a:p>
-                  </a:txBody>
-                  <a:tcPr marL="9525" marR="9525" marT="9525" marB="0" anchor="b"/>
-                </a:tc>
-                <a:tc>
-                  <a:txBody>
-                    <a:bodyPr/>
-                    <a:lstStyle/>
-                    <a:p>
-                      <a:pPr algn="ctr" fontAlgn="b"/>
-                      <a:r>
-                        <a:rPr lang="en-US" sz="2000" b="0" u="none" strike="noStrike">
-                          <a:solidFill>
-                            <a:srgbClr val="000000"/>
-                          </a:solidFill>
-                          <a:effectLst/>
-                        </a:rPr>
-                        <a:t>329</a:t>
-                      </a:r>
-                      <a:endParaRPr lang="en-US" sz="2000" b="0" i="0" u="none" strike="noStrike">
-                        <a:solidFill>
-                          <a:srgbClr val="000000"/>
-                        </a:solidFill>
-                        <a:effectLst/>
-                        <a:latin typeface="Calibri" panose="020F0502020204030204" pitchFamily="34" charset="0"/>
-                      </a:endParaRPr>
-                    </a:p>
-                  </a:txBody>
-                  <a:tcPr marL="9525" marR="9525" marT="9525" marB="0" anchor="b"/>
-                </a:tc>
-                <a:tc>
-                  <a:txBody>
-                    <a:bodyPr/>
-                    <a:lstStyle/>
-                    <a:p>
-                      <a:pPr algn="ctr" fontAlgn="b"/>
-                      <a:r>
-                        <a:rPr lang="en-US" sz="2000" b="0" u="none" strike="noStrike">
-                          <a:solidFill>
-                            <a:srgbClr val="000000"/>
-                          </a:solidFill>
-                          <a:effectLst/>
-                        </a:rPr>
-                        <a:t>1062</a:t>
-                      </a:r>
-                      <a:endParaRPr lang="en-US" sz="2000" b="0" i="0" u="none" strike="noStrike">
-                        <a:solidFill>
-                          <a:srgbClr val="000000"/>
-                        </a:solidFill>
-                        <a:effectLst/>
-                        <a:latin typeface="Calibri" panose="020F0502020204030204" pitchFamily="34" charset="0"/>
-                      </a:endParaRPr>
-                    </a:p>
-                  </a:txBody>
-                  <a:tcPr marL="9525" marR="9525" marT="9525" marB="0" anchor="b"/>
-                </a:tc>
-                <a:tc>
-                  <a:txBody>
-                    <a:bodyPr/>
-                    <a:lstStyle/>
-                    <a:p>
-                      <a:pPr algn="ctr" fontAlgn="b"/>
-                      <a:r>
-                        <a:rPr lang="en-US" sz="2000" b="0" u="none" strike="noStrike">
-                          <a:solidFill>
-                            <a:srgbClr val="000000"/>
-                          </a:solidFill>
-                          <a:effectLst/>
-                        </a:rPr>
-                        <a:t>12176</a:t>
-                      </a:r>
-                      <a:endParaRPr lang="en-US" sz="2000" b="0" i="0" u="none" strike="noStrike">
-                        <a:solidFill>
-                          <a:srgbClr val="000000"/>
-                        </a:solidFill>
-                        <a:effectLst/>
-                        <a:latin typeface="Calibri" panose="020F0502020204030204" pitchFamily="34" charset="0"/>
-                      </a:endParaRPr>
-                    </a:p>
-                  </a:txBody>
-                  <a:tcPr marL="9525" marR="9525" marT="9525" marB="0" anchor="b"/>
-                </a:tc>
-                <a:extLst>
-                  <a:ext uri="{0D108BD9-81ED-4DB2-BD59-A6C34878D82A}">
-                    <a16:rowId xmlns:a16="http://schemas.microsoft.com/office/drawing/2014/main" val="2387237080"/>
-                  </a:ext>
-                </a:extLst>
-              </a:tr>
-              <a:tr h="370840">
-                <a:tc>
-                  <a:txBody>
-                    <a:bodyPr/>
-                    <a:lstStyle/>
-                    <a:p>
-                      <a:pPr algn="r" fontAlgn="b"/>
-                      <a:r>
-                        <a:rPr lang="en-US" sz="2000" b="0" u="none" strike="noStrike">
-                          <a:solidFill>
-                            <a:srgbClr val="000000"/>
-                          </a:solidFill>
-                          <a:effectLst/>
-                        </a:rPr>
-                        <a:t>Elev_Down</a:t>
-                      </a:r>
-                      <a:endParaRPr lang="en-US" sz="2000" b="0" i="0" u="none" strike="noStrike">
-                        <a:solidFill>
-                          <a:srgbClr val="000000"/>
-                        </a:solidFill>
-                        <a:effectLst/>
-                        <a:latin typeface="Calibri" panose="020F0502020204030204" pitchFamily="34" charset="0"/>
-                      </a:endParaRPr>
-                    </a:p>
-                  </a:txBody>
-                  <a:tcPr marL="9525" marR="9525" marT="9525" marB="0" anchor="b"/>
-                </a:tc>
-                <a:tc>
-                  <a:txBody>
-                    <a:bodyPr/>
-                    <a:lstStyle/>
-                    <a:p>
-                      <a:pPr algn="ctr" fontAlgn="b"/>
-                      <a:r>
-                        <a:rPr lang="en-US" sz="2000" b="0" u="none" strike="noStrike" dirty="0">
-                          <a:solidFill>
-                            <a:srgbClr val="000000"/>
-                          </a:solidFill>
-                          <a:effectLst/>
-                        </a:rPr>
-                        <a:t>4903</a:t>
-                      </a:r>
-                      <a:endParaRPr lang="en-US" sz="2000" b="0" i="0" u="none" strike="noStrike" dirty="0">
-                        <a:solidFill>
-                          <a:srgbClr val="000000"/>
-                        </a:solidFill>
-                        <a:effectLst/>
-                        <a:latin typeface="Calibri" panose="020F0502020204030204" pitchFamily="34" charset="0"/>
-                      </a:endParaRPr>
-                    </a:p>
-                  </a:txBody>
-                  <a:tcPr marL="9525" marR="9525" marT="9525" marB="0" anchor="b"/>
-                </a:tc>
-                <a:tc>
-                  <a:txBody>
-                    <a:bodyPr/>
-                    <a:lstStyle/>
-                    <a:p>
-                      <a:pPr algn="ctr" fontAlgn="b"/>
-                      <a:r>
-                        <a:rPr lang="en-US" sz="2000" b="0" u="none" strike="noStrike">
-                          <a:solidFill>
-                            <a:srgbClr val="000000"/>
-                          </a:solidFill>
-                          <a:effectLst/>
-                        </a:rPr>
-                        <a:t>502.997553</a:t>
-                      </a:r>
-                      <a:endParaRPr lang="en-US" sz="2000" b="0" i="0" u="none" strike="noStrike">
-                        <a:solidFill>
-                          <a:srgbClr val="000000"/>
-                        </a:solidFill>
-                        <a:effectLst/>
-                        <a:latin typeface="Calibri" panose="020F0502020204030204" pitchFamily="34" charset="0"/>
-                      </a:endParaRPr>
-                    </a:p>
-                  </a:txBody>
-                  <a:tcPr marL="9525" marR="9525" marT="9525" marB="0" anchor="b"/>
-                </a:tc>
-                <a:tc>
-                  <a:txBody>
-                    <a:bodyPr/>
-                    <a:lstStyle/>
-                    <a:p>
-                      <a:pPr algn="ctr" fontAlgn="b"/>
-                      <a:r>
-                        <a:rPr lang="en-US" sz="2000" b="0" u="none" strike="noStrike">
-                          <a:solidFill>
-                            <a:srgbClr val="000000"/>
-                          </a:solidFill>
-                          <a:effectLst/>
-                        </a:rPr>
-                        <a:t>884.560557</a:t>
-                      </a:r>
-                      <a:endParaRPr lang="en-US" sz="2000" b="0" i="0" u="none" strike="noStrike">
-                        <a:solidFill>
-                          <a:srgbClr val="000000"/>
-                        </a:solidFill>
-                        <a:effectLst/>
-                        <a:latin typeface="Calibri" panose="020F0502020204030204" pitchFamily="34" charset="0"/>
-                      </a:endParaRPr>
-                    </a:p>
-                  </a:txBody>
-                  <a:tcPr marL="9525" marR="9525" marT="9525" marB="0" anchor="b"/>
-                </a:tc>
-                <a:tc>
-                  <a:txBody>
-                    <a:bodyPr/>
-                    <a:lstStyle/>
-                    <a:p>
-                      <a:pPr algn="ctr" fontAlgn="b"/>
-                      <a:r>
-                        <a:rPr lang="en-US" sz="2000" b="0" u="none" strike="noStrike">
-                          <a:solidFill>
-                            <a:srgbClr val="000000"/>
-                          </a:solidFill>
-                          <a:effectLst/>
-                        </a:rPr>
-                        <a:t>0</a:t>
-                      </a:r>
-                      <a:endParaRPr lang="en-US" sz="2000" b="0" i="0" u="none" strike="noStrike">
-                        <a:solidFill>
-                          <a:srgbClr val="000000"/>
-                        </a:solidFill>
-                        <a:effectLst/>
-                        <a:latin typeface="Calibri" panose="020F0502020204030204" pitchFamily="34" charset="0"/>
-                      </a:endParaRPr>
-                    </a:p>
-                  </a:txBody>
-                  <a:tcPr marL="9525" marR="9525" marT="9525" marB="0" anchor="b"/>
-                </a:tc>
-                <a:tc>
-                  <a:txBody>
-                    <a:bodyPr/>
-                    <a:lstStyle/>
-                    <a:p>
-                      <a:pPr algn="ctr" fontAlgn="b"/>
-                      <a:r>
-                        <a:rPr lang="en-US" sz="2000" b="0" u="none" strike="noStrike">
-                          <a:solidFill>
-                            <a:srgbClr val="000000"/>
-                          </a:solidFill>
-                          <a:effectLst/>
-                        </a:rPr>
-                        <a:t>22</a:t>
-                      </a:r>
-                      <a:endParaRPr lang="en-US" sz="2000" b="0" i="0" u="none" strike="noStrike">
-                        <a:solidFill>
-                          <a:srgbClr val="000000"/>
-                        </a:solidFill>
-                        <a:effectLst/>
-                        <a:latin typeface="Calibri" panose="020F0502020204030204" pitchFamily="34" charset="0"/>
-                      </a:endParaRPr>
-                    </a:p>
-                  </a:txBody>
-                  <a:tcPr marL="9525" marR="9525" marT="9525" marB="0" anchor="b"/>
-                </a:tc>
-                <a:tc>
-                  <a:txBody>
-                    <a:bodyPr/>
-                    <a:lstStyle/>
-                    <a:p>
-                      <a:pPr algn="ctr" fontAlgn="b"/>
-                      <a:r>
-                        <a:rPr lang="en-US" sz="2000" b="0" u="none" strike="noStrike">
-                          <a:solidFill>
-                            <a:srgbClr val="000000"/>
-                          </a:solidFill>
-                          <a:effectLst/>
-                        </a:rPr>
-                        <a:t>150</a:t>
-                      </a:r>
-                      <a:endParaRPr lang="en-US" sz="2000" b="0" i="0" u="none" strike="noStrike">
-                        <a:solidFill>
-                          <a:srgbClr val="000000"/>
-                        </a:solidFill>
-                        <a:effectLst/>
-                        <a:latin typeface="Calibri" panose="020F0502020204030204" pitchFamily="34" charset="0"/>
-                      </a:endParaRPr>
-                    </a:p>
-                  </a:txBody>
-                  <a:tcPr marL="9525" marR="9525" marT="9525" marB="0" anchor="b"/>
-                </a:tc>
-                <a:tc>
-                  <a:txBody>
-                    <a:bodyPr/>
-                    <a:lstStyle/>
-                    <a:p>
-                      <a:pPr algn="ctr" fontAlgn="b"/>
-                      <a:r>
-                        <a:rPr lang="en-US" sz="2000" b="0" u="none" strike="noStrike">
-                          <a:solidFill>
-                            <a:srgbClr val="000000"/>
-                          </a:solidFill>
-                          <a:effectLst/>
-                        </a:rPr>
-                        <a:t>532</a:t>
-                      </a:r>
-                      <a:endParaRPr lang="en-US" sz="2000" b="0" i="0" u="none" strike="noStrike">
-                        <a:solidFill>
-                          <a:srgbClr val="000000"/>
-                        </a:solidFill>
-                        <a:effectLst/>
-                        <a:latin typeface="Calibri" panose="020F0502020204030204" pitchFamily="34" charset="0"/>
-                      </a:endParaRPr>
-                    </a:p>
-                  </a:txBody>
-                  <a:tcPr marL="9525" marR="9525" marT="9525" marB="0" anchor="b"/>
-                </a:tc>
-                <a:tc>
-                  <a:txBody>
-                    <a:bodyPr/>
-                    <a:lstStyle/>
-                    <a:p>
-                      <a:pPr algn="ctr" fontAlgn="b"/>
-                      <a:r>
-                        <a:rPr lang="en-US" sz="2000" b="0" u="none" strike="noStrike">
-                          <a:solidFill>
-                            <a:srgbClr val="000000"/>
-                          </a:solidFill>
-                          <a:effectLst/>
-                        </a:rPr>
-                        <a:t>14031</a:t>
-                      </a:r>
-                      <a:endParaRPr lang="en-US" sz="2000" b="0" i="0" u="none" strike="noStrike">
-                        <a:solidFill>
-                          <a:srgbClr val="000000"/>
-                        </a:solidFill>
-                        <a:effectLst/>
-                        <a:latin typeface="Calibri" panose="020F0502020204030204" pitchFamily="34" charset="0"/>
-                      </a:endParaRPr>
-                    </a:p>
-                  </a:txBody>
-                  <a:tcPr marL="9525" marR="9525" marT="9525" marB="0" anchor="b"/>
-                </a:tc>
-                <a:extLst>
-                  <a:ext uri="{0D108BD9-81ED-4DB2-BD59-A6C34878D82A}">
-                    <a16:rowId xmlns:a16="http://schemas.microsoft.com/office/drawing/2014/main" val="49825542"/>
-                  </a:ext>
-                </a:extLst>
-              </a:tr>
-              <a:tr h="370840">
-                <a:tc>
-                  <a:txBody>
-                    <a:bodyPr/>
-                    <a:lstStyle/>
-                    <a:p>
-                      <a:pPr algn="r" fontAlgn="b"/>
-                      <a:r>
-                        <a:rPr lang="en-US" sz="2000" b="0" u="none" strike="noStrike">
-                          <a:solidFill>
-                            <a:srgbClr val="000000"/>
-                          </a:solidFill>
-                          <a:effectLst/>
-                        </a:rPr>
-                        <a:t>Highest Elevation</a:t>
-                      </a:r>
-                      <a:endParaRPr lang="en-US" sz="2000" b="0" i="0" u="none" strike="noStrike">
-                        <a:solidFill>
-                          <a:srgbClr val="000000"/>
-                        </a:solidFill>
-                        <a:effectLst/>
-                        <a:latin typeface="Calibri" panose="020F0502020204030204" pitchFamily="34" charset="0"/>
-                      </a:endParaRPr>
-                    </a:p>
-                  </a:txBody>
-                  <a:tcPr marL="9525" marR="9525" marT="9525" marB="0" anchor="b"/>
-                </a:tc>
-                <a:tc>
-                  <a:txBody>
-                    <a:bodyPr/>
-                    <a:lstStyle/>
-                    <a:p>
-                      <a:pPr algn="ctr" fontAlgn="b"/>
-                      <a:r>
-                        <a:rPr lang="en-US" sz="2000" b="0" u="none" strike="noStrike" dirty="0">
-                          <a:solidFill>
-                            <a:srgbClr val="000000"/>
-                          </a:solidFill>
-                          <a:effectLst/>
-                        </a:rPr>
-                        <a:t>4903</a:t>
-                      </a:r>
-                      <a:endParaRPr lang="en-US" sz="2000" b="0" i="0" u="none" strike="noStrike" dirty="0">
-                        <a:solidFill>
-                          <a:srgbClr val="000000"/>
-                        </a:solidFill>
-                        <a:effectLst/>
-                        <a:latin typeface="Calibri" panose="020F0502020204030204" pitchFamily="34" charset="0"/>
-                      </a:endParaRPr>
-                    </a:p>
-                  </a:txBody>
-                  <a:tcPr marL="9525" marR="9525" marT="9525" marB="0" anchor="b"/>
-                </a:tc>
-                <a:tc>
-                  <a:txBody>
-                    <a:bodyPr/>
-                    <a:lstStyle/>
-                    <a:p>
-                      <a:pPr algn="ctr" fontAlgn="b"/>
-                      <a:r>
-                        <a:rPr lang="en-US" sz="2000" b="0" u="none" strike="noStrike">
-                          <a:solidFill>
-                            <a:srgbClr val="000000"/>
-                          </a:solidFill>
-                          <a:effectLst/>
-                        </a:rPr>
-                        <a:t>9087.82786</a:t>
-                      </a:r>
-                      <a:endParaRPr lang="en-US" sz="2000" b="0" i="0" u="none" strike="noStrike">
-                        <a:solidFill>
-                          <a:srgbClr val="000000"/>
-                        </a:solidFill>
-                        <a:effectLst/>
-                        <a:latin typeface="Calibri" panose="020F0502020204030204" pitchFamily="34" charset="0"/>
-                      </a:endParaRPr>
-                    </a:p>
-                  </a:txBody>
-                  <a:tcPr marL="9525" marR="9525" marT="9525" marB="0" anchor="b"/>
-                </a:tc>
-                <a:tc>
-                  <a:txBody>
-                    <a:bodyPr/>
-                    <a:lstStyle/>
-                    <a:p>
-                      <a:pPr algn="ctr" fontAlgn="b"/>
-                      <a:r>
-                        <a:rPr lang="en-US" sz="2000" b="0" u="none" strike="noStrike">
-                          <a:solidFill>
-                            <a:srgbClr val="000000"/>
-                          </a:solidFill>
-                          <a:effectLst/>
-                        </a:rPr>
-                        <a:t>2152.18826</a:t>
-                      </a:r>
-                      <a:endParaRPr lang="en-US" sz="2000" b="0" i="0" u="none" strike="noStrike">
-                        <a:solidFill>
-                          <a:srgbClr val="000000"/>
-                        </a:solidFill>
-                        <a:effectLst/>
-                        <a:latin typeface="Calibri" panose="020F0502020204030204" pitchFamily="34" charset="0"/>
-                      </a:endParaRPr>
-                    </a:p>
-                  </a:txBody>
-                  <a:tcPr marL="9525" marR="9525" marT="9525" marB="0" anchor="b"/>
-                </a:tc>
-                <a:tc>
-                  <a:txBody>
-                    <a:bodyPr/>
-                    <a:lstStyle/>
-                    <a:p>
-                      <a:pPr algn="ctr" fontAlgn="b"/>
-                      <a:r>
-                        <a:rPr lang="en-US" sz="2000" b="0" u="none" strike="noStrike">
-                          <a:solidFill>
-                            <a:srgbClr val="000000"/>
-                          </a:solidFill>
-                          <a:effectLst/>
-                        </a:rPr>
-                        <a:t>3886</a:t>
-                      </a:r>
-                      <a:endParaRPr lang="en-US" sz="2000" b="0" i="0" u="none" strike="noStrike">
-                        <a:solidFill>
-                          <a:srgbClr val="000000"/>
-                        </a:solidFill>
-                        <a:effectLst/>
-                        <a:latin typeface="Calibri" panose="020F0502020204030204" pitchFamily="34" charset="0"/>
-                      </a:endParaRPr>
-                    </a:p>
-                  </a:txBody>
-                  <a:tcPr marL="9525" marR="9525" marT="9525" marB="0" anchor="b"/>
-                </a:tc>
-                <a:tc>
-                  <a:txBody>
-                    <a:bodyPr/>
-                    <a:lstStyle/>
-                    <a:p>
-                      <a:pPr algn="ctr" fontAlgn="b"/>
-                      <a:r>
-                        <a:rPr lang="en-US" sz="2000" b="0" u="none" strike="noStrike">
-                          <a:solidFill>
-                            <a:srgbClr val="000000"/>
-                          </a:solidFill>
-                          <a:effectLst/>
-                        </a:rPr>
-                        <a:t>7436</a:t>
-                      </a:r>
-                      <a:endParaRPr lang="en-US" sz="2000" b="0" i="0" u="none" strike="noStrike">
-                        <a:solidFill>
-                          <a:srgbClr val="000000"/>
-                        </a:solidFill>
-                        <a:effectLst/>
-                        <a:latin typeface="Calibri" panose="020F0502020204030204" pitchFamily="34" charset="0"/>
-                      </a:endParaRPr>
-                    </a:p>
-                  </a:txBody>
-                  <a:tcPr marL="9525" marR="9525" marT="9525" marB="0" anchor="b"/>
-                </a:tc>
-                <a:tc>
-                  <a:txBody>
-                    <a:bodyPr/>
-                    <a:lstStyle/>
-                    <a:p>
-                      <a:pPr algn="ctr" fontAlgn="b"/>
-                      <a:r>
-                        <a:rPr lang="en-US" sz="2000" b="0" u="none" strike="noStrike">
-                          <a:solidFill>
-                            <a:srgbClr val="000000"/>
-                          </a:solidFill>
-                          <a:effectLst/>
-                        </a:rPr>
-                        <a:t>9166</a:t>
-                      </a:r>
-                      <a:endParaRPr lang="en-US" sz="2000" b="0" i="0" u="none" strike="noStrike">
-                        <a:solidFill>
-                          <a:srgbClr val="000000"/>
-                        </a:solidFill>
-                        <a:effectLst/>
-                        <a:latin typeface="Calibri" panose="020F0502020204030204" pitchFamily="34" charset="0"/>
-                      </a:endParaRPr>
-                    </a:p>
-                  </a:txBody>
-                  <a:tcPr marL="9525" marR="9525" marT="9525" marB="0" anchor="b"/>
-                </a:tc>
-                <a:tc>
-                  <a:txBody>
-                    <a:bodyPr/>
-                    <a:lstStyle/>
-                    <a:p>
-                      <a:pPr algn="ctr" fontAlgn="b"/>
-                      <a:r>
-                        <a:rPr lang="en-US" sz="2000" b="0" u="none" strike="noStrike">
-                          <a:solidFill>
-                            <a:srgbClr val="000000"/>
-                          </a:solidFill>
-                          <a:effectLst/>
-                        </a:rPr>
-                        <a:t>10694</a:t>
-                      </a:r>
-                      <a:endParaRPr lang="en-US" sz="2000" b="0" i="0" u="none" strike="noStrike">
-                        <a:solidFill>
-                          <a:srgbClr val="000000"/>
-                        </a:solidFill>
-                        <a:effectLst/>
-                        <a:latin typeface="Calibri" panose="020F0502020204030204" pitchFamily="34" charset="0"/>
-                      </a:endParaRPr>
-                    </a:p>
-                  </a:txBody>
-                  <a:tcPr marL="9525" marR="9525" marT="9525" marB="0" anchor="b"/>
-                </a:tc>
-                <a:tc>
-                  <a:txBody>
-                    <a:bodyPr/>
-                    <a:lstStyle/>
-                    <a:p>
-                      <a:pPr algn="ctr" fontAlgn="b"/>
-                      <a:r>
-                        <a:rPr lang="en-US" sz="2000" b="0" u="none" strike="noStrike">
-                          <a:solidFill>
-                            <a:srgbClr val="000000"/>
-                          </a:solidFill>
-                          <a:effectLst/>
-                        </a:rPr>
-                        <a:t>14416</a:t>
-                      </a:r>
-                      <a:endParaRPr lang="en-US" sz="2000" b="0" i="0" u="none" strike="noStrike">
-                        <a:solidFill>
-                          <a:srgbClr val="000000"/>
-                        </a:solidFill>
-                        <a:effectLst/>
-                        <a:latin typeface="Calibri" panose="020F0502020204030204" pitchFamily="34" charset="0"/>
-                      </a:endParaRPr>
-                    </a:p>
-                  </a:txBody>
-                  <a:tcPr marL="9525" marR="9525" marT="9525" marB="0" anchor="b"/>
-                </a:tc>
-                <a:extLst>
-                  <a:ext uri="{0D108BD9-81ED-4DB2-BD59-A6C34878D82A}">
-                    <a16:rowId xmlns:a16="http://schemas.microsoft.com/office/drawing/2014/main" val="3104649589"/>
-                  </a:ext>
-                </a:extLst>
-              </a:tr>
-              <a:tr h="370840">
-                <a:tc>
-                  <a:txBody>
-                    <a:bodyPr/>
-                    <a:lstStyle/>
-                    <a:p>
-                      <a:pPr algn="r" fontAlgn="b"/>
-                      <a:r>
-                        <a:rPr lang="en-US" sz="2000" b="0" u="none" strike="noStrike">
-                          <a:solidFill>
-                            <a:srgbClr val="000000"/>
-                          </a:solidFill>
-                          <a:effectLst/>
-                        </a:rPr>
-                        <a:t>Lowest Elevation</a:t>
-                      </a:r>
-                      <a:endParaRPr lang="en-US" sz="2000" b="0" i="0" u="none" strike="noStrike">
-                        <a:solidFill>
-                          <a:srgbClr val="000000"/>
-                        </a:solidFill>
-                        <a:effectLst/>
-                        <a:latin typeface="Calibri" panose="020F0502020204030204" pitchFamily="34" charset="0"/>
-                      </a:endParaRPr>
-                    </a:p>
-                  </a:txBody>
-                  <a:tcPr marL="9525" marR="9525" marT="9525" marB="0" anchor="b"/>
-                </a:tc>
-                <a:tc>
-                  <a:txBody>
-                    <a:bodyPr/>
-                    <a:lstStyle/>
-                    <a:p>
-                      <a:pPr algn="ctr" fontAlgn="b"/>
-                      <a:r>
-                        <a:rPr lang="en-US" sz="2000" b="0" u="none" strike="noStrike" dirty="0">
-                          <a:solidFill>
-                            <a:srgbClr val="000000"/>
-                          </a:solidFill>
-                          <a:effectLst/>
-                        </a:rPr>
-                        <a:t>4903</a:t>
-                      </a:r>
-                      <a:endParaRPr lang="en-US" sz="2000" b="0" i="0" u="none" strike="noStrike" dirty="0">
-                        <a:solidFill>
-                          <a:srgbClr val="000000"/>
-                        </a:solidFill>
-                        <a:effectLst/>
-                        <a:latin typeface="Calibri" panose="020F0502020204030204" pitchFamily="34" charset="0"/>
-                      </a:endParaRPr>
-                    </a:p>
-                  </a:txBody>
-                  <a:tcPr marL="9525" marR="9525" marT="9525" marB="0" anchor="b"/>
-                </a:tc>
-                <a:tc>
-                  <a:txBody>
-                    <a:bodyPr/>
-                    <a:lstStyle/>
-                    <a:p>
-                      <a:pPr algn="ctr" fontAlgn="b"/>
-                      <a:r>
-                        <a:rPr lang="en-US" sz="2000" b="0" u="none" strike="noStrike" dirty="0">
-                          <a:solidFill>
-                            <a:srgbClr val="000000"/>
-                          </a:solidFill>
-                          <a:effectLst/>
-                        </a:rPr>
-                        <a:t>8232.81154</a:t>
-                      </a:r>
-                      <a:endParaRPr lang="en-US" sz="2000" b="0" i="0" u="none" strike="noStrike" dirty="0">
-                        <a:solidFill>
-                          <a:srgbClr val="000000"/>
-                        </a:solidFill>
-                        <a:effectLst/>
-                        <a:latin typeface="Calibri" panose="020F0502020204030204" pitchFamily="34" charset="0"/>
-                      </a:endParaRPr>
-                    </a:p>
-                  </a:txBody>
-                  <a:tcPr marL="9525" marR="9525" marT="9525" marB="0" anchor="b"/>
-                </a:tc>
-                <a:tc>
-                  <a:txBody>
-                    <a:bodyPr/>
-                    <a:lstStyle/>
-                    <a:p>
-                      <a:pPr algn="ctr" fontAlgn="b"/>
-                      <a:r>
-                        <a:rPr lang="en-US" sz="2000" b="0" u="none" strike="noStrike">
-                          <a:solidFill>
-                            <a:srgbClr val="000000"/>
-                          </a:solidFill>
-                          <a:effectLst/>
-                        </a:rPr>
-                        <a:t>1754.70722</a:t>
-                      </a:r>
-                      <a:endParaRPr lang="en-US" sz="2000" b="0" i="0" u="none" strike="noStrike">
-                        <a:solidFill>
-                          <a:srgbClr val="000000"/>
-                        </a:solidFill>
-                        <a:effectLst/>
-                        <a:latin typeface="Calibri" panose="020F0502020204030204" pitchFamily="34" charset="0"/>
-                      </a:endParaRPr>
-                    </a:p>
-                  </a:txBody>
-                  <a:tcPr marL="9525" marR="9525" marT="9525" marB="0" anchor="b"/>
-                </a:tc>
-                <a:tc>
-                  <a:txBody>
-                    <a:bodyPr/>
-                    <a:lstStyle/>
-                    <a:p>
-                      <a:pPr algn="ctr" fontAlgn="b"/>
-                      <a:r>
-                        <a:rPr lang="en-US" sz="2000" b="0" u="none" strike="noStrike">
-                          <a:solidFill>
-                            <a:srgbClr val="000000"/>
-                          </a:solidFill>
-                          <a:effectLst/>
-                        </a:rPr>
-                        <a:t>3752</a:t>
-                      </a:r>
-                      <a:endParaRPr lang="en-US" sz="2000" b="0" i="0" u="none" strike="noStrike">
-                        <a:solidFill>
-                          <a:srgbClr val="000000"/>
-                        </a:solidFill>
-                        <a:effectLst/>
-                        <a:latin typeface="Calibri" panose="020F0502020204030204" pitchFamily="34" charset="0"/>
-                      </a:endParaRPr>
-                    </a:p>
-                  </a:txBody>
-                  <a:tcPr marL="9525" marR="9525" marT="9525" marB="0" anchor="b"/>
-                </a:tc>
-                <a:tc>
-                  <a:txBody>
-                    <a:bodyPr/>
-                    <a:lstStyle/>
-                    <a:p>
-                      <a:pPr algn="ctr" fontAlgn="b"/>
-                      <a:r>
-                        <a:rPr lang="en-US" sz="2000" b="0" u="none" strike="noStrike">
-                          <a:solidFill>
-                            <a:srgbClr val="000000"/>
-                          </a:solidFill>
-                          <a:effectLst/>
-                        </a:rPr>
-                        <a:t>6923</a:t>
-                      </a:r>
-                      <a:endParaRPr lang="en-US" sz="2000" b="0" i="0" u="none" strike="noStrike">
-                        <a:solidFill>
-                          <a:srgbClr val="000000"/>
-                        </a:solidFill>
-                        <a:effectLst/>
-                        <a:latin typeface="Calibri" panose="020F0502020204030204" pitchFamily="34" charset="0"/>
-                      </a:endParaRPr>
-                    </a:p>
-                  </a:txBody>
-                  <a:tcPr marL="9525" marR="9525" marT="9525" marB="0" anchor="b"/>
-                </a:tc>
-                <a:tc>
-                  <a:txBody>
-                    <a:bodyPr/>
-                    <a:lstStyle/>
-                    <a:p>
-                      <a:pPr algn="ctr" fontAlgn="b"/>
-                      <a:r>
-                        <a:rPr lang="en-US" sz="2000" b="0" u="none" strike="noStrike">
-                          <a:solidFill>
-                            <a:srgbClr val="000000"/>
-                          </a:solidFill>
-                          <a:effectLst/>
-                        </a:rPr>
-                        <a:t>8332</a:t>
-                      </a:r>
-                      <a:endParaRPr lang="en-US" sz="2000" b="0" i="0" u="none" strike="noStrike">
-                        <a:solidFill>
-                          <a:srgbClr val="000000"/>
-                        </a:solidFill>
-                        <a:effectLst/>
-                        <a:latin typeface="Calibri" panose="020F0502020204030204" pitchFamily="34" charset="0"/>
-                      </a:endParaRPr>
-                    </a:p>
-                  </a:txBody>
-                  <a:tcPr marL="9525" marR="9525" marT="9525" marB="0" anchor="b"/>
-                </a:tc>
-                <a:tc>
-                  <a:txBody>
-                    <a:bodyPr/>
-                    <a:lstStyle/>
-                    <a:p>
-                      <a:pPr algn="ctr" fontAlgn="b"/>
-                      <a:r>
-                        <a:rPr lang="en-US" sz="2000" b="0" u="none" strike="noStrike">
-                          <a:solidFill>
-                            <a:srgbClr val="000000"/>
-                          </a:solidFill>
-                          <a:effectLst/>
-                        </a:rPr>
-                        <a:t>9413</a:t>
-                      </a:r>
-                      <a:endParaRPr lang="en-US" sz="2000" b="0" i="0" u="none" strike="noStrike">
-                        <a:solidFill>
-                          <a:srgbClr val="000000"/>
-                        </a:solidFill>
-                        <a:effectLst/>
-                        <a:latin typeface="Calibri" panose="020F0502020204030204" pitchFamily="34" charset="0"/>
-                      </a:endParaRPr>
-                    </a:p>
-                  </a:txBody>
-                  <a:tcPr marL="9525" marR="9525" marT="9525" marB="0" anchor="b"/>
-                </a:tc>
-                <a:tc>
-                  <a:txBody>
-                    <a:bodyPr/>
-                    <a:lstStyle/>
-                    <a:p>
-                      <a:pPr algn="ctr" fontAlgn="b"/>
-                      <a:r>
-                        <a:rPr lang="en-US" sz="2000" b="0" u="none" strike="noStrike">
-                          <a:solidFill>
-                            <a:srgbClr val="000000"/>
-                          </a:solidFill>
-                          <a:effectLst/>
-                        </a:rPr>
-                        <a:t>14131</a:t>
-                      </a:r>
-                      <a:endParaRPr lang="en-US" sz="2000" b="0" i="0" u="none" strike="noStrike">
-                        <a:solidFill>
-                          <a:srgbClr val="000000"/>
-                        </a:solidFill>
-                        <a:effectLst/>
-                        <a:latin typeface="Calibri" panose="020F0502020204030204" pitchFamily="34" charset="0"/>
-                      </a:endParaRPr>
-                    </a:p>
-                  </a:txBody>
-                  <a:tcPr marL="9525" marR="9525" marT="9525" marB="0" anchor="b"/>
-                </a:tc>
-                <a:extLst>
-                  <a:ext uri="{0D108BD9-81ED-4DB2-BD59-A6C34878D82A}">
-                    <a16:rowId xmlns:a16="http://schemas.microsoft.com/office/drawing/2014/main" val="3840634620"/>
-                  </a:ext>
-                </a:extLst>
-              </a:tr>
-              <a:tr h="370840">
-                <a:tc>
-                  <a:txBody>
-                    <a:bodyPr/>
-                    <a:lstStyle/>
-                    <a:p>
-                      <a:pPr algn="r" fontAlgn="b"/>
-                      <a:r>
-                        <a:rPr lang="en-US" sz="2000" b="0" u="none" strike="noStrike">
-                          <a:solidFill>
-                            <a:srgbClr val="000000"/>
-                          </a:solidFill>
-                          <a:effectLst/>
-                        </a:rPr>
-                        <a:t>Average Grade</a:t>
-                      </a:r>
-                      <a:endParaRPr lang="en-US" sz="2000" b="0" i="0" u="none" strike="noStrike">
-                        <a:solidFill>
-                          <a:srgbClr val="000000"/>
-                        </a:solidFill>
-                        <a:effectLst/>
-                        <a:latin typeface="Calibri" panose="020F0502020204030204" pitchFamily="34" charset="0"/>
-                      </a:endParaRPr>
-                    </a:p>
-                  </a:txBody>
-                  <a:tcPr marL="9525" marR="9525" marT="9525" marB="0" anchor="b"/>
-                </a:tc>
-                <a:tc>
-                  <a:txBody>
-                    <a:bodyPr/>
-                    <a:lstStyle/>
-                    <a:p>
-                      <a:pPr algn="ctr" fontAlgn="b"/>
-                      <a:r>
-                        <a:rPr lang="en-US" sz="2000" b="0" u="none" strike="noStrike">
-                          <a:solidFill>
-                            <a:srgbClr val="000000"/>
-                          </a:solidFill>
-                          <a:effectLst/>
-                        </a:rPr>
-                        <a:t>4903</a:t>
-                      </a:r>
-                      <a:endParaRPr lang="en-US" sz="2000" b="0" i="0" u="none" strike="noStrike">
-                        <a:solidFill>
-                          <a:srgbClr val="000000"/>
-                        </a:solidFill>
-                        <a:effectLst/>
-                        <a:latin typeface="Calibri" panose="020F0502020204030204" pitchFamily="34" charset="0"/>
-                      </a:endParaRPr>
-                    </a:p>
-                  </a:txBody>
-                  <a:tcPr marL="9525" marR="9525" marT="9525" marB="0" anchor="b"/>
-                </a:tc>
-                <a:tc>
-                  <a:txBody>
-                    <a:bodyPr/>
-                    <a:lstStyle/>
-                    <a:p>
-                      <a:pPr algn="ctr" fontAlgn="b"/>
-                      <a:r>
-                        <a:rPr lang="en-US" sz="2000" b="0" u="none" strike="noStrike" dirty="0">
-                          <a:solidFill>
-                            <a:srgbClr val="000000"/>
-                          </a:solidFill>
-                          <a:effectLst/>
-                        </a:rPr>
-                        <a:t>0.072011</a:t>
-                      </a:r>
-                      <a:endParaRPr lang="en-US" sz="2000" b="0" i="0" u="none" strike="noStrike" dirty="0">
-                        <a:solidFill>
-                          <a:srgbClr val="000000"/>
-                        </a:solidFill>
-                        <a:effectLst/>
-                        <a:latin typeface="Calibri" panose="020F0502020204030204" pitchFamily="34" charset="0"/>
-                      </a:endParaRPr>
-                    </a:p>
-                  </a:txBody>
-                  <a:tcPr marL="9525" marR="9525" marT="9525" marB="0" anchor="b"/>
-                </a:tc>
-                <a:tc>
-                  <a:txBody>
-                    <a:bodyPr/>
-                    <a:lstStyle/>
-                    <a:p>
-                      <a:pPr algn="ctr" fontAlgn="b"/>
-                      <a:r>
-                        <a:rPr lang="en-US" sz="2000" b="0" u="none" strike="noStrike">
-                          <a:solidFill>
-                            <a:srgbClr val="000000"/>
-                          </a:solidFill>
-                          <a:effectLst/>
-                        </a:rPr>
-                        <a:t>0.048774</a:t>
-                      </a:r>
-                      <a:endParaRPr lang="en-US" sz="2000" b="0" i="0" u="none" strike="noStrike">
-                        <a:solidFill>
-                          <a:srgbClr val="000000"/>
-                        </a:solidFill>
-                        <a:effectLst/>
-                        <a:latin typeface="Calibri" panose="020F0502020204030204" pitchFamily="34" charset="0"/>
-                      </a:endParaRPr>
-                    </a:p>
-                  </a:txBody>
-                  <a:tcPr marL="9525" marR="9525" marT="9525" marB="0" anchor="b"/>
-                </a:tc>
-                <a:tc>
-                  <a:txBody>
-                    <a:bodyPr/>
-                    <a:lstStyle/>
-                    <a:p>
-                      <a:pPr algn="ctr" fontAlgn="b"/>
-                      <a:r>
-                        <a:rPr lang="en-US" sz="2000" b="0" u="none" strike="noStrike">
-                          <a:solidFill>
-                            <a:srgbClr val="000000"/>
-                          </a:solidFill>
-                          <a:effectLst/>
-                        </a:rPr>
-                        <a:t>0</a:t>
-                      </a:r>
-                      <a:endParaRPr lang="en-US" sz="2000" b="0" i="0" u="none" strike="noStrike">
-                        <a:solidFill>
-                          <a:srgbClr val="000000"/>
-                        </a:solidFill>
-                        <a:effectLst/>
-                        <a:latin typeface="Calibri" panose="020F0502020204030204" pitchFamily="34" charset="0"/>
-                      </a:endParaRPr>
-                    </a:p>
-                  </a:txBody>
-                  <a:tcPr marL="9525" marR="9525" marT="9525" marB="0" anchor="b"/>
-                </a:tc>
-                <a:tc>
-                  <a:txBody>
-                    <a:bodyPr/>
-                    <a:lstStyle/>
-                    <a:p>
-                      <a:pPr algn="ctr" fontAlgn="b"/>
-                      <a:r>
-                        <a:rPr lang="en-US" sz="2000" b="0" u="none" strike="noStrike">
-                          <a:solidFill>
-                            <a:srgbClr val="000000"/>
-                          </a:solidFill>
-                          <a:effectLst/>
-                        </a:rPr>
-                        <a:t>0.04</a:t>
-                      </a:r>
-                      <a:endParaRPr lang="en-US" sz="2000" b="0" i="0" u="none" strike="noStrike">
-                        <a:solidFill>
-                          <a:srgbClr val="000000"/>
-                        </a:solidFill>
-                        <a:effectLst/>
-                        <a:latin typeface="Calibri" panose="020F0502020204030204" pitchFamily="34" charset="0"/>
-                      </a:endParaRPr>
-                    </a:p>
-                  </a:txBody>
-                  <a:tcPr marL="9525" marR="9525" marT="9525" marB="0" anchor="b"/>
-                </a:tc>
-                <a:tc>
-                  <a:txBody>
-                    <a:bodyPr/>
-                    <a:lstStyle/>
-                    <a:p>
-                      <a:pPr algn="ctr" fontAlgn="b"/>
-                      <a:r>
-                        <a:rPr lang="en-US" sz="2000" b="0" u="none" strike="noStrike">
-                          <a:solidFill>
-                            <a:srgbClr val="000000"/>
-                          </a:solidFill>
-                          <a:effectLst/>
-                        </a:rPr>
-                        <a:t>0.06</a:t>
-                      </a:r>
-                      <a:endParaRPr lang="en-US" sz="2000" b="0" i="0" u="none" strike="noStrike">
-                        <a:solidFill>
-                          <a:srgbClr val="000000"/>
-                        </a:solidFill>
-                        <a:effectLst/>
-                        <a:latin typeface="Calibri" panose="020F0502020204030204" pitchFamily="34" charset="0"/>
-                      </a:endParaRPr>
-                    </a:p>
-                  </a:txBody>
-                  <a:tcPr marL="9525" marR="9525" marT="9525" marB="0" anchor="b"/>
-                </a:tc>
-                <a:tc>
-                  <a:txBody>
-                    <a:bodyPr/>
-                    <a:lstStyle/>
-                    <a:p>
-                      <a:pPr algn="ctr" fontAlgn="b"/>
-                      <a:r>
-                        <a:rPr lang="en-US" sz="2000" b="0" u="none" strike="noStrike">
-                          <a:solidFill>
-                            <a:srgbClr val="000000"/>
-                          </a:solidFill>
-                          <a:effectLst/>
-                        </a:rPr>
-                        <a:t>0.09</a:t>
-                      </a:r>
-                      <a:endParaRPr lang="en-US" sz="2000" b="0" i="0" u="none" strike="noStrike">
-                        <a:solidFill>
-                          <a:srgbClr val="000000"/>
-                        </a:solidFill>
-                        <a:effectLst/>
-                        <a:latin typeface="Calibri" panose="020F0502020204030204" pitchFamily="34" charset="0"/>
-                      </a:endParaRPr>
-                    </a:p>
-                  </a:txBody>
-                  <a:tcPr marL="9525" marR="9525" marT="9525" marB="0" anchor="b"/>
-                </a:tc>
-                <a:tc>
-                  <a:txBody>
-                    <a:bodyPr/>
-                    <a:lstStyle/>
-                    <a:p>
-                      <a:pPr algn="ctr" fontAlgn="b"/>
-                      <a:r>
-                        <a:rPr lang="en-US" sz="2000" b="0" u="none" strike="noStrike">
-                          <a:solidFill>
-                            <a:srgbClr val="000000"/>
-                          </a:solidFill>
-                          <a:effectLst/>
-                        </a:rPr>
-                        <a:t>0.62</a:t>
-                      </a:r>
-                      <a:endParaRPr lang="en-US" sz="2000" b="0" i="0" u="none" strike="noStrike">
-                        <a:solidFill>
-                          <a:srgbClr val="000000"/>
-                        </a:solidFill>
-                        <a:effectLst/>
-                        <a:latin typeface="Calibri" panose="020F0502020204030204" pitchFamily="34" charset="0"/>
-                      </a:endParaRPr>
-                    </a:p>
-                  </a:txBody>
-                  <a:tcPr marL="9525" marR="9525" marT="9525" marB="0" anchor="b"/>
-                </a:tc>
-                <a:extLst>
-                  <a:ext uri="{0D108BD9-81ED-4DB2-BD59-A6C34878D82A}">
-                    <a16:rowId xmlns:a16="http://schemas.microsoft.com/office/drawing/2014/main" val="1017318616"/>
-                  </a:ext>
-                </a:extLst>
-              </a:tr>
-              <a:tr h="370840">
-                <a:tc>
-                  <a:txBody>
-                    <a:bodyPr/>
-                    <a:lstStyle/>
-                    <a:p>
-                      <a:pPr algn="r" fontAlgn="b"/>
-                      <a:r>
-                        <a:rPr lang="en-US" sz="2000" b="0" u="none" strike="noStrike">
-                          <a:solidFill>
-                            <a:srgbClr val="000000"/>
-                          </a:solidFill>
-                          <a:effectLst/>
-                        </a:rPr>
-                        <a:t>Max Grade</a:t>
-                      </a:r>
-                      <a:endParaRPr lang="en-US" sz="2000" b="0" i="0" u="none" strike="noStrike">
-                        <a:solidFill>
-                          <a:srgbClr val="000000"/>
-                        </a:solidFill>
-                        <a:effectLst/>
-                        <a:latin typeface="Calibri" panose="020F0502020204030204" pitchFamily="34" charset="0"/>
-                      </a:endParaRPr>
-                    </a:p>
-                  </a:txBody>
-                  <a:tcPr marL="9525" marR="9525" marT="9525" marB="0" anchor="b"/>
-                </a:tc>
-                <a:tc>
-                  <a:txBody>
-                    <a:bodyPr/>
-                    <a:lstStyle/>
-                    <a:p>
-                      <a:pPr algn="ctr" fontAlgn="b"/>
-                      <a:r>
-                        <a:rPr lang="en-US" sz="2000" b="0" u="none" strike="noStrike">
-                          <a:solidFill>
-                            <a:srgbClr val="000000"/>
-                          </a:solidFill>
-                          <a:effectLst/>
-                        </a:rPr>
-                        <a:t>4903</a:t>
-                      </a:r>
-                      <a:endParaRPr lang="en-US" sz="2000" b="0" i="0" u="none" strike="noStrike">
-                        <a:solidFill>
-                          <a:srgbClr val="000000"/>
-                        </a:solidFill>
-                        <a:effectLst/>
-                        <a:latin typeface="Calibri" panose="020F0502020204030204" pitchFamily="34" charset="0"/>
-                      </a:endParaRPr>
-                    </a:p>
-                  </a:txBody>
-                  <a:tcPr marL="9525" marR="9525" marT="9525" marB="0" anchor="b"/>
-                </a:tc>
-                <a:tc>
-                  <a:txBody>
-                    <a:bodyPr/>
-                    <a:lstStyle/>
-                    <a:p>
-                      <a:pPr algn="ctr" fontAlgn="b"/>
-                      <a:r>
-                        <a:rPr lang="en-US" sz="2000" b="0" u="none" strike="noStrike" dirty="0">
-                          <a:solidFill>
-                            <a:srgbClr val="000000"/>
-                          </a:solidFill>
-                          <a:effectLst/>
-                        </a:rPr>
-                        <a:t>0.219759</a:t>
-                      </a:r>
-                      <a:endParaRPr lang="en-US" sz="2000" b="0" i="0" u="none" strike="noStrike" dirty="0">
-                        <a:solidFill>
-                          <a:srgbClr val="000000"/>
-                        </a:solidFill>
-                        <a:effectLst/>
-                        <a:latin typeface="Calibri" panose="020F0502020204030204" pitchFamily="34" charset="0"/>
-                      </a:endParaRPr>
-                    </a:p>
-                  </a:txBody>
-                  <a:tcPr marL="9525" marR="9525" marT="9525" marB="0" anchor="b"/>
-                </a:tc>
-                <a:tc>
-                  <a:txBody>
-                    <a:bodyPr/>
-                    <a:lstStyle/>
-                    <a:p>
-                      <a:pPr algn="ctr" fontAlgn="b"/>
-                      <a:r>
-                        <a:rPr lang="en-US" sz="2000" b="0" u="none" strike="noStrike" dirty="0">
-                          <a:solidFill>
-                            <a:srgbClr val="000000"/>
-                          </a:solidFill>
-                          <a:effectLst/>
-                        </a:rPr>
-                        <a:t>0.153531</a:t>
-                      </a:r>
-                      <a:endParaRPr lang="en-US" sz="2000" b="0" i="0" u="none" strike="noStrike" dirty="0">
-                        <a:solidFill>
-                          <a:srgbClr val="000000"/>
-                        </a:solidFill>
-                        <a:effectLst/>
-                        <a:latin typeface="Calibri" panose="020F0502020204030204" pitchFamily="34" charset="0"/>
-                      </a:endParaRPr>
-                    </a:p>
-                  </a:txBody>
-                  <a:tcPr marL="9525" marR="9525" marT="9525" marB="0" anchor="b"/>
-                </a:tc>
-                <a:tc>
-                  <a:txBody>
-                    <a:bodyPr/>
-                    <a:lstStyle/>
-                    <a:p>
-                      <a:pPr algn="ctr" fontAlgn="b"/>
-                      <a:r>
-                        <a:rPr lang="en-US" sz="2000" b="0" u="none" strike="noStrike">
-                          <a:solidFill>
-                            <a:srgbClr val="000000"/>
-                          </a:solidFill>
-                          <a:effectLst/>
-                        </a:rPr>
-                        <a:t>0</a:t>
-                      </a:r>
-                      <a:endParaRPr lang="en-US" sz="2000" b="0" i="0" u="none" strike="noStrike">
-                        <a:solidFill>
-                          <a:srgbClr val="000000"/>
-                        </a:solidFill>
-                        <a:effectLst/>
-                        <a:latin typeface="Calibri" panose="020F0502020204030204" pitchFamily="34" charset="0"/>
-                      </a:endParaRPr>
-                    </a:p>
-                  </a:txBody>
-                  <a:tcPr marL="9525" marR="9525" marT="9525" marB="0" anchor="b"/>
-                </a:tc>
-                <a:tc>
-                  <a:txBody>
-                    <a:bodyPr/>
-                    <a:lstStyle/>
-                    <a:p>
-                      <a:pPr algn="ctr" fontAlgn="b"/>
-                      <a:r>
-                        <a:rPr lang="en-US" sz="2000" b="0" u="none" strike="noStrike">
-                          <a:solidFill>
-                            <a:srgbClr val="000000"/>
-                          </a:solidFill>
-                          <a:effectLst/>
-                        </a:rPr>
-                        <a:t>0.12</a:t>
-                      </a:r>
-                      <a:endParaRPr lang="en-US" sz="2000" b="0" i="0" u="none" strike="noStrike">
-                        <a:solidFill>
-                          <a:srgbClr val="000000"/>
-                        </a:solidFill>
-                        <a:effectLst/>
-                        <a:latin typeface="Calibri" panose="020F0502020204030204" pitchFamily="34" charset="0"/>
-                      </a:endParaRPr>
-                    </a:p>
-                  </a:txBody>
-                  <a:tcPr marL="9525" marR="9525" marT="9525" marB="0" anchor="b"/>
-                </a:tc>
-                <a:tc>
-                  <a:txBody>
-                    <a:bodyPr/>
-                    <a:lstStyle/>
-                    <a:p>
-                      <a:pPr algn="ctr" fontAlgn="b"/>
-                      <a:r>
-                        <a:rPr lang="en-US" sz="2000" b="0" u="none" strike="noStrike">
-                          <a:solidFill>
-                            <a:srgbClr val="000000"/>
-                          </a:solidFill>
-                          <a:effectLst/>
-                        </a:rPr>
-                        <a:t>0.19</a:t>
-                      </a:r>
-                      <a:endParaRPr lang="en-US" sz="2000" b="0" i="0" u="none" strike="noStrike">
-                        <a:solidFill>
-                          <a:srgbClr val="000000"/>
-                        </a:solidFill>
-                        <a:effectLst/>
-                        <a:latin typeface="Calibri" panose="020F0502020204030204" pitchFamily="34" charset="0"/>
-                      </a:endParaRPr>
-                    </a:p>
-                  </a:txBody>
-                  <a:tcPr marL="9525" marR="9525" marT="9525" marB="0" anchor="b"/>
-                </a:tc>
-                <a:tc>
-                  <a:txBody>
-                    <a:bodyPr/>
-                    <a:lstStyle/>
-                    <a:p>
-                      <a:pPr algn="ctr" fontAlgn="b"/>
-                      <a:r>
-                        <a:rPr lang="en-US" sz="2000" b="0" u="none" strike="noStrike">
-                          <a:solidFill>
-                            <a:srgbClr val="000000"/>
-                          </a:solidFill>
-                          <a:effectLst/>
-                        </a:rPr>
-                        <a:t>0.28</a:t>
-                      </a:r>
-                      <a:endParaRPr lang="en-US" sz="2000" b="0" i="0" u="none" strike="noStrike">
-                        <a:solidFill>
-                          <a:srgbClr val="000000"/>
-                        </a:solidFill>
-                        <a:effectLst/>
-                        <a:latin typeface="Calibri" panose="020F0502020204030204" pitchFamily="34" charset="0"/>
-                      </a:endParaRPr>
-                    </a:p>
-                  </a:txBody>
-                  <a:tcPr marL="9525" marR="9525" marT="9525" marB="0" anchor="b"/>
-                </a:tc>
-                <a:tc>
-                  <a:txBody>
-                    <a:bodyPr/>
-                    <a:lstStyle/>
-                    <a:p>
-                      <a:pPr algn="ctr" fontAlgn="b"/>
-                      <a:r>
-                        <a:rPr lang="en-US" sz="2000" b="0" u="none" strike="noStrike">
-                          <a:solidFill>
-                            <a:srgbClr val="000000"/>
-                          </a:solidFill>
-                          <a:effectLst/>
-                        </a:rPr>
-                        <a:t>1.56</a:t>
-                      </a:r>
-                      <a:endParaRPr lang="en-US" sz="2000" b="0" i="0" u="none" strike="noStrike">
-                        <a:solidFill>
-                          <a:srgbClr val="000000"/>
-                        </a:solidFill>
-                        <a:effectLst/>
-                        <a:latin typeface="Calibri" panose="020F0502020204030204" pitchFamily="34" charset="0"/>
-                      </a:endParaRPr>
-                    </a:p>
-                  </a:txBody>
-                  <a:tcPr marL="9525" marR="9525" marT="9525" marB="0" anchor="b"/>
-                </a:tc>
-                <a:extLst>
-                  <a:ext uri="{0D108BD9-81ED-4DB2-BD59-A6C34878D82A}">
-                    <a16:rowId xmlns:a16="http://schemas.microsoft.com/office/drawing/2014/main" val="320755587"/>
-                  </a:ext>
-                </a:extLst>
-              </a:tr>
-              <a:tr h="370840">
-                <a:tc>
-                  <a:txBody>
-                    <a:bodyPr/>
-                    <a:lstStyle/>
-                    <a:p>
-                      <a:pPr algn="r" fontAlgn="b"/>
-                      <a:r>
-                        <a:rPr lang="en-US" sz="2000" b="0" u="none" strike="noStrike">
-                          <a:solidFill>
-                            <a:srgbClr val="000000"/>
-                          </a:solidFill>
-                          <a:effectLst/>
-                        </a:rPr>
-                        <a:t>Overall Trail Rating</a:t>
-                      </a:r>
-                      <a:endParaRPr lang="en-US" sz="2000" b="0" i="0" u="none" strike="noStrike">
-                        <a:solidFill>
-                          <a:srgbClr val="000000"/>
-                        </a:solidFill>
-                        <a:effectLst/>
-                        <a:latin typeface="Calibri" panose="020F0502020204030204" pitchFamily="34" charset="0"/>
-                      </a:endParaRPr>
-                    </a:p>
-                  </a:txBody>
-                  <a:tcPr marL="9525" marR="9525" marT="9525" marB="0" anchor="b"/>
-                </a:tc>
-                <a:tc>
-                  <a:txBody>
-                    <a:bodyPr/>
-                    <a:lstStyle/>
-                    <a:p>
-                      <a:pPr algn="ctr" fontAlgn="b"/>
-                      <a:r>
-                        <a:rPr lang="en-US" sz="2000" b="0" u="none" strike="noStrike">
-                          <a:solidFill>
-                            <a:srgbClr val="000000"/>
-                          </a:solidFill>
-                          <a:effectLst/>
-                        </a:rPr>
-                        <a:t>3307</a:t>
-                      </a:r>
-                      <a:endParaRPr lang="en-US" sz="2000" b="0" i="0" u="none" strike="noStrike">
-                        <a:solidFill>
-                          <a:srgbClr val="000000"/>
-                        </a:solidFill>
-                        <a:effectLst/>
-                        <a:latin typeface="Calibri" panose="020F0502020204030204" pitchFamily="34" charset="0"/>
-                      </a:endParaRPr>
-                    </a:p>
-                  </a:txBody>
-                  <a:tcPr marL="9525" marR="9525" marT="9525" marB="0" anchor="b"/>
-                </a:tc>
-                <a:tc>
-                  <a:txBody>
-                    <a:bodyPr/>
-                    <a:lstStyle/>
-                    <a:p>
-                      <a:pPr algn="ctr" fontAlgn="b"/>
-                      <a:r>
-                        <a:rPr lang="en-US" sz="2000" b="0" u="none" strike="noStrike">
-                          <a:solidFill>
-                            <a:srgbClr val="000000"/>
-                          </a:solidFill>
-                          <a:effectLst/>
-                        </a:rPr>
-                        <a:t>3.614696</a:t>
-                      </a:r>
-                      <a:endParaRPr lang="en-US" sz="2000" b="0" i="0" u="none" strike="noStrike">
-                        <a:solidFill>
-                          <a:srgbClr val="000000"/>
-                        </a:solidFill>
-                        <a:effectLst/>
-                        <a:latin typeface="Calibri" panose="020F0502020204030204" pitchFamily="34" charset="0"/>
-                      </a:endParaRPr>
-                    </a:p>
-                  </a:txBody>
-                  <a:tcPr marL="9525" marR="9525" marT="9525" marB="0" anchor="b"/>
-                </a:tc>
-                <a:tc>
-                  <a:txBody>
-                    <a:bodyPr/>
-                    <a:lstStyle/>
-                    <a:p>
-                      <a:pPr algn="ctr" fontAlgn="b"/>
-                      <a:r>
-                        <a:rPr lang="en-US" sz="2000" b="0" u="none" strike="noStrike" dirty="0">
-                          <a:solidFill>
-                            <a:srgbClr val="000000"/>
-                          </a:solidFill>
-                          <a:effectLst/>
-                        </a:rPr>
-                        <a:t>0.863918</a:t>
-                      </a:r>
-                      <a:endParaRPr lang="en-US" sz="2000" b="0" i="0" u="none" strike="noStrike" dirty="0">
-                        <a:solidFill>
-                          <a:srgbClr val="000000"/>
-                        </a:solidFill>
-                        <a:effectLst/>
-                        <a:latin typeface="Calibri" panose="020F0502020204030204" pitchFamily="34" charset="0"/>
-                      </a:endParaRPr>
-                    </a:p>
-                  </a:txBody>
-                  <a:tcPr marL="9525" marR="9525" marT="9525" marB="0" anchor="b"/>
-                </a:tc>
-                <a:tc>
-                  <a:txBody>
-                    <a:bodyPr/>
-                    <a:lstStyle/>
-                    <a:p>
-                      <a:pPr algn="ctr" fontAlgn="b"/>
-                      <a:r>
-                        <a:rPr lang="en-US" sz="2000" b="0" u="none" strike="noStrike" dirty="0">
-                          <a:solidFill>
-                            <a:srgbClr val="000000"/>
-                          </a:solidFill>
-                          <a:effectLst/>
-                        </a:rPr>
-                        <a:t>1</a:t>
-                      </a:r>
-                      <a:endParaRPr lang="en-US" sz="2000" b="0" i="0" u="none" strike="noStrike" dirty="0">
-                        <a:solidFill>
-                          <a:srgbClr val="000000"/>
-                        </a:solidFill>
-                        <a:effectLst/>
-                        <a:latin typeface="Calibri" panose="020F0502020204030204" pitchFamily="34" charset="0"/>
-                      </a:endParaRPr>
-                    </a:p>
-                  </a:txBody>
-                  <a:tcPr marL="9525" marR="9525" marT="9525" marB="0" anchor="b"/>
-                </a:tc>
-                <a:tc>
-                  <a:txBody>
-                    <a:bodyPr/>
-                    <a:lstStyle/>
-                    <a:p>
-                      <a:pPr algn="ctr" fontAlgn="b"/>
-                      <a:r>
-                        <a:rPr lang="en-US" sz="2000" b="0" u="none" strike="noStrike">
-                          <a:solidFill>
-                            <a:srgbClr val="000000"/>
-                          </a:solidFill>
-                          <a:effectLst/>
-                        </a:rPr>
-                        <a:t>3</a:t>
-                      </a:r>
-                      <a:endParaRPr lang="en-US" sz="2000" b="0" i="0" u="none" strike="noStrike">
-                        <a:solidFill>
-                          <a:srgbClr val="000000"/>
-                        </a:solidFill>
-                        <a:effectLst/>
-                        <a:latin typeface="Calibri" panose="020F0502020204030204" pitchFamily="34" charset="0"/>
-                      </a:endParaRPr>
-                    </a:p>
-                  </a:txBody>
-                  <a:tcPr marL="9525" marR="9525" marT="9525" marB="0" anchor="b"/>
-                </a:tc>
-                <a:tc>
-                  <a:txBody>
-                    <a:bodyPr/>
-                    <a:lstStyle/>
-                    <a:p>
-                      <a:pPr algn="ctr" fontAlgn="b"/>
-                      <a:r>
-                        <a:rPr lang="en-US" sz="2000" b="0" u="none" strike="noStrike">
-                          <a:solidFill>
-                            <a:srgbClr val="000000"/>
-                          </a:solidFill>
-                          <a:effectLst/>
-                        </a:rPr>
-                        <a:t>3.8</a:t>
-                      </a:r>
-                      <a:endParaRPr lang="en-US" sz="2000" b="0" i="0" u="none" strike="noStrike">
-                        <a:solidFill>
-                          <a:srgbClr val="000000"/>
-                        </a:solidFill>
-                        <a:effectLst/>
-                        <a:latin typeface="Calibri" panose="020F0502020204030204" pitchFamily="34" charset="0"/>
-                      </a:endParaRPr>
-                    </a:p>
-                  </a:txBody>
-                  <a:tcPr marL="9525" marR="9525" marT="9525" marB="0" anchor="b"/>
-                </a:tc>
-                <a:tc>
-                  <a:txBody>
-                    <a:bodyPr/>
-                    <a:lstStyle/>
-                    <a:p>
-                      <a:pPr algn="ctr" fontAlgn="b"/>
-                      <a:r>
-                        <a:rPr lang="en-US" sz="2000" b="0" u="none" strike="noStrike">
-                          <a:solidFill>
-                            <a:srgbClr val="000000"/>
-                          </a:solidFill>
-                          <a:effectLst/>
-                        </a:rPr>
-                        <a:t>4.1</a:t>
-                      </a:r>
-                      <a:endParaRPr lang="en-US" sz="2000" b="0" i="0" u="none" strike="noStrike">
-                        <a:solidFill>
-                          <a:srgbClr val="000000"/>
-                        </a:solidFill>
-                        <a:effectLst/>
-                        <a:latin typeface="Calibri" panose="020F0502020204030204" pitchFamily="34" charset="0"/>
-                      </a:endParaRPr>
-                    </a:p>
-                  </a:txBody>
-                  <a:tcPr marL="9525" marR="9525" marT="9525" marB="0" anchor="b"/>
-                </a:tc>
-                <a:tc>
-                  <a:txBody>
-                    <a:bodyPr/>
-                    <a:lstStyle/>
-                    <a:p>
-                      <a:pPr algn="ctr" fontAlgn="b"/>
-                      <a:r>
-                        <a:rPr lang="en-US" sz="2000" b="0" u="none" strike="noStrike">
-                          <a:solidFill>
-                            <a:srgbClr val="000000"/>
-                          </a:solidFill>
-                          <a:effectLst/>
-                        </a:rPr>
-                        <a:t>5</a:t>
-                      </a:r>
-                      <a:endParaRPr lang="en-US" sz="2000" b="0" i="0" u="none" strike="noStrike">
-                        <a:solidFill>
-                          <a:srgbClr val="000000"/>
-                        </a:solidFill>
-                        <a:effectLst/>
-                        <a:latin typeface="Calibri" panose="020F0502020204030204" pitchFamily="34" charset="0"/>
-                      </a:endParaRPr>
-                    </a:p>
-                  </a:txBody>
-                  <a:tcPr marL="9525" marR="9525" marT="9525" marB="0" anchor="b"/>
-                </a:tc>
-                <a:extLst>
-                  <a:ext uri="{0D108BD9-81ED-4DB2-BD59-A6C34878D82A}">
-                    <a16:rowId xmlns:a16="http://schemas.microsoft.com/office/drawing/2014/main" val="36061806"/>
-                  </a:ext>
-                </a:extLst>
-              </a:tr>
-              <a:tr h="370840">
-                <a:tc>
-                  <a:txBody>
-                    <a:bodyPr/>
-                    <a:lstStyle/>
-                    <a:p>
-                      <a:pPr algn="r" fontAlgn="b"/>
-                      <a:r>
-                        <a:rPr lang="en-US" sz="2000" b="0" u="none" strike="noStrike" dirty="0">
-                          <a:solidFill>
-                            <a:srgbClr val="000000"/>
-                          </a:solidFill>
-                          <a:effectLst/>
-                        </a:rPr>
-                        <a:t>Total User Reviews</a:t>
-                      </a:r>
-                      <a:endParaRPr lang="en-US" sz="2000" b="0" i="0" u="none" strike="noStrike" dirty="0">
-                        <a:solidFill>
-                          <a:srgbClr val="000000"/>
-                        </a:solidFill>
-                        <a:effectLst/>
-                        <a:latin typeface="Calibri" panose="020F0502020204030204" pitchFamily="34" charset="0"/>
-                      </a:endParaRPr>
-                    </a:p>
-                  </a:txBody>
-                  <a:tcPr marL="9525" marR="9525" marT="9525" marB="0" anchor="b"/>
-                </a:tc>
-                <a:tc>
-                  <a:txBody>
-                    <a:bodyPr/>
-                    <a:lstStyle/>
-                    <a:p>
-                      <a:pPr algn="ctr" fontAlgn="b"/>
-                      <a:r>
-                        <a:rPr lang="en-US" sz="2000" b="0" u="none" strike="noStrike">
-                          <a:solidFill>
-                            <a:srgbClr val="000000"/>
-                          </a:solidFill>
-                          <a:effectLst/>
-                        </a:rPr>
-                        <a:t>3307</a:t>
-                      </a:r>
-                      <a:endParaRPr lang="en-US" sz="2000" b="0" i="0" u="none" strike="noStrike">
-                        <a:solidFill>
-                          <a:srgbClr val="000000"/>
-                        </a:solidFill>
-                        <a:effectLst/>
-                        <a:latin typeface="Calibri" panose="020F0502020204030204" pitchFamily="34" charset="0"/>
-                      </a:endParaRPr>
-                    </a:p>
-                  </a:txBody>
-                  <a:tcPr marL="9525" marR="9525" marT="9525" marB="0" anchor="b"/>
-                </a:tc>
-                <a:tc>
-                  <a:txBody>
-                    <a:bodyPr/>
-                    <a:lstStyle/>
-                    <a:p>
-                      <a:pPr algn="ctr" fontAlgn="b"/>
-                      <a:r>
-                        <a:rPr lang="en-US" sz="2000" b="0" u="none" strike="noStrike">
-                          <a:solidFill>
-                            <a:srgbClr val="000000"/>
-                          </a:solidFill>
-                          <a:effectLst/>
-                        </a:rPr>
-                        <a:t>3.680677</a:t>
-                      </a:r>
-                      <a:endParaRPr lang="en-US" sz="2000" b="0" i="0" u="none" strike="noStrike">
-                        <a:solidFill>
-                          <a:srgbClr val="000000"/>
-                        </a:solidFill>
-                        <a:effectLst/>
-                        <a:latin typeface="Calibri" panose="020F0502020204030204" pitchFamily="34" charset="0"/>
-                      </a:endParaRPr>
-                    </a:p>
-                  </a:txBody>
-                  <a:tcPr marL="9525" marR="9525" marT="9525" marB="0" anchor="b"/>
-                </a:tc>
-                <a:tc>
-                  <a:txBody>
-                    <a:bodyPr/>
-                    <a:lstStyle/>
-                    <a:p>
-                      <a:pPr algn="ctr" fontAlgn="b"/>
-                      <a:r>
-                        <a:rPr lang="en-US" sz="2000" b="0" u="none" strike="noStrike">
-                          <a:solidFill>
-                            <a:srgbClr val="000000"/>
-                          </a:solidFill>
-                          <a:effectLst/>
-                        </a:rPr>
-                        <a:t>6.024722</a:t>
-                      </a:r>
-                      <a:endParaRPr lang="en-US" sz="2000" b="0" i="0" u="none" strike="noStrike">
-                        <a:solidFill>
-                          <a:srgbClr val="000000"/>
-                        </a:solidFill>
-                        <a:effectLst/>
-                        <a:latin typeface="Calibri" panose="020F0502020204030204" pitchFamily="34" charset="0"/>
-                      </a:endParaRPr>
-                    </a:p>
-                  </a:txBody>
-                  <a:tcPr marL="9525" marR="9525" marT="9525" marB="0" anchor="b"/>
-                </a:tc>
-                <a:tc>
-                  <a:txBody>
-                    <a:bodyPr/>
-                    <a:lstStyle/>
-                    <a:p>
-                      <a:pPr algn="ctr" fontAlgn="b"/>
-                      <a:r>
-                        <a:rPr lang="en-US" sz="2000" b="0" u="none" strike="noStrike">
-                          <a:solidFill>
-                            <a:srgbClr val="000000"/>
-                          </a:solidFill>
-                          <a:effectLst/>
-                        </a:rPr>
-                        <a:t>1</a:t>
-                      </a:r>
-                      <a:endParaRPr lang="en-US" sz="2000" b="0" i="0" u="none" strike="noStrike">
-                        <a:solidFill>
-                          <a:srgbClr val="000000"/>
-                        </a:solidFill>
-                        <a:effectLst/>
-                        <a:latin typeface="Calibri" panose="020F0502020204030204" pitchFamily="34" charset="0"/>
-                      </a:endParaRPr>
-                    </a:p>
-                  </a:txBody>
-                  <a:tcPr marL="9525" marR="9525" marT="9525" marB="0" anchor="b"/>
-                </a:tc>
-                <a:tc>
-                  <a:txBody>
-                    <a:bodyPr/>
-                    <a:lstStyle/>
-                    <a:p>
-                      <a:pPr algn="ctr" fontAlgn="b"/>
-                      <a:r>
-                        <a:rPr lang="en-US" sz="2000" b="0" u="none" strike="noStrike" dirty="0">
-                          <a:solidFill>
-                            <a:srgbClr val="000000"/>
-                          </a:solidFill>
-                          <a:effectLst/>
-                        </a:rPr>
-                        <a:t>1</a:t>
-                      </a:r>
-                      <a:endParaRPr lang="en-US" sz="2000" b="0" i="0" u="none" strike="noStrike" dirty="0">
-                        <a:solidFill>
-                          <a:srgbClr val="000000"/>
-                        </a:solidFill>
-                        <a:effectLst/>
-                        <a:latin typeface="Calibri" panose="020F0502020204030204" pitchFamily="34" charset="0"/>
-                      </a:endParaRPr>
-                    </a:p>
-                  </a:txBody>
-                  <a:tcPr marL="9525" marR="9525" marT="9525" marB="0" anchor="b"/>
-                </a:tc>
-                <a:tc>
-                  <a:txBody>
-                    <a:bodyPr/>
-                    <a:lstStyle/>
-                    <a:p>
-                      <a:pPr algn="ctr" fontAlgn="b"/>
-                      <a:r>
-                        <a:rPr lang="en-US" sz="2000" b="0" u="none" strike="noStrike" dirty="0">
-                          <a:solidFill>
-                            <a:srgbClr val="000000"/>
-                          </a:solidFill>
-                          <a:effectLst/>
-                        </a:rPr>
-                        <a:t>2</a:t>
-                      </a:r>
-                      <a:endParaRPr lang="en-US" sz="2000" b="0" i="0" u="none" strike="noStrike" dirty="0">
-                        <a:solidFill>
-                          <a:srgbClr val="000000"/>
-                        </a:solidFill>
-                        <a:effectLst/>
-                        <a:latin typeface="Calibri" panose="020F0502020204030204" pitchFamily="34" charset="0"/>
-                      </a:endParaRPr>
-                    </a:p>
-                  </a:txBody>
-                  <a:tcPr marL="9525" marR="9525" marT="9525" marB="0" anchor="b"/>
-                </a:tc>
-                <a:tc>
-                  <a:txBody>
-                    <a:bodyPr/>
-                    <a:lstStyle/>
-                    <a:p>
-                      <a:pPr algn="ctr" fontAlgn="b"/>
-                      <a:r>
-                        <a:rPr lang="en-US" sz="2000" b="0" u="none" strike="noStrike" dirty="0">
-                          <a:solidFill>
-                            <a:srgbClr val="000000"/>
-                          </a:solidFill>
-                          <a:effectLst/>
-                        </a:rPr>
-                        <a:t>4</a:t>
-                      </a:r>
-                      <a:endParaRPr lang="en-US" sz="2000" b="0" i="0" u="none" strike="noStrike" dirty="0">
-                        <a:solidFill>
-                          <a:srgbClr val="000000"/>
-                        </a:solidFill>
-                        <a:effectLst/>
-                        <a:latin typeface="Calibri" panose="020F0502020204030204" pitchFamily="34" charset="0"/>
-                      </a:endParaRPr>
-                    </a:p>
-                  </a:txBody>
-                  <a:tcPr marL="9525" marR="9525" marT="9525" marB="0" anchor="b"/>
-                </a:tc>
-                <a:tc>
-                  <a:txBody>
-                    <a:bodyPr/>
-                    <a:lstStyle/>
-                    <a:p>
-                      <a:pPr algn="ctr" fontAlgn="b"/>
-                      <a:r>
-                        <a:rPr lang="en-US" sz="2000" b="0" u="none" strike="noStrike" dirty="0">
-                          <a:solidFill>
-                            <a:srgbClr val="000000"/>
-                          </a:solidFill>
-                          <a:effectLst/>
-                        </a:rPr>
-                        <a:t>107</a:t>
-                      </a:r>
-                      <a:endParaRPr lang="en-US" sz="2000" b="0" i="0" u="none" strike="noStrike" dirty="0">
-                        <a:solidFill>
-                          <a:srgbClr val="000000"/>
-                        </a:solidFill>
-                        <a:effectLst/>
-                        <a:latin typeface="Calibri" panose="020F0502020204030204" pitchFamily="34" charset="0"/>
-                      </a:endParaRPr>
-                    </a:p>
-                  </a:txBody>
-                  <a:tcPr marL="9525" marR="9525" marT="9525" marB="0" anchor="b"/>
-                </a:tc>
-                <a:extLst>
-                  <a:ext uri="{0D108BD9-81ED-4DB2-BD59-A6C34878D82A}">
-                    <a16:rowId xmlns:a16="http://schemas.microsoft.com/office/drawing/2014/main" val="1778274956"/>
-                  </a:ext>
-                </a:extLst>
-              </a:tr>
-            </a:tbl>
-          </a:graphicData>
-        </a:graphic>
-      </p:graphicFrame>
+          <p:cNvCxnSpPr>
+            <a:cxnSpLocks/>
+          </p:cNvCxnSpPr>
+          <p:nvPr/>
+        </p:nvCxnSpPr>
+        <p:spPr>
+          <a:xfrm>
+            <a:off x="11150611" y="2987126"/>
+            <a:ext cx="356100" cy="1210522"/>
+          </a:xfrm>
+          <a:prstGeom prst="bentConnector2">
+            <a:avLst/>
+          </a:prstGeom>
+          <a:ln w="9525" cmpd="sng">
+            <a:solidFill>
+              <a:schemeClr val="accent1"/>
+            </a:solidFill>
+            <a:headEnd w="lg" len="lg"/>
+            <a:tailEnd type="none"/>
+          </a:ln>
+        </p:spPr>
+        <p:style>
+          <a:lnRef idx="1">
+            <a:schemeClr val="accent1"/>
+          </a:lnRef>
+          <a:fillRef idx="0">
+            <a:schemeClr val="accent1"/>
+          </a:fillRef>
+          <a:effectRef idx="0">
+            <a:schemeClr val="accent1"/>
+          </a:effectRef>
+          <a:fontRef idx="minor">
+            <a:schemeClr val="tx1"/>
+          </a:fontRef>
+        </p:style>
+      </p:cxnSp>
+      <p:cxnSp>
+        <p:nvCxnSpPr>
+          <p:cNvPr id="19" name="Elbow Connector 18">
+            <a:extLst>
+              <a:ext uri="{FF2B5EF4-FFF2-40B4-BE49-F238E27FC236}">
+                <a16:creationId xmlns:a16="http://schemas.microsoft.com/office/drawing/2014/main" id="{CC8BC4EC-119F-75D9-480A-5069AD220A60}"/>
+              </a:ext>
+            </a:extLst>
+          </p:cNvPr>
+          <p:cNvCxnSpPr>
+            <a:cxnSpLocks/>
+          </p:cNvCxnSpPr>
+          <p:nvPr/>
+        </p:nvCxnSpPr>
+        <p:spPr>
+          <a:xfrm rot="16200000" flipH="1">
+            <a:off x="966265" y="4654932"/>
+            <a:ext cx="1270566" cy="429212"/>
+          </a:xfrm>
+          <a:prstGeom prst="bentConnector2">
+            <a:avLst/>
+          </a:prstGeom>
+          <a:ln w="9525">
+            <a:tailEnd type="triangle"/>
+          </a:ln>
+        </p:spPr>
+        <p:style>
+          <a:lnRef idx="1">
+            <a:schemeClr val="accent1"/>
+          </a:lnRef>
+          <a:fillRef idx="0">
+            <a:schemeClr val="accent1"/>
+          </a:fillRef>
+          <a:effectRef idx="0">
+            <a:schemeClr val="accent1"/>
+          </a:effectRef>
+          <a:fontRef idx="minor">
+            <a:schemeClr val="tx1"/>
+          </a:fontRef>
+        </p:style>
+      </p:cxnSp>
+      <p:cxnSp>
+        <p:nvCxnSpPr>
+          <p:cNvPr id="24" name="Straight Arrow Connector 23">
+            <a:extLst>
+              <a:ext uri="{FF2B5EF4-FFF2-40B4-BE49-F238E27FC236}">
+                <a16:creationId xmlns:a16="http://schemas.microsoft.com/office/drawing/2014/main" id="{115DA80B-2220-7300-58AD-5F45E1A778B2}"/>
+              </a:ext>
+            </a:extLst>
+          </p:cNvPr>
+          <p:cNvCxnSpPr>
+            <a:cxnSpLocks/>
+          </p:cNvCxnSpPr>
+          <p:nvPr/>
+        </p:nvCxnSpPr>
+        <p:spPr>
+          <a:xfrm flipH="1">
+            <a:off x="1386942" y="4197648"/>
+            <a:ext cx="10119769" cy="36607"/>
+          </a:xfrm>
+          <a:prstGeom prst="straightConnector1">
+            <a:avLst/>
+          </a:prstGeom>
+          <a:ln w="9525">
+            <a:tailEnd type="none"/>
+          </a:ln>
+        </p:spPr>
+        <p:style>
+          <a:lnRef idx="1">
+            <a:schemeClr val="accent1"/>
+          </a:lnRef>
+          <a:fillRef idx="0">
+            <a:schemeClr val="accent1"/>
+          </a:fillRef>
+          <a:effectRef idx="0">
+            <a:schemeClr val="accent1"/>
+          </a:effectRef>
+          <a:fontRef idx="minor">
+            <a:schemeClr val="tx1"/>
+          </a:fontRef>
+        </p:style>
+      </p:cxnSp>
+      <p:pic>
+        <p:nvPicPr>
+          <p:cNvPr id="30" name="Picture 29" descr="Table&#10;&#10;Description automatically generated">
+            <a:extLst>
+              <a:ext uri="{FF2B5EF4-FFF2-40B4-BE49-F238E27FC236}">
+                <a16:creationId xmlns:a16="http://schemas.microsoft.com/office/drawing/2014/main" id="{78F4C285-3A84-6757-C206-B549FF59CA82}"/>
+              </a:ext>
+            </a:extLst>
+          </p:cNvPr>
+          <p:cNvPicPr>
+            <a:picLocks noChangeAspect="1"/>
+          </p:cNvPicPr>
+          <p:nvPr/>
+        </p:nvPicPr>
+        <p:blipFill>
+          <a:blip r:embed="rId2"/>
+          <a:stretch>
+            <a:fillRect/>
+          </a:stretch>
+        </p:blipFill>
+        <p:spPr>
+          <a:xfrm>
+            <a:off x="282297" y="2072850"/>
+            <a:ext cx="10868313" cy="1995923"/>
+          </a:xfrm>
+          <a:prstGeom prst="rect">
+            <a:avLst/>
+          </a:prstGeom>
+        </p:spPr>
+      </p:pic>
+      <p:pic>
+        <p:nvPicPr>
+          <p:cNvPr id="32" name="Picture 31" descr="A screenshot of a computer&#10;&#10;Description automatically generated with low confidence">
+            <a:extLst>
+              <a:ext uri="{FF2B5EF4-FFF2-40B4-BE49-F238E27FC236}">
+                <a16:creationId xmlns:a16="http://schemas.microsoft.com/office/drawing/2014/main" id="{7E7E861F-D35D-3F59-C984-04C81FCCBA9C}"/>
+              </a:ext>
+            </a:extLst>
+          </p:cNvPr>
+          <p:cNvPicPr>
+            <a:picLocks noChangeAspect="1"/>
+          </p:cNvPicPr>
+          <p:nvPr/>
+        </p:nvPicPr>
+        <p:blipFill>
+          <a:blip r:embed="rId3"/>
+          <a:stretch>
+            <a:fillRect/>
+          </a:stretch>
+        </p:blipFill>
+        <p:spPr>
+          <a:xfrm>
+            <a:off x="1816154" y="4352218"/>
+            <a:ext cx="9978992" cy="2152948"/>
+          </a:xfrm>
+          <a:prstGeom prst="rect">
+            <a:avLst/>
+          </a:prstGeom>
+        </p:spPr>
+      </p:pic>
     </p:spTree>
     <p:extLst>
       <p:ext uri="{BB962C8B-B14F-4D97-AF65-F5344CB8AC3E}">
-        <p14:creationId xmlns:p14="http://schemas.microsoft.com/office/powerpoint/2010/main" val="4168852043"/>
+        <p14:creationId xmlns:p14="http://schemas.microsoft.com/office/powerpoint/2010/main" val="27342592"/>
       </p:ext>
     </p:extLst>
   </p:cSld>

--- a/HikingPresentation.pptx
+++ b/HikingPresentation.pptx
@@ -14,11 +14,13 @@
     <p:sldId id="259" r:id="rId8"/>
     <p:sldId id="266" r:id="rId9"/>
     <p:sldId id="265" r:id="rId10"/>
-    <p:sldId id="261" r:id="rId11"/>
-    <p:sldId id="267" r:id="rId12"/>
-    <p:sldId id="268" r:id="rId13"/>
-    <p:sldId id="269" r:id="rId14"/>
-    <p:sldId id="262" r:id="rId15"/>
+    <p:sldId id="272" r:id="rId11"/>
+    <p:sldId id="261" r:id="rId12"/>
+    <p:sldId id="267" r:id="rId13"/>
+    <p:sldId id="268" r:id="rId14"/>
+    <p:sldId id="271" r:id="rId15"/>
+    <p:sldId id="269" r:id="rId16"/>
+    <p:sldId id="262" r:id="rId17"/>
   </p:sldIdLst>
   <p:sldSz cx="12192000" cy="6858000"/>
   <p:notesSz cx="6858000" cy="9144000"/>
@@ -3614,7 +3616,7 @@
           <a:p>
             <a:fld id="{72345051-2045-45DA-935E-2E3CA1A69ADC}" type="datetimeFigureOut">
               <a:rPr lang="en-US" smtClean="0"/>
-              <a:t>3/4/23</a:t>
+              <a:t>3/6/23</a:t>
             </a:fld>
             <a:endParaRPr lang="en-US" dirty="0"/>
           </a:p>
@@ -3812,7 +3814,7 @@
           <a:p>
             <a:fld id="{72345051-2045-45DA-935E-2E3CA1A69ADC}" type="datetimeFigureOut">
               <a:rPr lang="en-US" smtClean="0"/>
-              <a:t>3/4/23</a:t>
+              <a:t>3/6/23</a:t>
             </a:fld>
             <a:endParaRPr lang="en-US"/>
           </a:p>
@@ -4020,7 +4022,7 @@
           <a:p>
             <a:fld id="{72345051-2045-45DA-935E-2E3CA1A69ADC}" type="datetimeFigureOut">
               <a:rPr lang="en-US" smtClean="0"/>
-              <a:t>3/4/23</a:t>
+              <a:t>3/6/23</a:t>
             </a:fld>
             <a:endParaRPr lang="en-US"/>
           </a:p>
@@ -4242,7 +4244,7 @@
           <a:p>
             <a:fld id="{72345051-2045-45DA-935E-2E3CA1A69ADC}" type="datetimeFigureOut">
               <a:rPr lang="en-US" smtClean="0"/>
-              <a:t>3/4/23</a:t>
+              <a:t>3/6/23</a:t>
             </a:fld>
             <a:endParaRPr lang="en-US"/>
           </a:p>
@@ -5153,7 +5155,7 @@
           <a:p>
             <a:fld id="{72345051-2045-45DA-935E-2E3CA1A69ADC}" type="datetimeFigureOut">
               <a:rPr lang="en-US" smtClean="0"/>
-              <a:t>3/4/23</a:t>
+              <a:t>3/6/23</a:t>
             </a:fld>
             <a:endParaRPr lang="en-US"/>
           </a:p>
@@ -5756,7 +5758,7 @@
           <a:p>
             <a:fld id="{72345051-2045-45DA-935E-2E3CA1A69ADC}" type="datetimeFigureOut">
               <a:rPr lang="en-US" smtClean="0"/>
-              <a:t>3/4/23</a:t>
+              <a:t>3/6/23</a:t>
             </a:fld>
             <a:endParaRPr lang="en-US"/>
           </a:p>
@@ -6804,7 +6806,7 @@
           <a:p>
             <a:fld id="{72345051-2045-45DA-935E-2E3CA1A69ADC}" type="datetimeFigureOut">
               <a:rPr lang="en-US" smtClean="0"/>
-              <a:t>3/4/23</a:t>
+              <a:t>3/6/23</a:t>
             </a:fld>
             <a:endParaRPr lang="en-US"/>
           </a:p>
@@ -7588,7 +7590,7 @@
           <a:p>
             <a:fld id="{72345051-2045-45DA-935E-2E3CA1A69ADC}" type="datetimeFigureOut">
               <a:rPr lang="en-US" smtClean="0"/>
-              <a:t>3/4/23</a:t>
+              <a:t>3/6/23</a:t>
             </a:fld>
             <a:endParaRPr lang="en-US"/>
           </a:p>
@@ -8037,7 +8039,7 @@
           <a:p>
             <a:fld id="{72345051-2045-45DA-935E-2E3CA1A69ADC}" type="datetimeFigureOut">
               <a:rPr lang="en-US" smtClean="0"/>
-              <a:t>3/4/23</a:t>
+              <a:t>3/6/23</a:t>
             </a:fld>
             <a:endParaRPr lang="en-US"/>
           </a:p>
@@ -8354,7 +8356,7 @@
           <a:p>
             <a:fld id="{72345051-2045-45DA-935E-2E3CA1A69ADC}" type="datetimeFigureOut">
               <a:rPr lang="en-US" smtClean="0"/>
-              <a:t>3/4/23</a:t>
+              <a:t>3/6/23</a:t>
             </a:fld>
             <a:endParaRPr lang="en-US"/>
           </a:p>
@@ -8982,7 +8984,7 @@
           <a:p>
             <a:fld id="{72345051-2045-45DA-935E-2E3CA1A69ADC}" type="datetimeFigureOut">
               <a:rPr lang="en-US" smtClean="0"/>
-              <a:t>3/4/23</a:t>
+              <a:t>3/6/23</a:t>
             </a:fld>
             <a:endParaRPr lang="en-US"/>
           </a:p>
@@ -9555,7 +9557,7 @@
           <a:p>
             <a:fld id="{72345051-2045-45DA-935E-2E3CA1A69ADC}" type="datetimeFigureOut">
               <a:rPr lang="en-US" smtClean="0"/>
-              <a:t>3/4/23</a:t>
+              <a:t>3/6/23</a:t>
             </a:fld>
             <a:endParaRPr lang="en-US" dirty="0"/>
           </a:p>
@@ -10650,6 +10652,2928 @@
           <p:cNvPr id="2" name="Title 1">
             <a:extLst>
               <a:ext uri="{FF2B5EF4-FFF2-40B4-BE49-F238E27FC236}">
+                <a16:creationId xmlns:a16="http://schemas.microsoft.com/office/drawing/2014/main" id="{12A93785-E1A5-5AEB-58E6-75805EB4561E}"/>
+              </a:ext>
+            </a:extLst>
+          </p:cNvPr>
+          <p:cNvSpPr>
+            <a:spLocks noGrp="1"/>
+          </p:cNvSpPr>
+          <p:nvPr>
+            <p:ph type="title"/>
+          </p:nvPr>
+        </p:nvSpPr>
+        <p:spPr/>
+        <p:txBody>
+          <a:bodyPr/>
+          <a:lstStyle/>
+          <a:p>
+            <a:r>
+              <a:rPr lang="en-US" dirty="0"/>
+              <a:t>Summary Statistics on Table</a:t>
+            </a:r>
+          </a:p>
+        </p:txBody>
+      </p:sp>
+      <p:graphicFrame>
+        <p:nvGraphicFramePr>
+          <p:cNvPr id="4" name="Table 4">
+            <a:extLst>
+              <a:ext uri="{FF2B5EF4-FFF2-40B4-BE49-F238E27FC236}">
+                <a16:creationId xmlns:a16="http://schemas.microsoft.com/office/drawing/2014/main" id="{06CC692A-FD28-1071-6A5C-174634881E15}"/>
+              </a:ext>
+            </a:extLst>
+          </p:cNvPr>
+          <p:cNvGraphicFramePr>
+            <a:graphicFrameLocks noGrp="1"/>
+          </p:cNvGraphicFramePr>
+          <p:nvPr>
+            <p:ph idx="1"/>
+            <p:extLst>
+              <p:ext uri="{D42A27DB-BD31-4B8C-83A1-F6EECF244321}">
+                <p14:modId xmlns:p14="http://schemas.microsoft.com/office/powerpoint/2010/main" val="2971693337"/>
+              </p:ext>
+            </p:extLst>
+          </p:nvPr>
+        </p:nvGraphicFramePr>
+        <p:xfrm>
+          <a:off x="1688116" y="2010930"/>
+          <a:ext cx="8815768" cy="4481945"/>
+        </p:xfrm>
+        <a:graphic>
+          <a:graphicData uri="http://schemas.openxmlformats.org/drawingml/2006/table">
+            <a:tbl>
+              <a:tblPr firstRow="1" bandRow="1">
+                <a:tableStyleId>{5C22544A-7EE6-4342-B048-85BDC9FD1C3A}</a:tableStyleId>
+              </a:tblPr>
+              <a:tblGrid>
+                <a:gridCol w="1500568">
+                  <a:extLst>
+                    <a:ext uri="{9D8B030D-6E8A-4147-A177-3AD203B41FA5}">
+                      <a16:colId xmlns:a16="http://schemas.microsoft.com/office/drawing/2014/main" val="2320317033"/>
+                    </a:ext>
+                  </a:extLst>
+                </a:gridCol>
+                <a:gridCol w="914400">
+                  <a:extLst>
+                    <a:ext uri="{9D8B030D-6E8A-4147-A177-3AD203B41FA5}">
+                      <a16:colId xmlns:a16="http://schemas.microsoft.com/office/drawing/2014/main" val="2147597659"/>
+                    </a:ext>
+                  </a:extLst>
+                </a:gridCol>
+                <a:gridCol w="914400">
+                  <a:extLst>
+                    <a:ext uri="{9D8B030D-6E8A-4147-A177-3AD203B41FA5}">
+                      <a16:colId xmlns:a16="http://schemas.microsoft.com/office/drawing/2014/main" val="3513205590"/>
+                    </a:ext>
+                  </a:extLst>
+                </a:gridCol>
+                <a:gridCol w="914400">
+                  <a:extLst>
+                    <a:ext uri="{9D8B030D-6E8A-4147-A177-3AD203B41FA5}">
+                      <a16:colId xmlns:a16="http://schemas.microsoft.com/office/drawing/2014/main" val="2528330030"/>
+                    </a:ext>
+                  </a:extLst>
+                </a:gridCol>
+                <a:gridCol w="914400">
+                  <a:extLst>
+                    <a:ext uri="{9D8B030D-6E8A-4147-A177-3AD203B41FA5}">
+                      <a16:colId xmlns:a16="http://schemas.microsoft.com/office/drawing/2014/main" val="2219264291"/>
+                    </a:ext>
+                  </a:extLst>
+                </a:gridCol>
+                <a:gridCol w="914400">
+                  <a:extLst>
+                    <a:ext uri="{9D8B030D-6E8A-4147-A177-3AD203B41FA5}">
+                      <a16:colId xmlns:a16="http://schemas.microsoft.com/office/drawing/2014/main" val="638211819"/>
+                    </a:ext>
+                  </a:extLst>
+                </a:gridCol>
+                <a:gridCol w="914400">
+                  <a:extLst>
+                    <a:ext uri="{9D8B030D-6E8A-4147-A177-3AD203B41FA5}">
+                      <a16:colId xmlns:a16="http://schemas.microsoft.com/office/drawing/2014/main" val="2593746360"/>
+                    </a:ext>
+                  </a:extLst>
+                </a:gridCol>
+                <a:gridCol w="914400">
+                  <a:extLst>
+                    <a:ext uri="{9D8B030D-6E8A-4147-A177-3AD203B41FA5}">
+                      <a16:colId xmlns:a16="http://schemas.microsoft.com/office/drawing/2014/main" val="3509720564"/>
+                    </a:ext>
+                  </a:extLst>
+                </a:gridCol>
+                <a:gridCol w="914400">
+                  <a:extLst>
+                    <a:ext uri="{9D8B030D-6E8A-4147-A177-3AD203B41FA5}">
+                      <a16:colId xmlns:a16="http://schemas.microsoft.com/office/drawing/2014/main" val="1919167678"/>
+                    </a:ext>
+                  </a:extLst>
+                </a:gridCol>
+              </a:tblGrid>
+              <a:tr h="519545">
+                <a:tc>
+                  <a:txBody>
+                    <a:bodyPr/>
+                    <a:lstStyle/>
+                    <a:p>
+                      <a:pPr algn="r" fontAlgn="b">
+                        <a:spcBef>
+                          <a:spcPts val="600"/>
+                        </a:spcBef>
+                        <a:spcAft>
+                          <a:spcPts val="600"/>
+                        </a:spcAft>
+                      </a:pPr>
+                      <a:r>
+                        <a:rPr lang="en-US" sz="2400" b="1" i="0" u="none" strike="noStrike" dirty="0">
+                          <a:solidFill>
+                            <a:srgbClr val="000000"/>
+                          </a:solidFill>
+                          <a:effectLst/>
+                          <a:latin typeface="+mn-lt"/>
+                        </a:rPr>
+                        <a:t>Trail Characteristic</a:t>
+                      </a:r>
+                    </a:p>
+                  </a:txBody>
+                  <a:tcPr anchor="b"/>
+                </a:tc>
+                <a:tc>
+                  <a:txBody>
+                    <a:bodyPr/>
+                    <a:lstStyle/>
+                    <a:p>
+                      <a:pPr algn="ctr" fontAlgn="b">
+                        <a:spcBef>
+                          <a:spcPts val="600"/>
+                        </a:spcBef>
+                        <a:spcAft>
+                          <a:spcPts val="600"/>
+                        </a:spcAft>
+                      </a:pPr>
+                      <a:r>
+                        <a:rPr lang="en-US" sz="2400" b="1" i="0" u="none" strike="noStrike" dirty="0">
+                          <a:solidFill>
+                            <a:srgbClr val="000000"/>
+                          </a:solidFill>
+                          <a:effectLst/>
+                          <a:latin typeface="+mn-lt"/>
+                        </a:rPr>
+                        <a:t>Count</a:t>
+                      </a:r>
+                    </a:p>
+                  </a:txBody>
+                  <a:tcPr anchor="b"/>
+                </a:tc>
+                <a:tc>
+                  <a:txBody>
+                    <a:bodyPr/>
+                    <a:lstStyle/>
+                    <a:p>
+                      <a:pPr algn="ctr" fontAlgn="b">
+                        <a:spcBef>
+                          <a:spcPts val="600"/>
+                        </a:spcBef>
+                        <a:spcAft>
+                          <a:spcPts val="600"/>
+                        </a:spcAft>
+                      </a:pPr>
+                      <a:r>
+                        <a:rPr lang="en-US" sz="2400" b="1" i="0" u="none" strike="noStrike" dirty="0">
+                          <a:solidFill>
+                            <a:srgbClr val="000000"/>
+                          </a:solidFill>
+                          <a:effectLst/>
+                          <a:latin typeface="+mn-lt"/>
+                        </a:rPr>
+                        <a:t>Mean</a:t>
+                      </a:r>
+                    </a:p>
+                  </a:txBody>
+                  <a:tcPr anchor="b"/>
+                </a:tc>
+                <a:tc>
+                  <a:txBody>
+                    <a:bodyPr/>
+                    <a:lstStyle/>
+                    <a:p>
+                      <a:pPr algn="ctr" fontAlgn="b">
+                        <a:spcBef>
+                          <a:spcPts val="600"/>
+                        </a:spcBef>
+                        <a:spcAft>
+                          <a:spcPts val="600"/>
+                        </a:spcAft>
+                      </a:pPr>
+                      <a:r>
+                        <a:rPr lang="en-US" sz="2400" b="1" i="0" u="none" strike="noStrike" dirty="0">
+                          <a:solidFill>
+                            <a:srgbClr val="000000"/>
+                          </a:solidFill>
+                          <a:effectLst/>
+                          <a:latin typeface="+mn-lt"/>
+                        </a:rPr>
+                        <a:t>Std</a:t>
+                      </a:r>
+                    </a:p>
+                  </a:txBody>
+                  <a:tcPr anchor="b"/>
+                </a:tc>
+                <a:tc>
+                  <a:txBody>
+                    <a:bodyPr/>
+                    <a:lstStyle/>
+                    <a:p>
+                      <a:pPr algn="ctr" fontAlgn="b">
+                        <a:spcBef>
+                          <a:spcPts val="600"/>
+                        </a:spcBef>
+                        <a:spcAft>
+                          <a:spcPts val="600"/>
+                        </a:spcAft>
+                      </a:pPr>
+                      <a:r>
+                        <a:rPr lang="en-US" sz="2400" b="1" i="0" u="none" strike="noStrike" dirty="0">
+                          <a:solidFill>
+                            <a:srgbClr val="000000"/>
+                          </a:solidFill>
+                          <a:effectLst/>
+                          <a:latin typeface="+mn-lt"/>
+                        </a:rPr>
+                        <a:t>Min</a:t>
+                      </a:r>
+                    </a:p>
+                  </a:txBody>
+                  <a:tcPr anchor="b"/>
+                </a:tc>
+                <a:tc>
+                  <a:txBody>
+                    <a:bodyPr/>
+                    <a:lstStyle/>
+                    <a:p>
+                      <a:pPr algn="ctr" fontAlgn="b">
+                        <a:spcBef>
+                          <a:spcPts val="600"/>
+                        </a:spcBef>
+                        <a:spcAft>
+                          <a:spcPts val="600"/>
+                        </a:spcAft>
+                      </a:pPr>
+                      <a:r>
+                        <a:rPr lang="en-US" sz="2400" b="1" i="0" u="none" strike="noStrike" dirty="0">
+                          <a:solidFill>
+                            <a:srgbClr val="000000"/>
+                          </a:solidFill>
+                          <a:effectLst/>
+                          <a:latin typeface="+mn-lt"/>
+                        </a:rPr>
+                        <a:t>25%</a:t>
+                      </a:r>
+                    </a:p>
+                  </a:txBody>
+                  <a:tcPr anchor="b"/>
+                </a:tc>
+                <a:tc>
+                  <a:txBody>
+                    <a:bodyPr/>
+                    <a:lstStyle/>
+                    <a:p>
+                      <a:pPr algn="ctr" fontAlgn="b">
+                        <a:spcBef>
+                          <a:spcPts val="600"/>
+                        </a:spcBef>
+                        <a:spcAft>
+                          <a:spcPts val="600"/>
+                        </a:spcAft>
+                      </a:pPr>
+                      <a:r>
+                        <a:rPr lang="en-US" sz="2400" b="1" i="0" u="none" strike="noStrike" dirty="0">
+                          <a:solidFill>
+                            <a:srgbClr val="000000"/>
+                          </a:solidFill>
+                          <a:effectLst/>
+                          <a:latin typeface="+mn-lt"/>
+                        </a:rPr>
+                        <a:t>50%</a:t>
+                      </a:r>
+                    </a:p>
+                  </a:txBody>
+                  <a:tcPr anchor="b"/>
+                </a:tc>
+                <a:tc>
+                  <a:txBody>
+                    <a:bodyPr/>
+                    <a:lstStyle/>
+                    <a:p>
+                      <a:pPr algn="ctr" fontAlgn="b">
+                        <a:spcBef>
+                          <a:spcPts val="600"/>
+                        </a:spcBef>
+                        <a:spcAft>
+                          <a:spcPts val="600"/>
+                        </a:spcAft>
+                      </a:pPr>
+                      <a:r>
+                        <a:rPr lang="en-US" sz="2400" b="1" i="0" u="none" strike="noStrike" dirty="0">
+                          <a:solidFill>
+                            <a:srgbClr val="000000"/>
+                          </a:solidFill>
+                          <a:effectLst/>
+                          <a:latin typeface="+mn-lt"/>
+                        </a:rPr>
+                        <a:t>75%</a:t>
+                      </a:r>
+                    </a:p>
+                  </a:txBody>
+                  <a:tcPr anchor="b"/>
+                </a:tc>
+                <a:tc>
+                  <a:txBody>
+                    <a:bodyPr/>
+                    <a:lstStyle/>
+                    <a:p>
+                      <a:pPr algn="ctr" fontAlgn="b">
+                        <a:spcBef>
+                          <a:spcPts val="600"/>
+                        </a:spcBef>
+                        <a:spcAft>
+                          <a:spcPts val="600"/>
+                        </a:spcAft>
+                      </a:pPr>
+                      <a:r>
+                        <a:rPr lang="en-US" sz="2400" b="1" i="0" u="none" strike="noStrike" dirty="0">
+                          <a:solidFill>
+                            <a:srgbClr val="000000"/>
+                          </a:solidFill>
+                          <a:effectLst/>
+                          <a:latin typeface="+mn-lt"/>
+                        </a:rPr>
+                        <a:t>Max</a:t>
+                      </a:r>
+                    </a:p>
+                  </a:txBody>
+                  <a:tcPr anchor="b"/>
+                </a:tc>
+                <a:extLst>
+                  <a:ext uri="{0D108BD9-81ED-4DB2-BD59-A6C34878D82A}">
+                    <a16:rowId xmlns:a16="http://schemas.microsoft.com/office/drawing/2014/main" val="4060907872"/>
+                  </a:ext>
+                </a:extLst>
+              </a:tr>
+              <a:tr h="365760">
+                <a:tc>
+                  <a:txBody>
+                    <a:bodyPr/>
+                    <a:lstStyle/>
+                    <a:p>
+                      <a:pPr algn="r" fontAlgn="b">
+                        <a:spcBef>
+                          <a:spcPts val="600"/>
+                        </a:spcBef>
+                        <a:spcAft>
+                          <a:spcPts val="600"/>
+                        </a:spcAft>
+                      </a:pPr>
+                      <a:r>
+                        <a:rPr lang="en-US" sz="2000" b="0" i="0" u="none" strike="noStrike" dirty="0">
+                          <a:solidFill>
+                            <a:srgbClr val="000000"/>
+                          </a:solidFill>
+                          <a:effectLst/>
+                          <a:latin typeface="+mn-lt"/>
+                        </a:rPr>
+                        <a:t>Trail Length</a:t>
+                      </a:r>
+                    </a:p>
+                  </a:txBody>
+                  <a:tcPr anchor="ctr"/>
+                </a:tc>
+                <a:tc>
+                  <a:txBody>
+                    <a:bodyPr/>
+                    <a:lstStyle/>
+                    <a:p>
+                      <a:pPr algn="ctr" fontAlgn="b">
+                        <a:spcBef>
+                          <a:spcPts val="600"/>
+                        </a:spcBef>
+                        <a:spcAft>
+                          <a:spcPts val="600"/>
+                        </a:spcAft>
+                      </a:pPr>
+                      <a:r>
+                        <a:rPr lang="en-US" sz="2000" b="0" i="0" u="none" strike="noStrike" dirty="0">
+                          <a:solidFill>
+                            <a:srgbClr val="000000"/>
+                          </a:solidFill>
+                          <a:effectLst/>
+                          <a:latin typeface="+mn-lt"/>
+                        </a:rPr>
+                        <a:t>4903</a:t>
+                      </a:r>
+                    </a:p>
+                  </a:txBody>
+                  <a:tcPr anchor="ctr"/>
+                </a:tc>
+                <a:tc>
+                  <a:txBody>
+                    <a:bodyPr/>
+                    <a:lstStyle/>
+                    <a:p>
+                      <a:pPr algn="ctr" fontAlgn="b">
+                        <a:spcBef>
+                          <a:spcPts val="600"/>
+                        </a:spcBef>
+                        <a:spcAft>
+                          <a:spcPts val="600"/>
+                        </a:spcAft>
+                      </a:pPr>
+                      <a:r>
+                        <a:rPr lang="en-US" sz="2000" b="0" i="0" u="none" strike="noStrike" dirty="0">
+                          <a:solidFill>
+                            <a:srgbClr val="000000"/>
+                          </a:solidFill>
+                          <a:effectLst/>
+                          <a:latin typeface="+mn-lt"/>
+                        </a:rPr>
+                        <a:t>3.50516</a:t>
+                      </a:r>
+                    </a:p>
+                  </a:txBody>
+                  <a:tcPr anchor="ctr"/>
+                </a:tc>
+                <a:tc>
+                  <a:txBody>
+                    <a:bodyPr/>
+                    <a:lstStyle/>
+                    <a:p>
+                      <a:pPr algn="ctr" fontAlgn="b">
+                        <a:spcBef>
+                          <a:spcPts val="600"/>
+                        </a:spcBef>
+                        <a:spcAft>
+                          <a:spcPts val="600"/>
+                        </a:spcAft>
+                      </a:pPr>
+                      <a:r>
+                        <a:rPr lang="en-US" sz="2000" b="0" i="0" u="none" strike="noStrike" dirty="0">
+                          <a:solidFill>
+                            <a:srgbClr val="000000"/>
+                          </a:solidFill>
+                          <a:effectLst/>
+                          <a:latin typeface="+mn-lt"/>
+                        </a:rPr>
+                        <a:t>4.69358</a:t>
+                      </a:r>
+                    </a:p>
+                  </a:txBody>
+                  <a:tcPr anchor="ctr"/>
+                </a:tc>
+                <a:tc>
+                  <a:txBody>
+                    <a:bodyPr/>
+                    <a:lstStyle/>
+                    <a:p>
+                      <a:pPr algn="ctr" fontAlgn="b">
+                        <a:spcBef>
+                          <a:spcPts val="600"/>
+                        </a:spcBef>
+                        <a:spcAft>
+                          <a:spcPts val="600"/>
+                        </a:spcAft>
+                      </a:pPr>
+                      <a:r>
+                        <a:rPr lang="en-US" sz="2000" b="0" i="0" u="none" strike="noStrike">
+                          <a:solidFill>
+                            <a:srgbClr val="000000"/>
+                          </a:solidFill>
+                          <a:effectLst/>
+                          <a:latin typeface="+mn-lt"/>
+                        </a:rPr>
+                        <a:t>0</a:t>
+                      </a:r>
+                    </a:p>
+                  </a:txBody>
+                  <a:tcPr anchor="ctr"/>
+                </a:tc>
+                <a:tc>
+                  <a:txBody>
+                    <a:bodyPr/>
+                    <a:lstStyle/>
+                    <a:p>
+                      <a:pPr algn="ctr" fontAlgn="b">
+                        <a:spcBef>
+                          <a:spcPts val="600"/>
+                        </a:spcBef>
+                        <a:spcAft>
+                          <a:spcPts val="600"/>
+                        </a:spcAft>
+                      </a:pPr>
+                      <a:r>
+                        <a:rPr lang="en-US" sz="2000" b="0" i="0" u="none" strike="noStrike">
+                          <a:solidFill>
+                            <a:srgbClr val="000000"/>
+                          </a:solidFill>
+                          <a:effectLst/>
+                          <a:latin typeface="+mn-lt"/>
+                        </a:rPr>
+                        <a:t>1</a:t>
+                      </a:r>
+                    </a:p>
+                  </a:txBody>
+                  <a:tcPr anchor="ctr"/>
+                </a:tc>
+                <a:tc>
+                  <a:txBody>
+                    <a:bodyPr/>
+                    <a:lstStyle/>
+                    <a:p>
+                      <a:pPr algn="ctr" fontAlgn="b">
+                        <a:spcBef>
+                          <a:spcPts val="600"/>
+                        </a:spcBef>
+                        <a:spcAft>
+                          <a:spcPts val="600"/>
+                        </a:spcAft>
+                      </a:pPr>
+                      <a:r>
+                        <a:rPr lang="en-US" sz="2000" b="0" i="0" u="none" strike="noStrike">
+                          <a:solidFill>
+                            <a:srgbClr val="000000"/>
+                          </a:solidFill>
+                          <a:effectLst/>
+                          <a:latin typeface="+mn-lt"/>
+                        </a:rPr>
+                        <a:t>2.1</a:t>
+                      </a:r>
+                    </a:p>
+                  </a:txBody>
+                  <a:tcPr anchor="ctr"/>
+                </a:tc>
+                <a:tc>
+                  <a:txBody>
+                    <a:bodyPr/>
+                    <a:lstStyle/>
+                    <a:p>
+                      <a:pPr algn="ctr" fontAlgn="b">
+                        <a:spcBef>
+                          <a:spcPts val="600"/>
+                        </a:spcBef>
+                        <a:spcAft>
+                          <a:spcPts val="600"/>
+                        </a:spcAft>
+                      </a:pPr>
+                      <a:r>
+                        <a:rPr lang="en-US" sz="2000" b="0" i="0" u="none" strike="noStrike">
+                          <a:solidFill>
+                            <a:srgbClr val="000000"/>
+                          </a:solidFill>
+                          <a:effectLst/>
+                          <a:latin typeface="+mn-lt"/>
+                        </a:rPr>
+                        <a:t>4.3</a:t>
+                      </a:r>
+                    </a:p>
+                  </a:txBody>
+                  <a:tcPr anchor="ctr"/>
+                </a:tc>
+                <a:tc>
+                  <a:txBody>
+                    <a:bodyPr/>
+                    <a:lstStyle/>
+                    <a:p>
+                      <a:pPr algn="ctr" fontAlgn="b">
+                        <a:spcBef>
+                          <a:spcPts val="600"/>
+                        </a:spcBef>
+                        <a:spcAft>
+                          <a:spcPts val="600"/>
+                        </a:spcAft>
+                      </a:pPr>
+                      <a:r>
+                        <a:rPr lang="en-US" sz="2000" b="0" i="0" u="none" strike="noStrike">
+                          <a:solidFill>
+                            <a:srgbClr val="000000"/>
+                          </a:solidFill>
+                          <a:effectLst/>
+                          <a:latin typeface="+mn-lt"/>
+                        </a:rPr>
+                        <a:t>124.5</a:t>
+                      </a:r>
+                    </a:p>
+                  </a:txBody>
+                  <a:tcPr anchor="ctr"/>
+                </a:tc>
+                <a:extLst>
+                  <a:ext uri="{0D108BD9-81ED-4DB2-BD59-A6C34878D82A}">
+                    <a16:rowId xmlns:a16="http://schemas.microsoft.com/office/drawing/2014/main" val="1430234376"/>
+                  </a:ext>
+                </a:extLst>
+              </a:tr>
+              <a:tr h="365760">
+                <a:tc>
+                  <a:txBody>
+                    <a:bodyPr/>
+                    <a:lstStyle/>
+                    <a:p>
+                      <a:pPr algn="r" fontAlgn="b">
+                        <a:spcBef>
+                          <a:spcPts val="600"/>
+                        </a:spcBef>
+                        <a:spcAft>
+                          <a:spcPts val="600"/>
+                        </a:spcAft>
+                      </a:pPr>
+                      <a:r>
+                        <a:rPr lang="en-US" sz="2000" b="0" i="0" u="none" strike="noStrike" dirty="0">
+                          <a:solidFill>
+                            <a:srgbClr val="000000"/>
+                          </a:solidFill>
+                          <a:effectLst/>
+                          <a:latin typeface="+mn-lt"/>
+                        </a:rPr>
+                        <a:t>Difficulty Number</a:t>
+                      </a:r>
+                    </a:p>
+                  </a:txBody>
+                  <a:tcPr anchor="ctr"/>
+                </a:tc>
+                <a:tc>
+                  <a:txBody>
+                    <a:bodyPr/>
+                    <a:lstStyle/>
+                    <a:p>
+                      <a:pPr algn="ctr" fontAlgn="b">
+                        <a:spcBef>
+                          <a:spcPts val="600"/>
+                        </a:spcBef>
+                        <a:spcAft>
+                          <a:spcPts val="600"/>
+                        </a:spcAft>
+                      </a:pPr>
+                      <a:r>
+                        <a:rPr lang="en-US" sz="2000" b="0" i="0" u="none" strike="noStrike" dirty="0">
+                          <a:solidFill>
+                            <a:srgbClr val="000000"/>
+                          </a:solidFill>
+                          <a:effectLst/>
+                          <a:latin typeface="+mn-lt"/>
+                        </a:rPr>
+                        <a:t>4844</a:t>
+                      </a:r>
+                    </a:p>
+                  </a:txBody>
+                  <a:tcPr anchor="ctr"/>
+                </a:tc>
+                <a:tc>
+                  <a:txBody>
+                    <a:bodyPr/>
+                    <a:lstStyle/>
+                    <a:p>
+                      <a:pPr algn="ctr" fontAlgn="b">
+                        <a:spcBef>
+                          <a:spcPts val="600"/>
+                        </a:spcBef>
+                        <a:spcAft>
+                          <a:spcPts val="600"/>
+                        </a:spcAft>
+                      </a:pPr>
+                      <a:r>
+                        <a:rPr lang="en-US" sz="2000" b="0" i="0" u="none" strike="noStrike" dirty="0">
+                          <a:solidFill>
+                            <a:srgbClr val="000000"/>
+                          </a:solidFill>
+                          <a:effectLst/>
+                          <a:latin typeface="+mn-lt"/>
+                        </a:rPr>
+                        <a:t>3.098679</a:t>
+                      </a:r>
+                    </a:p>
+                  </a:txBody>
+                  <a:tcPr anchor="ctr"/>
+                </a:tc>
+                <a:tc>
+                  <a:txBody>
+                    <a:bodyPr/>
+                    <a:lstStyle/>
+                    <a:p>
+                      <a:pPr algn="ctr" fontAlgn="b">
+                        <a:spcBef>
+                          <a:spcPts val="600"/>
+                        </a:spcBef>
+                        <a:spcAft>
+                          <a:spcPts val="600"/>
+                        </a:spcAft>
+                      </a:pPr>
+                      <a:r>
+                        <a:rPr lang="en-US" sz="2000" b="0" i="0" u="none" strike="noStrike" dirty="0">
+                          <a:solidFill>
+                            <a:srgbClr val="000000"/>
+                          </a:solidFill>
+                          <a:effectLst/>
+                          <a:latin typeface="+mn-lt"/>
+                        </a:rPr>
+                        <a:t>1.343443</a:t>
+                      </a:r>
+                    </a:p>
+                  </a:txBody>
+                  <a:tcPr anchor="ctr"/>
+                </a:tc>
+                <a:tc>
+                  <a:txBody>
+                    <a:bodyPr/>
+                    <a:lstStyle/>
+                    <a:p>
+                      <a:pPr algn="ctr" fontAlgn="b">
+                        <a:spcBef>
+                          <a:spcPts val="600"/>
+                        </a:spcBef>
+                        <a:spcAft>
+                          <a:spcPts val="600"/>
+                        </a:spcAft>
+                      </a:pPr>
+                      <a:r>
+                        <a:rPr lang="en-US" sz="2000" b="0" i="0" u="none" strike="noStrike">
+                          <a:solidFill>
+                            <a:srgbClr val="000000"/>
+                          </a:solidFill>
+                          <a:effectLst/>
+                          <a:latin typeface="+mn-lt"/>
+                        </a:rPr>
+                        <a:t>1</a:t>
+                      </a:r>
+                    </a:p>
+                  </a:txBody>
+                  <a:tcPr anchor="ctr"/>
+                </a:tc>
+                <a:tc>
+                  <a:txBody>
+                    <a:bodyPr/>
+                    <a:lstStyle/>
+                    <a:p>
+                      <a:pPr algn="ctr" fontAlgn="b">
+                        <a:spcBef>
+                          <a:spcPts val="600"/>
+                        </a:spcBef>
+                        <a:spcAft>
+                          <a:spcPts val="600"/>
+                        </a:spcAft>
+                      </a:pPr>
+                      <a:r>
+                        <a:rPr lang="en-US" sz="2000" b="0" i="0" u="none" strike="noStrike">
+                          <a:solidFill>
+                            <a:srgbClr val="000000"/>
+                          </a:solidFill>
+                          <a:effectLst/>
+                          <a:latin typeface="+mn-lt"/>
+                        </a:rPr>
+                        <a:t>2</a:t>
+                      </a:r>
+                    </a:p>
+                  </a:txBody>
+                  <a:tcPr anchor="ctr"/>
+                </a:tc>
+                <a:tc>
+                  <a:txBody>
+                    <a:bodyPr/>
+                    <a:lstStyle/>
+                    <a:p>
+                      <a:pPr algn="ctr" fontAlgn="b">
+                        <a:spcBef>
+                          <a:spcPts val="600"/>
+                        </a:spcBef>
+                        <a:spcAft>
+                          <a:spcPts val="600"/>
+                        </a:spcAft>
+                      </a:pPr>
+                      <a:r>
+                        <a:rPr lang="en-US" sz="2000" b="0" i="0" u="none" strike="noStrike">
+                          <a:solidFill>
+                            <a:srgbClr val="000000"/>
+                          </a:solidFill>
+                          <a:effectLst/>
+                          <a:latin typeface="+mn-lt"/>
+                        </a:rPr>
+                        <a:t>3</a:t>
+                      </a:r>
+                    </a:p>
+                  </a:txBody>
+                  <a:tcPr anchor="ctr"/>
+                </a:tc>
+                <a:tc>
+                  <a:txBody>
+                    <a:bodyPr/>
+                    <a:lstStyle/>
+                    <a:p>
+                      <a:pPr algn="ctr" fontAlgn="b">
+                        <a:spcBef>
+                          <a:spcPts val="600"/>
+                        </a:spcBef>
+                        <a:spcAft>
+                          <a:spcPts val="600"/>
+                        </a:spcAft>
+                      </a:pPr>
+                      <a:r>
+                        <a:rPr lang="en-US" sz="2000" b="0" i="0" u="none" strike="noStrike">
+                          <a:solidFill>
+                            <a:srgbClr val="000000"/>
+                          </a:solidFill>
+                          <a:effectLst/>
+                          <a:latin typeface="+mn-lt"/>
+                        </a:rPr>
+                        <a:t>4</a:t>
+                      </a:r>
+                    </a:p>
+                  </a:txBody>
+                  <a:tcPr anchor="ctr"/>
+                </a:tc>
+                <a:tc>
+                  <a:txBody>
+                    <a:bodyPr/>
+                    <a:lstStyle/>
+                    <a:p>
+                      <a:pPr algn="ctr" fontAlgn="b">
+                        <a:spcBef>
+                          <a:spcPts val="600"/>
+                        </a:spcBef>
+                        <a:spcAft>
+                          <a:spcPts val="600"/>
+                        </a:spcAft>
+                      </a:pPr>
+                      <a:r>
+                        <a:rPr lang="en-US" sz="2000" b="0" i="0" u="none" strike="noStrike">
+                          <a:solidFill>
+                            <a:srgbClr val="000000"/>
+                          </a:solidFill>
+                          <a:effectLst/>
+                          <a:latin typeface="+mn-lt"/>
+                        </a:rPr>
+                        <a:t>5</a:t>
+                      </a:r>
+                    </a:p>
+                  </a:txBody>
+                  <a:tcPr anchor="ctr"/>
+                </a:tc>
+                <a:extLst>
+                  <a:ext uri="{0D108BD9-81ED-4DB2-BD59-A6C34878D82A}">
+                    <a16:rowId xmlns:a16="http://schemas.microsoft.com/office/drawing/2014/main" val="362968694"/>
+                  </a:ext>
+                </a:extLst>
+              </a:tr>
+              <a:tr h="365760">
+                <a:tc>
+                  <a:txBody>
+                    <a:bodyPr/>
+                    <a:lstStyle/>
+                    <a:p>
+                      <a:pPr algn="r" fontAlgn="b">
+                        <a:spcBef>
+                          <a:spcPts val="600"/>
+                        </a:spcBef>
+                        <a:spcAft>
+                          <a:spcPts val="600"/>
+                        </a:spcAft>
+                      </a:pPr>
+                      <a:r>
+                        <a:rPr lang="en-US" sz="2000" b="0" i="0" u="none" strike="noStrike" dirty="0" err="1">
+                          <a:solidFill>
+                            <a:srgbClr val="000000"/>
+                          </a:solidFill>
+                          <a:effectLst/>
+                          <a:latin typeface="+mn-lt"/>
+                        </a:rPr>
+                        <a:t>Elev_Up</a:t>
+                      </a:r>
+                      <a:endParaRPr lang="en-US" sz="2000" b="0" i="0" u="none" strike="noStrike" dirty="0">
+                        <a:solidFill>
+                          <a:srgbClr val="000000"/>
+                        </a:solidFill>
+                        <a:effectLst/>
+                        <a:latin typeface="+mn-lt"/>
+                      </a:endParaRPr>
+                    </a:p>
+                  </a:txBody>
+                  <a:tcPr anchor="ctr"/>
+                </a:tc>
+                <a:tc>
+                  <a:txBody>
+                    <a:bodyPr/>
+                    <a:lstStyle/>
+                    <a:p>
+                      <a:pPr algn="ctr" fontAlgn="b">
+                        <a:spcBef>
+                          <a:spcPts val="600"/>
+                        </a:spcBef>
+                        <a:spcAft>
+                          <a:spcPts val="600"/>
+                        </a:spcAft>
+                      </a:pPr>
+                      <a:r>
+                        <a:rPr lang="en-US" sz="2000" b="0" i="0" u="none" strike="noStrike" dirty="0">
+                          <a:solidFill>
+                            <a:srgbClr val="000000"/>
+                          </a:solidFill>
+                          <a:effectLst/>
+                          <a:latin typeface="+mn-lt"/>
+                        </a:rPr>
+                        <a:t>4903</a:t>
+                      </a:r>
+                    </a:p>
+                  </a:txBody>
+                  <a:tcPr anchor="ctr"/>
+                </a:tc>
+                <a:tc>
+                  <a:txBody>
+                    <a:bodyPr/>
+                    <a:lstStyle/>
+                    <a:p>
+                      <a:pPr algn="ctr" fontAlgn="b">
+                        <a:spcBef>
+                          <a:spcPts val="600"/>
+                        </a:spcBef>
+                        <a:spcAft>
+                          <a:spcPts val="600"/>
+                        </a:spcAft>
+                      </a:pPr>
+                      <a:r>
+                        <a:rPr lang="en-US" sz="2000" b="0" i="0" u="none" strike="noStrike" dirty="0">
+                          <a:solidFill>
+                            <a:srgbClr val="000000"/>
+                          </a:solidFill>
+                          <a:effectLst/>
+                          <a:latin typeface="+mn-lt"/>
+                        </a:rPr>
+                        <a:t>758.07628</a:t>
+                      </a:r>
+                    </a:p>
+                  </a:txBody>
+                  <a:tcPr anchor="ctr"/>
+                </a:tc>
+                <a:tc>
+                  <a:txBody>
+                    <a:bodyPr/>
+                    <a:lstStyle/>
+                    <a:p>
+                      <a:pPr algn="ctr" fontAlgn="b">
+                        <a:spcBef>
+                          <a:spcPts val="600"/>
+                        </a:spcBef>
+                        <a:spcAft>
+                          <a:spcPts val="600"/>
+                        </a:spcAft>
+                      </a:pPr>
+                      <a:r>
+                        <a:rPr lang="en-US" sz="2000" b="0" i="0" u="none" strike="noStrike" dirty="0">
+                          <a:solidFill>
+                            <a:srgbClr val="000000"/>
+                          </a:solidFill>
+                          <a:effectLst/>
+                          <a:latin typeface="+mn-lt"/>
+                        </a:rPr>
+                        <a:t>1016.0417</a:t>
+                      </a:r>
+                    </a:p>
+                  </a:txBody>
+                  <a:tcPr anchor="ctr"/>
+                </a:tc>
+                <a:tc>
+                  <a:txBody>
+                    <a:bodyPr/>
+                    <a:lstStyle/>
+                    <a:p>
+                      <a:pPr algn="ctr" fontAlgn="b">
+                        <a:spcBef>
+                          <a:spcPts val="600"/>
+                        </a:spcBef>
+                        <a:spcAft>
+                          <a:spcPts val="600"/>
+                        </a:spcAft>
+                      </a:pPr>
+                      <a:r>
+                        <a:rPr lang="en-US" sz="2000" b="0" i="0" u="none" strike="noStrike" dirty="0">
+                          <a:solidFill>
+                            <a:srgbClr val="000000"/>
+                          </a:solidFill>
+                          <a:effectLst/>
+                          <a:latin typeface="+mn-lt"/>
+                        </a:rPr>
+                        <a:t>0</a:t>
+                      </a:r>
+                    </a:p>
+                  </a:txBody>
+                  <a:tcPr anchor="ctr"/>
+                </a:tc>
+                <a:tc>
+                  <a:txBody>
+                    <a:bodyPr/>
+                    <a:lstStyle/>
+                    <a:p>
+                      <a:pPr algn="ctr" fontAlgn="b">
+                        <a:spcBef>
+                          <a:spcPts val="600"/>
+                        </a:spcBef>
+                        <a:spcAft>
+                          <a:spcPts val="600"/>
+                        </a:spcAft>
+                      </a:pPr>
+                      <a:r>
+                        <a:rPr lang="en-US" sz="2000" b="0" i="0" u="none" strike="noStrike">
+                          <a:solidFill>
+                            <a:srgbClr val="000000"/>
+                          </a:solidFill>
+                          <a:effectLst/>
+                          <a:latin typeface="+mn-lt"/>
+                        </a:rPr>
+                        <a:t>85</a:t>
+                      </a:r>
+                    </a:p>
+                  </a:txBody>
+                  <a:tcPr anchor="ctr"/>
+                </a:tc>
+                <a:tc>
+                  <a:txBody>
+                    <a:bodyPr/>
+                    <a:lstStyle/>
+                    <a:p>
+                      <a:pPr algn="ctr" fontAlgn="b">
+                        <a:spcBef>
+                          <a:spcPts val="600"/>
+                        </a:spcBef>
+                        <a:spcAft>
+                          <a:spcPts val="600"/>
+                        </a:spcAft>
+                      </a:pPr>
+                      <a:r>
+                        <a:rPr lang="en-US" sz="2000" b="0" i="0" u="none" strike="noStrike">
+                          <a:solidFill>
+                            <a:srgbClr val="000000"/>
+                          </a:solidFill>
+                          <a:effectLst/>
+                          <a:latin typeface="+mn-lt"/>
+                        </a:rPr>
+                        <a:t>329</a:t>
+                      </a:r>
+                    </a:p>
+                  </a:txBody>
+                  <a:tcPr anchor="ctr"/>
+                </a:tc>
+                <a:tc>
+                  <a:txBody>
+                    <a:bodyPr/>
+                    <a:lstStyle/>
+                    <a:p>
+                      <a:pPr algn="ctr" fontAlgn="b">
+                        <a:spcBef>
+                          <a:spcPts val="600"/>
+                        </a:spcBef>
+                        <a:spcAft>
+                          <a:spcPts val="600"/>
+                        </a:spcAft>
+                      </a:pPr>
+                      <a:r>
+                        <a:rPr lang="en-US" sz="2000" b="0" i="0" u="none" strike="noStrike">
+                          <a:solidFill>
+                            <a:srgbClr val="000000"/>
+                          </a:solidFill>
+                          <a:effectLst/>
+                          <a:latin typeface="+mn-lt"/>
+                        </a:rPr>
+                        <a:t>1062</a:t>
+                      </a:r>
+                    </a:p>
+                  </a:txBody>
+                  <a:tcPr anchor="ctr"/>
+                </a:tc>
+                <a:tc>
+                  <a:txBody>
+                    <a:bodyPr/>
+                    <a:lstStyle/>
+                    <a:p>
+                      <a:pPr algn="ctr" fontAlgn="b">
+                        <a:spcBef>
+                          <a:spcPts val="600"/>
+                        </a:spcBef>
+                        <a:spcAft>
+                          <a:spcPts val="600"/>
+                        </a:spcAft>
+                      </a:pPr>
+                      <a:r>
+                        <a:rPr lang="en-US" sz="2000" b="0" i="0" u="none" strike="noStrike">
+                          <a:solidFill>
+                            <a:srgbClr val="000000"/>
+                          </a:solidFill>
+                          <a:effectLst/>
+                          <a:latin typeface="+mn-lt"/>
+                        </a:rPr>
+                        <a:t>12176</a:t>
+                      </a:r>
+                    </a:p>
+                  </a:txBody>
+                  <a:tcPr anchor="ctr"/>
+                </a:tc>
+                <a:extLst>
+                  <a:ext uri="{0D108BD9-81ED-4DB2-BD59-A6C34878D82A}">
+                    <a16:rowId xmlns:a16="http://schemas.microsoft.com/office/drawing/2014/main" val="2109112701"/>
+                  </a:ext>
+                </a:extLst>
+              </a:tr>
+              <a:tr h="365760">
+                <a:tc>
+                  <a:txBody>
+                    <a:bodyPr/>
+                    <a:lstStyle/>
+                    <a:p>
+                      <a:pPr algn="r" fontAlgn="b">
+                        <a:spcBef>
+                          <a:spcPts val="600"/>
+                        </a:spcBef>
+                        <a:spcAft>
+                          <a:spcPts val="600"/>
+                        </a:spcAft>
+                      </a:pPr>
+                      <a:r>
+                        <a:rPr lang="en-US" sz="2000" b="0" i="0" u="none" strike="noStrike" dirty="0" err="1">
+                          <a:solidFill>
+                            <a:srgbClr val="000000"/>
+                          </a:solidFill>
+                          <a:effectLst/>
+                          <a:latin typeface="+mn-lt"/>
+                        </a:rPr>
+                        <a:t>Elev_Down</a:t>
+                      </a:r>
+                      <a:endParaRPr lang="en-US" sz="2000" b="0" i="0" u="none" strike="noStrike" dirty="0">
+                        <a:solidFill>
+                          <a:srgbClr val="000000"/>
+                        </a:solidFill>
+                        <a:effectLst/>
+                        <a:latin typeface="+mn-lt"/>
+                      </a:endParaRPr>
+                    </a:p>
+                  </a:txBody>
+                  <a:tcPr anchor="ctr"/>
+                </a:tc>
+                <a:tc>
+                  <a:txBody>
+                    <a:bodyPr/>
+                    <a:lstStyle/>
+                    <a:p>
+                      <a:pPr algn="ctr" fontAlgn="b">
+                        <a:spcBef>
+                          <a:spcPts val="600"/>
+                        </a:spcBef>
+                        <a:spcAft>
+                          <a:spcPts val="600"/>
+                        </a:spcAft>
+                      </a:pPr>
+                      <a:r>
+                        <a:rPr lang="en-US" sz="2000" b="0" i="0" u="none" strike="noStrike">
+                          <a:solidFill>
+                            <a:srgbClr val="000000"/>
+                          </a:solidFill>
+                          <a:effectLst/>
+                          <a:latin typeface="+mn-lt"/>
+                        </a:rPr>
+                        <a:t>4903</a:t>
+                      </a:r>
+                    </a:p>
+                  </a:txBody>
+                  <a:tcPr anchor="ctr"/>
+                </a:tc>
+                <a:tc>
+                  <a:txBody>
+                    <a:bodyPr/>
+                    <a:lstStyle/>
+                    <a:p>
+                      <a:pPr algn="ctr" fontAlgn="b">
+                        <a:spcBef>
+                          <a:spcPts val="600"/>
+                        </a:spcBef>
+                        <a:spcAft>
+                          <a:spcPts val="600"/>
+                        </a:spcAft>
+                      </a:pPr>
+                      <a:r>
+                        <a:rPr lang="en-US" sz="2000" b="0" i="0" u="none" strike="noStrike" dirty="0">
+                          <a:solidFill>
+                            <a:srgbClr val="000000"/>
+                          </a:solidFill>
+                          <a:effectLst/>
+                          <a:latin typeface="+mn-lt"/>
+                        </a:rPr>
+                        <a:t>502.997553</a:t>
+                      </a:r>
+                    </a:p>
+                  </a:txBody>
+                  <a:tcPr anchor="ctr"/>
+                </a:tc>
+                <a:tc>
+                  <a:txBody>
+                    <a:bodyPr/>
+                    <a:lstStyle/>
+                    <a:p>
+                      <a:pPr algn="ctr" fontAlgn="b">
+                        <a:spcBef>
+                          <a:spcPts val="600"/>
+                        </a:spcBef>
+                        <a:spcAft>
+                          <a:spcPts val="600"/>
+                        </a:spcAft>
+                      </a:pPr>
+                      <a:r>
+                        <a:rPr lang="en-US" sz="2000" b="0" i="0" u="none" strike="noStrike" dirty="0">
+                          <a:solidFill>
+                            <a:srgbClr val="000000"/>
+                          </a:solidFill>
+                          <a:effectLst/>
+                          <a:latin typeface="+mn-lt"/>
+                        </a:rPr>
+                        <a:t>884.560557</a:t>
+                      </a:r>
+                    </a:p>
+                  </a:txBody>
+                  <a:tcPr anchor="ctr"/>
+                </a:tc>
+                <a:tc>
+                  <a:txBody>
+                    <a:bodyPr/>
+                    <a:lstStyle/>
+                    <a:p>
+                      <a:pPr algn="ctr" fontAlgn="b">
+                        <a:spcBef>
+                          <a:spcPts val="600"/>
+                        </a:spcBef>
+                        <a:spcAft>
+                          <a:spcPts val="600"/>
+                        </a:spcAft>
+                      </a:pPr>
+                      <a:r>
+                        <a:rPr lang="en-US" sz="2000" b="0" i="0" u="none" strike="noStrike" dirty="0">
+                          <a:solidFill>
+                            <a:srgbClr val="000000"/>
+                          </a:solidFill>
+                          <a:effectLst/>
+                          <a:latin typeface="+mn-lt"/>
+                        </a:rPr>
+                        <a:t>0</a:t>
+                      </a:r>
+                    </a:p>
+                  </a:txBody>
+                  <a:tcPr anchor="ctr"/>
+                </a:tc>
+                <a:tc>
+                  <a:txBody>
+                    <a:bodyPr/>
+                    <a:lstStyle/>
+                    <a:p>
+                      <a:pPr algn="ctr" fontAlgn="b">
+                        <a:spcBef>
+                          <a:spcPts val="600"/>
+                        </a:spcBef>
+                        <a:spcAft>
+                          <a:spcPts val="600"/>
+                        </a:spcAft>
+                      </a:pPr>
+                      <a:r>
+                        <a:rPr lang="en-US" sz="2000" b="0" i="0" u="none" strike="noStrike" dirty="0">
+                          <a:solidFill>
+                            <a:srgbClr val="000000"/>
+                          </a:solidFill>
+                          <a:effectLst/>
+                          <a:latin typeface="+mn-lt"/>
+                        </a:rPr>
+                        <a:t>22</a:t>
+                      </a:r>
+                    </a:p>
+                  </a:txBody>
+                  <a:tcPr anchor="ctr"/>
+                </a:tc>
+                <a:tc>
+                  <a:txBody>
+                    <a:bodyPr/>
+                    <a:lstStyle/>
+                    <a:p>
+                      <a:pPr algn="ctr" fontAlgn="b">
+                        <a:spcBef>
+                          <a:spcPts val="600"/>
+                        </a:spcBef>
+                        <a:spcAft>
+                          <a:spcPts val="600"/>
+                        </a:spcAft>
+                      </a:pPr>
+                      <a:r>
+                        <a:rPr lang="en-US" sz="2000" b="0" i="0" u="none" strike="noStrike">
+                          <a:solidFill>
+                            <a:srgbClr val="000000"/>
+                          </a:solidFill>
+                          <a:effectLst/>
+                          <a:latin typeface="+mn-lt"/>
+                        </a:rPr>
+                        <a:t>150</a:t>
+                      </a:r>
+                    </a:p>
+                  </a:txBody>
+                  <a:tcPr anchor="ctr"/>
+                </a:tc>
+                <a:tc>
+                  <a:txBody>
+                    <a:bodyPr/>
+                    <a:lstStyle/>
+                    <a:p>
+                      <a:pPr algn="ctr" fontAlgn="b">
+                        <a:spcBef>
+                          <a:spcPts val="600"/>
+                        </a:spcBef>
+                        <a:spcAft>
+                          <a:spcPts val="600"/>
+                        </a:spcAft>
+                      </a:pPr>
+                      <a:r>
+                        <a:rPr lang="en-US" sz="2000" b="0" i="0" u="none" strike="noStrike">
+                          <a:solidFill>
+                            <a:srgbClr val="000000"/>
+                          </a:solidFill>
+                          <a:effectLst/>
+                          <a:latin typeface="+mn-lt"/>
+                        </a:rPr>
+                        <a:t>532</a:t>
+                      </a:r>
+                    </a:p>
+                  </a:txBody>
+                  <a:tcPr anchor="ctr"/>
+                </a:tc>
+                <a:tc>
+                  <a:txBody>
+                    <a:bodyPr/>
+                    <a:lstStyle/>
+                    <a:p>
+                      <a:pPr algn="ctr" fontAlgn="b">
+                        <a:spcBef>
+                          <a:spcPts val="600"/>
+                        </a:spcBef>
+                        <a:spcAft>
+                          <a:spcPts val="600"/>
+                        </a:spcAft>
+                      </a:pPr>
+                      <a:r>
+                        <a:rPr lang="en-US" sz="2000" b="0" i="0" u="none" strike="noStrike">
+                          <a:solidFill>
+                            <a:srgbClr val="000000"/>
+                          </a:solidFill>
+                          <a:effectLst/>
+                          <a:latin typeface="+mn-lt"/>
+                        </a:rPr>
+                        <a:t>14031</a:t>
+                      </a:r>
+                    </a:p>
+                  </a:txBody>
+                  <a:tcPr anchor="ctr"/>
+                </a:tc>
+                <a:extLst>
+                  <a:ext uri="{0D108BD9-81ED-4DB2-BD59-A6C34878D82A}">
+                    <a16:rowId xmlns:a16="http://schemas.microsoft.com/office/drawing/2014/main" val="3849036655"/>
+                  </a:ext>
+                </a:extLst>
+              </a:tr>
+              <a:tr h="365760">
+                <a:tc>
+                  <a:txBody>
+                    <a:bodyPr/>
+                    <a:lstStyle/>
+                    <a:p>
+                      <a:pPr algn="r" fontAlgn="b">
+                        <a:spcBef>
+                          <a:spcPts val="600"/>
+                        </a:spcBef>
+                        <a:spcAft>
+                          <a:spcPts val="600"/>
+                        </a:spcAft>
+                      </a:pPr>
+                      <a:r>
+                        <a:rPr lang="en-US" sz="2000" b="0" i="0" u="none" strike="noStrike" dirty="0">
+                          <a:solidFill>
+                            <a:srgbClr val="000000"/>
+                          </a:solidFill>
+                          <a:effectLst/>
+                          <a:latin typeface="+mn-lt"/>
+                        </a:rPr>
+                        <a:t>Highest Elevation</a:t>
+                      </a:r>
+                    </a:p>
+                  </a:txBody>
+                  <a:tcPr anchor="ctr"/>
+                </a:tc>
+                <a:tc>
+                  <a:txBody>
+                    <a:bodyPr/>
+                    <a:lstStyle/>
+                    <a:p>
+                      <a:pPr algn="ctr" fontAlgn="b">
+                        <a:spcBef>
+                          <a:spcPts val="600"/>
+                        </a:spcBef>
+                        <a:spcAft>
+                          <a:spcPts val="600"/>
+                        </a:spcAft>
+                      </a:pPr>
+                      <a:r>
+                        <a:rPr lang="en-US" sz="2000" b="0" i="0" u="none" strike="noStrike">
+                          <a:solidFill>
+                            <a:srgbClr val="000000"/>
+                          </a:solidFill>
+                          <a:effectLst/>
+                          <a:latin typeface="+mn-lt"/>
+                        </a:rPr>
+                        <a:t>4903</a:t>
+                      </a:r>
+                    </a:p>
+                  </a:txBody>
+                  <a:tcPr anchor="ctr"/>
+                </a:tc>
+                <a:tc>
+                  <a:txBody>
+                    <a:bodyPr/>
+                    <a:lstStyle/>
+                    <a:p>
+                      <a:pPr algn="ctr" fontAlgn="b">
+                        <a:spcBef>
+                          <a:spcPts val="600"/>
+                        </a:spcBef>
+                        <a:spcAft>
+                          <a:spcPts val="600"/>
+                        </a:spcAft>
+                      </a:pPr>
+                      <a:r>
+                        <a:rPr lang="en-US" sz="2000" b="0" i="0" u="none" strike="noStrike" dirty="0">
+                          <a:solidFill>
+                            <a:srgbClr val="000000"/>
+                          </a:solidFill>
+                          <a:effectLst/>
+                          <a:latin typeface="+mn-lt"/>
+                        </a:rPr>
+                        <a:t>9087.82786</a:t>
+                      </a:r>
+                    </a:p>
+                  </a:txBody>
+                  <a:tcPr anchor="ctr"/>
+                </a:tc>
+                <a:tc>
+                  <a:txBody>
+                    <a:bodyPr/>
+                    <a:lstStyle/>
+                    <a:p>
+                      <a:pPr algn="ctr" fontAlgn="b">
+                        <a:spcBef>
+                          <a:spcPts val="600"/>
+                        </a:spcBef>
+                        <a:spcAft>
+                          <a:spcPts val="600"/>
+                        </a:spcAft>
+                      </a:pPr>
+                      <a:r>
+                        <a:rPr lang="en-US" sz="2000" b="0" i="0" u="none" strike="noStrike" dirty="0">
+                          <a:solidFill>
+                            <a:srgbClr val="000000"/>
+                          </a:solidFill>
+                          <a:effectLst/>
+                          <a:latin typeface="+mn-lt"/>
+                        </a:rPr>
+                        <a:t>2152.18826</a:t>
+                      </a:r>
+                    </a:p>
+                  </a:txBody>
+                  <a:tcPr anchor="ctr"/>
+                </a:tc>
+                <a:tc>
+                  <a:txBody>
+                    <a:bodyPr/>
+                    <a:lstStyle/>
+                    <a:p>
+                      <a:pPr algn="ctr" fontAlgn="b">
+                        <a:spcBef>
+                          <a:spcPts val="600"/>
+                        </a:spcBef>
+                        <a:spcAft>
+                          <a:spcPts val="600"/>
+                        </a:spcAft>
+                      </a:pPr>
+                      <a:r>
+                        <a:rPr lang="en-US" sz="2000" b="0" i="0" u="none" strike="noStrike" dirty="0">
+                          <a:solidFill>
+                            <a:srgbClr val="000000"/>
+                          </a:solidFill>
+                          <a:effectLst/>
+                          <a:latin typeface="+mn-lt"/>
+                        </a:rPr>
+                        <a:t>3886</a:t>
+                      </a:r>
+                    </a:p>
+                  </a:txBody>
+                  <a:tcPr anchor="ctr"/>
+                </a:tc>
+                <a:tc>
+                  <a:txBody>
+                    <a:bodyPr/>
+                    <a:lstStyle/>
+                    <a:p>
+                      <a:pPr algn="ctr" fontAlgn="b">
+                        <a:spcBef>
+                          <a:spcPts val="600"/>
+                        </a:spcBef>
+                        <a:spcAft>
+                          <a:spcPts val="600"/>
+                        </a:spcAft>
+                      </a:pPr>
+                      <a:r>
+                        <a:rPr lang="en-US" sz="2000" b="0" i="0" u="none" strike="noStrike" dirty="0">
+                          <a:solidFill>
+                            <a:srgbClr val="000000"/>
+                          </a:solidFill>
+                          <a:effectLst/>
+                          <a:latin typeface="+mn-lt"/>
+                        </a:rPr>
+                        <a:t>7436</a:t>
+                      </a:r>
+                    </a:p>
+                  </a:txBody>
+                  <a:tcPr anchor="ctr"/>
+                </a:tc>
+                <a:tc>
+                  <a:txBody>
+                    <a:bodyPr/>
+                    <a:lstStyle/>
+                    <a:p>
+                      <a:pPr algn="ctr" fontAlgn="b">
+                        <a:spcBef>
+                          <a:spcPts val="600"/>
+                        </a:spcBef>
+                        <a:spcAft>
+                          <a:spcPts val="600"/>
+                        </a:spcAft>
+                      </a:pPr>
+                      <a:r>
+                        <a:rPr lang="en-US" sz="2000" b="0" i="0" u="none" strike="noStrike" dirty="0">
+                          <a:solidFill>
+                            <a:srgbClr val="000000"/>
+                          </a:solidFill>
+                          <a:effectLst/>
+                          <a:latin typeface="+mn-lt"/>
+                        </a:rPr>
+                        <a:t>9166</a:t>
+                      </a:r>
+                    </a:p>
+                  </a:txBody>
+                  <a:tcPr anchor="ctr"/>
+                </a:tc>
+                <a:tc>
+                  <a:txBody>
+                    <a:bodyPr/>
+                    <a:lstStyle/>
+                    <a:p>
+                      <a:pPr algn="ctr" fontAlgn="b">
+                        <a:spcBef>
+                          <a:spcPts val="600"/>
+                        </a:spcBef>
+                        <a:spcAft>
+                          <a:spcPts val="600"/>
+                        </a:spcAft>
+                      </a:pPr>
+                      <a:r>
+                        <a:rPr lang="en-US" sz="2000" b="0" i="0" u="none" strike="noStrike">
+                          <a:solidFill>
+                            <a:srgbClr val="000000"/>
+                          </a:solidFill>
+                          <a:effectLst/>
+                          <a:latin typeface="+mn-lt"/>
+                        </a:rPr>
+                        <a:t>10694</a:t>
+                      </a:r>
+                    </a:p>
+                  </a:txBody>
+                  <a:tcPr anchor="ctr"/>
+                </a:tc>
+                <a:tc>
+                  <a:txBody>
+                    <a:bodyPr/>
+                    <a:lstStyle/>
+                    <a:p>
+                      <a:pPr algn="ctr" fontAlgn="b">
+                        <a:spcBef>
+                          <a:spcPts val="600"/>
+                        </a:spcBef>
+                        <a:spcAft>
+                          <a:spcPts val="600"/>
+                        </a:spcAft>
+                      </a:pPr>
+                      <a:r>
+                        <a:rPr lang="en-US" sz="2000" b="0" i="0" u="none" strike="noStrike">
+                          <a:solidFill>
+                            <a:srgbClr val="000000"/>
+                          </a:solidFill>
+                          <a:effectLst/>
+                          <a:latin typeface="+mn-lt"/>
+                        </a:rPr>
+                        <a:t>14416</a:t>
+                      </a:r>
+                    </a:p>
+                  </a:txBody>
+                  <a:tcPr anchor="ctr"/>
+                </a:tc>
+                <a:extLst>
+                  <a:ext uri="{0D108BD9-81ED-4DB2-BD59-A6C34878D82A}">
+                    <a16:rowId xmlns:a16="http://schemas.microsoft.com/office/drawing/2014/main" val="871339042"/>
+                  </a:ext>
+                </a:extLst>
+              </a:tr>
+              <a:tr h="365760">
+                <a:tc>
+                  <a:txBody>
+                    <a:bodyPr/>
+                    <a:lstStyle/>
+                    <a:p>
+                      <a:pPr algn="r" fontAlgn="b">
+                        <a:spcBef>
+                          <a:spcPts val="600"/>
+                        </a:spcBef>
+                        <a:spcAft>
+                          <a:spcPts val="600"/>
+                        </a:spcAft>
+                      </a:pPr>
+                      <a:r>
+                        <a:rPr lang="en-US" sz="2000" b="0" i="0" u="none" strike="noStrike" dirty="0">
+                          <a:solidFill>
+                            <a:srgbClr val="000000"/>
+                          </a:solidFill>
+                          <a:effectLst/>
+                          <a:latin typeface="+mn-lt"/>
+                        </a:rPr>
+                        <a:t>Lowest Elevation</a:t>
+                      </a:r>
+                    </a:p>
+                  </a:txBody>
+                  <a:tcPr anchor="ctr"/>
+                </a:tc>
+                <a:tc>
+                  <a:txBody>
+                    <a:bodyPr/>
+                    <a:lstStyle/>
+                    <a:p>
+                      <a:pPr algn="ctr" fontAlgn="b">
+                        <a:spcBef>
+                          <a:spcPts val="600"/>
+                        </a:spcBef>
+                        <a:spcAft>
+                          <a:spcPts val="600"/>
+                        </a:spcAft>
+                      </a:pPr>
+                      <a:r>
+                        <a:rPr lang="en-US" sz="2000" b="0" i="0" u="none" strike="noStrike" dirty="0">
+                          <a:solidFill>
+                            <a:srgbClr val="000000"/>
+                          </a:solidFill>
+                          <a:effectLst/>
+                          <a:latin typeface="+mn-lt"/>
+                        </a:rPr>
+                        <a:t>4903</a:t>
+                      </a:r>
+                    </a:p>
+                  </a:txBody>
+                  <a:tcPr anchor="ctr"/>
+                </a:tc>
+                <a:tc>
+                  <a:txBody>
+                    <a:bodyPr/>
+                    <a:lstStyle/>
+                    <a:p>
+                      <a:pPr algn="ctr" fontAlgn="b">
+                        <a:spcBef>
+                          <a:spcPts val="600"/>
+                        </a:spcBef>
+                        <a:spcAft>
+                          <a:spcPts val="600"/>
+                        </a:spcAft>
+                      </a:pPr>
+                      <a:r>
+                        <a:rPr lang="en-US" sz="2000" b="0" i="0" u="none" strike="noStrike" dirty="0">
+                          <a:solidFill>
+                            <a:srgbClr val="000000"/>
+                          </a:solidFill>
+                          <a:effectLst/>
+                          <a:latin typeface="+mn-lt"/>
+                        </a:rPr>
+                        <a:t>8232.81154</a:t>
+                      </a:r>
+                    </a:p>
+                  </a:txBody>
+                  <a:tcPr anchor="ctr"/>
+                </a:tc>
+                <a:tc>
+                  <a:txBody>
+                    <a:bodyPr/>
+                    <a:lstStyle/>
+                    <a:p>
+                      <a:pPr algn="ctr" fontAlgn="b">
+                        <a:spcBef>
+                          <a:spcPts val="600"/>
+                        </a:spcBef>
+                        <a:spcAft>
+                          <a:spcPts val="600"/>
+                        </a:spcAft>
+                      </a:pPr>
+                      <a:r>
+                        <a:rPr lang="en-US" sz="2000" b="0" i="0" u="none" strike="noStrike" dirty="0">
+                          <a:solidFill>
+                            <a:srgbClr val="000000"/>
+                          </a:solidFill>
+                          <a:effectLst/>
+                          <a:latin typeface="+mn-lt"/>
+                        </a:rPr>
+                        <a:t>1754.70722</a:t>
+                      </a:r>
+                    </a:p>
+                  </a:txBody>
+                  <a:tcPr anchor="ctr"/>
+                </a:tc>
+                <a:tc>
+                  <a:txBody>
+                    <a:bodyPr/>
+                    <a:lstStyle/>
+                    <a:p>
+                      <a:pPr algn="ctr" fontAlgn="b">
+                        <a:spcBef>
+                          <a:spcPts val="600"/>
+                        </a:spcBef>
+                        <a:spcAft>
+                          <a:spcPts val="600"/>
+                        </a:spcAft>
+                      </a:pPr>
+                      <a:r>
+                        <a:rPr lang="en-US" sz="2000" b="0" i="0" u="none" strike="noStrike" dirty="0">
+                          <a:solidFill>
+                            <a:srgbClr val="000000"/>
+                          </a:solidFill>
+                          <a:effectLst/>
+                          <a:latin typeface="+mn-lt"/>
+                        </a:rPr>
+                        <a:t>3752</a:t>
+                      </a:r>
+                    </a:p>
+                  </a:txBody>
+                  <a:tcPr anchor="ctr"/>
+                </a:tc>
+                <a:tc>
+                  <a:txBody>
+                    <a:bodyPr/>
+                    <a:lstStyle/>
+                    <a:p>
+                      <a:pPr algn="ctr" fontAlgn="b">
+                        <a:spcBef>
+                          <a:spcPts val="600"/>
+                        </a:spcBef>
+                        <a:spcAft>
+                          <a:spcPts val="600"/>
+                        </a:spcAft>
+                      </a:pPr>
+                      <a:r>
+                        <a:rPr lang="en-US" sz="2000" b="0" i="0" u="none" strike="noStrike" dirty="0">
+                          <a:solidFill>
+                            <a:srgbClr val="000000"/>
+                          </a:solidFill>
+                          <a:effectLst/>
+                          <a:latin typeface="+mn-lt"/>
+                        </a:rPr>
+                        <a:t>6923</a:t>
+                      </a:r>
+                    </a:p>
+                  </a:txBody>
+                  <a:tcPr anchor="ctr"/>
+                </a:tc>
+                <a:tc>
+                  <a:txBody>
+                    <a:bodyPr/>
+                    <a:lstStyle/>
+                    <a:p>
+                      <a:pPr algn="ctr" fontAlgn="b">
+                        <a:spcBef>
+                          <a:spcPts val="600"/>
+                        </a:spcBef>
+                        <a:spcAft>
+                          <a:spcPts val="600"/>
+                        </a:spcAft>
+                      </a:pPr>
+                      <a:r>
+                        <a:rPr lang="en-US" sz="2000" b="0" i="0" u="none" strike="noStrike" dirty="0">
+                          <a:solidFill>
+                            <a:srgbClr val="000000"/>
+                          </a:solidFill>
+                          <a:effectLst/>
+                          <a:latin typeface="+mn-lt"/>
+                        </a:rPr>
+                        <a:t>8332</a:t>
+                      </a:r>
+                    </a:p>
+                  </a:txBody>
+                  <a:tcPr anchor="ctr"/>
+                </a:tc>
+                <a:tc>
+                  <a:txBody>
+                    <a:bodyPr/>
+                    <a:lstStyle/>
+                    <a:p>
+                      <a:pPr algn="ctr" fontAlgn="b">
+                        <a:spcBef>
+                          <a:spcPts val="600"/>
+                        </a:spcBef>
+                        <a:spcAft>
+                          <a:spcPts val="600"/>
+                        </a:spcAft>
+                      </a:pPr>
+                      <a:r>
+                        <a:rPr lang="en-US" sz="2000" b="0" i="0" u="none" strike="noStrike">
+                          <a:solidFill>
+                            <a:srgbClr val="000000"/>
+                          </a:solidFill>
+                          <a:effectLst/>
+                          <a:latin typeface="+mn-lt"/>
+                        </a:rPr>
+                        <a:t>9413</a:t>
+                      </a:r>
+                    </a:p>
+                  </a:txBody>
+                  <a:tcPr anchor="ctr"/>
+                </a:tc>
+                <a:tc>
+                  <a:txBody>
+                    <a:bodyPr/>
+                    <a:lstStyle/>
+                    <a:p>
+                      <a:pPr algn="ctr" fontAlgn="b">
+                        <a:spcBef>
+                          <a:spcPts val="600"/>
+                        </a:spcBef>
+                        <a:spcAft>
+                          <a:spcPts val="600"/>
+                        </a:spcAft>
+                      </a:pPr>
+                      <a:r>
+                        <a:rPr lang="en-US" sz="2000" b="0" i="0" u="none" strike="noStrike">
+                          <a:solidFill>
+                            <a:srgbClr val="000000"/>
+                          </a:solidFill>
+                          <a:effectLst/>
+                          <a:latin typeface="+mn-lt"/>
+                        </a:rPr>
+                        <a:t>14131</a:t>
+                      </a:r>
+                    </a:p>
+                  </a:txBody>
+                  <a:tcPr anchor="ctr"/>
+                </a:tc>
+                <a:extLst>
+                  <a:ext uri="{0D108BD9-81ED-4DB2-BD59-A6C34878D82A}">
+                    <a16:rowId xmlns:a16="http://schemas.microsoft.com/office/drawing/2014/main" val="1754079117"/>
+                  </a:ext>
+                </a:extLst>
+              </a:tr>
+              <a:tr h="365760">
+                <a:tc>
+                  <a:txBody>
+                    <a:bodyPr/>
+                    <a:lstStyle/>
+                    <a:p>
+                      <a:pPr algn="r" fontAlgn="b">
+                        <a:spcBef>
+                          <a:spcPts val="600"/>
+                        </a:spcBef>
+                        <a:spcAft>
+                          <a:spcPts val="600"/>
+                        </a:spcAft>
+                      </a:pPr>
+                      <a:r>
+                        <a:rPr lang="en-US" sz="2000" b="0" i="0" u="none" strike="noStrike" dirty="0">
+                          <a:solidFill>
+                            <a:srgbClr val="000000"/>
+                          </a:solidFill>
+                          <a:effectLst/>
+                          <a:latin typeface="+mn-lt"/>
+                        </a:rPr>
+                        <a:t>Average Grade</a:t>
+                      </a:r>
+                    </a:p>
+                  </a:txBody>
+                  <a:tcPr anchor="ctr"/>
+                </a:tc>
+                <a:tc>
+                  <a:txBody>
+                    <a:bodyPr/>
+                    <a:lstStyle/>
+                    <a:p>
+                      <a:pPr algn="ctr" fontAlgn="b">
+                        <a:spcBef>
+                          <a:spcPts val="600"/>
+                        </a:spcBef>
+                        <a:spcAft>
+                          <a:spcPts val="600"/>
+                        </a:spcAft>
+                      </a:pPr>
+                      <a:r>
+                        <a:rPr lang="en-US" sz="2000" b="0" i="0" u="none" strike="noStrike">
+                          <a:solidFill>
+                            <a:srgbClr val="000000"/>
+                          </a:solidFill>
+                          <a:effectLst/>
+                          <a:latin typeface="+mn-lt"/>
+                        </a:rPr>
+                        <a:t>4903</a:t>
+                      </a:r>
+                    </a:p>
+                  </a:txBody>
+                  <a:tcPr anchor="ctr"/>
+                </a:tc>
+                <a:tc>
+                  <a:txBody>
+                    <a:bodyPr/>
+                    <a:lstStyle/>
+                    <a:p>
+                      <a:pPr algn="ctr" fontAlgn="b">
+                        <a:spcBef>
+                          <a:spcPts val="600"/>
+                        </a:spcBef>
+                        <a:spcAft>
+                          <a:spcPts val="600"/>
+                        </a:spcAft>
+                      </a:pPr>
+                      <a:r>
+                        <a:rPr lang="en-US" sz="2000" b="0" i="0" u="none" strike="noStrike" dirty="0">
+                          <a:solidFill>
+                            <a:srgbClr val="000000"/>
+                          </a:solidFill>
+                          <a:effectLst/>
+                          <a:latin typeface="+mn-lt"/>
+                        </a:rPr>
+                        <a:t>0.072011</a:t>
+                      </a:r>
+                    </a:p>
+                  </a:txBody>
+                  <a:tcPr anchor="ctr"/>
+                </a:tc>
+                <a:tc>
+                  <a:txBody>
+                    <a:bodyPr/>
+                    <a:lstStyle/>
+                    <a:p>
+                      <a:pPr algn="ctr" fontAlgn="b">
+                        <a:spcBef>
+                          <a:spcPts val="600"/>
+                        </a:spcBef>
+                        <a:spcAft>
+                          <a:spcPts val="600"/>
+                        </a:spcAft>
+                      </a:pPr>
+                      <a:r>
+                        <a:rPr lang="en-US" sz="2000" b="0" i="0" u="none" strike="noStrike" dirty="0">
+                          <a:solidFill>
+                            <a:srgbClr val="000000"/>
+                          </a:solidFill>
+                          <a:effectLst/>
+                          <a:latin typeface="+mn-lt"/>
+                        </a:rPr>
+                        <a:t>0.048774</a:t>
+                      </a:r>
+                    </a:p>
+                  </a:txBody>
+                  <a:tcPr anchor="ctr"/>
+                </a:tc>
+                <a:tc>
+                  <a:txBody>
+                    <a:bodyPr/>
+                    <a:lstStyle/>
+                    <a:p>
+                      <a:pPr algn="ctr" fontAlgn="b">
+                        <a:spcBef>
+                          <a:spcPts val="600"/>
+                        </a:spcBef>
+                        <a:spcAft>
+                          <a:spcPts val="600"/>
+                        </a:spcAft>
+                      </a:pPr>
+                      <a:r>
+                        <a:rPr lang="en-US" sz="2000" b="0" i="0" u="none" strike="noStrike" dirty="0">
+                          <a:solidFill>
+                            <a:srgbClr val="000000"/>
+                          </a:solidFill>
+                          <a:effectLst/>
+                          <a:latin typeface="+mn-lt"/>
+                        </a:rPr>
+                        <a:t>0</a:t>
+                      </a:r>
+                    </a:p>
+                  </a:txBody>
+                  <a:tcPr anchor="ctr"/>
+                </a:tc>
+                <a:tc>
+                  <a:txBody>
+                    <a:bodyPr/>
+                    <a:lstStyle/>
+                    <a:p>
+                      <a:pPr algn="ctr" fontAlgn="b">
+                        <a:spcBef>
+                          <a:spcPts val="600"/>
+                        </a:spcBef>
+                        <a:spcAft>
+                          <a:spcPts val="600"/>
+                        </a:spcAft>
+                      </a:pPr>
+                      <a:r>
+                        <a:rPr lang="en-US" sz="2000" b="0" i="0" u="none" strike="noStrike" dirty="0">
+                          <a:solidFill>
+                            <a:srgbClr val="000000"/>
+                          </a:solidFill>
+                          <a:effectLst/>
+                          <a:latin typeface="+mn-lt"/>
+                        </a:rPr>
+                        <a:t>0.04</a:t>
+                      </a:r>
+                    </a:p>
+                  </a:txBody>
+                  <a:tcPr anchor="ctr"/>
+                </a:tc>
+                <a:tc>
+                  <a:txBody>
+                    <a:bodyPr/>
+                    <a:lstStyle/>
+                    <a:p>
+                      <a:pPr algn="ctr" fontAlgn="b">
+                        <a:spcBef>
+                          <a:spcPts val="600"/>
+                        </a:spcBef>
+                        <a:spcAft>
+                          <a:spcPts val="600"/>
+                        </a:spcAft>
+                      </a:pPr>
+                      <a:r>
+                        <a:rPr lang="en-US" sz="2000" b="0" i="0" u="none" strike="noStrike" dirty="0">
+                          <a:solidFill>
+                            <a:srgbClr val="000000"/>
+                          </a:solidFill>
+                          <a:effectLst/>
+                          <a:latin typeface="+mn-lt"/>
+                        </a:rPr>
+                        <a:t>0.06</a:t>
+                      </a:r>
+                    </a:p>
+                  </a:txBody>
+                  <a:tcPr anchor="ctr"/>
+                </a:tc>
+                <a:tc>
+                  <a:txBody>
+                    <a:bodyPr/>
+                    <a:lstStyle/>
+                    <a:p>
+                      <a:pPr algn="ctr" fontAlgn="b">
+                        <a:spcBef>
+                          <a:spcPts val="600"/>
+                        </a:spcBef>
+                        <a:spcAft>
+                          <a:spcPts val="600"/>
+                        </a:spcAft>
+                      </a:pPr>
+                      <a:r>
+                        <a:rPr lang="en-US" sz="2000" b="0" i="0" u="none" strike="noStrike" dirty="0">
+                          <a:solidFill>
+                            <a:srgbClr val="000000"/>
+                          </a:solidFill>
+                          <a:effectLst/>
+                          <a:latin typeface="+mn-lt"/>
+                        </a:rPr>
+                        <a:t>0.09</a:t>
+                      </a:r>
+                    </a:p>
+                  </a:txBody>
+                  <a:tcPr anchor="ctr"/>
+                </a:tc>
+                <a:tc>
+                  <a:txBody>
+                    <a:bodyPr/>
+                    <a:lstStyle/>
+                    <a:p>
+                      <a:pPr algn="ctr" fontAlgn="b">
+                        <a:spcBef>
+                          <a:spcPts val="600"/>
+                        </a:spcBef>
+                        <a:spcAft>
+                          <a:spcPts val="600"/>
+                        </a:spcAft>
+                      </a:pPr>
+                      <a:r>
+                        <a:rPr lang="en-US" sz="2000" b="0" i="0" u="none" strike="noStrike">
+                          <a:solidFill>
+                            <a:srgbClr val="000000"/>
+                          </a:solidFill>
+                          <a:effectLst/>
+                          <a:latin typeface="+mn-lt"/>
+                        </a:rPr>
+                        <a:t>0.62</a:t>
+                      </a:r>
+                    </a:p>
+                  </a:txBody>
+                  <a:tcPr anchor="ctr"/>
+                </a:tc>
+                <a:extLst>
+                  <a:ext uri="{0D108BD9-81ED-4DB2-BD59-A6C34878D82A}">
+                    <a16:rowId xmlns:a16="http://schemas.microsoft.com/office/drawing/2014/main" val="3149797304"/>
+                  </a:ext>
+                </a:extLst>
+              </a:tr>
+              <a:tr h="365760">
+                <a:tc>
+                  <a:txBody>
+                    <a:bodyPr/>
+                    <a:lstStyle/>
+                    <a:p>
+                      <a:pPr algn="r" fontAlgn="b">
+                        <a:spcBef>
+                          <a:spcPts val="600"/>
+                        </a:spcBef>
+                        <a:spcAft>
+                          <a:spcPts val="600"/>
+                        </a:spcAft>
+                      </a:pPr>
+                      <a:r>
+                        <a:rPr lang="en-US" sz="2000" b="0" i="0" u="none" strike="noStrike" dirty="0">
+                          <a:solidFill>
+                            <a:srgbClr val="000000"/>
+                          </a:solidFill>
+                          <a:effectLst/>
+                          <a:latin typeface="+mn-lt"/>
+                        </a:rPr>
+                        <a:t>Max Grade</a:t>
+                      </a:r>
+                    </a:p>
+                  </a:txBody>
+                  <a:tcPr anchor="ctr"/>
+                </a:tc>
+                <a:tc>
+                  <a:txBody>
+                    <a:bodyPr/>
+                    <a:lstStyle/>
+                    <a:p>
+                      <a:pPr algn="ctr" fontAlgn="b">
+                        <a:spcBef>
+                          <a:spcPts val="600"/>
+                        </a:spcBef>
+                        <a:spcAft>
+                          <a:spcPts val="600"/>
+                        </a:spcAft>
+                      </a:pPr>
+                      <a:r>
+                        <a:rPr lang="en-US" sz="2000" b="0" i="0" u="none" strike="noStrike">
+                          <a:solidFill>
+                            <a:srgbClr val="000000"/>
+                          </a:solidFill>
+                          <a:effectLst/>
+                          <a:latin typeface="+mn-lt"/>
+                        </a:rPr>
+                        <a:t>4903</a:t>
+                      </a:r>
+                    </a:p>
+                  </a:txBody>
+                  <a:tcPr anchor="ctr"/>
+                </a:tc>
+                <a:tc>
+                  <a:txBody>
+                    <a:bodyPr/>
+                    <a:lstStyle/>
+                    <a:p>
+                      <a:pPr algn="ctr" fontAlgn="b">
+                        <a:spcBef>
+                          <a:spcPts val="600"/>
+                        </a:spcBef>
+                        <a:spcAft>
+                          <a:spcPts val="600"/>
+                        </a:spcAft>
+                      </a:pPr>
+                      <a:r>
+                        <a:rPr lang="en-US" sz="2000" b="0" i="0" u="none" strike="noStrike" dirty="0">
+                          <a:solidFill>
+                            <a:srgbClr val="000000"/>
+                          </a:solidFill>
+                          <a:effectLst/>
+                          <a:latin typeface="+mn-lt"/>
+                        </a:rPr>
+                        <a:t>0.219759</a:t>
+                      </a:r>
+                    </a:p>
+                  </a:txBody>
+                  <a:tcPr anchor="ctr"/>
+                </a:tc>
+                <a:tc>
+                  <a:txBody>
+                    <a:bodyPr/>
+                    <a:lstStyle/>
+                    <a:p>
+                      <a:pPr algn="ctr" fontAlgn="b">
+                        <a:spcBef>
+                          <a:spcPts val="600"/>
+                        </a:spcBef>
+                        <a:spcAft>
+                          <a:spcPts val="600"/>
+                        </a:spcAft>
+                      </a:pPr>
+                      <a:r>
+                        <a:rPr lang="en-US" sz="2000" b="0" i="0" u="none" strike="noStrike" dirty="0">
+                          <a:solidFill>
+                            <a:srgbClr val="000000"/>
+                          </a:solidFill>
+                          <a:effectLst/>
+                          <a:latin typeface="+mn-lt"/>
+                        </a:rPr>
+                        <a:t>0.153531</a:t>
+                      </a:r>
+                    </a:p>
+                  </a:txBody>
+                  <a:tcPr anchor="ctr"/>
+                </a:tc>
+                <a:tc>
+                  <a:txBody>
+                    <a:bodyPr/>
+                    <a:lstStyle/>
+                    <a:p>
+                      <a:pPr algn="ctr" fontAlgn="b">
+                        <a:spcBef>
+                          <a:spcPts val="600"/>
+                        </a:spcBef>
+                        <a:spcAft>
+                          <a:spcPts val="600"/>
+                        </a:spcAft>
+                      </a:pPr>
+                      <a:r>
+                        <a:rPr lang="en-US" sz="2000" b="0" i="0" u="none" strike="noStrike">
+                          <a:solidFill>
+                            <a:srgbClr val="000000"/>
+                          </a:solidFill>
+                          <a:effectLst/>
+                          <a:latin typeface="+mn-lt"/>
+                        </a:rPr>
+                        <a:t>0</a:t>
+                      </a:r>
+                    </a:p>
+                  </a:txBody>
+                  <a:tcPr anchor="ctr"/>
+                </a:tc>
+                <a:tc>
+                  <a:txBody>
+                    <a:bodyPr/>
+                    <a:lstStyle/>
+                    <a:p>
+                      <a:pPr algn="ctr" fontAlgn="b">
+                        <a:spcBef>
+                          <a:spcPts val="600"/>
+                        </a:spcBef>
+                        <a:spcAft>
+                          <a:spcPts val="600"/>
+                        </a:spcAft>
+                      </a:pPr>
+                      <a:r>
+                        <a:rPr lang="en-US" sz="2000" b="0" i="0" u="none" strike="noStrike" dirty="0">
+                          <a:solidFill>
+                            <a:srgbClr val="000000"/>
+                          </a:solidFill>
+                          <a:effectLst/>
+                          <a:latin typeface="+mn-lt"/>
+                        </a:rPr>
+                        <a:t>0.12</a:t>
+                      </a:r>
+                    </a:p>
+                  </a:txBody>
+                  <a:tcPr anchor="ctr"/>
+                </a:tc>
+                <a:tc>
+                  <a:txBody>
+                    <a:bodyPr/>
+                    <a:lstStyle/>
+                    <a:p>
+                      <a:pPr algn="ctr" fontAlgn="b">
+                        <a:spcBef>
+                          <a:spcPts val="600"/>
+                        </a:spcBef>
+                        <a:spcAft>
+                          <a:spcPts val="600"/>
+                        </a:spcAft>
+                      </a:pPr>
+                      <a:r>
+                        <a:rPr lang="en-US" sz="2000" b="0" i="0" u="none" strike="noStrike" dirty="0">
+                          <a:solidFill>
+                            <a:srgbClr val="000000"/>
+                          </a:solidFill>
+                          <a:effectLst/>
+                          <a:latin typeface="+mn-lt"/>
+                        </a:rPr>
+                        <a:t>0.19</a:t>
+                      </a:r>
+                    </a:p>
+                  </a:txBody>
+                  <a:tcPr anchor="ctr"/>
+                </a:tc>
+                <a:tc>
+                  <a:txBody>
+                    <a:bodyPr/>
+                    <a:lstStyle/>
+                    <a:p>
+                      <a:pPr algn="ctr" fontAlgn="b">
+                        <a:spcBef>
+                          <a:spcPts val="600"/>
+                        </a:spcBef>
+                        <a:spcAft>
+                          <a:spcPts val="600"/>
+                        </a:spcAft>
+                      </a:pPr>
+                      <a:r>
+                        <a:rPr lang="en-US" sz="2000" b="0" i="0" u="none" strike="noStrike" dirty="0">
+                          <a:solidFill>
+                            <a:srgbClr val="000000"/>
+                          </a:solidFill>
+                          <a:effectLst/>
+                          <a:latin typeface="+mn-lt"/>
+                        </a:rPr>
+                        <a:t>0.28</a:t>
+                      </a:r>
+                    </a:p>
+                  </a:txBody>
+                  <a:tcPr anchor="ctr"/>
+                </a:tc>
+                <a:tc>
+                  <a:txBody>
+                    <a:bodyPr/>
+                    <a:lstStyle/>
+                    <a:p>
+                      <a:pPr algn="ctr" fontAlgn="b">
+                        <a:spcBef>
+                          <a:spcPts val="600"/>
+                        </a:spcBef>
+                        <a:spcAft>
+                          <a:spcPts val="600"/>
+                        </a:spcAft>
+                      </a:pPr>
+                      <a:r>
+                        <a:rPr lang="en-US" sz="2000" b="0" i="0" u="none" strike="noStrike" dirty="0">
+                          <a:solidFill>
+                            <a:srgbClr val="000000"/>
+                          </a:solidFill>
+                          <a:effectLst/>
+                          <a:latin typeface="+mn-lt"/>
+                        </a:rPr>
+                        <a:t>1.56</a:t>
+                      </a:r>
+                    </a:p>
+                  </a:txBody>
+                  <a:tcPr anchor="ctr"/>
+                </a:tc>
+                <a:extLst>
+                  <a:ext uri="{0D108BD9-81ED-4DB2-BD59-A6C34878D82A}">
+                    <a16:rowId xmlns:a16="http://schemas.microsoft.com/office/drawing/2014/main" val="150218745"/>
+                  </a:ext>
+                </a:extLst>
+              </a:tr>
+              <a:tr h="365760">
+                <a:tc>
+                  <a:txBody>
+                    <a:bodyPr/>
+                    <a:lstStyle/>
+                    <a:p>
+                      <a:pPr algn="r" fontAlgn="b">
+                        <a:spcBef>
+                          <a:spcPts val="600"/>
+                        </a:spcBef>
+                        <a:spcAft>
+                          <a:spcPts val="600"/>
+                        </a:spcAft>
+                      </a:pPr>
+                      <a:r>
+                        <a:rPr lang="en-US" sz="2000" b="0" i="0" u="none" strike="noStrike" dirty="0">
+                          <a:solidFill>
+                            <a:srgbClr val="000000"/>
+                          </a:solidFill>
+                          <a:effectLst/>
+                          <a:latin typeface="+mn-lt"/>
+                        </a:rPr>
+                        <a:t>Overall Trail Rating</a:t>
+                      </a:r>
+                    </a:p>
+                  </a:txBody>
+                  <a:tcPr anchor="ctr"/>
+                </a:tc>
+                <a:tc>
+                  <a:txBody>
+                    <a:bodyPr/>
+                    <a:lstStyle/>
+                    <a:p>
+                      <a:pPr algn="ctr" fontAlgn="b">
+                        <a:spcBef>
+                          <a:spcPts val="600"/>
+                        </a:spcBef>
+                        <a:spcAft>
+                          <a:spcPts val="600"/>
+                        </a:spcAft>
+                      </a:pPr>
+                      <a:r>
+                        <a:rPr lang="en-US" sz="2000" b="0" i="0" u="none" strike="noStrike">
+                          <a:solidFill>
+                            <a:srgbClr val="000000"/>
+                          </a:solidFill>
+                          <a:effectLst/>
+                          <a:latin typeface="+mn-lt"/>
+                        </a:rPr>
+                        <a:t>3307</a:t>
+                      </a:r>
+                    </a:p>
+                  </a:txBody>
+                  <a:tcPr anchor="ctr"/>
+                </a:tc>
+                <a:tc>
+                  <a:txBody>
+                    <a:bodyPr/>
+                    <a:lstStyle/>
+                    <a:p>
+                      <a:pPr algn="ctr" fontAlgn="b">
+                        <a:spcBef>
+                          <a:spcPts val="600"/>
+                        </a:spcBef>
+                        <a:spcAft>
+                          <a:spcPts val="600"/>
+                        </a:spcAft>
+                      </a:pPr>
+                      <a:r>
+                        <a:rPr lang="en-US" sz="2000" b="0" i="0" u="none" strike="noStrike" dirty="0">
+                          <a:solidFill>
+                            <a:srgbClr val="000000"/>
+                          </a:solidFill>
+                          <a:effectLst/>
+                          <a:latin typeface="+mn-lt"/>
+                        </a:rPr>
+                        <a:t>3.614696</a:t>
+                      </a:r>
+                    </a:p>
+                  </a:txBody>
+                  <a:tcPr anchor="ctr"/>
+                </a:tc>
+                <a:tc>
+                  <a:txBody>
+                    <a:bodyPr/>
+                    <a:lstStyle/>
+                    <a:p>
+                      <a:pPr algn="ctr" fontAlgn="b">
+                        <a:spcBef>
+                          <a:spcPts val="600"/>
+                        </a:spcBef>
+                        <a:spcAft>
+                          <a:spcPts val="600"/>
+                        </a:spcAft>
+                      </a:pPr>
+                      <a:r>
+                        <a:rPr lang="en-US" sz="2000" b="0" i="0" u="none" strike="noStrike" dirty="0">
+                          <a:solidFill>
+                            <a:srgbClr val="000000"/>
+                          </a:solidFill>
+                          <a:effectLst/>
+                          <a:latin typeface="+mn-lt"/>
+                        </a:rPr>
+                        <a:t>0.863918</a:t>
+                      </a:r>
+                    </a:p>
+                  </a:txBody>
+                  <a:tcPr anchor="ctr"/>
+                </a:tc>
+                <a:tc>
+                  <a:txBody>
+                    <a:bodyPr/>
+                    <a:lstStyle/>
+                    <a:p>
+                      <a:pPr algn="ctr" fontAlgn="b">
+                        <a:spcBef>
+                          <a:spcPts val="600"/>
+                        </a:spcBef>
+                        <a:spcAft>
+                          <a:spcPts val="600"/>
+                        </a:spcAft>
+                      </a:pPr>
+                      <a:r>
+                        <a:rPr lang="en-US" sz="2000" b="0" i="0" u="none" strike="noStrike">
+                          <a:solidFill>
+                            <a:srgbClr val="000000"/>
+                          </a:solidFill>
+                          <a:effectLst/>
+                          <a:latin typeface="+mn-lt"/>
+                        </a:rPr>
+                        <a:t>1</a:t>
+                      </a:r>
+                    </a:p>
+                  </a:txBody>
+                  <a:tcPr anchor="ctr"/>
+                </a:tc>
+                <a:tc>
+                  <a:txBody>
+                    <a:bodyPr/>
+                    <a:lstStyle/>
+                    <a:p>
+                      <a:pPr algn="ctr" fontAlgn="b">
+                        <a:spcBef>
+                          <a:spcPts val="600"/>
+                        </a:spcBef>
+                        <a:spcAft>
+                          <a:spcPts val="600"/>
+                        </a:spcAft>
+                      </a:pPr>
+                      <a:r>
+                        <a:rPr lang="en-US" sz="2000" b="0" i="0" u="none" strike="noStrike">
+                          <a:solidFill>
+                            <a:srgbClr val="000000"/>
+                          </a:solidFill>
+                          <a:effectLst/>
+                          <a:latin typeface="+mn-lt"/>
+                        </a:rPr>
+                        <a:t>3</a:t>
+                      </a:r>
+                    </a:p>
+                  </a:txBody>
+                  <a:tcPr anchor="ctr"/>
+                </a:tc>
+                <a:tc>
+                  <a:txBody>
+                    <a:bodyPr/>
+                    <a:lstStyle/>
+                    <a:p>
+                      <a:pPr algn="ctr" fontAlgn="b">
+                        <a:spcBef>
+                          <a:spcPts val="600"/>
+                        </a:spcBef>
+                        <a:spcAft>
+                          <a:spcPts val="600"/>
+                        </a:spcAft>
+                      </a:pPr>
+                      <a:r>
+                        <a:rPr lang="en-US" sz="2000" b="0" i="0" u="none" strike="noStrike" dirty="0">
+                          <a:solidFill>
+                            <a:srgbClr val="000000"/>
+                          </a:solidFill>
+                          <a:effectLst/>
+                          <a:latin typeface="+mn-lt"/>
+                        </a:rPr>
+                        <a:t>3.8</a:t>
+                      </a:r>
+                    </a:p>
+                  </a:txBody>
+                  <a:tcPr anchor="ctr"/>
+                </a:tc>
+                <a:tc>
+                  <a:txBody>
+                    <a:bodyPr/>
+                    <a:lstStyle/>
+                    <a:p>
+                      <a:pPr algn="ctr" fontAlgn="b">
+                        <a:spcBef>
+                          <a:spcPts val="600"/>
+                        </a:spcBef>
+                        <a:spcAft>
+                          <a:spcPts val="600"/>
+                        </a:spcAft>
+                      </a:pPr>
+                      <a:r>
+                        <a:rPr lang="en-US" sz="2000" b="0" i="0" u="none" strike="noStrike" dirty="0">
+                          <a:solidFill>
+                            <a:srgbClr val="000000"/>
+                          </a:solidFill>
+                          <a:effectLst/>
+                          <a:latin typeface="+mn-lt"/>
+                        </a:rPr>
+                        <a:t>4.1</a:t>
+                      </a:r>
+                    </a:p>
+                  </a:txBody>
+                  <a:tcPr anchor="ctr"/>
+                </a:tc>
+                <a:tc>
+                  <a:txBody>
+                    <a:bodyPr/>
+                    <a:lstStyle/>
+                    <a:p>
+                      <a:pPr algn="ctr" fontAlgn="b">
+                        <a:spcBef>
+                          <a:spcPts val="600"/>
+                        </a:spcBef>
+                        <a:spcAft>
+                          <a:spcPts val="600"/>
+                        </a:spcAft>
+                      </a:pPr>
+                      <a:r>
+                        <a:rPr lang="en-US" sz="2000" b="0" i="0" u="none" strike="noStrike" dirty="0">
+                          <a:solidFill>
+                            <a:srgbClr val="000000"/>
+                          </a:solidFill>
+                          <a:effectLst/>
+                          <a:latin typeface="+mn-lt"/>
+                        </a:rPr>
+                        <a:t>5</a:t>
+                      </a:r>
+                    </a:p>
+                  </a:txBody>
+                  <a:tcPr anchor="ctr"/>
+                </a:tc>
+                <a:extLst>
+                  <a:ext uri="{0D108BD9-81ED-4DB2-BD59-A6C34878D82A}">
+                    <a16:rowId xmlns:a16="http://schemas.microsoft.com/office/drawing/2014/main" val="3053954823"/>
+                  </a:ext>
+                </a:extLst>
+              </a:tr>
+              <a:tr h="365760">
+                <a:tc>
+                  <a:txBody>
+                    <a:bodyPr/>
+                    <a:lstStyle/>
+                    <a:p>
+                      <a:pPr algn="r" fontAlgn="b">
+                        <a:spcBef>
+                          <a:spcPts val="600"/>
+                        </a:spcBef>
+                        <a:spcAft>
+                          <a:spcPts val="600"/>
+                        </a:spcAft>
+                      </a:pPr>
+                      <a:r>
+                        <a:rPr lang="en-US" sz="2000" b="0" i="0" u="none" strike="noStrike" dirty="0">
+                          <a:solidFill>
+                            <a:srgbClr val="000000"/>
+                          </a:solidFill>
+                          <a:effectLst/>
+                          <a:latin typeface="+mn-lt"/>
+                        </a:rPr>
+                        <a:t>Total User Reviews</a:t>
+                      </a:r>
+                    </a:p>
+                  </a:txBody>
+                  <a:tcPr anchor="ctr"/>
+                </a:tc>
+                <a:tc>
+                  <a:txBody>
+                    <a:bodyPr/>
+                    <a:lstStyle/>
+                    <a:p>
+                      <a:pPr algn="ctr" fontAlgn="b">
+                        <a:spcBef>
+                          <a:spcPts val="600"/>
+                        </a:spcBef>
+                        <a:spcAft>
+                          <a:spcPts val="600"/>
+                        </a:spcAft>
+                      </a:pPr>
+                      <a:r>
+                        <a:rPr lang="en-US" sz="2000" b="0" i="0" u="none" strike="noStrike">
+                          <a:solidFill>
+                            <a:srgbClr val="000000"/>
+                          </a:solidFill>
+                          <a:effectLst/>
+                          <a:latin typeface="+mn-lt"/>
+                        </a:rPr>
+                        <a:t>3307</a:t>
+                      </a:r>
+                    </a:p>
+                  </a:txBody>
+                  <a:tcPr anchor="ctr"/>
+                </a:tc>
+                <a:tc>
+                  <a:txBody>
+                    <a:bodyPr/>
+                    <a:lstStyle/>
+                    <a:p>
+                      <a:pPr algn="ctr" fontAlgn="b">
+                        <a:spcBef>
+                          <a:spcPts val="600"/>
+                        </a:spcBef>
+                        <a:spcAft>
+                          <a:spcPts val="600"/>
+                        </a:spcAft>
+                      </a:pPr>
+                      <a:r>
+                        <a:rPr lang="en-US" sz="2000" b="0" i="0" u="none" strike="noStrike" dirty="0">
+                          <a:solidFill>
+                            <a:srgbClr val="000000"/>
+                          </a:solidFill>
+                          <a:effectLst/>
+                          <a:latin typeface="+mn-lt"/>
+                        </a:rPr>
+                        <a:t>3.680677</a:t>
+                      </a:r>
+                    </a:p>
+                  </a:txBody>
+                  <a:tcPr anchor="ctr"/>
+                </a:tc>
+                <a:tc>
+                  <a:txBody>
+                    <a:bodyPr/>
+                    <a:lstStyle/>
+                    <a:p>
+                      <a:pPr algn="ctr" fontAlgn="b">
+                        <a:spcBef>
+                          <a:spcPts val="600"/>
+                        </a:spcBef>
+                        <a:spcAft>
+                          <a:spcPts val="600"/>
+                        </a:spcAft>
+                      </a:pPr>
+                      <a:r>
+                        <a:rPr lang="en-US" sz="2000" b="0" i="0" u="none" strike="noStrike" dirty="0">
+                          <a:solidFill>
+                            <a:srgbClr val="000000"/>
+                          </a:solidFill>
+                          <a:effectLst/>
+                          <a:latin typeface="+mn-lt"/>
+                        </a:rPr>
+                        <a:t>6.024722</a:t>
+                      </a:r>
+                    </a:p>
+                  </a:txBody>
+                  <a:tcPr anchor="ctr"/>
+                </a:tc>
+                <a:tc>
+                  <a:txBody>
+                    <a:bodyPr/>
+                    <a:lstStyle/>
+                    <a:p>
+                      <a:pPr algn="ctr" fontAlgn="b">
+                        <a:spcBef>
+                          <a:spcPts val="600"/>
+                        </a:spcBef>
+                        <a:spcAft>
+                          <a:spcPts val="600"/>
+                        </a:spcAft>
+                      </a:pPr>
+                      <a:r>
+                        <a:rPr lang="en-US" sz="2000" b="0" i="0" u="none" strike="noStrike">
+                          <a:solidFill>
+                            <a:srgbClr val="000000"/>
+                          </a:solidFill>
+                          <a:effectLst/>
+                          <a:latin typeface="+mn-lt"/>
+                        </a:rPr>
+                        <a:t>1</a:t>
+                      </a:r>
+                    </a:p>
+                  </a:txBody>
+                  <a:tcPr anchor="ctr"/>
+                </a:tc>
+                <a:tc>
+                  <a:txBody>
+                    <a:bodyPr/>
+                    <a:lstStyle/>
+                    <a:p>
+                      <a:pPr algn="ctr" fontAlgn="b">
+                        <a:spcBef>
+                          <a:spcPts val="600"/>
+                        </a:spcBef>
+                        <a:spcAft>
+                          <a:spcPts val="600"/>
+                        </a:spcAft>
+                      </a:pPr>
+                      <a:r>
+                        <a:rPr lang="en-US" sz="2000" b="0" i="0" u="none" strike="noStrike">
+                          <a:solidFill>
+                            <a:srgbClr val="000000"/>
+                          </a:solidFill>
+                          <a:effectLst/>
+                          <a:latin typeface="+mn-lt"/>
+                        </a:rPr>
+                        <a:t>1</a:t>
+                      </a:r>
+                    </a:p>
+                  </a:txBody>
+                  <a:tcPr anchor="ctr"/>
+                </a:tc>
+                <a:tc>
+                  <a:txBody>
+                    <a:bodyPr/>
+                    <a:lstStyle/>
+                    <a:p>
+                      <a:pPr algn="ctr" fontAlgn="b">
+                        <a:spcBef>
+                          <a:spcPts val="600"/>
+                        </a:spcBef>
+                        <a:spcAft>
+                          <a:spcPts val="600"/>
+                        </a:spcAft>
+                      </a:pPr>
+                      <a:r>
+                        <a:rPr lang="en-US" sz="2000" b="0" i="0" u="none" strike="noStrike" dirty="0">
+                          <a:solidFill>
+                            <a:srgbClr val="000000"/>
+                          </a:solidFill>
+                          <a:effectLst/>
+                          <a:latin typeface="+mn-lt"/>
+                        </a:rPr>
+                        <a:t>2</a:t>
+                      </a:r>
+                    </a:p>
+                  </a:txBody>
+                  <a:tcPr anchor="ctr"/>
+                </a:tc>
+                <a:tc>
+                  <a:txBody>
+                    <a:bodyPr/>
+                    <a:lstStyle/>
+                    <a:p>
+                      <a:pPr algn="ctr" fontAlgn="b">
+                        <a:spcBef>
+                          <a:spcPts val="600"/>
+                        </a:spcBef>
+                        <a:spcAft>
+                          <a:spcPts val="600"/>
+                        </a:spcAft>
+                      </a:pPr>
+                      <a:r>
+                        <a:rPr lang="en-US" sz="2000" b="0" i="0" u="none" strike="noStrike" dirty="0">
+                          <a:solidFill>
+                            <a:srgbClr val="000000"/>
+                          </a:solidFill>
+                          <a:effectLst/>
+                          <a:latin typeface="+mn-lt"/>
+                        </a:rPr>
+                        <a:t>4</a:t>
+                      </a:r>
+                    </a:p>
+                  </a:txBody>
+                  <a:tcPr anchor="ctr"/>
+                </a:tc>
+                <a:tc>
+                  <a:txBody>
+                    <a:bodyPr/>
+                    <a:lstStyle/>
+                    <a:p>
+                      <a:pPr algn="ctr" fontAlgn="b">
+                        <a:spcBef>
+                          <a:spcPts val="600"/>
+                        </a:spcBef>
+                        <a:spcAft>
+                          <a:spcPts val="600"/>
+                        </a:spcAft>
+                      </a:pPr>
+                      <a:r>
+                        <a:rPr lang="en-US" sz="2000" b="0" i="0" u="none" strike="noStrike" dirty="0">
+                          <a:solidFill>
+                            <a:srgbClr val="000000"/>
+                          </a:solidFill>
+                          <a:effectLst/>
+                          <a:latin typeface="+mn-lt"/>
+                        </a:rPr>
+                        <a:t>107</a:t>
+                      </a:r>
+                    </a:p>
+                  </a:txBody>
+                  <a:tcPr anchor="ctr"/>
+                </a:tc>
+                <a:extLst>
+                  <a:ext uri="{0D108BD9-81ED-4DB2-BD59-A6C34878D82A}">
+                    <a16:rowId xmlns:a16="http://schemas.microsoft.com/office/drawing/2014/main" val="1778520297"/>
+                  </a:ext>
+                </a:extLst>
+              </a:tr>
+            </a:tbl>
+          </a:graphicData>
+        </a:graphic>
+      </p:graphicFrame>
+    </p:spTree>
+    <p:extLst>
+      <p:ext uri="{BB962C8B-B14F-4D97-AF65-F5344CB8AC3E}">
+        <p14:creationId xmlns:p14="http://schemas.microsoft.com/office/powerpoint/2010/main" val="3254990031"/>
+      </p:ext>
+    </p:extLst>
+  </p:cSld>
+  <p:clrMapOvr>
+    <a:masterClrMapping/>
+  </p:clrMapOvr>
+</p:sld>
+</file>
+
+<file path=ppt/slides/slide11.xml><?xml version="1.0" encoding="utf-8"?>
+<p:sld xmlns:a="http://schemas.openxmlformats.org/drawingml/2006/main" xmlns:r="http://schemas.openxmlformats.org/officeDocument/2006/relationships" xmlns:p="http://schemas.openxmlformats.org/presentationml/2006/main">
+  <p:cSld>
+    <p:spTree>
+      <p:nvGrpSpPr>
+        <p:cNvPr id="1" name=""/>
+        <p:cNvGrpSpPr/>
+        <p:nvPr/>
+      </p:nvGrpSpPr>
+      <p:grpSpPr>
+        <a:xfrm>
+          <a:off x="0" y="0"/>
+          <a:ext cx="0" cy="0"/>
+          <a:chOff x="0" y="0"/>
+          <a:chExt cx="0" cy="0"/>
+        </a:xfrm>
+      </p:grpSpPr>
+      <p:sp>
+        <p:nvSpPr>
+          <p:cNvPr id="2" name="Title 1">
+            <a:extLst>
+              <a:ext uri="{FF2B5EF4-FFF2-40B4-BE49-F238E27FC236}">
                 <a16:creationId xmlns:a16="http://schemas.microsoft.com/office/drawing/2014/main" id="{4574AF5D-D862-3FC2-D21E-3FFA30967A16}"/>
               </a:ext>
             </a:extLst>
@@ -10676,10 +13600,10 @@
       </p:sp>
       <p:pic>
         <p:nvPicPr>
-          <p:cNvPr id="7" name="Content Placeholder 6" descr="Chart, bar chart&#10;&#10;Description automatically generated">
+          <p:cNvPr id="12" name="Content Placeholder 11">
             <a:extLst>
               <a:ext uri="{FF2B5EF4-FFF2-40B4-BE49-F238E27FC236}">
-                <a16:creationId xmlns:a16="http://schemas.microsoft.com/office/drawing/2014/main" id="{EC7D6BC5-AA1F-4799-6135-9839B6910D3D}"/>
+                <a16:creationId xmlns:a16="http://schemas.microsoft.com/office/drawing/2014/main" id="{9673AD7A-6D3E-0A67-AE55-D6C4FC8ED30A}"/>
               </a:ext>
             </a:extLst>
           </p:cNvPr>
@@ -10698,9 +13622,12 @@
         </p:blipFill>
         <p:spPr>
           <a:xfrm>
-            <a:off x="2211788" y="1928813"/>
-            <a:ext cx="7768423" cy="4252912"/>
+            <a:off x="2256183" y="1812710"/>
+            <a:ext cx="7523922" cy="4891532"/>
           </a:xfrm>
+          <a:prstGeom prst="rect">
+            <a:avLst/>
+          </a:prstGeom>
         </p:spPr>
       </p:pic>
     </p:spTree>
@@ -10716,7 +13643,7 @@
 </p:sld>
 </file>
 
-<file path=ppt/slides/slide11.xml><?xml version="1.0" encoding="utf-8"?>
+<file path=ppt/slides/slide12.xml><?xml version="1.0" encoding="utf-8"?>
 <p:sld xmlns:a="http://schemas.openxmlformats.org/drawingml/2006/main" xmlns:r="http://schemas.openxmlformats.org/officeDocument/2006/relationships" xmlns:p="http://schemas.openxmlformats.org/presentationml/2006/main">
   <p:cSld>
     <p:spTree>
@@ -10763,10 +13690,10 @@
       </p:sp>
       <p:pic>
         <p:nvPicPr>
-          <p:cNvPr id="7" name="Content Placeholder 6" descr="Chart, bar chart&#10;&#10;Description automatically generated">
+          <p:cNvPr id="9" name="Content Placeholder 8">
             <a:extLst>
               <a:ext uri="{FF2B5EF4-FFF2-40B4-BE49-F238E27FC236}">
-                <a16:creationId xmlns:a16="http://schemas.microsoft.com/office/drawing/2014/main" id="{F3C2392D-63AE-F9A5-A294-B8C49638518D}"/>
+                <a16:creationId xmlns:a16="http://schemas.microsoft.com/office/drawing/2014/main" id="{22958C29-007F-3C76-912A-72A91B7F3D63}"/>
               </a:ext>
             </a:extLst>
           </p:cNvPr>
@@ -10785,9 +13712,12 @@
         </p:blipFill>
         <p:spPr>
           <a:xfrm>
-            <a:off x="3350804" y="2028876"/>
-            <a:ext cx="5490392" cy="4463999"/>
+            <a:off x="2527852" y="1845526"/>
+            <a:ext cx="7136296" cy="4798544"/>
           </a:xfrm>
+          <a:prstGeom prst="rect">
+            <a:avLst/>
+          </a:prstGeom>
         </p:spPr>
       </p:pic>
     </p:spTree>
@@ -10803,7 +13733,7 @@
 </p:sld>
 </file>
 
-<file path=ppt/slides/slide12.xml><?xml version="1.0" encoding="utf-8"?>
+<file path=ppt/slides/slide13.xml><?xml version="1.0" encoding="utf-8"?>
 <p:sld xmlns:a="http://schemas.openxmlformats.org/drawingml/2006/main" xmlns:r="http://schemas.openxmlformats.org/officeDocument/2006/relationships" xmlns:p="http://schemas.openxmlformats.org/presentationml/2006/main">
   <p:cSld>
     <p:spTree>
@@ -10850,10 +13780,10 @@
       </p:sp>
       <p:pic>
         <p:nvPicPr>
-          <p:cNvPr id="7" name="Content Placeholder 6" descr="Chart, box and whisker chart&#10;&#10;Description automatically generated">
+          <p:cNvPr id="5" name="Content Placeholder 4">
             <a:extLst>
               <a:ext uri="{FF2B5EF4-FFF2-40B4-BE49-F238E27FC236}">
-                <a16:creationId xmlns:a16="http://schemas.microsoft.com/office/drawing/2014/main" id="{21106AB9-0B1F-654F-C1A7-8A36EA91AACE}"/>
+                <a16:creationId xmlns:a16="http://schemas.microsoft.com/office/drawing/2014/main" id="{7F1505D9-3B14-4A8B-7821-3AEBA2F55F28}"/>
               </a:ext>
             </a:extLst>
           </p:cNvPr>
@@ -10872,35 +13802,8 @@
         </p:blipFill>
         <p:spPr>
           <a:xfrm>
-            <a:off x="951197" y="2089451"/>
-            <a:ext cx="5144803" cy="4252912"/>
-          </a:xfrm>
-        </p:spPr>
-      </p:pic>
-      <p:pic>
-        <p:nvPicPr>
-          <p:cNvPr id="9" name="Picture 8" descr="Chart, box and whisker chart&#10;&#10;Description automatically generated">
-            <a:extLst>
-              <a:ext uri="{FF2B5EF4-FFF2-40B4-BE49-F238E27FC236}">
-                <a16:creationId xmlns:a16="http://schemas.microsoft.com/office/drawing/2014/main" id="{DDC2C09D-3824-AE24-98E5-E87CB1AF6E58}"/>
-              </a:ext>
-            </a:extLst>
-          </p:cNvPr>
-          <p:cNvPicPr>
-            <a:picLocks noChangeAspect="1"/>
-          </p:cNvPicPr>
-          <p:nvPr/>
-        </p:nvPicPr>
-        <p:blipFill>
-          <a:blip r:embed="rId3"/>
-          <a:stretch>
-            <a:fillRect/>
-          </a:stretch>
-        </p:blipFill>
-        <p:spPr>
-          <a:xfrm>
-            <a:off x="6513433" y="2089451"/>
-            <a:ext cx="4727370" cy="4768549"/>
+            <a:off x="1353638" y="1827625"/>
+            <a:ext cx="9484724" cy="4665250"/>
           </a:xfrm>
           <a:prstGeom prst="rect">
             <a:avLst/>
@@ -10920,7 +13823,97 @@
 </p:sld>
 </file>
 
-<file path=ppt/slides/slide13.xml><?xml version="1.0" encoding="utf-8"?>
+<file path=ppt/slides/slide14.xml><?xml version="1.0" encoding="utf-8"?>
+<p:sld xmlns:a="http://schemas.openxmlformats.org/drawingml/2006/main" xmlns:r="http://schemas.openxmlformats.org/officeDocument/2006/relationships" xmlns:p="http://schemas.openxmlformats.org/presentationml/2006/main">
+  <p:cSld>
+    <p:spTree>
+      <p:nvGrpSpPr>
+        <p:cNvPr id="1" name=""/>
+        <p:cNvGrpSpPr/>
+        <p:nvPr/>
+      </p:nvGrpSpPr>
+      <p:grpSpPr>
+        <a:xfrm>
+          <a:off x="0" y="0"/>
+          <a:ext cx="0" cy="0"/>
+          <a:chOff x="0" y="0"/>
+          <a:chExt cx="0" cy="0"/>
+        </a:xfrm>
+      </p:grpSpPr>
+      <p:sp>
+        <p:nvSpPr>
+          <p:cNvPr id="2" name="Title 1">
+            <a:extLst>
+              <a:ext uri="{FF2B5EF4-FFF2-40B4-BE49-F238E27FC236}">
+                <a16:creationId xmlns:a16="http://schemas.microsoft.com/office/drawing/2014/main" id="{50101209-B491-466D-BBD0-3256CB64A5C6}"/>
+              </a:ext>
+            </a:extLst>
+          </p:cNvPr>
+          <p:cNvSpPr>
+            <a:spLocks noGrp="1"/>
+          </p:cNvSpPr>
+          <p:nvPr>
+            <p:ph type="title"/>
+          </p:nvPr>
+        </p:nvSpPr>
+        <p:spPr/>
+        <p:txBody>
+          <a:bodyPr/>
+          <a:lstStyle/>
+          <a:p>
+            <a:r>
+              <a:rPr lang="en-US" dirty="0"/>
+              <a:t>Visualizations</a:t>
+            </a:r>
+          </a:p>
+        </p:txBody>
+      </p:sp>
+      <p:pic>
+        <p:nvPicPr>
+          <p:cNvPr id="5" name="Content Placeholder 4">
+            <a:extLst>
+              <a:ext uri="{FF2B5EF4-FFF2-40B4-BE49-F238E27FC236}">
+                <a16:creationId xmlns:a16="http://schemas.microsoft.com/office/drawing/2014/main" id="{5A15D12F-8DAF-D51D-1483-06B2B929BA14}"/>
+              </a:ext>
+            </a:extLst>
+          </p:cNvPr>
+          <p:cNvPicPr>
+            <a:picLocks noGrp="1" noChangeAspect="1"/>
+          </p:cNvPicPr>
+          <p:nvPr>
+            <p:ph idx="1"/>
+          </p:nvPr>
+        </p:nvPicPr>
+        <p:blipFill>
+          <a:blip r:embed="rId2"/>
+          <a:stretch>
+            <a:fillRect/>
+          </a:stretch>
+        </p:blipFill>
+        <p:spPr>
+          <a:xfrm>
+            <a:off x="2865783" y="1933047"/>
+            <a:ext cx="6460434" cy="4679819"/>
+          </a:xfrm>
+          <a:prstGeom prst="rect">
+            <a:avLst/>
+          </a:prstGeom>
+        </p:spPr>
+      </p:pic>
+    </p:spTree>
+    <p:extLst>
+      <p:ext uri="{BB962C8B-B14F-4D97-AF65-F5344CB8AC3E}">
+        <p14:creationId xmlns:p14="http://schemas.microsoft.com/office/powerpoint/2010/main" val="1448562256"/>
+      </p:ext>
+    </p:extLst>
+  </p:cSld>
+  <p:clrMapOvr>
+    <a:masterClrMapping/>
+  </p:clrMapOvr>
+</p:sld>
+</file>
+
+<file path=ppt/slides/slide15.xml><?xml version="1.0" encoding="utf-8"?>
 <p:sld xmlns:a="http://schemas.openxmlformats.org/drawingml/2006/main" xmlns:r="http://schemas.openxmlformats.org/officeDocument/2006/relationships" xmlns:p="http://schemas.openxmlformats.org/presentationml/2006/main">
   <p:cSld>
     <p:spTree>
@@ -11183,7 +14176,7 @@
 </p:sld>
 </file>
 
-<file path=ppt/slides/slide14.xml><?xml version="1.0" encoding="utf-8"?>
+<file path=ppt/slides/slide16.xml><?xml version="1.0" encoding="utf-8"?>
 <p:sld xmlns:a="http://schemas.openxmlformats.org/drawingml/2006/main" xmlns:r="http://schemas.openxmlformats.org/officeDocument/2006/relationships" xmlns:p="http://schemas.openxmlformats.org/presentationml/2006/main">
   <p:cSld>
     <p:bg>
